--- a/WlFPS.pptx
+++ b/WlFPS.pptx
@@ -5,13 +5,16 @@
     <p:sldMasterId id="2147483648" r:id="rId1"/>
   </p:sldMasterIdLst>
   <p:notesMasterIdLst>
-    <p:notesMasterId r:id="rId3"/>
+    <p:notesMasterId r:id="rId6"/>
   </p:notesMasterIdLst>
   <p:handoutMasterIdLst>
-    <p:handoutMasterId r:id="rId4"/>
+    <p:handoutMasterId r:id="rId7"/>
   </p:handoutMasterIdLst>
   <p:sldIdLst>
     <p:sldId id="281" r:id="rId2"/>
+    <p:sldId id="282" r:id="rId3"/>
+    <p:sldId id="283" r:id="rId4"/>
+    <p:sldId id="284" r:id="rId5"/>
   </p:sldIdLst>
   <p:sldSz cx="9144000" cy="6858000" type="screen4x3"/>
   <p:notesSz cx="6858000" cy="9144000"/>
@@ -112,7 +115,7 @@
   </p:defaultTextStyle>
   <p:extLst>
     <p:ext uri="{EFAFB233-063F-42B5-8137-9DF3F51BA10A}">
-      <p15:sldGuideLst xmlns:p15="http://schemas.microsoft.com/office/powerpoint/2012/main">
+      <p15:sldGuideLst xmlns:p15="http://schemas.microsoft.com/office/powerpoint/2012/main" xmlns="">
         <p15:guide id="1" orient="horz" pos="2160">
           <p15:clr>
             <a:srgbClr val="A4A3A4"/>
@@ -126,7 +129,7 @@
       </p15:sldGuideLst>
     </p:ext>
     <p:ext uri="{2D200454-40CA-4A62-9FC3-DE9A4176ACB9}">
-      <p15:notesGuideLst xmlns:p15="http://schemas.microsoft.com/office/powerpoint/2012/main">
+      <p15:notesGuideLst xmlns:p15="http://schemas.microsoft.com/office/powerpoint/2012/main" xmlns="">
         <p15:guide id="1" orient="horz" pos="2880">
           <p15:clr>
             <a:srgbClr val="A4A3A4"/>
@@ -226,7 +229,7 @@
             <a:fld id="{D83FDC75-7F73-4A4A-A77C-09AADF00E0EA}" type="datetimeFigureOut">
               <a:rPr lang="en-US" smtClean="0"/>
               <a:pPr/>
-              <a:t>3/1/2021</a:t>
+              <a:t>3/7/2021</a:t>
             </a:fld>
             <a:endParaRPr lang="en-US" dirty="0"/>
           </a:p>
@@ -393,7 +396,7 @@
             <a:fld id="{48AEF76B-3757-4A0B-AF93-28494465C1DD}" type="datetimeFigureOut">
               <a:rPr lang="en-US" smtClean="0"/>
               <a:pPr/>
-              <a:t>3/1/2021</a:t>
+              <a:t>3/7/2021</a:t>
             </a:fld>
             <a:endParaRPr lang="en-US" dirty="0"/>
           </a:p>
@@ -756,6 +759,114 @@
               <a:rPr lang="en-US" smtClean="0"/>
               <a:pPr/>
               <a:t>1</a:t>
+            </a:fld>
+            <a:endParaRPr lang="en-US"/>
+          </a:p>
+        </p:txBody>
+      </p:sp>
+    </p:spTree>
+  </p:cSld>
+  <p:clrMapOvr>
+    <a:masterClrMapping/>
+  </p:clrMapOvr>
+</p:notes>
+</file>
+
+<file path=ppt/notesSlides/notesSlide2.xml><?xml version="1.0" encoding="utf-8"?>
+<p:notes xmlns:a="http://schemas.openxmlformats.org/drawingml/2006/main" xmlns:r="http://schemas.openxmlformats.org/officeDocument/2006/relationships" xmlns:p="http://schemas.openxmlformats.org/presentationml/2006/main">
+  <p:cSld>
+    <p:spTree>
+      <p:nvGrpSpPr>
+        <p:cNvPr id="1" name=""/>
+        <p:cNvGrpSpPr/>
+        <p:nvPr/>
+      </p:nvGrpSpPr>
+      <p:grpSpPr>
+        <a:xfrm>
+          <a:off x="0" y="0"/>
+          <a:ext cx="0" cy="0"/>
+          <a:chOff x="0" y="0"/>
+          <a:chExt cx="0" cy="0"/>
+        </a:xfrm>
+      </p:grpSpPr>
+      <p:sp>
+        <p:nvSpPr>
+          <p:cNvPr id="2" name="Slide Image Placeholder 1"/>
+          <p:cNvSpPr>
+            <a:spLocks noGrp="1" noRot="1" noChangeAspect="1"/>
+          </p:cNvSpPr>
+          <p:nvPr>
+            <p:ph type="sldImg"/>
+          </p:nvPr>
+        </p:nvSpPr>
+        <p:spPr/>
+      </p:sp>
+      <p:sp>
+        <p:nvSpPr>
+          <p:cNvPr id="3" name="Notes Placeholder 2"/>
+          <p:cNvSpPr>
+            <a:spLocks noGrp="1"/>
+          </p:cNvSpPr>
+          <p:nvPr>
+            <p:ph type="body" idx="1"/>
+          </p:nvPr>
+        </p:nvSpPr>
+        <p:spPr/>
+        <p:txBody>
+          <a:bodyPr/>
+          <a:lstStyle/>
+          <a:p>
+            <a:pPr marL="0" marR="0" indent="0" algn="l" defTabSz="914400" rtl="0" eaLnBrk="1" fontAlgn="auto" latinLnBrk="0" hangingPunct="1">
+              <a:lnSpc>
+                <a:spcPct val="100000"/>
+              </a:lnSpc>
+              <a:spcBef>
+                <a:spcPts val="0"/>
+              </a:spcBef>
+              <a:spcAft>
+                <a:spcPts val="0"/>
+              </a:spcAft>
+              <a:buClrTx/>
+              <a:buSzTx/>
+              <a:buFontTx/>
+              <a:buNone/>
+              <a:tabLst/>
+              <a:defRPr/>
+            </a:pPr>
+            <a:r>
+              <a:rPr lang="en-US" sz="1200" dirty="0"/>
+              <a:t>This is another option</a:t>
+            </a:r>
+            <a:r>
+              <a:rPr lang="en-US" sz="1200" baseline="0" dirty="0"/>
+              <a:t> for an Overview slides using transitions.</a:t>
+            </a:r>
+            <a:endParaRPr lang="en-US" sz="1200" dirty="0"/>
+          </a:p>
+          <a:p>
+            <a:endParaRPr lang="en-US" dirty="0"/>
+          </a:p>
+        </p:txBody>
+      </p:sp>
+      <p:sp>
+        <p:nvSpPr>
+          <p:cNvPr id="4" name="Slide Number Placeholder 3"/>
+          <p:cNvSpPr>
+            <a:spLocks noGrp="1"/>
+          </p:cNvSpPr>
+          <p:nvPr>
+            <p:ph type="sldNum" sz="quarter" idx="10"/>
+          </p:nvPr>
+        </p:nvSpPr>
+        <p:spPr/>
+        <p:txBody>
+          <a:bodyPr/>
+          <a:lstStyle/>
+          <a:p>
+            <a:fld id="{75693FD4-8F83-4EF7-AC3F-0DC0388986B0}" type="slidenum">
+              <a:rPr lang="en-US" smtClean="0"/>
+              <a:pPr/>
+              <a:t>4</a:t>
             </a:fld>
             <a:endParaRPr lang="en-US"/>
           </a:p>
@@ -1234,7 +1345,7 @@
             <a:fld id="{757B281C-5159-4971-8228-52B9A72E9ED2}" type="datetimeFigureOut">
               <a:rPr lang="en-US" smtClean="0"/>
               <a:pPr/>
-              <a:t>3/1/2021</a:t>
+              <a:t>3/7/2021</a:t>
             </a:fld>
             <a:endParaRPr lang="en-US" dirty="0"/>
           </a:p>
@@ -1329,7 +1440,7 @@
             <a:fld id="{757B281C-5159-4971-8228-52B9A72E9ED2}" type="datetimeFigureOut">
               <a:rPr lang="en-US" smtClean="0"/>
               <a:pPr/>
-              <a:t>3/1/2021</a:t>
+              <a:t>3/7/2021</a:t>
             </a:fld>
             <a:endParaRPr lang="en-US" dirty="0"/>
           </a:p>
@@ -1458,7 +1569,7 @@
             <a:fld id="{757B281C-5159-4971-8228-52B9A72E9ED2}" type="datetimeFigureOut">
               <a:rPr lang="en-US" smtClean="0"/>
               <a:pPr/>
-              <a:t>3/1/2021</a:t>
+              <a:t>3/7/2021</a:t>
             </a:fld>
             <a:endParaRPr lang="en-US" dirty="0"/>
           </a:p>
@@ -1656,7 +1767,7 @@
             <a:fld id="{757B281C-5159-4971-8228-52B9A72E9ED2}" type="datetimeFigureOut">
               <a:rPr lang="en-US" smtClean="0"/>
               <a:pPr/>
-              <a:t>3/1/2021</a:t>
+              <a:t>3/7/2021</a:t>
             </a:fld>
             <a:endParaRPr lang="en-US" dirty="0"/>
           </a:p>
@@ -2053,7 +2164,7 @@
             <a:fld id="{757B281C-5159-4971-8228-52B9A72E9ED2}" type="datetimeFigureOut">
               <a:rPr lang="en-US" smtClean="0"/>
               <a:pPr/>
-              <a:t>3/1/2021</a:t>
+              <a:t>3/7/2021</a:t>
             </a:fld>
             <a:endParaRPr lang="en-US" dirty="0"/>
           </a:p>
@@ -2343,7 +2454,7 @@
             <a:fld id="{757B281C-5159-4971-8228-52B9A72E9ED2}" type="datetimeFigureOut">
               <a:rPr lang="en-US" smtClean="0"/>
               <a:pPr/>
-              <a:t>3/1/2021</a:t>
+              <a:t>3/7/2021</a:t>
             </a:fld>
             <a:endParaRPr lang="en-US" dirty="0"/>
           </a:p>
@@ -2762,7 +2873,7 @@
             <a:fld id="{757B281C-5159-4971-8228-52B9A72E9ED2}" type="datetimeFigureOut">
               <a:rPr lang="en-US" smtClean="0"/>
               <a:pPr/>
-              <a:t>3/1/2021</a:t>
+              <a:t>3/7/2021</a:t>
             </a:fld>
             <a:endParaRPr lang="en-US" dirty="0"/>
           </a:p>
@@ -3037,7 +3148,7 @@
             <a:fld id="{757B281C-5159-4971-8228-52B9A72E9ED2}" type="datetimeFigureOut">
               <a:rPr lang="en-US" smtClean="0"/>
               <a:pPr/>
-              <a:t>3/1/2021</a:t>
+              <a:t>3/7/2021</a:t>
             </a:fld>
             <a:endParaRPr lang="en-US" dirty="0"/>
           </a:p>
@@ -3293,7 +3404,7 @@
             <a:fld id="{757B281C-5159-4971-8228-52B9A72E9ED2}" type="datetimeFigureOut">
               <a:rPr lang="en-US" smtClean="0"/>
               <a:pPr/>
-              <a:t>3/1/2021</a:t>
+              <a:t>3/7/2021</a:t>
             </a:fld>
             <a:endParaRPr lang="en-US" dirty="0"/>
           </a:p>
@@ -3461,7 +3572,7 @@
             <a:fld id="{757B281C-5159-4971-8228-52B9A72E9ED2}" type="datetimeFigureOut">
               <a:rPr lang="en-US" smtClean="0"/>
               <a:pPr/>
-              <a:t>3/1/2021</a:t>
+              <a:t>3/7/2021</a:t>
             </a:fld>
             <a:endParaRPr lang="en-US" dirty="0"/>
           </a:p>
@@ -3639,7 +3750,7 @@
             <a:fld id="{757B281C-5159-4971-8228-52B9A72E9ED2}" type="datetimeFigureOut">
               <a:rPr lang="en-US" smtClean="0"/>
               <a:pPr/>
-              <a:t>3/1/2021</a:t>
+              <a:t>3/7/2021</a:t>
             </a:fld>
             <a:endParaRPr lang="en-US" dirty="0"/>
           </a:p>
@@ -3881,7 +3992,7 @@
             <a:fld id="{757B281C-5159-4971-8228-52B9A72E9ED2}" type="datetimeFigureOut">
               <a:rPr lang="en-US" smtClean="0"/>
               <a:pPr/>
-              <a:t>3/1/2021</a:t>
+              <a:t>3/7/2021</a:t>
             </a:fld>
             <a:endParaRPr lang="en-US" dirty="0"/>
           </a:p>
@@ -4290,7 +4401,7 @@
           <p:cNvPr id="91" name="Picture 90" descr="Free Icon | Wifi">
             <a:extLst>
               <a:ext uri="{FF2B5EF4-FFF2-40B4-BE49-F238E27FC236}">
-                <a16:creationId xmlns:a16="http://schemas.microsoft.com/office/drawing/2014/main" id="{8C0D1CC1-0F99-45F8-B30B-F5786D94F875}"/>
+                <a16:creationId xmlns:a16="http://schemas.microsoft.com/office/drawing/2014/main" xmlns="" id="{8C0D1CC1-0F99-45F8-B30B-F5786D94F875}"/>
               </a:ext>
             </a:extLst>
           </p:cNvPr>
@@ -4329,7 +4440,7 @@
           <p:cNvPr id="80" name="Picture 79" descr="Free Icon | Wifi">
             <a:extLst>
               <a:ext uri="{FF2B5EF4-FFF2-40B4-BE49-F238E27FC236}">
-                <a16:creationId xmlns:a16="http://schemas.microsoft.com/office/drawing/2014/main" id="{35E36CD3-6B5D-4E30-B897-685D3D72453D}"/>
+                <a16:creationId xmlns:a16="http://schemas.microsoft.com/office/drawing/2014/main" xmlns="" id="{35E36CD3-6B5D-4E30-B897-685D3D72453D}"/>
               </a:ext>
             </a:extLst>
           </p:cNvPr>
@@ -7086,7 +7197,7 @@
           <p:cNvPr id="81" name="TextBox 80">
             <a:extLst>
               <a:ext uri="{FF2B5EF4-FFF2-40B4-BE49-F238E27FC236}">
-                <a16:creationId xmlns:a16="http://schemas.microsoft.com/office/drawing/2014/main" id="{790D0203-3E55-41ED-B09F-6DF8228F54B7}"/>
+                <a16:creationId xmlns:a16="http://schemas.microsoft.com/office/drawing/2014/main" xmlns="" id="{790D0203-3E55-41ED-B09F-6DF8228F54B7}"/>
               </a:ext>
             </a:extLst>
           </p:cNvPr>
@@ -7138,7 +7249,7 @@
           <p:cNvPr id="85" name="TextBox 84">
             <a:extLst>
               <a:ext uri="{FF2B5EF4-FFF2-40B4-BE49-F238E27FC236}">
-                <a16:creationId xmlns:a16="http://schemas.microsoft.com/office/drawing/2014/main" id="{71E992D9-D949-4276-AAC3-636153343403}"/>
+                <a16:creationId xmlns:a16="http://schemas.microsoft.com/office/drawing/2014/main" xmlns="" id="{71E992D9-D949-4276-AAC3-636153343403}"/>
               </a:ext>
             </a:extLst>
           </p:cNvPr>
@@ -7190,7 +7301,7 @@
           <p:cNvPr id="86" name="TextBox 85">
             <a:extLst>
               <a:ext uri="{FF2B5EF4-FFF2-40B4-BE49-F238E27FC236}">
-                <a16:creationId xmlns:a16="http://schemas.microsoft.com/office/drawing/2014/main" id="{574F8BB8-07A3-4F63-8DD0-219A9FDDE81D}"/>
+                <a16:creationId xmlns:a16="http://schemas.microsoft.com/office/drawing/2014/main" xmlns="" id="{574F8BB8-07A3-4F63-8DD0-219A9FDDE81D}"/>
               </a:ext>
             </a:extLst>
           </p:cNvPr>
@@ -7245,6 +7356,3643 @@
   <p:transition spd="slow">
     <p:fade/>
   </p:transition>
+  <p:timing>
+    <p:tnLst>
+      <p:par>
+        <p:cTn id="1" dur="indefinite" restart="never" nodeType="tmRoot"/>
+      </p:par>
+    </p:tnLst>
+  </p:timing>
+</p:sld>
+</file>
+
+<file path=ppt/slides/slide2.xml><?xml version="1.0" encoding="utf-8"?>
+<p:sld xmlns:a="http://schemas.openxmlformats.org/drawingml/2006/main" xmlns:r="http://schemas.openxmlformats.org/officeDocument/2006/relationships" xmlns:p="http://schemas.openxmlformats.org/presentationml/2006/main">
+  <p:cSld>
+    <p:spTree>
+      <p:nvGrpSpPr>
+        <p:cNvPr id="1" name=""/>
+        <p:cNvGrpSpPr/>
+        <p:nvPr/>
+      </p:nvGrpSpPr>
+      <p:grpSpPr>
+        <a:xfrm>
+          <a:off x="0" y="0"/>
+          <a:ext cx="0" cy="0"/>
+          <a:chOff x="0" y="0"/>
+          <a:chExt cx="0" cy="0"/>
+        </a:xfrm>
+      </p:grpSpPr>
+      <p:pic>
+        <p:nvPicPr>
+          <p:cNvPr id="2" name="Picture 1" descr="Arduino LCD/keypad shield - YouTube"/>
+          <p:cNvPicPr/>
+          <p:nvPr/>
+        </p:nvPicPr>
+        <p:blipFill>
+          <a:blip r:embed="rId2" cstate="email">
+            <a:extLst>
+              <a:ext uri="{28A0092B-C50C-407E-A947-70E740481C1C}">
+                <a14:useLocalDpi xmlns:a14="http://schemas.microsoft.com/office/drawing/2010/main" val="0"/>
+              </a:ext>
+            </a:extLst>
+          </a:blip>
+          <a:srcRect/>
+          <a:stretch>
+            <a:fillRect/>
+          </a:stretch>
+        </p:blipFill>
+        <p:spPr bwMode="auto">
+          <a:xfrm>
+            <a:off x="823170" y="1935698"/>
+            <a:ext cx="2527935" cy="1423035"/>
+          </a:xfrm>
+          <a:prstGeom prst="rect">
+            <a:avLst/>
+          </a:prstGeom>
+          <a:noFill/>
+          <a:ln>
+            <a:noFill/>
+          </a:ln>
+        </p:spPr>
+      </p:pic>
+      <p:pic>
+        <p:nvPicPr>
+          <p:cNvPr id="3" name="Picture 2"/>
+          <p:cNvPicPr/>
+          <p:nvPr/>
+        </p:nvPicPr>
+        <p:blipFill>
+          <a:blip r:embed="rId3"/>
+          <a:stretch>
+            <a:fillRect/>
+          </a:stretch>
+        </p:blipFill>
+        <p:spPr>
+          <a:xfrm rot="10800000">
+            <a:off x="5496060" y="2013219"/>
+            <a:ext cx="761365" cy="1204595"/>
+          </a:xfrm>
+          <a:prstGeom prst="rect">
+            <a:avLst/>
+          </a:prstGeom>
+        </p:spPr>
+      </p:pic>
+      <p:cxnSp>
+        <p:nvCxnSpPr>
+          <p:cNvPr id="4" name="Elbow Connector 3"/>
+          <p:cNvCxnSpPr>
+            <a:stCxn id="2" idx="3"/>
+            <a:endCxn id="3" idx="3"/>
+          </p:cNvCxnSpPr>
+          <p:nvPr/>
+        </p:nvCxnSpPr>
+        <p:spPr>
+          <a:xfrm flipV="1">
+            <a:off x="3351105" y="2615516"/>
+            <a:ext cx="2144955" cy="31700"/>
+          </a:xfrm>
+          <a:prstGeom prst="bentConnector3">
+            <a:avLst/>
+          </a:prstGeom>
+          <a:ln w="25400">
+            <a:solidFill>
+              <a:srgbClr val="0000FF"/>
+            </a:solidFill>
+            <a:headEnd type="stealth"/>
+            <a:tailEnd type="stealth"/>
+          </a:ln>
+        </p:spPr>
+        <p:style>
+          <a:lnRef idx="1">
+            <a:schemeClr val="accent1"/>
+          </a:lnRef>
+          <a:fillRef idx="0">
+            <a:schemeClr val="accent1"/>
+          </a:fillRef>
+          <a:effectRef idx="0">
+            <a:schemeClr val="accent1"/>
+          </a:effectRef>
+          <a:fontRef idx="minor">
+            <a:schemeClr val="tx1"/>
+          </a:fontRef>
+        </p:style>
+      </p:cxnSp>
+      <p:sp>
+        <p:nvSpPr>
+          <p:cNvPr id="5" name="TextBox 4"/>
+          <p:cNvSpPr txBox="1"/>
+          <p:nvPr/>
+        </p:nvSpPr>
+        <p:spPr>
+          <a:xfrm>
+            <a:off x="3792561" y="2324049"/>
+            <a:ext cx="1139479" cy="646331"/>
+          </a:xfrm>
+          <a:prstGeom prst="rect">
+            <a:avLst/>
+          </a:prstGeom>
+          <a:noFill/>
+        </p:spPr>
+        <p:txBody>
+          <a:bodyPr wrap="none" rtlCol="0">
+            <a:spAutoFit/>
+          </a:bodyPr>
+          <a:lstStyle/>
+          <a:p>
+            <a:r>
+              <a:rPr lang="en-ID" b="1" dirty="0" smtClean="0">
+                <a:solidFill>
+                  <a:srgbClr val="0000FF"/>
+                </a:solidFill>
+              </a:rPr>
+              <a:t>Serial</a:t>
+            </a:r>
+          </a:p>
+          <a:p>
+            <a:r>
+              <a:rPr lang="en-ID" b="1" dirty="0" smtClean="0">
+                <a:solidFill>
+                  <a:srgbClr val="0000FF"/>
+                </a:solidFill>
+              </a:rPr>
+              <a:t>Hard-wire</a:t>
+            </a:r>
+            <a:endParaRPr lang="en-US" b="1" dirty="0">
+              <a:solidFill>
+                <a:srgbClr val="0000FF"/>
+              </a:solidFill>
+            </a:endParaRPr>
+          </a:p>
+        </p:txBody>
+      </p:sp>
+      <p:sp>
+        <p:nvSpPr>
+          <p:cNvPr id="6" name="Title 5"/>
+          <p:cNvSpPr>
+            <a:spLocks noGrp="1"/>
+          </p:cNvSpPr>
+          <p:nvPr>
+            <p:ph type="title"/>
+          </p:nvPr>
+        </p:nvSpPr>
+        <p:spPr/>
+        <p:txBody>
+          <a:bodyPr/>
+          <a:lstStyle/>
+          <a:p>
+            <a:r>
+              <a:rPr lang="en-ID" b="1" dirty="0" smtClean="0">
+                <a:solidFill>
+                  <a:srgbClr val="0000FF"/>
+                </a:solidFill>
+              </a:rPr>
+              <a:t>Local Panel - HW</a:t>
+            </a:r>
+            <a:endParaRPr lang="en-US" b="1" dirty="0">
+              <a:solidFill>
+                <a:srgbClr val="0000FF"/>
+              </a:solidFill>
+            </a:endParaRPr>
+          </a:p>
+        </p:txBody>
+      </p:sp>
+      <p:sp>
+        <p:nvSpPr>
+          <p:cNvPr id="7" name="TextBox 6"/>
+          <p:cNvSpPr txBox="1"/>
+          <p:nvPr/>
+        </p:nvSpPr>
+        <p:spPr>
+          <a:xfrm>
+            <a:off x="1043608" y="3358733"/>
+            <a:ext cx="1962012" cy="646331"/>
+          </a:xfrm>
+          <a:prstGeom prst="rect">
+            <a:avLst/>
+          </a:prstGeom>
+          <a:noFill/>
+        </p:spPr>
+        <p:txBody>
+          <a:bodyPr wrap="none" rtlCol="0">
+            <a:spAutoFit/>
+          </a:bodyPr>
+          <a:lstStyle/>
+          <a:p>
+            <a:r>
+              <a:rPr lang="en-ID" b="1" dirty="0" err="1" smtClean="0">
+                <a:solidFill>
+                  <a:srgbClr val="0000FF"/>
+                </a:solidFill>
+              </a:rPr>
+              <a:t>Arduino</a:t>
+            </a:r>
+            <a:r>
+              <a:rPr lang="en-ID" b="1" dirty="0" smtClean="0">
+                <a:solidFill>
+                  <a:srgbClr val="0000FF"/>
+                </a:solidFill>
+              </a:rPr>
+              <a:t> Mega c/w</a:t>
+            </a:r>
+          </a:p>
+          <a:p>
+            <a:r>
+              <a:rPr lang="en-ID" b="1" dirty="0" err="1" smtClean="0">
+                <a:solidFill>
+                  <a:srgbClr val="0000FF"/>
+                </a:solidFill>
+              </a:rPr>
+              <a:t>Lcd</a:t>
+            </a:r>
+            <a:r>
+              <a:rPr lang="en-ID" b="1" dirty="0" smtClean="0">
+                <a:solidFill>
+                  <a:srgbClr val="0000FF"/>
+                </a:solidFill>
+              </a:rPr>
+              <a:t> Keypad</a:t>
+            </a:r>
+            <a:endParaRPr lang="en-US" b="1" dirty="0">
+              <a:solidFill>
+                <a:srgbClr val="0000FF"/>
+              </a:solidFill>
+            </a:endParaRPr>
+          </a:p>
+        </p:txBody>
+      </p:sp>
+      <p:sp>
+        <p:nvSpPr>
+          <p:cNvPr id="8" name="TextBox 7"/>
+          <p:cNvSpPr txBox="1"/>
+          <p:nvPr/>
+        </p:nvSpPr>
+        <p:spPr>
+          <a:xfrm>
+            <a:off x="5540562" y="3302481"/>
+            <a:ext cx="831638" cy="369332"/>
+          </a:xfrm>
+          <a:prstGeom prst="rect">
+            <a:avLst/>
+          </a:prstGeom>
+          <a:noFill/>
+        </p:spPr>
+        <p:txBody>
+          <a:bodyPr wrap="none" rtlCol="0">
+            <a:spAutoFit/>
+          </a:bodyPr>
+          <a:lstStyle/>
+          <a:p>
+            <a:r>
+              <a:rPr lang="en-ID" b="1" dirty="0" smtClean="0">
+                <a:solidFill>
+                  <a:srgbClr val="0000FF"/>
+                </a:solidFill>
+              </a:rPr>
+              <a:t>ESP-01</a:t>
+            </a:r>
+            <a:endParaRPr lang="en-US" b="1" dirty="0">
+              <a:solidFill>
+                <a:srgbClr val="0000FF"/>
+              </a:solidFill>
+            </a:endParaRPr>
+          </a:p>
+        </p:txBody>
+      </p:sp>
+      <p:sp>
+        <p:nvSpPr>
+          <p:cNvPr id="9" name="TextBox 8"/>
+          <p:cNvSpPr txBox="1"/>
+          <p:nvPr/>
+        </p:nvSpPr>
+        <p:spPr>
+          <a:xfrm>
+            <a:off x="5540334" y="1628800"/>
+            <a:ext cx="796949" cy="369332"/>
+          </a:xfrm>
+          <a:prstGeom prst="rect">
+            <a:avLst/>
+          </a:prstGeom>
+          <a:noFill/>
+        </p:spPr>
+        <p:txBody>
+          <a:bodyPr wrap="none" rtlCol="0">
+            <a:spAutoFit/>
+          </a:bodyPr>
+          <a:lstStyle/>
+          <a:p>
+            <a:r>
+              <a:rPr lang="en-ID" b="1" dirty="0" smtClean="0">
+                <a:solidFill>
+                  <a:srgbClr val="0000FF"/>
+                </a:solidFill>
+              </a:rPr>
+              <a:t>Server</a:t>
+            </a:r>
+            <a:endParaRPr lang="en-US" b="1" dirty="0">
+              <a:solidFill>
+                <a:srgbClr val="0000FF"/>
+              </a:solidFill>
+            </a:endParaRPr>
+          </a:p>
+        </p:txBody>
+      </p:sp>
+    </p:spTree>
+    <p:extLst>
+      <p:ext uri="{BB962C8B-B14F-4D97-AF65-F5344CB8AC3E}">
+        <p14:creationId xmlns:p14="http://schemas.microsoft.com/office/powerpoint/2010/main" val="118418145"/>
+      </p:ext>
+    </p:extLst>
+  </p:cSld>
+  <p:clrMapOvr>
+    <a:masterClrMapping/>
+  </p:clrMapOvr>
+  <p:transition spd="slow">
+    <p:wipe dir="d"/>
+  </p:transition>
+  <p:timing>
+    <p:tnLst>
+      <p:par>
+        <p:cTn id="1" dur="indefinite" restart="never" nodeType="tmRoot"/>
+      </p:par>
+    </p:tnLst>
+  </p:timing>
+</p:sld>
+</file>
+
+<file path=ppt/slides/slide3.xml><?xml version="1.0" encoding="utf-8"?>
+<p:sld xmlns:a="http://schemas.openxmlformats.org/drawingml/2006/main" xmlns:r="http://schemas.openxmlformats.org/officeDocument/2006/relationships" xmlns:p="http://schemas.openxmlformats.org/presentationml/2006/main">
+  <p:cSld>
+    <p:spTree>
+      <p:nvGrpSpPr>
+        <p:cNvPr id="1" name=""/>
+        <p:cNvGrpSpPr/>
+        <p:nvPr/>
+      </p:nvGrpSpPr>
+      <p:grpSpPr>
+        <a:xfrm>
+          <a:off x="0" y="0"/>
+          <a:ext cx="0" cy="0"/>
+          <a:chOff x="0" y="0"/>
+          <a:chExt cx="0" cy="0"/>
+        </a:xfrm>
+      </p:grpSpPr>
+      <p:pic>
+        <p:nvPicPr>
+          <p:cNvPr id="10" name="Picture 9" descr="Free Icon | Wifi">
+            <a:extLst>
+              <a:ext uri="{FF2B5EF4-FFF2-40B4-BE49-F238E27FC236}">
+                <a16:creationId xmlns:a16="http://schemas.microsoft.com/office/drawing/2014/main" xmlns="" id="{35E36CD3-6B5D-4E30-B897-685D3D72453D}"/>
+              </a:ext>
+            </a:extLst>
+          </p:cNvPr>
+          <p:cNvPicPr/>
+          <p:nvPr/>
+        </p:nvPicPr>
+        <p:blipFill>
+          <a:blip r:embed="rId2" cstate="email">
+            <a:extLst>
+              <a:ext uri="{28A0092B-C50C-407E-A947-70E740481C1C}">
+                <a14:useLocalDpi xmlns:a14="http://schemas.microsoft.com/office/drawing/2010/main" val="0"/>
+              </a:ext>
+            </a:extLst>
+          </a:blip>
+          <a:srcRect/>
+          <a:stretch>
+            <a:fillRect/>
+          </a:stretch>
+        </p:blipFill>
+        <p:spPr bwMode="auto">
+          <a:xfrm rot="16200000" flipV="1">
+            <a:off x="5168526" y="2457118"/>
+            <a:ext cx="475000" cy="465449"/>
+          </a:xfrm>
+          <a:prstGeom prst="rect">
+            <a:avLst/>
+          </a:prstGeom>
+          <a:noFill/>
+          <a:ln>
+            <a:noFill/>
+          </a:ln>
+        </p:spPr>
+      </p:pic>
+      <p:pic>
+        <p:nvPicPr>
+          <p:cNvPr id="11" name="Picture 10" descr="Free Icon | Wifi"/>
+          <p:cNvPicPr/>
+          <p:nvPr/>
+        </p:nvPicPr>
+        <p:blipFill>
+          <a:blip r:embed="rId2" cstate="email">
+            <a:extLst>
+              <a:ext uri="{28A0092B-C50C-407E-A947-70E740481C1C}">
+                <a14:useLocalDpi xmlns:a14="http://schemas.microsoft.com/office/drawing/2010/main" val="0"/>
+              </a:ext>
+            </a:extLst>
+          </a:blip>
+          <a:srcRect/>
+          <a:stretch>
+            <a:fillRect/>
+          </a:stretch>
+        </p:blipFill>
+        <p:spPr bwMode="auto">
+          <a:xfrm flipV="1">
+            <a:off x="4676084" y="3170283"/>
+            <a:ext cx="475000" cy="465449"/>
+          </a:xfrm>
+          <a:prstGeom prst="rect">
+            <a:avLst/>
+          </a:prstGeom>
+          <a:noFill/>
+          <a:ln>
+            <a:noFill/>
+          </a:ln>
+        </p:spPr>
+      </p:pic>
+      <p:pic>
+        <p:nvPicPr>
+          <p:cNvPr id="2" name="Picture 1" descr="Arduino LCD/keypad shield - YouTube"/>
+          <p:cNvPicPr/>
+          <p:nvPr/>
+        </p:nvPicPr>
+        <p:blipFill>
+          <a:blip r:embed="rId3" cstate="email">
+            <a:extLst>
+              <a:ext uri="{28A0092B-C50C-407E-A947-70E740481C1C}">
+                <a14:useLocalDpi xmlns:a14="http://schemas.microsoft.com/office/drawing/2010/main" val="0"/>
+              </a:ext>
+            </a:extLst>
+          </a:blip>
+          <a:srcRect/>
+          <a:stretch>
+            <a:fillRect/>
+          </a:stretch>
+        </p:blipFill>
+        <p:spPr bwMode="auto">
+          <a:xfrm>
+            <a:off x="823170" y="2077973"/>
+            <a:ext cx="2527935" cy="1423035"/>
+          </a:xfrm>
+          <a:prstGeom prst="rect">
+            <a:avLst/>
+          </a:prstGeom>
+          <a:noFill/>
+          <a:ln>
+            <a:noFill/>
+          </a:ln>
+        </p:spPr>
+      </p:pic>
+      <p:pic>
+        <p:nvPicPr>
+          <p:cNvPr id="3" name="Picture 2"/>
+          <p:cNvPicPr/>
+          <p:nvPr/>
+        </p:nvPicPr>
+        <p:blipFill>
+          <a:blip r:embed="rId4"/>
+          <a:stretch>
+            <a:fillRect/>
+          </a:stretch>
+        </p:blipFill>
+        <p:spPr>
+          <a:xfrm rot="10800000">
+            <a:off x="4572000" y="2013219"/>
+            <a:ext cx="761365" cy="1204595"/>
+          </a:xfrm>
+          <a:prstGeom prst="rect">
+            <a:avLst/>
+          </a:prstGeom>
+        </p:spPr>
+      </p:pic>
+      <p:cxnSp>
+        <p:nvCxnSpPr>
+          <p:cNvPr id="4" name="Elbow Connector 3"/>
+          <p:cNvCxnSpPr>
+            <a:stCxn id="2" idx="3"/>
+            <a:endCxn id="3" idx="3"/>
+          </p:cNvCxnSpPr>
+          <p:nvPr/>
+        </p:nvCxnSpPr>
+        <p:spPr>
+          <a:xfrm flipV="1">
+            <a:off x="3351105" y="2615516"/>
+            <a:ext cx="1220895" cy="173975"/>
+          </a:xfrm>
+          <a:prstGeom prst="bentConnector3">
+            <a:avLst>
+              <a:gd name="adj1" fmla="val 83005"/>
+            </a:avLst>
+          </a:prstGeom>
+          <a:ln w="25400">
+            <a:solidFill>
+              <a:srgbClr val="0000FF"/>
+            </a:solidFill>
+            <a:headEnd type="stealth"/>
+            <a:tailEnd type="stealth"/>
+          </a:ln>
+        </p:spPr>
+        <p:style>
+          <a:lnRef idx="1">
+            <a:schemeClr val="accent1"/>
+          </a:lnRef>
+          <a:fillRef idx="0">
+            <a:schemeClr val="accent1"/>
+          </a:fillRef>
+          <a:effectRef idx="0">
+            <a:schemeClr val="accent1"/>
+          </a:effectRef>
+          <a:fontRef idx="minor">
+            <a:schemeClr val="tx1"/>
+          </a:fontRef>
+        </p:style>
+      </p:cxnSp>
+      <p:sp>
+        <p:nvSpPr>
+          <p:cNvPr id="5" name="TextBox 4"/>
+          <p:cNvSpPr txBox="1"/>
+          <p:nvPr/>
+        </p:nvSpPr>
+        <p:spPr>
+          <a:xfrm>
+            <a:off x="3432521" y="2494637"/>
+            <a:ext cx="1139479" cy="646331"/>
+          </a:xfrm>
+          <a:prstGeom prst="rect">
+            <a:avLst/>
+          </a:prstGeom>
+          <a:noFill/>
+        </p:spPr>
+        <p:txBody>
+          <a:bodyPr wrap="none" rtlCol="0">
+            <a:spAutoFit/>
+          </a:bodyPr>
+          <a:lstStyle/>
+          <a:p>
+            <a:r>
+              <a:rPr lang="en-ID" b="1" dirty="0" smtClean="0">
+                <a:solidFill>
+                  <a:srgbClr val="0000FF"/>
+                </a:solidFill>
+              </a:rPr>
+              <a:t>Serial</a:t>
+            </a:r>
+          </a:p>
+          <a:p>
+            <a:r>
+              <a:rPr lang="en-ID" b="1" dirty="0" smtClean="0">
+                <a:solidFill>
+                  <a:srgbClr val="0000FF"/>
+                </a:solidFill>
+              </a:rPr>
+              <a:t>Hard-wire</a:t>
+            </a:r>
+            <a:endParaRPr lang="en-US" b="1" dirty="0">
+              <a:solidFill>
+                <a:srgbClr val="0000FF"/>
+              </a:solidFill>
+            </a:endParaRPr>
+          </a:p>
+        </p:txBody>
+      </p:sp>
+      <p:sp>
+        <p:nvSpPr>
+          <p:cNvPr id="6" name="Title 5"/>
+          <p:cNvSpPr>
+            <a:spLocks noGrp="1"/>
+          </p:cNvSpPr>
+          <p:nvPr>
+            <p:ph type="title"/>
+          </p:nvPr>
+        </p:nvSpPr>
+        <p:spPr/>
+        <p:txBody>
+          <a:bodyPr/>
+          <a:lstStyle/>
+          <a:p>
+            <a:r>
+              <a:rPr lang="en-ID" b="1" dirty="0" smtClean="0">
+                <a:solidFill>
+                  <a:srgbClr val="0000FF"/>
+                </a:solidFill>
+              </a:rPr>
+              <a:t>Server - HW</a:t>
+            </a:r>
+            <a:endParaRPr lang="en-US" b="1" dirty="0">
+              <a:solidFill>
+                <a:srgbClr val="0000FF"/>
+              </a:solidFill>
+            </a:endParaRPr>
+          </a:p>
+        </p:txBody>
+      </p:sp>
+      <p:sp>
+        <p:nvSpPr>
+          <p:cNvPr id="7" name="TextBox 6"/>
+          <p:cNvSpPr txBox="1"/>
+          <p:nvPr/>
+        </p:nvSpPr>
+        <p:spPr>
+          <a:xfrm>
+            <a:off x="1043608" y="1412776"/>
+            <a:ext cx="1962012" cy="646331"/>
+          </a:xfrm>
+          <a:prstGeom prst="rect">
+            <a:avLst/>
+          </a:prstGeom>
+          <a:noFill/>
+        </p:spPr>
+        <p:txBody>
+          <a:bodyPr wrap="none" rtlCol="0">
+            <a:spAutoFit/>
+          </a:bodyPr>
+          <a:lstStyle/>
+          <a:p>
+            <a:r>
+              <a:rPr lang="en-ID" b="1" dirty="0" err="1" smtClean="0">
+                <a:solidFill>
+                  <a:srgbClr val="0000FF"/>
+                </a:solidFill>
+              </a:rPr>
+              <a:t>Arduino</a:t>
+            </a:r>
+            <a:r>
+              <a:rPr lang="en-ID" b="1" dirty="0" smtClean="0">
+                <a:solidFill>
+                  <a:srgbClr val="0000FF"/>
+                </a:solidFill>
+              </a:rPr>
+              <a:t> Mega c/w</a:t>
+            </a:r>
+          </a:p>
+          <a:p>
+            <a:r>
+              <a:rPr lang="en-ID" b="1" dirty="0" err="1" smtClean="0">
+                <a:solidFill>
+                  <a:srgbClr val="0000FF"/>
+                </a:solidFill>
+              </a:rPr>
+              <a:t>Lcd</a:t>
+            </a:r>
+            <a:r>
+              <a:rPr lang="en-ID" b="1" dirty="0" smtClean="0">
+                <a:solidFill>
+                  <a:srgbClr val="0000FF"/>
+                </a:solidFill>
+              </a:rPr>
+              <a:t> Keypad</a:t>
+            </a:r>
+            <a:endParaRPr lang="en-US" b="1" dirty="0">
+              <a:solidFill>
+                <a:srgbClr val="0000FF"/>
+              </a:solidFill>
+            </a:endParaRPr>
+          </a:p>
+        </p:txBody>
+      </p:sp>
+      <p:sp>
+        <p:nvSpPr>
+          <p:cNvPr id="9" name="TextBox 8"/>
+          <p:cNvSpPr txBox="1"/>
+          <p:nvPr/>
+        </p:nvSpPr>
+        <p:spPr>
+          <a:xfrm>
+            <a:off x="4644008" y="1412776"/>
+            <a:ext cx="884538" cy="646331"/>
+          </a:xfrm>
+          <a:prstGeom prst="rect">
+            <a:avLst/>
+          </a:prstGeom>
+          <a:noFill/>
+        </p:spPr>
+        <p:txBody>
+          <a:bodyPr wrap="none" rtlCol="0">
+            <a:spAutoFit/>
+          </a:bodyPr>
+          <a:lstStyle/>
+          <a:p>
+            <a:r>
+              <a:rPr lang="en-ID" b="1" dirty="0" smtClean="0">
+                <a:solidFill>
+                  <a:srgbClr val="0000FF"/>
+                </a:solidFill>
+              </a:rPr>
+              <a:t>Server</a:t>
+            </a:r>
+          </a:p>
+          <a:p>
+            <a:r>
+              <a:rPr lang="en-ID" b="1" dirty="0" smtClean="0">
+                <a:solidFill>
+                  <a:srgbClr val="0000FF"/>
+                </a:solidFill>
+              </a:rPr>
+              <a:t>ESP -01</a:t>
+            </a:r>
+            <a:endParaRPr lang="en-US" b="1" dirty="0">
+              <a:solidFill>
+                <a:srgbClr val="0000FF"/>
+              </a:solidFill>
+            </a:endParaRPr>
+          </a:p>
+        </p:txBody>
+      </p:sp>
+      <p:sp>
+        <p:nvSpPr>
+          <p:cNvPr id="12" name="TextBox 11"/>
+          <p:cNvSpPr txBox="1"/>
+          <p:nvPr/>
+        </p:nvSpPr>
+        <p:spPr>
+          <a:xfrm>
+            <a:off x="4046811" y="4365104"/>
+            <a:ext cx="1794209" cy="646331"/>
+          </a:xfrm>
+          <a:prstGeom prst="rect">
+            <a:avLst/>
+          </a:prstGeom>
+          <a:noFill/>
+        </p:spPr>
+        <p:txBody>
+          <a:bodyPr wrap="none" rtlCol="0">
+            <a:spAutoFit/>
+          </a:bodyPr>
+          <a:lstStyle/>
+          <a:p>
+            <a:r>
+              <a:rPr lang="en-ID" b="1" dirty="0">
+                <a:solidFill>
+                  <a:srgbClr val="FF0000"/>
+                </a:solidFill>
+              </a:rPr>
+              <a:t>MQTT </a:t>
+            </a:r>
+            <a:r>
+              <a:rPr lang="en-ID" b="1" dirty="0" smtClean="0">
+                <a:solidFill>
+                  <a:srgbClr val="FF0000"/>
+                </a:solidFill>
+              </a:rPr>
+              <a:t>– Protocol</a:t>
+            </a:r>
+          </a:p>
+          <a:p>
+            <a:pPr algn="ctr"/>
+            <a:r>
+              <a:rPr lang="en-ID" b="1" dirty="0" err="1" smtClean="0">
+                <a:solidFill>
+                  <a:srgbClr val="FF0000"/>
+                </a:solidFill>
+              </a:rPr>
+              <a:t>EoN</a:t>
+            </a:r>
+            <a:endParaRPr lang="en-US" b="1" dirty="0">
+              <a:solidFill>
+                <a:srgbClr val="FF0000"/>
+              </a:solidFill>
+            </a:endParaRPr>
+          </a:p>
+        </p:txBody>
+      </p:sp>
+      <p:pic>
+        <p:nvPicPr>
+          <p:cNvPr id="13" name="Picture 12"/>
+          <p:cNvPicPr/>
+          <p:nvPr/>
+        </p:nvPicPr>
+        <p:blipFill>
+          <a:blip r:embed="rId5"/>
+          <a:stretch>
+            <a:fillRect/>
+          </a:stretch>
+        </p:blipFill>
+        <p:spPr>
+          <a:xfrm>
+            <a:off x="5962047" y="1812199"/>
+            <a:ext cx="838200" cy="685800"/>
+          </a:xfrm>
+          <a:prstGeom prst="rect">
+            <a:avLst/>
+          </a:prstGeom>
+        </p:spPr>
+      </p:pic>
+      <p:cxnSp>
+        <p:nvCxnSpPr>
+          <p:cNvPr id="14" name="Straight Arrow Connector 13"/>
+          <p:cNvCxnSpPr/>
+          <p:nvPr/>
+        </p:nvCxnSpPr>
+        <p:spPr>
+          <a:xfrm flipV="1">
+            <a:off x="5298121" y="2109703"/>
+            <a:ext cx="715333" cy="556901"/>
+          </a:xfrm>
+          <a:prstGeom prst="straightConnector1">
+            <a:avLst/>
+          </a:prstGeom>
+          <a:ln w="25400">
+            <a:solidFill>
+              <a:srgbClr val="00FF00"/>
+            </a:solidFill>
+            <a:headEnd type="stealth"/>
+            <a:tailEnd type="stealth"/>
+          </a:ln>
+        </p:spPr>
+        <p:style>
+          <a:lnRef idx="1">
+            <a:schemeClr val="accent1"/>
+          </a:lnRef>
+          <a:fillRef idx="0">
+            <a:schemeClr val="accent1"/>
+          </a:fillRef>
+          <a:effectRef idx="0">
+            <a:schemeClr val="accent1"/>
+          </a:effectRef>
+          <a:fontRef idx="minor">
+            <a:schemeClr val="tx1"/>
+          </a:fontRef>
+        </p:style>
+      </p:cxnSp>
+      <p:cxnSp>
+        <p:nvCxnSpPr>
+          <p:cNvPr id="15" name="Straight Arrow Connector 14"/>
+          <p:cNvCxnSpPr>
+            <a:endCxn id="13" idx="3"/>
+          </p:cNvCxnSpPr>
+          <p:nvPr/>
+        </p:nvCxnSpPr>
+        <p:spPr>
+          <a:xfrm flipH="1" flipV="1">
+            <a:off x="6800247" y="2155099"/>
+            <a:ext cx="1004356" cy="278450"/>
+          </a:xfrm>
+          <a:prstGeom prst="straightConnector1">
+            <a:avLst/>
+          </a:prstGeom>
+          <a:ln w="25400">
+            <a:solidFill>
+              <a:srgbClr val="00FF00"/>
+            </a:solidFill>
+            <a:headEnd type="stealth" w="med" len="lg"/>
+            <a:tailEnd type="stealth"/>
+          </a:ln>
+        </p:spPr>
+        <p:style>
+          <a:lnRef idx="1">
+            <a:schemeClr val="accent1"/>
+          </a:lnRef>
+          <a:fillRef idx="0">
+            <a:schemeClr val="accent1"/>
+          </a:fillRef>
+          <a:effectRef idx="0">
+            <a:schemeClr val="accent1"/>
+          </a:effectRef>
+          <a:fontRef idx="minor">
+            <a:schemeClr val="tx1"/>
+          </a:fontRef>
+        </p:style>
+      </p:cxnSp>
+      <p:cxnSp>
+        <p:nvCxnSpPr>
+          <p:cNvPr id="16" name="Straight Arrow Connector 15"/>
+          <p:cNvCxnSpPr/>
+          <p:nvPr/>
+        </p:nvCxnSpPr>
+        <p:spPr>
+          <a:xfrm>
+            <a:off x="5301064" y="2735333"/>
+            <a:ext cx="2129095" cy="532439"/>
+          </a:xfrm>
+          <a:prstGeom prst="straightConnector1">
+            <a:avLst/>
+          </a:prstGeom>
+          <a:ln w="25400">
+            <a:solidFill>
+              <a:srgbClr val="00FF00"/>
+            </a:solidFill>
+            <a:headEnd type="stealth"/>
+            <a:tailEnd type="stealth"/>
+          </a:ln>
+        </p:spPr>
+        <p:style>
+          <a:lnRef idx="1">
+            <a:schemeClr val="accent1"/>
+          </a:lnRef>
+          <a:fillRef idx="0">
+            <a:schemeClr val="accent1"/>
+          </a:fillRef>
+          <a:effectRef idx="0">
+            <a:schemeClr val="accent1"/>
+          </a:effectRef>
+          <a:fontRef idx="minor">
+            <a:schemeClr val="tx1"/>
+          </a:fontRef>
+        </p:style>
+      </p:cxnSp>
+      <p:sp>
+        <p:nvSpPr>
+          <p:cNvPr id="17" name="TextBox 16"/>
+          <p:cNvSpPr txBox="1"/>
+          <p:nvPr/>
+        </p:nvSpPr>
+        <p:spPr>
+          <a:xfrm>
+            <a:off x="5655787" y="2527335"/>
+            <a:ext cx="1662443" cy="369332"/>
+          </a:xfrm>
+          <a:prstGeom prst="rect">
+            <a:avLst/>
+          </a:prstGeom>
+          <a:noFill/>
+        </p:spPr>
+        <p:txBody>
+          <a:bodyPr wrap="none" rtlCol="0">
+            <a:spAutoFit/>
+          </a:bodyPr>
+          <a:lstStyle/>
+          <a:p>
+            <a:r>
+              <a:rPr lang="en-ID" b="1" dirty="0">
+                <a:solidFill>
+                  <a:srgbClr val="00FF00"/>
+                </a:solidFill>
+              </a:rPr>
+              <a:t>HTTP - Protocol</a:t>
+            </a:r>
+            <a:endParaRPr lang="en-US" b="1" dirty="0">
+              <a:solidFill>
+                <a:srgbClr val="00FF00"/>
+              </a:solidFill>
+            </a:endParaRPr>
+          </a:p>
+        </p:txBody>
+      </p:sp>
+      <p:pic>
+        <p:nvPicPr>
+          <p:cNvPr id="18" name="Picture 17" descr="android, mobile, phone, smartphone Icon"/>
+          <p:cNvPicPr/>
+          <p:nvPr/>
+        </p:nvPicPr>
+        <p:blipFill>
+          <a:blip r:embed="rId6" cstate="email">
+            <a:extLst>
+              <a:ext uri="{28A0092B-C50C-407E-A947-70E740481C1C}">
+                <a14:useLocalDpi xmlns:a14="http://schemas.microsoft.com/office/drawing/2010/main" val="0"/>
+              </a:ext>
+            </a:extLst>
+          </a:blip>
+          <a:srcRect/>
+          <a:stretch>
+            <a:fillRect/>
+          </a:stretch>
+        </p:blipFill>
+        <p:spPr bwMode="auto">
+          <a:xfrm>
+            <a:off x="7277895" y="2267580"/>
+            <a:ext cx="1558290" cy="1558290"/>
+          </a:xfrm>
+          <a:prstGeom prst="rect">
+            <a:avLst/>
+          </a:prstGeom>
+          <a:noFill/>
+          <a:ln>
+            <a:noFill/>
+          </a:ln>
+        </p:spPr>
+      </p:pic>
+      <p:pic>
+        <p:nvPicPr>
+          <p:cNvPr id="19" name="Picture 18" descr="android, mobile, phone, smartphone Icon"/>
+          <p:cNvPicPr/>
+          <p:nvPr/>
+        </p:nvPicPr>
+        <p:blipFill>
+          <a:blip r:embed="rId6" cstate="email">
+            <a:extLst>
+              <a:ext uri="{28A0092B-C50C-407E-A947-70E740481C1C}">
+                <a14:useLocalDpi xmlns:a14="http://schemas.microsoft.com/office/drawing/2010/main" val="0"/>
+              </a:ext>
+            </a:extLst>
+          </a:blip>
+          <a:srcRect/>
+          <a:stretch>
+            <a:fillRect/>
+          </a:stretch>
+        </p:blipFill>
+        <p:spPr bwMode="auto">
+          <a:xfrm>
+            <a:off x="7438274" y="2123564"/>
+            <a:ext cx="1558290" cy="1558290"/>
+          </a:xfrm>
+          <a:prstGeom prst="rect">
+            <a:avLst/>
+          </a:prstGeom>
+          <a:noFill/>
+          <a:ln>
+            <a:noFill/>
+          </a:ln>
+        </p:spPr>
+      </p:pic>
+      <p:cxnSp>
+        <p:nvCxnSpPr>
+          <p:cNvPr id="22" name="Straight Arrow Connector 21"/>
+          <p:cNvCxnSpPr>
+            <a:stCxn id="11" idx="0"/>
+          </p:cNvCxnSpPr>
+          <p:nvPr/>
+        </p:nvCxnSpPr>
+        <p:spPr>
+          <a:xfrm>
+            <a:off x="4913584" y="3635732"/>
+            <a:ext cx="0" cy="729372"/>
+          </a:xfrm>
+          <a:prstGeom prst="straightConnector1">
+            <a:avLst/>
+          </a:prstGeom>
+          <a:ln w="25400">
+            <a:solidFill>
+              <a:srgbClr val="FF0000"/>
+            </a:solidFill>
+            <a:headEnd type="stealth"/>
+            <a:tailEnd type="stealth"/>
+          </a:ln>
+        </p:spPr>
+        <p:style>
+          <a:lnRef idx="1">
+            <a:schemeClr val="accent1"/>
+          </a:lnRef>
+          <a:fillRef idx="0">
+            <a:schemeClr val="accent1"/>
+          </a:fillRef>
+          <a:effectRef idx="0">
+            <a:schemeClr val="accent1"/>
+          </a:effectRef>
+          <a:fontRef idx="minor">
+            <a:schemeClr val="tx1"/>
+          </a:fontRef>
+        </p:style>
+      </p:cxnSp>
+    </p:spTree>
+    <p:extLst>
+      <p:ext uri="{BB962C8B-B14F-4D97-AF65-F5344CB8AC3E}">
+        <p14:creationId xmlns:p14="http://schemas.microsoft.com/office/powerpoint/2010/main" val="3103445548"/>
+      </p:ext>
+    </p:extLst>
+  </p:cSld>
+  <p:clrMapOvr>
+    <a:masterClrMapping/>
+  </p:clrMapOvr>
+  <p:transition spd="slow">
+    <p:wipe dir="d"/>
+  </p:transition>
+  <p:timing>
+    <p:tnLst>
+      <p:par>
+        <p:cTn id="1" dur="indefinite" restart="never" nodeType="tmRoot"/>
+      </p:par>
+    </p:tnLst>
+  </p:timing>
+</p:sld>
+</file>
+
+<file path=ppt/slides/slide4.xml><?xml version="1.0" encoding="utf-8"?>
+<p:sld xmlns:a="http://schemas.openxmlformats.org/drawingml/2006/main" xmlns:r="http://schemas.openxmlformats.org/officeDocument/2006/relationships" xmlns:p="http://schemas.openxmlformats.org/presentationml/2006/main" showMasterSp="0">
+  <p:cSld>
+    <p:spTree>
+      <p:nvGrpSpPr>
+        <p:cNvPr id="1" name=""/>
+        <p:cNvGrpSpPr/>
+        <p:nvPr/>
+      </p:nvGrpSpPr>
+      <p:grpSpPr>
+        <a:xfrm>
+          <a:off x="0" y="0"/>
+          <a:ext cx="0" cy="0"/>
+          <a:chOff x="0" y="0"/>
+          <a:chExt cx="0" cy="0"/>
+        </a:xfrm>
+      </p:grpSpPr>
+      <p:pic>
+        <p:nvPicPr>
+          <p:cNvPr id="75" name="Picture 74" descr="Free Icon | Wifi"/>
+          <p:cNvPicPr/>
+          <p:nvPr/>
+        </p:nvPicPr>
+        <p:blipFill>
+          <a:blip r:embed="rId3" cstate="email">
+            <a:extLst>
+              <a:ext uri="{28A0092B-C50C-407E-A947-70E740481C1C}">
+                <a14:useLocalDpi xmlns:a14="http://schemas.microsoft.com/office/drawing/2010/main" val="0"/>
+              </a:ext>
+            </a:extLst>
+          </a:blip>
+          <a:srcRect/>
+          <a:stretch>
+            <a:fillRect/>
+          </a:stretch>
+        </p:blipFill>
+        <p:spPr bwMode="auto">
+          <a:xfrm flipV="1">
+            <a:off x="4860032" y="1451383"/>
+            <a:ext cx="475000" cy="465449"/>
+          </a:xfrm>
+          <a:prstGeom prst="rect">
+            <a:avLst/>
+          </a:prstGeom>
+          <a:noFill/>
+          <a:ln>
+            <a:noFill/>
+          </a:ln>
+        </p:spPr>
+      </p:pic>
+      <p:grpSp>
+        <p:nvGrpSpPr>
+          <p:cNvPr id="30" name="Group 29"/>
+          <p:cNvGrpSpPr/>
+          <p:nvPr/>
+        </p:nvGrpSpPr>
+        <p:grpSpPr>
+          <a:xfrm>
+            <a:off x="323528" y="2199840"/>
+            <a:ext cx="2715829" cy="4429097"/>
+            <a:chOff x="271994" y="1124744"/>
+            <a:chExt cx="3219886" cy="4861145"/>
+          </a:xfrm>
+        </p:grpSpPr>
+        <p:pic>
+          <p:nvPicPr>
+            <p:cNvPr id="5" name="Picture 4" descr="Free Icon | Wifi"/>
+            <p:cNvPicPr/>
+            <p:nvPr/>
+          </p:nvPicPr>
+          <p:blipFill>
+            <a:blip r:embed="rId4" cstate="email">
+              <a:extLst>
+                <a:ext uri="{28A0092B-C50C-407E-A947-70E740481C1C}">
+                  <a14:useLocalDpi xmlns:a14="http://schemas.microsoft.com/office/drawing/2010/main" val="0"/>
+                </a:ext>
+              </a:extLst>
+            </a:blip>
+            <a:srcRect/>
+            <a:stretch>
+              <a:fillRect/>
+            </a:stretch>
+          </p:blipFill>
+          <p:spPr bwMode="auto">
+            <a:xfrm>
+              <a:off x="1300175" y="1124744"/>
+              <a:ext cx="494978" cy="483145"/>
+            </a:xfrm>
+            <a:prstGeom prst="rect">
+              <a:avLst/>
+            </a:prstGeom>
+            <a:noFill/>
+            <a:ln>
+              <a:noFill/>
+            </a:ln>
+          </p:spPr>
+        </p:pic>
+        <p:pic>
+          <p:nvPicPr>
+            <p:cNvPr id="4" name="Picture 3"/>
+            <p:cNvPicPr/>
+            <p:nvPr/>
+          </p:nvPicPr>
+          <p:blipFill>
+            <a:blip r:embed="rId5"/>
+            <a:stretch>
+              <a:fillRect/>
+            </a:stretch>
+          </p:blipFill>
+          <p:spPr>
+            <a:xfrm>
+              <a:off x="976164" y="1556792"/>
+              <a:ext cx="1143000" cy="1524000"/>
+            </a:xfrm>
+            <a:prstGeom prst="rect">
+              <a:avLst/>
+            </a:prstGeom>
+          </p:spPr>
+        </p:pic>
+        <p:pic>
+          <p:nvPicPr>
+            <p:cNvPr id="6" name="Picture 5"/>
+            <p:cNvPicPr/>
+            <p:nvPr/>
+          </p:nvPicPr>
+          <p:blipFill>
+            <a:blip r:embed="rId6"/>
+            <a:stretch>
+              <a:fillRect/>
+            </a:stretch>
+          </p:blipFill>
+          <p:spPr>
+            <a:xfrm>
+              <a:off x="391891" y="4221088"/>
+              <a:ext cx="589280" cy="548640"/>
+            </a:xfrm>
+            <a:prstGeom prst="rect">
+              <a:avLst/>
+            </a:prstGeom>
+          </p:spPr>
+        </p:pic>
+        <p:pic>
+          <p:nvPicPr>
+            <p:cNvPr id="8" name="Picture 7"/>
+            <p:cNvPicPr/>
+            <p:nvPr/>
+          </p:nvPicPr>
+          <p:blipFill>
+            <a:blip r:embed="rId7"/>
+            <a:stretch>
+              <a:fillRect/>
+            </a:stretch>
+          </p:blipFill>
+          <p:spPr>
+            <a:xfrm>
+              <a:off x="1244769" y="4183475"/>
+              <a:ext cx="874395" cy="629920"/>
+            </a:xfrm>
+            <a:prstGeom prst="rect">
+              <a:avLst/>
+            </a:prstGeom>
+          </p:spPr>
+        </p:pic>
+        <p:pic>
+          <p:nvPicPr>
+            <p:cNvPr id="9" name="Picture 8"/>
+            <p:cNvPicPr/>
+            <p:nvPr/>
+          </p:nvPicPr>
+          <p:blipFill>
+            <a:blip r:embed="rId8"/>
+            <a:stretch>
+              <a:fillRect/>
+            </a:stretch>
+          </p:blipFill>
+          <p:spPr>
+            <a:xfrm>
+              <a:off x="2267744" y="4261093"/>
+              <a:ext cx="476885" cy="508635"/>
+            </a:xfrm>
+            <a:prstGeom prst="rect">
+              <a:avLst/>
+            </a:prstGeom>
+          </p:spPr>
+        </p:pic>
+        <p:pic>
+          <p:nvPicPr>
+            <p:cNvPr id="10" name="Picture 9"/>
+            <p:cNvPicPr/>
+            <p:nvPr/>
+          </p:nvPicPr>
+          <p:blipFill>
+            <a:blip r:embed="rId8"/>
+            <a:stretch>
+              <a:fillRect/>
+            </a:stretch>
+          </p:blipFill>
+          <p:spPr>
+            <a:xfrm>
+              <a:off x="2270601" y="3717032"/>
+              <a:ext cx="476885" cy="508635"/>
+            </a:xfrm>
+            <a:prstGeom prst="rect">
+              <a:avLst/>
+            </a:prstGeom>
+          </p:spPr>
+        </p:pic>
+        <p:pic>
+          <p:nvPicPr>
+            <p:cNvPr id="11" name="Picture 10"/>
+            <p:cNvPicPr/>
+            <p:nvPr/>
+          </p:nvPicPr>
+          <p:blipFill>
+            <a:blip r:embed="rId8"/>
+            <a:stretch>
+              <a:fillRect/>
+            </a:stretch>
+          </p:blipFill>
+          <p:spPr>
+            <a:xfrm>
+              <a:off x="2275608" y="4813395"/>
+              <a:ext cx="476885" cy="508635"/>
+            </a:xfrm>
+            <a:prstGeom prst="rect">
+              <a:avLst/>
+            </a:prstGeom>
+          </p:spPr>
+        </p:pic>
+        <p:pic>
+          <p:nvPicPr>
+            <p:cNvPr id="1026" name="Picture 2"/>
+            <p:cNvPicPr>
+              <a:picLocks noChangeAspect="1" noChangeArrowheads="1"/>
+            </p:cNvPicPr>
+            <p:nvPr/>
+          </p:nvPicPr>
+          <p:blipFill>
+            <a:blip r:embed="rId9" cstate="email">
+              <a:extLst>
+                <a:ext uri="{28A0092B-C50C-407E-A947-70E740481C1C}">
+                  <a14:useLocalDpi xmlns:a14="http://schemas.microsoft.com/office/drawing/2010/main" val="0"/>
+                </a:ext>
+              </a:extLst>
+            </a:blip>
+            <a:srcRect/>
+            <a:stretch>
+              <a:fillRect/>
+            </a:stretch>
+          </p:blipFill>
+          <p:spPr bwMode="auto">
+            <a:xfrm rot="5400000">
+              <a:off x="2446895" y="4294574"/>
+              <a:ext cx="1585913" cy="504056"/>
+            </a:xfrm>
+            <a:prstGeom prst="rect">
+              <a:avLst/>
+            </a:prstGeom>
+            <a:noFill/>
+            <a:ln>
+              <a:noFill/>
+            </a:ln>
+            <a:effectLst/>
+            <a:extLst>
+              <a:ext uri="{909E8E84-426E-40DD-AFC4-6F175D3DCCD1}">
+                <a14:hiddenFill xmlns:a14="http://schemas.microsoft.com/office/drawing/2010/main">
+                  <a:solidFill>
+                    <a:schemeClr val="accent1"/>
+                  </a:solidFill>
+                </a14:hiddenFill>
+              </a:ext>
+              <a:ext uri="{91240B29-F687-4F45-9708-019B960494DF}">
+                <a14:hiddenLine xmlns:a14="http://schemas.microsoft.com/office/drawing/2010/main" w="9525">
+                  <a:solidFill>
+                    <a:schemeClr val="tx1"/>
+                  </a:solidFill>
+                  <a:miter lim="800000"/>
+                  <a:headEnd/>
+                  <a:tailEnd/>
+                </a14:hiddenLine>
+              </a:ext>
+              <a:ext uri="{AF507438-7753-43E0-B8FC-AC1667EBCBE1}">
+                <a14:hiddenEffects xmlns:a14="http://schemas.microsoft.com/office/drawing/2010/main">
+                  <a:effectLst>
+                    <a:outerShdw dist="35921" dir="2700000" algn="ctr" rotWithShape="0">
+                      <a:schemeClr val="bg2"/>
+                    </a:outerShdw>
+                  </a:effectLst>
+                </a14:hiddenEffects>
+              </a:ext>
+            </a:extLst>
+          </p:spPr>
+        </p:pic>
+        <p:sp>
+          <p:nvSpPr>
+            <p:cNvPr id="2" name="TextBox 1"/>
+            <p:cNvSpPr txBox="1"/>
+            <p:nvPr/>
+          </p:nvSpPr>
+          <p:spPr>
+            <a:xfrm>
+              <a:off x="271994" y="4769728"/>
+              <a:ext cx="829073" cy="369332"/>
+            </a:xfrm>
+            <a:prstGeom prst="rect">
+              <a:avLst/>
+            </a:prstGeom>
+            <a:noFill/>
+          </p:spPr>
+          <p:txBody>
+            <a:bodyPr wrap="none" rtlCol="0">
+              <a:spAutoFit/>
+            </a:bodyPr>
+            <a:lstStyle/>
+            <a:p>
+              <a:r>
+                <a:rPr lang="en-ID" b="1" dirty="0">
+                  <a:solidFill>
+                    <a:srgbClr val="0000FF"/>
+                  </a:solidFill>
+                </a:rPr>
+                <a:t>Sensor</a:t>
+              </a:r>
+              <a:endParaRPr lang="en-US" b="1" dirty="0">
+                <a:solidFill>
+                  <a:srgbClr val="0000FF"/>
+                </a:solidFill>
+              </a:endParaRPr>
+            </a:p>
+          </p:txBody>
+        </p:sp>
+        <p:sp>
+          <p:nvSpPr>
+            <p:cNvPr id="16" name="TextBox 15"/>
+            <p:cNvSpPr txBox="1"/>
+            <p:nvPr/>
+          </p:nvSpPr>
+          <p:spPr>
+            <a:xfrm>
+              <a:off x="1271200" y="4797152"/>
+              <a:ext cx="1015021" cy="646331"/>
+            </a:xfrm>
+            <a:prstGeom prst="rect">
+              <a:avLst/>
+            </a:prstGeom>
+            <a:noFill/>
+          </p:spPr>
+          <p:txBody>
+            <a:bodyPr wrap="none" rtlCol="0">
+              <a:spAutoFit/>
+            </a:bodyPr>
+            <a:lstStyle/>
+            <a:p>
+              <a:pPr algn="ctr"/>
+              <a:r>
+                <a:rPr lang="en-ID" b="1" dirty="0">
+                  <a:solidFill>
+                    <a:srgbClr val="0000FF"/>
+                  </a:solidFill>
+                </a:rPr>
+                <a:t>Solenoid</a:t>
+              </a:r>
+            </a:p>
+            <a:p>
+              <a:pPr algn="ctr"/>
+              <a:r>
+                <a:rPr lang="en-ID" b="1" dirty="0">
+                  <a:solidFill>
+                    <a:srgbClr val="0000FF"/>
+                  </a:solidFill>
+                </a:rPr>
+                <a:t>Valve</a:t>
+              </a:r>
+              <a:endParaRPr lang="en-US" b="1" dirty="0">
+                <a:solidFill>
+                  <a:srgbClr val="0000FF"/>
+                </a:solidFill>
+              </a:endParaRPr>
+            </a:p>
+          </p:txBody>
+        </p:sp>
+        <p:sp>
+          <p:nvSpPr>
+            <p:cNvPr id="17" name="TextBox 16"/>
+            <p:cNvSpPr txBox="1"/>
+            <p:nvPr/>
+          </p:nvSpPr>
+          <p:spPr>
+            <a:xfrm>
+              <a:off x="2048288" y="5339558"/>
+              <a:ext cx="840166" cy="646331"/>
+            </a:xfrm>
+            <a:prstGeom prst="rect">
+              <a:avLst/>
+            </a:prstGeom>
+            <a:noFill/>
+          </p:spPr>
+          <p:txBody>
+            <a:bodyPr wrap="none" rtlCol="0">
+              <a:spAutoFit/>
+            </a:bodyPr>
+            <a:lstStyle/>
+            <a:p>
+              <a:pPr algn="ctr"/>
+              <a:r>
+                <a:rPr lang="en-ID" b="1" dirty="0">
+                  <a:solidFill>
+                    <a:srgbClr val="0000FF"/>
+                  </a:solidFill>
+                </a:rPr>
+                <a:t>Push</a:t>
+              </a:r>
+            </a:p>
+            <a:p>
+              <a:pPr algn="ctr"/>
+              <a:r>
+                <a:rPr lang="en-ID" b="1" dirty="0">
+                  <a:solidFill>
+                    <a:srgbClr val="0000FF"/>
+                  </a:solidFill>
+                </a:rPr>
+                <a:t>Button</a:t>
+              </a:r>
+              <a:endParaRPr lang="en-US" b="1" dirty="0">
+                <a:solidFill>
+                  <a:srgbClr val="0000FF"/>
+                </a:solidFill>
+              </a:endParaRPr>
+            </a:p>
+          </p:txBody>
+        </p:sp>
+        <p:sp>
+          <p:nvSpPr>
+            <p:cNvPr id="18" name="TextBox 17"/>
+            <p:cNvSpPr txBox="1"/>
+            <p:nvPr/>
+          </p:nvSpPr>
+          <p:spPr>
+            <a:xfrm>
+              <a:off x="2894755" y="5339558"/>
+              <a:ext cx="540533" cy="369332"/>
+            </a:xfrm>
+            <a:prstGeom prst="rect">
+              <a:avLst/>
+            </a:prstGeom>
+            <a:noFill/>
+          </p:spPr>
+          <p:txBody>
+            <a:bodyPr wrap="none" rtlCol="0">
+              <a:spAutoFit/>
+            </a:bodyPr>
+            <a:lstStyle/>
+            <a:p>
+              <a:r>
+                <a:rPr lang="en-ID" b="1" dirty="0">
+                  <a:solidFill>
+                    <a:srgbClr val="0000FF"/>
+                  </a:solidFill>
+                </a:rPr>
+                <a:t>LED</a:t>
+              </a:r>
+              <a:endParaRPr lang="en-US" b="1" dirty="0">
+                <a:solidFill>
+                  <a:srgbClr val="0000FF"/>
+                </a:solidFill>
+              </a:endParaRPr>
+            </a:p>
+          </p:txBody>
+        </p:sp>
+        <p:cxnSp>
+          <p:nvCxnSpPr>
+            <p:cNvPr id="19" name="Elbow Connector 18"/>
+            <p:cNvCxnSpPr>
+              <a:stCxn id="6" idx="0"/>
+              <a:endCxn id="4" idx="2"/>
+            </p:cNvCxnSpPr>
+            <p:nvPr/>
+          </p:nvCxnSpPr>
+          <p:spPr>
+            <a:xfrm rot="5400000" flipH="1" flipV="1">
+              <a:off x="546949" y="3220374"/>
+              <a:ext cx="1140296" cy="861133"/>
+            </a:xfrm>
+            <a:prstGeom prst="bentConnector3">
+              <a:avLst>
+                <a:gd name="adj1" fmla="val 71746"/>
+              </a:avLst>
+            </a:prstGeom>
+            <a:ln w="25400">
+              <a:solidFill>
+                <a:srgbClr val="0000FF"/>
+              </a:solidFill>
+              <a:tailEnd type="arrow"/>
+            </a:ln>
+          </p:spPr>
+          <p:style>
+            <a:lnRef idx="1">
+              <a:schemeClr val="accent1"/>
+            </a:lnRef>
+            <a:fillRef idx="0">
+              <a:schemeClr val="accent1"/>
+            </a:fillRef>
+            <a:effectRef idx="0">
+              <a:schemeClr val="accent1"/>
+            </a:effectRef>
+            <a:fontRef idx="minor">
+              <a:schemeClr val="tx1"/>
+            </a:fontRef>
+          </p:style>
+        </p:cxnSp>
+        <p:cxnSp>
+          <p:nvCxnSpPr>
+            <p:cNvPr id="21" name="Elbow Connector 20"/>
+            <p:cNvCxnSpPr>
+              <a:endCxn id="8" idx="0"/>
+            </p:cNvCxnSpPr>
+            <p:nvPr/>
+          </p:nvCxnSpPr>
+          <p:spPr>
+            <a:xfrm rot="16200000" flipH="1">
+              <a:off x="1237578" y="3739085"/>
+              <a:ext cx="754475" cy="134303"/>
+            </a:xfrm>
+            <a:prstGeom prst="bentConnector3">
+              <a:avLst/>
+            </a:prstGeom>
+            <a:ln w="25400">
+              <a:solidFill>
+                <a:srgbClr val="0000FF"/>
+              </a:solidFill>
+              <a:tailEnd type="arrow"/>
+            </a:ln>
+          </p:spPr>
+          <p:style>
+            <a:lnRef idx="1">
+              <a:schemeClr val="accent1"/>
+            </a:lnRef>
+            <a:fillRef idx="0">
+              <a:schemeClr val="accent1"/>
+            </a:fillRef>
+            <a:effectRef idx="0">
+              <a:schemeClr val="accent1"/>
+            </a:effectRef>
+            <a:fontRef idx="minor">
+              <a:schemeClr val="tx1"/>
+            </a:fontRef>
+          </p:style>
+        </p:cxnSp>
+        <p:cxnSp>
+          <p:nvCxnSpPr>
+            <p:cNvPr id="24" name="Elbow Connector 23"/>
+            <p:cNvCxnSpPr>
+              <a:stCxn id="10" idx="0"/>
+            </p:cNvCxnSpPr>
+            <p:nvPr/>
+          </p:nvCxnSpPr>
+          <p:spPr>
+            <a:xfrm rot="16200000" flipV="1">
+              <a:off x="1884338" y="3092326"/>
+              <a:ext cx="288033" cy="961380"/>
+            </a:xfrm>
+            <a:prstGeom prst="bentConnector2">
+              <a:avLst/>
+            </a:prstGeom>
+            <a:ln w="25400">
+              <a:solidFill>
+                <a:srgbClr val="0000FF"/>
+              </a:solidFill>
+              <a:tailEnd type="arrow"/>
+            </a:ln>
+          </p:spPr>
+          <p:style>
+            <a:lnRef idx="1">
+              <a:schemeClr val="accent1"/>
+            </a:lnRef>
+            <a:fillRef idx="0">
+              <a:schemeClr val="accent1"/>
+            </a:fillRef>
+            <a:effectRef idx="0">
+              <a:schemeClr val="accent1"/>
+            </a:effectRef>
+            <a:fontRef idx="minor">
+              <a:schemeClr val="tx1"/>
+            </a:fontRef>
+          </p:style>
+        </p:cxnSp>
+        <p:cxnSp>
+          <p:nvCxnSpPr>
+            <p:cNvPr id="29" name="Elbow Connector 28"/>
+            <p:cNvCxnSpPr>
+              <a:endCxn id="1026" idx="1"/>
+            </p:cNvCxnSpPr>
+            <p:nvPr/>
+          </p:nvCxnSpPr>
+          <p:spPr>
+            <a:xfrm>
+              <a:off x="2514050" y="3428999"/>
+              <a:ext cx="725802" cy="324647"/>
+            </a:xfrm>
+            <a:prstGeom prst="bentConnector2">
+              <a:avLst/>
+            </a:prstGeom>
+            <a:ln w="25400">
+              <a:solidFill>
+                <a:srgbClr val="0000FF"/>
+              </a:solidFill>
+              <a:tailEnd type="arrow"/>
+            </a:ln>
+          </p:spPr>
+          <p:style>
+            <a:lnRef idx="1">
+              <a:schemeClr val="accent1"/>
+            </a:lnRef>
+            <a:fillRef idx="0">
+              <a:schemeClr val="accent1"/>
+            </a:fillRef>
+            <a:effectRef idx="0">
+              <a:schemeClr val="accent1"/>
+            </a:effectRef>
+            <a:fontRef idx="minor">
+              <a:schemeClr val="tx1"/>
+            </a:fontRef>
+          </p:style>
+        </p:cxnSp>
+        <p:sp>
+          <p:nvSpPr>
+            <p:cNvPr id="31" name="TextBox 30"/>
+            <p:cNvSpPr txBox="1"/>
+            <p:nvPr/>
+          </p:nvSpPr>
+          <p:spPr>
+            <a:xfrm>
+              <a:off x="1547109" y="3102791"/>
+              <a:ext cx="1160318" cy="369332"/>
+            </a:xfrm>
+            <a:prstGeom prst="rect">
+              <a:avLst/>
+            </a:prstGeom>
+            <a:noFill/>
+          </p:spPr>
+          <p:txBody>
+            <a:bodyPr wrap="none" rtlCol="0">
+              <a:spAutoFit/>
+            </a:bodyPr>
+            <a:lstStyle/>
+            <a:p>
+              <a:r>
+                <a:rPr lang="en-ID" b="1" dirty="0">
+                  <a:solidFill>
+                    <a:srgbClr val="0000FF"/>
+                  </a:solidFill>
+                </a:rPr>
+                <a:t>Hard Wire</a:t>
+              </a:r>
+              <a:endParaRPr lang="en-US" b="1" dirty="0">
+                <a:solidFill>
+                  <a:srgbClr val="0000FF"/>
+                </a:solidFill>
+              </a:endParaRPr>
+            </a:p>
+          </p:txBody>
+        </p:sp>
+      </p:grpSp>
+      <p:grpSp>
+        <p:nvGrpSpPr>
+          <p:cNvPr id="33" name="Group 32"/>
+          <p:cNvGrpSpPr/>
+          <p:nvPr/>
+        </p:nvGrpSpPr>
+        <p:grpSpPr>
+          <a:xfrm>
+            <a:off x="3123907" y="2199840"/>
+            <a:ext cx="2715829" cy="4429097"/>
+            <a:chOff x="271994" y="1124744"/>
+            <a:chExt cx="3219886" cy="4861145"/>
+          </a:xfrm>
+        </p:grpSpPr>
+        <p:pic>
+          <p:nvPicPr>
+            <p:cNvPr id="34" name="Picture 33" descr="Free Icon | Wifi"/>
+            <p:cNvPicPr/>
+            <p:nvPr/>
+          </p:nvPicPr>
+          <p:blipFill>
+            <a:blip r:embed="rId4" cstate="email">
+              <a:extLst>
+                <a:ext uri="{28A0092B-C50C-407E-A947-70E740481C1C}">
+                  <a14:useLocalDpi xmlns:a14="http://schemas.microsoft.com/office/drawing/2010/main" val="0"/>
+                </a:ext>
+              </a:extLst>
+            </a:blip>
+            <a:srcRect/>
+            <a:stretch>
+              <a:fillRect/>
+            </a:stretch>
+          </p:blipFill>
+          <p:spPr bwMode="auto">
+            <a:xfrm>
+              <a:off x="1300175" y="1124744"/>
+              <a:ext cx="494978" cy="483145"/>
+            </a:xfrm>
+            <a:prstGeom prst="rect">
+              <a:avLst/>
+            </a:prstGeom>
+            <a:noFill/>
+            <a:ln>
+              <a:noFill/>
+            </a:ln>
+          </p:spPr>
+        </p:pic>
+        <p:pic>
+          <p:nvPicPr>
+            <p:cNvPr id="35" name="Picture 34"/>
+            <p:cNvPicPr/>
+            <p:nvPr/>
+          </p:nvPicPr>
+          <p:blipFill>
+            <a:blip r:embed="rId5"/>
+            <a:stretch>
+              <a:fillRect/>
+            </a:stretch>
+          </p:blipFill>
+          <p:spPr>
+            <a:xfrm>
+              <a:off x="976164" y="1556792"/>
+              <a:ext cx="1143000" cy="1524000"/>
+            </a:xfrm>
+            <a:prstGeom prst="rect">
+              <a:avLst/>
+            </a:prstGeom>
+          </p:spPr>
+        </p:pic>
+        <p:pic>
+          <p:nvPicPr>
+            <p:cNvPr id="36" name="Picture 35"/>
+            <p:cNvPicPr/>
+            <p:nvPr/>
+          </p:nvPicPr>
+          <p:blipFill>
+            <a:blip r:embed="rId6"/>
+            <a:stretch>
+              <a:fillRect/>
+            </a:stretch>
+          </p:blipFill>
+          <p:spPr>
+            <a:xfrm>
+              <a:off x="391891" y="4221088"/>
+              <a:ext cx="589280" cy="548640"/>
+            </a:xfrm>
+            <a:prstGeom prst="rect">
+              <a:avLst/>
+            </a:prstGeom>
+          </p:spPr>
+        </p:pic>
+        <p:pic>
+          <p:nvPicPr>
+            <p:cNvPr id="37" name="Picture 36"/>
+            <p:cNvPicPr/>
+            <p:nvPr/>
+          </p:nvPicPr>
+          <p:blipFill>
+            <a:blip r:embed="rId7"/>
+            <a:stretch>
+              <a:fillRect/>
+            </a:stretch>
+          </p:blipFill>
+          <p:spPr>
+            <a:xfrm>
+              <a:off x="1244769" y="4183475"/>
+              <a:ext cx="874395" cy="629920"/>
+            </a:xfrm>
+            <a:prstGeom prst="rect">
+              <a:avLst/>
+            </a:prstGeom>
+          </p:spPr>
+        </p:pic>
+        <p:pic>
+          <p:nvPicPr>
+            <p:cNvPr id="38" name="Picture 37"/>
+            <p:cNvPicPr/>
+            <p:nvPr/>
+          </p:nvPicPr>
+          <p:blipFill>
+            <a:blip r:embed="rId8"/>
+            <a:stretch>
+              <a:fillRect/>
+            </a:stretch>
+          </p:blipFill>
+          <p:spPr>
+            <a:xfrm>
+              <a:off x="2267744" y="4261093"/>
+              <a:ext cx="476885" cy="508635"/>
+            </a:xfrm>
+            <a:prstGeom prst="rect">
+              <a:avLst/>
+            </a:prstGeom>
+          </p:spPr>
+        </p:pic>
+        <p:pic>
+          <p:nvPicPr>
+            <p:cNvPr id="39" name="Picture 38"/>
+            <p:cNvPicPr/>
+            <p:nvPr/>
+          </p:nvPicPr>
+          <p:blipFill>
+            <a:blip r:embed="rId8"/>
+            <a:stretch>
+              <a:fillRect/>
+            </a:stretch>
+          </p:blipFill>
+          <p:spPr>
+            <a:xfrm>
+              <a:off x="2270601" y="3717032"/>
+              <a:ext cx="476885" cy="508635"/>
+            </a:xfrm>
+            <a:prstGeom prst="rect">
+              <a:avLst/>
+            </a:prstGeom>
+          </p:spPr>
+        </p:pic>
+        <p:pic>
+          <p:nvPicPr>
+            <p:cNvPr id="40" name="Picture 39"/>
+            <p:cNvPicPr/>
+            <p:nvPr/>
+          </p:nvPicPr>
+          <p:blipFill>
+            <a:blip r:embed="rId8"/>
+            <a:stretch>
+              <a:fillRect/>
+            </a:stretch>
+          </p:blipFill>
+          <p:spPr>
+            <a:xfrm>
+              <a:off x="2275608" y="4813395"/>
+              <a:ext cx="476885" cy="508635"/>
+            </a:xfrm>
+            <a:prstGeom prst="rect">
+              <a:avLst/>
+            </a:prstGeom>
+          </p:spPr>
+        </p:pic>
+        <p:pic>
+          <p:nvPicPr>
+            <p:cNvPr id="41" name="Picture 2"/>
+            <p:cNvPicPr>
+              <a:picLocks noChangeAspect="1" noChangeArrowheads="1"/>
+            </p:cNvPicPr>
+            <p:nvPr/>
+          </p:nvPicPr>
+          <p:blipFill>
+            <a:blip r:embed="rId9" cstate="email">
+              <a:extLst>
+                <a:ext uri="{28A0092B-C50C-407E-A947-70E740481C1C}">
+                  <a14:useLocalDpi xmlns:a14="http://schemas.microsoft.com/office/drawing/2010/main" val="0"/>
+                </a:ext>
+              </a:extLst>
+            </a:blip>
+            <a:srcRect/>
+            <a:stretch>
+              <a:fillRect/>
+            </a:stretch>
+          </p:blipFill>
+          <p:spPr bwMode="auto">
+            <a:xfrm rot="5400000">
+              <a:off x="2446895" y="4294574"/>
+              <a:ext cx="1585913" cy="504056"/>
+            </a:xfrm>
+            <a:prstGeom prst="rect">
+              <a:avLst/>
+            </a:prstGeom>
+            <a:noFill/>
+            <a:ln>
+              <a:noFill/>
+            </a:ln>
+            <a:effectLst/>
+            <a:extLst>
+              <a:ext uri="{909E8E84-426E-40DD-AFC4-6F175D3DCCD1}">
+                <a14:hiddenFill xmlns:a14="http://schemas.microsoft.com/office/drawing/2010/main">
+                  <a:solidFill>
+                    <a:schemeClr val="accent1"/>
+                  </a:solidFill>
+                </a14:hiddenFill>
+              </a:ext>
+              <a:ext uri="{91240B29-F687-4F45-9708-019B960494DF}">
+                <a14:hiddenLine xmlns:a14="http://schemas.microsoft.com/office/drawing/2010/main" w="9525">
+                  <a:solidFill>
+                    <a:schemeClr val="tx1"/>
+                  </a:solidFill>
+                  <a:miter lim="800000"/>
+                  <a:headEnd/>
+                  <a:tailEnd/>
+                </a14:hiddenLine>
+              </a:ext>
+              <a:ext uri="{AF507438-7753-43E0-B8FC-AC1667EBCBE1}">
+                <a14:hiddenEffects xmlns:a14="http://schemas.microsoft.com/office/drawing/2010/main">
+                  <a:effectLst>
+                    <a:outerShdw dist="35921" dir="2700000" algn="ctr" rotWithShape="0">
+                      <a:schemeClr val="bg2"/>
+                    </a:outerShdw>
+                  </a:effectLst>
+                </a14:hiddenEffects>
+              </a:ext>
+            </a:extLst>
+          </p:spPr>
+        </p:pic>
+        <p:sp>
+          <p:nvSpPr>
+            <p:cNvPr id="42" name="TextBox 41"/>
+            <p:cNvSpPr txBox="1"/>
+            <p:nvPr/>
+          </p:nvSpPr>
+          <p:spPr>
+            <a:xfrm>
+              <a:off x="271994" y="4769728"/>
+              <a:ext cx="829073" cy="369332"/>
+            </a:xfrm>
+            <a:prstGeom prst="rect">
+              <a:avLst/>
+            </a:prstGeom>
+            <a:noFill/>
+          </p:spPr>
+          <p:txBody>
+            <a:bodyPr wrap="none" rtlCol="0">
+              <a:spAutoFit/>
+            </a:bodyPr>
+            <a:lstStyle/>
+            <a:p>
+              <a:r>
+                <a:rPr lang="en-ID" b="1" dirty="0">
+                  <a:solidFill>
+                    <a:srgbClr val="0000FF"/>
+                  </a:solidFill>
+                </a:rPr>
+                <a:t>Sensor</a:t>
+              </a:r>
+              <a:endParaRPr lang="en-US" b="1" dirty="0">
+                <a:solidFill>
+                  <a:srgbClr val="0000FF"/>
+                </a:solidFill>
+              </a:endParaRPr>
+            </a:p>
+          </p:txBody>
+        </p:sp>
+        <p:sp>
+          <p:nvSpPr>
+            <p:cNvPr id="43" name="TextBox 42"/>
+            <p:cNvSpPr txBox="1"/>
+            <p:nvPr/>
+          </p:nvSpPr>
+          <p:spPr>
+            <a:xfrm>
+              <a:off x="1271200" y="4797152"/>
+              <a:ext cx="1015021" cy="646331"/>
+            </a:xfrm>
+            <a:prstGeom prst="rect">
+              <a:avLst/>
+            </a:prstGeom>
+            <a:noFill/>
+          </p:spPr>
+          <p:txBody>
+            <a:bodyPr wrap="none" rtlCol="0">
+              <a:spAutoFit/>
+            </a:bodyPr>
+            <a:lstStyle/>
+            <a:p>
+              <a:pPr algn="ctr"/>
+              <a:r>
+                <a:rPr lang="en-ID" b="1" dirty="0">
+                  <a:solidFill>
+                    <a:srgbClr val="0000FF"/>
+                  </a:solidFill>
+                </a:rPr>
+                <a:t>Solenoid</a:t>
+              </a:r>
+            </a:p>
+            <a:p>
+              <a:pPr algn="ctr"/>
+              <a:r>
+                <a:rPr lang="en-ID" b="1" dirty="0">
+                  <a:solidFill>
+                    <a:srgbClr val="0000FF"/>
+                  </a:solidFill>
+                </a:rPr>
+                <a:t>Valve</a:t>
+              </a:r>
+              <a:endParaRPr lang="en-US" b="1" dirty="0">
+                <a:solidFill>
+                  <a:srgbClr val="0000FF"/>
+                </a:solidFill>
+              </a:endParaRPr>
+            </a:p>
+          </p:txBody>
+        </p:sp>
+        <p:sp>
+          <p:nvSpPr>
+            <p:cNvPr id="44" name="TextBox 43"/>
+            <p:cNvSpPr txBox="1"/>
+            <p:nvPr/>
+          </p:nvSpPr>
+          <p:spPr>
+            <a:xfrm>
+              <a:off x="2048288" y="5339558"/>
+              <a:ext cx="840166" cy="646331"/>
+            </a:xfrm>
+            <a:prstGeom prst="rect">
+              <a:avLst/>
+            </a:prstGeom>
+            <a:noFill/>
+          </p:spPr>
+          <p:txBody>
+            <a:bodyPr wrap="none" rtlCol="0">
+              <a:spAutoFit/>
+            </a:bodyPr>
+            <a:lstStyle/>
+            <a:p>
+              <a:pPr algn="ctr"/>
+              <a:r>
+                <a:rPr lang="en-ID" b="1" dirty="0">
+                  <a:solidFill>
+                    <a:srgbClr val="0000FF"/>
+                  </a:solidFill>
+                </a:rPr>
+                <a:t>Push</a:t>
+              </a:r>
+            </a:p>
+            <a:p>
+              <a:pPr algn="ctr"/>
+              <a:r>
+                <a:rPr lang="en-ID" b="1" dirty="0">
+                  <a:solidFill>
+                    <a:srgbClr val="0000FF"/>
+                  </a:solidFill>
+                </a:rPr>
+                <a:t>Button</a:t>
+              </a:r>
+              <a:endParaRPr lang="en-US" b="1" dirty="0">
+                <a:solidFill>
+                  <a:srgbClr val="0000FF"/>
+                </a:solidFill>
+              </a:endParaRPr>
+            </a:p>
+          </p:txBody>
+        </p:sp>
+        <p:sp>
+          <p:nvSpPr>
+            <p:cNvPr id="45" name="TextBox 44"/>
+            <p:cNvSpPr txBox="1"/>
+            <p:nvPr/>
+          </p:nvSpPr>
+          <p:spPr>
+            <a:xfrm>
+              <a:off x="2894755" y="5339558"/>
+              <a:ext cx="540533" cy="369332"/>
+            </a:xfrm>
+            <a:prstGeom prst="rect">
+              <a:avLst/>
+            </a:prstGeom>
+            <a:noFill/>
+          </p:spPr>
+          <p:txBody>
+            <a:bodyPr wrap="none" rtlCol="0">
+              <a:spAutoFit/>
+            </a:bodyPr>
+            <a:lstStyle/>
+            <a:p>
+              <a:r>
+                <a:rPr lang="en-ID" b="1" dirty="0">
+                  <a:solidFill>
+                    <a:srgbClr val="0000FF"/>
+                  </a:solidFill>
+                </a:rPr>
+                <a:t>LED</a:t>
+              </a:r>
+              <a:endParaRPr lang="en-US" b="1" dirty="0">
+                <a:solidFill>
+                  <a:srgbClr val="0000FF"/>
+                </a:solidFill>
+              </a:endParaRPr>
+            </a:p>
+          </p:txBody>
+        </p:sp>
+        <p:cxnSp>
+          <p:nvCxnSpPr>
+            <p:cNvPr id="46" name="Elbow Connector 45"/>
+            <p:cNvCxnSpPr>
+              <a:stCxn id="36" idx="0"/>
+              <a:endCxn id="35" idx="2"/>
+            </p:cNvCxnSpPr>
+            <p:nvPr/>
+          </p:nvCxnSpPr>
+          <p:spPr>
+            <a:xfrm rot="5400000" flipH="1" flipV="1">
+              <a:off x="546949" y="3220374"/>
+              <a:ext cx="1140296" cy="861133"/>
+            </a:xfrm>
+            <a:prstGeom prst="bentConnector3">
+              <a:avLst>
+                <a:gd name="adj1" fmla="val 71746"/>
+              </a:avLst>
+            </a:prstGeom>
+            <a:ln w="25400">
+              <a:solidFill>
+                <a:srgbClr val="0000FF"/>
+              </a:solidFill>
+              <a:tailEnd type="arrow"/>
+            </a:ln>
+          </p:spPr>
+          <p:style>
+            <a:lnRef idx="1">
+              <a:schemeClr val="accent1"/>
+            </a:lnRef>
+            <a:fillRef idx="0">
+              <a:schemeClr val="accent1"/>
+            </a:fillRef>
+            <a:effectRef idx="0">
+              <a:schemeClr val="accent1"/>
+            </a:effectRef>
+            <a:fontRef idx="minor">
+              <a:schemeClr val="tx1"/>
+            </a:fontRef>
+          </p:style>
+        </p:cxnSp>
+        <p:cxnSp>
+          <p:nvCxnSpPr>
+            <p:cNvPr id="47" name="Elbow Connector 46"/>
+            <p:cNvCxnSpPr>
+              <a:endCxn id="37" idx="0"/>
+            </p:cNvCxnSpPr>
+            <p:nvPr/>
+          </p:nvCxnSpPr>
+          <p:spPr>
+            <a:xfrm rot="16200000" flipH="1">
+              <a:off x="1237578" y="3739085"/>
+              <a:ext cx="754475" cy="134303"/>
+            </a:xfrm>
+            <a:prstGeom prst="bentConnector3">
+              <a:avLst/>
+            </a:prstGeom>
+            <a:ln w="25400">
+              <a:solidFill>
+                <a:srgbClr val="0000FF"/>
+              </a:solidFill>
+              <a:tailEnd type="arrow"/>
+            </a:ln>
+          </p:spPr>
+          <p:style>
+            <a:lnRef idx="1">
+              <a:schemeClr val="accent1"/>
+            </a:lnRef>
+            <a:fillRef idx="0">
+              <a:schemeClr val="accent1"/>
+            </a:fillRef>
+            <a:effectRef idx="0">
+              <a:schemeClr val="accent1"/>
+            </a:effectRef>
+            <a:fontRef idx="minor">
+              <a:schemeClr val="tx1"/>
+            </a:fontRef>
+          </p:style>
+        </p:cxnSp>
+        <p:cxnSp>
+          <p:nvCxnSpPr>
+            <p:cNvPr id="48" name="Elbow Connector 47"/>
+            <p:cNvCxnSpPr>
+              <a:stCxn id="39" idx="0"/>
+            </p:cNvCxnSpPr>
+            <p:nvPr/>
+          </p:nvCxnSpPr>
+          <p:spPr>
+            <a:xfrm rot="16200000" flipV="1">
+              <a:off x="1884338" y="3092326"/>
+              <a:ext cx="288033" cy="961380"/>
+            </a:xfrm>
+            <a:prstGeom prst="bentConnector2">
+              <a:avLst/>
+            </a:prstGeom>
+            <a:ln w="25400">
+              <a:solidFill>
+                <a:srgbClr val="0000FF"/>
+              </a:solidFill>
+              <a:tailEnd type="arrow"/>
+            </a:ln>
+          </p:spPr>
+          <p:style>
+            <a:lnRef idx="1">
+              <a:schemeClr val="accent1"/>
+            </a:lnRef>
+            <a:fillRef idx="0">
+              <a:schemeClr val="accent1"/>
+            </a:fillRef>
+            <a:effectRef idx="0">
+              <a:schemeClr val="accent1"/>
+            </a:effectRef>
+            <a:fontRef idx="minor">
+              <a:schemeClr val="tx1"/>
+            </a:fontRef>
+          </p:style>
+        </p:cxnSp>
+        <p:cxnSp>
+          <p:nvCxnSpPr>
+            <p:cNvPr id="49" name="Elbow Connector 48"/>
+            <p:cNvCxnSpPr>
+              <a:endCxn id="41" idx="1"/>
+            </p:cNvCxnSpPr>
+            <p:nvPr/>
+          </p:nvCxnSpPr>
+          <p:spPr>
+            <a:xfrm>
+              <a:off x="2514050" y="3428999"/>
+              <a:ext cx="725802" cy="324647"/>
+            </a:xfrm>
+            <a:prstGeom prst="bentConnector2">
+              <a:avLst/>
+            </a:prstGeom>
+            <a:ln w="25400">
+              <a:solidFill>
+                <a:srgbClr val="0000FF"/>
+              </a:solidFill>
+              <a:tailEnd type="arrow"/>
+            </a:ln>
+          </p:spPr>
+          <p:style>
+            <a:lnRef idx="1">
+              <a:schemeClr val="accent1"/>
+            </a:lnRef>
+            <a:fillRef idx="0">
+              <a:schemeClr val="accent1"/>
+            </a:fillRef>
+            <a:effectRef idx="0">
+              <a:schemeClr val="accent1"/>
+            </a:effectRef>
+            <a:fontRef idx="minor">
+              <a:schemeClr val="tx1"/>
+            </a:fontRef>
+          </p:style>
+        </p:cxnSp>
+        <p:sp>
+          <p:nvSpPr>
+            <p:cNvPr id="50" name="TextBox 49"/>
+            <p:cNvSpPr txBox="1"/>
+            <p:nvPr/>
+          </p:nvSpPr>
+          <p:spPr>
+            <a:xfrm>
+              <a:off x="1547109" y="3102791"/>
+              <a:ext cx="1160318" cy="369332"/>
+            </a:xfrm>
+            <a:prstGeom prst="rect">
+              <a:avLst/>
+            </a:prstGeom>
+            <a:noFill/>
+          </p:spPr>
+          <p:txBody>
+            <a:bodyPr wrap="none" rtlCol="0">
+              <a:spAutoFit/>
+            </a:bodyPr>
+            <a:lstStyle/>
+            <a:p>
+              <a:r>
+                <a:rPr lang="en-ID" b="1" dirty="0">
+                  <a:solidFill>
+                    <a:srgbClr val="0000FF"/>
+                  </a:solidFill>
+                </a:rPr>
+                <a:t>Hard Wire</a:t>
+              </a:r>
+              <a:endParaRPr lang="en-US" b="1" dirty="0">
+                <a:solidFill>
+                  <a:srgbClr val="0000FF"/>
+                </a:solidFill>
+              </a:endParaRPr>
+            </a:p>
+          </p:txBody>
+        </p:sp>
+      </p:grpSp>
+      <p:grpSp>
+        <p:nvGrpSpPr>
+          <p:cNvPr id="51" name="Group 50"/>
+          <p:cNvGrpSpPr/>
+          <p:nvPr/>
+        </p:nvGrpSpPr>
+        <p:grpSpPr>
+          <a:xfrm>
+            <a:off x="5744603" y="2199840"/>
+            <a:ext cx="2715829" cy="4429097"/>
+            <a:chOff x="271994" y="1124744"/>
+            <a:chExt cx="3219886" cy="4861145"/>
+          </a:xfrm>
+        </p:grpSpPr>
+        <p:pic>
+          <p:nvPicPr>
+            <p:cNvPr id="52" name="Picture 51" descr="Free Icon | Wifi"/>
+            <p:cNvPicPr/>
+            <p:nvPr/>
+          </p:nvPicPr>
+          <p:blipFill>
+            <a:blip r:embed="rId4" cstate="email">
+              <a:extLst>
+                <a:ext uri="{28A0092B-C50C-407E-A947-70E740481C1C}">
+                  <a14:useLocalDpi xmlns:a14="http://schemas.microsoft.com/office/drawing/2010/main" val="0"/>
+                </a:ext>
+              </a:extLst>
+            </a:blip>
+            <a:srcRect/>
+            <a:stretch>
+              <a:fillRect/>
+            </a:stretch>
+          </p:blipFill>
+          <p:spPr bwMode="auto">
+            <a:xfrm>
+              <a:off x="1300175" y="1124744"/>
+              <a:ext cx="494978" cy="483145"/>
+            </a:xfrm>
+            <a:prstGeom prst="rect">
+              <a:avLst/>
+            </a:prstGeom>
+            <a:noFill/>
+            <a:ln>
+              <a:noFill/>
+            </a:ln>
+          </p:spPr>
+        </p:pic>
+        <p:pic>
+          <p:nvPicPr>
+            <p:cNvPr id="53" name="Picture 52"/>
+            <p:cNvPicPr/>
+            <p:nvPr/>
+          </p:nvPicPr>
+          <p:blipFill>
+            <a:blip r:embed="rId5"/>
+            <a:stretch>
+              <a:fillRect/>
+            </a:stretch>
+          </p:blipFill>
+          <p:spPr>
+            <a:xfrm>
+              <a:off x="976164" y="1556792"/>
+              <a:ext cx="1143000" cy="1524000"/>
+            </a:xfrm>
+            <a:prstGeom prst="rect">
+              <a:avLst/>
+            </a:prstGeom>
+          </p:spPr>
+        </p:pic>
+        <p:pic>
+          <p:nvPicPr>
+            <p:cNvPr id="54" name="Picture 53"/>
+            <p:cNvPicPr/>
+            <p:nvPr/>
+          </p:nvPicPr>
+          <p:blipFill>
+            <a:blip r:embed="rId6"/>
+            <a:stretch>
+              <a:fillRect/>
+            </a:stretch>
+          </p:blipFill>
+          <p:spPr>
+            <a:xfrm>
+              <a:off x="391891" y="4221088"/>
+              <a:ext cx="589280" cy="548640"/>
+            </a:xfrm>
+            <a:prstGeom prst="rect">
+              <a:avLst/>
+            </a:prstGeom>
+          </p:spPr>
+        </p:pic>
+        <p:pic>
+          <p:nvPicPr>
+            <p:cNvPr id="55" name="Picture 54"/>
+            <p:cNvPicPr/>
+            <p:nvPr/>
+          </p:nvPicPr>
+          <p:blipFill>
+            <a:blip r:embed="rId7"/>
+            <a:stretch>
+              <a:fillRect/>
+            </a:stretch>
+          </p:blipFill>
+          <p:spPr>
+            <a:xfrm>
+              <a:off x="1244769" y="4183475"/>
+              <a:ext cx="874395" cy="629920"/>
+            </a:xfrm>
+            <a:prstGeom prst="rect">
+              <a:avLst/>
+            </a:prstGeom>
+          </p:spPr>
+        </p:pic>
+        <p:pic>
+          <p:nvPicPr>
+            <p:cNvPr id="56" name="Picture 55"/>
+            <p:cNvPicPr/>
+            <p:nvPr/>
+          </p:nvPicPr>
+          <p:blipFill>
+            <a:blip r:embed="rId8"/>
+            <a:stretch>
+              <a:fillRect/>
+            </a:stretch>
+          </p:blipFill>
+          <p:spPr>
+            <a:xfrm>
+              <a:off x="2267744" y="4261093"/>
+              <a:ext cx="476885" cy="508635"/>
+            </a:xfrm>
+            <a:prstGeom prst="rect">
+              <a:avLst/>
+            </a:prstGeom>
+          </p:spPr>
+        </p:pic>
+        <p:pic>
+          <p:nvPicPr>
+            <p:cNvPr id="57" name="Picture 56"/>
+            <p:cNvPicPr/>
+            <p:nvPr/>
+          </p:nvPicPr>
+          <p:blipFill>
+            <a:blip r:embed="rId8"/>
+            <a:stretch>
+              <a:fillRect/>
+            </a:stretch>
+          </p:blipFill>
+          <p:spPr>
+            <a:xfrm>
+              <a:off x="2270601" y="3717032"/>
+              <a:ext cx="476885" cy="508635"/>
+            </a:xfrm>
+            <a:prstGeom prst="rect">
+              <a:avLst/>
+            </a:prstGeom>
+          </p:spPr>
+        </p:pic>
+        <p:pic>
+          <p:nvPicPr>
+            <p:cNvPr id="58" name="Picture 57"/>
+            <p:cNvPicPr/>
+            <p:nvPr/>
+          </p:nvPicPr>
+          <p:blipFill>
+            <a:blip r:embed="rId8"/>
+            <a:stretch>
+              <a:fillRect/>
+            </a:stretch>
+          </p:blipFill>
+          <p:spPr>
+            <a:xfrm>
+              <a:off x="2275608" y="4813395"/>
+              <a:ext cx="476885" cy="508635"/>
+            </a:xfrm>
+            <a:prstGeom prst="rect">
+              <a:avLst/>
+            </a:prstGeom>
+          </p:spPr>
+        </p:pic>
+        <p:pic>
+          <p:nvPicPr>
+            <p:cNvPr id="59" name="Picture 2"/>
+            <p:cNvPicPr>
+              <a:picLocks noChangeAspect="1" noChangeArrowheads="1"/>
+            </p:cNvPicPr>
+            <p:nvPr/>
+          </p:nvPicPr>
+          <p:blipFill>
+            <a:blip r:embed="rId9" cstate="email">
+              <a:extLst>
+                <a:ext uri="{28A0092B-C50C-407E-A947-70E740481C1C}">
+                  <a14:useLocalDpi xmlns:a14="http://schemas.microsoft.com/office/drawing/2010/main" val="0"/>
+                </a:ext>
+              </a:extLst>
+            </a:blip>
+            <a:srcRect/>
+            <a:stretch>
+              <a:fillRect/>
+            </a:stretch>
+          </p:blipFill>
+          <p:spPr bwMode="auto">
+            <a:xfrm rot="5400000">
+              <a:off x="2446895" y="4294574"/>
+              <a:ext cx="1585913" cy="504056"/>
+            </a:xfrm>
+            <a:prstGeom prst="rect">
+              <a:avLst/>
+            </a:prstGeom>
+            <a:noFill/>
+            <a:ln>
+              <a:noFill/>
+            </a:ln>
+            <a:effectLst/>
+            <a:extLst>
+              <a:ext uri="{909E8E84-426E-40DD-AFC4-6F175D3DCCD1}">
+                <a14:hiddenFill xmlns:a14="http://schemas.microsoft.com/office/drawing/2010/main">
+                  <a:solidFill>
+                    <a:schemeClr val="accent1"/>
+                  </a:solidFill>
+                </a14:hiddenFill>
+              </a:ext>
+              <a:ext uri="{91240B29-F687-4F45-9708-019B960494DF}">
+                <a14:hiddenLine xmlns:a14="http://schemas.microsoft.com/office/drawing/2010/main" w="9525">
+                  <a:solidFill>
+                    <a:schemeClr val="tx1"/>
+                  </a:solidFill>
+                  <a:miter lim="800000"/>
+                  <a:headEnd/>
+                  <a:tailEnd/>
+                </a14:hiddenLine>
+              </a:ext>
+              <a:ext uri="{AF507438-7753-43E0-B8FC-AC1667EBCBE1}">
+                <a14:hiddenEffects xmlns:a14="http://schemas.microsoft.com/office/drawing/2010/main">
+                  <a:effectLst>
+                    <a:outerShdw dist="35921" dir="2700000" algn="ctr" rotWithShape="0">
+                      <a:schemeClr val="bg2"/>
+                    </a:outerShdw>
+                  </a:effectLst>
+                </a14:hiddenEffects>
+              </a:ext>
+            </a:extLst>
+          </p:spPr>
+        </p:pic>
+        <p:sp>
+          <p:nvSpPr>
+            <p:cNvPr id="60" name="TextBox 59"/>
+            <p:cNvSpPr txBox="1"/>
+            <p:nvPr/>
+          </p:nvSpPr>
+          <p:spPr>
+            <a:xfrm>
+              <a:off x="271994" y="4769728"/>
+              <a:ext cx="829073" cy="369332"/>
+            </a:xfrm>
+            <a:prstGeom prst="rect">
+              <a:avLst/>
+            </a:prstGeom>
+            <a:noFill/>
+          </p:spPr>
+          <p:txBody>
+            <a:bodyPr wrap="none" rtlCol="0">
+              <a:spAutoFit/>
+            </a:bodyPr>
+            <a:lstStyle/>
+            <a:p>
+              <a:r>
+                <a:rPr lang="en-ID" b="1" dirty="0">
+                  <a:solidFill>
+                    <a:srgbClr val="0000FF"/>
+                  </a:solidFill>
+                </a:rPr>
+                <a:t>Sensor</a:t>
+              </a:r>
+              <a:endParaRPr lang="en-US" b="1" dirty="0">
+                <a:solidFill>
+                  <a:srgbClr val="0000FF"/>
+                </a:solidFill>
+              </a:endParaRPr>
+            </a:p>
+          </p:txBody>
+        </p:sp>
+        <p:sp>
+          <p:nvSpPr>
+            <p:cNvPr id="61" name="TextBox 60"/>
+            <p:cNvSpPr txBox="1"/>
+            <p:nvPr/>
+          </p:nvSpPr>
+          <p:spPr>
+            <a:xfrm>
+              <a:off x="1271200" y="4797152"/>
+              <a:ext cx="1015021" cy="646331"/>
+            </a:xfrm>
+            <a:prstGeom prst="rect">
+              <a:avLst/>
+            </a:prstGeom>
+            <a:noFill/>
+          </p:spPr>
+          <p:txBody>
+            <a:bodyPr wrap="none" rtlCol="0">
+              <a:spAutoFit/>
+            </a:bodyPr>
+            <a:lstStyle/>
+            <a:p>
+              <a:pPr algn="ctr"/>
+              <a:r>
+                <a:rPr lang="en-ID" b="1" dirty="0">
+                  <a:solidFill>
+                    <a:srgbClr val="0000FF"/>
+                  </a:solidFill>
+                </a:rPr>
+                <a:t>Solenoid</a:t>
+              </a:r>
+            </a:p>
+            <a:p>
+              <a:pPr algn="ctr"/>
+              <a:r>
+                <a:rPr lang="en-ID" b="1" dirty="0">
+                  <a:solidFill>
+                    <a:srgbClr val="0000FF"/>
+                  </a:solidFill>
+                </a:rPr>
+                <a:t>Valve</a:t>
+              </a:r>
+              <a:endParaRPr lang="en-US" b="1" dirty="0">
+                <a:solidFill>
+                  <a:srgbClr val="0000FF"/>
+                </a:solidFill>
+              </a:endParaRPr>
+            </a:p>
+          </p:txBody>
+        </p:sp>
+        <p:sp>
+          <p:nvSpPr>
+            <p:cNvPr id="62" name="TextBox 61"/>
+            <p:cNvSpPr txBox="1"/>
+            <p:nvPr/>
+          </p:nvSpPr>
+          <p:spPr>
+            <a:xfrm>
+              <a:off x="2048288" y="5339558"/>
+              <a:ext cx="840166" cy="646331"/>
+            </a:xfrm>
+            <a:prstGeom prst="rect">
+              <a:avLst/>
+            </a:prstGeom>
+            <a:noFill/>
+          </p:spPr>
+          <p:txBody>
+            <a:bodyPr wrap="none" rtlCol="0">
+              <a:spAutoFit/>
+            </a:bodyPr>
+            <a:lstStyle/>
+            <a:p>
+              <a:pPr algn="ctr"/>
+              <a:r>
+                <a:rPr lang="en-ID" b="1" dirty="0">
+                  <a:solidFill>
+                    <a:srgbClr val="0000FF"/>
+                  </a:solidFill>
+                </a:rPr>
+                <a:t>Push</a:t>
+              </a:r>
+            </a:p>
+            <a:p>
+              <a:pPr algn="ctr"/>
+              <a:r>
+                <a:rPr lang="en-ID" b="1" dirty="0">
+                  <a:solidFill>
+                    <a:srgbClr val="0000FF"/>
+                  </a:solidFill>
+                </a:rPr>
+                <a:t>Button</a:t>
+              </a:r>
+              <a:endParaRPr lang="en-US" b="1" dirty="0">
+                <a:solidFill>
+                  <a:srgbClr val="0000FF"/>
+                </a:solidFill>
+              </a:endParaRPr>
+            </a:p>
+          </p:txBody>
+        </p:sp>
+        <p:sp>
+          <p:nvSpPr>
+            <p:cNvPr id="63" name="TextBox 62"/>
+            <p:cNvSpPr txBox="1"/>
+            <p:nvPr/>
+          </p:nvSpPr>
+          <p:spPr>
+            <a:xfrm>
+              <a:off x="2894755" y="5339558"/>
+              <a:ext cx="540533" cy="369332"/>
+            </a:xfrm>
+            <a:prstGeom prst="rect">
+              <a:avLst/>
+            </a:prstGeom>
+            <a:noFill/>
+          </p:spPr>
+          <p:txBody>
+            <a:bodyPr wrap="none" rtlCol="0">
+              <a:spAutoFit/>
+            </a:bodyPr>
+            <a:lstStyle/>
+            <a:p>
+              <a:r>
+                <a:rPr lang="en-ID" b="1" dirty="0">
+                  <a:solidFill>
+                    <a:srgbClr val="0000FF"/>
+                  </a:solidFill>
+                </a:rPr>
+                <a:t>LED</a:t>
+              </a:r>
+              <a:endParaRPr lang="en-US" b="1" dirty="0">
+                <a:solidFill>
+                  <a:srgbClr val="0000FF"/>
+                </a:solidFill>
+              </a:endParaRPr>
+            </a:p>
+          </p:txBody>
+        </p:sp>
+        <p:cxnSp>
+          <p:nvCxnSpPr>
+            <p:cNvPr id="64" name="Elbow Connector 63"/>
+            <p:cNvCxnSpPr>
+              <a:stCxn id="54" idx="0"/>
+              <a:endCxn id="53" idx="2"/>
+            </p:cNvCxnSpPr>
+            <p:nvPr/>
+          </p:nvCxnSpPr>
+          <p:spPr>
+            <a:xfrm rot="5400000" flipH="1" flipV="1">
+              <a:off x="546949" y="3220374"/>
+              <a:ext cx="1140296" cy="861133"/>
+            </a:xfrm>
+            <a:prstGeom prst="bentConnector3">
+              <a:avLst>
+                <a:gd name="adj1" fmla="val 71746"/>
+              </a:avLst>
+            </a:prstGeom>
+            <a:ln w="25400">
+              <a:solidFill>
+                <a:srgbClr val="0000FF"/>
+              </a:solidFill>
+              <a:tailEnd type="arrow"/>
+            </a:ln>
+          </p:spPr>
+          <p:style>
+            <a:lnRef idx="1">
+              <a:schemeClr val="accent1"/>
+            </a:lnRef>
+            <a:fillRef idx="0">
+              <a:schemeClr val="accent1"/>
+            </a:fillRef>
+            <a:effectRef idx="0">
+              <a:schemeClr val="accent1"/>
+            </a:effectRef>
+            <a:fontRef idx="minor">
+              <a:schemeClr val="tx1"/>
+            </a:fontRef>
+          </p:style>
+        </p:cxnSp>
+        <p:cxnSp>
+          <p:nvCxnSpPr>
+            <p:cNvPr id="65" name="Elbow Connector 64"/>
+            <p:cNvCxnSpPr>
+              <a:endCxn id="55" idx="0"/>
+            </p:cNvCxnSpPr>
+            <p:nvPr/>
+          </p:nvCxnSpPr>
+          <p:spPr>
+            <a:xfrm rot="16200000" flipH="1">
+              <a:off x="1237578" y="3739085"/>
+              <a:ext cx="754475" cy="134303"/>
+            </a:xfrm>
+            <a:prstGeom prst="bentConnector3">
+              <a:avLst/>
+            </a:prstGeom>
+            <a:ln w="25400">
+              <a:solidFill>
+                <a:srgbClr val="0000FF"/>
+              </a:solidFill>
+              <a:tailEnd type="arrow"/>
+            </a:ln>
+          </p:spPr>
+          <p:style>
+            <a:lnRef idx="1">
+              <a:schemeClr val="accent1"/>
+            </a:lnRef>
+            <a:fillRef idx="0">
+              <a:schemeClr val="accent1"/>
+            </a:fillRef>
+            <a:effectRef idx="0">
+              <a:schemeClr val="accent1"/>
+            </a:effectRef>
+            <a:fontRef idx="minor">
+              <a:schemeClr val="tx1"/>
+            </a:fontRef>
+          </p:style>
+        </p:cxnSp>
+        <p:cxnSp>
+          <p:nvCxnSpPr>
+            <p:cNvPr id="66" name="Elbow Connector 65"/>
+            <p:cNvCxnSpPr>
+              <a:stCxn id="57" idx="0"/>
+            </p:cNvCxnSpPr>
+            <p:nvPr/>
+          </p:nvCxnSpPr>
+          <p:spPr>
+            <a:xfrm rot="16200000" flipV="1">
+              <a:off x="1884338" y="3092326"/>
+              <a:ext cx="288033" cy="961380"/>
+            </a:xfrm>
+            <a:prstGeom prst="bentConnector2">
+              <a:avLst/>
+            </a:prstGeom>
+            <a:ln w="25400">
+              <a:solidFill>
+                <a:srgbClr val="0000FF"/>
+              </a:solidFill>
+              <a:tailEnd type="arrow"/>
+            </a:ln>
+          </p:spPr>
+          <p:style>
+            <a:lnRef idx="1">
+              <a:schemeClr val="accent1"/>
+            </a:lnRef>
+            <a:fillRef idx="0">
+              <a:schemeClr val="accent1"/>
+            </a:fillRef>
+            <a:effectRef idx="0">
+              <a:schemeClr val="accent1"/>
+            </a:effectRef>
+            <a:fontRef idx="minor">
+              <a:schemeClr val="tx1"/>
+            </a:fontRef>
+          </p:style>
+        </p:cxnSp>
+        <p:cxnSp>
+          <p:nvCxnSpPr>
+            <p:cNvPr id="67" name="Elbow Connector 66"/>
+            <p:cNvCxnSpPr>
+              <a:endCxn id="59" idx="1"/>
+            </p:cNvCxnSpPr>
+            <p:nvPr/>
+          </p:nvCxnSpPr>
+          <p:spPr>
+            <a:xfrm>
+              <a:off x="2514050" y="3428999"/>
+              <a:ext cx="725802" cy="324647"/>
+            </a:xfrm>
+            <a:prstGeom prst="bentConnector2">
+              <a:avLst/>
+            </a:prstGeom>
+            <a:ln w="25400">
+              <a:solidFill>
+                <a:srgbClr val="0000FF"/>
+              </a:solidFill>
+              <a:tailEnd type="arrow"/>
+            </a:ln>
+          </p:spPr>
+          <p:style>
+            <a:lnRef idx="1">
+              <a:schemeClr val="accent1"/>
+            </a:lnRef>
+            <a:fillRef idx="0">
+              <a:schemeClr val="accent1"/>
+            </a:fillRef>
+            <a:effectRef idx="0">
+              <a:schemeClr val="accent1"/>
+            </a:effectRef>
+            <a:fontRef idx="minor">
+              <a:schemeClr val="tx1"/>
+            </a:fontRef>
+          </p:style>
+        </p:cxnSp>
+        <p:sp>
+          <p:nvSpPr>
+            <p:cNvPr id="68" name="TextBox 67"/>
+            <p:cNvSpPr txBox="1"/>
+            <p:nvPr/>
+          </p:nvSpPr>
+          <p:spPr>
+            <a:xfrm>
+              <a:off x="1547109" y="3102791"/>
+              <a:ext cx="1160318" cy="369332"/>
+            </a:xfrm>
+            <a:prstGeom prst="rect">
+              <a:avLst/>
+            </a:prstGeom>
+            <a:noFill/>
+          </p:spPr>
+          <p:txBody>
+            <a:bodyPr wrap="none" rtlCol="0">
+              <a:spAutoFit/>
+            </a:bodyPr>
+            <a:lstStyle/>
+            <a:p>
+              <a:r>
+                <a:rPr lang="en-ID" b="1" dirty="0">
+                  <a:solidFill>
+                    <a:srgbClr val="0000FF"/>
+                  </a:solidFill>
+                </a:rPr>
+                <a:t>Hard Wire</a:t>
+              </a:r>
+              <a:endParaRPr lang="en-US" b="1" dirty="0">
+                <a:solidFill>
+                  <a:srgbClr val="0000FF"/>
+                </a:solidFill>
+              </a:endParaRPr>
+            </a:p>
+          </p:txBody>
+        </p:sp>
+      </p:grpSp>
+      <p:sp>
+        <p:nvSpPr>
+          <p:cNvPr id="32" name="TextBox 31"/>
+          <p:cNvSpPr txBox="1"/>
+          <p:nvPr/>
+        </p:nvSpPr>
+        <p:spPr>
+          <a:xfrm>
+            <a:off x="1811946" y="3103098"/>
+            <a:ext cx="909031" cy="369332"/>
+          </a:xfrm>
+          <a:prstGeom prst="rect">
+            <a:avLst/>
+          </a:prstGeom>
+          <a:noFill/>
+        </p:spPr>
+        <p:txBody>
+          <a:bodyPr wrap="none" rtlCol="0">
+            <a:spAutoFit/>
+          </a:bodyPr>
+          <a:lstStyle/>
+          <a:p>
+            <a:r>
+              <a:rPr lang="en-ID" b="1" dirty="0">
+                <a:solidFill>
+                  <a:srgbClr val="0000FF"/>
+                </a:solidFill>
+              </a:rPr>
+              <a:t>ZONA 1</a:t>
+            </a:r>
+            <a:endParaRPr lang="en-US" b="1" dirty="0">
+              <a:solidFill>
+                <a:srgbClr val="0000FF"/>
+              </a:solidFill>
+            </a:endParaRPr>
+          </a:p>
+        </p:txBody>
+      </p:sp>
+      <p:sp>
+        <p:nvSpPr>
+          <p:cNvPr id="70" name="TextBox 69"/>
+          <p:cNvSpPr txBox="1"/>
+          <p:nvPr/>
+        </p:nvSpPr>
+        <p:spPr>
+          <a:xfrm>
+            <a:off x="4676608" y="3103952"/>
+            <a:ext cx="909031" cy="369332"/>
+          </a:xfrm>
+          <a:prstGeom prst="rect">
+            <a:avLst/>
+          </a:prstGeom>
+          <a:noFill/>
+        </p:spPr>
+        <p:txBody>
+          <a:bodyPr wrap="none" rtlCol="0">
+            <a:spAutoFit/>
+          </a:bodyPr>
+          <a:lstStyle/>
+          <a:p>
+            <a:r>
+              <a:rPr lang="en-ID" b="1" dirty="0">
+                <a:solidFill>
+                  <a:srgbClr val="0000FF"/>
+                </a:solidFill>
+              </a:rPr>
+              <a:t>ZONA 2</a:t>
+            </a:r>
+            <a:endParaRPr lang="en-US" b="1" dirty="0">
+              <a:solidFill>
+                <a:srgbClr val="0000FF"/>
+              </a:solidFill>
+            </a:endParaRPr>
+          </a:p>
+        </p:txBody>
+      </p:sp>
+      <p:sp>
+        <p:nvSpPr>
+          <p:cNvPr id="71" name="TextBox 70"/>
+          <p:cNvSpPr txBox="1"/>
+          <p:nvPr/>
+        </p:nvSpPr>
+        <p:spPr>
+          <a:xfrm>
+            <a:off x="7263369" y="3102683"/>
+            <a:ext cx="909031" cy="369332"/>
+          </a:xfrm>
+          <a:prstGeom prst="rect">
+            <a:avLst/>
+          </a:prstGeom>
+          <a:noFill/>
+        </p:spPr>
+        <p:txBody>
+          <a:bodyPr wrap="none" rtlCol="0">
+            <a:spAutoFit/>
+          </a:bodyPr>
+          <a:lstStyle/>
+          <a:p>
+            <a:r>
+              <a:rPr lang="en-ID" b="1" dirty="0">
+                <a:solidFill>
+                  <a:srgbClr val="0000FF"/>
+                </a:solidFill>
+              </a:rPr>
+              <a:t>ZONA 3</a:t>
+            </a:r>
+            <a:endParaRPr lang="en-US" b="1" dirty="0">
+              <a:solidFill>
+                <a:srgbClr val="0000FF"/>
+              </a:solidFill>
+            </a:endParaRPr>
+          </a:p>
+        </p:txBody>
+      </p:sp>
+      <p:pic>
+        <p:nvPicPr>
+          <p:cNvPr id="74" name="Picture 73"/>
+          <p:cNvPicPr/>
+          <p:nvPr/>
+        </p:nvPicPr>
+        <p:blipFill>
+          <a:blip r:embed="rId10"/>
+          <a:stretch>
+            <a:fillRect/>
+          </a:stretch>
+        </p:blipFill>
+        <p:spPr>
+          <a:xfrm rot="10800000">
+            <a:off x="4723647" y="414136"/>
+            <a:ext cx="761365" cy="1204595"/>
+          </a:xfrm>
+          <a:prstGeom prst="rect">
+            <a:avLst/>
+          </a:prstGeom>
+        </p:spPr>
+      </p:pic>
+      <p:cxnSp>
+        <p:nvCxnSpPr>
+          <p:cNvPr id="79" name="Straight Arrow Connector 78"/>
+          <p:cNvCxnSpPr>
+            <a:stCxn id="75" idx="1"/>
+            <a:endCxn id="5" idx="3"/>
+          </p:cNvCxnSpPr>
+          <p:nvPr/>
+        </p:nvCxnSpPr>
+        <p:spPr>
+          <a:xfrm flipH="1">
+            <a:off x="1608244" y="1684107"/>
+            <a:ext cx="3251788" cy="735835"/>
+          </a:xfrm>
+          <a:prstGeom prst="straightConnector1">
+            <a:avLst/>
+          </a:prstGeom>
+          <a:ln w="25400">
+            <a:solidFill>
+              <a:srgbClr val="FF0000"/>
+            </a:solidFill>
+            <a:headEnd type="stealth"/>
+            <a:tailEnd type="stealth"/>
+          </a:ln>
+        </p:spPr>
+        <p:style>
+          <a:lnRef idx="1">
+            <a:schemeClr val="accent1"/>
+          </a:lnRef>
+          <a:fillRef idx="0">
+            <a:schemeClr val="accent1"/>
+          </a:fillRef>
+          <a:effectRef idx="0">
+            <a:schemeClr val="accent1"/>
+          </a:effectRef>
+          <a:fontRef idx="minor">
+            <a:schemeClr val="tx1"/>
+          </a:fontRef>
+        </p:style>
+      </p:cxnSp>
+      <p:cxnSp>
+        <p:nvCxnSpPr>
+          <p:cNvPr id="82" name="Straight Arrow Connector 81"/>
+          <p:cNvCxnSpPr>
+            <a:cxnSpLocks/>
+          </p:cNvCxnSpPr>
+          <p:nvPr/>
+        </p:nvCxnSpPr>
+        <p:spPr>
+          <a:xfrm flipH="1">
+            <a:off x="4291131" y="1836507"/>
+            <a:ext cx="721302" cy="463213"/>
+          </a:xfrm>
+          <a:prstGeom prst="straightConnector1">
+            <a:avLst/>
+          </a:prstGeom>
+          <a:ln w="25400">
+            <a:solidFill>
+              <a:srgbClr val="FF0000"/>
+            </a:solidFill>
+            <a:headEnd type="stealth"/>
+            <a:tailEnd type="stealth"/>
+          </a:ln>
+        </p:spPr>
+        <p:style>
+          <a:lnRef idx="1">
+            <a:schemeClr val="accent1"/>
+          </a:lnRef>
+          <a:fillRef idx="0">
+            <a:schemeClr val="accent1"/>
+          </a:fillRef>
+          <a:effectRef idx="0">
+            <a:schemeClr val="accent1"/>
+          </a:effectRef>
+          <a:fontRef idx="minor">
+            <a:schemeClr val="tx1"/>
+          </a:fontRef>
+        </p:style>
+      </p:cxnSp>
+      <p:cxnSp>
+        <p:nvCxnSpPr>
+          <p:cNvPr id="84" name="Straight Arrow Connector 83"/>
+          <p:cNvCxnSpPr>
+            <a:cxnSpLocks/>
+            <a:stCxn id="75" idx="3"/>
+          </p:cNvCxnSpPr>
+          <p:nvPr/>
+        </p:nvCxnSpPr>
+        <p:spPr>
+          <a:xfrm>
+            <a:off x="5335032" y="1684107"/>
+            <a:ext cx="1464230" cy="639023"/>
+          </a:xfrm>
+          <a:prstGeom prst="straightConnector1">
+            <a:avLst/>
+          </a:prstGeom>
+          <a:ln w="25400">
+            <a:solidFill>
+              <a:srgbClr val="FF0000"/>
+            </a:solidFill>
+            <a:headEnd type="stealth"/>
+            <a:tailEnd type="stealth"/>
+          </a:ln>
+        </p:spPr>
+        <p:style>
+          <a:lnRef idx="1">
+            <a:schemeClr val="accent1"/>
+          </a:lnRef>
+          <a:fillRef idx="0">
+            <a:schemeClr val="accent1"/>
+          </a:fillRef>
+          <a:effectRef idx="0">
+            <a:schemeClr val="accent1"/>
+          </a:effectRef>
+          <a:fontRef idx="minor">
+            <a:schemeClr val="tx1"/>
+          </a:fontRef>
+        </p:style>
+      </p:cxnSp>
+      <p:sp>
+        <p:nvSpPr>
+          <p:cNvPr id="87" name="TextBox 86"/>
+          <p:cNvSpPr txBox="1"/>
+          <p:nvPr/>
+        </p:nvSpPr>
+        <p:spPr>
+          <a:xfrm>
+            <a:off x="4539924" y="1916832"/>
+            <a:ext cx="1749325" cy="369332"/>
+          </a:xfrm>
+          <a:prstGeom prst="rect">
+            <a:avLst/>
+          </a:prstGeom>
+          <a:noFill/>
+        </p:spPr>
+        <p:txBody>
+          <a:bodyPr wrap="none" rtlCol="0">
+            <a:spAutoFit/>
+          </a:bodyPr>
+          <a:lstStyle/>
+          <a:p>
+            <a:r>
+              <a:rPr lang="en-ID" b="1" dirty="0">
+                <a:solidFill>
+                  <a:srgbClr val="FF0000"/>
+                </a:solidFill>
+              </a:rPr>
+              <a:t>MQTT - Protocol</a:t>
+            </a:r>
+            <a:endParaRPr lang="en-US" b="1" dirty="0">
+              <a:solidFill>
+                <a:srgbClr val="FF0000"/>
+              </a:solidFill>
+            </a:endParaRPr>
+          </a:p>
+        </p:txBody>
+      </p:sp>
+      <p:sp>
+        <p:nvSpPr>
+          <p:cNvPr id="106" name="TextBox 105"/>
+          <p:cNvSpPr txBox="1"/>
+          <p:nvPr/>
+        </p:nvSpPr>
+        <p:spPr>
+          <a:xfrm>
+            <a:off x="3878136" y="693267"/>
+            <a:ext cx="884538" cy="646331"/>
+          </a:xfrm>
+          <a:prstGeom prst="rect">
+            <a:avLst/>
+          </a:prstGeom>
+          <a:noFill/>
+        </p:spPr>
+        <p:txBody>
+          <a:bodyPr wrap="none" rtlCol="0">
+            <a:spAutoFit/>
+          </a:bodyPr>
+          <a:lstStyle/>
+          <a:p>
+            <a:r>
+              <a:rPr lang="en-ID" b="1" dirty="0" smtClean="0">
+                <a:solidFill>
+                  <a:srgbClr val="0000FF"/>
+                </a:solidFill>
+              </a:rPr>
+              <a:t>Server</a:t>
+            </a:r>
+          </a:p>
+          <a:p>
+            <a:r>
+              <a:rPr lang="en-ID" b="1" dirty="0" smtClean="0">
+                <a:solidFill>
+                  <a:srgbClr val="0000FF"/>
+                </a:solidFill>
+              </a:rPr>
+              <a:t>ESP -01</a:t>
+            </a:r>
+            <a:endParaRPr lang="en-US" b="1" dirty="0">
+              <a:solidFill>
+                <a:srgbClr val="0000FF"/>
+              </a:solidFill>
+            </a:endParaRPr>
+          </a:p>
+        </p:txBody>
+      </p:sp>
+      <p:sp>
+        <p:nvSpPr>
+          <p:cNvPr id="81" name="TextBox 80">
+            <a:extLst>
+              <a:ext uri="{FF2B5EF4-FFF2-40B4-BE49-F238E27FC236}">
+                <a16:creationId xmlns:a16="http://schemas.microsoft.com/office/drawing/2014/main" xmlns="" id="{790D0203-3E55-41ED-B09F-6DF8228F54B7}"/>
+              </a:ext>
+            </a:extLst>
+          </p:cNvPr>
+          <p:cNvSpPr txBox="1"/>
+          <p:nvPr/>
+        </p:nvSpPr>
+        <p:spPr>
+          <a:xfrm>
+            <a:off x="1446506" y="2311472"/>
+            <a:ext cx="1825308" cy="369332"/>
+          </a:xfrm>
+          <a:prstGeom prst="rect">
+            <a:avLst/>
+          </a:prstGeom>
+          <a:noFill/>
+        </p:spPr>
+        <p:txBody>
+          <a:bodyPr wrap="none" rtlCol="0">
+            <a:spAutoFit/>
+          </a:bodyPr>
+          <a:lstStyle/>
+          <a:p>
+            <a:r>
+              <a:rPr lang="en-US" b="1" dirty="0">
+                <a:solidFill>
+                  <a:srgbClr val="0000FF"/>
+                </a:solidFill>
+              </a:rPr>
+              <a:t>E</a:t>
+            </a:r>
+            <a:r>
+              <a:rPr lang="en-ID" b="1" dirty="0" err="1" smtClean="0">
+                <a:solidFill>
+                  <a:srgbClr val="0000FF"/>
+                </a:solidFill>
+              </a:rPr>
+              <a:t>oN</a:t>
+            </a:r>
+            <a:r>
+              <a:rPr lang="en-ID" b="1" dirty="0" smtClean="0">
+                <a:solidFill>
+                  <a:srgbClr val="0000FF"/>
+                </a:solidFill>
+              </a:rPr>
+              <a:t> – </a:t>
+            </a:r>
+            <a:r>
+              <a:rPr lang="en-ID" b="1" dirty="0" err="1" smtClean="0">
+                <a:solidFill>
+                  <a:srgbClr val="0000FF"/>
+                </a:solidFill>
+              </a:rPr>
+              <a:t>Wemos</a:t>
+            </a:r>
+            <a:r>
+              <a:rPr lang="en-ID" b="1" dirty="0" smtClean="0">
+                <a:solidFill>
+                  <a:srgbClr val="0000FF"/>
+                </a:solidFill>
+              </a:rPr>
+              <a:t> D1</a:t>
+            </a:r>
+            <a:endParaRPr lang="en-US" b="1" dirty="0">
+              <a:solidFill>
+                <a:srgbClr val="0000FF"/>
+              </a:solidFill>
+            </a:endParaRPr>
+          </a:p>
+        </p:txBody>
+      </p:sp>
+      <p:sp>
+        <p:nvSpPr>
+          <p:cNvPr id="85" name="TextBox 84">
+            <a:extLst>
+              <a:ext uri="{FF2B5EF4-FFF2-40B4-BE49-F238E27FC236}">
+                <a16:creationId xmlns:a16="http://schemas.microsoft.com/office/drawing/2014/main" xmlns="" id="{71E992D9-D949-4276-AAC3-636153343403}"/>
+              </a:ext>
+            </a:extLst>
+          </p:cNvPr>
+          <p:cNvSpPr txBox="1"/>
+          <p:nvPr/>
+        </p:nvSpPr>
+        <p:spPr>
+          <a:xfrm>
+            <a:off x="4215898" y="2324706"/>
+            <a:ext cx="1825308" cy="369332"/>
+          </a:xfrm>
+          <a:prstGeom prst="rect">
+            <a:avLst/>
+          </a:prstGeom>
+          <a:noFill/>
+        </p:spPr>
+        <p:txBody>
+          <a:bodyPr wrap="none" rtlCol="0">
+            <a:spAutoFit/>
+          </a:bodyPr>
+          <a:lstStyle/>
+          <a:p>
+            <a:r>
+              <a:rPr lang="en-US" b="1" dirty="0">
+                <a:solidFill>
+                  <a:srgbClr val="0000FF"/>
+                </a:solidFill>
+              </a:rPr>
+              <a:t>E</a:t>
+            </a:r>
+            <a:r>
+              <a:rPr lang="en-ID" b="1" dirty="0" err="1" smtClean="0">
+                <a:solidFill>
+                  <a:srgbClr val="0000FF"/>
+                </a:solidFill>
+              </a:rPr>
+              <a:t>oN</a:t>
+            </a:r>
+            <a:r>
+              <a:rPr lang="en-ID" b="1" dirty="0" smtClean="0">
+                <a:solidFill>
+                  <a:srgbClr val="0000FF"/>
+                </a:solidFill>
+              </a:rPr>
+              <a:t> – </a:t>
+            </a:r>
+            <a:r>
+              <a:rPr lang="en-ID" b="1" dirty="0" err="1" smtClean="0">
+                <a:solidFill>
+                  <a:srgbClr val="0000FF"/>
+                </a:solidFill>
+              </a:rPr>
+              <a:t>Wemos</a:t>
+            </a:r>
+            <a:r>
+              <a:rPr lang="en-ID" b="1" dirty="0" smtClean="0">
+                <a:solidFill>
+                  <a:srgbClr val="0000FF"/>
+                </a:solidFill>
+              </a:rPr>
+              <a:t> D1</a:t>
+            </a:r>
+            <a:endParaRPr lang="en-US" b="1" dirty="0">
+              <a:solidFill>
+                <a:srgbClr val="0000FF"/>
+              </a:solidFill>
+            </a:endParaRPr>
+          </a:p>
+        </p:txBody>
+      </p:sp>
+      <p:sp>
+        <p:nvSpPr>
+          <p:cNvPr id="86" name="TextBox 85">
+            <a:extLst>
+              <a:ext uri="{FF2B5EF4-FFF2-40B4-BE49-F238E27FC236}">
+                <a16:creationId xmlns:a16="http://schemas.microsoft.com/office/drawing/2014/main" xmlns="" id="{574F8BB8-07A3-4F63-8DD0-219A9FDDE81D}"/>
+              </a:ext>
+            </a:extLst>
+          </p:cNvPr>
+          <p:cNvSpPr txBox="1"/>
+          <p:nvPr/>
+        </p:nvSpPr>
+        <p:spPr>
+          <a:xfrm>
+            <a:off x="6854826" y="2319648"/>
+            <a:ext cx="1825308" cy="369332"/>
+          </a:xfrm>
+          <a:prstGeom prst="rect">
+            <a:avLst/>
+          </a:prstGeom>
+          <a:noFill/>
+        </p:spPr>
+        <p:txBody>
+          <a:bodyPr wrap="none" rtlCol="0">
+            <a:spAutoFit/>
+          </a:bodyPr>
+          <a:lstStyle/>
+          <a:p>
+            <a:r>
+              <a:rPr lang="en-US" b="1" dirty="0">
+                <a:solidFill>
+                  <a:srgbClr val="0000FF"/>
+                </a:solidFill>
+              </a:rPr>
+              <a:t>E</a:t>
+            </a:r>
+            <a:r>
+              <a:rPr lang="en-ID" b="1" dirty="0" err="1" smtClean="0">
+                <a:solidFill>
+                  <a:srgbClr val="0000FF"/>
+                </a:solidFill>
+              </a:rPr>
+              <a:t>oN</a:t>
+            </a:r>
+            <a:r>
+              <a:rPr lang="en-ID" b="1" dirty="0" smtClean="0">
+                <a:solidFill>
+                  <a:srgbClr val="0000FF"/>
+                </a:solidFill>
+              </a:rPr>
+              <a:t> – </a:t>
+            </a:r>
+            <a:r>
+              <a:rPr lang="en-ID" b="1" dirty="0" err="1" smtClean="0">
+                <a:solidFill>
+                  <a:srgbClr val="0000FF"/>
+                </a:solidFill>
+              </a:rPr>
+              <a:t>Wemos</a:t>
+            </a:r>
+            <a:r>
+              <a:rPr lang="en-ID" b="1" dirty="0" smtClean="0">
+                <a:solidFill>
+                  <a:srgbClr val="0000FF"/>
+                </a:solidFill>
+              </a:rPr>
+              <a:t> D1</a:t>
+            </a:r>
+            <a:endParaRPr lang="en-US" b="1" dirty="0">
+              <a:solidFill>
+                <a:srgbClr val="0000FF"/>
+              </a:solidFill>
+            </a:endParaRPr>
+          </a:p>
+        </p:txBody>
+      </p:sp>
+      <p:sp>
+        <p:nvSpPr>
+          <p:cNvPr id="93" name="Title 5"/>
+          <p:cNvSpPr txBox="1">
+            <a:spLocks/>
+          </p:cNvSpPr>
+          <p:nvPr/>
+        </p:nvSpPr>
+        <p:spPr>
+          <a:xfrm>
+            <a:off x="762000" y="274638"/>
+            <a:ext cx="2960066" cy="1143000"/>
+          </a:xfrm>
+          <a:prstGeom prst="rect">
+            <a:avLst/>
+          </a:prstGeom>
+        </p:spPr>
+        <p:txBody>
+          <a:bodyPr/>
+          <a:lstStyle>
+            <a:lvl1pPr algn="l" defTabSz="914400" rtl="0" eaLnBrk="1" latinLnBrk="0" hangingPunct="1">
+              <a:spcBef>
+                <a:spcPct val="0"/>
+              </a:spcBef>
+              <a:buNone/>
+              <a:defRPr lang="en-US" sz="4400" kern="1200" dirty="0" smtClean="0">
+                <a:solidFill>
+                  <a:schemeClr val="tx1"/>
+                </a:solidFill>
+                <a:latin typeface="+mj-lt"/>
+                <a:ea typeface="+mj-ea"/>
+                <a:cs typeface="+mj-cs"/>
+              </a:defRPr>
+            </a:lvl1pPr>
+          </a:lstStyle>
+          <a:p>
+            <a:r>
+              <a:rPr lang="en-ID" b="1" dirty="0" err="1" smtClean="0">
+                <a:solidFill>
+                  <a:srgbClr val="0000FF"/>
+                </a:solidFill>
+              </a:rPr>
+              <a:t>EoN</a:t>
+            </a:r>
+            <a:r>
+              <a:rPr lang="en-ID" b="1" dirty="0" smtClean="0">
+                <a:solidFill>
+                  <a:srgbClr val="0000FF"/>
+                </a:solidFill>
+              </a:rPr>
+              <a:t> - HW</a:t>
+            </a:r>
+            <a:endParaRPr lang="en-ID" b="1" dirty="0">
+              <a:solidFill>
+                <a:srgbClr val="0000FF"/>
+              </a:solidFill>
+            </a:endParaRPr>
+          </a:p>
+        </p:txBody>
+      </p:sp>
+    </p:spTree>
+    <p:extLst>
+      <p:ext uri="{BB962C8B-B14F-4D97-AF65-F5344CB8AC3E}">
+        <p14:creationId xmlns:p14="http://schemas.microsoft.com/office/powerpoint/2010/main" val="2778651127"/>
+      </p:ext>
+    </p:extLst>
+  </p:cSld>
+  <p:clrMapOvr>
+    <a:masterClrMapping/>
+  </p:clrMapOvr>
+  <p:transition spd="slow">
+    <p:fade/>
+  </p:transition>
+  <p:timing>
+    <p:tnLst>
+      <p:par>
+        <p:cTn id="1" dur="indefinite" restart="never" nodeType="tmRoot"/>
+      </p:par>
+    </p:tnLst>
+  </p:timing>
 </p:sld>
 </file>
 

--- a/WlFPS.pptx
+++ b/WlFPS.pptx
@@ -115,7 +115,7 @@
   </p:defaultTextStyle>
   <p:extLst>
     <p:ext uri="{EFAFB233-063F-42B5-8137-9DF3F51BA10A}">
-      <p15:sldGuideLst xmlns:p15="http://schemas.microsoft.com/office/powerpoint/2012/main" xmlns="">
+      <p15:sldGuideLst xmlns:p15="http://schemas.microsoft.com/office/powerpoint/2012/main">
         <p15:guide id="1" orient="horz" pos="2160">
           <p15:clr>
             <a:srgbClr val="A4A3A4"/>
@@ -129,7 +129,7 @@
       </p15:sldGuideLst>
     </p:ext>
     <p:ext uri="{2D200454-40CA-4A62-9FC3-DE9A4176ACB9}">
-      <p15:notesGuideLst xmlns:p15="http://schemas.microsoft.com/office/powerpoint/2012/main" xmlns="">
+      <p15:notesGuideLst xmlns:p15="http://schemas.microsoft.com/office/powerpoint/2012/main">
         <p15:guide id="1" orient="horz" pos="2880">
           <p15:clr>
             <a:srgbClr val="A4A3A4"/>
@@ -4401,7 +4401,7 @@
           <p:cNvPr id="91" name="Picture 90" descr="Free Icon | Wifi">
             <a:extLst>
               <a:ext uri="{FF2B5EF4-FFF2-40B4-BE49-F238E27FC236}">
-                <a16:creationId xmlns:a16="http://schemas.microsoft.com/office/drawing/2014/main" xmlns="" id="{8C0D1CC1-0F99-45F8-B30B-F5786D94F875}"/>
+                <a16:creationId xmlns:a16="http://schemas.microsoft.com/office/drawing/2014/main" id="{8C0D1CC1-0F99-45F8-B30B-F5786D94F875}"/>
               </a:ext>
             </a:extLst>
           </p:cNvPr>
@@ -4440,7 +4440,7 @@
           <p:cNvPr id="80" name="Picture 79" descr="Free Icon | Wifi">
             <a:extLst>
               <a:ext uri="{FF2B5EF4-FFF2-40B4-BE49-F238E27FC236}">
-                <a16:creationId xmlns:a16="http://schemas.microsoft.com/office/drawing/2014/main" xmlns="" id="{35E36CD3-6B5D-4E30-B897-685D3D72453D}"/>
+                <a16:creationId xmlns:a16="http://schemas.microsoft.com/office/drawing/2014/main" id="{35E36CD3-6B5D-4E30-B897-685D3D72453D}"/>
               </a:ext>
             </a:extLst>
           </p:cNvPr>
@@ -6539,34 +6539,12 @@
           </a:ln>
         </p:spPr>
       </p:pic>
-      <p:pic>
-        <p:nvPicPr>
-          <p:cNvPr id="74" name="Picture 73"/>
-          <p:cNvPicPr/>
-          <p:nvPr/>
-        </p:nvPicPr>
-        <p:blipFill>
-          <a:blip r:embed="rId11"/>
-          <a:stretch>
-            <a:fillRect/>
-          </a:stretch>
-        </p:blipFill>
-        <p:spPr>
-          <a:xfrm rot="10800000">
-            <a:off x="4723647" y="414136"/>
-            <a:ext cx="761365" cy="1204595"/>
-          </a:xfrm>
-          <a:prstGeom prst="rect">
-            <a:avLst/>
-          </a:prstGeom>
-        </p:spPr>
-      </p:pic>
       <p:cxnSp>
         <p:nvCxnSpPr>
           <p:cNvPr id="76" name="Elbow Connector 75"/>
           <p:cNvCxnSpPr>
+            <a:cxnSpLocks/>
             <a:stCxn id="73" idx="3"/>
-            <a:endCxn id="74" idx="3"/>
           </p:cNvCxnSpPr>
           <p:nvPr/>
         </p:nvCxnSpPr>
@@ -6803,7 +6781,7 @@
           <p:nvPr/>
         </p:nvPicPr>
         <p:blipFill>
-          <a:blip r:embed="rId12" cstate="email">
+          <a:blip r:embed="rId11" cstate="email">
             <a:extLst>
               <a:ext uri="{28A0092B-C50C-407E-A947-70E740481C1C}">
                 <a14:useLocalDpi xmlns:a14="http://schemas.microsoft.com/office/drawing/2010/main" val="0"/>
@@ -6836,7 +6814,7 @@
           <p:nvPr/>
         </p:nvPicPr>
         <p:blipFill>
-          <a:blip r:embed="rId13"/>
+          <a:blip r:embed="rId12"/>
           <a:stretch>
             <a:fillRect/>
           </a:stretch>
@@ -6931,7 +6909,7 @@
         <p:nvCxnSpPr>
           <p:cNvPr id="95" name="Straight Arrow Connector 94"/>
           <p:cNvCxnSpPr>
-            <a:stCxn id="74" idx="1"/>
+            <a:cxnSpLocks/>
           </p:cNvCxnSpPr>
           <p:nvPr/>
         </p:nvCxnSpPr>
@@ -7133,7 +7111,7 @@
           <p:nvPr/>
         </p:nvPicPr>
         <p:blipFill>
-          <a:blip r:embed="rId12" cstate="email">
+          <a:blip r:embed="rId11" cstate="email">
             <a:extLst>
               <a:ext uri="{28A0092B-C50C-407E-A947-70E740481C1C}">
                 <a14:useLocalDpi xmlns:a14="http://schemas.microsoft.com/office/drawing/2010/main" val="0"/>
@@ -7166,7 +7144,7 @@
           <p:nvPr/>
         </p:nvPicPr>
         <p:blipFill>
-          <a:blip r:embed="rId12" cstate="email">
+          <a:blip r:embed="rId11" cstate="email">
             <a:extLst>
               <a:ext uri="{28A0092B-C50C-407E-A947-70E740481C1C}">
                 <a14:useLocalDpi xmlns:a14="http://schemas.microsoft.com/office/drawing/2010/main" val="0"/>
@@ -7197,7 +7175,7 @@
           <p:cNvPr id="81" name="TextBox 80">
             <a:extLst>
               <a:ext uri="{FF2B5EF4-FFF2-40B4-BE49-F238E27FC236}">
-                <a16:creationId xmlns:a16="http://schemas.microsoft.com/office/drawing/2014/main" xmlns="" id="{790D0203-3E55-41ED-B09F-6DF8228F54B7}"/>
+                <a16:creationId xmlns:a16="http://schemas.microsoft.com/office/drawing/2014/main" id="{790D0203-3E55-41ED-B09F-6DF8228F54B7}"/>
               </a:ext>
             </a:extLst>
           </p:cNvPr>
@@ -7249,7 +7227,7 @@
           <p:cNvPr id="85" name="TextBox 84">
             <a:extLst>
               <a:ext uri="{FF2B5EF4-FFF2-40B4-BE49-F238E27FC236}">
-                <a16:creationId xmlns:a16="http://schemas.microsoft.com/office/drawing/2014/main" xmlns="" id="{71E992D9-D949-4276-AAC3-636153343403}"/>
+                <a16:creationId xmlns:a16="http://schemas.microsoft.com/office/drawing/2014/main" id="{71E992D9-D949-4276-AAC3-636153343403}"/>
               </a:ext>
             </a:extLst>
           </p:cNvPr>
@@ -7301,7 +7279,7 @@
           <p:cNvPr id="86" name="TextBox 85">
             <a:extLst>
               <a:ext uri="{FF2B5EF4-FFF2-40B4-BE49-F238E27FC236}">
-                <a16:creationId xmlns:a16="http://schemas.microsoft.com/office/drawing/2014/main" xmlns="" id="{574F8BB8-07A3-4F63-8DD0-219A9FDDE81D}"/>
+                <a16:creationId xmlns:a16="http://schemas.microsoft.com/office/drawing/2014/main" id="{574F8BB8-07A3-4F63-8DD0-219A9FDDE81D}"/>
               </a:ext>
             </a:extLst>
           </p:cNvPr>
@@ -7348,6 +7326,34 @@
           </a:p>
         </p:txBody>
       </p:sp>
+      <p:pic>
+        <p:nvPicPr>
+          <p:cNvPr id="93" name="Picture 92">
+            <a:extLst>
+              <a:ext uri="{FF2B5EF4-FFF2-40B4-BE49-F238E27FC236}">
+                <a16:creationId xmlns:a16="http://schemas.microsoft.com/office/drawing/2014/main" id="{D7ED08F4-31B4-432D-A1A0-BE825490F18D}"/>
+              </a:ext>
+            </a:extLst>
+          </p:cNvPr>
+          <p:cNvPicPr/>
+          <p:nvPr/>
+        </p:nvPicPr>
+        <p:blipFill>
+          <a:blip r:embed="rId5"/>
+          <a:stretch>
+            <a:fillRect/>
+          </a:stretch>
+        </p:blipFill>
+        <p:spPr>
+          <a:xfrm>
+            <a:off x="4752466" y="518506"/>
+            <a:ext cx="762939" cy="1084686"/>
+          </a:xfrm>
+          <a:prstGeom prst="rect">
+            <a:avLst/>
+          </a:prstGeom>
+        </p:spPr>
+      </p:pic>
     </p:spTree>
   </p:cSld>
   <p:clrMapOvr>
@@ -7356,13 +7362,6 @@
   <p:transition spd="slow">
     <p:fade/>
   </p:transition>
-  <p:timing>
-    <p:tnLst>
-      <p:par>
-        <p:cTn id="1" dur="indefinite" restart="never" nodeType="tmRoot"/>
-      </p:par>
-    </p:tnLst>
-  </p:timing>
 </p:sld>
 </file>
 
@@ -7404,7 +7403,7 @@
         </p:blipFill>
         <p:spPr bwMode="auto">
           <a:xfrm>
-            <a:off x="823170" y="1935698"/>
+            <a:off x="996852" y="2641938"/>
             <a:ext cx="2527935" cy="1423035"/>
           </a:xfrm>
           <a:prstGeom prst="rect">
@@ -7416,40 +7415,18 @@
           </a:ln>
         </p:spPr>
       </p:pic>
-      <p:pic>
-        <p:nvPicPr>
-          <p:cNvPr id="3" name="Picture 2"/>
-          <p:cNvPicPr/>
-          <p:nvPr/>
-        </p:nvPicPr>
-        <p:blipFill>
-          <a:blip r:embed="rId3"/>
-          <a:stretch>
-            <a:fillRect/>
-          </a:stretch>
-        </p:blipFill>
-        <p:spPr>
-          <a:xfrm rot="10800000">
-            <a:off x="5496060" y="2013219"/>
-            <a:ext cx="761365" cy="1204595"/>
-          </a:xfrm>
-          <a:prstGeom prst="rect">
-            <a:avLst/>
-          </a:prstGeom>
-        </p:spPr>
-      </p:pic>
       <p:cxnSp>
         <p:nvCxnSpPr>
           <p:cNvPr id="4" name="Elbow Connector 3"/>
           <p:cNvCxnSpPr>
+            <a:cxnSpLocks/>
             <a:stCxn id="2" idx="3"/>
-            <a:endCxn id="3" idx="3"/>
           </p:cNvCxnSpPr>
           <p:nvPr/>
         </p:nvCxnSpPr>
         <p:spPr>
           <a:xfrm flipV="1">
-            <a:off x="3351105" y="2615516"/>
+            <a:off x="3524787" y="3321756"/>
             <a:ext cx="2144955" cy="31700"/>
           </a:xfrm>
           <a:prstGeom prst="bentConnector3">
@@ -7486,7 +7463,7 @@
         </p:nvSpPr>
         <p:spPr>
           <a:xfrm>
-            <a:off x="3792561" y="2324049"/>
+            <a:off x="3966243" y="3030289"/>
             <a:ext cx="1139479" cy="646331"/>
           </a:xfrm>
           <a:prstGeom prst="rect">
@@ -7501,7 +7478,7 @@
           <a:lstStyle/>
           <a:p>
             <a:r>
-              <a:rPr lang="en-ID" b="1" dirty="0" smtClean="0">
+              <a:rPr lang="en-ID" b="1" dirty="0">
                 <a:solidFill>
                   <a:srgbClr val="0000FF"/>
                 </a:solidFill>
@@ -7511,7 +7488,7 @@
           </a:p>
           <a:p>
             <a:r>
-              <a:rPr lang="en-ID" b="1" dirty="0" smtClean="0">
+              <a:rPr lang="en-ID" b="1" dirty="0">
                 <a:solidFill>
                   <a:srgbClr val="0000FF"/>
                 </a:solidFill>
@@ -7542,7 +7519,7 @@
           <a:lstStyle/>
           <a:p>
             <a:r>
-              <a:rPr lang="en-ID" b="1" dirty="0" smtClean="0">
+              <a:rPr lang="en-ID" b="1" dirty="0">
                 <a:solidFill>
                   <a:srgbClr val="0000FF"/>
                 </a:solidFill>
@@ -7565,7 +7542,7 @@
         </p:nvSpPr>
         <p:spPr>
           <a:xfrm>
-            <a:off x="1043608" y="3358733"/>
+            <a:off x="1403648" y="1988840"/>
             <a:ext cx="1962012" cy="646331"/>
           </a:xfrm>
           <a:prstGeom prst="rect">
@@ -7580,7 +7557,7 @@
           <a:lstStyle/>
           <a:p>
             <a:r>
-              <a:rPr lang="en-ID" b="1" dirty="0" err="1" smtClean="0">
+              <a:rPr lang="en-ID" b="1" dirty="0" err="1">
                 <a:solidFill>
                   <a:srgbClr val="0000FF"/>
                 </a:solidFill>
@@ -7588,7 +7565,7 @@
               <a:t>Arduino</a:t>
             </a:r>
             <a:r>
-              <a:rPr lang="en-ID" b="1" dirty="0" smtClean="0">
+              <a:rPr lang="en-ID" b="1" dirty="0">
                 <a:solidFill>
                   <a:srgbClr val="0000FF"/>
                 </a:solidFill>
@@ -7598,7 +7575,7 @@
           </a:p>
           <a:p>
             <a:r>
-              <a:rPr lang="en-ID" b="1" dirty="0" err="1" smtClean="0">
+              <a:rPr lang="en-ID" b="1" dirty="0" err="1">
                 <a:solidFill>
                   <a:srgbClr val="0000FF"/>
                 </a:solidFill>
@@ -7606,7 +7583,7 @@
               <a:t>Lcd</a:t>
             </a:r>
             <a:r>
-              <a:rPr lang="en-ID" b="1" dirty="0" smtClean="0">
+              <a:rPr lang="en-ID" b="1" dirty="0">
                 <a:solidFill>
                   <a:srgbClr val="0000FF"/>
                 </a:solidFill>
@@ -7621,16 +7598,50 @@
           </a:p>
         </p:txBody>
       </p:sp>
+      <p:pic>
+        <p:nvPicPr>
+          <p:cNvPr id="10" name="Picture 9">
+            <a:extLst>
+              <a:ext uri="{FF2B5EF4-FFF2-40B4-BE49-F238E27FC236}">
+                <a16:creationId xmlns:a16="http://schemas.microsoft.com/office/drawing/2014/main" id="{4E81C574-8CAD-4602-8C13-DD2A12684E90}"/>
+              </a:ext>
+            </a:extLst>
+          </p:cNvPr>
+          <p:cNvPicPr/>
+          <p:nvPr/>
+        </p:nvPicPr>
+        <p:blipFill>
+          <a:blip r:embed="rId3"/>
+          <a:stretch>
+            <a:fillRect/>
+          </a:stretch>
+        </p:blipFill>
+        <p:spPr>
+          <a:xfrm>
+            <a:off x="5707237" y="2746690"/>
+            <a:ext cx="964069" cy="1388550"/>
+          </a:xfrm>
+          <a:prstGeom prst="rect">
+            <a:avLst/>
+          </a:prstGeom>
+        </p:spPr>
+      </p:pic>
       <p:sp>
         <p:nvSpPr>
-          <p:cNvPr id="8" name="TextBox 7"/>
+          <p:cNvPr id="11" name="TextBox 10">
+            <a:extLst>
+              <a:ext uri="{FF2B5EF4-FFF2-40B4-BE49-F238E27FC236}">
+                <a16:creationId xmlns:a16="http://schemas.microsoft.com/office/drawing/2014/main" id="{DAD267B9-AE7D-4753-B5E5-EC1952F2B03B}"/>
+              </a:ext>
+            </a:extLst>
+          </p:cNvPr>
           <p:cNvSpPr txBox="1"/>
           <p:nvPr/>
         </p:nvSpPr>
         <p:spPr>
           <a:xfrm>
-            <a:off x="5540562" y="3302481"/>
-            <a:ext cx="831638" cy="369332"/>
+            <a:off x="5579264" y="2120823"/>
+            <a:ext cx="1220014" cy="646331"/>
           </a:xfrm>
           <a:prstGeom prst="rect">
             <a:avLst/>
@@ -7643,51 +7654,33 @@
           </a:bodyPr>
           <a:lstStyle/>
           <a:p>
-            <a:r>
-              <a:rPr lang="en-ID" b="1" dirty="0" smtClean="0">
-                <a:solidFill>
-                  <a:srgbClr val="0000FF"/>
-                </a:solidFill>
-              </a:rPr>
-              <a:t>ESP-01</a:t>
-            </a:r>
-            <a:endParaRPr lang="en-US" b="1" dirty="0">
-              <a:solidFill>
-                <a:srgbClr val="0000FF"/>
-              </a:solidFill>
-            </a:endParaRPr>
-          </a:p>
-        </p:txBody>
-      </p:sp>
-      <p:sp>
-        <p:nvSpPr>
-          <p:cNvPr id="9" name="TextBox 8"/>
-          <p:cNvSpPr txBox="1"/>
-          <p:nvPr/>
-        </p:nvSpPr>
-        <p:spPr>
-          <a:xfrm>
-            <a:off x="5540334" y="1628800"/>
-            <a:ext cx="796949" cy="369332"/>
-          </a:xfrm>
-          <a:prstGeom prst="rect">
-            <a:avLst/>
-          </a:prstGeom>
-          <a:noFill/>
-        </p:spPr>
-        <p:txBody>
-          <a:bodyPr wrap="none" rtlCol="0">
-            <a:spAutoFit/>
-          </a:bodyPr>
-          <a:lstStyle/>
-          <a:p>
-            <a:r>
-              <a:rPr lang="en-ID" b="1" dirty="0" smtClean="0">
+            <a:pPr algn="ctr"/>
+            <a:r>
+              <a:rPr lang="en-ID" b="1" dirty="0">
                 <a:solidFill>
                   <a:srgbClr val="0000FF"/>
                 </a:solidFill>
               </a:rPr>
               <a:t>Server</a:t>
+            </a:r>
+          </a:p>
+          <a:p>
+            <a:pPr algn="ctr"/>
+            <a:r>
+              <a:rPr lang="en-ID" b="1" dirty="0" err="1">
+                <a:solidFill>
+                  <a:srgbClr val="0000FF"/>
+                </a:solidFill>
+              </a:rPr>
+              <a:t>Wemos</a:t>
+            </a:r>
+            <a:r>
+              <a:rPr lang="en-ID" b="1" dirty="0">
+                <a:solidFill>
+                  <a:srgbClr val="0000FF"/>
+                </a:solidFill>
+              </a:rPr>
+              <a:t> D1</a:t>
             </a:r>
             <a:endParaRPr lang="en-US" b="1" dirty="0">
               <a:solidFill>
@@ -7710,13 +7703,6 @@
   <p:transition spd="slow">
     <p:wipe dir="d"/>
   </p:transition>
-  <p:timing>
-    <p:tnLst>
-      <p:par>
-        <p:cTn id="1" dur="indefinite" restart="never" nodeType="tmRoot"/>
-      </p:par>
-    </p:tnLst>
-  </p:timing>
 </p:sld>
 </file>
 
@@ -7742,7 +7728,7 @@
           <p:cNvPr id="10" name="Picture 9" descr="Free Icon | Wifi">
             <a:extLst>
               <a:ext uri="{FF2B5EF4-FFF2-40B4-BE49-F238E27FC236}">
-                <a16:creationId xmlns:a16="http://schemas.microsoft.com/office/drawing/2014/main" xmlns="" id="{35E36CD3-6B5D-4E30-B897-685D3D72453D}"/>
+                <a16:creationId xmlns:a16="http://schemas.microsoft.com/office/drawing/2014/main" id="{35E36CD3-6B5D-4E30-B897-685D3D72453D}"/>
               </a:ext>
             </a:extLst>
           </p:cNvPr>
@@ -7764,7 +7750,7 @@
         </p:blipFill>
         <p:spPr bwMode="auto">
           <a:xfrm rot="16200000" flipV="1">
-            <a:off x="5168526" y="2457118"/>
+            <a:off x="5287305" y="2457118"/>
             <a:ext cx="475000" cy="465449"/>
           </a:xfrm>
           <a:prstGeom prst="rect">
@@ -7842,34 +7828,12 @@
           </a:ln>
         </p:spPr>
       </p:pic>
-      <p:pic>
-        <p:nvPicPr>
-          <p:cNvPr id="3" name="Picture 2"/>
-          <p:cNvPicPr/>
-          <p:nvPr/>
-        </p:nvPicPr>
-        <p:blipFill>
-          <a:blip r:embed="rId4"/>
-          <a:stretch>
-            <a:fillRect/>
-          </a:stretch>
-        </p:blipFill>
-        <p:spPr>
-          <a:xfrm rot="10800000">
-            <a:off x="4572000" y="2013219"/>
-            <a:ext cx="761365" cy="1204595"/>
-          </a:xfrm>
-          <a:prstGeom prst="rect">
-            <a:avLst/>
-          </a:prstGeom>
-        </p:spPr>
-      </p:pic>
       <p:cxnSp>
         <p:nvCxnSpPr>
           <p:cNvPr id="4" name="Elbow Connector 3"/>
           <p:cNvCxnSpPr>
+            <a:cxnSpLocks/>
             <a:stCxn id="2" idx="3"/>
-            <a:endCxn id="3" idx="3"/>
           </p:cNvCxnSpPr>
           <p:nvPr/>
         </p:nvCxnSpPr>
@@ -7929,7 +7893,7 @@
           <a:lstStyle/>
           <a:p>
             <a:r>
-              <a:rPr lang="en-ID" b="1" dirty="0" smtClean="0">
+              <a:rPr lang="en-ID" b="1" dirty="0">
                 <a:solidFill>
                   <a:srgbClr val="0000FF"/>
                 </a:solidFill>
@@ -7939,7 +7903,7 @@
           </a:p>
           <a:p>
             <a:r>
-              <a:rPr lang="en-ID" b="1" dirty="0" smtClean="0">
+              <a:rPr lang="en-ID" b="1" dirty="0">
                 <a:solidFill>
                   <a:srgbClr val="0000FF"/>
                 </a:solidFill>
@@ -7970,7 +7934,7 @@
           <a:lstStyle/>
           <a:p>
             <a:r>
-              <a:rPr lang="en-ID" b="1" dirty="0" smtClean="0">
+              <a:rPr lang="en-ID" b="1" dirty="0">
                 <a:solidFill>
                   <a:srgbClr val="0000FF"/>
                 </a:solidFill>
@@ -8008,7 +7972,7 @@
           <a:lstStyle/>
           <a:p>
             <a:r>
-              <a:rPr lang="en-ID" b="1" dirty="0" err="1" smtClean="0">
+              <a:rPr lang="en-ID" b="1" dirty="0" err="1">
                 <a:solidFill>
                   <a:srgbClr val="0000FF"/>
                 </a:solidFill>
@@ -8016,7 +7980,7 @@
               <a:t>Arduino</a:t>
             </a:r>
             <a:r>
-              <a:rPr lang="en-ID" b="1" dirty="0" smtClean="0">
+              <a:rPr lang="en-ID" b="1" dirty="0">
                 <a:solidFill>
                   <a:srgbClr val="0000FF"/>
                 </a:solidFill>
@@ -8026,7 +7990,7 @@
           </a:p>
           <a:p>
             <a:r>
-              <a:rPr lang="en-ID" b="1" dirty="0" err="1" smtClean="0">
+              <a:rPr lang="en-ID" b="1" dirty="0" err="1">
                 <a:solidFill>
                   <a:srgbClr val="0000FF"/>
                 </a:solidFill>
@@ -8034,60 +7998,12 @@
               <a:t>Lcd</a:t>
             </a:r>
             <a:r>
-              <a:rPr lang="en-ID" b="1" dirty="0" smtClean="0">
+              <a:rPr lang="en-ID" b="1" dirty="0">
                 <a:solidFill>
                   <a:srgbClr val="0000FF"/>
                 </a:solidFill>
               </a:rPr>
               <a:t> Keypad</a:t>
-            </a:r>
-            <a:endParaRPr lang="en-US" b="1" dirty="0">
-              <a:solidFill>
-                <a:srgbClr val="0000FF"/>
-              </a:solidFill>
-            </a:endParaRPr>
-          </a:p>
-        </p:txBody>
-      </p:sp>
-      <p:sp>
-        <p:nvSpPr>
-          <p:cNvPr id="9" name="TextBox 8"/>
-          <p:cNvSpPr txBox="1"/>
-          <p:nvPr/>
-        </p:nvSpPr>
-        <p:spPr>
-          <a:xfrm>
-            <a:off x="4644008" y="1412776"/>
-            <a:ext cx="884538" cy="646331"/>
-          </a:xfrm>
-          <a:prstGeom prst="rect">
-            <a:avLst/>
-          </a:prstGeom>
-          <a:noFill/>
-        </p:spPr>
-        <p:txBody>
-          <a:bodyPr wrap="none" rtlCol="0">
-            <a:spAutoFit/>
-          </a:bodyPr>
-          <a:lstStyle/>
-          <a:p>
-            <a:r>
-              <a:rPr lang="en-ID" b="1" dirty="0" smtClean="0">
-                <a:solidFill>
-                  <a:srgbClr val="0000FF"/>
-                </a:solidFill>
-              </a:rPr>
-              <a:t>Server</a:t>
-            </a:r>
-          </a:p>
-          <a:p>
-            <a:r>
-              <a:rPr lang="en-ID" b="1" dirty="0" smtClean="0">
-                <a:solidFill>
-                  <a:srgbClr val="0000FF"/>
-                </a:solidFill>
-              </a:rPr>
-              <a:t>ESP -01</a:t>
             </a:r>
             <a:endParaRPr lang="en-US" b="1" dirty="0">
               <a:solidFill>
@@ -8125,21 +8041,13 @@
                   <a:srgbClr val="FF0000"/>
                 </a:solidFill>
               </a:rPr>
-              <a:t>MQTT </a:t>
-            </a:r>
-            <a:r>
-              <a:rPr lang="en-ID" b="1" dirty="0" smtClean="0">
-                <a:solidFill>
-                  <a:srgbClr val="FF0000"/>
-                </a:solidFill>
-              </a:rPr>
-              <a:t>– Protocol</a:t>
+              <a:t>MQTT – Protocol</a:t>
             </a:r>
           </a:p>
           <a:p>
             <a:pPr algn="ctr"/>
             <a:r>
-              <a:rPr lang="en-ID" b="1" dirty="0" err="1" smtClean="0">
+              <a:rPr lang="en-ID" b="1" dirty="0" err="1">
                 <a:solidFill>
                   <a:srgbClr val="FF0000"/>
                 </a:solidFill>
@@ -8161,7 +8069,7 @@
           <p:nvPr/>
         </p:nvPicPr>
         <p:blipFill>
-          <a:blip r:embed="rId5"/>
+          <a:blip r:embed="rId4"/>
           <a:stretch>
             <a:fillRect/>
           </a:stretch>
@@ -8334,7 +8242,7 @@
           <p:nvPr/>
         </p:nvPicPr>
         <p:blipFill>
-          <a:blip r:embed="rId6" cstate="email">
+          <a:blip r:embed="rId5" cstate="email">
             <a:extLst>
               <a:ext uri="{28A0092B-C50C-407E-A947-70E740481C1C}">
                 <a14:useLocalDpi xmlns:a14="http://schemas.microsoft.com/office/drawing/2010/main" val="0"/>
@@ -8367,7 +8275,7 @@
           <p:nvPr/>
         </p:nvPicPr>
         <p:blipFill>
-          <a:blip r:embed="rId6" cstate="email">
+          <a:blip r:embed="rId5" cstate="email">
             <a:extLst>
               <a:ext uri="{28A0092B-C50C-407E-A947-70E740481C1C}">
                 <a14:useLocalDpi xmlns:a14="http://schemas.microsoft.com/office/drawing/2010/main" val="0"/>
@@ -8432,6 +8340,98 @@
           </a:fontRef>
         </p:style>
       </p:cxnSp>
+      <p:pic>
+        <p:nvPicPr>
+          <p:cNvPr id="20" name="Picture 19">
+            <a:extLst>
+              <a:ext uri="{FF2B5EF4-FFF2-40B4-BE49-F238E27FC236}">
+                <a16:creationId xmlns:a16="http://schemas.microsoft.com/office/drawing/2014/main" id="{A18A2DB5-C272-4EEC-BEDE-9D55A675C21C}"/>
+              </a:ext>
+            </a:extLst>
+          </p:cNvPr>
+          <p:cNvPicPr/>
+          <p:nvPr/>
+        </p:nvPicPr>
+        <p:blipFill>
+          <a:blip r:embed="rId6"/>
+          <a:stretch>
+            <a:fillRect/>
+          </a:stretch>
+        </p:blipFill>
+        <p:spPr>
+          <a:xfrm>
+            <a:off x="4463525" y="1917593"/>
+            <a:ext cx="964069" cy="1388550"/>
+          </a:xfrm>
+          <a:prstGeom prst="rect">
+            <a:avLst/>
+          </a:prstGeom>
+        </p:spPr>
+      </p:pic>
+      <p:sp>
+        <p:nvSpPr>
+          <p:cNvPr id="21" name="TextBox 20">
+            <a:extLst>
+              <a:ext uri="{FF2B5EF4-FFF2-40B4-BE49-F238E27FC236}">
+                <a16:creationId xmlns:a16="http://schemas.microsoft.com/office/drawing/2014/main" id="{C7B62148-C36A-4EC0-B756-BE9DE8CD3AB3}"/>
+              </a:ext>
+            </a:extLst>
+          </p:cNvPr>
+          <p:cNvSpPr txBox="1"/>
+          <p:nvPr/>
+        </p:nvSpPr>
+        <p:spPr>
+          <a:xfrm>
+            <a:off x="4422564" y="1264838"/>
+            <a:ext cx="1220014" cy="646331"/>
+          </a:xfrm>
+          <a:prstGeom prst="rect">
+            <a:avLst/>
+          </a:prstGeom>
+          <a:noFill/>
+        </p:spPr>
+        <p:txBody>
+          <a:bodyPr wrap="none" rtlCol="0">
+            <a:spAutoFit/>
+          </a:bodyPr>
+          <a:lstStyle/>
+          <a:p>
+            <a:pPr algn="ctr"/>
+            <a:r>
+              <a:rPr lang="en-ID" b="1" dirty="0">
+                <a:solidFill>
+                  <a:srgbClr val="0000FF"/>
+                </a:solidFill>
+              </a:rPr>
+              <a:t>Server</a:t>
+            </a:r>
+          </a:p>
+          <a:p>
+            <a:pPr algn="ctr"/>
+            <a:r>
+              <a:rPr lang="en-ID" b="1" dirty="0" err="1">
+                <a:solidFill>
+                  <a:srgbClr val="0000FF"/>
+                </a:solidFill>
+              </a:rPr>
+              <a:t>Wemos</a:t>
+            </a:r>
+            <a:r>
+              <a:rPr lang="en-ID" b="1" dirty="0">
+                <a:solidFill>
+                  <a:srgbClr val="0000FF"/>
+                </a:solidFill>
+              </a:rPr>
+              <a:t> D1</a:t>
+            </a:r>
+            <a:endParaRPr lang="en-US" b="1" dirty="0">
+              <a:solidFill>
+                <a:srgbClr val="0000FF"/>
+              </a:solidFill>
+            </a:endParaRPr>
+          </a:p>
+        </p:txBody>
+      </p:sp>
     </p:spTree>
     <p:extLst>
       <p:ext uri="{BB962C8B-B14F-4D97-AF65-F5344CB8AC3E}">
@@ -8445,13 +8445,6 @@
   <p:transition spd="slow">
     <p:wipe dir="d"/>
   </p:transition>
-  <p:timing>
-    <p:tnLst>
-      <p:par>
-        <p:cTn id="1" dur="indefinite" restart="never" nodeType="tmRoot"/>
-      </p:par>
-    </p:tnLst>
-  </p:timing>
 </p:sld>
 </file>
 
@@ -8507,7 +8500,13 @@
       </p:pic>
       <p:grpSp>
         <p:nvGrpSpPr>
-          <p:cNvPr id="30" name="Group 29"/>
+          <p:cNvPr id="3" name="Group 2">
+            <a:extLst>
+              <a:ext uri="{FF2B5EF4-FFF2-40B4-BE49-F238E27FC236}">
+                <a16:creationId xmlns:a16="http://schemas.microsoft.com/office/drawing/2014/main" id="{8EDD27AF-FFD2-4A14-8563-5D5248FFA544}"/>
+              </a:ext>
+            </a:extLst>
+          </p:cNvPr>
           <p:cNvGrpSpPr/>
           <p:nvPr/>
         </p:nvGrpSpPr>
@@ -8515,8 +8514,8 @@
           <a:xfrm>
             <a:off x="323528" y="2199840"/>
             <a:ext cx="2715829" cy="4429097"/>
-            <a:chOff x="271994" y="1124744"/>
-            <a:chExt cx="3219886" cy="4861145"/>
+            <a:chOff x="323528" y="2199840"/>
+            <a:chExt cx="2715829" cy="4429097"/>
           </a:xfrm>
         </p:grpSpPr>
         <p:pic>
@@ -8540,8 +8539,8 @@
           </p:blipFill>
           <p:spPr bwMode="auto">
             <a:xfrm>
-              <a:off x="1300175" y="1124744"/>
-              <a:ext cx="494978" cy="483145"/>
+              <a:off x="1190752" y="2199840"/>
+              <a:ext cx="417492" cy="440204"/>
             </a:xfrm>
             <a:prstGeom prst="rect">
               <a:avLst/>
@@ -8566,8 +8565,8 @@
           </p:blipFill>
           <p:spPr>
             <a:xfrm>
-              <a:off x="976164" y="1556792"/>
-              <a:ext cx="1143000" cy="1524000"/>
+              <a:off x="917464" y="2593489"/>
+              <a:ext cx="964069" cy="1388550"/>
             </a:xfrm>
             <a:prstGeom prst="rect">
               <a:avLst/>
@@ -8588,8 +8587,8 @@
           </p:blipFill>
           <p:spPr>
             <a:xfrm>
-              <a:off x="391891" y="4221088"/>
-              <a:ext cx="589280" cy="548640"/>
+              <a:off x="424656" y="5020988"/>
+              <a:ext cx="497031" cy="499878"/>
             </a:xfrm>
             <a:prstGeom prst="rect">
               <a:avLst/>
@@ -8610,8 +8609,8 @@
           </p:blipFill>
           <p:spPr>
             <a:xfrm>
-              <a:off x="1244769" y="4183475"/>
-              <a:ext cx="874395" cy="629920"/>
+              <a:off x="1144020" y="4986718"/>
+              <a:ext cx="737513" cy="573934"/>
             </a:xfrm>
             <a:prstGeom prst="rect">
               <a:avLst/>
@@ -8632,8 +8631,8 @@
           </p:blipFill>
           <p:spPr>
             <a:xfrm>
-              <a:off x="2267744" y="4261093"/>
-              <a:ext cx="476885" cy="508635"/>
+              <a:off x="2006853" y="5057437"/>
+              <a:ext cx="402231" cy="463429"/>
             </a:xfrm>
             <a:prstGeom prst="rect">
               <a:avLst/>
@@ -8654,8 +8653,8 @@
           </p:blipFill>
           <p:spPr>
             <a:xfrm>
-              <a:off x="2270601" y="3717032"/>
-              <a:ext cx="476885" cy="508635"/>
+              <a:off x="2009263" y="4561731"/>
+              <a:ext cx="402231" cy="463429"/>
             </a:xfrm>
             <a:prstGeom prst="rect">
               <a:avLst/>
@@ -8676,8 +8675,8 @@
           </p:blipFill>
           <p:spPr>
             <a:xfrm>
-              <a:off x="2275608" y="4813395"/>
-              <a:ext cx="476885" cy="508635"/>
+              <a:off x="2013486" y="5560652"/>
+              <a:ext cx="402231" cy="463429"/>
             </a:xfrm>
             <a:prstGeom prst="rect">
               <a:avLst/>
@@ -8707,8 +8706,8 @@
           </p:blipFill>
           <p:spPr bwMode="auto">
             <a:xfrm rot="5400000">
-              <a:off x="2446895" y="4294574"/>
-              <a:ext cx="1585913" cy="504056"/>
+              <a:off x="2104302" y="5104996"/>
+              <a:ext cx="1444961" cy="425149"/>
             </a:xfrm>
             <a:prstGeom prst="rect">
               <a:avLst/>
@@ -8756,8 +8755,8 @@
           </p:nvSpPr>
           <p:spPr>
             <a:xfrm>
-              <a:off x="271994" y="4769728"/>
-              <a:ext cx="829073" cy="369332"/>
+              <a:off x="323528" y="5520866"/>
+              <a:ext cx="699286" cy="336507"/>
             </a:xfrm>
             <a:prstGeom prst="rect">
               <a:avLst/>
@@ -8794,8 +8793,8 @@
           </p:nvSpPr>
           <p:spPr>
             <a:xfrm>
-              <a:off x="1271200" y="4797152"/>
-              <a:ext cx="1015021" cy="646331"/>
+              <a:off x="1166313" y="5545852"/>
+              <a:ext cx="856125" cy="588887"/>
             </a:xfrm>
             <a:prstGeom prst="rect">
               <a:avLst/>
@@ -8844,8 +8843,8 @@
           </p:nvSpPr>
           <p:spPr>
             <a:xfrm>
-              <a:off x="2048288" y="5339558"/>
-              <a:ext cx="840166" cy="646331"/>
+              <a:off x="1821752" y="6040050"/>
+              <a:ext cx="708642" cy="588887"/>
             </a:xfrm>
             <a:prstGeom prst="rect">
               <a:avLst/>
@@ -8894,8 +8893,8 @@
           </p:nvSpPr>
           <p:spPr>
             <a:xfrm>
-              <a:off x="2894755" y="5339558"/>
-              <a:ext cx="540533" cy="369332"/>
+              <a:off x="2535709" y="6040050"/>
+              <a:ext cx="455915" cy="336507"/>
             </a:xfrm>
             <a:prstGeom prst="rect">
               <a:avLst/>
@@ -8935,8 +8934,8 @@
           </p:nvCxnSpPr>
           <p:spPr>
             <a:xfrm rot="5400000" flipH="1" flipV="1">
-              <a:off x="546949" y="3220374"/>
-              <a:ext cx="1140296" cy="861133"/>
+              <a:off x="516860" y="4138350"/>
+              <a:ext cx="1038949" cy="726327"/>
             </a:xfrm>
             <a:prstGeom prst="bentConnector3">
               <a:avLst>
@@ -8975,8 +8974,8 @@
           </p:nvCxnSpPr>
           <p:spPr>
             <a:xfrm rot="16200000" flipH="1">
-              <a:off x="1237578" y="3739085"/>
-              <a:ext cx="754475" cy="134303"/>
+              <a:off x="1112428" y="4586368"/>
+              <a:ext cx="687419" cy="113279"/>
             </a:xfrm>
             <a:prstGeom prst="bentConnector3">
               <a:avLst/>
@@ -9013,8 +9012,8 @@
           </p:nvCxnSpPr>
           <p:spPr>
             <a:xfrm rot="16200000" flipV="1">
-              <a:off x="1884338" y="3092326"/>
-              <a:ext cx="288033" cy="961380"/>
+              <a:off x="1673722" y="4025075"/>
+              <a:ext cx="262433" cy="810881"/>
             </a:xfrm>
             <a:prstGeom prst="bentConnector2">
               <a:avLst/>
@@ -9051,8 +9050,8 @@
           </p:nvCxnSpPr>
           <p:spPr>
             <a:xfrm>
-              <a:off x="2514050" y="3428999"/>
-              <a:ext cx="725802" cy="324647"/>
+              <a:off x="2214601" y="4299298"/>
+              <a:ext cx="612181" cy="295793"/>
             </a:xfrm>
             <a:prstGeom prst="bentConnector2">
               <a:avLst/>
@@ -9087,8 +9086,8 @@
           </p:nvSpPr>
           <p:spPr>
             <a:xfrm>
-              <a:off x="1547109" y="3102791"/>
-              <a:ext cx="1160318" cy="369332"/>
+              <a:off x="1399030" y="4002082"/>
+              <a:ext cx="978676" cy="336507"/>
             </a:xfrm>
             <a:prstGeom prst="rect">
               <a:avLst/>
@@ -10458,28 +10457,6 @@
           </a:p>
         </p:txBody>
       </p:sp>
-      <p:pic>
-        <p:nvPicPr>
-          <p:cNvPr id="74" name="Picture 73"/>
-          <p:cNvPicPr/>
-          <p:nvPr/>
-        </p:nvPicPr>
-        <p:blipFill>
-          <a:blip r:embed="rId10"/>
-          <a:stretch>
-            <a:fillRect/>
-          </a:stretch>
-        </p:blipFill>
-        <p:spPr>
-          <a:xfrm rot="10800000">
-            <a:off x="4723647" y="414136"/>
-            <a:ext cx="761365" cy="1204595"/>
-          </a:xfrm>
-          <a:prstGeom prst="rect">
-            <a:avLst/>
-          </a:prstGeom>
-        </p:spPr>
-      </p:pic>
       <p:cxnSp>
         <p:nvCxnSpPr>
           <p:cNvPr id="79" name="Straight Arrow Connector 78"/>
@@ -10639,58 +10616,10 @@
       </p:sp>
       <p:sp>
         <p:nvSpPr>
-          <p:cNvPr id="106" name="TextBox 105"/>
-          <p:cNvSpPr txBox="1"/>
-          <p:nvPr/>
-        </p:nvSpPr>
-        <p:spPr>
-          <a:xfrm>
-            <a:off x="3878136" y="693267"/>
-            <a:ext cx="884538" cy="646331"/>
-          </a:xfrm>
-          <a:prstGeom prst="rect">
-            <a:avLst/>
-          </a:prstGeom>
-          <a:noFill/>
-        </p:spPr>
-        <p:txBody>
-          <a:bodyPr wrap="none" rtlCol="0">
-            <a:spAutoFit/>
-          </a:bodyPr>
-          <a:lstStyle/>
-          <a:p>
-            <a:r>
-              <a:rPr lang="en-ID" b="1" dirty="0" smtClean="0">
-                <a:solidFill>
-                  <a:srgbClr val="0000FF"/>
-                </a:solidFill>
-              </a:rPr>
-              <a:t>Server</a:t>
-            </a:r>
-          </a:p>
-          <a:p>
-            <a:r>
-              <a:rPr lang="en-ID" b="1" dirty="0" smtClean="0">
-                <a:solidFill>
-                  <a:srgbClr val="0000FF"/>
-                </a:solidFill>
-              </a:rPr>
-              <a:t>ESP -01</a:t>
-            </a:r>
-            <a:endParaRPr lang="en-US" b="1" dirty="0">
-              <a:solidFill>
-                <a:srgbClr val="0000FF"/>
-              </a:solidFill>
-            </a:endParaRPr>
-          </a:p>
-        </p:txBody>
-      </p:sp>
-      <p:sp>
-        <p:nvSpPr>
           <p:cNvPr id="81" name="TextBox 80">
             <a:extLst>
               <a:ext uri="{FF2B5EF4-FFF2-40B4-BE49-F238E27FC236}">
-                <a16:creationId xmlns:a16="http://schemas.microsoft.com/office/drawing/2014/main" xmlns="" id="{790D0203-3E55-41ED-B09F-6DF8228F54B7}"/>
+                <a16:creationId xmlns:a16="http://schemas.microsoft.com/office/drawing/2014/main" id="{790D0203-3E55-41ED-B09F-6DF8228F54B7}"/>
               </a:ext>
             </a:extLst>
           </p:cNvPr>
@@ -10722,7 +10651,7 @@
               <a:t>E</a:t>
             </a:r>
             <a:r>
-              <a:rPr lang="en-ID" b="1" dirty="0" err="1" smtClean="0">
+              <a:rPr lang="en-ID" b="1" dirty="0" err="1">
                 <a:solidFill>
                   <a:srgbClr val="0000FF"/>
                 </a:solidFill>
@@ -10730,7 +10659,7 @@
               <a:t>oN</a:t>
             </a:r>
             <a:r>
-              <a:rPr lang="en-ID" b="1" dirty="0" smtClean="0">
+              <a:rPr lang="en-ID" b="1" dirty="0">
                 <a:solidFill>
                   <a:srgbClr val="0000FF"/>
                 </a:solidFill>
@@ -10738,7 +10667,7 @@
               <a:t> – </a:t>
             </a:r>
             <a:r>
-              <a:rPr lang="en-ID" b="1" dirty="0" err="1" smtClean="0">
+              <a:rPr lang="en-ID" b="1" dirty="0" err="1">
                 <a:solidFill>
                   <a:srgbClr val="0000FF"/>
                 </a:solidFill>
@@ -10746,7 +10675,7 @@
               <a:t>Wemos</a:t>
             </a:r>
             <a:r>
-              <a:rPr lang="en-ID" b="1" dirty="0" smtClean="0">
+              <a:rPr lang="en-ID" b="1" dirty="0">
                 <a:solidFill>
                   <a:srgbClr val="0000FF"/>
                 </a:solidFill>
@@ -10766,7 +10695,7 @@
           <p:cNvPr id="85" name="TextBox 84">
             <a:extLst>
               <a:ext uri="{FF2B5EF4-FFF2-40B4-BE49-F238E27FC236}">
-                <a16:creationId xmlns:a16="http://schemas.microsoft.com/office/drawing/2014/main" xmlns="" id="{71E992D9-D949-4276-AAC3-636153343403}"/>
+                <a16:creationId xmlns:a16="http://schemas.microsoft.com/office/drawing/2014/main" id="{71E992D9-D949-4276-AAC3-636153343403}"/>
               </a:ext>
             </a:extLst>
           </p:cNvPr>
@@ -10798,7 +10727,7 @@
               <a:t>E</a:t>
             </a:r>
             <a:r>
-              <a:rPr lang="en-ID" b="1" dirty="0" err="1" smtClean="0">
+              <a:rPr lang="en-ID" b="1" dirty="0" err="1">
                 <a:solidFill>
                   <a:srgbClr val="0000FF"/>
                 </a:solidFill>
@@ -10806,7 +10735,7 @@
               <a:t>oN</a:t>
             </a:r>
             <a:r>
-              <a:rPr lang="en-ID" b="1" dirty="0" smtClean="0">
+              <a:rPr lang="en-ID" b="1" dirty="0">
                 <a:solidFill>
                   <a:srgbClr val="0000FF"/>
                 </a:solidFill>
@@ -10814,7 +10743,7 @@
               <a:t> – </a:t>
             </a:r>
             <a:r>
-              <a:rPr lang="en-ID" b="1" dirty="0" err="1" smtClean="0">
+              <a:rPr lang="en-ID" b="1" dirty="0" err="1">
                 <a:solidFill>
                   <a:srgbClr val="0000FF"/>
                 </a:solidFill>
@@ -10822,7 +10751,7 @@
               <a:t>Wemos</a:t>
             </a:r>
             <a:r>
-              <a:rPr lang="en-ID" b="1" dirty="0" smtClean="0">
+              <a:rPr lang="en-ID" b="1" dirty="0">
                 <a:solidFill>
                   <a:srgbClr val="0000FF"/>
                 </a:solidFill>
@@ -10842,7 +10771,7 @@
           <p:cNvPr id="86" name="TextBox 85">
             <a:extLst>
               <a:ext uri="{FF2B5EF4-FFF2-40B4-BE49-F238E27FC236}">
-                <a16:creationId xmlns:a16="http://schemas.microsoft.com/office/drawing/2014/main" xmlns="" id="{574F8BB8-07A3-4F63-8DD0-219A9FDDE81D}"/>
+                <a16:creationId xmlns:a16="http://schemas.microsoft.com/office/drawing/2014/main" id="{574F8BB8-07A3-4F63-8DD0-219A9FDDE81D}"/>
               </a:ext>
             </a:extLst>
           </p:cNvPr>
@@ -10874,7 +10803,7 @@
               <a:t>E</a:t>
             </a:r>
             <a:r>
-              <a:rPr lang="en-ID" b="1" dirty="0" err="1" smtClean="0">
+              <a:rPr lang="en-ID" b="1" dirty="0" err="1">
                 <a:solidFill>
                   <a:srgbClr val="0000FF"/>
                 </a:solidFill>
@@ -10882,7 +10811,7 @@
               <a:t>oN</a:t>
             </a:r>
             <a:r>
-              <a:rPr lang="en-ID" b="1" dirty="0" smtClean="0">
+              <a:rPr lang="en-ID" b="1" dirty="0">
                 <a:solidFill>
                   <a:srgbClr val="0000FF"/>
                 </a:solidFill>
@@ -10890,7 +10819,7 @@
               <a:t> – </a:t>
             </a:r>
             <a:r>
-              <a:rPr lang="en-ID" b="1" dirty="0" err="1" smtClean="0">
+              <a:rPr lang="en-ID" b="1" dirty="0" err="1">
                 <a:solidFill>
                   <a:srgbClr val="0000FF"/>
                 </a:solidFill>
@@ -10898,7 +10827,7 @@
               <a:t>Wemos</a:t>
             </a:r>
             <a:r>
-              <a:rPr lang="en-ID" b="1" dirty="0" smtClean="0">
+              <a:rPr lang="en-ID" b="1" dirty="0">
                 <a:solidFill>
                   <a:srgbClr val="0000FF"/>
                 </a:solidFill>
@@ -10950,7 +10879,7 @@
           </a:lstStyle>
           <a:p>
             <a:r>
-              <a:rPr lang="en-ID" b="1" dirty="0" err="1" smtClean="0">
+              <a:rPr lang="en-ID" b="1" dirty="0" err="1">
                 <a:solidFill>
                   <a:srgbClr val="0000FF"/>
                 </a:solidFill>
@@ -10958,14 +10887,101 @@
               <a:t>EoN</a:t>
             </a:r>
             <a:r>
-              <a:rPr lang="en-ID" b="1" dirty="0" smtClean="0">
+              <a:rPr lang="en-ID" b="1" dirty="0">
                 <a:solidFill>
                   <a:srgbClr val="0000FF"/>
                 </a:solidFill>
               </a:rPr>
               <a:t> - HW</a:t>
             </a:r>
-            <a:endParaRPr lang="en-ID" b="1" dirty="0">
+          </a:p>
+        </p:txBody>
+      </p:sp>
+      <p:pic>
+        <p:nvPicPr>
+          <p:cNvPr id="72" name="Picture 71">
+            <a:extLst>
+              <a:ext uri="{FF2B5EF4-FFF2-40B4-BE49-F238E27FC236}">
+                <a16:creationId xmlns:a16="http://schemas.microsoft.com/office/drawing/2014/main" id="{8B4C7948-B301-436B-BEBC-DBDE6C4345F5}"/>
+              </a:ext>
+            </a:extLst>
+          </p:cNvPr>
+          <p:cNvPicPr/>
+          <p:nvPr/>
+        </p:nvPicPr>
+        <p:blipFill>
+          <a:blip r:embed="rId5"/>
+          <a:stretch>
+            <a:fillRect/>
+          </a:stretch>
+        </p:blipFill>
+        <p:spPr>
+          <a:xfrm>
+            <a:off x="4651548" y="242947"/>
+            <a:ext cx="964069" cy="1388550"/>
+          </a:xfrm>
+          <a:prstGeom prst="rect">
+            <a:avLst/>
+          </a:prstGeom>
+        </p:spPr>
+      </p:pic>
+      <p:sp>
+        <p:nvSpPr>
+          <p:cNvPr id="73" name="TextBox 72">
+            <a:extLst>
+              <a:ext uri="{FF2B5EF4-FFF2-40B4-BE49-F238E27FC236}">
+                <a16:creationId xmlns:a16="http://schemas.microsoft.com/office/drawing/2014/main" id="{428249FE-0A16-42FD-9ECA-E46D0029BF1E}"/>
+              </a:ext>
+            </a:extLst>
+          </p:cNvPr>
+          <p:cNvSpPr txBox="1"/>
+          <p:nvPr/>
+        </p:nvSpPr>
+        <p:spPr>
+          <a:xfrm>
+            <a:off x="5586878" y="390374"/>
+            <a:ext cx="1220014" cy="646331"/>
+          </a:xfrm>
+          <a:prstGeom prst="rect">
+            <a:avLst/>
+          </a:prstGeom>
+          <a:noFill/>
+        </p:spPr>
+        <p:txBody>
+          <a:bodyPr wrap="none" rtlCol="0">
+            <a:spAutoFit/>
+          </a:bodyPr>
+          <a:lstStyle/>
+          <a:p>
+            <a:pPr algn="ctr"/>
+            <a:r>
+              <a:rPr lang="en-ID" b="1" dirty="0">
+                <a:solidFill>
+                  <a:srgbClr val="0000FF"/>
+                </a:solidFill>
+              </a:rPr>
+              <a:t>Server</a:t>
+            </a:r>
+          </a:p>
+          <a:p>
+            <a:pPr algn="ctr"/>
+            <a:r>
+              <a:rPr lang="en-ID" b="1" dirty="0" err="1">
+                <a:solidFill>
+                  <a:srgbClr val="0000FF"/>
+                </a:solidFill>
+              </a:rPr>
+              <a:t>Wemos</a:t>
+            </a:r>
+            <a:r>
+              <a:rPr lang="en-ID" b="1" dirty="0">
+                <a:solidFill>
+                  <a:srgbClr val="0000FF"/>
+                </a:solidFill>
+              </a:rPr>
+              <a:t> D1</a:t>
+            </a:r>
+            <a:endParaRPr lang="en-US" b="1" dirty="0">
               <a:solidFill>
                 <a:srgbClr val="0000FF"/>
               </a:solidFill>
@@ -10986,13 +11002,6 @@
   <p:transition spd="slow">
     <p:fade/>
   </p:transition>
-  <p:timing>
-    <p:tnLst>
-      <p:par>
-        <p:cTn id="1" dur="indefinite" restart="never" nodeType="tmRoot"/>
-      </p:par>
-    </p:tnLst>
-  </p:timing>
 </p:sld>
 </file>
 

--- a/WlFPS.pptx
+++ b/WlFPS.pptx
@@ -5,16 +5,15 @@
     <p:sldMasterId id="2147483648" r:id="rId1"/>
   </p:sldMasterIdLst>
   <p:notesMasterIdLst>
-    <p:notesMasterId r:id="rId6"/>
+    <p:notesMasterId r:id="rId5"/>
   </p:notesMasterIdLst>
   <p:handoutMasterIdLst>
-    <p:handoutMasterId r:id="rId7"/>
+    <p:handoutMasterId r:id="rId6"/>
   </p:handoutMasterIdLst>
   <p:sldIdLst>
     <p:sldId id="281" r:id="rId2"/>
-    <p:sldId id="282" r:id="rId3"/>
-    <p:sldId id="283" r:id="rId4"/>
-    <p:sldId id="284" r:id="rId5"/>
+    <p:sldId id="283" r:id="rId3"/>
+    <p:sldId id="285" r:id="rId4"/>
   </p:sldIdLst>
   <p:sldSz cx="9144000" cy="6858000" type="screen4x3"/>
   <p:notesSz cx="6858000" cy="9144000"/>
@@ -229,7 +228,7 @@
             <a:fld id="{D83FDC75-7F73-4A4A-A77C-09AADF00E0EA}" type="datetimeFigureOut">
               <a:rPr lang="en-US" smtClean="0"/>
               <a:pPr/>
-              <a:t>3/7/2021</a:t>
+              <a:t>3/10/2021</a:t>
             </a:fld>
             <a:endParaRPr lang="en-US" dirty="0"/>
           </a:p>
@@ -396,7 +395,7 @@
             <a:fld id="{48AEF76B-3757-4A0B-AF93-28494465C1DD}" type="datetimeFigureOut">
               <a:rPr lang="en-US" smtClean="0"/>
               <a:pPr/>
-              <a:t>3/7/2021</a:t>
+              <a:t>3/10/2021</a:t>
             </a:fld>
             <a:endParaRPr lang="en-US" dirty="0"/>
           </a:p>
@@ -866,13 +865,18 @@
             <a:fld id="{75693FD4-8F83-4EF7-AC3F-0DC0388986B0}" type="slidenum">
               <a:rPr lang="en-US" smtClean="0"/>
               <a:pPr/>
-              <a:t>4</a:t>
+              <a:t>3</a:t>
             </a:fld>
             <a:endParaRPr lang="en-US"/>
           </a:p>
         </p:txBody>
       </p:sp>
     </p:spTree>
+    <p:extLst>
+      <p:ext uri="{BB962C8B-B14F-4D97-AF65-F5344CB8AC3E}">
+        <p14:creationId xmlns:p14="http://schemas.microsoft.com/office/powerpoint/2010/main" val="2028031022"/>
+      </p:ext>
+    </p:extLst>
   </p:cSld>
   <p:clrMapOvr>
     <a:masterClrMapping/>
@@ -1289,7 +1293,7 @@
 </file>
 
 <file path=ppt/slideLayouts/slideLayout10.xml><?xml version="1.0" encoding="utf-8"?>
-<p:sldLayout xmlns:a="http://schemas.openxmlformats.org/drawingml/2006/main" xmlns:r="http://schemas.openxmlformats.org/officeDocument/2006/relationships" xmlns:p="http://schemas.openxmlformats.org/presentationml/2006/main" type="titleOnly" preserve="1">
+<p:sldLayout xmlns:a="http://schemas.openxmlformats.org/drawingml/2006/main" xmlns:r="http://schemas.openxmlformats.org/officeDocument/2006/relationships" xmlns:p="http://schemas.openxmlformats.org/presentationml/2006/main" showMasterSp="0" type="titleOnly" preserve="1">
   <p:cSld name="Title Only">
     <p:spTree>
       <p:nvGrpSpPr>
@@ -1345,7 +1349,7 @@
             <a:fld id="{757B281C-5159-4971-8228-52B9A72E9ED2}" type="datetimeFigureOut">
               <a:rPr lang="en-US" smtClean="0"/>
               <a:pPr/>
-              <a:t>3/7/2021</a:t>
+              <a:t>3/10/2021</a:t>
             </a:fld>
             <a:endParaRPr lang="en-US" dirty="0"/>
           </a:p>
@@ -1406,7 +1410,7 @@
 </file>
 
 <file path=ppt/slideLayouts/slideLayout11.xml><?xml version="1.0" encoding="utf-8"?>
-<p:sldLayout xmlns:a="http://schemas.openxmlformats.org/drawingml/2006/main" xmlns:r="http://schemas.openxmlformats.org/officeDocument/2006/relationships" xmlns:p="http://schemas.openxmlformats.org/presentationml/2006/main" type="blank" preserve="1">
+<p:sldLayout xmlns:a="http://schemas.openxmlformats.org/drawingml/2006/main" xmlns:r="http://schemas.openxmlformats.org/officeDocument/2006/relationships" xmlns:p="http://schemas.openxmlformats.org/presentationml/2006/main" showMasterSp="0" type="blank" preserve="1">
   <p:cSld name="Blank">
     <p:spTree>
       <p:nvGrpSpPr>
@@ -1440,7 +1444,7 @@
             <a:fld id="{757B281C-5159-4971-8228-52B9A72E9ED2}" type="datetimeFigureOut">
               <a:rPr lang="en-US" smtClean="0"/>
               <a:pPr/>
-              <a:t>3/7/2021</a:t>
+              <a:t>3/10/2021</a:t>
             </a:fld>
             <a:endParaRPr lang="en-US" dirty="0"/>
           </a:p>
@@ -1569,7 +1573,7 @@
             <a:fld id="{757B281C-5159-4971-8228-52B9A72E9ED2}" type="datetimeFigureOut">
               <a:rPr lang="en-US" smtClean="0"/>
               <a:pPr/>
-              <a:t>3/7/2021</a:t>
+              <a:t>3/10/2021</a:t>
             </a:fld>
             <a:endParaRPr lang="en-US" dirty="0"/>
           </a:p>
@@ -1767,7 +1771,7 @@
             <a:fld id="{757B281C-5159-4971-8228-52B9A72E9ED2}" type="datetimeFigureOut">
               <a:rPr lang="en-US" smtClean="0"/>
               <a:pPr/>
-              <a:t>3/7/2021</a:t>
+              <a:t>3/10/2021</a:t>
             </a:fld>
             <a:endParaRPr lang="en-US" dirty="0"/>
           </a:p>
@@ -1995,27 +1999,8 @@
 </file>
 
 <file path=ppt/slideLayouts/slideLayout3.xml><?xml version="1.0" encoding="utf-8"?>
-<p:sldLayout xmlns:a="http://schemas.openxmlformats.org/drawingml/2006/main" xmlns:r="http://schemas.openxmlformats.org/officeDocument/2006/relationships" xmlns:p="http://schemas.openxmlformats.org/presentationml/2006/main" preserve="1" userDrawn="1">
+<p:sldLayout xmlns:a="http://schemas.openxmlformats.org/drawingml/2006/main" xmlns:r="http://schemas.openxmlformats.org/officeDocument/2006/relationships" xmlns:p="http://schemas.openxmlformats.org/presentationml/2006/main" showMasterSp="0" preserve="1" userDrawn="1">
   <p:cSld name="Title and Content">
-    <p:bg>
-      <p:bgPr>
-        <a:blipFill dpi="0" rotWithShape="1">
-          <a:blip r:embed="rId2" cstate="email">
-            <a:lum/>
-            <a:extLst>
-              <a:ext uri="{28A0092B-C50C-407E-A947-70E740481C1C}">
-                <a14:useLocalDpi xmlns:a14="http://schemas.microsoft.com/office/drawing/2010/main"/>
-              </a:ext>
-            </a:extLst>
-          </a:blip>
-          <a:srcRect/>
-          <a:stretch>
-            <a:fillRect/>
-          </a:stretch>
-        </a:blipFill>
-        <a:effectLst/>
-      </p:bgPr>
-    </p:bg>
     <p:spTree>
       <p:nvGrpSpPr>
         <p:cNvPr id="1" name=""/>
@@ -2164,7 +2149,7 @@
             <a:fld id="{757B281C-5159-4971-8228-52B9A72E9ED2}" type="datetimeFigureOut">
               <a:rPr lang="en-US" smtClean="0"/>
               <a:pPr/>
-              <a:t>3/7/2021</a:t>
+              <a:t>3/10/2021</a:t>
             </a:fld>
             <a:endParaRPr lang="en-US" dirty="0"/>
           </a:p>
@@ -2230,7 +2215,7 @@
 </file>
 
 <file path=ppt/slideLayouts/slideLayout4.xml><?xml version="1.0" encoding="utf-8"?>
-<p:sldLayout xmlns:a="http://schemas.openxmlformats.org/drawingml/2006/main" xmlns:r="http://schemas.openxmlformats.org/officeDocument/2006/relationships" xmlns:p="http://schemas.openxmlformats.org/presentationml/2006/main" type="twoObj" preserve="1">
+<p:sldLayout xmlns:a="http://schemas.openxmlformats.org/drawingml/2006/main" xmlns:r="http://schemas.openxmlformats.org/officeDocument/2006/relationships" xmlns:p="http://schemas.openxmlformats.org/presentationml/2006/main" showMasterSp="0" type="twoObj" preserve="1">
   <p:cSld name="Two Content">
     <p:spTree>
       <p:nvGrpSpPr>
@@ -2454,7 +2439,7 @@
             <a:fld id="{757B281C-5159-4971-8228-52B9A72E9ED2}" type="datetimeFigureOut">
               <a:rPr lang="en-US" smtClean="0"/>
               <a:pPr/>
-              <a:t>3/7/2021</a:t>
+              <a:t>3/10/2021</a:t>
             </a:fld>
             <a:endParaRPr lang="en-US" dirty="0"/>
           </a:p>
@@ -2515,7 +2500,7 @@
 </file>
 
 <file path=ppt/slideLayouts/slideLayout5.xml><?xml version="1.0" encoding="utf-8"?>
-<p:sldLayout xmlns:a="http://schemas.openxmlformats.org/drawingml/2006/main" xmlns:r="http://schemas.openxmlformats.org/officeDocument/2006/relationships" xmlns:p="http://schemas.openxmlformats.org/presentationml/2006/main" type="twoTxTwoObj" preserve="1">
+<p:sldLayout xmlns:a="http://schemas.openxmlformats.org/drawingml/2006/main" xmlns:r="http://schemas.openxmlformats.org/officeDocument/2006/relationships" xmlns:p="http://schemas.openxmlformats.org/presentationml/2006/main" showMasterSp="0" type="twoTxTwoObj" preserve="1">
   <p:cSld name="Comparison">
     <p:spTree>
       <p:nvGrpSpPr>
@@ -2873,7 +2858,7 @@
             <a:fld id="{757B281C-5159-4971-8228-52B9A72E9ED2}" type="datetimeFigureOut">
               <a:rPr lang="en-US" smtClean="0"/>
               <a:pPr/>
-              <a:t>3/7/2021</a:t>
+              <a:t>3/10/2021</a:t>
             </a:fld>
             <a:endParaRPr lang="en-US" dirty="0"/>
           </a:p>
@@ -2934,7 +2919,7 @@
 </file>
 
 <file path=ppt/slideLayouts/slideLayout6.xml><?xml version="1.0" encoding="utf-8"?>
-<p:sldLayout xmlns:a="http://schemas.openxmlformats.org/drawingml/2006/main" xmlns:r="http://schemas.openxmlformats.org/officeDocument/2006/relationships" xmlns:p="http://schemas.openxmlformats.org/presentationml/2006/main" type="objTx" preserve="1">
+<p:sldLayout xmlns:a="http://schemas.openxmlformats.org/drawingml/2006/main" xmlns:r="http://schemas.openxmlformats.org/officeDocument/2006/relationships" xmlns:p="http://schemas.openxmlformats.org/presentationml/2006/main" showMasterSp="0" type="objTx" preserve="1">
   <p:cSld name="Content with Caption">
     <p:spTree>
       <p:nvGrpSpPr>
@@ -3148,7 +3133,7 @@
             <a:fld id="{757B281C-5159-4971-8228-52B9A72E9ED2}" type="datetimeFigureOut">
               <a:rPr lang="en-US" smtClean="0"/>
               <a:pPr/>
-              <a:t>3/7/2021</a:t>
+              <a:t>3/10/2021</a:t>
             </a:fld>
             <a:endParaRPr lang="en-US" dirty="0"/>
           </a:p>
@@ -3209,7 +3194,7 @@
 </file>
 
 <file path=ppt/slideLayouts/slideLayout7.xml><?xml version="1.0" encoding="utf-8"?>
-<p:sldLayout xmlns:a="http://schemas.openxmlformats.org/drawingml/2006/main" xmlns:r="http://schemas.openxmlformats.org/officeDocument/2006/relationships" xmlns:p="http://schemas.openxmlformats.org/presentationml/2006/main" type="picTx" preserve="1">
+<p:sldLayout xmlns:a="http://schemas.openxmlformats.org/drawingml/2006/main" xmlns:r="http://schemas.openxmlformats.org/officeDocument/2006/relationships" xmlns:p="http://schemas.openxmlformats.org/presentationml/2006/main" showMasterSp="0" type="picTx" preserve="1">
   <p:cSld name="Picture with Caption">
     <p:spTree>
       <p:nvGrpSpPr>
@@ -3404,7 +3389,7 @@
             <a:fld id="{757B281C-5159-4971-8228-52B9A72E9ED2}" type="datetimeFigureOut">
               <a:rPr lang="en-US" smtClean="0"/>
               <a:pPr/>
-              <a:t>3/7/2021</a:t>
+              <a:t>3/10/2021</a:t>
             </a:fld>
             <a:endParaRPr lang="en-US" dirty="0"/>
           </a:p>
@@ -3465,7 +3450,7 @@
 </file>
 
 <file path=ppt/slideLayouts/slideLayout8.xml><?xml version="1.0" encoding="utf-8"?>
-<p:sldLayout xmlns:a="http://schemas.openxmlformats.org/drawingml/2006/main" xmlns:r="http://schemas.openxmlformats.org/officeDocument/2006/relationships" xmlns:p="http://schemas.openxmlformats.org/presentationml/2006/main" type="vertTx" preserve="1">
+<p:sldLayout xmlns:a="http://schemas.openxmlformats.org/drawingml/2006/main" xmlns:r="http://schemas.openxmlformats.org/officeDocument/2006/relationships" xmlns:p="http://schemas.openxmlformats.org/presentationml/2006/main" showMasterSp="0" type="vertTx" preserve="1">
   <p:cSld name="Title and Vertical Text">
     <p:spTree>
       <p:nvGrpSpPr>
@@ -3572,7 +3557,7 @@
             <a:fld id="{757B281C-5159-4971-8228-52B9A72E9ED2}" type="datetimeFigureOut">
               <a:rPr lang="en-US" smtClean="0"/>
               <a:pPr/>
-              <a:t>3/7/2021</a:t>
+              <a:t>3/10/2021</a:t>
             </a:fld>
             <a:endParaRPr lang="en-US" dirty="0"/>
           </a:p>
@@ -3633,7 +3618,7 @@
 </file>
 
 <file path=ppt/slideLayouts/slideLayout9.xml><?xml version="1.0" encoding="utf-8"?>
-<p:sldLayout xmlns:a="http://schemas.openxmlformats.org/drawingml/2006/main" xmlns:r="http://schemas.openxmlformats.org/officeDocument/2006/relationships" xmlns:p="http://schemas.openxmlformats.org/presentationml/2006/main" type="vertTitleAndTx" preserve="1">
+<p:sldLayout xmlns:a="http://schemas.openxmlformats.org/drawingml/2006/main" xmlns:r="http://schemas.openxmlformats.org/officeDocument/2006/relationships" xmlns:p="http://schemas.openxmlformats.org/presentationml/2006/main" showMasterSp="0" type="vertTitleAndTx" preserve="1">
   <p:cSld name="Vertical Title and Text">
     <p:spTree>
       <p:nvGrpSpPr>
@@ -3750,7 +3735,7 @@
             <a:fld id="{757B281C-5159-4971-8228-52B9A72E9ED2}" type="datetimeFigureOut">
               <a:rPr lang="en-US" smtClean="0"/>
               <a:pPr/>
-              <a:t>3/7/2021</a:t>
+              <a:t>3/10/2021</a:t>
             </a:fld>
             <a:endParaRPr lang="en-US" dirty="0"/>
           </a:p>
@@ -3992,7 +3977,7 @@
             <a:fld id="{757B281C-5159-4971-8228-52B9A72E9ED2}" type="datetimeFigureOut">
               <a:rPr lang="en-US" smtClean="0"/>
               <a:pPr/>
-              <a:t>3/7/2021</a:t>
+              <a:t>3/10/2021</a:t>
             </a:fld>
             <a:endParaRPr lang="en-US" dirty="0"/>
           </a:p>
@@ -4423,7 +4408,7 @@
         </p:blipFill>
         <p:spPr bwMode="auto">
           <a:xfrm rot="5400000" flipV="1">
-            <a:off x="7275849" y="1296811"/>
+            <a:off x="6715448" y="1296811"/>
             <a:ext cx="475000" cy="465449"/>
           </a:xfrm>
           <a:prstGeom prst="rect">
@@ -4462,7 +4447,7 @@
         </p:blipFill>
         <p:spPr bwMode="auto">
           <a:xfrm rot="16200000" flipV="1">
-            <a:off x="5352474" y="738218"/>
+            <a:off x="4425394" y="1005746"/>
             <a:ext cx="475000" cy="465449"/>
           </a:xfrm>
           <a:prstGeom prst="rect">
@@ -4495,7 +4480,7 @@
         </p:blipFill>
         <p:spPr bwMode="auto">
           <a:xfrm flipV="1">
-            <a:off x="4860032" y="1451383"/>
+            <a:off x="3887478" y="1595399"/>
             <a:ext cx="475000" cy="465449"/>
           </a:xfrm>
           <a:prstGeom prst="rect">
@@ -4507,28 +4492,538 @@
           </a:ln>
         </p:spPr>
       </p:pic>
+      <p:sp>
+        <p:nvSpPr>
+          <p:cNvPr id="71" name="TextBox 70"/>
+          <p:cNvSpPr txBox="1"/>
+          <p:nvPr/>
+        </p:nvSpPr>
+        <p:spPr>
+          <a:xfrm>
+            <a:off x="6984955" y="2532225"/>
+            <a:ext cx="899413" cy="369332"/>
+          </a:xfrm>
+          <a:prstGeom prst="rect">
+            <a:avLst/>
+          </a:prstGeom>
+          <a:noFill/>
+        </p:spPr>
+        <p:txBody>
+          <a:bodyPr wrap="none" rtlCol="0">
+            <a:spAutoFit/>
+          </a:bodyPr>
+          <a:lstStyle/>
+          <a:p>
+            <a:r>
+              <a:rPr lang="en-ID" b="1" dirty="0">
+                <a:solidFill>
+                  <a:srgbClr val="0000FF"/>
+                </a:solidFill>
+              </a:rPr>
+              <a:t>ZONE-3</a:t>
+            </a:r>
+            <a:endParaRPr lang="en-US" b="1" dirty="0">
+              <a:solidFill>
+                <a:srgbClr val="0000FF"/>
+              </a:solidFill>
+            </a:endParaRPr>
+          </a:p>
+        </p:txBody>
+      </p:sp>
+      <p:cxnSp>
+        <p:nvCxnSpPr>
+          <p:cNvPr id="79" name="Straight Arrow Connector 78"/>
+          <p:cNvCxnSpPr>
+            <a:cxnSpLocks/>
+            <a:stCxn id="93" idx="2"/>
+            <a:endCxn id="124" idx="0"/>
+          </p:cNvCxnSpPr>
+          <p:nvPr/>
+        </p:nvCxnSpPr>
+        <p:spPr>
+          <a:xfrm flipH="1">
+            <a:off x="1162789" y="1747208"/>
+            <a:ext cx="2998593" cy="748765"/>
+          </a:xfrm>
+          <a:prstGeom prst="straightConnector1">
+            <a:avLst/>
+          </a:prstGeom>
+          <a:ln w="25400">
+            <a:solidFill>
+              <a:srgbClr val="FF0000"/>
+            </a:solidFill>
+            <a:headEnd type="stealth"/>
+            <a:tailEnd type="stealth"/>
+          </a:ln>
+        </p:spPr>
+        <p:style>
+          <a:lnRef idx="1">
+            <a:schemeClr val="accent1"/>
+          </a:lnRef>
+          <a:fillRef idx="0">
+            <a:schemeClr val="accent1"/>
+          </a:fillRef>
+          <a:effectRef idx="0">
+            <a:schemeClr val="accent1"/>
+          </a:effectRef>
+          <a:fontRef idx="minor">
+            <a:schemeClr val="tx1"/>
+          </a:fontRef>
+        </p:style>
+      </p:cxnSp>
+      <p:cxnSp>
+        <p:nvCxnSpPr>
+          <p:cNvPr id="82" name="Straight Arrow Connector 81"/>
+          <p:cNvCxnSpPr>
+            <a:cxnSpLocks/>
+            <a:stCxn id="93" idx="2"/>
+            <a:endCxn id="96" idx="0"/>
+          </p:cNvCxnSpPr>
+          <p:nvPr/>
+        </p:nvCxnSpPr>
+        <p:spPr>
+          <a:xfrm flipH="1">
+            <a:off x="3972232" y="1747208"/>
+            <a:ext cx="189150" cy="785734"/>
+          </a:xfrm>
+          <a:prstGeom prst="straightConnector1">
+            <a:avLst/>
+          </a:prstGeom>
+          <a:ln w="25400">
+            <a:solidFill>
+              <a:srgbClr val="FF0000"/>
+            </a:solidFill>
+            <a:headEnd type="stealth"/>
+            <a:tailEnd type="stealth"/>
+          </a:ln>
+        </p:spPr>
+        <p:style>
+          <a:lnRef idx="1">
+            <a:schemeClr val="accent1"/>
+          </a:lnRef>
+          <a:fillRef idx="0">
+            <a:schemeClr val="accent1"/>
+          </a:fillRef>
+          <a:effectRef idx="0">
+            <a:schemeClr val="accent1"/>
+          </a:effectRef>
+          <a:fontRef idx="minor">
+            <a:schemeClr val="tx1"/>
+          </a:fontRef>
+        </p:style>
+      </p:cxnSp>
+      <p:cxnSp>
+        <p:nvCxnSpPr>
+          <p:cNvPr id="84" name="Straight Arrow Connector 83"/>
+          <p:cNvCxnSpPr>
+            <a:cxnSpLocks/>
+            <a:stCxn id="93" idx="2"/>
+            <a:endCxn id="146" idx="0"/>
+          </p:cNvCxnSpPr>
+          <p:nvPr/>
+        </p:nvCxnSpPr>
+        <p:spPr>
+          <a:xfrm>
+            <a:off x="4161382" y="1747208"/>
+            <a:ext cx="2656414" cy="767841"/>
+          </a:xfrm>
+          <a:prstGeom prst="straightConnector1">
+            <a:avLst/>
+          </a:prstGeom>
+          <a:ln w="25400">
+            <a:solidFill>
+              <a:srgbClr val="FF0000"/>
+            </a:solidFill>
+            <a:headEnd type="stealth"/>
+            <a:tailEnd type="stealth"/>
+          </a:ln>
+        </p:spPr>
+        <p:style>
+          <a:lnRef idx="1">
+            <a:schemeClr val="accent1"/>
+          </a:lnRef>
+          <a:fillRef idx="0">
+            <a:schemeClr val="accent1"/>
+          </a:fillRef>
+          <a:effectRef idx="0">
+            <a:schemeClr val="accent1"/>
+          </a:effectRef>
+          <a:fontRef idx="minor">
+            <a:schemeClr val="tx1"/>
+          </a:fontRef>
+        </p:style>
+      </p:cxnSp>
+      <p:sp>
+        <p:nvSpPr>
+          <p:cNvPr id="87" name="TextBox 86"/>
+          <p:cNvSpPr txBox="1"/>
+          <p:nvPr/>
+        </p:nvSpPr>
+        <p:spPr>
+          <a:xfrm>
+            <a:off x="3309449" y="2109270"/>
+            <a:ext cx="1749325" cy="369332"/>
+          </a:xfrm>
+          <a:prstGeom prst="rect">
+            <a:avLst/>
+          </a:prstGeom>
+          <a:noFill/>
+        </p:spPr>
+        <p:txBody>
+          <a:bodyPr wrap="none" rtlCol="0">
+            <a:spAutoFit/>
+          </a:bodyPr>
+          <a:lstStyle/>
+          <a:p>
+            <a:r>
+              <a:rPr lang="en-ID" b="1" dirty="0">
+                <a:solidFill>
+                  <a:srgbClr val="FF0000"/>
+                </a:solidFill>
+              </a:rPr>
+              <a:t>MQTT - Protocol</a:t>
+            </a:r>
+            <a:endParaRPr lang="en-US" b="1" dirty="0">
+              <a:solidFill>
+                <a:srgbClr val="FF0000"/>
+              </a:solidFill>
+            </a:endParaRPr>
+          </a:p>
+        </p:txBody>
+      </p:sp>
+      <p:pic>
+        <p:nvPicPr>
+          <p:cNvPr id="88" name="Picture 87" descr="android, mobile, phone, smartphone Icon"/>
+          <p:cNvPicPr/>
+          <p:nvPr/>
+        </p:nvPicPr>
+        <p:blipFill>
+          <a:blip r:embed="rId4" cstate="email">
+            <a:extLst>
+              <a:ext uri="{28A0092B-C50C-407E-A947-70E740481C1C}">
+                <a14:useLocalDpi xmlns:a14="http://schemas.microsoft.com/office/drawing/2010/main" val="0"/>
+              </a:ext>
+            </a:extLst>
+          </a:blip>
+          <a:srcRect/>
+          <a:stretch>
+            <a:fillRect/>
+          </a:stretch>
+        </p:blipFill>
+        <p:spPr bwMode="auto">
+          <a:xfrm>
+            <a:off x="6749042" y="746394"/>
+            <a:ext cx="1558290" cy="1558290"/>
+          </a:xfrm>
+          <a:prstGeom prst="rect">
+            <a:avLst/>
+          </a:prstGeom>
+          <a:noFill/>
+          <a:ln>
+            <a:noFill/>
+          </a:ln>
+        </p:spPr>
+      </p:pic>
+      <p:cxnSp>
+        <p:nvCxnSpPr>
+          <p:cNvPr id="95" name="Straight Arrow Connector 94"/>
+          <p:cNvCxnSpPr>
+            <a:cxnSpLocks/>
+          </p:cNvCxnSpPr>
+          <p:nvPr/>
+        </p:nvCxnSpPr>
+        <p:spPr>
+          <a:xfrm>
+            <a:off x="4430169" y="1246953"/>
+            <a:ext cx="2612144" cy="302258"/>
+          </a:xfrm>
+          <a:prstGeom prst="straightConnector1">
+            <a:avLst/>
+          </a:prstGeom>
+          <a:ln w="25400">
+            <a:solidFill>
+              <a:srgbClr val="00FF00"/>
+            </a:solidFill>
+            <a:headEnd type="stealth"/>
+            <a:tailEnd type="stealth"/>
+          </a:ln>
+        </p:spPr>
+        <p:style>
+          <a:lnRef idx="1">
+            <a:schemeClr val="accent1"/>
+          </a:lnRef>
+          <a:fillRef idx="0">
+            <a:schemeClr val="accent1"/>
+          </a:fillRef>
+          <a:effectRef idx="0">
+            <a:schemeClr val="accent1"/>
+          </a:effectRef>
+          <a:fontRef idx="minor">
+            <a:schemeClr val="tx1"/>
+          </a:fontRef>
+        </p:style>
+      </p:cxnSp>
+      <p:sp>
+        <p:nvSpPr>
+          <p:cNvPr id="104" name="TextBox 103"/>
+          <p:cNvSpPr txBox="1"/>
+          <p:nvPr/>
+        </p:nvSpPr>
+        <p:spPr>
+          <a:xfrm>
+            <a:off x="4847764" y="1329263"/>
+            <a:ext cx="1662443" cy="369332"/>
+          </a:xfrm>
+          <a:prstGeom prst="rect">
+            <a:avLst/>
+          </a:prstGeom>
+          <a:noFill/>
+        </p:spPr>
+        <p:txBody>
+          <a:bodyPr wrap="none" rtlCol="0">
+            <a:spAutoFit/>
+          </a:bodyPr>
+          <a:lstStyle/>
+          <a:p>
+            <a:r>
+              <a:rPr lang="en-ID" b="1" dirty="0">
+                <a:solidFill>
+                  <a:srgbClr val="00FF00"/>
+                </a:solidFill>
+              </a:rPr>
+              <a:t>HTTP - Protocol</a:t>
+            </a:r>
+            <a:endParaRPr lang="en-US" b="1" dirty="0">
+              <a:solidFill>
+                <a:srgbClr val="00FF00"/>
+              </a:solidFill>
+            </a:endParaRPr>
+          </a:p>
+        </p:txBody>
+      </p:sp>
+      <p:sp>
+        <p:nvSpPr>
+          <p:cNvPr id="106" name="TextBox 105"/>
+          <p:cNvSpPr txBox="1"/>
+          <p:nvPr/>
+        </p:nvSpPr>
+        <p:spPr>
+          <a:xfrm>
+            <a:off x="2889936" y="902880"/>
+            <a:ext cx="818366" cy="646331"/>
+          </a:xfrm>
+          <a:prstGeom prst="rect">
+            <a:avLst/>
+          </a:prstGeom>
+          <a:noFill/>
+        </p:spPr>
+        <p:txBody>
+          <a:bodyPr wrap="none" rtlCol="0">
+            <a:spAutoFit/>
+          </a:bodyPr>
+          <a:lstStyle/>
+          <a:p>
+            <a:r>
+              <a:rPr lang="en-ID" b="1" dirty="0">
+                <a:solidFill>
+                  <a:srgbClr val="0000FF"/>
+                </a:solidFill>
+              </a:rPr>
+              <a:t>Broker</a:t>
+            </a:r>
+          </a:p>
+          <a:p>
+            <a:pPr algn="ctr"/>
+            <a:r>
+              <a:rPr lang="en-ID" b="1" dirty="0">
+                <a:solidFill>
+                  <a:srgbClr val="0000FF"/>
+                </a:solidFill>
+              </a:rPr>
+              <a:t>Server</a:t>
+            </a:r>
+            <a:endParaRPr lang="en-US" b="1" dirty="0">
+              <a:solidFill>
+                <a:srgbClr val="0000FF"/>
+              </a:solidFill>
+            </a:endParaRPr>
+          </a:p>
+        </p:txBody>
+      </p:sp>
+      <p:sp>
+        <p:nvSpPr>
+          <p:cNvPr id="107" name="TextBox 106"/>
+          <p:cNvSpPr txBox="1"/>
+          <p:nvPr/>
+        </p:nvSpPr>
+        <p:spPr>
+          <a:xfrm>
+            <a:off x="6212599" y="743688"/>
+            <a:ext cx="829714" cy="369332"/>
+          </a:xfrm>
+          <a:prstGeom prst="rect">
+            <a:avLst/>
+          </a:prstGeom>
+          <a:noFill/>
+        </p:spPr>
+        <p:txBody>
+          <a:bodyPr wrap="none" rtlCol="0">
+            <a:spAutoFit/>
+          </a:bodyPr>
+          <a:lstStyle/>
+          <a:p>
+            <a:r>
+              <a:rPr lang="en-ID" b="1" dirty="0">
+                <a:solidFill>
+                  <a:srgbClr val="0000FF"/>
+                </a:solidFill>
+              </a:rPr>
+              <a:t>I-</a:t>
+            </a:r>
+            <a:r>
+              <a:rPr lang="en-ID" b="1" dirty="0" err="1">
+                <a:solidFill>
+                  <a:srgbClr val="0000FF"/>
+                </a:solidFill>
+              </a:rPr>
+              <a:t>Dev’s</a:t>
+            </a:r>
+            <a:endParaRPr lang="en-US" b="1" dirty="0">
+              <a:solidFill>
+                <a:srgbClr val="0000FF"/>
+              </a:solidFill>
+            </a:endParaRPr>
+          </a:p>
+        </p:txBody>
+      </p:sp>
+      <p:pic>
+        <p:nvPicPr>
+          <p:cNvPr id="108" name="Picture 107" descr="android, mobile, phone, smartphone Icon"/>
+          <p:cNvPicPr/>
+          <p:nvPr/>
+        </p:nvPicPr>
+        <p:blipFill>
+          <a:blip r:embed="rId4" cstate="email">
+            <a:extLst>
+              <a:ext uri="{28A0092B-C50C-407E-A947-70E740481C1C}">
+                <a14:useLocalDpi xmlns:a14="http://schemas.microsoft.com/office/drawing/2010/main" val="0"/>
+              </a:ext>
+            </a:extLst>
+          </a:blip>
+          <a:srcRect/>
+          <a:stretch>
+            <a:fillRect/>
+          </a:stretch>
+        </p:blipFill>
+        <p:spPr bwMode="auto">
+          <a:xfrm>
+            <a:off x="6901442" y="548680"/>
+            <a:ext cx="1558290" cy="1558290"/>
+          </a:xfrm>
+          <a:prstGeom prst="rect">
+            <a:avLst/>
+          </a:prstGeom>
+          <a:noFill/>
+          <a:ln>
+            <a:noFill/>
+          </a:ln>
+        </p:spPr>
+      </p:pic>
+      <p:pic>
+        <p:nvPicPr>
+          <p:cNvPr id="109" name="Picture 108" descr="android, mobile, phone, smartphone Icon"/>
+          <p:cNvPicPr/>
+          <p:nvPr/>
+        </p:nvPicPr>
+        <p:blipFill>
+          <a:blip r:embed="rId4" cstate="email">
+            <a:extLst>
+              <a:ext uri="{28A0092B-C50C-407E-A947-70E740481C1C}">
+                <a14:useLocalDpi xmlns:a14="http://schemas.microsoft.com/office/drawing/2010/main" val="0"/>
+              </a:ext>
+            </a:extLst>
+          </a:blip>
+          <a:srcRect/>
+          <a:stretch>
+            <a:fillRect/>
+          </a:stretch>
+        </p:blipFill>
+        <p:spPr bwMode="auto">
+          <a:xfrm>
+            <a:off x="7092280" y="404664"/>
+            <a:ext cx="1558290" cy="1558290"/>
+          </a:xfrm>
+          <a:prstGeom prst="rect">
+            <a:avLst/>
+          </a:prstGeom>
+          <a:noFill/>
+          <a:ln>
+            <a:noFill/>
+          </a:ln>
+        </p:spPr>
+      </p:pic>
+      <p:pic>
+        <p:nvPicPr>
+          <p:cNvPr id="93" name="Picture 92">
+            <a:extLst>
+              <a:ext uri="{FF2B5EF4-FFF2-40B4-BE49-F238E27FC236}">
+                <a16:creationId xmlns:a16="http://schemas.microsoft.com/office/drawing/2014/main" id="{D7ED08F4-31B4-432D-A1A0-BE825490F18D}"/>
+              </a:ext>
+            </a:extLst>
+          </p:cNvPr>
+          <p:cNvPicPr/>
+          <p:nvPr/>
+        </p:nvPicPr>
+        <p:blipFill>
+          <a:blip r:embed="rId5"/>
+          <a:stretch>
+            <a:fillRect/>
+          </a:stretch>
+        </p:blipFill>
+        <p:spPr>
+          <a:xfrm>
+            <a:off x="3779912" y="662522"/>
+            <a:ext cx="762939" cy="1084686"/>
+          </a:xfrm>
+          <a:prstGeom prst="rect">
+            <a:avLst/>
+          </a:prstGeom>
+        </p:spPr>
+      </p:pic>
       <p:grpSp>
         <p:nvGrpSpPr>
-          <p:cNvPr id="30" name="Group 29"/>
+          <p:cNvPr id="26" name="Group 25">
+            <a:extLst>
+              <a:ext uri="{FF2B5EF4-FFF2-40B4-BE49-F238E27FC236}">
+                <a16:creationId xmlns:a16="http://schemas.microsoft.com/office/drawing/2014/main" id="{02D45A11-6260-4139-BB40-7DC90A89D071}"/>
+              </a:ext>
+            </a:extLst>
+          </p:cNvPr>
           <p:cNvGrpSpPr/>
           <p:nvPr/>
         </p:nvGrpSpPr>
         <p:grpSpPr>
           <a:xfrm>
-            <a:off x="323528" y="2199840"/>
-            <a:ext cx="2715829" cy="4429097"/>
-            <a:chOff x="271994" y="1124744"/>
-            <a:chExt cx="3219886" cy="4861145"/>
+            <a:off x="3454628" y="2532942"/>
+            <a:ext cx="2125484" cy="4082303"/>
+            <a:chOff x="3454628" y="2532942"/>
+            <a:chExt cx="2125484" cy="4082303"/>
           </a:xfrm>
         </p:grpSpPr>
         <p:pic>
           <p:nvPicPr>
-            <p:cNvPr id="5" name="Picture 4" descr="Free Icon | Wifi"/>
+            <p:cNvPr id="96" name="Picture 95" descr="Free Icon | Wifi">
+              <a:extLst>
+                <a:ext uri="{FF2B5EF4-FFF2-40B4-BE49-F238E27FC236}">
+                  <a16:creationId xmlns:a16="http://schemas.microsoft.com/office/drawing/2014/main" id="{331FC1AA-CB08-45A4-9369-2997329D73F4}"/>
+                </a:ext>
+              </a:extLst>
+            </p:cNvPr>
             <p:cNvPicPr/>
             <p:nvPr/>
           </p:nvPicPr>
           <p:blipFill>
-            <a:blip r:embed="rId4" cstate="email">
+            <a:blip r:embed="rId6" cstate="email">
               <a:extLst>
                 <a:ext uri="{28A0092B-C50C-407E-A947-70E740481C1C}">
                   <a14:useLocalDpi xmlns:a14="http://schemas.microsoft.com/office/drawing/2010/main" val="0"/>
@@ -4542,8 +5037,8 @@
           </p:blipFill>
           <p:spPr bwMode="auto">
             <a:xfrm>
-              <a:off x="1300175" y="1124744"/>
-              <a:ext cx="494978" cy="483145"/>
+              <a:off x="3781892" y="2532942"/>
+              <a:ext cx="380680" cy="412324"/>
             </a:xfrm>
             <a:prstGeom prst="rect">
               <a:avLst/>
@@ -4556,7 +5051,13 @@
         </p:pic>
         <p:pic>
           <p:nvPicPr>
-            <p:cNvPr id="4" name="Picture 3"/>
+            <p:cNvPr id="97" name="Picture 96">
+              <a:extLst>
+                <a:ext uri="{FF2B5EF4-FFF2-40B4-BE49-F238E27FC236}">
+                  <a16:creationId xmlns:a16="http://schemas.microsoft.com/office/drawing/2014/main" id="{D4CA772F-A72C-4314-A82A-E884D10E777D}"/>
+                </a:ext>
+              </a:extLst>
+            </p:cNvPr>
             <p:cNvPicPr/>
             <p:nvPr/>
           </p:nvPicPr>
@@ -4568,8 +5069,8 @@
           </p:blipFill>
           <p:spPr>
             <a:xfrm>
-              <a:off x="976164" y="1556792"/>
-              <a:ext cx="1143000" cy="1524000"/>
+              <a:off x="3716633" y="2823687"/>
+              <a:ext cx="568745" cy="736781"/>
             </a:xfrm>
             <a:prstGeom prst="rect">
               <a:avLst/>
@@ -4578,29 +5079,13 @@
         </p:pic>
         <p:pic>
           <p:nvPicPr>
-            <p:cNvPr id="6" name="Picture 5"/>
-            <p:cNvPicPr/>
-            <p:nvPr/>
-          </p:nvPicPr>
-          <p:blipFill>
-            <a:blip r:embed="rId6"/>
-            <a:stretch>
-              <a:fillRect/>
-            </a:stretch>
-          </p:blipFill>
-          <p:spPr>
-            <a:xfrm>
-              <a:off x="391891" y="4221088"/>
-              <a:ext cx="589280" cy="548640"/>
-            </a:xfrm>
-            <a:prstGeom prst="rect">
-              <a:avLst/>
-            </a:prstGeom>
-          </p:spPr>
-        </p:pic>
-        <p:pic>
-          <p:nvPicPr>
-            <p:cNvPr id="8" name="Picture 7"/>
+            <p:cNvPr id="98" name="Picture 97">
+              <a:extLst>
+                <a:ext uri="{FF2B5EF4-FFF2-40B4-BE49-F238E27FC236}">
+                  <a16:creationId xmlns:a16="http://schemas.microsoft.com/office/drawing/2014/main" id="{9E085E1D-93F9-4E72-B98F-FB8F7028960D}"/>
+                </a:ext>
+              </a:extLst>
+            </p:cNvPr>
             <p:cNvPicPr/>
             <p:nvPr/>
           </p:nvPicPr>
@@ -4612,18 +5097,78 @@
           </p:blipFill>
           <p:spPr>
             <a:xfrm>
-              <a:off x="1244769" y="4183475"/>
-              <a:ext cx="874395" cy="629920"/>
+              <a:off x="3454628" y="5661248"/>
+              <a:ext cx="497031" cy="499878"/>
             </a:xfrm>
             <a:prstGeom prst="rect">
               <a:avLst/>
             </a:prstGeom>
           </p:spPr>
         </p:pic>
+        <p:sp>
+          <p:nvSpPr>
+            <p:cNvPr id="99" name="TextBox 98">
+              <a:extLst>
+                <a:ext uri="{FF2B5EF4-FFF2-40B4-BE49-F238E27FC236}">
+                  <a16:creationId xmlns:a16="http://schemas.microsoft.com/office/drawing/2014/main" id="{642A6712-05AC-4A63-87F7-14430CE8A993}"/>
+                </a:ext>
+              </a:extLst>
+            </p:cNvPr>
+            <p:cNvSpPr txBox="1"/>
+            <p:nvPr/>
+          </p:nvSpPr>
+          <p:spPr>
+            <a:xfrm>
+              <a:off x="4184112" y="2948568"/>
+              <a:ext cx="568745" cy="369332"/>
+            </a:xfrm>
+            <a:prstGeom prst="rect">
+              <a:avLst/>
+            </a:prstGeom>
+            <a:noFill/>
+          </p:spPr>
+          <p:txBody>
+            <a:bodyPr wrap="none" rtlCol="0">
+              <a:spAutoFit/>
+            </a:bodyPr>
+            <a:lstStyle/>
+            <a:p>
+              <a:r>
+                <a:rPr lang="en-US" b="1" dirty="0">
+                  <a:solidFill>
+                    <a:srgbClr val="0000FF"/>
+                  </a:solidFill>
+                </a:rPr>
+                <a:t>E</a:t>
+              </a:r>
+              <a:r>
+                <a:rPr lang="en-ID" b="1" dirty="0" err="1">
+                  <a:solidFill>
+                    <a:srgbClr val="0000FF"/>
+                  </a:solidFill>
+                </a:rPr>
+                <a:t>oN</a:t>
+              </a:r>
+              <a:endParaRPr lang="en-US" b="1" dirty="0">
+                <a:solidFill>
+                  <a:srgbClr val="0000FF"/>
+                </a:solidFill>
+              </a:endParaRPr>
+            </a:p>
+          </p:txBody>
+        </p:sp>
         <p:pic>
           <p:nvPicPr>
-            <p:cNvPr id="9" name="Picture 8"/>
-            <p:cNvPicPr/>
+            <p:cNvPr id="100" name="Picture 99">
+              <a:extLst>
+                <a:ext uri="{FF2B5EF4-FFF2-40B4-BE49-F238E27FC236}">
+                  <a16:creationId xmlns:a16="http://schemas.microsoft.com/office/drawing/2014/main" id="{8153525A-3E72-45A9-A3EA-740D322E345C}"/>
+                </a:ext>
+              </a:extLst>
+            </p:cNvPr>
+            <p:cNvPicPr>
+              <a:picLocks noChangeAspect="1"/>
+            </p:cNvPicPr>
             <p:nvPr/>
           </p:nvPicPr>
           <p:blipFill>
@@ -4634,61 +5179,469 @@
           </p:blipFill>
           <p:spPr>
             <a:xfrm>
-              <a:off x="2267744" y="4261093"/>
-              <a:ext cx="476885" cy="508635"/>
+              <a:off x="3484310" y="4158785"/>
+              <a:ext cx="1930830" cy="765896"/>
             </a:xfrm>
             <a:prstGeom prst="rect">
               <a:avLst/>
             </a:prstGeom>
           </p:spPr>
         </p:pic>
-        <p:pic>
-          <p:nvPicPr>
-            <p:cNvPr id="10" name="Picture 9"/>
-            <p:cNvPicPr/>
+        <p:sp>
+          <p:nvSpPr>
+            <p:cNvPr id="101" name="TextBox 100">
+              <a:extLst>
+                <a:ext uri="{FF2B5EF4-FFF2-40B4-BE49-F238E27FC236}">
+                  <a16:creationId xmlns:a16="http://schemas.microsoft.com/office/drawing/2014/main" id="{7FF2AF45-1BBB-4306-ABAF-8689BC85C815}"/>
+                </a:ext>
+              </a:extLst>
+            </p:cNvPr>
+            <p:cNvSpPr txBox="1"/>
             <p:nvPr/>
-          </p:nvPicPr>
-          <p:blipFill>
-            <a:blip r:embed="rId8"/>
-            <a:stretch>
-              <a:fillRect/>
-            </a:stretch>
-          </p:blipFill>
+          </p:nvSpPr>
           <p:spPr>
             <a:xfrm>
-              <a:off x="2270601" y="3717032"/>
-              <a:ext cx="476885" cy="508635"/>
+              <a:off x="3573555" y="6245913"/>
+              <a:ext cx="1752339" cy="369332"/>
             </a:xfrm>
             <a:prstGeom prst="rect">
               <a:avLst/>
             </a:prstGeom>
+            <a:noFill/>
           </p:spPr>
-        </p:pic>
-        <p:pic>
-          <p:nvPicPr>
-            <p:cNvPr id="11" name="Picture 10"/>
-            <p:cNvPicPr/>
+          <p:txBody>
+            <a:bodyPr wrap="none" rtlCol="0">
+              <a:spAutoFit/>
+            </a:bodyPr>
+            <a:lstStyle/>
+            <a:p>
+              <a:r>
+                <a:rPr lang="en-US" b="1" dirty="0">
+                  <a:solidFill>
+                    <a:srgbClr val="0000FF"/>
+                  </a:solidFill>
+                </a:rPr>
+                <a:t>Sensor/Actuator</a:t>
+              </a:r>
+            </a:p>
+          </p:txBody>
+        </p:sp>
+        <p:cxnSp>
+          <p:nvCxnSpPr>
+            <p:cNvPr id="103" name="Straight Connector 102">
+              <a:extLst>
+                <a:ext uri="{FF2B5EF4-FFF2-40B4-BE49-F238E27FC236}">
+                  <a16:creationId xmlns:a16="http://schemas.microsoft.com/office/drawing/2014/main" id="{E865F506-39E6-412E-A252-A31428B8E040}"/>
+                </a:ext>
+              </a:extLst>
+            </p:cNvPr>
+            <p:cNvCxnSpPr>
+              <a:cxnSpLocks/>
+            </p:cNvCxnSpPr>
             <p:nvPr/>
-          </p:nvPicPr>
-          <p:blipFill>
-            <a:blip r:embed="rId8"/>
-            <a:stretch>
-              <a:fillRect/>
-            </a:stretch>
-          </p:blipFill>
+          </p:nvCxnSpPr>
           <p:spPr>
             <a:xfrm>
-              <a:off x="2275608" y="4813395"/>
-              <a:ext cx="476885" cy="508635"/>
+              <a:off x="3454628" y="5303216"/>
+              <a:ext cx="2078178" cy="0"/>
+            </a:xfrm>
+            <a:prstGeom prst="line">
+              <a:avLst/>
+            </a:prstGeom>
+            <a:ln w="22225">
+              <a:solidFill>
+                <a:srgbClr val="0000FF"/>
+              </a:solidFill>
+            </a:ln>
+          </p:spPr>
+          <p:style>
+            <a:lnRef idx="1">
+              <a:schemeClr val="accent1"/>
+            </a:lnRef>
+            <a:fillRef idx="0">
+              <a:schemeClr val="accent1"/>
+            </a:fillRef>
+            <a:effectRef idx="0">
+              <a:schemeClr val="accent1"/>
+            </a:effectRef>
+            <a:fontRef idx="minor">
+              <a:schemeClr val="tx1"/>
+            </a:fontRef>
+          </p:style>
+        </p:cxnSp>
+        <p:cxnSp>
+          <p:nvCxnSpPr>
+            <p:cNvPr id="110" name="Straight Arrow Connector 109">
+              <a:extLst>
+                <a:ext uri="{FF2B5EF4-FFF2-40B4-BE49-F238E27FC236}">
+                  <a16:creationId xmlns:a16="http://schemas.microsoft.com/office/drawing/2014/main" id="{E8B958EE-5EE0-4808-BB5D-8AF84300BFB3}"/>
+                </a:ext>
+              </a:extLst>
+            </p:cNvPr>
+            <p:cNvCxnSpPr>
+              <a:cxnSpLocks/>
+            </p:cNvCxnSpPr>
+            <p:nvPr/>
+          </p:nvCxnSpPr>
+          <p:spPr>
+            <a:xfrm flipV="1">
+              <a:off x="5278266" y="5303216"/>
+              <a:ext cx="0" cy="432048"/>
+            </a:xfrm>
+            <a:prstGeom prst="straightConnector1">
+              <a:avLst/>
+            </a:prstGeom>
+            <a:ln w="22225">
+              <a:solidFill>
+                <a:srgbClr val="0000FF"/>
+              </a:solidFill>
+              <a:tailEnd type="triangle"/>
+            </a:ln>
+          </p:spPr>
+          <p:style>
+            <a:lnRef idx="1">
+              <a:schemeClr val="accent1"/>
+            </a:lnRef>
+            <a:fillRef idx="0">
+              <a:schemeClr val="accent1"/>
+            </a:fillRef>
+            <a:effectRef idx="0">
+              <a:schemeClr val="accent1"/>
+            </a:effectRef>
+            <a:fontRef idx="minor">
+              <a:schemeClr val="tx1"/>
+            </a:fontRef>
+          </p:style>
+        </p:cxnSp>
+        <p:cxnSp>
+          <p:nvCxnSpPr>
+            <p:cNvPr id="111" name="Straight Arrow Connector 110">
+              <a:extLst>
+                <a:ext uri="{FF2B5EF4-FFF2-40B4-BE49-F238E27FC236}">
+                  <a16:creationId xmlns:a16="http://schemas.microsoft.com/office/drawing/2014/main" id="{701FA5EF-0179-41F2-B22D-FCC175001A48}"/>
+                </a:ext>
+              </a:extLst>
+            </p:cNvPr>
+            <p:cNvCxnSpPr>
+              <a:cxnSpLocks/>
+            </p:cNvCxnSpPr>
+            <p:nvPr/>
+          </p:nvCxnSpPr>
+          <p:spPr>
+            <a:xfrm flipV="1">
+              <a:off x="5004048" y="5303216"/>
+              <a:ext cx="0" cy="303290"/>
+            </a:xfrm>
+            <a:prstGeom prst="straightConnector1">
+              <a:avLst/>
+            </a:prstGeom>
+            <a:ln w="22225">
+              <a:solidFill>
+                <a:srgbClr val="0000FF"/>
+              </a:solidFill>
+              <a:tailEnd type="triangle"/>
+            </a:ln>
+          </p:spPr>
+          <p:style>
+            <a:lnRef idx="1">
+              <a:schemeClr val="accent1"/>
+            </a:lnRef>
+            <a:fillRef idx="0">
+              <a:schemeClr val="accent1"/>
+            </a:fillRef>
+            <a:effectRef idx="0">
+              <a:schemeClr val="accent1"/>
+            </a:effectRef>
+            <a:fontRef idx="minor">
+              <a:schemeClr val="tx1"/>
+            </a:fontRef>
+          </p:style>
+        </p:cxnSp>
+        <p:cxnSp>
+          <p:nvCxnSpPr>
+            <p:cNvPr id="112" name="Straight Arrow Connector 111">
+              <a:extLst>
+                <a:ext uri="{FF2B5EF4-FFF2-40B4-BE49-F238E27FC236}">
+                  <a16:creationId xmlns:a16="http://schemas.microsoft.com/office/drawing/2014/main" id="{AF569078-F334-430B-8950-9BEB338AB6EA}"/>
+                </a:ext>
+              </a:extLst>
+            </p:cNvPr>
+            <p:cNvCxnSpPr>
+              <a:cxnSpLocks/>
+            </p:cNvCxnSpPr>
+            <p:nvPr/>
+          </p:nvCxnSpPr>
+          <p:spPr>
+            <a:xfrm flipV="1">
+              <a:off x="4355975" y="5303216"/>
+              <a:ext cx="1" cy="303290"/>
+            </a:xfrm>
+            <a:prstGeom prst="straightConnector1">
+              <a:avLst/>
+            </a:prstGeom>
+            <a:ln w="22225">
+              <a:solidFill>
+                <a:srgbClr val="0000FF"/>
+              </a:solidFill>
+              <a:tailEnd type="triangle"/>
+            </a:ln>
+          </p:spPr>
+          <p:style>
+            <a:lnRef idx="1">
+              <a:schemeClr val="accent1"/>
+            </a:lnRef>
+            <a:fillRef idx="0">
+              <a:schemeClr val="accent1"/>
+            </a:fillRef>
+            <a:effectRef idx="0">
+              <a:schemeClr val="accent1"/>
+            </a:effectRef>
+            <a:fontRef idx="minor">
+              <a:schemeClr val="tx1"/>
+            </a:fontRef>
+          </p:style>
+        </p:cxnSp>
+        <p:cxnSp>
+          <p:nvCxnSpPr>
+            <p:cNvPr id="113" name="Straight Arrow Connector 112">
+              <a:extLst>
+                <a:ext uri="{FF2B5EF4-FFF2-40B4-BE49-F238E27FC236}">
+                  <a16:creationId xmlns:a16="http://schemas.microsoft.com/office/drawing/2014/main" id="{9894B322-EF50-40E0-8415-FD1EB8F34947}"/>
+                </a:ext>
+              </a:extLst>
+            </p:cNvPr>
+            <p:cNvCxnSpPr>
+              <a:cxnSpLocks/>
+            </p:cNvCxnSpPr>
+            <p:nvPr/>
+          </p:nvCxnSpPr>
+          <p:spPr>
+            <a:xfrm flipV="1">
+              <a:off x="3703144" y="5301208"/>
+              <a:ext cx="0" cy="303290"/>
+            </a:xfrm>
+            <a:prstGeom prst="straightConnector1">
+              <a:avLst/>
+            </a:prstGeom>
+            <a:ln w="22225">
+              <a:solidFill>
+                <a:srgbClr val="0000FF"/>
+              </a:solidFill>
+              <a:tailEnd type="triangle"/>
+            </a:ln>
+          </p:spPr>
+          <p:style>
+            <a:lnRef idx="1">
+              <a:schemeClr val="accent1"/>
+            </a:lnRef>
+            <a:fillRef idx="0">
+              <a:schemeClr val="accent1"/>
+            </a:fillRef>
+            <a:effectRef idx="0">
+              <a:schemeClr val="accent1"/>
+            </a:effectRef>
+            <a:fontRef idx="minor">
+              <a:schemeClr val="tx1"/>
+            </a:fontRef>
+          </p:style>
+        </p:cxnSp>
+        <p:sp>
+          <p:nvSpPr>
+            <p:cNvPr id="114" name="TextBox 113">
+              <a:extLst>
+                <a:ext uri="{FF2B5EF4-FFF2-40B4-BE49-F238E27FC236}">
+                  <a16:creationId xmlns:a16="http://schemas.microsoft.com/office/drawing/2014/main" id="{E9064D73-DA84-45E4-878F-355289241361}"/>
+                </a:ext>
+              </a:extLst>
+            </p:cNvPr>
+            <p:cNvSpPr txBox="1"/>
+            <p:nvPr/>
+          </p:nvSpPr>
+          <p:spPr>
+            <a:xfrm>
+              <a:off x="3556318" y="5087192"/>
+              <a:ext cx="820096" cy="276999"/>
             </a:xfrm>
             <a:prstGeom prst="rect">
               <a:avLst/>
             </a:prstGeom>
+            <a:noFill/>
           </p:spPr>
-        </p:pic>
+          <p:txBody>
+            <a:bodyPr wrap="none" rtlCol="0">
+              <a:spAutoFit/>
+            </a:bodyPr>
+            <a:lstStyle/>
+            <a:p>
+              <a:r>
+                <a:rPr lang="en-US" sz="1200" dirty="0">
+                  <a:solidFill>
+                    <a:srgbClr val="0000FF"/>
+                  </a:solidFill>
+                </a:rPr>
+                <a:t>Hard Wire</a:t>
+              </a:r>
+            </a:p>
+          </p:txBody>
+        </p:sp>
+        <p:sp>
+          <p:nvSpPr>
+            <p:cNvPr id="115" name="Arrow: Down 114">
+              <a:extLst>
+                <a:ext uri="{FF2B5EF4-FFF2-40B4-BE49-F238E27FC236}">
+                  <a16:creationId xmlns:a16="http://schemas.microsoft.com/office/drawing/2014/main" id="{8CFCE75F-7AA7-4BF3-B044-4770D3A70008}"/>
+                </a:ext>
+              </a:extLst>
+            </p:cNvPr>
+            <p:cNvSpPr/>
+            <p:nvPr/>
+          </p:nvSpPr>
+          <p:spPr>
+            <a:xfrm rot="10800000">
+              <a:off x="4376411" y="4924679"/>
+              <a:ext cx="432391" cy="325021"/>
+            </a:xfrm>
+            <a:prstGeom prst="downArrow">
+              <a:avLst/>
+            </a:prstGeom>
+            <a:noFill/>
+            <a:ln w="19050">
+              <a:solidFill>
+                <a:srgbClr val="0000FF"/>
+              </a:solidFill>
+            </a:ln>
+          </p:spPr>
+          <p:style>
+            <a:lnRef idx="2">
+              <a:schemeClr val="accent1">
+                <a:shade val="50000"/>
+              </a:schemeClr>
+            </a:lnRef>
+            <a:fillRef idx="1">
+              <a:schemeClr val="accent1"/>
+            </a:fillRef>
+            <a:effectRef idx="0">
+              <a:schemeClr val="accent1"/>
+            </a:effectRef>
+            <a:fontRef idx="minor">
+              <a:schemeClr val="lt1"/>
+            </a:fontRef>
+          </p:style>
+          <p:txBody>
+            <a:bodyPr rtlCol="0" anchor="ctr"/>
+            <a:lstStyle/>
+            <a:p>
+              <a:pPr algn="ctr"/>
+              <a:endParaRPr lang="en-ID"/>
+            </a:p>
+          </p:txBody>
+        </p:sp>
+        <p:cxnSp>
+          <p:nvCxnSpPr>
+            <p:cNvPr id="116" name="Straight Arrow Connector 115">
+              <a:extLst>
+                <a:ext uri="{FF2B5EF4-FFF2-40B4-BE49-F238E27FC236}">
+                  <a16:creationId xmlns:a16="http://schemas.microsoft.com/office/drawing/2014/main" id="{8E0EBC89-8ED8-4F07-B552-FDDF03B2E41D}"/>
+                </a:ext>
+              </a:extLst>
+            </p:cNvPr>
+            <p:cNvCxnSpPr>
+              <a:cxnSpLocks/>
+              <a:stCxn id="100" idx="0"/>
+              <a:endCxn id="97" idx="2"/>
+            </p:cNvCxnSpPr>
+            <p:nvPr/>
+          </p:nvCxnSpPr>
+          <p:spPr>
+            <a:xfrm flipH="1" flipV="1">
+              <a:off x="4001006" y="3560468"/>
+              <a:ext cx="448719" cy="598317"/>
+            </a:xfrm>
+            <a:prstGeom prst="straightConnector1">
+              <a:avLst/>
+            </a:prstGeom>
+            <a:ln w="22225">
+              <a:solidFill>
+                <a:srgbClr val="008000"/>
+              </a:solidFill>
+              <a:headEnd type="stealth"/>
+              <a:tailEnd type="stealth"/>
+            </a:ln>
+          </p:spPr>
+          <p:style>
+            <a:lnRef idx="1">
+              <a:schemeClr val="accent1"/>
+            </a:lnRef>
+            <a:fillRef idx="0">
+              <a:schemeClr val="accent1"/>
+            </a:fillRef>
+            <a:effectRef idx="0">
+              <a:schemeClr val="accent1"/>
+            </a:effectRef>
+            <a:fontRef idx="minor">
+              <a:schemeClr val="tx1"/>
+            </a:fontRef>
+          </p:style>
+        </p:cxnSp>
+        <p:sp>
+          <p:nvSpPr>
+            <p:cNvPr id="117" name="TextBox 116">
+              <a:extLst>
+                <a:ext uri="{FF2B5EF4-FFF2-40B4-BE49-F238E27FC236}">
+                  <a16:creationId xmlns:a16="http://schemas.microsoft.com/office/drawing/2014/main" id="{DC4F584F-869A-4EC5-BD3F-B43D6F04B109}"/>
+                </a:ext>
+              </a:extLst>
+            </p:cNvPr>
+            <p:cNvSpPr txBox="1"/>
+            <p:nvPr/>
+          </p:nvSpPr>
+          <p:spPr>
+            <a:xfrm>
+              <a:off x="4132382" y="3596451"/>
+              <a:ext cx="820096" cy="461665"/>
+            </a:xfrm>
+            <a:prstGeom prst="rect">
+              <a:avLst/>
+            </a:prstGeom>
+            <a:noFill/>
+          </p:spPr>
+          <p:txBody>
+            <a:bodyPr wrap="none" rtlCol="0">
+              <a:spAutoFit/>
+            </a:bodyPr>
+            <a:lstStyle/>
+            <a:p>
+              <a:r>
+                <a:rPr lang="en-US" sz="1200" dirty="0">
+                  <a:solidFill>
+                    <a:srgbClr val="008000"/>
+                  </a:solidFill>
+                </a:rPr>
+                <a:t>Hard Wire</a:t>
+              </a:r>
+            </a:p>
+            <a:p>
+              <a:pPr algn="ctr"/>
+              <a:r>
+                <a:rPr lang="en-US" sz="1200" dirty="0">
+                  <a:solidFill>
+                    <a:srgbClr val="008000"/>
+                  </a:solidFill>
+                </a:rPr>
+                <a:t>Serial</a:t>
+              </a:r>
+            </a:p>
+          </p:txBody>
+        </p:sp>
         <p:pic>
           <p:nvPicPr>
-            <p:cNvPr id="1026" name="Picture 2"/>
+            <p:cNvPr id="118" name="Picture 2">
+              <a:extLst>
+                <a:ext uri="{FF2B5EF4-FFF2-40B4-BE49-F238E27FC236}">
+                  <a16:creationId xmlns:a16="http://schemas.microsoft.com/office/drawing/2014/main" id="{7EAFE767-B908-419E-B4E7-05DAB402B5BB}"/>
+                </a:ext>
+              </a:extLst>
+            </p:cNvPr>
             <p:cNvPicPr>
               <a:picLocks noChangeAspect="1" noChangeArrowheads="1"/>
             </p:cNvPicPr>
@@ -4709,8 +5662,8 @@
           </p:blipFill>
           <p:spPr bwMode="auto">
             <a:xfrm rot="5400000">
-              <a:off x="2446895" y="4294574"/>
-              <a:ext cx="1585913" cy="504056"/>
+              <a:off x="4712981" y="5821246"/>
+              <a:ext cx="620765" cy="182647"/>
             </a:xfrm>
             <a:prstGeom prst="rect">
               <a:avLst/>
@@ -4750,16 +5703,271 @@
             </a:extLst>
           </p:spPr>
         </p:pic>
+        <p:grpSp>
+          <p:nvGrpSpPr>
+            <p:cNvPr id="13" name="Group 12">
+              <a:extLst>
+                <a:ext uri="{FF2B5EF4-FFF2-40B4-BE49-F238E27FC236}">
+                  <a16:creationId xmlns:a16="http://schemas.microsoft.com/office/drawing/2014/main" id="{DD9AE47D-D12F-4154-BB04-4D3D34BE33AE}"/>
+                </a:ext>
+              </a:extLst>
+            </p:cNvPr>
+            <p:cNvGrpSpPr/>
+            <p:nvPr/>
+          </p:nvGrpSpPr>
+          <p:grpSpPr>
+            <a:xfrm>
+              <a:off x="5145033" y="5544651"/>
+              <a:ext cx="435079" cy="735835"/>
+              <a:chOff x="2159253" y="548680"/>
+              <a:chExt cx="408864" cy="1462350"/>
+            </a:xfrm>
+          </p:grpSpPr>
+          <p:pic>
+            <p:nvPicPr>
+              <p:cNvPr id="119" name="Picture 118">
+                <a:extLst>
+                  <a:ext uri="{FF2B5EF4-FFF2-40B4-BE49-F238E27FC236}">
+                    <a16:creationId xmlns:a16="http://schemas.microsoft.com/office/drawing/2014/main" id="{8569128C-0619-4279-963D-AE7C028B50F8}"/>
+                  </a:ext>
+                </a:extLst>
+              </p:cNvPr>
+              <p:cNvPicPr/>
+              <p:nvPr/>
+            </p:nvPicPr>
+            <p:blipFill>
+              <a:blip r:embed="rId10"/>
+              <a:stretch>
+                <a:fillRect/>
+              </a:stretch>
+            </p:blipFill>
+            <p:spPr>
+              <a:xfrm>
+                <a:off x="2159253" y="1044386"/>
+                <a:ext cx="402231" cy="463429"/>
+              </a:xfrm>
+              <a:prstGeom prst="rect">
+                <a:avLst/>
+              </a:prstGeom>
+            </p:spPr>
+          </p:pic>
+          <p:pic>
+            <p:nvPicPr>
+              <p:cNvPr id="120" name="Picture 119">
+                <a:extLst>
+                  <a:ext uri="{FF2B5EF4-FFF2-40B4-BE49-F238E27FC236}">
+                    <a16:creationId xmlns:a16="http://schemas.microsoft.com/office/drawing/2014/main" id="{8B747FC8-E2F4-4A4F-A22C-CE38FE1C73EE}"/>
+                  </a:ext>
+                </a:extLst>
+              </p:cNvPr>
+              <p:cNvPicPr/>
+              <p:nvPr/>
+            </p:nvPicPr>
+            <p:blipFill>
+              <a:blip r:embed="rId10"/>
+              <a:stretch>
+                <a:fillRect/>
+              </a:stretch>
+            </p:blipFill>
+            <p:spPr>
+              <a:xfrm>
+                <a:off x="2161663" y="548680"/>
+                <a:ext cx="402231" cy="463429"/>
+              </a:xfrm>
+              <a:prstGeom prst="rect">
+                <a:avLst/>
+              </a:prstGeom>
+            </p:spPr>
+          </p:pic>
+          <p:pic>
+            <p:nvPicPr>
+              <p:cNvPr id="121" name="Picture 120">
+                <a:extLst>
+                  <a:ext uri="{FF2B5EF4-FFF2-40B4-BE49-F238E27FC236}">
+                    <a16:creationId xmlns:a16="http://schemas.microsoft.com/office/drawing/2014/main" id="{C5D34CA6-4297-482B-89D7-F88D49D89624}"/>
+                  </a:ext>
+                </a:extLst>
+              </p:cNvPr>
+              <p:cNvPicPr/>
+              <p:nvPr/>
+            </p:nvPicPr>
+            <p:blipFill>
+              <a:blip r:embed="rId10"/>
+              <a:stretch>
+                <a:fillRect/>
+              </a:stretch>
+            </p:blipFill>
+            <p:spPr>
+              <a:xfrm>
+                <a:off x="2165886" y="1547601"/>
+                <a:ext cx="402231" cy="463429"/>
+              </a:xfrm>
+              <a:prstGeom prst="rect">
+                <a:avLst/>
+              </a:prstGeom>
+            </p:spPr>
+          </p:pic>
+        </p:grpSp>
+        <p:pic>
+          <p:nvPicPr>
+            <p:cNvPr id="122" name="Picture 121">
+              <a:extLst>
+                <a:ext uri="{FF2B5EF4-FFF2-40B4-BE49-F238E27FC236}">
+                  <a16:creationId xmlns:a16="http://schemas.microsoft.com/office/drawing/2014/main" id="{B162C919-E530-41D0-B8DE-285A262718DC}"/>
+                </a:ext>
+              </a:extLst>
+            </p:cNvPr>
+            <p:cNvPicPr/>
+            <p:nvPr/>
+          </p:nvPicPr>
+          <p:blipFill>
+            <a:blip r:embed="rId11"/>
+            <a:stretch>
+              <a:fillRect/>
+            </a:stretch>
+          </p:blipFill>
+          <p:spPr>
+            <a:xfrm>
+              <a:off x="4011075" y="5634369"/>
+              <a:ext cx="737513" cy="573934"/>
+            </a:xfrm>
+            <a:prstGeom prst="rect">
+              <a:avLst/>
+            </a:prstGeom>
+          </p:spPr>
+        </p:pic>
+      </p:grpSp>
+      <p:grpSp>
+        <p:nvGrpSpPr>
+          <p:cNvPr id="123" name="Group 122">
+            <a:extLst>
+              <a:ext uri="{FF2B5EF4-FFF2-40B4-BE49-F238E27FC236}">
+                <a16:creationId xmlns:a16="http://schemas.microsoft.com/office/drawing/2014/main" id="{C5F75EAC-4068-447D-A87A-AD8021775FDE}"/>
+              </a:ext>
+            </a:extLst>
+          </p:cNvPr>
+          <p:cNvGrpSpPr/>
+          <p:nvPr/>
+        </p:nvGrpSpPr>
+        <p:grpSpPr>
+          <a:xfrm>
+            <a:off x="645185" y="2495973"/>
+            <a:ext cx="2125484" cy="4082303"/>
+            <a:chOff x="3454628" y="2532942"/>
+            <a:chExt cx="2125484" cy="4082303"/>
+          </a:xfrm>
+        </p:grpSpPr>
+        <p:pic>
+          <p:nvPicPr>
+            <p:cNvPr id="124" name="Picture 123" descr="Free Icon | Wifi">
+              <a:extLst>
+                <a:ext uri="{FF2B5EF4-FFF2-40B4-BE49-F238E27FC236}">
+                  <a16:creationId xmlns:a16="http://schemas.microsoft.com/office/drawing/2014/main" id="{53DEC4AC-7083-4137-853A-196172679253}"/>
+                </a:ext>
+              </a:extLst>
+            </p:cNvPr>
+            <p:cNvPicPr/>
+            <p:nvPr/>
+          </p:nvPicPr>
+          <p:blipFill>
+            <a:blip r:embed="rId6" cstate="email">
+              <a:extLst>
+                <a:ext uri="{28A0092B-C50C-407E-A947-70E740481C1C}">
+                  <a14:useLocalDpi xmlns:a14="http://schemas.microsoft.com/office/drawing/2010/main" val="0"/>
+                </a:ext>
+              </a:extLst>
+            </a:blip>
+            <a:srcRect/>
+            <a:stretch>
+              <a:fillRect/>
+            </a:stretch>
+          </p:blipFill>
+          <p:spPr bwMode="auto">
+            <a:xfrm>
+              <a:off x="3781892" y="2532942"/>
+              <a:ext cx="380680" cy="412324"/>
+            </a:xfrm>
+            <a:prstGeom prst="rect">
+              <a:avLst/>
+            </a:prstGeom>
+            <a:noFill/>
+            <a:ln>
+              <a:noFill/>
+            </a:ln>
+          </p:spPr>
+        </p:pic>
+        <p:pic>
+          <p:nvPicPr>
+            <p:cNvPr id="125" name="Picture 124">
+              <a:extLst>
+                <a:ext uri="{FF2B5EF4-FFF2-40B4-BE49-F238E27FC236}">
+                  <a16:creationId xmlns:a16="http://schemas.microsoft.com/office/drawing/2014/main" id="{4A694F61-56DD-44EC-9C94-5B51CD55A6AD}"/>
+                </a:ext>
+              </a:extLst>
+            </p:cNvPr>
+            <p:cNvPicPr/>
+            <p:nvPr/>
+          </p:nvPicPr>
+          <p:blipFill>
+            <a:blip r:embed="rId5"/>
+            <a:stretch>
+              <a:fillRect/>
+            </a:stretch>
+          </p:blipFill>
+          <p:spPr>
+            <a:xfrm>
+              <a:off x="3716633" y="2823687"/>
+              <a:ext cx="568745" cy="736781"/>
+            </a:xfrm>
+            <a:prstGeom prst="rect">
+              <a:avLst/>
+            </a:prstGeom>
+          </p:spPr>
+        </p:pic>
+        <p:pic>
+          <p:nvPicPr>
+            <p:cNvPr id="126" name="Picture 125">
+              <a:extLst>
+                <a:ext uri="{FF2B5EF4-FFF2-40B4-BE49-F238E27FC236}">
+                  <a16:creationId xmlns:a16="http://schemas.microsoft.com/office/drawing/2014/main" id="{1070B515-8811-4DB0-B73F-A655CDA1F65D}"/>
+                </a:ext>
+              </a:extLst>
+            </p:cNvPr>
+            <p:cNvPicPr/>
+            <p:nvPr/>
+          </p:nvPicPr>
+          <p:blipFill>
+            <a:blip r:embed="rId7"/>
+            <a:stretch>
+              <a:fillRect/>
+            </a:stretch>
+          </p:blipFill>
+          <p:spPr>
+            <a:xfrm>
+              <a:off x="3454628" y="5661248"/>
+              <a:ext cx="497031" cy="499878"/>
+            </a:xfrm>
+            <a:prstGeom prst="rect">
+              <a:avLst/>
+            </a:prstGeom>
+          </p:spPr>
+        </p:pic>
         <p:sp>
           <p:nvSpPr>
-            <p:cNvPr id="2" name="TextBox 1"/>
+            <p:cNvPr id="127" name="TextBox 126">
+              <a:extLst>
+                <a:ext uri="{FF2B5EF4-FFF2-40B4-BE49-F238E27FC236}">
+                  <a16:creationId xmlns:a16="http://schemas.microsoft.com/office/drawing/2014/main" id="{A95CCAB4-6FC7-49A6-8666-4575A0CA9B0B}"/>
+                </a:ext>
+              </a:extLst>
+            </p:cNvPr>
             <p:cNvSpPr txBox="1"/>
             <p:nvPr/>
           </p:nvSpPr>
           <p:spPr>
             <a:xfrm>
-              <a:off x="271994" y="4769728"/>
-              <a:ext cx="829073" cy="369332"/>
+              <a:off x="4184112" y="2948568"/>
+              <a:ext cx="568745" cy="369332"/>
             </a:xfrm>
             <a:prstGeom prst="rect">
               <a:avLst/>
@@ -4773,12 +5981,20 @@
             <a:lstStyle/>
             <a:p>
               <a:r>
-                <a:rPr lang="en-ID" b="1" dirty="0">
+                <a:rPr lang="en-US" b="1" dirty="0">
                   <a:solidFill>
                     <a:srgbClr val="0000FF"/>
                   </a:solidFill>
                 </a:rPr>
-                <a:t>Sensor</a:t>
+                <a:t>E</a:t>
+              </a:r>
+              <a:r>
+                <a:rPr lang="en-ID" b="1" dirty="0" err="1">
+                  <a:solidFill>
+                    <a:srgbClr val="0000FF"/>
+                  </a:solidFill>
+                </a:rPr>
+                <a:t>oN</a:t>
               </a:r>
               <a:endParaRPr lang="en-US" b="1" dirty="0">
                 <a:solidFill>
@@ -4788,116 +6004,52 @@
             </a:p>
           </p:txBody>
         </p:sp>
+        <p:pic>
+          <p:nvPicPr>
+            <p:cNvPr id="128" name="Picture 127">
+              <a:extLst>
+                <a:ext uri="{FF2B5EF4-FFF2-40B4-BE49-F238E27FC236}">
+                  <a16:creationId xmlns:a16="http://schemas.microsoft.com/office/drawing/2014/main" id="{EF50F512-C54E-4EC3-94C4-D1E0F23F7054}"/>
+                </a:ext>
+              </a:extLst>
+            </p:cNvPr>
+            <p:cNvPicPr>
+              <a:picLocks noChangeAspect="1"/>
+            </p:cNvPicPr>
+            <p:nvPr/>
+          </p:nvPicPr>
+          <p:blipFill>
+            <a:blip r:embed="rId8"/>
+            <a:stretch>
+              <a:fillRect/>
+            </a:stretch>
+          </p:blipFill>
+          <p:spPr>
+            <a:xfrm>
+              <a:off x="3484310" y="4158785"/>
+              <a:ext cx="1930830" cy="765896"/>
+            </a:xfrm>
+            <a:prstGeom prst="rect">
+              <a:avLst/>
+            </a:prstGeom>
+          </p:spPr>
+        </p:pic>
         <p:sp>
           <p:nvSpPr>
-            <p:cNvPr id="16" name="TextBox 15"/>
+            <p:cNvPr id="129" name="TextBox 128">
+              <a:extLst>
+                <a:ext uri="{FF2B5EF4-FFF2-40B4-BE49-F238E27FC236}">
+                  <a16:creationId xmlns:a16="http://schemas.microsoft.com/office/drawing/2014/main" id="{E39A3AB8-C796-4956-8252-D950C226E4A3}"/>
+                </a:ext>
+              </a:extLst>
+            </p:cNvPr>
             <p:cNvSpPr txBox="1"/>
             <p:nvPr/>
           </p:nvSpPr>
           <p:spPr>
             <a:xfrm>
-              <a:off x="1271200" y="4797152"/>
-              <a:ext cx="1015021" cy="646331"/>
-            </a:xfrm>
-            <a:prstGeom prst="rect">
-              <a:avLst/>
-            </a:prstGeom>
-            <a:noFill/>
-          </p:spPr>
-          <p:txBody>
-            <a:bodyPr wrap="none" rtlCol="0">
-              <a:spAutoFit/>
-            </a:bodyPr>
-            <a:lstStyle/>
-            <a:p>
-              <a:pPr algn="ctr"/>
-              <a:r>
-                <a:rPr lang="en-ID" b="1" dirty="0">
-                  <a:solidFill>
-                    <a:srgbClr val="0000FF"/>
-                  </a:solidFill>
-                </a:rPr>
-                <a:t>Solenoid</a:t>
-              </a:r>
-            </a:p>
-            <a:p>
-              <a:pPr algn="ctr"/>
-              <a:r>
-                <a:rPr lang="en-ID" b="1" dirty="0">
-                  <a:solidFill>
-                    <a:srgbClr val="0000FF"/>
-                  </a:solidFill>
-                </a:rPr>
-                <a:t>Valve</a:t>
-              </a:r>
-              <a:endParaRPr lang="en-US" b="1" dirty="0">
-                <a:solidFill>
-                  <a:srgbClr val="0000FF"/>
-                </a:solidFill>
-              </a:endParaRPr>
-            </a:p>
-          </p:txBody>
-        </p:sp>
-        <p:sp>
-          <p:nvSpPr>
-            <p:cNvPr id="17" name="TextBox 16"/>
-            <p:cNvSpPr txBox="1"/>
-            <p:nvPr/>
-          </p:nvSpPr>
-          <p:spPr>
-            <a:xfrm>
-              <a:off x="2048288" y="5339558"/>
-              <a:ext cx="840166" cy="646331"/>
-            </a:xfrm>
-            <a:prstGeom prst="rect">
-              <a:avLst/>
-            </a:prstGeom>
-            <a:noFill/>
-          </p:spPr>
-          <p:txBody>
-            <a:bodyPr wrap="none" rtlCol="0">
-              <a:spAutoFit/>
-            </a:bodyPr>
-            <a:lstStyle/>
-            <a:p>
-              <a:pPr algn="ctr"/>
-              <a:r>
-                <a:rPr lang="en-ID" b="1" dirty="0">
-                  <a:solidFill>
-                    <a:srgbClr val="0000FF"/>
-                  </a:solidFill>
-                </a:rPr>
-                <a:t>Push</a:t>
-              </a:r>
-            </a:p>
-            <a:p>
-              <a:pPr algn="ctr"/>
-              <a:r>
-                <a:rPr lang="en-ID" b="1" dirty="0">
-                  <a:solidFill>
-                    <a:srgbClr val="0000FF"/>
-                  </a:solidFill>
-                </a:rPr>
-                <a:t>Button</a:t>
-              </a:r>
-              <a:endParaRPr lang="en-US" b="1" dirty="0">
-                <a:solidFill>
-                  <a:srgbClr val="0000FF"/>
-                </a:solidFill>
-              </a:endParaRPr>
-            </a:p>
-          </p:txBody>
-        </p:sp>
-        <p:sp>
-          <p:nvSpPr>
-            <p:cNvPr id="18" name="TextBox 17"/>
-            <p:cNvSpPr txBox="1"/>
-            <p:nvPr/>
-          </p:nvSpPr>
-          <p:spPr>
-            <a:xfrm>
-              <a:off x="2894755" y="5339558"/>
-              <a:ext cx="540533" cy="369332"/>
+              <a:off x="3573555" y="6245913"/>
+              <a:ext cx="1752339" cy="369332"/>
             </a:xfrm>
             <a:prstGeom prst="rect">
               <a:avLst/>
@@ -4911,45 +6063,42 @@
             <a:lstStyle/>
             <a:p>
               <a:r>
-                <a:rPr lang="en-ID" b="1" dirty="0">
+                <a:rPr lang="en-US" b="1" dirty="0">
                   <a:solidFill>
                     <a:srgbClr val="0000FF"/>
                   </a:solidFill>
                 </a:rPr>
-                <a:t>LED</a:t>
+                <a:t>Sensor/Actuator</a:t>
               </a:r>
-              <a:endParaRPr lang="en-US" b="1" dirty="0">
-                <a:solidFill>
-                  <a:srgbClr val="0000FF"/>
-                </a:solidFill>
-              </a:endParaRPr>
             </a:p>
           </p:txBody>
         </p:sp>
         <p:cxnSp>
           <p:nvCxnSpPr>
-            <p:cNvPr id="19" name="Elbow Connector 18"/>
+            <p:cNvPr id="130" name="Straight Connector 129">
+              <a:extLst>
+                <a:ext uri="{FF2B5EF4-FFF2-40B4-BE49-F238E27FC236}">
+                  <a16:creationId xmlns:a16="http://schemas.microsoft.com/office/drawing/2014/main" id="{9DF291A7-41F4-4DE6-AE15-E1C86F573651}"/>
+                </a:ext>
+              </a:extLst>
+            </p:cNvPr>
             <p:cNvCxnSpPr>
-              <a:stCxn id="6" idx="0"/>
-              <a:endCxn id="4" idx="2"/>
+              <a:cxnSpLocks/>
             </p:cNvCxnSpPr>
             <p:nvPr/>
           </p:nvCxnSpPr>
           <p:spPr>
-            <a:xfrm rot="5400000" flipH="1" flipV="1">
-              <a:off x="546949" y="3220374"/>
-              <a:ext cx="1140296" cy="861133"/>
+            <a:xfrm>
+              <a:off x="3454628" y="5303216"/>
+              <a:ext cx="2078178" cy="0"/>
             </a:xfrm>
-            <a:prstGeom prst="bentConnector3">
-              <a:avLst>
-                <a:gd name="adj1" fmla="val 71746"/>
-              </a:avLst>
+            <a:prstGeom prst="line">
+              <a:avLst/>
             </a:prstGeom>
-            <a:ln w="25400">
+            <a:ln w="22225">
               <a:solidFill>
                 <a:srgbClr val="0000FF"/>
               </a:solidFill>
-              <a:tailEnd type="arrow"/>
             </a:ln>
           </p:spPr>
           <p:style>
@@ -4969,25 +6118,31 @@
         </p:cxnSp>
         <p:cxnSp>
           <p:nvCxnSpPr>
-            <p:cNvPr id="21" name="Elbow Connector 20"/>
+            <p:cNvPr id="131" name="Straight Arrow Connector 130">
+              <a:extLst>
+                <a:ext uri="{FF2B5EF4-FFF2-40B4-BE49-F238E27FC236}">
+                  <a16:creationId xmlns:a16="http://schemas.microsoft.com/office/drawing/2014/main" id="{C1FCFB29-B377-49B7-AE4A-C6D22253A121}"/>
+                </a:ext>
+              </a:extLst>
+            </p:cNvPr>
             <p:cNvCxnSpPr>
-              <a:endCxn id="8" idx="0"/>
+              <a:cxnSpLocks/>
             </p:cNvCxnSpPr>
             <p:nvPr/>
           </p:nvCxnSpPr>
           <p:spPr>
-            <a:xfrm rot="16200000" flipH="1">
-              <a:off x="1237578" y="3739085"/>
-              <a:ext cx="754475" cy="134303"/>
+            <a:xfrm flipV="1">
+              <a:off x="5278266" y="5303216"/>
+              <a:ext cx="0" cy="432048"/>
             </a:xfrm>
-            <a:prstGeom prst="bentConnector3">
+            <a:prstGeom prst="straightConnector1">
               <a:avLst/>
             </a:prstGeom>
-            <a:ln w="25400">
+            <a:ln w="22225">
               <a:solidFill>
                 <a:srgbClr val="0000FF"/>
               </a:solidFill>
-              <a:tailEnd type="arrow"/>
+              <a:tailEnd type="triangle"/>
             </a:ln>
           </p:spPr>
           <p:style>
@@ -5007,25 +6162,31 @@
         </p:cxnSp>
         <p:cxnSp>
           <p:nvCxnSpPr>
-            <p:cNvPr id="24" name="Elbow Connector 23"/>
+            <p:cNvPr id="132" name="Straight Arrow Connector 131">
+              <a:extLst>
+                <a:ext uri="{FF2B5EF4-FFF2-40B4-BE49-F238E27FC236}">
+                  <a16:creationId xmlns:a16="http://schemas.microsoft.com/office/drawing/2014/main" id="{437E4990-C17A-4FBD-B288-E7FEE10A8B47}"/>
+                </a:ext>
+              </a:extLst>
+            </p:cNvPr>
             <p:cNvCxnSpPr>
-              <a:stCxn id="10" idx="0"/>
+              <a:cxnSpLocks/>
             </p:cNvCxnSpPr>
             <p:nvPr/>
           </p:nvCxnSpPr>
           <p:spPr>
-            <a:xfrm rot="16200000" flipV="1">
-              <a:off x="1884338" y="3092326"/>
-              <a:ext cx="288033" cy="961380"/>
+            <a:xfrm flipV="1">
+              <a:off x="5004048" y="5303216"/>
+              <a:ext cx="0" cy="303290"/>
             </a:xfrm>
-            <a:prstGeom prst="bentConnector2">
+            <a:prstGeom prst="straightConnector1">
               <a:avLst/>
             </a:prstGeom>
-            <a:ln w="25400">
+            <a:ln w="22225">
               <a:solidFill>
                 <a:srgbClr val="0000FF"/>
               </a:solidFill>
-              <a:tailEnd type="arrow"/>
+              <a:tailEnd type="triangle"/>
             </a:ln>
           </p:spPr>
           <p:style>
@@ -5045,25 +6206,75 @@
         </p:cxnSp>
         <p:cxnSp>
           <p:nvCxnSpPr>
-            <p:cNvPr id="29" name="Elbow Connector 28"/>
+            <p:cNvPr id="133" name="Straight Arrow Connector 132">
+              <a:extLst>
+                <a:ext uri="{FF2B5EF4-FFF2-40B4-BE49-F238E27FC236}">
+                  <a16:creationId xmlns:a16="http://schemas.microsoft.com/office/drawing/2014/main" id="{3C070CA1-7CB4-4E4C-8996-587C0DF6380E}"/>
+                </a:ext>
+              </a:extLst>
+            </p:cNvPr>
             <p:cNvCxnSpPr>
-              <a:endCxn id="1026" idx="1"/>
+              <a:cxnSpLocks/>
             </p:cNvCxnSpPr>
             <p:nvPr/>
           </p:nvCxnSpPr>
           <p:spPr>
-            <a:xfrm>
-              <a:off x="2514050" y="3428999"/>
-              <a:ext cx="725802" cy="324647"/>
+            <a:xfrm flipV="1">
+              <a:off x="4355975" y="5303216"/>
+              <a:ext cx="1" cy="303290"/>
             </a:xfrm>
-            <a:prstGeom prst="bentConnector2">
+            <a:prstGeom prst="straightConnector1">
               <a:avLst/>
             </a:prstGeom>
-            <a:ln w="25400">
+            <a:ln w="22225">
               <a:solidFill>
                 <a:srgbClr val="0000FF"/>
               </a:solidFill>
-              <a:tailEnd type="arrow"/>
+              <a:tailEnd type="triangle"/>
+            </a:ln>
+          </p:spPr>
+          <p:style>
+            <a:lnRef idx="1">
+              <a:schemeClr val="accent1"/>
+            </a:lnRef>
+            <a:fillRef idx="0">
+              <a:schemeClr val="accent1"/>
+            </a:fillRef>
+            <a:effectRef idx="0">
+              <a:schemeClr val="accent1"/>
+            </a:effectRef>
+            <a:fontRef idx="minor">
+              <a:schemeClr val="tx1"/>
+            </a:fontRef>
+          </p:style>
+        </p:cxnSp>
+        <p:cxnSp>
+          <p:nvCxnSpPr>
+            <p:cNvPr id="134" name="Straight Arrow Connector 133">
+              <a:extLst>
+                <a:ext uri="{FF2B5EF4-FFF2-40B4-BE49-F238E27FC236}">
+                  <a16:creationId xmlns:a16="http://schemas.microsoft.com/office/drawing/2014/main" id="{FC701DDD-2159-4659-A0CA-3419EE1C595C}"/>
+                </a:ext>
+              </a:extLst>
+            </p:cNvPr>
+            <p:cNvCxnSpPr>
+              <a:cxnSpLocks/>
+            </p:cNvCxnSpPr>
+            <p:nvPr/>
+          </p:nvCxnSpPr>
+          <p:spPr>
+            <a:xfrm flipV="1">
+              <a:off x="3703144" y="5301208"/>
+              <a:ext cx="0" cy="303290"/>
+            </a:xfrm>
+            <a:prstGeom prst="straightConnector1">
+              <a:avLst/>
+            </a:prstGeom>
+            <a:ln w="22225">
+              <a:solidFill>
+                <a:srgbClr val="0000FF"/>
+              </a:solidFill>
+              <a:tailEnd type="triangle"/>
             </a:ln>
           </p:spPr>
           <p:style>
@@ -5083,14 +6294,20 @@
         </p:cxnSp>
         <p:sp>
           <p:nvSpPr>
-            <p:cNvPr id="31" name="TextBox 30"/>
+            <p:cNvPr id="135" name="TextBox 134">
+              <a:extLst>
+                <a:ext uri="{FF2B5EF4-FFF2-40B4-BE49-F238E27FC236}">
+                  <a16:creationId xmlns:a16="http://schemas.microsoft.com/office/drawing/2014/main" id="{CCB08C6A-B88F-466B-9016-90EEB67A179B}"/>
+                </a:ext>
+              </a:extLst>
+            </p:cNvPr>
             <p:cNvSpPr txBox="1"/>
             <p:nvPr/>
           </p:nvSpPr>
           <p:spPr>
             <a:xfrm>
-              <a:off x="1547109" y="3102791"/>
-              <a:ext cx="1160318" cy="369332"/>
+              <a:off x="3556318" y="5087192"/>
+              <a:ext cx="820096" cy="276999"/>
             </a:xfrm>
             <a:prstGeom prst="rect">
               <a:avLst/>
@@ -5104,204 +6321,174 @@
             <a:lstStyle/>
             <a:p>
               <a:r>
-                <a:rPr lang="en-ID" b="1" dirty="0">
+                <a:rPr lang="en-US" sz="1200" dirty="0">
                   <a:solidFill>
                     <a:srgbClr val="0000FF"/>
                   </a:solidFill>
                 </a:rPr>
                 <a:t>Hard Wire</a:t>
               </a:r>
-              <a:endParaRPr lang="en-US" b="1" dirty="0">
-                <a:solidFill>
-                  <a:srgbClr val="0000FF"/>
-                </a:solidFill>
-              </a:endParaRPr>
             </a:p>
           </p:txBody>
         </p:sp>
-      </p:grpSp>
-      <p:grpSp>
-        <p:nvGrpSpPr>
-          <p:cNvPr id="33" name="Group 32"/>
-          <p:cNvGrpSpPr/>
-          <p:nvPr/>
-        </p:nvGrpSpPr>
-        <p:grpSpPr>
-          <a:xfrm>
-            <a:off x="3123907" y="2199840"/>
-            <a:ext cx="2715829" cy="4429097"/>
-            <a:chOff x="271994" y="1124744"/>
-            <a:chExt cx="3219886" cy="4861145"/>
-          </a:xfrm>
-        </p:grpSpPr>
-        <p:pic>
-          <p:nvPicPr>
-            <p:cNvPr id="34" name="Picture 33" descr="Free Icon | Wifi"/>
-            <p:cNvPicPr/>
-            <p:nvPr/>
-          </p:nvPicPr>
-          <p:blipFill>
-            <a:blip r:embed="rId4" cstate="email">
+        <p:sp>
+          <p:nvSpPr>
+            <p:cNvPr id="136" name="Arrow: Down 135">
               <a:extLst>
-                <a:ext uri="{28A0092B-C50C-407E-A947-70E740481C1C}">
-                  <a14:useLocalDpi xmlns:a14="http://schemas.microsoft.com/office/drawing/2010/main" val="0"/>
+                <a:ext uri="{FF2B5EF4-FFF2-40B4-BE49-F238E27FC236}">
+                  <a16:creationId xmlns:a16="http://schemas.microsoft.com/office/drawing/2014/main" id="{DFF46CD1-F7A1-44D1-A40D-EB507AC19AB7}"/>
                 </a:ext>
               </a:extLst>
-            </a:blip>
-            <a:srcRect/>
-            <a:stretch>
-              <a:fillRect/>
-            </a:stretch>
-          </p:blipFill>
-          <p:spPr bwMode="auto">
+            </p:cNvPr>
+            <p:cNvSpPr/>
+            <p:nvPr/>
+          </p:nvSpPr>
+          <p:spPr>
+            <a:xfrm rot="10800000">
+              <a:off x="4376411" y="4924679"/>
+              <a:ext cx="432391" cy="325021"/>
+            </a:xfrm>
+            <a:prstGeom prst="downArrow">
+              <a:avLst/>
+            </a:prstGeom>
+            <a:noFill/>
+            <a:ln w="19050">
+              <a:solidFill>
+                <a:srgbClr val="0000FF"/>
+              </a:solidFill>
+            </a:ln>
+          </p:spPr>
+          <p:style>
+            <a:lnRef idx="2">
+              <a:schemeClr val="accent1">
+                <a:shade val="50000"/>
+              </a:schemeClr>
+            </a:lnRef>
+            <a:fillRef idx="1">
+              <a:schemeClr val="accent1"/>
+            </a:fillRef>
+            <a:effectRef idx="0">
+              <a:schemeClr val="accent1"/>
+            </a:effectRef>
+            <a:fontRef idx="minor">
+              <a:schemeClr val="lt1"/>
+            </a:fontRef>
+          </p:style>
+          <p:txBody>
+            <a:bodyPr rtlCol="0" anchor="ctr"/>
+            <a:lstStyle/>
+            <a:p>
+              <a:pPr algn="ctr"/>
+              <a:endParaRPr lang="en-ID"/>
+            </a:p>
+          </p:txBody>
+        </p:sp>
+        <p:cxnSp>
+          <p:nvCxnSpPr>
+            <p:cNvPr id="137" name="Straight Arrow Connector 136">
+              <a:extLst>
+                <a:ext uri="{FF2B5EF4-FFF2-40B4-BE49-F238E27FC236}">
+                  <a16:creationId xmlns:a16="http://schemas.microsoft.com/office/drawing/2014/main" id="{8F992FA7-D08C-438C-A43F-47DBDCC12409}"/>
+                </a:ext>
+              </a:extLst>
+            </p:cNvPr>
+            <p:cNvCxnSpPr>
+              <a:cxnSpLocks/>
+              <a:stCxn id="128" idx="0"/>
+              <a:endCxn id="125" idx="2"/>
+            </p:cNvCxnSpPr>
+            <p:nvPr/>
+          </p:nvCxnSpPr>
+          <p:spPr>
+            <a:xfrm flipH="1" flipV="1">
+              <a:off x="4001006" y="3560468"/>
+              <a:ext cx="448719" cy="598317"/>
+            </a:xfrm>
+            <a:prstGeom prst="straightConnector1">
+              <a:avLst/>
+            </a:prstGeom>
+            <a:ln w="22225">
+              <a:solidFill>
+                <a:srgbClr val="008000"/>
+              </a:solidFill>
+              <a:headEnd type="stealth"/>
+              <a:tailEnd type="stealth"/>
+            </a:ln>
+          </p:spPr>
+          <p:style>
+            <a:lnRef idx="1">
+              <a:schemeClr val="accent1"/>
+            </a:lnRef>
+            <a:fillRef idx="0">
+              <a:schemeClr val="accent1"/>
+            </a:fillRef>
+            <a:effectRef idx="0">
+              <a:schemeClr val="accent1"/>
+            </a:effectRef>
+            <a:fontRef idx="minor">
+              <a:schemeClr val="tx1"/>
+            </a:fontRef>
+          </p:style>
+        </p:cxnSp>
+        <p:sp>
+          <p:nvSpPr>
+            <p:cNvPr id="138" name="TextBox 137">
+              <a:extLst>
+                <a:ext uri="{FF2B5EF4-FFF2-40B4-BE49-F238E27FC236}">
+                  <a16:creationId xmlns:a16="http://schemas.microsoft.com/office/drawing/2014/main" id="{759D9C9A-697F-41AF-B4E7-ED889C2499F2}"/>
+                </a:ext>
+              </a:extLst>
+            </p:cNvPr>
+            <p:cNvSpPr txBox="1"/>
+            <p:nvPr/>
+          </p:nvSpPr>
+          <p:spPr>
             <a:xfrm>
-              <a:off x="1300175" y="1124744"/>
-              <a:ext cx="494978" cy="483145"/>
+              <a:off x="4132382" y="3596451"/>
+              <a:ext cx="820096" cy="461665"/>
             </a:xfrm>
             <a:prstGeom prst="rect">
               <a:avLst/>
             </a:prstGeom>
             <a:noFill/>
-            <a:ln>
-              <a:noFill/>
-            </a:ln>
           </p:spPr>
-        </p:pic>
+          <p:txBody>
+            <a:bodyPr wrap="none" rtlCol="0">
+              <a:spAutoFit/>
+            </a:bodyPr>
+            <a:lstStyle/>
+            <a:p>
+              <a:r>
+                <a:rPr lang="en-US" sz="1200" dirty="0">
+                  <a:solidFill>
+                    <a:srgbClr val="008000"/>
+                  </a:solidFill>
+                </a:rPr>
+                <a:t>Hard Wire</a:t>
+              </a:r>
+            </a:p>
+            <a:p>
+              <a:pPr algn="ctr"/>
+              <a:r>
+                <a:rPr lang="en-US" sz="1200" dirty="0">
+                  <a:solidFill>
+                    <a:srgbClr val="008000"/>
+                  </a:solidFill>
+                </a:rPr>
+                <a:t>Serial</a:t>
+              </a:r>
+            </a:p>
+          </p:txBody>
+        </p:sp>
         <p:pic>
           <p:nvPicPr>
-            <p:cNvPr id="35" name="Picture 34"/>
-            <p:cNvPicPr/>
-            <p:nvPr/>
-          </p:nvPicPr>
-          <p:blipFill>
-            <a:blip r:embed="rId5"/>
-            <a:stretch>
-              <a:fillRect/>
-            </a:stretch>
-          </p:blipFill>
-          <p:spPr>
-            <a:xfrm>
-              <a:off x="976164" y="1556792"/>
-              <a:ext cx="1143000" cy="1524000"/>
-            </a:xfrm>
-            <a:prstGeom prst="rect">
-              <a:avLst/>
-            </a:prstGeom>
-          </p:spPr>
-        </p:pic>
-        <p:pic>
-          <p:nvPicPr>
-            <p:cNvPr id="36" name="Picture 35"/>
-            <p:cNvPicPr/>
-            <p:nvPr/>
-          </p:nvPicPr>
-          <p:blipFill>
-            <a:blip r:embed="rId6"/>
-            <a:stretch>
-              <a:fillRect/>
-            </a:stretch>
-          </p:blipFill>
-          <p:spPr>
-            <a:xfrm>
-              <a:off x="391891" y="4221088"/>
-              <a:ext cx="589280" cy="548640"/>
-            </a:xfrm>
-            <a:prstGeom prst="rect">
-              <a:avLst/>
-            </a:prstGeom>
-          </p:spPr>
-        </p:pic>
-        <p:pic>
-          <p:nvPicPr>
-            <p:cNvPr id="37" name="Picture 36"/>
-            <p:cNvPicPr/>
-            <p:nvPr/>
-          </p:nvPicPr>
-          <p:blipFill>
-            <a:blip r:embed="rId7"/>
-            <a:stretch>
-              <a:fillRect/>
-            </a:stretch>
-          </p:blipFill>
-          <p:spPr>
-            <a:xfrm>
-              <a:off x="1244769" y="4183475"/>
-              <a:ext cx="874395" cy="629920"/>
-            </a:xfrm>
-            <a:prstGeom prst="rect">
-              <a:avLst/>
-            </a:prstGeom>
-          </p:spPr>
-        </p:pic>
-        <p:pic>
-          <p:nvPicPr>
-            <p:cNvPr id="38" name="Picture 37"/>
-            <p:cNvPicPr/>
-            <p:nvPr/>
-          </p:nvPicPr>
-          <p:blipFill>
-            <a:blip r:embed="rId8"/>
-            <a:stretch>
-              <a:fillRect/>
-            </a:stretch>
-          </p:blipFill>
-          <p:spPr>
-            <a:xfrm>
-              <a:off x="2267744" y="4261093"/>
-              <a:ext cx="476885" cy="508635"/>
-            </a:xfrm>
-            <a:prstGeom prst="rect">
-              <a:avLst/>
-            </a:prstGeom>
-          </p:spPr>
-        </p:pic>
-        <p:pic>
-          <p:nvPicPr>
-            <p:cNvPr id="39" name="Picture 38"/>
-            <p:cNvPicPr/>
-            <p:nvPr/>
-          </p:nvPicPr>
-          <p:blipFill>
-            <a:blip r:embed="rId8"/>
-            <a:stretch>
-              <a:fillRect/>
-            </a:stretch>
-          </p:blipFill>
-          <p:spPr>
-            <a:xfrm>
-              <a:off x="2270601" y="3717032"/>
-              <a:ext cx="476885" cy="508635"/>
-            </a:xfrm>
-            <a:prstGeom prst="rect">
-              <a:avLst/>
-            </a:prstGeom>
-          </p:spPr>
-        </p:pic>
-        <p:pic>
-          <p:nvPicPr>
-            <p:cNvPr id="40" name="Picture 39"/>
-            <p:cNvPicPr/>
-            <p:nvPr/>
-          </p:nvPicPr>
-          <p:blipFill>
-            <a:blip r:embed="rId8"/>
-            <a:stretch>
-              <a:fillRect/>
-            </a:stretch>
-          </p:blipFill>
-          <p:spPr>
-            <a:xfrm>
-              <a:off x="2275608" y="4813395"/>
-              <a:ext cx="476885" cy="508635"/>
-            </a:xfrm>
-            <a:prstGeom prst="rect">
-              <a:avLst/>
-            </a:prstGeom>
-          </p:spPr>
-        </p:pic>
-        <p:pic>
-          <p:nvPicPr>
-            <p:cNvPr id="41" name="Picture 2"/>
+            <p:cNvPr id="139" name="Picture 2">
+              <a:extLst>
+                <a:ext uri="{FF2B5EF4-FFF2-40B4-BE49-F238E27FC236}">
+                  <a16:creationId xmlns:a16="http://schemas.microsoft.com/office/drawing/2014/main" id="{44B1DE2B-5459-4559-8528-F531AB2F47CC}"/>
+                </a:ext>
+              </a:extLst>
+            </p:cNvPr>
             <p:cNvPicPr>
               <a:picLocks noChangeAspect="1" noChangeArrowheads="1"/>
             </p:cNvPicPr>
@@ -5322,8 +6509,8 @@
           </p:blipFill>
           <p:spPr bwMode="auto">
             <a:xfrm rot="5400000">
-              <a:off x="2446895" y="4294574"/>
-              <a:ext cx="1585913" cy="504056"/>
+              <a:off x="4712981" y="5821246"/>
+              <a:ext cx="620765" cy="182647"/>
             </a:xfrm>
             <a:prstGeom prst="rect">
               <a:avLst/>
@@ -5363,16 +6550,271 @@
             </a:extLst>
           </p:spPr>
         </p:pic>
+        <p:grpSp>
+          <p:nvGrpSpPr>
+            <p:cNvPr id="140" name="Group 139">
+              <a:extLst>
+                <a:ext uri="{FF2B5EF4-FFF2-40B4-BE49-F238E27FC236}">
+                  <a16:creationId xmlns:a16="http://schemas.microsoft.com/office/drawing/2014/main" id="{4AC26AC4-8582-4AF1-9662-4C653C054F44}"/>
+                </a:ext>
+              </a:extLst>
+            </p:cNvPr>
+            <p:cNvGrpSpPr/>
+            <p:nvPr/>
+          </p:nvGrpSpPr>
+          <p:grpSpPr>
+            <a:xfrm>
+              <a:off x="5145033" y="5544651"/>
+              <a:ext cx="435079" cy="735835"/>
+              <a:chOff x="2159253" y="548680"/>
+              <a:chExt cx="408864" cy="1462350"/>
+            </a:xfrm>
+          </p:grpSpPr>
+          <p:pic>
+            <p:nvPicPr>
+              <p:cNvPr id="142" name="Picture 141">
+                <a:extLst>
+                  <a:ext uri="{FF2B5EF4-FFF2-40B4-BE49-F238E27FC236}">
+                    <a16:creationId xmlns:a16="http://schemas.microsoft.com/office/drawing/2014/main" id="{F766DA8B-BC49-49A9-BF21-6C3D92420AE5}"/>
+                  </a:ext>
+                </a:extLst>
+              </p:cNvPr>
+              <p:cNvPicPr/>
+              <p:nvPr/>
+            </p:nvPicPr>
+            <p:blipFill>
+              <a:blip r:embed="rId10"/>
+              <a:stretch>
+                <a:fillRect/>
+              </a:stretch>
+            </p:blipFill>
+            <p:spPr>
+              <a:xfrm>
+                <a:off x="2159253" y="1044386"/>
+                <a:ext cx="402231" cy="463429"/>
+              </a:xfrm>
+              <a:prstGeom prst="rect">
+                <a:avLst/>
+              </a:prstGeom>
+            </p:spPr>
+          </p:pic>
+          <p:pic>
+            <p:nvPicPr>
+              <p:cNvPr id="143" name="Picture 142">
+                <a:extLst>
+                  <a:ext uri="{FF2B5EF4-FFF2-40B4-BE49-F238E27FC236}">
+                    <a16:creationId xmlns:a16="http://schemas.microsoft.com/office/drawing/2014/main" id="{60A87426-69E1-4E00-A79F-BE673237C80D}"/>
+                  </a:ext>
+                </a:extLst>
+              </p:cNvPr>
+              <p:cNvPicPr/>
+              <p:nvPr/>
+            </p:nvPicPr>
+            <p:blipFill>
+              <a:blip r:embed="rId10"/>
+              <a:stretch>
+                <a:fillRect/>
+              </a:stretch>
+            </p:blipFill>
+            <p:spPr>
+              <a:xfrm>
+                <a:off x="2161663" y="548680"/>
+                <a:ext cx="402231" cy="463429"/>
+              </a:xfrm>
+              <a:prstGeom prst="rect">
+                <a:avLst/>
+              </a:prstGeom>
+            </p:spPr>
+          </p:pic>
+          <p:pic>
+            <p:nvPicPr>
+              <p:cNvPr id="144" name="Picture 143">
+                <a:extLst>
+                  <a:ext uri="{FF2B5EF4-FFF2-40B4-BE49-F238E27FC236}">
+                    <a16:creationId xmlns:a16="http://schemas.microsoft.com/office/drawing/2014/main" id="{BA800670-4E89-4822-9FE3-B81C5A84579E}"/>
+                  </a:ext>
+                </a:extLst>
+              </p:cNvPr>
+              <p:cNvPicPr/>
+              <p:nvPr/>
+            </p:nvPicPr>
+            <p:blipFill>
+              <a:blip r:embed="rId10"/>
+              <a:stretch>
+                <a:fillRect/>
+              </a:stretch>
+            </p:blipFill>
+            <p:spPr>
+              <a:xfrm>
+                <a:off x="2165886" y="1547601"/>
+                <a:ext cx="402231" cy="463429"/>
+              </a:xfrm>
+              <a:prstGeom prst="rect">
+                <a:avLst/>
+              </a:prstGeom>
+            </p:spPr>
+          </p:pic>
+        </p:grpSp>
+        <p:pic>
+          <p:nvPicPr>
+            <p:cNvPr id="141" name="Picture 140">
+              <a:extLst>
+                <a:ext uri="{FF2B5EF4-FFF2-40B4-BE49-F238E27FC236}">
+                  <a16:creationId xmlns:a16="http://schemas.microsoft.com/office/drawing/2014/main" id="{E8497B39-C585-4FA1-A77E-6295925A3A10}"/>
+                </a:ext>
+              </a:extLst>
+            </p:cNvPr>
+            <p:cNvPicPr/>
+            <p:nvPr/>
+          </p:nvPicPr>
+          <p:blipFill>
+            <a:blip r:embed="rId11"/>
+            <a:stretch>
+              <a:fillRect/>
+            </a:stretch>
+          </p:blipFill>
+          <p:spPr>
+            <a:xfrm>
+              <a:off x="4011075" y="5634369"/>
+              <a:ext cx="737513" cy="573934"/>
+            </a:xfrm>
+            <a:prstGeom prst="rect">
+              <a:avLst/>
+            </a:prstGeom>
+          </p:spPr>
+        </p:pic>
+      </p:grpSp>
+      <p:grpSp>
+        <p:nvGrpSpPr>
+          <p:cNvPr id="145" name="Group 144">
+            <a:extLst>
+              <a:ext uri="{FF2B5EF4-FFF2-40B4-BE49-F238E27FC236}">
+                <a16:creationId xmlns:a16="http://schemas.microsoft.com/office/drawing/2014/main" id="{35846D97-6FA0-48E6-A1D3-3332DA42C35A}"/>
+              </a:ext>
+            </a:extLst>
+          </p:cNvPr>
+          <p:cNvGrpSpPr/>
+          <p:nvPr/>
+        </p:nvGrpSpPr>
+        <p:grpSpPr>
+          <a:xfrm>
+            <a:off x="6300192" y="2515049"/>
+            <a:ext cx="2125484" cy="4082303"/>
+            <a:chOff x="3454628" y="2532942"/>
+            <a:chExt cx="2125484" cy="4082303"/>
+          </a:xfrm>
+        </p:grpSpPr>
+        <p:pic>
+          <p:nvPicPr>
+            <p:cNvPr id="146" name="Picture 145" descr="Free Icon | Wifi">
+              <a:extLst>
+                <a:ext uri="{FF2B5EF4-FFF2-40B4-BE49-F238E27FC236}">
+                  <a16:creationId xmlns:a16="http://schemas.microsoft.com/office/drawing/2014/main" id="{400471C8-AF8F-4F03-9F7F-E4AF9D009651}"/>
+                </a:ext>
+              </a:extLst>
+            </p:cNvPr>
+            <p:cNvPicPr/>
+            <p:nvPr/>
+          </p:nvPicPr>
+          <p:blipFill>
+            <a:blip r:embed="rId6" cstate="email">
+              <a:extLst>
+                <a:ext uri="{28A0092B-C50C-407E-A947-70E740481C1C}">
+                  <a14:useLocalDpi xmlns:a14="http://schemas.microsoft.com/office/drawing/2010/main" val="0"/>
+                </a:ext>
+              </a:extLst>
+            </a:blip>
+            <a:srcRect/>
+            <a:stretch>
+              <a:fillRect/>
+            </a:stretch>
+          </p:blipFill>
+          <p:spPr bwMode="auto">
+            <a:xfrm>
+              <a:off x="3781892" y="2532942"/>
+              <a:ext cx="380680" cy="412324"/>
+            </a:xfrm>
+            <a:prstGeom prst="rect">
+              <a:avLst/>
+            </a:prstGeom>
+            <a:noFill/>
+            <a:ln>
+              <a:noFill/>
+            </a:ln>
+          </p:spPr>
+        </p:pic>
+        <p:pic>
+          <p:nvPicPr>
+            <p:cNvPr id="147" name="Picture 146">
+              <a:extLst>
+                <a:ext uri="{FF2B5EF4-FFF2-40B4-BE49-F238E27FC236}">
+                  <a16:creationId xmlns:a16="http://schemas.microsoft.com/office/drawing/2014/main" id="{A87A795B-6EF4-4302-BE56-81D3EB784528}"/>
+                </a:ext>
+              </a:extLst>
+            </p:cNvPr>
+            <p:cNvPicPr/>
+            <p:nvPr/>
+          </p:nvPicPr>
+          <p:blipFill>
+            <a:blip r:embed="rId5"/>
+            <a:stretch>
+              <a:fillRect/>
+            </a:stretch>
+          </p:blipFill>
+          <p:spPr>
+            <a:xfrm>
+              <a:off x="3716633" y="2823687"/>
+              <a:ext cx="568745" cy="736781"/>
+            </a:xfrm>
+            <a:prstGeom prst="rect">
+              <a:avLst/>
+            </a:prstGeom>
+          </p:spPr>
+        </p:pic>
+        <p:pic>
+          <p:nvPicPr>
+            <p:cNvPr id="148" name="Picture 147">
+              <a:extLst>
+                <a:ext uri="{FF2B5EF4-FFF2-40B4-BE49-F238E27FC236}">
+                  <a16:creationId xmlns:a16="http://schemas.microsoft.com/office/drawing/2014/main" id="{B9BA4EBB-7917-478F-9609-5EB5FFA55FC3}"/>
+                </a:ext>
+              </a:extLst>
+            </p:cNvPr>
+            <p:cNvPicPr/>
+            <p:nvPr/>
+          </p:nvPicPr>
+          <p:blipFill>
+            <a:blip r:embed="rId7"/>
+            <a:stretch>
+              <a:fillRect/>
+            </a:stretch>
+          </p:blipFill>
+          <p:spPr>
+            <a:xfrm>
+              <a:off x="3454628" y="5661248"/>
+              <a:ext cx="497031" cy="499878"/>
+            </a:xfrm>
+            <a:prstGeom prst="rect">
+              <a:avLst/>
+            </a:prstGeom>
+          </p:spPr>
+        </p:pic>
         <p:sp>
           <p:nvSpPr>
-            <p:cNvPr id="42" name="TextBox 41"/>
+            <p:cNvPr id="149" name="TextBox 148">
+              <a:extLst>
+                <a:ext uri="{FF2B5EF4-FFF2-40B4-BE49-F238E27FC236}">
+                  <a16:creationId xmlns:a16="http://schemas.microsoft.com/office/drawing/2014/main" id="{F30C4C3C-680C-41D5-9C69-0BE265B22526}"/>
+                </a:ext>
+              </a:extLst>
+            </p:cNvPr>
             <p:cNvSpPr txBox="1"/>
             <p:nvPr/>
           </p:nvSpPr>
           <p:spPr>
             <a:xfrm>
-              <a:off x="271994" y="4769728"/>
-              <a:ext cx="829073" cy="369332"/>
+              <a:off x="4184112" y="2948568"/>
+              <a:ext cx="568745" cy="369332"/>
             </a:xfrm>
             <a:prstGeom prst="rect">
               <a:avLst/>
@@ -5386,12 +6828,20 @@
             <a:lstStyle/>
             <a:p>
               <a:r>
-                <a:rPr lang="en-ID" b="1" dirty="0">
+                <a:rPr lang="en-US" b="1" dirty="0">
                   <a:solidFill>
                     <a:srgbClr val="0000FF"/>
                   </a:solidFill>
                 </a:rPr>
-                <a:t>Sensor</a:t>
+                <a:t>E</a:t>
+              </a:r>
+              <a:r>
+                <a:rPr lang="en-ID" b="1" dirty="0" err="1">
+                  <a:solidFill>
+                    <a:srgbClr val="0000FF"/>
+                  </a:solidFill>
+                </a:rPr>
+                <a:t>oN</a:t>
               </a:r>
               <a:endParaRPr lang="en-US" b="1" dirty="0">
                 <a:solidFill>
@@ -5401,116 +6851,52 @@
             </a:p>
           </p:txBody>
         </p:sp>
+        <p:pic>
+          <p:nvPicPr>
+            <p:cNvPr id="150" name="Picture 149">
+              <a:extLst>
+                <a:ext uri="{FF2B5EF4-FFF2-40B4-BE49-F238E27FC236}">
+                  <a16:creationId xmlns:a16="http://schemas.microsoft.com/office/drawing/2014/main" id="{F2125C1F-11AA-4874-B889-9A279E9B38EB}"/>
+                </a:ext>
+              </a:extLst>
+            </p:cNvPr>
+            <p:cNvPicPr>
+              <a:picLocks noChangeAspect="1"/>
+            </p:cNvPicPr>
+            <p:nvPr/>
+          </p:nvPicPr>
+          <p:blipFill>
+            <a:blip r:embed="rId8"/>
+            <a:stretch>
+              <a:fillRect/>
+            </a:stretch>
+          </p:blipFill>
+          <p:spPr>
+            <a:xfrm>
+              <a:off x="3484310" y="4158785"/>
+              <a:ext cx="1930830" cy="765896"/>
+            </a:xfrm>
+            <a:prstGeom prst="rect">
+              <a:avLst/>
+            </a:prstGeom>
+          </p:spPr>
+        </p:pic>
         <p:sp>
           <p:nvSpPr>
-            <p:cNvPr id="43" name="TextBox 42"/>
+            <p:cNvPr id="151" name="TextBox 150">
+              <a:extLst>
+                <a:ext uri="{FF2B5EF4-FFF2-40B4-BE49-F238E27FC236}">
+                  <a16:creationId xmlns:a16="http://schemas.microsoft.com/office/drawing/2014/main" id="{59608F00-0360-4995-AE2C-04C7DA329F16}"/>
+                </a:ext>
+              </a:extLst>
+            </p:cNvPr>
             <p:cNvSpPr txBox="1"/>
             <p:nvPr/>
           </p:nvSpPr>
           <p:spPr>
             <a:xfrm>
-              <a:off x="1271200" y="4797152"/>
-              <a:ext cx="1015021" cy="646331"/>
-            </a:xfrm>
-            <a:prstGeom prst="rect">
-              <a:avLst/>
-            </a:prstGeom>
-            <a:noFill/>
-          </p:spPr>
-          <p:txBody>
-            <a:bodyPr wrap="none" rtlCol="0">
-              <a:spAutoFit/>
-            </a:bodyPr>
-            <a:lstStyle/>
-            <a:p>
-              <a:pPr algn="ctr"/>
-              <a:r>
-                <a:rPr lang="en-ID" b="1" dirty="0">
-                  <a:solidFill>
-                    <a:srgbClr val="0000FF"/>
-                  </a:solidFill>
-                </a:rPr>
-                <a:t>Solenoid</a:t>
-              </a:r>
-            </a:p>
-            <a:p>
-              <a:pPr algn="ctr"/>
-              <a:r>
-                <a:rPr lang="en-ID" b="1" dirty="0">
-                  <a:solidFill>
-                    <a:srgbClr val="0000FF"/>
-                  </a:solidFill>
-                </a:rPr>
-                <a:t>Valve</a:t>
-              </a:r>
-              <a:endParaRPr lang="en-US" b="1" dirty="0">
-                <a:solidFill>
-                  <a:srgbClr val="0000FF"/>
-                </a:solidFill>
-              </a:endParaRPr>
-            </a:p>
-          </p:txBody>
-        </p:sp>
-        <p:sp>
-          <p:nvSpPr>
-            <p:cNvPr id="44" name="TextBox 43"/>
-            <p:cNvSpPr txBox="1"/>
-            <p:nvPr/>
-          </p:nvSpPr>
-          <p:spPr>
-            <a:xfrm>
-              <a:off x="2048288" y="5339558"/>
-              <a:ext cx="840166" cy="646331"/>
-            </a:xfrm>
-            <a:prstGeom prst="rect">
-              <a:avLst/>
-            </a:prstGeom>
-            <a:noFill/>
-          </p:spPr>
-          <p:txBody>
-            <a:bodyPr wrap="none" rtlCol="0">
-              <a:spAutoFit/>
-            </a:bodyPr>
-            <a:lstStyle/>
-            <a:p>
-              <a:pPr algn="ctr"/>
-              <a:r>
-                <a:rPr lang="en-ID" b="1" dirty="0">
-                  <a:solidFill>
-                    <a:srgbClr val="0000FF"/>
-                  </a:solidFill>
-                </a:rPr>
-                <a:t>Push</a:t>
-              </a:r>
-            </a:p>
-            <a:p>
-              <a:pPr algn="ctr"/>
-              <a:r>
-                <a:rPr lang="en-ID" b="1" dirty="0">
-                  <a:solidFill>
-                    <a:srgbClr val="0000FF"/>
-                  </a:solidFill>
-                </a:rPr>
-                <a:t>Button</a:t>
-              </a:r>
-              <a:endParaRPr lang="en-US" b="1" dirty="0">
-                <a:solidFill>
-                  <a:srgbClr val="0000FF"/>
-                </a:solidFill>
-              </a:endParaRPr>
-            </a:p>
-          </p:txBody>
-        </p:sp>
-        <p:sp>
-          <p:nvSpPr>
-            <p:cNvPr id="45" name="TextBox 44"/>
-            <p:cNvSpPr txBox="1"/>
-            <p:nvPr/>
-          </p:nvSpPr>
-          <p:spPr>
-            <a:xfrm>
-              <a:off x="2894755" y="5339558"/>
-              <a:ext cx="540533" cy="369332"/>
+              <a:off x="3573555" y="6245913"/>
+              <a:ext cx="1752339" cy="369332"/>
             </a:xfrm>
             <a:prstGeom prst="rect">
               <a:avLst/>
@@ -5524,45 +6910,42 @@
             <a:lstStyle/>
             <a:p>
               <a:r>
-                <a:rPr lang="en-ID" b="1" dirty="0">
+                <a:rPr lang="en-US" b="1" dirty="0">
                   <a:solidFill>
                     <a:srgbClr val="0000FF"/>
                   </a:solidFill>
                 </a:rPr>
-                <a:t>LED</a:t>
+                <a:t>Sensor/Actuator</a:t>
               </a:r>
-              <a:endParaRPr lang="en-US" b="1" dirty="0">
-                <a:solidFill>
-                  <a:srgbClr val="0000FF"/>
-                </a:solidFill>
-              </a:endParaRPr>
             </a:p>
           </p:txBody>
         </p:sp>
         <p:cxnSp>
           <p:nvCxnSpPr>
-            <p:cNvPr id="46" name="Elbow Connector 45"/>
+            <p:cNvPr id="152" name="Straight Connector 151">
+              <a:extLst>
+                <a:ext uri="{FF2B5EF4-FFF2-40B4-BE49-F238E27FC236}">
+                  <a16:creationId xmlns:a16="http://schemas.microsoft.com/office/drawing/2014/main" id="{A1D3B135-9E1F-4715-BBDB-B743EB32E933}"/>
+                </a:ext>
+              </a:extLst>
+            </p:cNvPr>
             <p:cNvCxnSpPr>
-              <a:stCxn id="36" idx="0"/>
-              <a:endCxn id="35" idx="2"/>
+              <a:cxnSpLocks/>
             </p:cNvCxnSpPr>
             <p:nvPr/>
           </p:nvCxnSpPr>
           <p:spPr>
-            <a:xfrm rot="5400000" flipH="1" flipV="1">
-              <a:off x="546949" y="3220374"/>
-              <a:ext cx="1140296" cy="861133"/>
+            <a:xfrm>
+              <a:off x="3454628" y="5303216"/>
+              <a:ext cx="2078178" cy="0"/>
             </a:xfrm>
-            <a:prstGeom prst="bentConnector3">
-              <a:avLst>
-                <a:gd name="adj1" fmla="val 71746"/>
-              </a:avLst>
+            <a:prstGeom prst="line">
+              <a:avLst/>
             </a:prstGeom>
-            <a:ln w="25400">
+            <a:ln w="22225">
               <a:solidFill>
                 <a:srgbClr val="0000FF"/>
               </a:solidFill>
-              <a:tailEnd type="arrow"/>
             </a:ln>
           </p:spPr>
           <p:style>
@@ -5582,25 +6965,31 @@
         </p:cxnSp>
         <p:cxnSp>
           <p:nvCxnSpPr>
-            <p:cNvPr id="47" name="Elbow Connector 46"/>
+            <p:cNvPr id="153" name="Straight Arrow Connector 152">
+              <a:extLst>
+                <a:ext uri="{FF2B5EF4-FFF2-40B4-BE49-F238E27FC236}">
+                  <a16:creationId xmlns:a16="http://schemas.microsoft.com/office/drawing/2014/main" id="{D1770F5E-EA21-4850-8494-C4C2D80A1B20}"/>
+                </a:ext>
+              </a:extLst>
+            </p:cNvPr>
             <p:cNvCxnSpPr>
-              <a:endCxn id="37" idx="0"/>
+              <a:cxnSpLocks/>
             </p:cNvCxnSpPr>
             <p:nvPr/>
           </p:nvCxnSpPr>
           <p:spPr>
-            <a:xfrm rot="16200000" flipH="1">
-              <a:off x="1237578" y="3739085"/>
-              <a:ext cx="754475" cy="134303"/>
+            <a:xfrm flipV="1">
+              <a:off x="5278266" y="5303216"/>
+              <a:ext cx="0" cy="432048"/>
             </a:xfrm>
-            <a:prstGeom prst="bentConnector3">
+            <a:prstGeom prst="straightConnector1">
               <a:avLst/>
             </a:prstGeom>
-            <a:ln w="25400">
+            <a:ln w="22225">
               <a:solidFill>
                 <a:srgbClr val="0000FF"/>
               </a:solidFill>
-              <a:tailEnd type="arrow"/>
+              <a:tailEnd type="triangle"/>
             </a:ln>
           </p:spPr>
           <p:style>
@@ -5620,25 +7009,31 @@
         </p:cxnSp>
         <p:cxnSp>
           <p:nvCxnSpPr>
-            <p:cNvPr id="48" name="Elbow Connector 47"/>
+            <p:cNvPr id="154" name="Straight Arrow Connector 153">
+              <a:extLst>
+                <a:ext uri="{FF2B5EF4-FFF2-40B4-BE49-F238E27FC236}">
+                  <a16:creationId xmlns:a16="http://schemas.microsoft.com/office/drawing/2014/main" id="{C8E3FE0E-5E92-477B-BACE-E898B0C12B07}"/>
+                </a:ext>
+              </a:extLst>
+            </p:cNvPr>
             <p:cNvCxnSpPr>
-              <a:stCxn id="39" idx="0"/>
+              <a:cxnSpLocks/>
             </p:cNvCxnSpPr>
             <p:nvPr/>
           </p:nvCxnSpPr>
           <p:spPr>
-            <a:xfrm rot="16200000" flipV="1">
-              <a:off x="1884338" y="3092326"/>
-              <a:ext cx="288033" cy="961380"/>
+            <a:xfrm flipV="1">
+              <a:off x="5004048" y="5303216"/>
+              <a:ext cx="0" cy="303290"/>
             </a:xfrm>
-            <a:prstGeom prst="bentConnector2">
+            <a:prstGeom prst="straightConnector1">
               <a:avLst/>
             </a:prstGeom>
-            <a:ln w="25400">
+            <a:ln w="22225">
               <a:solidFill>
                 <a:srgbClr val="0000FF"/>
               </a:solidFill>
-              <a:tailEnd type="arrow"/>
+              <a:tailEnd type="triangle"/>
             </a:ln>
           </p:spPr>
           <p:style>
@@ -5658,25 +7053,75 @@
         </p:cxnSp>
         <p:cxnSp>
           <p:nvCxnSpPr>
-            <p:cNvPr id="49" name="Elbow Connector 48"/>
+            <p:cNvPr id="155" name="Straight Arrow Connector 154">
+              <a:extLst>
+                <a:ext uri="{FF2B5EF4-FFF2-40B4-BE49-F238E27FC236}">
+                  <a16:creationId xmlns:a16="http://schemas.microsoft.com/office/drawing/2014/main" id="{DBF37D8A-2F61-4869-A6C6-524233FA9B12}"/>
+                </a:ext>
+              </a:extLst>
+            </p:cNvPr>
             <p:cNvCxnSpPr>
-              <a:endCxn id="41" idx="1"/>
+              <a:cxnSpLocks/>
             </p:cNvCxnSpPr>
             <p:nvPr/>
           </p:nvCxnSpPr>
           <p:spPr>
-            <a:xfrm>
-              <a:off x="2514050" y="3428999"/>
-              <a:ext cx="725802" cy="324647"/>
+            <a:xfrm flipV="1">
+              <a:off x="4355975" y="5303216"/>
+              <a:ext cx="1" cy="303290"/>
             </a:xfrm>
-            <a:prstGeom prst="bentConnector2">
+            <a:prstGeom prst="straightConnector1">
               <a:avLst/>
             </a:prstGeom>
-            <a:ln w="25400">
+            <a:ln w="22225">
               <a:solidFill>
                 <a:srgbClr val="0000FF"/>
               </a:solidFill>
-              <a:tailEnd type="arrow"/>
+              <a:tailEnd type="triangle"/>
+            </a:ln>
+          </p:spPr>
+          <p:style>
+            <a:lnRef idx="1">
+              <a:schemeClr val="accent1"/>
+            </a:lnRef>
+            <a:fillRef idx="0">
+              <a:schemeClr val="accent1"/>
+            </a:fillRef>
+            <a:effectRef idx="0">
+              <a:schemeClr val="accent1"/>
+            </a:effectRef>
+            <a:fontRef idx="minor">
+              <a:schemeClr val="tx1"/>
+            </a:fontRef>
+          </p:style>
+        </p:cxnSp>
+        <p:cxnSp>
+          <p:nvCxnSpPr>
+            <p:cNvPr id="156" name="Straight Arrow Connector 155">
+              <a:extLst>
+                <a:ext uri="{FF2B5EF4-FFF2-40B4-BE49-F238E27FC236}">
+                  <a16:creationId xmlns:a16="http://schemas.microsoft.com/office/drawing/2014/main" id="{A625D55F-5F09-486D-9A2E-2D267A148440}"/>
+                </a:ext>
+              </a:extLst>
+            </p:cNvPr>
+            <p:cNvCxnSpPr>
+              <a:cxnSpLocks/>
+            </p:cNvCxnSpPr>
+            <p:nvPr/>
+          </p:nvCxnSpPr>
+          <p:spPr>
+            <a:xfrm flipV="1">
+              <a:off x="3703144" y="5301208"/>
+              <a:ext cx="0" cy="303290"/>
+            </a:xfrm>
+            <a:prstGeom prst="straightConnector1">
+              <a:avLst/>
+            </a:prstGeom>
+            <a:ln w="22225">
+              <a:solidFill>
+                <a:srgbClr val="0000FF"/>
+              </a:solidFill>
+              <a:tailEnd type="triangle"/>
             </a:ln>
           </p:spPr>
           <p:style>
@@ -5696,14 +7141,20 @@
         </p:cxnSp>
         <p:sp>
           <p:nvSpPr>
-            <p:cNvPr id="50" name="TextBox 49"/>
+            <p:cNvPr id="157" name="TextBox 156">
+              <a:extLst>
+                <a:ext uri="{FF2B5EF4-FFF2-40B4-BE49-F238E27FC236}">
+                  <a16:creationId xmlns:a16="http://schemas.microsoft.com/office/drawing/2014/main" id="{3B1C1B6A-2C75-43CC-A447-4B561C1C2B06}"/>
+                </a:ext>
+              </a:extLst>
+            </p:cNvPr>
             <p:cNvSpPr txBox="1"/>
             <p:nvPr/>
           </p:nvSpPr>
           <p:spPr>
             <a:xfrm>
-              <a:off x="1547109" y="3102791"/>
-              <a:ext cx="1160318" cy="369332"/>
+              <a:off x="3556318" y="5087192"/>
+              <a:ext cx="820096" cy="276999"/>
             </a:xfrm>
             <a:prstGeom prst="rect">
               <a:avLst/>
@@ -5717,204 +7168,174 @@
             <a:lstStyle/>
             <a:p>
               <a:r>
-                <a:rPr lang="en-ID" b="1" dirty="0">
+                <a:rPr lang="en-US" sz="1200" dirty="0">
                   <a:solidFill>
                     <a:srgbClr val="0000FF"/>
                   </a:solidFill>
                 </a:rPr>
                 <a:t>Hard Wire</a:t>
               </a:r>
-              <a:endParaRPr lang="en-US" b="1" dirty="0">
-                <a:solidFill>
-                  <a:srgbClr val="0000FF"/>
-                </a:solidFill>
-              </a:endParaRPr>
             </a:p>
           </p:txBody>
         </p:sp>
-      </p:grpSp>
-      <p:grpSp>
-        <p:nvGrpSpPr>
-          <p:cNvPr id="51" name="Group 50"/>
-          <p:cNvGrpSpPr/>
-          <p:nvPr/>
-        </p:nvGrpSpPr>
-        <p:grpSpPr>
-          <a:xfrm>
-            <a:off x="5744603" y="2199840"/>
-            <a:ext cx="2715829" cy="4429097"/>
-            <a:chOff x="271994" y="1124744"/>
-            <a:chExt cx="3219886" cy="4861145"/>
-          </a:xfrm>
-        </p:grpSpPr>
-        <p:pic>
-          <p:nvPicPr>
-            <p:cNvPr id="52" name="Picture 51" descr="Free Icon | Wifi"/>
-            <p:cNvPicPr/>
-            <p:nvPr/>
-          </p:nvPicPr>
-          <p:blipFill>
-            <a:blip r:embed="rId4" cstate="email">
+        <p:sp>
+          <p:nvSpPr>
+            <p:cNvPr id="158" name="Arrow: Down 157">
               <a:extLst>
-                <a:ext uri="{28A0092B-C50C-407E-A947-70E740481C1C}">
-                  <a14:useLocalDpi xmlns:a14="http://schemas.microsoft.com/office/drawing/2010/main" val="0"/>
+                <a:ext uri="{FF2B5EF4-FFF2-40B4-BE49-F238E27FC236}">
+                  <a16:creationId xmlns:a16="http://schemas.microsoft.com/office/drawing/2014/main" id="{E3FB393C-BE89-42B7-8E61-C434739C9007}"/>
                 </a:ext>
               </a:extLst>
-            </a:blip>
-            <a:srcRect/>
-            <a:stretch>
-              <a:fillRect/>
-            </a:stretch>
-          </p:blipFill>
-          <p:spPr bwMode="auto">
+            </p:cNvPr>
+            <p:cNvSpPr/>
+            <p:nvPr/>
+          </p:nvSpPr>
+          <p:spPr>
+            <a:xfrm rot="10800000">
+              <a:off x="4376411" y="4924679"/>
+              <a:ext cx="432391" cy="325021"/>
+            </a:xfrm>
+            <a:prstGeom prst="downArrow">
+              <a:avLst/>
+            </a:prstGeom>
+            <a:noFill/>
+            <a:ln w="19050">
+              <a:solidFill>
+                <a:srgbClr val="0000FF"/>
+              </a:solidFill>
+            </a:ln>
+          </p:spPr>
+          <p:style>
+            <a:lnRef idx="2">
+              <a:schemeClr val="accent1">
+                <a:shade val="50000"/>
+              </a:schemeClr>
+            </a:lnRef>
+            <a:fillRef idx="1">
+              <a:schemeClr val="accent1"/>
+            </a:fillRef>
+            <a:effectRef idx="0">
+              <a:schemeClr val="accent1"/>
+            </a:effectRef>
+            <a:fontRef idx="minor">
+              <a:schemeClr val="lt1"/>
+            </a:fontRef>
+          </p:style>
+          <p:txBody>
+            <a:bodyPr rtlCol="0" anchor="ctr"/>
+            <a:lstStyle/>
+            <a:p>
+              <a:pPr algn="ctr"/>
+              <a:endParaRPr lang="en-ID"/>
+            </a:p>
+          </p:txBody>
+        </p:sp>
+        <p:cxnSp>
+          <p:nvCxnSpPr>
+            <p:cNvPr id="159" name="Straight Arrow Connector 158">
+              <a:extLst>
+                <a:ext uri="{FF2B5EF4-FFF2-40B4-BE49-F238E27FC236}">
+                  <a16:creationId xmlns:a16="http://schemas.microsoft.com/office/drawing/2014/main" id="{4736D311-FC35-4A01-A271-0230817C9E28}"/>
+                </a:ext>
+              </a:extLst>
+            </p:cNvPr>
+            <p:cNvCxnSpPr>
+              <a:cxnSpLocks/>
+              <a:stCxn id="150" idx="0"/>
+              <a:endCxn id="147" idx="2"/>
+            </p:cNvCxnSpPr>
+            <p:nvPr/>
+          </p:nvCxnSpPr>
+          <p:spPr>
+            <a:xfrm flipH="1" flipV="1">
+              <a:off x="4001006" y="3560468"/>
+              <a:ext cx="448719" cy="598317"/>
+            </a:xfrm>
+            <a:prstGeom prst="straightConnector1">
+              <a:avLst/>
+            </a:prstGeom>
+            <a:ln w="22225">
+              <a:solidFill>
+                <a:srgbClr val="008000"/>
+              </a:solidFill>
+              <a:headEnd type="stealth"/>
+              <a:tailEnd type="stealth"/>
+            </a:ln>
+          </p:spPr>
+          <p:style>
+            <a:lnRef idx="1">
+              <a:schemeClr val="accent1"/>
+            </a:lnRef>
+            <a:fillRef idx="0">
+              <a:schemeClr val="accent1"/>
+            </a:fillRef>
+            <a:effectRef idx="0">
+              <a:schemeClr val="accent1"/>
+            </a:effectRef>
+            <a:fontRef idx="minor">
+              <a:schemeClr val="tx1"/>
+            </a:fontRef>
+          </p:style>
+        </p:cxnSp>
+        <p:sp>
+          <p:nvSpPr>
+            <p:cNvPr id="160" name="TextBox 159">
+              <a:extLst>
+                <a:ext uri="{FF2B5EF4-FFF2-40B4-BE49-F238E27FC236}">
+                  <a16:creationId xmlns:a16="http://schemas.microsoft.com/office/drawing/2014/main" id="{E9234FC1-B780-485A-BC1D-27D488028FF2}"/>
+                </a:ext>
+              </a:extLst>
+            </p:cNvPr>
+            <p:cNvSpPr txBox="1"/>
+            <p:nvPr/>
+          </p:nvSpPr>
+          <p:spPr>
             <a:xfrm>
-              <a:off x="1300175" y="1124744"/>
-              <a:ext cx="494978" cy="483145"/>
+              <a:off x="4132382" y="3596451"/>
+              <a:ext cx="820096" cy="461665"/>
             </a:xfrm>
             <a:prstGeom prst="rect">
               <a:avLst/>
             </a:prstGeom>
             <a:noFill/>
-            <a:ln>
-              <a:noFill/>
-            </a:ln>
           </p:spPr>
-        </p:pic>
+          <p:txBody>
+            <a:bodyPr wrap="none" rtlCol="0">
+              <a:spAutoFit/>
+            </a:bodyPr>
+            <a:lstStyle/>
+            <a:p>
+              <a:r>
+                <a:rPr lang="en-US" sz="1200" dirty="0">
+                  <a:solidFill>
+                    <a:srgbClr val="008000"/>
+                  </a:solidFill>
+                </a:rPr>
+                <a:t>Hard Wire</a:t>
+              </a:r>
+            </a:p>
+            <a:p>
+              <a:pPr algn="ctr"/>
+              <a:r>
+                <a:rPr lang="en-US" sz="1200" dirty="0">
+                  <a:solidFill>
+                    <a:srgbClr val="008000"/>
+                  </a:solidFill>
+                </a:rPr>
+                <a:t>Serial</a:t>
+              </a:r>
+            </a:p>
+          </p:txBody>
+        </p:sp>
         <p:pic>
           <p:nvPicPr>
-            <p:cNvPr id="53" name="Picture 52"/>
-            <p:cNvPicPr/>
-            <p:nvPr/>
-          </p:nvPicPr>
-          <p:blipFill>
-            <a:blip r:embed="rId5"/>
-            <a:stretch>
-              <a:fillRect/>
-            </a:stretch>
-          </p:blipFill>
-          <p:spPr>
-            <a:xfrm>
-              <a:off x="976164" y="1556792"/>
-              <a:ext cx="1143000" cy="1524000"/>
-            </a:xfrm>
-            <a:prstGeom prst="rect">
-              <a:avLst/>
-            </a:prstGeom>
-          </p:spPr>
-        </p:pic>
-        <p:pic>
-          <p:nvPicPr>
-            <p:cNvPr id="54" name="Picture 53"/>
-            <p:cNvPicPr/>
-            <p:nvPr/>
-          </p:nvPicPr>
-          <p:blipFill>
-            <a:blip r:embed="rId6"/>
-            <a:stretch>
-              <a:fillRect/>
-            </a:stretch>
-          </p:blipFill>
-          <p:spPr>
-            <a:xfrm>
-              <a:off x="391891" y="4221088"/>
-              <a:ext cx="589280" cy="548640"/>
-            </a:xfrm>
-            <a:prstGeom prst="rect">
-              <a:avLst/>
-            </a:prstGeom>
-          </p:spPr>
-        </p:pic>
-        <p:pic>
-          <p:nvPicPr>
-            <p:cNvPr id="55" name="Picture 54"/>
-            <p:cNvPicPr/>
-            <p:nvPr/>
-          </p:nvPicPr>
-          <p:blipFill>
-            <a:blip r:embed="rId7"/>
-            <a:stretch>
-              <a:fillRect/>
-            </a:stretch>
-          </p:blipFill>
-          <p:spPr>
-            <a:xfrm>
-              <a:off x="1244769" y="4183475"/>
-              <a:ext cx="874395" cy="629920"/>
-            </a:xfrm>
-            <a:prstGeom prst="rect">
-              <a:avLst/>
-            </a:prstGeom>
-          </p:spPr>
-        </p:pic>
-        <p:pic>
-          <p:nvPicPr>
-            <p:cNvPr id="56" name="Picture 55"/>
-            <p:cNvPicPr/>
-            <p:nvPr/>
-          </p:nvPicPr>
-          <p:blipFill>
-            <a:blip r:embed="rId8"/>
-            <a:stretch>
-              <a:fillRect/>
-            </a:stretch>
-          </p:blipFill>
-          <p:spPr>
-            <a:xfrm>
-              <a:off x="2267744" y="4261093"/>
-              <a:ext cx="476885" cy="508635"/>
-            </a:xfrm>
-            <a:prstGeom prst="rect">
-              <a:avLst/>
-            </a:prstGeom>
-          </p:spPr>
-        </p:pic>
-        <p:pic>
-          <p:nvPicPr>
-            <p:cNvPr id="57" name="Picture 56"/>
-            <p:cNvPicPr/>
-            <p:nvPr/>
-          </p:nvPicPr>
-          <p:blipFill>
-            <a:blip r:embed="rId8"/>
-            <a:stretch>
-              <a:fillRect/>
-            </a:stretch>
-          </p:blipFill>
-          <p:spPr>
-            <a:xfrm>
-              <a:off x="2270601" y="3717032"/>
-              <a:ext cx="476885" cy="508635"/>
-            </a:xfrm>
-            <a:prstGeom prst="rect">
-              <a:avLst/>
-            </a:prstGeom>
-          </p:spPr>
-        </p:pic>
-        <p:pic>
-          <p:nvPicPr>
-            <p:cNvPr id="58" name="Picture 57"/>
-            <p:cNvPicPr/>
-            <p:nvPr/>
-          </p:nvPicPr>
-          <p:blipFill>
-            <a:blip r:embed="rId8"/>
-            <a:stretch>
-              <a:fillRect/>
-            </a:stretch>
-          </p:blipFill>
-          <p:spPr>
-            <a:xfrm>
-              <a:off x="2275608" y="4813395"/>
-              <a:ext cx="476885" cy="508635"/>
-            </a:xfrm>
-            <a:prstGeom prst="rect">
-              <a:avLst/>
-            </a:prstGeom>
-          </p:spPr>
-        </p:pic>
-        <p:pic>
-          <p:nvPicPr>
-            <p:cNvPr id="59" name="Picture 2"/>
+            <p:cNvPr id="161" name="Picture 2">
+              <a:extLst>
+                <a:ext uri="{FF2B5EF4-FFF2-40B4-BE49-F238E27FC236}">
+                  <a16:creationId xmlns:a16="http://schemas.microsoft.com/office/drawing/2014/main" id="{6FA8644C-4157-4C29-A9AB-7895426E89EE}"/>
+                </a:ext>
+              </a:extLst>
+            </p:cNvPr>
             <p:cNvPicPr>
               <a:picLocks noChangeAspect="1" noChangeArrowheads="1"/>
             </p:cNvPicPr>
@@ -5935,8 +7356,8 @@
           </p:blipFill>
           <p:spPr bwMode="auto">
             <a:xfrm rot="5400000">
-              <a:off x="2446895" y="4294574"/>
-              <a:ext cx="1585913" cy="504056"/>
+              <a:off x="4712981" y="5821246"/>
+              <a:ext cx="620765" cy="182647"/>
             </a:xfrm>
             <a:prstGeom prst="rect">
               <a:avLst/>
@@ -5976,386 +7397,156 @@
             </a:extLst>
           </p:spPr>
         </p:pic>
-        <p:sp>
-          <p:nvSpPr>
-            <p:cNvPr id="60" name="TextBox 59"/>
-            <p:cNvSpPr txBox="1"/>
+        <p:grpSp>
+          <p:nvGrpSpPr>
+            <p:cNvPr id="162" name="Group 161">
+              <a:extLst>
+                <a:ext uri="{FF2B5EF4-FFF2-40B4-BE49-F238E27FC236}">
+                  <a16:creationId xmlns:a16="http://schemas.microsoft.com/office/drawing/2014/main" id="{8AA417C8-2A5F-4DB9-A327-478DEFA0F1FE}"/>
+                </a:ext>
+              </a:extLst>
+            </p:cNvPr>
+            <p:cNvGrpSpPr/>
             <p:nvPr/>
-          </p:nvSpPr>
+          </p:nvGrpSpPr>
+          <p:grpSpPr>
+            <a:xfrm>
+              <a:off x="5145033" y="5544651"/>
+              <a:ext cx="435079" cy="735835"/>
+              <a:chOff x="2159253" y="548680"/>
+              <a:chExt cx="408864" cy="1462350"/>
+            </a:xfrm>
+          </p:grpSpPr>
+          <p:pic>
+            <p:nvPicPr>
+              <p:cNvPr id="164" name="Picture 163">
+                <a:extLst>
+                  <a:ext uri="{FF2B5EF4-FFF2-40B4-BE49-F238E27FC236}">
+                    <a16:creationId xmlns:a16="http://schemas.microsoft.com/office/drawing/2014/main" id="{7AB6C7DC-8C4D-480E-8465-19855F19BB49}"/>
+                  </a:ext>
+                </a:extLst>
+              </p:cNvPr>
+              <p:cNvPicPr/>
+              <p:nvPr/>
+            </p:nvPicPr>
+            <p:blipFill>
+              <a:blip r:embed="rId10"/>
+              <a:stretch>
+                <a:fillRect/>
+              </a:stretch>
+            </p:blipFill>
+            <p:spPr>
+              <a:xfrm>
+                <a:off x="2159253" y="1044386"/>
+                <a:ext cx="402231" cy="463429"/>
+              </a:xfrm>
+              <a:prstGeom prst="rect">
+                <a:avLst/>
+              </a:prstGeom>
+            </p:spPr>
+          </p:pic>
+          <p:pic>
+            <p:nvPicPr>
+              <p:cNvPr id="165" name="Picture 164">
+                <a:extLst>
+                  <a:ext uri="{FF2B5EF4-FFF2-40B4-BE49-F238E27FC236}">
+                    <a16:creationId xmlns:a16="http://schemas.microsoft.com/office/drawing/2014/main" id="{8D424CF8-98CA-4442-9CBB-1C6B6677CA03}"/>
+                  </a:ext>
+                </a:extLst>
+              </p:cNvPr>
+              <p:cNvPicPr/>
+              <p:nvPr/>
+            </p:nvPicPr>
+            <p:blipFill>
+              <a:blip r:embed="rId10"/>
+              <a:stretch>
+                <a:fillRect/>
+              </a:stretch>
+            </p:blipFill>
+            <p:spPr>
+              <a:xfrm>
+                <a:off x="2161663" y="548680"/>
+                <a:ext cx="402231" cy="463429"/>
+              </a:xfrm>
+              <a:prstGeom prst="rect">
+                <a:avLst/>
+              </a:prstGeom>
+            </p:spPr>
+          </p:pic>
+          <p:pic>
+            <p:nvPicPr>
+              <p:cNvPr id="166" name="Picture 165">
+                <a:extLst>
+                  <a:ext uri="{FF2B5EF4-FFF2-40B4-BE49-F238E27FC236}">
+                    <a16:creationId xmlns:a16="http://schemas.microsoft.com/office/drawing/2014/main" id="{A0F38DD2-225D-4228-9076-B8596901A09B}"/>
+                  </a:ext>
+                </a:extLst>
+              </p:cNvPr>
+              <p:cNvPicPr/>
+              <p:nvPr/>
+            </p:nvPicPr>
+            <p:blipFill>
+              <a:blip r:embed="rId10"/>
+              <a:stretch>
+                <a:fillRect/>
+              </a:stretch>
+            </p:blipFill>
+            <p:spPr>
+              <a:xfrm>
+                <a:off x="2165886" y="1547601"/>
+                <a:ext cx="402231" cy="463429"/>
+              </a:xfrm>
+              <a:prstGeom prst="rect">
+                <a:avLst/>
+              </a:prstGeom>
+            </p:spPr>
+          </p:pic>
+        </p:grpSp>
+        <p:pic>
+          <p:nvPicPr>
+            <p:cNvPr id="163" name="Picture 162">
+              <a:extLst>
+                <a:ext uri="{FF2B5EF4-FFF2-40B4-BE49-F238E27FC236}">
+                  <a16:creationId xmlns:a16="http://schemas.microsoft.com/office/drawing/2014/main" id="{548E5F0E-DC66-41FE-810E-8A55BE941A57}"/>
+                </a:ext>
+              </a:extLst>
+            </p:cNvPr>
+            <p:cNvPicPr/>
+            <p:nvPr/>
+          </p:nvPicPr>
+          <p:blipFill>
+            <a:blip r:embed="rId11"/>
+            <a:stretch>
+              <a:fillRect/>
+            </a:stretch>
+          </p:blipFill>
           <p:spPr>
             <a:xfrm>
-              <a:off x="271994" y="4769728"/>
-              <a:ext cx="829073" cy="369332"/>
+              <a:off x="4011075" y="5634369"/>
+              <a:ext cx="737513" cy="573934"/>
             </a:xfrm>
             <a:prstGeom prst="rect">
               <a:avLst/>
             </a:prstGeom>
-            <a:noFill/>
           </p:spPr>
-          <p:txBody>
-            <a:bodyPr wrap="none" rtlCol="0">
-              <a:spAutoFit/>
-            </a:bodyPr>
-            <a:lstStyle/>
-            <a:p>
-              <a:r>
-                <a:rPr lang="en-ID" b="1" dirty="0">
-                  <a:solidFill>
-                    <a:srgbClr val="0000FF"/>
-                  </a:solidFill>
-                </a:rPr>
-                <a:t>Sensor</a:t>
-              </a:r>
-              <a:endParaRPr lang="en-US" b="1" dirty="0">
-                <a:solidFill>
-                  <a:srgbClr val="0000FF"/>
-                </a:solidFill>
-              </a:endParaRPr>
-            </a:p>
-          </p:txBody>
-        </p:sp>
-        <p:sp>
-          <p:nvSpPr>
-            <p:cNvPr id="61" name="TextBox 60"/>
-            <p:cNvSpPr txBox="1"/>
-            <p:nvPr/>
-          </p:nvSpPr>
-          <p:spPr>
-            <a:xfrm>
-              <a:off x="1271200" y="4797152"/>
-              <a:ext cx="1015021" cy="646331"/>
-            </a:xfrm>
-            <a:prstGeom prst="rect">
-              <a:avLst/>
-            </a:prstGeom>
-            <a:noFill/>
-          </p:spPr>
-          <p:txBody>
-            <a:bodyPr wrap="none" rtlCol="0">
-              <a:spAutoFit/>
-            </a:bodyPr>
-            <a:lstStyle/>
-            <a:p>
-              <a:pPr algn="ctr"/>
-              <a:r>
-                <a:rPr lang="en-ID" b="1" dirty="0">
-                  <a:solidFill>
-                    <a:srgbClr val="0000FF"/>
-                  </a:solidFill>
-                </a:rPr>
-                <a:t>Solenoid</a:t>
-              </a:r>
-            </a:p>
-            <a:p>
-              <a:pPr algn="ctr"/>
-              <a:r>
-                <a:rPr lang="en-ID" b="1" dirty="0">
-                  <a:solidFill>
-                    <a:srgbClr val="0000FF"/>
-                  </a:solidFill>
-                </a:rPr>
-                <a:t>Valve</a:t>
-              </a:r>
-              <a:endParaRPr lang="en-US" b="1" dirty="0">
-                <a:solidFill>
-                  <a:srgbClr val="0000FF"/>
-                </a:solidFill>
-              </a:endParaRPr>
-            </a:p>
-          </p:txBody>
-        </p:sp>
-        <p:sp>
-          <p:nvSpPr>
-            <p:cNvPr id="62" name="TextBox 61"/>
-            <p:cNvSpPr txBox="1"/>
-            <p:nvPr/>
-          </p:nvSpPr>
-          <p:spPr>
-            <a:xfrm>
-              <a:off x="2048288" y="5339558"/>
-              <a:ext cx="840166" cy="646331"/>
-            </a:xfrm>
-            <a:prstGeom prst="rect">
-              <a:avLst/>
-            </a:prstGeom>
-            <a:noFill/>
-          </p:spPr>
-          <p:txBody>
-            <a:bodyPr wrap="none" rtlCol="0">
-              <a:spAutoFit/>
-            </a:bodyPr>
-            <a:lstStyle/>
-            <a:p>
-              <a:pPr algn="ctr"/>
-              <a:r>
-                <a:rPr lang="en-ID" b="1" dirty="0">
-                  <a:solidFill>
-                    <a:srgbClr val="0000FF"/>
-                  </a:solidFill>
-                </a:rPr>
-                <a:t>Push</a:t>
-              </a:r>
-            </a:p>
-            <a:p>
-              <a:pPr algn="ctr"/>
-              <a:r>
-                <a:rPr lang="en-ID" b="1" dirty="0">
-                  <a:solidFill>
-                    <a:srgbClr val="0000FF"/>
-                  </a:solidFill>
-                </a:rPr>
-                <a:t>Button</a:t>
-              </a:r>
-              <a:endParaRPr lang="en-US" b="1" dirty="0">
-                <a:solidFill>
-                  <a:srgbClr val="0000FF"/>
-                </a:solidFill>
-              </a:endParaRPr>
-            </a:p>
-          </p:txBody>
-        </p:sp>
-        <p:sp>
-          <p:nvSpPr>
-            <p:cNvPr id="63" name="TextBox 62"/>
-            <p:cNvSpPr txBox="1"/>
-            <p:nvPr/>
-          </p:nvSpPr>
-          <p:spPr>
-            <a:xfrm>
-              <a:off x="2894755" y="5339558"/>
-              <a:ext cx="540533" cy="369332"/>
-            </a:xfrm>
-            <a:prstGeom prst="rect">
-              <a:avLst/>
-            </a:prstGeom>
-            <a:noFill/>
-          </p:spPr>
-          <p:txBody>
-            <a:bodyPr wrap="none" rtlCol="0">
-              <a:spAutoFit/>
-            </a:bodyPr>
-            <a:lstStyle/>
-            <a:p>
-              <a:r>
-                <a:rPr lang="en-ID" b="1" dirty="0">
-                  <a:solidFill>
-                    <a:srgbClr val="0000FF"/>
-                  </a:solidFill>
-                </a:rPr>
-                <a:t>LED</a:t>
-              </a:r>
-              <a:endParaRPr lang="en-US" b="1" dirty="0">
-                <a:solidFill>
-                  <a:srgbClr val="0000FF"/>
-                </a:solidFill>
-              </a:endParaRPr>
-            </a:p>
-          </p:txBody>
-        </p:sp>
-        <p:cxnSp>
-          <p:nvCxnSpPr>
-            <p:cNvPr id="64" name="Elbow Connector 63"/>
-            <p:cNvCxnSpPr>
-              <a:stCxn id="54" idx="0"/>
-              <a:endCxn id="53" idx="2"/>
-            </p:cNvCxnSpPr>
-            <p:nvPr/>
-          </p:nvCxnSpPr>
-          <p:spPr>
-            <a:xfrm rot="5400000" flipH="1" flipV="1">
-              <a:off x="546949" y="3220374"/>
-              <a:ext cx="1140296" cy="861133"/>
-            </a:xfrm>
-            <a:prstGeom prst="bentConnector3">
-              <a:avLst>
-                <a:gd name="adj1" fmla="val 71746"/>
-              </a:avLst>
-            </a:prstGeom>
-            <a:ln w="25400">
-              <a:solidFill>
-                <a:srgbClr val="0000FF"/>
-              </a:solidFill>
-              <a:tailEnd type="arrow"/>
-            </a:ln>
-          </p:spPr>
-          <p:style>
-            <a:lnRef idx="1">
-              <a:schemeClr val="accent1"/>
-            </a:lnRef>
-            <a:fillRef idx="0">
-              <a:schemeClr val="accent1"/>
-            </a:fillRef>
-            <a:effectRef idx="0">
-              <a:schemeClr val="accent1"/>
-            </a:effectRef>
-            <a:fontRef idx="minor">
-              <a:schemeClr val="tx1"/>
-            </a:fontRef>
-          </p:style>
-        </p:cxnSp>
-        <p:cxnSp>
-          <p:nvCxnSpPr>
-            <p:cNvPr id="65" name="Elbow Connector 64"/>
-            <p:cNvCxnSpPr>
-              <a:endCxn id="55" idx="0"/>
-            </p:cNvCxnSpPr>
-            <p:nvPr/>
-          </p:nvCxnSpPr>
-          <p:spPr>
-            <a:xfrm rot="16200000" flipH="1">
-              <a:off x="1237578" y="3739085"/>
-              <a:ext cx="754475" cy="134303"/>
-            </a:xfrm>
-            <a:prstGeom prst="bentConnector3">
-              <a:avLst/>
-            </a:prstGeom>
-            <a:ln w="25400">
-              <a:solidFill>
-                <a:srgbClr val="0000FF"/>
-              </a:solidFill>
-              <a:tailEnd type="arrow"/>
-            </a:ln>
-          </p:spPr>
-          <p:style>
-            <a:lnRef idx="1">
-              <a:schemeClr val="accent1"/>
-            </a:lnRef>
-            <a:fillRef idx="0">
-              <a:schemeClr val="accent1"/>
-            </a:fillRef>
-            <a:effectRef idx="0">
-              <a:schemeClr val="accent1"/>
-            </a:effectRef>
-            <a:fontRef idx="minor">
-              <a:schemeClr val="tx1"/>
-            </a:fontRef>
-          </p:style>
-        </p:cxnSp>
-        <p:cxnSp>
-          <p:nvCxnSpPr>
-            <p:cNvPr id="66" name="Elbow Connector 65"/>
-            <p:cNvCxnSpPr>
-              <a:stCxn id="57" idx="0"/>
-            </p:cNvCxnSpPr>
-            <p:nvPr/>
-          </p:nvCxnSpPr>
-          <p:spPr>
-            <a:xfrm rot="16200000" flipV="1">
-              <a:off x="1884338" y="3092326"/>
-              <a:ext cx="288033" cy="961380"/>
-            </a:xfrm>
-            <a:prstGeom prst="bentConnector2">
-              <a:avLst/>
-            </a:prstGeom>
-            <a:ln w="25400">
-              <a:solidFill>
-                <a:srgbClr val="0000FF"/>
-              </a:solidFill>
-              <a:tailEnd type="arrow"/>
-            </a:ln>
-          </p:spPr>
-          <p:style>
-            <a:lnRef idx="1">
-              <a:schemeClr val="accent1"/>
-            </a:lnRef>
-            <a:fillRef idx="0">
-              <a:schemeClr val="accent1"/>
-            </a:fillRef>
-            <a:effectRef idx="0">
-              <a:schemeClr val="accent1"/>
-            </a:effectRef>
-            <a:fontRef idx="minor">
-              <a:schemeClr val="tx1"/>
-            </a:fontRef>
-          </p:style>
-        </p:cxnSp>
-        <p:cxnSp>
-          <p:nvCxnSpPr>
-            <p:cNvPr id="67" name="Elbow Connector 66"/>
-            <p:cNvCxnSpPr>
-              <a:endCxn id="59" idx="1"/>
-            </p:cNvCxnSpPr>
-            <p:nvPr/>
-          </p:nvCxnSpPr>
-          <p:spPr>
-            <a:xfrm>
-              <a:off x="2514050" y="3428999"/>
-              <a:ext cx="725802" cy="324647"/>
-            </a:xfrm>
-            <a:prstGeom prst="bentConnector2">
-              <a:avLst/>
-            </a:prstGeom>
-            <a:ln w="25400">
-              <a:solidFill>
-                <a:srgbClr val="0000FF"/>
-              </a:solidFill>
-              <a:tailEnd type="arrow"/>
-            </a:ln>
-          </p:spPr>
-          <p:style>
-            <a:lnRef idx="1">
-              <a:schemeClr val="accent1"/>
-            </a:lnRef>
-            <a:fillRef idx="0">
-              <a:schemeClr val="accent1"/>
-            </a:fillRef>
-            <a:effectRef idx="0">
-              <a:schemeClr val="accent1"/>
-            </a:effectRef>
-            <a:fontRef idx="minor">
-              <a:schemeClr val="tx1"/>
-            </a:fontRef>
-          </p:style>
-        </p:cxnSp>
-        <p:sp>
-          <p:nvSpPr>
-            <p:cNvPr id="68" name="TextBox 67"/>
-            <p:cNvSpPr txBox="1"/>
-            <p:nvPr/>
-          </p:nvSpPr>
-          <p:spPr>
-            <a:xfrm>
-              <a:off x="1547109" y="3102791"/>
-              <a:ext cx="1160318" cy="369332"/>
-            </a:xfrm>
-            <a:prstGeom prst="rect">
-              <a:avLst/>
-            </a:prstGeom>
-            <a:noFill/>
-          </p:spPr>
-          <p:txBody>
-            <a:bodyPr wrap="none" rtlCol="0">
-              <a:spAutoFit/>
-            </a:bodyPr>
-            <a:lstStyle/>
-            <a:p>
-              <a:r>
-                <a:rPr lang="en-ID" b="1" dirty="0">
-                  <a:solidFill>
-                    <a:srgbClr val="0000FF"/>
-                  </a:solidFill>
-                </a:rPr>
-                <a:t>Hard Wire</a:t>
-              </a:r>
-              <a:endParaRPr lang="en-US" b="1" dirty="0">
-                <a:solidFill>
-                  <a:srgbClr val="0000FF"/>
-                </a:solidFill>
-              </a:endParaRPr>
-            </a:p>
-          </p:txBody>
-        </p:sp>
+        </p:pic>
       </p:grpSp>
       <p:sp>
         <p:nvSpPr>
-          <p:cNvPr id="32" name="TextBox 31"/>
+          <p:cNvPr id="167" name="TextBox 166">
+            <a:extLst>
+              <a:ext uri="{FF2B5EF4-FFF2-40B4-BE49-F238E27FC236}">
+                <a16:creationId xmlns:a16="http://schemas.microsoft.com/office/drawing/2014/main" id="{844FFFA2-95FD-44EC-81E9-4E773A5EFF75}"/>
+              </a:ext>
+            </a:extLst>
+          </p:cNvPr>
           <p:cNvSpPr txBox="1"/>
           <p:nvPr/>
         </p:nvSpPr>
         <p:spPr>
           <a:xfrm>
-            <a:off x="1811946" y="3103098"/>
-            <a:ext cx="909031" cy="369332"/>
+            <a:off x="1370901" y="2524276"/>
+            <a:ext cx="899413" cy="369332"/>
           </a:xfrm>
           <a:prstGeom prst="rect">
             <a:avLst/>
@@ -6374,7 +7565,7 @@
                   <a:srgbClr val="0000FF"/>
                 </a:solidFill>
               </a:rPr>
-              <a:t>ZONA 1</a:t>
+              <a:t>ZONE-1</a:t>
             </a:r>
             <a:endParaRPr lang="en-US" b="1" dirty="0">
               <a:solidFill>
@@ -6386,14 +7577,20 @@
       </p:sp>
       <p:sp>
         <p:nvSpPr>
-          <p:cNvPr id="70" name="TextBox 69"/>
+          <p:cNvPr id="168" name="TextBox 167">
+            <a:extLst>
+              <a:ext uri="{FF2B5EF4-FFF2-40B4-BE49-F238E27FC236}">
+                <a16:creationId xmlns:a16="http://schemas.microsoft.com/office/drawing/2014/main" id="{0C242035-3919-48F6-B3E7-DF24DD4E2B78}"/>
+              </a:ext>
+            </a:extLst>
+          </p:cNvPr>
           <p:cNvSpPr txBox="1"/>
           <p:nvPr/>
         </p:nvSpPr>
         <p:spPr>
           <a:xfrm>
-            <a:off x="4676608" y="3103952"/>
-            <a:ext cx="909031" cy="369332"/>
+            <a:off x="4139952" y="2530217"/>
+            <a:ext cx="899413" cy="369332"/>
           </a:xfrm>
           <a:prstGeom prst="rect">
             <a:avLst/>
@@ -6412,7 +7609,7 @@
                   <a:srgbClr val="0000FF"/>
                 </a:solidFill>
               </a:rPr>
-              <a:t>ZONA 2</a:t>
+              <a:t>ZONE-2</a:t>
             </a:r>
             <a:endParaRPr lang="en-US" b="1" dirty="0">
               <a:solidFill>
@@ -6424,14 +7621,20 @@
       </p:sp>
       <p:sp>
         <p:nvSpPr>
-          <p:cNvPr id="71" name="TextBox 70"/>
+          <p:cNvPr id="171" name="TextBox 170">
+            <a:extLst>
+              <a:ext uri="{FF2B5EF4-FFF2-40B4-BE49-F238E27FC236}">
+                <a16:creationId xmlns:a16="http://schemas.microsoft.com/office/drawing/2014/main" id="{D3D2C1E7-A24B-4E4F-9338-4E3CC945B96E}"/>
+              </a:ext>
+            </a:extLst>
+          </p:cNvPr>
           <p:cNvSpPr txBox="1"/>
           <p:nvPr/>
         </p:nvSpPr>
         <p:spPr>
           <a:xfrm>
-            <a:off x="7263369" y="3102683"/>
-            <a:ext cx="909031" cy="369332"/>
+            <a:off x="2151087" y="212821"/>
+            <a:ext cx="4020588" cy="369332"/>
           </a:xfrm>
           <a:prstGeom prst="rect">
             <a:avLst/>
@@ -6445,648 +7648,12 @@
           <a:lstStyle/>
           <a:p>
             <a:r>
-              <a:rPr lang="en-ID" b="1" dirty="0">
+              <a:rPr lang="en-US" b="1" dirty="0">
                 <a:solidFill>
                   <a:srgbClr val="0000FF"/>
                 </a:solidFill>
               </a:rPr>
-              <a:t>ZONA 3</a:t>
-            </a:r>
-            <a:endParaRPr lang="en-US" b="1" dirty="0">
-              <a:solidFill>
-                <a:srgbClr val="0000FF"/>
-              </a:solidFill>
-            </a:endParaRPr>
-          </a:p>
-        </p:txBody>
-      </p:sp>
-      <p:sp>
-        <p:nvSpPr>
-          <p:cNvPr id="69" name="Cloud 68"/>
-          <p:cNvSpPr/>
-          <p:nvPr/>
-        </p:nvSpPr>
-        <p:spPr>
-          <a:xfrm rot="20354906">
-            <a:off x="134708" y="2217783"/>
-            <a:ext cx="3121478" cy="4641053"/>
-          </a:xfrm>
-          <a:prstGeom prst="cloud">
-            <a:avLst/>
-          </a:prstGeom>
-          <a:noFill/>
-          <a:ln w="22225">
-            <a:solidFill>
-              <a:srgbClr val="C00000"/>
-            </a:solidFill>
-          </a:ln>
-        </p:spPr>
-        <p:style>
-          <a:lnRef idx="2">
-            <a:schemeClr val="accent1">
-              <a:shade val="50000"/>
-            </a:schemeClr>
-          </a:lnRef>
-          <a:fillRef idx="1">
-            <a:schemeClr val="accent1"/>
-          </a:fillRef>
-          <a:effectRef idx="0">
-            <a:schemeClr val="accent1"/>
-          </a:effectRef>
-          <a:fontRef idx="minor">
-            <a:schemeClr val="lt1"/>
-          </a:fontRef>
-        </p:style>
-        <p:txBody>
-          <a:bodyPr rtlCol="0" anchor="ctr"/>
-          <a:lstStyle/>
-          <a:p>
-            <a:pPr algn="ctr"/>
-            <a:endParaRPr lang="en-US" dirty="0"/>
-          </a:p>
-        </p:txBody>
-      </p:sp>
-      <p:pic>
-        <p:nvPicPr>
-          <p:cNvPr id="73" name="Picture 72" descr="Arduino LCD/keypad shield - YouTube"/>
-          <p:cNvPicPr/>
-          <p:nvPr/>
-        </p:nvPicPr>
-        <p:blipFill>
-          <a:blip r:embed="rId10" cstate="email">
-            <a:extLst>
-              <a:ext uri="{28A0092B-C50C-407E-A947-70E740481C1C}">
-                <a14:useLocalDpi xmlns:a14="http://schemas.microsoft.com/office/drawing/2010/main" val="0"/>
-              </a:ext>
-            </a:extLst>
-          </a:blip>
-          <a:srcRect/>
-          <a:stretch>
-            <a:fillRect/>
-          </a:stretch>
-        </p:blipFill>
-        <p:spPr bwMode="auto">
-          <a:xfrm>
-            <a:off x="581861" y="565805"/>
-            <a:ext cx="2527935" cy="1423035"/>
-          </a:xfrm>
-          <a:prstGeom prst="rect">
-            <a:avLst/>
-          </a:prstGeom>
-          <a:noFill/>
-          <a:ln>
-            <a:noFill/>
-          </a:ln>
-        </p:spPr>
-      </p:pic>
-      <p:cxnSp>
-        <p:nvCxnSpPr>
-          <p:cNvPr id="76" name="Elbow Connector 75"/>
-          <p:cNvCxnSpPr>
-            <a:cxnSpLocks/>
-            <a:stCxn id="73" idx="3"/>
-          </p:cNvCxnSpPr>
-          <p:nvPr/>
-        </p:nvCxnSpPr>
-        <p:spPr>
-          <a:xfrm flipV="1">
-            <a:off x="3109796" y="1016433"/>
-            <a:ext cx="1613851" cy="260890"/>
-          </a:xfrm>
-          <a:prstGeom prst="bentConnector3">
-            <a:avLst/>
-          </a:prstGeom>
-          <a:ln w="25400">
-            <a:solidFill>
-              <a:srgbClr val="0000FF"/>
-            </a:solidFill>
-            <a:headEnd type="stealth"/>
-            <a:tailEnd type="stealth"/>
-          </a:ln>
-        </p:spPr>
-        <p:style>
-          <a:lnRef idx="1">
-            <a:schemeClr val="accent1"/>
-          </a:lnRef>
-          <a:fillRef idx="0">
-            <a:schemeClr val="accent1"/>
-          </a:fillRef>
-          <a:effectRef idx="0">
-            <a:schemeClr val="accent1"/>
-          </a:effectRef>
-          <a:fontRef idx="minor">
-            <a:schemeClr val="tx1"/>
-          </a:fontRef>
-        </p:style>
-      </p:cxnSp>
-      <p:sp>
-        <p:nvSpPr>
-          <p:cNvPr id="78" name="TextBox 77"/>
-          <p:cNvSpPr txBox="1"/>
-          <p:nvPr/>
-        </p:nvSpPr>
-        <p:spPr>
-          <a:xfrm>
-            <a:off x="3567105" y="1196752"/>
-            <a:ext cx="716863" cy="369332"/>
-          </a:xfrm>
-          <a:prstGeom prst="rect">
-            <a:avLst/>
-          </a:prstGeom>
-          <a:noFill/>
-        </p:spPr>
-        <p:txBody>
-          <a:bodyPr wrap="none" rtlCol="0">
-            <a:spAutoFit/>
-          </a:bodyPr>
-          <a:lstStyle/>
-          <a:p>
-            <a:r>
-              <a:rPr lang="en-ID" b="1" dirty="0">
-                <a:solidFill>
-                  <a:srgbClr val="0000FF"/>
-                </a:solidFill>
-              </a:rPr>
-              <a:t>Serial</a:t>
-            </a:r>
-            <a:endParaRPr lang="en-US" b="1" dirty="0">
-              <a:solidFill>
-                <a:srgbClr val="0000FF"/>
-              </a:solidFill>
-            </a:endParaRPr>
-          </a:p>
-        </p:txBody>
-      </p:sp>
-      <p:cxnSp>
-        <p:nvCxnSpPr>
-          <p:cNvPr id="79" name="Straight Arrow Connector 78"/>
-          <p:cNvCxnSpPr>
-            <a:stCxn id="75" idx="1"/>
-            <a:endCxn id="5" idx="3"/>
-          </p:cNvCxnSpPr>
-          <p:nvPr/>
-        </p:nvCxnSpPr>
-        <p:spPr>
-          <a:xfrm flipH="1">
-            <a:off x="1608244" y="1684107"/>
-            <a:ext cx="3251788" cy="735835"/>
-          </a:xfrm>
-          <a:prstGeom prst="straightConnector1">
-            <a:avLst/>
-          </a:prstGeom>
-          <a:ln w="25400">
-            <a:solidFill>
-              <a:srgbClr val="FF0000"/>
-            </a:solidFill>
-            <a:headEnd type="stealth"/>
-            <a:tailEnd type="stealth"/>
-          </a:ln>
-        </p:spPr>
-        <p:style>
-          <a:lnRef idx="1">
-            <a:schemeClr val="accent1"/>
-          </a:lnRef>
-          <a:fillRef idx="0">
-            <a:schemeClr val="accent1"/>
-          </a:fillRef>
-          <a:effectRef idx="0">
-            <a:schemeClr val="accent1"/>
-          </a:effectRef>
-          <a:fontRef idx="minor">
-            <a:schemeClr val="tx1"/>
-          </a:fontRef>
-        </p:style>
-      </p:cxnSp>
-      <p:cxnSp>
-        <p:nvCxnSpPr>
-          <p:cNvPr id="82" name="Straight Arrow Connector 81"/>
-          <p:cNvCxnSpPr>
-            <a:cxnSpLocks/>
-          </p:cNvCxnSpPr>
-          <p:nvPr/>
-        </p:nvCxnSpPr>
-        <p:spPr>
-          <a:xfrm flipH="1">
-            <a:off x="4291131" y="1836507"/>
-            <a:ext cx="721302" cy="463213"/>
-          </a:xfrm>
-          <a:prstGeom prst="straightConnector1">
-            <a:avLst/>
-          </a:prstGeom>
-          <a:ln w="25400">
-            <a:solidFill>
-              <a:srgbClr val="FF0000"/>
-            </a:solidFill>
-            <a:headEnd type="stealth"/>
-            <a:tailEnd type="stealth"/>
-          </a:ln>
-        </p:spPr>
-        <p:style>
-          <a:lnRef idx="1">
-            <a:schemeClr val="accent1"/>
-          </a:lnRef>
-          <a:fillRef idx="0">
-            <a:schemeClr val="accent1"/>
-          </a:fillRef>
-          <a:effectRef idx="0">
-            <a:schemeClr val="accent1"/>
-          </a:effectRef>
-          <a:fontRef idx="minor">
-            <a:schemeClr val="tx1"/>
-          </a:fontRef>
-        </p:style>
-      </p:cxnSp>
-      <p:cxnSp>
-        <p:nvCxnSpPr>
-          <p:cNvPr id="84" name="Straight Arrow Connector 83"/>
-          <p:cNvCxnSpPr>
-            <a:cxnSpLocks/>
-            <a:stCxn id="75" idx="3"/>
-          </p:cNvCxnSpPr>
-          <p:nvPr/>
-        </p:nvCxnSpPr>
-        <p:spPr>
-          <a:xfrm>
-            <a:off x="5335032" y="1684107"/>
-            <a:ext cx="1464230" cy="639023"/>
-          </a:xfrm>
-          <a:prstGeom prst="straightConnector1">
-            <a:avLst/>
-          </a:prstGeom>
-          <a:ln w="25400">
-            <a:solidFill>
-              <a:srgbClr val="FF0000"/>
-            </a:solidFill>
-            <a:headEnd type="stealth"/>
-            <a:tailEnd type="stealth"/>
-          </a:ln>
-        </p:spPr>
-        <p:style>
-          <a:lnRef idx="1">
-            <a:schemeClr val="accent1"/>
-          </a:lnRef>
-          <a:fillRef idx="0">
-            <a:schemeClr val="accent1"/>
-          </a:fillRef>
-          <a:effectRef idx="0">
-            <a:schemeClr val="accent1"/>
-          </a:effectRef>
-          <a:fontRef idx="minor">
-            <a:schemeClr val="tx1"/>
-          </a:fontRef>
-        </p:style>
-      </p:cxnSp>
-      <p:sp>
-        <p:nvSpPr>
-          <p:cNvPr id="87" name="TextBox 86"/>
-          <p:cNvSpPr txBox="1"/>
-          <p:nvPr/>
-        </p:nvSpPr>
-        <p:spPr>
-          <a:xfrm>
-            <a:off x="4539924" y="1916832"/>
-            <a:ext cx="1749325" cy="369332"/>
-          </a:xfrm>
-          <a:prstGeom prst="rect">
-            <a:avLst/>
-          </a:prstGeom>
-          <a:noFill/>
-        </p:spPr>
-        <p:txBody>
-          <a:bodyPr wrap="none" rtlCol="0">
-            <a:spAutoFit/>
-          </a:bodyPr>
-          <a:lstStyle/>
-          <a:p>
-            <a:r>
-              <a:rPr lang="en-ID" b="1" dirty="0">
-                <a:solidFill>
-                  <a:srgbClr val="FF0000"/>
-                </a:solidFill>
-              </a:rPr>
-              <a:t>MQTT - Protocol</a:t>
-            </a:r>
-            <a:endParaRPr lang="en-US" b="1" dirty="0">
-              <a:solidFill>
-                <a:srgbClr val="FF0000"/>
-              </a:solidFill>
-            </a:endParaRPr>
-          </a:p>
-        </p:txBody>
-      </p:sp>
-      <p:pic>
-        <p:nvPicPr>
-          <p:cNvPr id="88" name="Picture 87" descr="android, mobile, phone, smartphone Icon"/>
-          <p:cNvPicPr/>
-          <p:nvPr/>
-        </p:nvPicPr>
-        <p:blipFill>
-          <a:blip r:embed="rId11" cstate="email">
-            <a:extLst>
-              <a:ext uri="{28A0092B-C50C-407E-A947-70E740481C1C}">
-                <a14:useLocalDpi xmlns:a14="http://schemas.microsoft.com/office/drawing/2010/main" val="0"/>
-              </a:ext>
-            </a:extLst>
-          </a:blip>
-          <a:srcRect/>
-          <a:stretch>
-            <a:fillRect/>
-          </a:stretch>
-        </p:blipFill>
-        <p:spPr bwMode="auto">
-          <a:xfrm>
-            <a:off x="7309443" y="746394"/>
-            <a:ext cx="1558290" cy="1558290"/>
-          </a:xfrm>
-          <a:prstGeom prst="rect">
-            <a:avLst/>
-          </a:prstGeom>
-          <a:noFill/>
-          <a:ln>
-            <a:noFill/>
-          </a:ln>
-        </p:spPr>
-      </p:pic>
-      <p:pic>
-        <p:nvPicPr>
-          <p:cNvPr id="89" name="Picture 88"/>
-          <p:cNvPicPr/>
-          <p:nvPr/>
-        </p:nvPicPr>
-        <p:blipFill>
-          <a:blip r:embed="rId12"/>
-          <a:stretch>
-            <a:fillRect/>
-          </a:stretch>
-        </p:blipFill>
-        <p:spPr>
-          <a:xfrm>
-            <a:off x="6145995" y="93299"/>
-            <a:ext cx="838200" cy="685800"/>
-          </a:xfrm>
-          <a:prstGeom prst="rect">
-            <a:avLst/>
-          </a:prstGeom>
-        </p:spPr>
-      </p:pic>
-      <p:cxnSp>
-        <p:nvCxnSpPr>
-          <p:cNvPr id="90" name="Straight Arrow Connector 89"/>
-          <p:cNvCxnSpPr/>
-          <p:nvPr/>
-        </p:nvCxnSpPr>
-        <p:spPr>
-          <a:xfrm flipV="1">
-            <a:off x="5482069" y="390803"/>
-            <a:ext cx="715333" cy="556901"/>
-          </a:xfrm>
-          <a:prstGeom prst="straightConnector1">
-            <a:avLst/>
-          </a:prstGeom>
-          <a:ln w="25400">
-            <a:solidFill>
-              <a:srgbClr val="00FF00"/>
-            </a:solidFill>
-            <a:headEnd type="stealth"/>
-            <a:tailEnd type="stealth"/>
-          </a:ln>
-        </p:spPr>
-        <p:style>
-          <a:lnRef idx="1">
-            <a:schemeClr val="accent1"/>
-          </a:lnRef>
-          <a:fillRef idx="0">
-            <a:schemeClr val="accent1"/>
-          </a:fillRef>
-          <a:effectRef idx="0">
-            <a:schemeClr val="accent1"/>
-          </a:effectRef>
-          <a:fontRef idx="minor">
-            <a:schemeClr val="tx1"/>
-          </a:fontRef>
-        </p:style>
-      </p:cxnSp>
-      <p:cxnSp>
-        <p:nvCxnSpPr>
-          <p:cNvPr id="92" name="Straight Arrow Connector 91"/>
-          <p:cNvCxnSpPr>
-            <a:endCxn id="89" idx="3"/>
-          </p:cNvCxnSpPr>
-          <p:nvPr/>
-        </p:nvCxnSpPr>
-        <p:spPr>
-          <a:xfrm flipH="1" flipV="1">
-            <a:off x="6984195" y="436199"/>
-            <a:ext cx="1004356" cy="278450"/>
-          </a:xfrm>
-          <a:prstGeom prst="straightConnector1">
-            <a:avLst/>
-          </a:prstGeom>
-          <a:ln w="25400">
-            <a:solidFill>
-              <a:srgbClr val="00FF00"/>
-            </a:solidFill>
-            <a:headEnd type="stealth" w="med" len="lg"/>
-            <a:tailEnd type="stealth"/>
-          </a:ln>
-        </p:spPr>
-        <p:style>
-          <a:lnRef idx="1">
-            <a:schemeClr val="accent1"/>
-          </a:lnRef>
-          <a:fillRef idx="0">
-            <a:schemeClr val="accent1"/>
-          </a:fillRef>
-          <a:effectRef idx="0">
-            <a:schemeClr val="accent1"/>
-          </a:effectRef>
-          <a:fontRef idx="minor">
-            <a:schemeClr val="tx1"/>
-          </a:fontRef>
-        </p:style>
-      </p:cxnSp>
-      <p:cxnSp>
-        <p:nvCxnSpPr>
-          <p:cNvPr id="95" name="Straight Arrow Connector 94"/>
-          <p:cNvCxnSpPr>
-            <a:cxnSpLocks/>
-          </p:cNvCxnSpPr>
-          <p:nvPr/>
-        </p:nvCxnSpPr>
-        <p:spPr>
-          <a:xfrm>
-            <a:off x="5485012" y="1016433"/>
-            <a:ext cx="2129095" cy="532439"/>
-          </a:xfrm>
-          <a:prstGeom prst="straightConnector1">
-            <a:avLst/>
-          </a:prstGeom>
-          <a:ln w="25400">
-            <a:solidFill>
-              <a:srgbClr val="00FF00"/>
-            </a:solidFill>
-            <a:headEnd type="stealth"/>
-            <a:tailEnd type="stealth"/>
-          </a:ln>
-        </p:spPr>
-        <p:style>
-          <a:lnRef idx="1">
-            <a:schemeClr val="accent1"/>
-          </a:lnRef>
-          <a:fillRef idx="0">
-            <a:schemeClr val="accent1"/>
-          </a:fillRef>
-          <a:effectRef idx="0">
-            <a:schemeClr val="accent1"/>
-          </a:effectRef>
-          <a:fontRef idx="minor">
-            <a:schemeClr val="tx1"/>
-          </a:fontRef>
-        </p:style>
-      </p:cxnSp>
-      <p:sp>
-        <p:nvSpPr>
-          <p:cNvPr id="104" name="TextBox 103"/>
-          <p:cNvSpPr txBox="1"/>
-          <p:nvPr/>
-        </p:nvSpPr>
-        <p:spPr>
-          <a:xfrm>
-            <a:off x="5839735" y="808435"/>
-            <a:ext cx="1662443" cy="369332"/>
-          </a:xfrm>
-          <a:prstGeom prst="rect">
-            <a:avLst/>
-          </a:prstGeom>
-          <a:noFill/>
-        </p:spPr>
-        <p:txBody>
-          <a:bodyPr wrap="none" rtlCol="0">
-            <a:spAutoFit/>
-          </a:bodyPr>
-          <a:lstStyle/>
-          <a:p>
-            <a:r>
-              <a:rPr lang="en-ID" b="1" dirty="0">
-                <a:solidFill>
-                  <a:srgbClr val="00FF00"/>
-                </a:solidFill>
-              </a:rPr>
-              <a:t>HTTP - Protocol</a:t>
-            </a:r>
-            <a:endParaRPr lang="en-US" b="1" dirty="0">
-              <a:solidFill>
-                <a:srgbClr val="00FF00"/>
-              </a:solidFill>
-            </a:endParaRPr>
-          </a:p>
-        </p:txBody>
-      </p:sp>
-      <p:sp>
-        <p:nvSpPr>
-          <p:cNvPr id="105" name="TextBox 104"/>
-          <p:cNvSpPr txBox="1"/>
-          <p:nvPr/>
-        </p:nvSpPr>
-        <p:spPr>
-          <a:xfrm>
-            <a:off x="1179318" y="260648"/>
-            <a:ext cx="1251240" cy="369332"/>
-          </a:xfrm>
-          <a:prstGeom prst="rect">
-            <a:avLst/>
-          </a:prstGeom>
-          <a:noFill/>
-        </p:spPr>
-        <p:txBody>
-          <a:bodyPr wrap="none" rtlCol="0">
-            <a:spAutoFit/>
-          </a:bodyPr>
-          <a:lstStyle/>
-          <a:p>
-            <a:r>
-              <a:rPr lang="en-ID" b="1" dirty="0">
-                <a:solidFill>
-                  <a:srgbClr val="0000FF"/>
-                </a:solidFill>
-              </a:rPr>
-              <a:t>Local Panel</a:t>
-            </a:r>
-            <a:endParaRPr lang="en-US" b="1" dirty="0">
-              <a:solidFill>
-                <a:srgbClr val="0000FF"/>
-              </a:solidFill>
-            </a:endParaRPr>
-          </a:p>
-        </p:txBody>
-      </p:sp>
-      <p:sp>
-        <p:nvSpPr>
-          <p:cNvPr id="106" name="TextBox 105"/>
-          <p:cNvSpPr txBox="1"/>
-          <p:nvPr/>
-        </p:nvSpPr>
-        <p:spPr>
-          <a:xfrm>
-            <a:off x="4405182" y="116632"/>
-            <a:ext cx="1606978" cy="369332"/>
-          </a:xfrm>
-          <a:prstGeom prst="rect">
-            <a:avLst/>
-          </a:prstGeom>
-          <a:noFill/>
-        </p:spPr>
-        <p:txBody>
-          <a:bodyPr wrap="none" rtlCol="0">
-            <a:spAutoFit/>
-          </a:bodyPr>
-          <a:lstStyle/>
-          <a:p>
-            <a:r>
-              <a:rPr lang="en-ID" b="1" dirty="0">
-                <a:solidFill>
-                  <a:srgbClr val="0000FF"/>
-                </a:solidFill>
-              </a:rPr>
-              <a:t>Broker - Server</a:t>
-            </a:r>
-            <a:endParaRPr lang="en-US" b="1" dirty="0">
-              <a:solidFill>
-                <a:srgbClr val="0000FF"/>
-              </a:solidFill>
-            </a:endParaRPr>
-          </a:p>
-        </p:txBody>
-      </p:sp>
-      <p:sp>
-        <p:nvSpPr>
-          <p:cNvPr id="107" name="TextBox 106"/>
-          <p:cNvSpPr txBox="1"/>
-          <p:nvPr/>
-        </p:nvSpPr>
-        <p:spPr>
-          <a:xfrm>
-            <a:off x="7692657" y="2306930"/>
-            <a:ext cx="829714" cy="369332"/>
-          </a:xfrm>
-          <a:prstGeom prst="rect">
-            <a:avLst/>
-          </a:prstGeom>
-          <a:noFill/>
-        </p:spPr>
-        <p:txBody>
-          <a:bodyPr wrap="none" rtlCol="0">
-            <a:spAutoFit/>
-          </a:bodyPr>
-          <a:lstStyle/>
-          <a:p>
-            <a:r>
-              <a:rPr lang="en-ID" b="1" dirty="0">
-                <a:solidFill>
-                  <a:srgbClr val="0000FF"/>
-                </a:solidFill>
-              </a:rPr>
-              <a:t>I-</a:t>
+              <a:t>W</a:t>
             </a:r>
             <a:r>
               <a:rPr lang="en-ID" b="1" dirty="0" err="1">
@@ -7094,7 +7661,15 @@
                   <a:srgbClr val="0000FF"/>
                 </a:solidFill>
               </a:rPr>
-              <a:t>Dev’s</a:t>
+              <a:t>lFPS</a:t>
+            </a:r>
+            <a:r>
+              <a:rPr lang="en-ID" b="1" dirty="0">
+                <a:solidFill>
+                  <a:srgbClr val="0000FF"/>
+                </a:solidFill>
+              </a:rPr>
+              <a:t> – Wireless Fire Protection System</a:t>
             </a:r>
             <a:endParaRPr lang="en-US" b="1" dirty="0">
               <a:solidFill>
@@ -7104,256 +7679,6 @@
           </a:p>
         </p:txBody>
       </p:sp>
-      <p:pic>
-        <p:nvPicPr>
-          <p:cNvPr id="108" name="Picture 107" descr="android, mobile, phone, smartphone Icon"/>
-          <p:cNvPicPr/>
-          <p:nvPr/>
-        </p:nvPicPr>
-        <p:blipFill>
-          <a:blip r:embed="rId11" cstate="email">
-            <a:extLst>
-              <a:ext uri="{28A0092B-C50C-407E-A947-70E740481C1C}">
-                <a14:useLocalDpi xmlns:a14="http://schemas.microsoft.com/office/drawing/2010/main" val="0"/>
-              </a:ext>
-            </a:extLst>
-          </a:blip>
-          <a:srcRect/>
-          <a:stretch>
-            <a:fillRect/>
-          </a:stretch>
-        </p:blipFill>
-        <p:spPr bwMode="auto">
-          <a:xfrm>
-            <a:off x="7461843" y="548680"/>
-            <a:ext cx="1558290" cy="1558290"/>
-          </a:xfrm>
-          <a:prstGeom prst="rect">
-            <a:avLst/>
-          </a:prstGeom>
-          <a:noFill/>
-          <a:ln>
-            <a:noFill/>
-          </a:ln>
-        </p:spPr>
-      </p:pic>
-      <p:pic>
-        <p:nvPicPr>
-          <p:cNvPr id="109" name="Picture 108" descr="android, mobile, phone, smartphone Icon"/>
-          <p:cNvPicPr/>
-          <p:nvPr/>
-        </p:nvPicPr>
-        <p:blipFill>
-          <a:blip r:embed="rId11" cstate="email">
-            <a:extLst>
-              <a:ext uri="{28A0092B-C50C-407E-A947-70E740481C1C}">
-                <a14:useLocalDpi xmlns:a14="http://schemas.microsoft.com/office/drawing/2010/main" val="0"/>
-              </a:ext>
-            </a:extLst>
-          </a:blip>
-          <a:srcRect/>
-          <a:stretch>
-            <a:fillRect/>
-          </a:stretch>
-        </p:blipFill>
-        <p:spPr bwMode="auto">
-          <a:xfrm>
-            <a:off x="7622222" y="404664"/>
-            <a:ext cx="1558290" cy="1558290"/>
-          </a:xfrm>
-          <a:prstGeom prst="rect">
-            <a:avLst/>
-          </a:prstGeom>
-          <a:noFill/>
-          <a:ln>
-            <a:noFill/>
-          </a:ln>
-        </p:spPr>
-      </p:pic>
-      <p:sp>
-        <p:nvSpPr>
-          <p:cNvPr id="81" name="TextBox 80">
-            <a:extLst>
-              <a:ext uri="{FF2B5EF4-FFF2-40B4-BE49-F238E27FC236}">
-                <a16:creationId xmlns:a16="http://schemas.microsoft.com/office/drawing/2014/main" id="{790D0203-3E55-41ED-B09F-6DF8228F54B7}"/>
-              </a:ext>
-            </a:extLst>
-          </p:cNvPr>
-          <p:cNvSpPr txBox="1"/>
-          <p:nvPr/>
-        </p:nvSpPr>
-        <p:spPr>
-          <a:xfrm>
-            <a:off x="1446506" y="2311472"/>
-            <a:ext cx="568745" cy="369332"/>
-          </a:xfrm>
-          <a:prstGeom prst="rect">
-            <a:avLst/>
-          </a:prstGeom>
-          <a:noFill/>
-        </p:spPr>
-        <p:txBody>
-          <a:bodyPr wrap="none" rtlCol="0">
-            <a:spAutoFit/>
-          </a:bodyPr>
-          <a:lstStyle/>
-          <a:p>
-            <a:r>
-              <a:rPr lang="en-US" b="1" dirty="0">
-                <a:solidFill>
-                  <a:srgbClr val="0000FF"/>
-                </a:solidFill>
-              </a:rPr>
-              <a:t>E</a:t>
-            </a:r>
-            <a:r>
-              <a:rPr lang="en-ID" b="1" dirty="0" err="1">
-                <a:solidFill>
-                  <a:srgbClr val="0000FF"/>
-                </a:solidFill>
-              </a:rPr>
-              <a:t>oN</a:t>
-            </a:r>
-            <a:endParaRPr lang="en-US" b="1" dirty="0">
-              <a:solidFill>
-                <a:srgbClr val="0000FF"/>
-              </a:solidFill>
-            </a:endParaRPr>
-          </a:p>
-        </p:txBody>
-      </p:sp>
-      <p:sp>
-        <p:nvSpPr>
-          <p:cNvPr id="85" name="TextBox 84">
-            <a:extLst>
-              <a:ext uri="{FF2B5EF4-FFF2-40B4-BE49-F238E27FC236}">
-                <a16:creationId xmlns:a16="http://schemas.microsoft.com/office/drawing/2014/main" id="{71E992D9-D949-4276-AAC3-636153343403}"/>
-              </a:ext>
-            </a:extLst>
-          </p:cNvPr>
-          <p:cNvSpPr txBox="1"/>
-          <p:nvPr/>
-        </p:nvSpPr>
-        <p:spPr>
-          <a:xfrm>
-            <a:off x="4215898" y="2324706"/>
-            <a:ext cx="568745" cy="369332"/>
-          </a:xfrm>
-          <a:prstGeom prst="rect">
-            <a:avLst/>
-          </a:prstGeom>
-          <a:noFill/>
-        </p:spPr>
-        <p:txBody>
-          <a:bodyPr wrap="none" rtlCol="0">
-            <a:spAutoFit/>
-          </a:bodyPr>
-          <a:lstStyle/>
-          <a:p>
-            <a:r>
-              <a:rPr lang="en-US" b="1" dirty="0">
-                <a:solidFill>
-                  <a:srgbClr val="0000FF"/>
-                </a:solidFill>
-              </a:rPr>
-              <a:t>E</a:t>
-            </a:r>
-            <a:r>
-              <a:rPr lang="en-ID" b="1" dirty="0" err="1">
-                <a:solidFill>
-                  <a:srgbClr val="0000FF"/>
-                </a:solidFill>
-              </a:rPr>
-              <a:t>oN</a:t>
-            </a:r>
-            <a:endParaRPr lang="en-US" b="1" dirty="0">
-              <a:solidFill>
-                <a:srgbClr val="0000FF"/>
-              </a:solidFill>
-            </a:endParaRPr>
-          </a:p>
-        </p:txBody>
-      </p:sp>
-      <p:sp>
-        <p:nvSpPr>
-          <p:cNvPr id="86" name="TextBox 85">
-            <a:extLst>
-              <a:ext uri="{FF2B5EF4-FFF2-40B4-BE49-F238E27FC236}">
-                <a16:creationId xmlns:a16="http://schemas.microsoft.com/office/drawing/2014/main" id="{574F8BB8-07A3-4F63-8DD0-219A9FDDE81D}"/>
-              </a:ext>
-            </a:extLst>
-          </p:cNvPr>
-          <p:cNvSpPr txBox="1"/>
-          <p:nvPr/>
-        </p:nvSpPr>
-        <p:spPr>
-          <a:xfrm>
-            <a:off x="6854826" y="2319648"/>
-            <a:ext cx="568745" cy="369332"/>
-          </a:xfrm>
-          <a:prstGeom prst="rect">
-            <a:avLst/>
-          </a:prstGeom>
-          <a:noFill/>
-        </p:spPr>
-        <p:txBody>
-          <a:bodyPr wrap="none" rtlCol="0">
-            <a:spAutoFit/>
-          </a:bodyPr>
-          <a:lstStyle/>
-          <a:p>
-            <a:r>
-              <a:rPr lang="en-US" b="1" dirty="0">
-                <a:solidFill>
-                  <a:srgbClr val="0000FF"/>
-                </a:solidFill>
-              </a:rPr>
-              <a:t>E</a:t>
-            </a:r>
-            <a:r>
-              <a:rPr lang="en-ID" b="1" dirty="0" err="1">
-                <a:solidFill>
-                  <a:srgbClr val="0000FF"/>
-                </a:solidFill>
-              </a:rPr>
-              <a:t>oN</a:t>
-            </a:r>
-            <a:endParaRPr lang="en-US" b="1" dirty="0">
-              <a:solidFill>
-                <a:srgbClr val="0000FF"/>
-              </a:solidFill>
-            </a:endParaRPr>
-          </a:p>
-        </p:txBody>
-      </p:sp>
-      <p:pic>
-        <p:nvPicPr>
-          <p:cNvPr id="93" name="Picture 92">
-            <a:extLst>
-              <a:ext uri="{FF2B5EF4-FFF2-40B4-BE49-F238E27FC236}">
-                <a16:creationId xmlns:a16="http://schemas.microsoft.com/office/drawing/2014/main" id="{D7ED08F4-31B4-432D-A1A0-BE825490F18D}"/>
-              </a:ext>
-            </a:extLst>
-          </p:cNvPr>
-          <p:cNvPicPr/>
-          <p:nvPr/>
-        </p:nvPicPr>
-        <p:blipFill>
-          <a:blip r:embed="rId5"/>
-          <a:stretch>
-            <a:fillRect/>
-          </a:stretch>
-        </p:blipFill>
-        <p:spPr>
-          <a:xfrm>
-            <a:off x="4752466" y="518506"/>
-            <a:ext cx="762939" cy="1084686"/>
-          </a:xfrm>
-          <a:prstGeom prst="rect">
-            <a:avLst/>
-          </a:prstGeom>
-        </p:spPr>
-      </p:pic>
     </p:spTree>
   </p:cSld>
   <p:clrMapOvr>
@@ -7366,348 +7691,7 @@
 </file>
 
 <file path=ppt/slides/slide2.xml><?xml version="1.0" encoding="utf-8"?>
-<p:sld xmlns:a="http://schemas.openxmlformats.org/drawingml/2006/main" xmlns:r="http://schemas.openxmlformats.org/officeDocument/2006/relationships" xmlns:p="http://schemas.openxmlformats.org/presentationml/2006/main">
-  <p:cSld>
-    <p:spTree>
-      <p:nvGrpSpPr>
-        <p:cNvPr id="1" name=""/>
-        <p:cNvGrpSpPr/>
-        <p:nvPr/>
-      </p:nvGrpSpPr>
-      <p:grpSpPr>
-        <a:xfrm>
-          <a:off x="0" y="0"/>
-          <a:ext cx="0" cy="0"/>
-          <a:chOff x="0" y="0"/>
-          <a:chExt cx="0" cy="0"/>
-        </a:xfrm>
-      </p:grpSpPr>
-      <p:pic>
-        <p:nvPicPr>
-          <p:cNvPr id="2" name="Picture 1" descr="Arduino LCD/keypad shield - YouTube"/>
-          <p:cNvPicPr/>
-          <p:nvPr/>
-        </p:nvPicPr>
-        <p:blipFill>
-          <a:blip r:embed="rId2" cstate="email">
-            <a:extLst>
-              <a:ext uri="{28A0092B-C50C-407E-A947-70E740481C1C}">
-                <a14:useLocalDpi xmlns:a14="http://schemas.microsoft.com/office/drawing/2010/main" val="0"/>
-              </a:ext>
-            </a:extLst>
-          </a:blip>
-          <a:srcRect/>
-          <a:stretch>
-            <a:fillRect/>
-          </a:stretch>
-        </p:blipFill>
-        <p:spPr bwMode="auto">
-          <a:xfrm>
-            <a:off x="996852" y="2641938"/>
-            <a:ext cx="2527935" cy="1423035"/>
-          </a:xfrm>
-          <a:prstGeom prst="rect">
-            <a:avLst/>
-          </a:prstGeom>
-          <a:noFill/>
-          <a:ln>
-            <a:noFill/>
-          </a:ln>
-        </p:spPr>
-      </p:pic>
-      <p:cxnSp>
-        <p:nvCxnSpPr>
-          <p:cNvPr id="4" name="Elbow Connector 3"/>
-          <p:cNvCxnSpPr>
-            <a:cxnSpLocks/>
-            <a:stCxn id="2" idx="3"/>
-          </p:cNvCxnSpPr>
-          <p:nvPr/>
-        </p:nvCxnSpPr>
-        <p:spPr>
-          <a:xfrm flipV="1">
-            <a:off x="3524787" y="3321756"/>
-            <a:ext cx="2144955" cy="31700"/>
-          </a:xfrm>
-          <a:prstGeom prst="bentConnector3">
-            <a:avLst/>
-          </a:prstGeom>
-          <a:ln w="25400">
-            <a:solidFill>
-              <a:srgbClr val="0000FF"/>
-            </a:solidFill>
-            <a:headEnd type="stealth"/>
-            <a:tailEnd type="stealth"/>
-          </a:ln>
-        </p:spPr>
-        <p:style>
-          <a:lnRef idx="1">
-            <a:schemeClr val="accent1"/>
-          </a:lnRef>
-          <a:fillRef idx="0">
-            <a:schemeClr val="accent1"/>
-          </a:fillRef>
-          <a:effectRef idx="0">
-            <a:schemeClr val="accent1"/>
-          </a:effectRef>
-          <a:fontRef idx="minor">
-            <a:schemeClr val="tx1"/>
-          </a:fontRef>
-        </p:style>
-      </p:cxnSp>
-      <p:sp>
-        <p:nvSpPr>
-          <p:cNvPr id="5" name="TextBox 4"/>
-          <p:cNvSpPr txBox="1"/>
-          <p:nvPr/>
-        </p:nvSpPr>
-        <p:spPr>
-          <a:xfrm>
-            <a:off x="3966243" y="3030289"/>
-            <a:ext cx="1139479" cy="646331"/>
-          </a:xfrm>
-          <a:prstGeom prst="rect">
-            <a:avLst/>
-          </a:prstGeom>
-          <a:noFill/>
-        </p:spPr>
-        <p:txBody>
-          <a:bodyPr wrap="none" rtlCol="0">
-            <a:spAutoFit/>
-          </a:bodyPr>
-          <a:lstStyle/>
-          <a:p>
-            <a:r>
-              <a:rPr lang="en-ID" b="1" dirty="0">
-                <a:solidFill>
-                  <a:srgbClr val="0000FF"/>
-                </a:solidFill>
-              </a:rPr>
-              <a:t>Serial</a:t>
-            </a:r>
-          </a:p>
-          <a:p>
-            <a:r>
-              <a:rPr lang="en-ID" b="1" dirty="0">
-                <a:solidFill>
-                  <a:srgbClr val="0000FF"/>
-                </a:solidFill>
-              </a:rPr>
-              <a:t>Hard-wire</a:t>
-            </a:r>
-            <a:endParaRPr lang="en-US" b="1" dirty="0">
-              <a:solidFill>
-                <a:srgbClr val="0000FF"/>
-              </a:solidFill>
-            </a:endParaRPr>
-          </a:p>
-        </p:txBody>
-      </p:sp>
-      <p:sp>
-        <p:nvSpPr>
-          <p:cNvPr id="6" name="Title 5"/>
-          <p:cNvSpPr>
-            <a:spLocks noGrp="1"/>
-          </p:cNvSpPr>
-          <p:nvPr>
-            <p:ph type="title"/>
-          </p:nvPr>
-        </p:nvSpPr>
-        <p:spPr/>
-        <p:txBody>
-          <a:bodyPr/>
-          <a:lstStyle/>
-          <a:p>
-            <a:r>
-              <a:rPr lang="en-ID" b="1" dirty="0">
-                <a:solidFill>
-                  <a:srgbClr val="0000FF"/>
-                </a:solidFill>
-              </a:rPr>
-              <a:t>Local Panel - HW</a:t>
-            </a:r>
-            <a:endParaRPr lang="en-US" b="1" dirty="0">
-              <a:solidFill>
-                <a:srgbClr val="0000FF"/>
-              </a:solidFill>
-            </a:endParaRPr>
-          </a:p>
-        </p:txBody>
-      </p:sp>
-      <p:sp>
-        <p:nvSpPr>
-          <p:cNvPr id="7" name="TextBox 6"/>
-          <p:cNvSpPr txBox="1"/>
-          <p:nvPr/>
-        </p:nvSpPr>
-        <p:spPr>
-          <a:xfrm>
-            <a:off x="1403648" y="1988840"/>
-            <a:ext cx="1962012" cy="646331"/>
-          </a:xfrm>
-          <a:prstGeom prst="rect">
-            <a:avLst/>
-          </a:prstGeom>
-          <a:noFill/>
-        </p:spPr>
-        <p:txBody>
-          <a:bodyPr wrap="none" rtlCol="0">
-            <a:spAutoFit/>
-          </a:bodyPr>
-          <a:lstStyle/>
-          <a:p>
-            <a:r>
-              <a:rPr lang="en-ID" b="1" dirty="0" err="1">
-                <a:solidFill>
-                  <a:srgbClr val="0000FF"/>
-                </a:solidFill>
-              </a:rPr>
-              <a:t>Arduino</a:t>
-            </a:r>
-            <a:r>
-              <a:rPr lang="en-ID" b="1" dirty="0">
-                <a:solidFill>
-                  <a:srgbClr val="0000FF"/>
-                </a:solidFill>
-              </a:rPr>
-              <a:t> Mega c/w</a:t>
-            </a:r>
-          </a:p>
-          <a:p>
-            <a:r>
-              <a:rPr lang="en-ID" b="1" dirty="0" err="1">
-                <a:solidFill>
-                  <a:srgbClr val="0000FF"/>
-                </a:solidFill>
-              </a:rPr>
-              <a:t>Lcd</a:t>
-            </a:r>
-            <a:r>
-              <a:rPr lang="en-ID" b="1" dirty="0">
-                <a:solidFill>
-                  <a:srgbClr val="0000FF"/>
-                </a:solidFill>
-              </a:rPr>
-              <a:t> Keypad</a:t>
-            </a:r>
-            <a:endParaRPr lang="en-US" b="1" dirty="0">
-              <a:solidFill>
-                <a:srgbClr val="0000FF"/>
-              </a:solidFill>
-            </a:endParaRPr>
-          </a:p>
-        </p:txBody>
-      </p:sp>
-      <p:pic>
-        <p:nvPicPr>
-          <p:cNvPr id="10" name="Picture 9">
-            <a:extLst>
-              <a:ext uri="{FF2B5EF4-FFF2-40B4-BE49-F238E27FC236}">
-                <a16:creationId xmlns:a16="http://schemas.microsoft.com/office/drawing/2014/main" id="{4E81C574-8CAD-4602-8C13-DD2A12684E90}"/>
-              </a:ext>
-            </a:extLst>
-          </p:cNvPr>
-          <p:cNvPicPr/>
-          <p:nvPr/>
-        </p:nvPicPr>
-        <p:blipFill>
-          <a:blip r:embed="rId3"/>
-          <a:stretch>
-            <a:fillRect/>
-          </a:stretch>
-        </p:blipFill>
-        <p:spPr>
-          <a:xfrm>
-            <a:off x="5707237" y="2746690"/>
-            <a:ext cx="964069" cy="1388550"/>
-          </a:xfrm>
-          <a:prstGeom prst="rect">
-            <a:avLst/>
-          </a:prstGeom>
-        </p:spPr>
-      </p:pic>
-      <p:sp>
-        <p:nvSpPr>
-          <p:cNvPr id="11" name="TextBox 10">
-            <a:extLst>
-              <a:ext uri="{FF2B5EF4-FFF2-40B4-BE49-F238E27FC236}">
-                <a16:creationId xmlns:a16="http://schemas.microsoft.com/office/drawing/2014/main" id="{DAD267B9-AE7D-4753-B5E5-EC1952F2B03B}"/>
-              </a:ext>
-            </a:extLst>
-          </p:cNvPr>
-          <p:cNvSpPr txBox="1"/>
-          <p:nvPr/>
-        </p:nvSpPr>
-        <p:spPr>
-          <a:xfrm>
-            <a:off x="5579264" y="2120823"/>
-            <a:ext cx="1220014" cy="646331"/>
-          </a:xfrm>
-          <a:prstGeom prst="rect">
-            <a:avLst/>
-          </a:prstGeom>
-          <a:noFill/>
-        </p:spPr>
-        <p:txBody>
-          <a:bodyPr wrap="none" rtlCol="0">
-            <a:spAutoFit/>
-          </a:bodyPr>
-          <a:lstStyle/>
-          <a:p>
-            <a:pPr algn="ctr"/>
-            <a:r>
-              <a:rPr lang="en-ID" b="1" dirty="0">
-                <a:solidFill>
-                  <a:srgbClr val="0000FF"/>
-                </a:solidFill>
-              </a:rPr>
-              <a:t>Server</a:t>
-            </a:r>
-          </a:p>
-          <a:p>
-            <a:pPr algn="ctr"/>
-            <a:r>
-              <a:rPr lang="en-ID" b="1" dirty="0" err="1">
-                <a:solidFill>
-                  <a:srgbClr val="0000FF"/>
-                </a:solidFill>
-              </a:rPr>
-              <a:t>Wemos</a:t>
-            </a:r>
-            <a:r>
-              <a:rPr lang="en-ID" b="1" dirty="0">
-                <a:solidFill>
-                  <a:srgbClr val="0000FF"/>
-                </a:solidFill>
-              </a:rPr>
-              <a:t> D1</a:t>
-            </a:r>
-            <a:endParaRPr lang="en-US" b="1" dirty="0">
-              <a:solidFill>
-                <a:srgbClr val="0000FF"/>
-              </a:solidFill>
-            </a:endParaRPr>
-          </a:p>
-        </p:txBody>
-      </p:sp>
-    </p:spTree>
-    <p:extLst>
-      <p:ext uri="{BB962C8B-B14F-4D97-AF65-F5344CB8AC3E}">
-        <p14:creationId xmlns:p14="http://schemas.microsoft.com/office/powerpoint/2010/main" val="118418145"/>
-      </p:ext>
-    </p:extLst>
-  </p:cSld>
-  <p:clrMapOvr>
-    <a:masterClrMapping/>
-  </p:clrMapOvr>
-  <p:transition spd="slow">
-    <p:wipe dir="d"/>
-  </p:transition>
-</p:sld>
-</file>
-
-<file path=ppt/slides/slide3.xml><?xml version="1.0" encoding="utf-8"?>
-<p:sld xmlns:a="http://schemas.openxmlformats.org/drawingml/2006/main" xmlns:r="http://schemas.openxmlformats.org/officeDocument/2006/relationships" xmlns:p="http://schemas.openxmlformats.org/presentationml/2006/main">
+<p:sld xmlns:a="http://schemas.openxmlformats.org/drawingml/2006/main" xmlns:r="http://schemas.openxmlformats.org/officeDocument/2006/relationships" xmlns:p="http://schemas.openxmlformats.org/presentationml/2006/main" showMasterSp="0">
   <p:cSld>
     <p:spTree>
       <p:nvGrpSpPr>
@@ -7750,7 +7734,7 @@
         </p:blipFill>
         <p:spPr bwMode="auto">
           <a:xfrm rot="16200000" flipV="1">
-            <a:off x="5287305" y="2457118"/>
+            <a:off x="3361957" y="2770739"/>
             <a:ext cx="475000" cy="465449"/>
           </a:xfrm>
           <a:prstGeom prst="rect">
@@ -7783,7 +7767,7 @@
         </p:blipFill>
         <p:spPr bwMode="auto">
           <a:xfrm flipV="1">
-            <a:off x="4676084" y="3170283"/>
+            <a:off x="2750736" y="3483904"/>
             <a:ext cx="475000" cy="465449"/>
           </a:xfrm>
           <a:prstGeom prst="rect">
@@ -7795,129 +7779,6 @@
           </a:ln>
         </p:spPr>
       </p:pic>
-      <p:pic>
-        <p:nvPicPr>
-          <p:cNvPr id="2" name="Picture 1" descr="Arduino LCD/keypad shield - YouTube"/>
-          <p:cNvPicPr/>
-          <p:nvPr/>
-        </p:nvPicPr>
-        <p:blipFill>
-          <a:blip r:embed="rId3" cstate="email">
-            <a:extLst>
-              <a:ext uri="{28A0092B-C50C-407E-A947-70E740481C1C}">
-                <a14:useLocalDpi xmlns:a14="http://schemas.microsoft.com/office/drawing/2010/main" val="0"/>
-              </a:ext>
-            </a:extLst>
-          </a:blip>
-          <a:srcRect/>
-          <a:stretch>
-            <a:fillRect/>
-          </a:stretch>
-        </p:blipFill>
-        <p:spPr bwMode="auto">
-          <a:xfrm>
-            <a:off x="823170" y="2077973"/>
-            <a:ext cx="2527935" cy="1423035"/>
-          </a:xfrm>
-          <a:prstGeom prst="rect">
-            <a:avLst/>
-          </a:prstGeom>
-          <a:noFill/>
-          <a:ln>
-            <a:noFill/>
-          </a:ln>
-        </p:spPr>
-      </p:pic>
-      <p:cxnSp>
-        <p:nvCxnSpPr>
-          <p:cNvPr id="4" name="Elbow Connector 3"/>
-          <p:cNvCxnSpPr>
-            <a:cxnSpLocks/>
-            <a:stCxn id="2" idx="3"/>
-          </p:cNvCxnSpPr>
-          <p:nvPr/>
-        </p:nvCxnSpPr>
-        <p:spPr>
-          <a:xfrm flipV="1">
-            <a:off x="3351105" y="2615516"/>
-            <a:ext cx="1220895" cy="173975"/>
-          </a:xfrm>
-          <a:prstGeom prst="bentConnector3">
-            <a:avLst>
-              <a:gd name="adj1" fmla="val 83005"/>
-            </a:avLst>
-          </a:prstGeom>
-          <a:ln w="25400">
-            <a:solidFill>
-              <a:srgbClr val="0000FF"/>
-            </a:solidFill>
-            <a:headEnd type="stealth"/>
-            <a:tailEnd type="stealth"/>
-          </a:ln>
-        </p:spPr>
-        <p:style>
-          <a:lnRef idx="1">
-            <a:schemeClr val="accent1"/>
-          </a:lnRef>
-          <a:fillRef idx="0">
-            <a:schemeClr val="accent1"/>
-          </a:fillRef>
-          <a:effectRef idx="0">
-            <a:schemeClr val="accent1"/>
-          </a:effectRef>
-          <a:fontRef idx="minor">
-            <a:schemeClr val="tx1"/>
-          </a:fontRef>
-        </p:style>
-      </p:cxnSp>
-      <p:sp>
-        <p:nvSpPr>
-          <p:cNvPr id="5" name="TextBox 4"/>
-          <p:cNvSpPr txBox="1"/>
-          <p:nvPr/>
-        </p:nvSpPr>
-        <p:spPr>
-          <a:xfrm>
-            <a:off x="3432521" y="2494637"/>
-            <a:ext cx="1139479" cy="646331"/>
-          </a:xfrm>
-          <a:prstGeom prst="rect">
-            <a:avLst/>
-          </a:prstGeom>
-          <a:noFill/>
-        </p:spPr>
-        <p:txBody>
-          <a:bodyPr wrap="none" rtlCol="0">
-            <a:spAutoFit/>
-          </a:bodyPr>
-          <a:lstStyle/>
-          <a:p>
-            <a:r>
-              <a:rPr lang="en-ID" b="1" dirty="0">
-                <a:solidFill>
-                  <a:srgbClr val="0000FF"/>
-                </a:solidFill>
-              </a:rPr>
-              <a:t>Serial</a:t>
-            </a:r>
-          </a:p>
-          <a:p>
-            <a:r>
-              <a:rPr lang="en-ID" b="1" dirty="0">
-                <a:solidFill>
-                  <a:srgbClr val="0000FF"/>
-                </a:solidFill>
-              </a:rPr>
-              <a:t>Hard-wire</a:t>
-            </a:r>
-            <a:endParaRPr lang="en-US" b="1" dirty="0">
-              <a:solidFill>
-                <a:srgbClr val="0000FF"/>
-              </a:solidFill>
-            </a:endParaRPr>
-          </a:p>
-        </p:txBody>
-      </p:sp>
       <p:sp>
         <p:nvSpPr>
           <p:cNvPr id="6" name="Title 5"/>
@@ -7928,7 +7789,12 @@
             <p:ph type="title"/>
           </p:nvPr>
         </p:nvSpPr>
-        <p:spPr/>
+        <p:spPr>
+          <a:xfrm>
+            <a:off x="2482071" y="339572"/>
+            <a:ext cx="3810000" cy="1143000"/>
+          </a:xfrm>
+        </p:spPr>
         <p:txBody>
           <a:bodyPr/>
           <a:lstStyle/>
@@ -7951,77 +7817,13 @@
       </p:sp>
       <p:sp>
         <p:nvSpPr>
-          <p:cNvPr id="7" name="TextBox 6"/>
-          <p:cNvSpPr txBox="1"/>
-          <p:nvPr/>
-        </p:nvSpPr>
-        <p:spPr>
-          <a:xfrm>
-            <a:off x="1043608" y="1412776"/>
-            <a:ext cx="1962012" cy="646331"/>
-          </a:xfrm>
-          <a:prstGeom prst="rect">
-            <a:avLst/>
-          </a:prstGeom>
-          <a:noFill/>
-        </p:spPr>
-        <p:txBody>
-          <a:bodyPr wrap="none" rtlCol="0">
-            <a:spAutoFit/>
-          </a:bodyPr>
-          <a:lstStyle/>
-          <a:p>
-            <a:r>
-              <a:rPr lang="en-ID" b="1" dirty="0" err="1">
-                <a:solidFill>
-                  <a:srgbClr val="0000FF"/>
-                </a:solidFill>
-              </a:rPr>
-              <a:t>Arduino</a:t>
-            </a:r>
-            <a:r>
-              <a:rPr lang="en-ID" b="1" dirty="0">
-                <a:solidFill>
-                  <a:srgbClr val="0000FF"/>
-                </a:solidFill>
-              </a:rPr>
-              <a:t> Mega c/w</a:t>
-            </a:r>
-          </a:p>
-          <a:p>
-            <a:r>
-              <a:rPr lang="en-ID" b="1" dirty="0" err="1">
-                <a:solidFill>
-                  <a:srgbClr val="0000FF"/>
-                </a:solidFill>
-              </a:rPr>
-              <a:t>Lcd</a:t>
-            </a:r>
-            <a:r>
-              <a:rPr lang="en-ID" b="1" dirty="0">
-                <a:solidFill>
-                  <a:srgbClr val="0000FF"/>
-                </a:solidFill>
-              </a:rPr>
-              <a:t> Keypad</a:t>
-            </a:r>
-            <a:endParaRPr lang="en-US" b="1" dirty="0">
-              <a:solidFill>
-                <a:srgbClr val="0000FF"/>
-              </a:solidFill>
-            </a:endParaRPr>
-          </a:p>
-        </p:txBody>
-      </p:sp>
-      <p:sp>
-        <p:nvSpPr>
           <p:cNvPr id="12" name="TextBox 11"/>
           <p:cNvSpPr txBox="1"/>
           <p:nvPr/>
         </p:nvSpPr>
         <p:spPr>
           <a:xfrm>
-            <a:off x="4046811" y="4365104"/>
+            <a:off x="2121463" y="4678725"/>
             <a:ext cx="1794209" cy="646331"/>
           </a:xfrm>
           <a:prstGeom prst="rect">
@@ -8062,114 +7864,20 @@
           </a:p>
         </p:txBody>
       </p:sp>
-      <p:pic>
-        <p:nvPicPr>
-          <p:cNvPr id="13" name="Picture 12"/>
-          <p:cNvPicPr/>
-          <p:nvPr/>
-        </p:nvPicPr>
-        <p:blipFill>
-          <a:blip r:embed="rId4"/>
-          <a:stretch>
-            <a:fillRect/>
-          </a:stretch>
-        </p:blipFill>
-        <p:spPr>
-          <a:xfrm>
-            <a:off x="5962047" y="1812199"/>
-            <a:ext cx="838200" cy="685800"/>
-          </a:xfrm>
-          <a:prstGeom prst="rect">
-            <a:avLst/>
-          </a:prstGeom>
-        </p:spPr>
-      </p:pic>
       <p:cxnSp>
         <p:nvCxnSpPr>
-          <p:cNvPr id="14" name="Straight Arrow Connector 13"/>
-          <p:cNvCxnSpPr/>
-          <p:nvPr/>
-        </p:nvCxnSpPr>
-        <p:spPr>
-          <a:xfrm flipV="1">
-            <a:off x="5298121" y="2109703"/>
-            <a:ext cx="715333" cy="556901"/>
-          </a:xfrm>
-          <a:prstGeom prst="straightConnector1">
-            <a:avLst/>
-          </a:prstGeom>
-          <a:ln w="25400">
-            <a:solidFill>
-              <a:srgbClr val="00FF00"/>
-            </a:solidFill>
-            <a:headEnd type="stealth"/>
-            <a:tailEnd type="stealth"/>
-          </a:ln>
-        </p:spPr>
-        <p:style>
-          <a:lnRef idx="1">
-            <a:schemeClr val="accent1"/>
-          </a:lnRef>
-          <a:fillRef idx="0">
-            <a:schemeClr val="accent1"/>
-          </a:fillRef>
-          <a:effectRef idx="0">
-            <a:schemeClr val="accent1"/>
-          </a:effectRef>
-          <a:fontRef idx="minor">
-            <a:schemeClr val="tx1"/>
-          </a:fontRef>
-        </p:style>
-      </p:cxnSp>
-      <p:cxnSp>
-        <p:nvCxnSpPr>
-          <p:cNvPr id="15" name="Straight Arrow Connector 14"/>
+          <p:cNvPr id="16" name="Straight Arrow Connector 15"/>
           <p:cNvCxnSpPr>
-            <a:endCxn id="13" idx="3"/>
+            <a:cxnSpLocks/>
+            <a:stCxn id="20" idx="3"/>
+            <a:endCxn id="19" idx="1"/>
           </p:cNvCxnSpPr>
           <p:nvPr/>
         </p:nvCxnSpPr>
         <p:spPr>
-          <a:xfrm flipH="1" flipV="1">
-            <a:off x="6800247" y="2155099"/>
-            <a:ext cx="1004356" cy="278450"/>
-          </a:xfrm>
-          <a:prstGeom prst="straightConnector1">
-            <a:avLst/>
-          </a:prstGeom>
-          <a:ln w="25400">
-            <a:solidFill>
-              <a:srgbClr val="00FF00"/>
-            </a:solidFill>
-            <a:headEnd type="stealth" w="med" len="lg"/>
-            <a:tailEnd type="stealth"/>
-          </a:ln>
-        </p:spPr>
-        <p:style>
-          <a:lnRef idx="1">
-            <a:schemeClr val="accent1"/>
-          </a:lnRef>
-          <a:fillRef idx="0">
-            <a:schemeClr val="accent1"/>
-          </a:fillRef>
-          <a:effectRef idx="0">
-            <a:schemeClr val="accent1"/>
-          </a:effectRef>
-          <a:fontRef idx="minor">
-            <a:schemeClr val="tx1"/>
-          </a:fontRef>
-        </p:style>
-      </p:cxnSp>
-      <p:cxnSp>
-        <p:nvCxnSpPr>
-          <p:cNvPr id="16" name="Straight Arrow Connector 15"/>
-          <p:cNvCxnSpPr/>
-          <p:nvPr/>
-        </p:nvCxnSpPr>
-        <p:spPr>
           <a:xfrm>
-            <a:off x="5301064" y="2735333"/>
-            <a:ext cx="2129095" cy="532439"/>
+            <a:off x="3502246" y="2925489"/>
+            <a:ext cx="2010680" cy="290841"/>
           </a:xfrm>
           <a:prstGeom prst="straightConnector1">
             <a:avLst/>
@@ -8205,7 +7913,7 @@
         </p:nvSpPr>
         <p:spPr>
           <a:xfrm>
-            <a:off x="5655787" y="2527335"/>
+            <a:off x="3740778" y="2420888"/>
             <a:ext cx="1662443" cy="369332"/>
           </a:xfrm>
           <a:prstGeom prst="rect">
@@ -8242,7 +7950,7 @@
           <p:nvPr/>
         </p:nvPicPr>
         <p:blipFill>
-          <a:blip r:embed="rId5" cstate="email">
+          <a:blip r:embed="rId3" cstate="email">
             <a:extLst>
               <a:ext uri="{28A0092B-C50C-407E-A947-70E740481C1C}">
                 <a14:useLocalDpi xmlns:a14="http://schemas.microsoft.com/office/drawing/2010/main" val="0"/>
@@ -8256,7 +7964,7 @@
         </p:blipFill>
         <p:spPr bwMode="auto">
           <a:xfrm>
-            <a:off x="7277895" y="2267580"/>
+            <a:off x="5352547" y="2581201"/>
             <a:ext cx="1558290" cy="1558290"/>
           </a:xfrm>
           <a:prstGeom prst="rect">
@@ -8275,7 +7983,7 @@
           <p:nvPr/>
         </p:nvPicPr>
         <p:blipFill>
-          <a:blip r:embed="rId5" cstate="email">
+          <a:blip r:embed="rId3" cstate="email">
             <a:extLst>
               <a:ext uri="{28A0092B-C50C-407E-A947-70E740481C1C}">
                 <a14:useLocalDpi xmlns:a14="http://schemas.microsoft.com/office/drawing/2010/main" val="0"/>
@@ -8289,7 +7997,7 @@
         </p:blipFill>
         <p:spPr bwMode="auto">
           <a:xfrm>
-            <a:off x="7438274" y="2123564"/>
+            <a:off x="5512926" y="2437185"/>
             <a:ext cx="1558290" cy="1558290"/>
           </a:xfrm>
           <a:prstGeom prst="rect">
@@ -8311,7 +8019,7 @@
         </p:nvCxnSpPr>
         <p:spPr>
           <a:xfrm>
-            <a:off x="4913584" y="3635732"/>
+            <a:off x="2988236" y="3949353"/>
             <a:ext cx="0" cy="729372"/>
           </a:xfrm>
           <a:prstGeom prst="straightConnector1">
@@ -8353,14 +8061,14 @@
           <p:nvPr/>
         </p:nvPicPr>
         <p:blipFill>
-          <a:blip r:embed="rId6"/>
+          <a:blip r:embed="rId4"/>
           <a:stretch>
             <a:fillRect/>
           </a:stretch>
         </p:blipFill>
         <p:spPr>
           <a:xfrm>
-            <a:off x="4463525" y="1917593"/>
+            <a:off x="2538177" y="2231214"/>
             <a:ext cx="964069" cy="1388550"/>
           </a:xfrm>
           <a:prstGeom prst="rect">
@@ -8382,7 +8090,7 @@
         </p:nvSpPr>
         <p:spPr>
           <a:xfrm>
-            <a:off x="4422564" y="1264838"/>
+            <a:off x="2497216" y="1578459"/>
             <a:ext cx="1220014" cy="646331"/>
           </a:xfrm>
           <a:prstGeom prst="rect">
@@ -8432,6 +8140,58 @@
           </a:p>
         </p:txBody>
       </p:sp>
+      <p:sp>
+        <p:nvSpPr>
+          <p:cNvPr id="23" name="TextBox 22">
+            <a:extLst>
+              <a:ext uri="{FF2B5EF4-FFF2-40B4-BE49-F238E27FC236}">
+                <a16:creationId xmlns:a16="http://schemas.microsoft.com/office/drawing/2014/main" id="{E93A7901-2628-4F53-9A7E-1B2F218C5805}"/>
+              </a:ext>
+            </a:extLst>
+          </p:cNvPr>
+          <p:cNvSpPr txBox="1"/>
+          <p:nvPr/>
+        </p:nvSpPr>
+        <p:spPr>
+          <a:xfrm>
+            <a:off x="5716835" y="2040124"/>
+            <a:ext cx="829714" cy="369332"/>
+          </a:xfrm>
+          <a:prstGeom prst="rect">
+            <a:avLst/>
+          </a:prstGeom>
+          <a:noFill/>
+        </p:spPr>
+        <p:txBody>
+          <a:bodyPr wrap="none" rtlCol="0">
+            <a:spAutoFit/>
+          </a:bodyPr>
+          <a:lstStyle/>
+          <a:p>
+            <a:r>
+              <a:rPr lang="en-ID" b="1" dirty="0">
+                <a:solidFill>
+                  <a:srgbClr val="0000FF"/>
+                </a:solidFill>
+              </a:rPr>
+              <a:t>I-</a:t>
+            </a:r>
+            <a:r>
+              <a:rPr lang="en-ID" b="1" dirty="0" err="1">
+                <a:solidFill>
+                  <a:srgbClr val="0000FF"/>
+                </a:solidFill>
+              </a:rPr>
+              <a:t>Dev’s</a:t>
+            </a:r>
+            <a:endParaRPr lang="en-US" b="1" dirty="0">
+              <a:solidFill>
+                <a:srgbClr val="0000FF"/>
+              </a:solidFill>
+            </a:endParaRPr>
+          </a:p>
+        </p:txBody>
+      </p:sp>
     </p:spTree>
     <p:extLst>
       <p:ext uri="{BB962C8B-B14F-4D97-AF65-F5344CB8AC3E}">
@@ -8448,7 +8208,7 @@
 </p:sld>
 </file>
 
-<file path=ppt/slides/slide4.xml><?xml version="1.0" encoding="utf-8"?>
+<file path=ppt/slides/slide3.xml><?xml version="1.0" encoding="utf-8"?>
 <p:sld xmlns:a="http://schemas.openxmlformats.org/drawingml/2006/main" xmlns:r="http://schemas.openxmlformats.org/officeDocument/2006/relationships" xmlns:p="http://schemas.openxmlformats.org/presentationml/2006/main" showMasterSp="0">
   <p:cSld>
     <p:spTree>
@@ -8465,45 +8225,90 @@
           <a:chExt cx="0" cy="0"/>
         </a:xfrm>
       </p:grpSpPr>
-      <p:pic>
-        <p:nvPicPr>
-          <p:cNvPr id="75" name="Picture 74" descr="Free Icon | Wifi"/>
-          <p:cNvPicPr/>
+      <p:cxnSp>
+        <p:nvCxnSpPr>
+          <p:cNvPr id="82" name="Straight Arrow Connector 81"/>
+          <p:cNvCxnSpPr>
+            <a:cxnSpLocks/>
+            <a:endCxn id="96" idx="0"/>
+          </p:cNvCxnSpPr>
           <p:nvPr/>
-        </p:nvPicPr>
-        <p:blipFill>
-          <a:blip r:embed="rId3" cstate="email">
-            <a:extLst>
-              <a:ext uri="{28A0092B-C50C-407E-A947-70E740481C1C}">
-                <a14:useLocalDpi xmlns:a14="http://schemas.microsoft.com/office/drawing/2010/main" val="0"/>
-              </a:ext>
-            </a:extLst>
-          </a:blip>
-          <a:srcRect/>
-          <a:stretch>
-            <a:fillRect/>
-          </a:stretch>
-        </p:blipFill>
-        <p:spPr bwMode="auto">
-          <a:xfrm flipV="1">
-            <a:off x="4860032" y="1451383"/>
-            <a:ext cx="475000" cy="465449"/>
+        </p:nvCxnSpPr>
+        <p:spPr>
+          <a:xfrm>
+            <a:off x="3601242" y="1398594"/>
+            <a:ext cx="5866" cy="806270"/>
+          </a:xfrm>
+          <a:prstGeom prst="straightConnector1">
+            <a:avLst/>
+          </a:prstGeom>
+          <a:ln w="25400">
+            <a:solidFill>
+              <a:srgbClr val="FF0000"/>
+            </a:solidFill>
+            <a:headEnd type="stealth"/>
+            <a:tailEnd type="stealth"/>
+          </a:ln>
+        </p:spPr>
+        <p:style>
+          <a:lnRef idx="1">
+            <a:schemeClr val="accent1"/>
+          </a:lnRef>
+          <a:fillRef idx="0">
+            <a:schemeClr val="accent1"/>
+          </a:fillRef>
+          <a:effectRef idx="0">
+            <a:schemeClr val="accent1"/>
+          </a:effectRef>
+          <a:fontRef idx="minor">
+            <a:schemeClr val="tx1"/>
+          </a:fontRef>
+        </p:style>
+      </p:cxnSp>
+      <p:sp>
+        <p:nvSpPr>
+          <p:cNvPr id="87" name="TextBox 86"/>
+          <p:cNvSpPr txBox="1"/>
+          <p:nvPr/>
+        </p:nvSpPr>
+        <p:spPr>
+          <a:xfrm>
+            <a:off x="2889599" y="1485290"/>
+            <a:ext cx="1749325" cy="369332"/>
           </a:xfrm>
           <a:prstGeom prst="rect">
             <a:avLst/>
           </a:prstGeom>
           <a:noFill/>
-          <a:ln>
-            <a:noFill/>
-          </a:ln>
         </p:spPr>
-      </p:pic>
+        <p:txBody>
+          <a:bodyPr wrap="none" rtlCol="0">
+            <a:spAutoFit/>
+          </a:bodyPr>
+          <a:lstStyle/>
+          <a:p>
+            <a:r>
+              <a:rPr lang="en-ID" b="1" dirty="0">
+                <a:solidFill>
+                  <a:srgbClr val="FF0000"/>
+                </a:solidFill>
+              </a:rPr>
+              <a:t>MQTT - Protocol</a:t>
+            </a:r>
+            <a:endParaRPr lang="en-US" b="1" dirty="0">
+              <a:solidFill>
+                <a:srgbClr val="FF0000"/>
+              </a:solidFill>
+            </a:endParaRPr>
+          </a:p>
+        </p:txBody>
+      </p:sp>
       <p:grpSp>
         <p:nvGrpSpPr>
-          <p:cNvPr id="3" name="Group 2">
+          <p:cNvPr id="26" name="Group 25">
             <a:extLst>
               <a:ext uri="{FF2B5EF4-FFF2-40B4-BE49-F238E27FC236}">
-                <a16:creationId xmlns:a16="http://schemas.microsoft.com/office/drawing/2014/main" id="{8EDD27AF-FFD2-4A14-8563-5D5248FFA544}"/>
+                <a16:creationId xmlns:a16="http://schemas.microsoft.com/office/drawing/2014/main" id="{02D45A11-6260-4139-BB40-7DC90A89D071}"/>
               </a:ext>
             </a:extLst>
           </p:cNvPr>
@@ -8512,20 +8317,26 @@
         </p:nvGrpSpPr>
         <p:grpSpPr>
           <a:xfrm>
-            <a:off x="323528" y="2199840"/>
-            <a:ext cx="2715829" cy="4429097"/>
-            <a:chOff x="323528" y="2199840"/>
-            <a:chExt cx="2715829" cy="4429097"/>
+            <a:off x="3089504" y="2204864"/>
+            <a:ext cx="2125484" cy="4082303"/>
+            <a:chOff x="3454628" y="2532942"/>
+            <a:chExt cx="2125484" cy="4082303"/>
           </a:xfrm>
         </p:grpSpPr>
         <p:pic>
           <p:nvPicPr>
-            <p:cNvPr id="5" name="Picture 4" descr="Free Icon | Wifi"/>
+            <p:cNvPr id="96" name="Picture 95" descr="Free Icon | Wifi">
+              <a:extLst>
+                <a:ext uri="{FF2B5EF4-FFF2-40B4-BE49-F238E27FC236}">
+                  <a16:creationId xmlns:a16="http://schemas.microsoft.com/office/drawing/2014/main" id="{331FC1AA-CB08-45A4-9369-2997329D73F4}"/>
+                </a:ext>
+              </a:extLst>
+            </p:cNvPr>
             <p:cNvPicPr/>
             <p:nvPr/>
           </p:nvPicPr>
           <p:blipFill>
-            <a:blip r:embed="rId4" cstate="email">
+            <a:blip r:embed="rId3" cstate="email">
               <a:extLst>
                 <a:ext uri="{28A0092B-C50C-407E-A947-70E740481C1C}">
                   <a14:useLocalDpi xmlns:a14="http://schemas.microsoft.com/office/drawing/2010/main" val="0"/>
@@ -8539,8 +8350,8 @@
           </p:blipFill>
           <p:spPr bwMode="auto">
             <a:xfrm>
-              <a:off x="1190752" y="2199840"/>
-              <a:ext cx="417492" cy="440204"/>
+              <a:off x="3781892" y="2532942"/>
+              <a:ext cx="380680" cy="412324"/>
             </a:xfrm>
             <a:prstGeom prst="rect">
               <a:avLst/>
@@ -8553,7 +8364,41 @@
         </p:pic>
         <p:pic>
           <p:nvPicPr>
-            <p:cNvPr id="4" name="Picture 3"/>
+            <p:cNvPr id="97" name="Picture 96">
+              <a:extLst>
+                <a:ext uri="{FF2B5EF4-FFF2-40B4-BE49-F238E27FC236}">
+                  <a16:creationId xmlns:a16="http://schemas.microsoft.com/office/drawing/2014/main" id="{D4CA772F-A72C-4314-A82A-E884D10E777D}"/>
+                </a:ext>
+              </a:extLst>
+            </p:cNvPr>
+            <p:cNvPicPr/>
+            <p:nvPr/>
+          </p:nvPicPr>
+          <p:blipFill>
+            <a:blip r:embed="rId4"/>
+            <a:stretch>
+              <a:fillRect/>
+            </a:stretch>
+          </p:blipFill>
+          <p:spPr>
+            <a:xfrm>
+              <a:off x="3716633" y="2823687"/>
+              <a:ext cx="568745" cy="736781"/>
+            </a:xfrm>
+            <a:prstGeom prst="rect">
+              <a:avLst/>
+            </a:prstGeom>
+          </p:spPr>
+        </p:pic>
+        <p:pic>
+          <p:nvPicPr>
+            <p:cNvPr id="98" name="Picture 97">
+              <a:extLst>
+                <a:ext uri="{FF2B5EF4-FFF2-40B4-BE49-F238E27FC236}">
+                  <a16:creationId xmlns:a16="http://schemas.microsoft.com/office/drawing/2014/main" id="{9E085E1D-93F9-4E72-B98F-FB8F7028960D}"/>
+                </a:ext>
+              </a:extLst>
+            </p:cNvPr>
             <p:cNvPicPr/>
             <p:nvPr/>
           </p:nvPicPr>
@@ -8565,8 +8410,8 @@
           </p:blipFill>
           <p:spPr>
             <a:xfrm>
-              <a:off x="917464" y="2593489"/>
-              <a:ext cx="964069" cy="1388550"/>
+              <a:off x="3454628" y="5661248"/>
+              <a:ext cx="497031" cy="499878"/>
             </a:xfrm>
             <a:prstGeom prst="rect">
               <a:avLst/>
@@ -8575,8 +8420,16 @@
         </p:pic>
         <p:pic>
           <p:nvPicPr>
-            <p:cNvPr id="6" name="Picture 5"/>
-            <p:cNvPicPr/>
+            <p:cNvPr id="100" name="Picture 99">
+              <a:extLst>
+                <a:ext uri="{FF2B5EF4-FFF2-40B4-BE49-F238E27FC236}">
+                  <a16:creationId xmlns:a16="http://schemas.microsoft.com/office/drawing/2014/main" id="{8153525A-3E72-45A9-A3EA-740D322E345C}"/>
+                </a:ext>
+              </a:extLst>
+            </p:cNvPr>
+            <p:cNvPicPr>
+              <a:picLocks noChangeAspect="1"/>
+            </p:cNvPicPr>
             <p:nvPr/>
           </p:nvPicPr>
           <p:blipFill>
@@ -8587,112 +8440,476 @@
           </p:blipFill>
           <p:spPr>
             <a:xfrm>
-              <a:off x="424656" y="5020988"/>
-              <a:ext cx="497031" cy="499878"/>
+              <a:off x="3484310" y="4158785"/>
+              <a:ext cx="1930830" cy="765896"/>
             </a:xfrm>
             <a:prstGeom prst="rect">
               <a:avLst/>
             </a:prstGeom>
           </p:spPr>
         </p:pic>
-        <p:pic>
-          <p:nvPicPr>
-            <p:cNvPr id="8" name="Picture 7"/>
-            <p:cNvPicPr/>
+        <p:sp>
+          <p:nvSpPr>
+            <p:cNvPr id="101" name="TextBox 100">
+              <a:extLst>
+                <a:ext uri="{FF2B5EF4-FFF2-40B4-BE49-F238E27FC236}">
+                  <a16:creationId xmlns:a16="http://schemas.microsoft.com/office/drawing/2014/main" id="{7FF2AF45-1BBB-4306-ABAF-8689BC85C815}"/>
+                </a:ext>
+              </a:extLst>
+            </p:cNvPr>
+            <p:cNvSpPr txBox="1"/>
             <p:nvPr/>
-          </p:nvPicPr>
-          <p:blipFill>
-            <a:blip r:embed="rId7"/>
-            <a:stretch>
-              <a:fillRect/>
-            </a:stretch>
-          </p:blipFill>
+          </p:nvSpPr>
           <p:spPr>
             <a:xfrm>
-              <a:off x="1144020" y="4986718"/>
-              <a:ext cx="737513" cy="573934"/>
+              <a:off x="3573555" y="6245913"/>
+              <a:ext cx="1752339" cy="369332"/>
             </a:xfrm>
             <a:prstGeom prst="rect">
               <a:avLst/>
             </a:prstGeom>
+            <a:noFill/>
           </p:spPr>
-        </p:pic>
-        <p:pic>
-          <p:nvPicPr>
-            <p:cNvPr id="9" name="Picture 8"/>
-            <p:cNvPicPr/>
+          <p:txBody>
+            <a:bodyPr wrap="none" rtlCol="0">
+              <a:spAutoFit/>
+            </a:bodyPr>
+            <a:lstStyle/>
+            <a:p>
+              <a:r>
+                <a:rPr lang="en-US" b="1" dirty="0">
+                  <a:solidFill>
+                    <a:srgbClr val="0000FF"/>
+                  </a:solidFill>
+                </a:rPr>
+                <a:t>Sensor/Actuator</a:t>
+              </a:r>
+            </a:p>
+          </p:txBody>
+        </p:sp>
+        <p:cxnSp>
+          <p:nvCxnSpPr>
+            <p:cNvPr id="103" name="Straight Connector 102">
+              <a:extLst>
+                <a:ext uri="{FF2B5EF4-FFF2-40B4-BE49-F238E27FC236}">
+                  <a16:creationId xmlns:a16="http://schemas.microsoft.com/office/drawing/2014/main" id="{E865F506-39E6-412E-A252-A31428B8E040}"/>
+                </a:ext>
+              </a:extLst>
+            </p:cNvPr>
+            <p:cNvCxnSpPr>
+              <a:cxnSpLocks/>
+            </p:cNvCxnSpPr>
             <p:nvPr/>
-          </p:nvPicPr>
-          <p:blipFill>
-            <a:blip r:embed="rId8"/>
-            <a:stretch>
-              <a:fillRect/>
-            </a:stretch>
-          </p:blipFill>
+          </p:nvCxnSpPr>
           <p:spPr>
             <a:xfrm>
-              <a:off x="2006853" y="5057437"/>
-              <a:ext cx="402231" cy="463429"/>
+              <a:off x="3454628" y="5303216"/>
+              <a:ext cx="2078178" cy="0"/>
+            </a:xfrm>
+            <a:prstGeom prst="line">
+              <a:avLst/>
+            </a:prstGeom>
+            <a:ln w="22225">
+              <a:solidFill>
+                <a:srgbClr val="0000FF"/>
+              </a:solidFill>
+            </a:ln>
+          </p:spPr>
+          <p:style>
+            <a:lnRef idx="1">
+              <a:schemeClr val="accent1"/>
+            </a:lnRef>
+            <a:fillRef idx="0">
+              <a:schemeClr val="accent1"/>
+            </a:fillRef>
+            <a:effectRef idx="0">
+              <a:schemeClr val="accent1"/>
+            </a:effectRef>
+            <a:fontRef idx="minor">
+              <a:schemeClr val="tx1"/>
+            </a:fontRef>
+          </p:style>
+        </p:cxnSp>
+        <p:cxnSp>
+          <p:nvCxnSpPr>
+            <p:cNvPr id="110" name="Straight Arrow Connector 109">
+              <a:extLst>
+                <a:ext uri="{FF2B5EF4-FFF2-40B4-BE49-F238E27FC236}">
+                  <a16:creationId xmlns:a16="http://schemas.microsoft.com/office/drawing/2014/main" id="{E8B958EE-5EE0-4808-BB5D-8AF84300BFB3}"/>
+                </a:ext>
+              </a:extLst>
+            </p:cNvPr>
+            <p:cNvCxnSpPr>
+              <a:cxnSpLocks/>
+            </p:cNvCxnSpPr>
+            <p:nvPr/>
+          </p:nvCxnSpPr>
+          <p:spPr>
+            <a:xfrm flipV="1">
+              <a:off x="5278266" y="5303216"/>
+              <a:ext cx="0" cy="432048"/>
+            </a:xfrm>
+            <a:prstGeom prst="straightConnector1">
+              <a:avLst/>
+            </a:prstGeom>
+            <a:ln w="22225">
+              <a:solidFill>
+                <a:srgbClr val="0000FF"/>
+              </a:solidFill>
+              <a:tailEnd type="triangle"/>
+            </a:ln>
+          </p:spPr>
+          <p:style>
+            <a:lnRef idx="1">
+              <a:schemeClr val="accent1"/>
+            </a:lnRef>
+            <a:fillRef idx="0">
+              <a:schemeClr val="accent1"/>
+            </a:fillRef>
+            <a:effectRef idx="0">
+              <a:schemeClr val="accent1"/>
+            </a:effectRef>
+            <a:fontRef idx="minor">
+              <a:schemeClr val="tx1"/>
+            </a:fontRef>
+          </p:style>
+        </p:cxnSp>
+        <p:cxnSp>
+          <p:nvCxnSpPr>
+            <p:cNvPr id="111" name="Straight Arrow Connector 110">
+              <a:extLst>
+                <a:ext uri="{FF2B5EF4-FFF2-40B4-BE49-F238E27FC236}">
+                  <a16:creationId xmlns:a16="http://schemas.microsoft.com/office/drawing/2014/main" id="{701FA5EF-0179-41F2-B22D-FCC175001A48}"/>
+                </a:ext>
+              </a:extLst>
+            </p:cNvPr>
+            <p:cNvCxnSpPr>
+              <a:cxnSpLocks/>
+            </p:cNvCxnSpPr>
+            <p:nvPr/>
+          </p:nvCxnSpPr>
+          <p:spPr>
+            <a:xfrm flipV="1">
+              <a:off x="5004048" y="5303216"/>
+              <a:ext cx="0" cy="303290"/>
+            </a:xfrm>
+            <a:prstGeom prst="straightConnector1">
+              <a:avLst/>
+            </a:prstGeom>
+            <a:ln w="22225">
+              <a:solidFill>
+                <a:srgbClr val="0000FF"/>
+              </a:solidFill>
+              <a:tailEnd type="triangle"/>
+            </a:ln>
+          </p:spPr>
+          <p:style>
+            <a:lnRef idx="1">
+              <a:schemeClr val="accent1"/>
+            </a:lnRef>
+            <a:fillRef idx="0">
+              <a:schemeClr val="accent1"/>
+            </a:fillRef>
+            <a:effectRef idx="0">
+              <a:schemeClr val="accent1"/>
+            </a:effectRef>
+            <a:fontRef idx="minor">
+              <a:schemeClr val="tx1"/>
+            </a:fontRef>
+          </p:style>
+        </p:cxnSp>
+        <p:cxnSp>
+          <p:nvCxnSpPr>
+            <p:cNvPr id="112" name="Straight Arrow Connector 111">
+              <a:extLst>
+                <a:ext uri="{FF2B5EF4-FFF2-40B4-BE49-F238E27FC236}">
+                  <a16:creationId xmlns:a16="http://schemas.microsoft.com/office/drawing/2014/main" id="{AF569078-F334-430B-8950-9BEB338AB6EA}"/>
+                </a:ext>
+              </a:extLst>
+            </p:cNvPr>
+            <p:cNvCxnSpPr>
+              <a:cxnSpLocks/>
+            </p:cNvCxnSpPr>
+            <p:nvPr/>
+          </p:nvCxnSpPr>
+          <p:spPr>
+            <a:xfrm flipV="1">
+              <a:off x="4355975" y="5303216"/>
+              <a:ext cx="1" cy="303290"/>
+            </a:xfrm>
+            <a:prstGeom prst="straightConnector1">
+              <a:avLst/>
+            </a:prstGeom>
+            <a:ln w="22225">
+              <a:solidFill>
+                <a:srgbClr val="0000FF"/>
+              </a:solidFill>
+              <a:tailEnd type="triangle"/>
+            </a:ln>
+          </p:spPr>
+          <p:style>
+            <a:lnRef idx="1">
+              <a:schemeClr val="accent1"/>
+            </a:lnRef>
+            <a:fillRef idx="0">
+              <a:schemeClr val="accent1"/>
+            </a:fillRef>
+            <a:effectRef idx="0">
+              <a:schemeClr val="accent1"/>
+            </a:effectRef>
+            <a:fontRef idx="minor">
+              <a:schemeClr val="tx1"/>
+            </a:fontRef>
+          </p:style>
+        </p:cxnSp>
+        <p:cxnSp>
+          <p:nvCxnSpPr>
+            <p:cNvPr id="113" name="Straight Arrow Connector 112">
+              <a:extLst>
+                <a:ext uri="{FF2B5EF4-FFF2-40B4-BE49-F238E27FC236}">
+                  <a16:creationId xmlns:a16="http://schemas.microsoft.com/office/drawing/2014/main" id="{9894B322-EF50-40E0-8415-FD1EB8F34947}"/>
+                </a:ext>
+              </a:extLst>
+            </p:cNvPr>
+            <p:cNvCxnSpPr>
+              <a:cxnSpLocks/>
+            </p:cNvCxnSpPr>
+            <p:nvPr/>
+          </p:nvCxnSpPr>
+          <p:spPr>
+            <a:xfrm flipV="1">
+              <a:off x="3703144" y="5301208"/>
+              <a:ext cx="0" cy="303290"/>
+            </a:xfrm>
+            <a:prstGeom prst="straightConnector1">
+              <a:avLst/>
+            </a:prstGeom>
+            <a:ln w="22225">
+              <a:solidFill>
+                <a:srgbClr val="0000FF"/>
+              </a:solidFill>
+              <a:tailEnd type="triangle"/>
+            </a:ln>
+          </p:spPr>
+          <p:style>
+            <a:lnRef idx="1">
+              <a:schemeClr val="accent1"/>
+            </a:lnRef>
+            <a:fillRef idx="0">
+              <a:schemeClr val="accent1"/>
+            </a:fillRef>
+            <a:effectRef idx="0">
+              <a:schemeClr val="accent1"/>
+            </a:effectRef>
+            <a:fontRef idx="minor">
+              <a:schemeClr val="tx1"/>
+            </a:fontRef>
+          </p:style>
+        </p:cxnSp>
+        <p:sp>
+          <p:nvSpPr>
+            <p:cNvPr id="114" name="TextBox 113">
+              <a:extLst>
+                <a:ext uri="{FF2B5EF4-FFF2-40B4-BE49-F238E27FC236}">
+                  <a16:creationId xmlns:a16="http://schemas.microsoft.com/office/drawing/2014/main" id="{E9064D73-DA84-45E4-878F-355289241361}"/>
+                </a:ext>
+              </a:extLst>
+            </p:cNvPr>
+            <p:cNvSpPr txBox="1"/>
+            <p:nvPr/>
+          </p:nvSpPr>
+          <p:spPr>
+            <a:xfrm>
+              <a:off x="3556318" y="5087192"/>
+              <a:ext cx="820096" cy="276999"/>
             </a:xfrm>
             <a:prstGeom prst="rect">
               <a:avLst/>
             </a:prstGeom>
+            <a:noFill/>
           </p:spPr>
-        </p:pic>
-        <p:pic>
-          <p:nvPicPr>
-            <p:cNvPr id="10" name="Picture 9"/>
-            <p:cNvPicPr/>
+          <p:txBody>
+            <a:bodyPr wrap="none" rtlCol="0">
+              <a:spAutoFit/>
+            </a:bodyPr>
+            <a:lstStyle/>
+            <a:p>
+              <a:r>
+                <a:rPr lang="en-US" sz="1200" dirty="0">
+                  <a:solidFill>
+                    <a:srgbClr val="0000FF"/>
+                  </a:solidFill>
+                </a:rPr>
+                <a:t>Hard Wire</a:t>
+              </a:r>
+            </a:p>
+          </p:txBody>
+        </p:sp>
+        <p:sp>
+          <p:nvSpPr>
+            <p:cNvPr id="115" name="Arrow: Down 114">
+              <a:extLst>
+                <a:ext uri="{FF2B5EF4-FFF2-40B4-BE49-F238E27FC236}">
+                  <a16:creationId xmlns:a16="http://schemas.microsoft.com/office/drawing/2014/main" id="{8CFCE75F-7AA7-4BF3-B044-4770D3A70008}"/>
+                </a:ext>
+              </a:extLst>
+            </p:cNvPr>
+            <p:cNvSpPr/>
             <p:nvPr/>
-          </p:nvPicPr>
-          <p:blipFill>
-            <a:blip r:embed="rId8"/>
-            <a:stretch>
-              <a:fillRect/>
-            </a:stretch>
-          </p:blipFill>
+          </p:nvSpPr>
+          <p:spPr>
+            <a:xfrm rot="10800000">
+              <a:off x="4376411" y="4924679"/>
+              <a:ext cx="432391" cy="325021"/>
+            </a:xfrm>
+            <a:prstGeom prst="downArrow">
+              <a:avLst/>
+            </a:prstGeom>
+            <a:noFill/>
+            <a:ln w="19050">
+              <a:solidFill>
+                <a:srgbClr val="0000FF"/>
+              </a:solidFill>
+            </a:ln>
+          </p:spPr>
+          <p:style>
+            <a:lnRef idx="2">
+              <a:schemeClr val="accent1">
+                <a:shade val="50000"/>
+              </a:schemeClr>
+            </a:lnRef>
+            <a:fillRef idx="1">
+              <a:schemeClr val="accent1"/>
+            </a:fillRef>
+            <a:effectRef idx="0">
+              <a:schemeClr val="accent1"/>
+            </a:effectRef>
+            <a:fontRef idx="minor">
+              <a:schemeClr val="lt1"/>
+            </a:fontRef>
+          </p:style>
+          <p:txBody>
+            <a:bodyPr rtlCol="0" anchor="ctr"/>
+            <a:lstStyle/>
+            <a:p>
+              <a:pPr algn="ctr"/>
+              <a:endParaRPr lang="en-ID"/>
+            </a:p>
+          </p:txBody>
+        </p:sp>
+        <p:cxnSp>
+          <p:nvCxnSpPr>
+            <p:cNvPr id="116" name="Straight Arrow Connector 115">
+              <a:extLst>
+                <a:ext uri="{FF2B5EF4-FFF2-40B4-BE49-F238E27FC236}">
+                  <a16:creationId xmlns:a16="http://schemas.microsoft.com/office/drawing/2014/main" id="{8E0EBC89-8ED8-4F07-B552-FDDF03B2E41D}"/>
+                </a:ext>
+              </a:extLst>
+            </p:cNvPr>
+            <p:cNvCxnSpPr>
+              <a:cxnSpLocks/>
+              <a:stCxn id="100" idx="0"/>
+              <a:endCxn id="97" idx="2"/>
+            </p:cNvCxnSpPr>
+            <p:nvPr/>
+          </p:nvCxnSpPr>
+          <p:spPr>
+            <a:xfrm flipH="1" flipV="1">
+              <a:off x="4001006" y="3560468"/>
+              <a:ext cx="448719" cy="598317"/>
+            </a:xfrm>
+            <a:prstGeom prst="straightConnector1">
+              <a:avLst/>
+            </a:prstGeom>
+            <a:ln w="22225">
+              <a:solidFill>
+                <a:srgbClr val="008000"/>
+              </a:solidFill>
+              <a:headEnd type="stealth"/>
+              <a:tailEnd type="stealth"/>
+            </a:ln>
+          </p:spPr>
+          <p:style>
+            <a:lnRef idx="1">
+              <a:schemeClr val="accent1"/>
+            </a:lnRef>
+            <a:fillRef idx="0">
+              <a:schemeClr val="accent1"/>
+            </a:fillRef>
+            <a:effectRef idx="0">
+              <a:schemeClr val="accent1"/>
+            </a:effectRef>
+            <a:fontRef idx="minor">
+              <a:schemeClr val="tx1"/>
+            </a:fontRef>
+          </p:style>
+        </p:cxnSp>
+        <p:sp>
+          <p:nvSpPr>
+            <p:cNvPr id="117" name="TextBox 116">
+              <a:extLst>
+                <a:ext uri="{FF2B5EF4-FFF2-40B4-BE49-F238E27FC236}">
+                  <a16:creationId xmlns:a16="http://schemas.microsoft.com/office/drawing/2014/main" id="{DC4F584F-869A-4EC5-BD3F-B43D6F04B109}"/>
+                </a:ext>
+              </a:extLst>
+            </p:cNvPr>
+            <p:cNvSpPr txBox="1"/>
+            <p:nvPr/>
+          </p:nvSpPr>
           <p:spPr>
             <a:xfrm>
-              <a:off x="2009263" y="4561731"/>
-              <a:ext cx="402231" cy="463429"/>
+              <a:off x="4132382" y="3596451"/>
+              <a:ext cx="820096" cy="461665"/>
             </a:xfrm>
             <a:prstGeom prst="rect">
               <a:avLst/>
             </a:prstGeom>
+            <a:noFill/>
           </p:spPr>
-        </p:pic>
+          <p:txBody>
+            <a:bodyPr wrap="none" rtlCol="0">
+              <a:spAutoFit/>
+            </a:bodyPr>
+            <a:lstStyle/>
+            <a:p>
+              <a:r>
+                <a:rPr lang="en-US" sz="1200" dirty="0">
+                  <a:solidFill>
+                    <a:srgbClr val="008000"/>
+                  </a:solidFill>
+                </a:rPr>
+                <a:t>Hard Wire</a:t>
+              </a:r>
+            </a:p>
+            <a:p>
+              <a:pPr algn="ctr"/>
+              <a:r>
+                <a:rPr lang="en-US" sz="1200" dirty="0">
+                  <a:solidFill>
+                    <a:srgbClr val="008000"/>
+                  </a:solidFill>
+                </a:rPr>
+                <a:t>Serial</a:t>
+              </a:r>
+            </a:p>
+          </p:txBody>
+        </p:sp>
         <p:pic>
           <p:nvPicPr>
-            <p:cNvPr id="11" name="Picture 10"/>
-            <p:cNvPicPr/>
-            <p:nvPr/>
-          </p:nvPicPr>
-          <p:blipFill>
-            <a:blip r:embed="rId8"/>
-            <a:stretch>
-              <a:fillRect/>
-            </a:stretch>
-          </p:blipFill>
-          <p:spPr>
-            <a:xfrm>
-              <a:off x="2013486" y="5560652"/>
-              <a:ext cx="402231" cy="463429"/>
-            </a:xfrm>
-            <a:prstGeom prst="rect">
-              <a:avLst/>
-            </a:prstGeom>
-          </p:spPr>
-        </p:pic>
-        <p:pic>
-          <p:nvPicPr>
-            <p:cNvPr id="1026" name="Picture 2"/>
+            <p:cNvPr id="118" name="Picture 2">
+              <a:extLst>
+                <a:ext uri="{FF2B5EF4-FFF2-40B4-BE49-F238E27FC236}">
+                  <a16:creationId xmlns:a16="http://schemas.microsoft.com/office/drawing/2014/main" id="{7EAFE767-B908-419E-B4E7-05DAB402B5BB}"/>
+                </a:ext>
+              </a:extLst>
+            </p:cNvPr>
             <p:cNvPicPr>
               <a:picLocks noChangeAspect="1" noChangeArrowheads="1"/>
             </p:cNvPicPr>
             <p:nvPr/>
           </p:nvPicPr>
           <p:blipFill>
-            <a:blip r:embed="rId9" cstate="email">
+            <a:blip r:embed="rId7" cstate="email">
               <a:extLst>
                 <a:ext uri="{28A0092B-C50C-407E-A947-70E740481C1C}">
                   <a14:useLocalDpi xmlns:a14="http://schemas.microsoft.com/office/drawing/2010/main" val="0"/>
@@ -8706,8 +8923,8 @@
           </p:blipFill>
           <p:spPr bwMode="auto">
             <a:xfrm rot="5400000">
-              <a:off x="2104302" y="5104996"/>
-              <a:ext cx="1444961" cy="425149"/>
+              <a:off x="4712981" y="5821246"/>
+              <a:ext cx="620765" cy="182647"/>
             </a:xfrm>
             <a:prstGeom prst="rect">
               <a:avLst/>
@@ -8747,1612 +8964,156 @@
             </a:extLst>
           </p:spPr>
         </p:pic>
-        <p:sp>
-          <p:nvSpPr>
-            <p:cNvPr id="2" name="TextBox 1"/>
-            <p:cNvSpPr txBox="1"/>
+        <p:grpSp>
+          <p:nvGrpSpPr>
+            <p:cNvPr id="13" name="Group 12">
+              <a:extLst>
+                <a:ext uri="{FF2B5EF4-FFF2-40B4-BE49-F238E27FC236}">
+                  <a16:creationId xmlns:a16="http://schemas.microsoft.com/office/drawing/2014/main" id="{DD9AE47D-D12F-4154-BB04-4D3D34BE33AE}"/>
+                </a:ext>
+              </a:extLst>
+            </p:cNvPr>
+            <p:cNvGrpSpPr/>
             <p:nvPr/>
-          </p:nvSpPr>
-          <p:spPr>
+          </p:nvGrpSpPr>
+          <p:grpSpPr>
             <a:xfrm>
-              <a:off x="323528" y="5520866"/>
-              <a:ext cx="699286" cy="336507"/>
+              <a:off x="5145033" y="5544651"/>
+              <a:ext cx="435079" cy="735835"/>
+              <a:chOff x="2159253" y="548680"/>
+              <a:chExt cx="408864" cy="1462350"/>
             </a:xfrm>
-            <a:prstGeom prst="rect">
-              <a:avLst/>
-            </a:prstGeom>
-            <a:noFill/>
-          </p:spPr>
-          <p:txBody>
-            <a:bodyPr wrap="none" rtlCol="0">
-              <a:spAutoFit/>
-            </a:bodyPr>
-            <a:lstStyle/>
-            <a:p>
-              <a:r>
-                <a:rPr lang="en-ID" b="1" dirty="0">
-                  <a:solidFill>
-                    <a:srgbClr val="0000FF"/>
-                  </a:solidFill>
-                </a:rPr>
-                <a:t>Sensor</a:t>
-              </a:r>
-              <a:endParaRPr lang="en-US" b="1" dirty="0">
-                <a:solidFill>
-                  <a:srgbClr val="0000FF"/>
-                </a:solidFill>
-              </a:endParaRPr>
-            </a:p>
-          </p:txBody>
-        </p:sp>
-        <p:sp>
-          <p:nvSpPr>
-            <p:cNvPr id="16" name="TextBox 15"/>
-            <p:cNvSpPr txBox="1"/>
-            <p:nvPr/>
-          </p:nvSpPr>
-          <p:spPr>
-            <a:xfrm>
-              <a:off x="1166313" y="5545852"/>
-              <a:ext cx="856125" cy="588887"/>
-            </a:xfrm>
-            <a:prstGeom prst="rect">
-              <a:avLst/>
-            </a:prstGeom>
-            <a:noFill/>
-          </p:spPr>
-          <p:txBody>
-            <a:bodyPr wrap="none" rtlCol="0">
-              <a:spAutoFit/>
-            </a:bodyPr>
-            <a:lstStyle/>
-            <a:p>
-              <a:pPr algn="ctr"/>
-              <a:r>
-                <a:rPr lang="en-ID" b="1" dirty="0">
-                  <a:solidFill>
-                    <a:srgbClr val="0000FF"/>
-                  </a:solidFill>
-                </a:rPr>
-                <a:t>Solenoid</a:t>
-              </a:r>
-            </a:p>
-            <a:p>
-              <a:pPr algn="ctr"/>
-              <a:r>
-                <a:rPr lang="en-ID" b="1" dirty="0">
-                  <a:solidFill>
-                    <a:srgbClr val="0000FF"/>
-                  </a:solidFill>
-                </a:rPr>
-                <a:t>Valve</a:t>
-              </a:r>
-              <a:endParaRPr lang="en-US" b="1" dirty="0">
-                <a:solidFill>
-                  <a:srgbClr val="0000FF"/>
-                </a:solidFill>
-              </a:endParaRPr>
-            </a:p>
-          </p:txBody>
-        </p:sp>
-        <p:sp>
-          <p:nvSpPr>
-            <p:cNvPr id="17" name="TextBox 16"/>
-            <p:cNvSpPr txBox="1"/>
-            <p:nvPr/>
-          </p:nvSpPr>
-          <p:spPr>
-            <a:xfrm>
-              <a:off x="1821752" y="6040050"/>
-              <a:ext cx="708642" cy="588887"/>
-            </a:xfrm>
-            <a:prstGeom prst="rect">
-              <a:avLst/>
-            </a:prstGeom>
-            <a:noFill/>
-          </p:spPr>
-          <p:txBody>
-            <a:bodyPr wrap="none" rtlCol="0">
-              <a:spAutoFit/>
-            </a:bodyPr>
-            <a:lstStyle/>
-            <a:p>
-              <a:pPr algn="ctr"/>
-              <a:r>
-                <a:rPr lang="en-ID" b="1" dirty="0">
-                  <a:solidFill>
-                    <a:srgbClr val="0000FF"/>
-                  </a:solidFill>
-                </a:rPr>
-                <a:t>Push</a:t>
-              </a:r>
-            </a:p>
-            <a:p>
-              <a:pPr algn="ctr"/>
-              <a:r>
-                <a:rPr lang="en-ID" b="1" dirty="0">
-                  <a:solidFill>
-                    <a:srgbClr val="0000FF"/>
-                  </a:solidFill>
-                </a:rPr>
-                <a:t>Button</a:t>
-              </a:r>
-              <a:endParaRPr lang="en-US" b="1" dirty="0">
-                <a:solidFill>
-                  <a:srgbClr val="0000FF"/>
-                </a:solidFill>
-              </a:endParaRPr>
-            </a:p>
-          </p:txBody>
-        </p:sp>
-        <p:sp>
-          <p:nvSpPr>
-            <p:cNvPr id="18" name="TextBox 17"/>
-            <p:cNvSpPr txBox="1"/>
-            <p:nvPr/>
-          </p:nvSpPr>
-          <p:spPr>
-            <a:xfrm>
-              <a:off x="2535709" y="6040050"/>
-              <a:ext cx="455915" cy="336507"/>
-            </a:xfrm>
-            <a:prstGeom prst="rect">
-              <a:avLst/>
-            </a:prstGeom>
-            <a:noFill/>
-          </p:spPr>
-          <p:txBody>
-            <a:bodyPr wrap="none" rtlCol="0">
-              <a:spAutoFit/>
-            </a:bodyPr>
-            <a:lstStyle/>
-            <a:p>
-              <a:r>
-                <a:rPr lang="en-ID" b="1" dirty="0">
-                  <a:solidFill>
-                    <a:srgbClr val="0000FF"/>
-                  </a:solidFill>
-                </a:rPr>
-                <a:t>LED</a:t>
-              </a:r>
-              <a:endParaRPr lang="en-US" b="1" dirty="0">
-                <a:solidFill>
-                  <a:srgbClr val="0000FF"/>
-                </a:solidFill>
-              </a:endParaRPr>
-            </a:p>
-          </p:txBody>
-        </p:sp>
-        <p:cxnSp>
-          <p:nvCxnSpPr>
-            <p:cNvPr id="19" name="Elbow Connector 18"/>
-            <p:cNvCxnSpPr>
-              <a:stCxn id="6" idx="0"/>
-              <a:endCxn id="4" idx="2"/>
-            </p:cNvCxnSpPr>
-            <p:nvPr/>
-          </p:nvCxnSpPr>
-          <p:spPr>
-            <a:xfrm rot="5400000" flipH="1" flipV="1">
-              <a:off x="516860" y="4138350"/>
-              <a:ext cx="1038949" cy="726327"/>
-            </a:xfrm>
-            <a:prstGeom prst="bentConnector3">
-              <a:avLst>
-                <a:gd name="adj1" fmla="val 71746"/>
-              </a:avLst>
-            </a:prstGeom>
-            <a:ln w="25400">
-              <a:solidFill>
-                <a:srgbClr val="0000FF"/>
-              </a:solidFill>
-              <a:tailEnd type="arrow"/>
-            </a:ln>
-          </p:spPr>
-          <p:style>
-            <a:lnRef idx="1">
-              <a:schemeClr val="accent1"/>
-            </a:lnRef>
-            <a:fillRef idx="0">
-              <a:schemeClr val="accent1"/>
-            </a:fillRef>
-            <a:effectRef idx="0">
-              <a:schemeClr val="accent1"/>
-            </a:effectRef>
-            <a:fontRef idx="minor">
-              <a:schemeClr val="tx1"/>
-            </a:fontRef>
-          </p:style>
-        </p:cxnSp>
-        <p:cxnSp>
-          <p:nvCxnSpPr>
-            <p:cNvPr id="21" name="Elbow Connector 20"/>
-            <p:cNvCxnSpPr>
-              <a:endCxn id="8" idx="0"/>
-            </p:cNvCxnSpPr>
-            <p:nvPr/>
-          </p:nvCxnSpPr>
-          <p:spPr>
-            <a:xfrm rot="16200000" flipH="1">
-              <a:off x="1112428" y="4586368"/>
-              <a:ext cx="687419" cy="113279"/>
-            </a:xfrm>
-            <a:prstGeom prst="bentConnector3">
-              <a:avLst/>
-            </a:prstGeom>
-            <a:ln w="25400">
-              <a:solidFill>
-                <a:srgbClr val="0000FF"/>
-              </a:solidFill>
-              <a:tailEnd type="arrow"/>
-            </a:ln>
-          </p:spPr>
-          <p:style>
-            <a:lnRef idx="1">
-              <a:schemeClr val="accent1"/>
-            </a:lnRef>
-            <a:fillRef idx="0">
-              <a:schemeClr val="accent1"/>
-            </a:fillRef>
-            <a:effectRef idx="0">
-              <a:schemeClr val="accent1"/>
-            </a:effectRef>
-            <a:fontRef idx="minor">
-              <a:schemeClr val="tx1"/>
-            </a:fontRef>
-          </p:style>
-        </p:cxnSp>
-        <p:cxnSp>
-          <p:nvCxnSpPr>
-            <p:cNvPr id="24" name="Elbow Connector 23"/>
-            <p:cNvCxnSpPr>
-              <a:stCxn id="10" idx="0"/>
-            </p:cNvCxnSpPr>
-            <p:nvPr/>
-          </p:nvCxnSpPr>
-          <p:spPr>
-            <a:xfrm rot="16200000" flipV="1">
-              <a:off x="1673722" y="4025075"/>
-              <a:ext cx="262433" cy="810881"/>
-            </a:xfrm>
-            <a:prstGeom prst="bentConnector2">
-              <a:avLst/>
-            </a:prstGeom>
-            <a:ln w="25400">
-              <a:solidFill>
-                <a:srgbClr val="0000FF"/>
-              </a:solidFill>
-              <a:tailEnd type="arrow"/>
-            </a:ln>
-          </p:spPr>
-          <p:style>
-            <a:lnRef idx="1">
-              <a:schemeClr val="accent1"/>
-            </a:lnRef>
-            <a:fillRef idx="0">
-              <a:schemeClr val="accent1"/>
-            </a:fillRef>
-            <a:effectRef idx="0">
-              <a:schemeClr val="accent1"/>
-            </a:effectRef>
-            <a:fontRef idx="minor">
-              <a:schemeClr val="tx1"/>
-            </a:fontRef>
-          </p:style>
-        </p:cxnSp>
-        <p:cxnSp>
-          <p:nvCxnSpPr>
-            <p:cNvPr id="29" name="Elbow Connector 28"/>
-            <p:cNvCxnSpPr>
-              <a:endCxn id="1026" idx="1"/>
-            </p:cNvCxnSpPr>
-            <p:nvPr/>
-          </p:nvCxnSpPr>
-          <p:spPr>
-            <a:xfrm>
-              <a:off x="2214601" y="4299298"/>
-              <a:ext cx="612181" cy="295793"/>
-            </a:xfrm>
-            <a:prstGeom prst="bentConnector2">
-              <a:avLst/>
-            </a:prstGeom>
-            <a:ln w="25400">
-              <a:solidFill>
-                <a:srgbClr val="0000FF"/>
-              </a:solidFill>
-              <a:tailEnd type="arrow"/>
-            </a:ln>
-          </p:spPr>
-          <p:style>
-            <a:lnRef idx="1">
-              <a:schemeClr val="accent1"/>
-            </a:lnRef>
-            <a:fillRef idx="0">
-              <a:schemeClr val="accent1"/>
-            </a:fillRef>
-            <a:effectRef idx="0">
-              <a:schemeClr val="accent1"/>
-            </a:effectRef>
-            <a:fontRef idx="minor">
-              <a:schemeClr val="tx1"/>
-            </a:fontRef>
-          </p:style>
-        </p:cxnSp>
-        <p:sp>
-          <p:nvSpPr>
-            <p:cNvPr id="31" name="TextBox 30"/>
-            <p:cNvSpPr txBox="1"/>
-            <p:nvPr/>
-          </p:nvSpPr>
-          <p:spPr>
-            <a:xfrm>
-              <a:off x="1399030" y="4002082"/>
-              <a:ext cx="978676" cy="336507"/>
-            </a:xfrm>
-            <a:prstGeom prst="rect">
-              <a:avLst/>
-            </a:prstGeom>
-            <a:noFill/>
-          </p:spPr>
-          <p:txBody>
-            <a:bodyPr wrap="none" rtlCol="0">
-              <a:spAutoFit/>
-            </a:bodyPr>
-            <a:lstStyle/>
-            <a:p>
-              <a:r>
-                <a:rPr lang="en-ID" b="1" dirty="0">
-                  <a:solidFill>
-                    <a:srgbClr val="0000FF"/>
-                  </a:solidFill>
-                </a:rPr>
-                <a:t>Hard Wire</a:t>
-              </a:r>
-              <a:endParaRPr lang="en-US" b="1" dirty="0">
-                <a:solidFill>
-                  <a:srgbClr val="0000FF"/>
-                </a:solidFill>
-              </a:endParaRPr>
-            </a:p>
-          </p:txBody>
-        </p:sp>
-      </p:grpSp>
-      <p:grpSp>
-        <p:nvGrpSpPr>
-          <p:cNvPr id="33" name="Group 32"/>
-          <p:cNvGrpSpPr/>
-          <p:nvPr/>
-        </p:nvGrpSpPr>
-        <p:grpSpPr>
-          <a:xfrm>
-            <a:off x="3123907" y="2199840"/>
-            <a:ext cx="2715829" cy="4429097"/>
-            <a:chOff x="271994" y="1124744"/>
-            <a:chExt cx="3219886" cy="4861145"/>
-          </a:xfrm>
-        </p:grpSpPr>
+          </p:grpSpPr>
+          <p:pic>
+            <p:nvPicPr>
+              <p:cNvPr id="119" name="Picture 118">
+                <a:extLst>
+                  <a:ext uri="{FF2B5EF4-FFF2-40B4-BE49-F238E27FC236}">
+                    <a16:creationId xmlns:a16="http://schemas.microsoft.com/office/drawing/2014/main" id="{8569128C-0619-4279-963D-AE7C028B50F8}"/>
+                  </a:ext>
+                </a:extLst>
+              </p:cNvPr>
+              <p:cNvPicPr/>
+              <p:nvPr/>
+            </p:nvPicPr>
+            <p:blipFill>
+              <a:blip r:embed="rId8"/>
+              <a:stretch>
+                <a:fillRect/>
+              </a:stretch>
+            </p:blipFill>
+            <p:spPr>
+              <a:xfrm>
+                <a:off x="2159253" y="1044386"/>
+                <a:ext cx="402231" cy="463429"/>
+              </a:xfrm>
+              <a:prstGeom prst="rect">
+                <a:avLst/>
+              </a:prstGeom>
+            </p:spPr>
+          </p:pic>
+          <p:pic>
+            <p:nvPicPr>
+              <p:cNvPr id="120" name="Picture 119">
+                <a:extLst>
+                  <a:ext uri="{FF2B5EF4-FFF2-40B4-BE49-F238E27FC236}">
+                    <a16:creationId xmlns:a16="http://schemas.microsoft.com/office/drawing/2014/main" id="{8B747FC8-E2F4-4A4F-A22C-CE38FE1C73EE}"/>
+                  </a:ext>
+                </a:extLst>
+              </p:cNvPr>
+              <p:cNvPicPr/>
+              <p:nvPr/>
+            </p:nvPicPr>
+            <p:blipFill>
+              <a:blip r:embed="rId8"/>
+              <a:stretch>
+                <a:fillRect/>
+              </a:stretch>
+            </p:blipFill>
+            <p:spPr>
+              <a:xfrm>
+                <a:off x="2161663" y="548680"/>
+                <a:ext cx="402231" cy="463429"/>
+              </a:xfrm>
+              <a:prstGeom prst="rect">
+                <a:avLst/>
+              </a:prstGeom>
+            </p:spPr>
+          </p:pic>
+          <p:pic>
+            <p:nvPicPr>
+              <p:cNvPr id="121" name="Picture 120">
+                <a:extLst>
+                  <a:ext uri="{FF2B5EF4-FFF2-40B4-BE49-F238E27FC236}">
+                    <a16:creationId xmlns:a16="http://schemas.microsoft.com/office/drawing/2014/main" id="{C5D34CA6-4297-482B-89D7-F88D49D89624}"/>
+                  </a:ext>
+                </a:extLst>
+              </p:cNvPr>
+              <p:cNvPicPr/>
+              <p:nvPr/>
+            </p:nvPicPr>
+            <p:blipFill>
+              <a:blip r:embed="rId8"/>
+              <a:stretch>
+                <a:fillRect/>
+              </a:stretch>
+            </p:blipFill>
+            <p:spPr>
+              <a:xfrm>
+                <a:off x="2165886" y="1547601"/>
+                <a:ext cx="402231" cy="463429"/>
+              </a:xfrm>
+              <a:prstGeom prst="rect">
+                <a:avLst/>
+              </a:prstGeom>
+            </p:spPr>
+          </p:pic>
+        </p:grpSp>
         <p:pic>
           <p:nvPicPr>
-            <p:cNvPr id="34" name="Picture 33" descr="Free Icon | Wifi"/>
+            <p:cNvPr id="122" name="Picture 121">
+              <a:extLst>
+                <a:ext uri="{FF2B5EF4-FFF2-40B4-BE49-F238E27FC236}">
+                  <a16:creationId xmlns:a16="http://schemas.microsoft.com/office/drawing/2014/main" id="{B162C919-E530-41D0-B8DE-285A262718DC}"/>
+                </a:ext>
+              </a:extLst>
+            </p:cNvPr>
             <p:cNvPicPr/>
             <p:nvPr/>
           </p:nvPicPr>
           <p:blipFill>
-            <a:blip r:embed="rId4" cstate="email">
-              <a:extLst>
-                <a:ext uri="{28A0092B-C50C-407E-A947-70E740481C1C}">
-                  <a14:useLocalDpi xmlns:a14="http://schemas.microsoft.com/office/drawing/2010/main" val="0"/>
-                </a:ext>
-              </a:extLst>
-            </a:blip>
-            <a:srcRect/>
-            <a:stretch>
-              <a:fillRect/>
-            </a:stretch>
-          </p:blipFill>
-          <p:spPr bwMode="auto">
-            <a:xfrm>
-              <a:off x="1300175" y="1124744"/>
-              <a:ext cx="494978" cy="483145"/>
-            </a:xfrm>
-            <a:prstGeom prst="rect">
-              <a:avLst/>
-            </a:prstGeom>
-            <a:noFill/>
-            <a:ln>
-              <a:noFill/>
-            </a:ln>
-          </p:spPr>
-        </p:pic>
-        <p:pic>
-          <p:nvPicPr>
-            <p:cNvPr id="35" name="Picture 34"/>
-            <p:cNvPicPr/>
-            <p:nvPr/>
-          </p:nvPicPr>
-          <p:blipFill>
-            <a:blip r:embed="rId5"/>
+            <a:blip r:embed="rId9"/>
             <a:stretch>
               <a:fillRect/>
             </a:stretch>
           </p:blipFill>
           <p:spPr>
             <a:xfrm>
-              <a:off x="976164" y="1556792"/>
-              <a:ext cx="1143000" cy="1524000"/>
+              <a:off x="4011075" y="5634369"/>
+              <a:ext cx="737513" cy="573934"/>
             </a:xfrm>
             <a:prstGeom prst="rect">
               <a:avLst/>
             </a:prstGeom>
           </p:spPr>
         </p:pic>
-        <p:pic>
-          <p:nvPicPr>
-            <p:cNvPr id="36" name="Picture 35"/>
-            <p:cNvPicPr/>
-            <p:nvPr/>
-          </p:nvPicPr>
-          <p:blipFill>
-            <a:blip r:embed="rId6"/>
-            <a:stretch>
-              <a:fillRect/>
-            </a:stretch>
-          </p:blipFill>
-          <p:spPr>
-            <a:xfrm>
-              <a:off x="391891" y="4221088"/>
-              <a:ext cx="589280" cy="548640"/>
-            </a:xfrm>
-            <a:prstGeom prst="rect">
-              <a:avLst/>
-            </a:prstGeom>
-          </p:spPr>
-        </p:pic>
-        <p:pic>
-          <p:nvPicPr>
-            <p:cNvPr id="37" name="Picture 36"/>
-            <p:cNvPicPr/>
-            <p:nvPr/>
-          </p:nvPicPr>
-          <p:blipFill>
-            <a:blip r:embed="rId7"/>
-            <a:stretch>
-              <a:fillRect/>
-            </a:stretch>
-          </p:blipFill>
-          <p:spPr>
-            <a:xfrm>
-              <a:off x="1244769" y="4183475"/>
-              <a:ext cx="874395" cy="629920"/>
-            </a:xfrm>
-            <a:prstGeom prst="rect">
-              <a:avLst/>
-            </a:prstGeom>
-          </p:spPr>
-        </p:pic>
-        <p:pic>
-          <p:nvPicPr>
-            <p:cNvPr id="38" name="Picture 37"/>
-            <p:cNvPicPr/>
-            <p:nvPr/>
-          </p:nvPicPr>
-          <p:blipFill>
-            <a:blip r:embed="rId8"/>
-            <a:stretch>
-              <a:fillRect/>
-            </a:stretch>
-          </p:blipFill>
-          <p:spPr>
-            <a:xfrm>
-              <a:off x="2267744" y="4261093"/>
-              <a:ext cx="476885" cy="508635"/>
-            </a:xfrm>
-            <a:prstGeom prst="rect">
-              <a:avLst/>
-            </a:prstGeom>
-          </p:spPr>
-        </p:pic>
-        <p:pic>
-          <p:nvPicPr>
-            <p:cNvPr id="39" name="Picture 38"/>
-            <p:cNvPicPr/>
-            <p:nvPr/>
-          </p:nvPicPr>
-          <p:blipFill>
-            <a:blip r:embed="rId8"/>
-            <a:stretch>
-              <a:fillRect/>
-            </a:stretch>
-          </p:blipFill>
-          <p:spPr>
-            <a:xfrm>
-              <a:off x="2270601" y="3717032"/>
-              <a:ext cx="476885" cy="508635"/>
-            </a:xfrm>
-            <a:prstGeom prst="rect">
-              <a:avLst/>
-            </a:prstGeom>
-          </p:spPr>
-        </p:pic>
-        <p:pic>
-          <p:nvPicPr>
-            <p:cNvPr id="40" name="Picture 39"/>
-            <p:cNvPicPr/>
-            <p:nvPr/>
-          </p:nvPicPr>
-          <p:blipFill>
-            <a:blip r:embed="rId8"/>
-            <a:stretch>
-              <a:fillRect/>
-            </a:stretch>
-          </p:blipFill>
-          <p:spPr>
-            <a:xfrm>
-              <a:off x="2275608" y="4813395"/>
-              <a:ext cx="476885" cy="508635"/>
-            </a:xfrm>
-            <a:prstGeom prst="rect">
-              <a:avLst/>
-            </a:prstGeom>
-          </p:spPr>
-        </p:pic>
-        <p:pic>
-          <p:nvPicPr>
-            <p:cNvPr id="41" name="Picture 2"/>
-            <p:cNvPicPr>
-              <a:picLocks noChangeAspect="1" noChangeArrowheads="1"/>
-            </p:cNvPicPr>
-            <p:nvPr/>
-          </p:nvPicPr>
-          <p:blipFill>
-            <a:blip r:embed="rId9" cstate="email">
-              <a:extLst>
-                <a:ext uri="{28A0092B-C50C-407E-A947-70E740481C1C}">
-                  <a14:useLocalDpi xmlns:a14="http://schemas.microsoft.com/office/drawing/2010/main" val="0"/>
-                </a:ext>
-              </a:extLst>
-            </a:blip>
-            <a:srcRect/>
-            <a:stretch>
-              <a:fillRect/>
-            </a:stretch>
-          </p:blipFill>
-          <p:spPr bwMode="auto">
-            <a:xfrm rot="5400000">
-              <a:off x="2446895" y="4294574"/>
-              <a:ext cx="1585913" cy="504056"/>
-            </a:xfrm>
-            <a:prstGeom prst="rect">
-              <a:avLst/>
-            </a:prstGeom>
-            <a:noFill/>
-            <a:ln>
-              <a:noFill/>
-            </a:ln>
-            <a:effectLst/>
-            <a:extLst>
-              <a:ext uri="{909E8E84-426E-40DD-AFC4-6F175D3DCCD1}">
-                <a14:hiddenFill xmlns:a14="http://schemas.microsoft.com/office/drawing/2010/main">
-                  <a:solidFill>
-                    <a:schemeClr val="accent1"/>
-                  </a:solidFill>
-                </a14:hiddenFill>
-              </a:ext>
-              <a:ext uri="{91240B29-F687-4F45-9708-019B960494DF}">
-                <a14:hiddenLine xmlns:a14="http://schemas.microsoft.com/office/drawing/2010/main" w="9525">
-                  <a:solidFill>
-                    <a:schemeClr val="tx1"/>
-                  </a:solidFill>
-                  <a:miter lim="800000"/>
-                  <a:headEnd/>
-                  <a:tailEnd/>
-                </a14:hiddenLine>
-              </a:ext>
-              <a:ext uri="{AF507438-7753-43E0-B8FC-AC1667EBCBE1}">
-                <a14:hiddenEffects xmlns:a14="http://schemas.microsoft.com/office/drawing/2010/main">
-                  <a:effectLst>
-                    <a:outerShdw dist="35921" dir="2700000" algn="ctr" rotWithShape="0">
-                      <a:schemeClr val="bg2"/>
-                    </a:outerShdw>
-                  </a:effectLst>
-                </a14:hiddenEffects>
-              </a:ext>
-            </a:extLst>
-          </p:spPr>
-        </p:pic>
-        <p:sp>
-          <p:nvSpPr>
-            <p:cNvPr id="42" name="TextBox 41"/>
-            <p:cNvSpPr txBox="1"/>
-            <p:nvPr/>
-          </p:nvSpPr>
-          <p:spPr>
-            <a:xfrm>
-              <a:off x="271994" y="4769728"/>
-              <a:ext cx="829073" cy="369332"/>
-            </a:xfrm>
-            <a:prstGeom prst="rect">
-              <a:avLst/>
-            </a:prstGeom>
-            <a:noFill/>
-          </p:spPr>
-          <p:txBody>
-            <a:bodyPr wrap="none" rtlCol="0">
-              <a:spAutoFit/>
-            </a:bodyPr>
-            <a:lstStyle/>
-            <a:p>
-              <a:r>
-                <a:rPr lang="en-ID" b="1" dirty="0">
-                  <a:solidFill>
-                    <a:srgbClr val="0000FF"/>
-                  </a:solidFill>
-                </a:rPr>
-                <a:t>Sensor</a:t>
-              </a:r>
-              <a:endParaRPr lang="en-US" b="1" dirty="0">
-                <a:solidFill>
-                  <a:srgbClr val="0000FF"/>
-                </a:solidFill>
-              </a:endParaRPr>
-            </a:p>
-          </p:txBody>
-        </p:sp>
-        <p:sp>
-          <p:nvSpPr>
-            <p:cNvPr id="43" name="TextBox 42"/>
-            <p:cNvSpPr txBox="1"/>
-            <p:nvPr/>
-          </p:nvSpPr>
-          <p:spPr>
-            <a:xfrm>
-              <a:off x="1271200" y="4797152"/>
-              <a:ext cx="1015021" cy="646331"/>
-            </a:xfrm>
-            <a:prstGeom prst="rect">
-              <a:avLst/>
-            </a:prstGeom>
-            <a:noFill/>
-          </p:spPr>
-          <p:txBody>
-            <a:bodyPr wrap="none" rtlCol="0">
-              <a:spAutoFit/>
-            </a:bodyPr>
-            <a:lstStyle/>
-            <a:p>
-              <a:pPr algn="ctr"/>
-              <a:r>
-                <a:rPr lang="en-ID" b="1" dirty="0">
-                  <a:solidFill>
-                    <a:srgbClr val="0000FF"/>
-                  </a:solidFill>
-                </a:rPr>
-                <a:t>Solenoid</a:t>
-              </a:r>
-            </a:p>
-            <a:p>
-              <a:pPr algn="ctr"/>
-              <a:r>
-                <a:rPr lang="en-ID" b="1" dirty="0">
-                  <a:solidFill>
-                    <a:srgbClr val="0000FF"/>
-                  </a:solidFill>
-                </a:rPr>
-                <a:t>Valve</a:t>
-              </a:r>
-              <a:endParaRPr lang="en-US" b="1" dirty="0">
-                <a:solidFill>
-                  <a:srgbClr val="0000FF"/>
-                </a:solidFill>
-              </a:endParaRPr>
-            </a:p>
-          </p:txBody>
-        </p:sp>
-        <p:sp>
-          <p:nvSpPr>
-            <p:cNvPr id="44" name="TextBox 43"/>
-            <p:cNvSpPr txBox="1"/>
-            <p:nvPr/>
-          </p:nvSpPr>
-          <p:spPr>
-            <a:xfrm>
-              <a:off x="2048288" y="5339558"/>
-              <a:ext cx="840166" cy="646331"/>
-            </a:xfrm>
-            <a:prstGeom prst="rect">
-              <a:avLst/>
-            </a:prstGeom>
-            <a:noFill/>
-          </p:spPr>
-          <p:txBody>
-            <a:bodyPr wrap="none" rtlCol="0">
-              <a:spAutoFit/>
-            </a:bodyPr>
-            <a:lstStyle/>
-            <a:p>
-              <a:pPr algn="ctr"/>
-              <a:r>
-                <a:rPr lang="en-ID" b="1" dirty="0">
-                  <a:solidFill>
-                    <a:srgbClr val="0000FF"/>
-                  </a:solidFill>
-                </a:rPr>
-                <a:t>Push</a:t>
-              </a:r>
-            </a:p>
-            <a:p>
-              <a:pPr algn="ctr"/>
-              <a:r>
-                <a:rPr lang="en-ID" b="1" dirty="0">
-                  <a:solidFill>
-                    <a:srgbClr val="0000FF"/>
-                  </a:solidFill>
-                </a:rPr>
-                <a:t>Button</a:t>
-              </a:r>
-              <a:endParaRPr lang="en-US" b="1" dirty="0">
-                <a:solidFill>
-                  <a:srgbClr val="0000FF"/>
-                </a:solidFill>
-              </a:endParaRPr>
-            </a:p>
-          </p:txBody>
-        </p:sp>
-        <p:sp>
-          <p:nvSpPr>
-            <p:cNvPr id="45" name="TextBox 44"/>
-            <p:cNvSpPr txBox="1"/>
-            <p:nvPr/>
-          </p:nvSpPr>
-          <p:spPr>
-            <a:xfrm>
-              <a:off x="2894755" y="5339558"/>
-              <a:ext cx="540533" cy="369332"/>
-            </a:xfrm>
-            <a:prstGeom prst="rect">
-              <a:avLst/>
-            </a:prstGeom>
-            <a:noFill/>
-          </p:spPr>
-          <p:txBody>
-            <a:bodyPr wrap="none" rtlCol="0">
-              <a:spAutoFit/>
-            </a:bodyPr>
-            <a:lstStyle/>
-            <a:p>
-              <a:r>
-                <a:rPr lang="en-ID" b="1" dirty="0">
-                  <a:solidFill>
-                    <a:srgbClr val="0000FF"/>
-                  </a:solidFill>
-                </a:rPr>
-                <a:t>LED</a:t>
-              </a:r>
-              <a:endParaRPr lang="en-US" b="1" dirty="0">
-                <a:solidFill>
-                  <a:srgbClr val="0000FF"/>
-                </a:solidFill>
-              </a:endParaRPr>
-            </a:p>
-          </p:txBody>
-        </p:sp>
-        <p:cxnSp>
-          <p:nvCxnSpPr>
-            <p:cNvPr id="46" name="Elbow Connector 45"/>
-            <p:cNvCxnSpPr>
-              <a:stCxn id="36" idx="0"/>
-              <a:endCxn id="35" idx="2"/>
-            </p:cNvCxnSpPr>
-            <p:nvPr/>
-          </p:nvCxnSpPr>
-          <p:spPr>
-            <a:xfrm rot="5400000" flipH="1" flipV="1">
-              <a:off x="546949" y="3220374"/>
-              <a:ext cx="1140296" cy="861133"/>
-            </a:xfrm>
-            <a:prstGeom prst="bentConnector3">
-              <a:avLst>
-                <a:gd name="adj1" fmla="val 71746"/>
-              </a:avLst>
-            </a:prstGeom>
-            <a:ln w="25400">
-              <a:solidFill>
-                <a:srgbClr val="0000FF"/>
-              </a:solidFill>
-              <a:tailEnd type="arrow"/>
-            </a:ln>
-          </p:spPr>
-          <p:style>
-            <a:lnRef idx="1">
-              <a:schemeClr val="accent1"/>
-            </a:lnRef>
-            <a:fillRef idx="0">
-              <a:schemeClr val="accent1"/>
-            </a:fillRef>
-            <a:effectRef idx="0">
-              <a:schemeClr val="accent1"/>
-            </a:effectRef>
-            <a:fontRef idx="minor">
-              <a:schemeClr val="tx1"/>
-            </a:fontRef>
-          </p:style>
-        </p:cxnSp>
-        <p:cxnSp>
-          <p:nvCxnSpPr>
-            <p:cNvPr id="47" name="Elbow Connector 46"/>
-            <p:cNvCxnSpPr>
-              <a:endCxn id="37" idx="0"/>
-            </p:cNvCxnSpPr>
-            <p:nvPr/>
-          </p:nvCxnSpPr>
-          <p:spPr>
-            <a:xfrm rot="16200000" flipH="1">
-              <a:off x="1237578" y="3739085"/>
-              <a:ext cx="754475" cy="134303"/>
-            </a:xfrm>
-            <a:prstGeom prst="bentConnector3">
-              <a:avLst/>
-            </a:prstGeom>
-            <a:ln w="25400">
-              <a:solidFill>
-                <a:srgbClr val="0000FF"/>
-              </a:solidFill>
-              <a:tailEnd type="arrow"/>
-            </a:ln>
-          </p:spPr>
-          <p:style>
-            <a:lnRef idx="1">
-              <a:schemeClr val="accent1"/>
-            </a:lnRef>
-            <a:fillRef idx="0">
-              <a:schemeClr val="accent1"/>
-            </a:fillRef>
-            <a:effectRef idx="0">
-              <a:schemeClr val="accent1"/>
-            </a:effectRef>
-            <a:fontRef idx="minor">
-              <a:schemeClr val="tx1"/>
-            </a:fontRef>
-          </p:style>
-        </p:cxnSp>
-        <p:cxnSp>
-          <p:nvCxnSpPr>
-            <p:cNvPr id="48" name="Elbow Connector 47"/>
-            <p:cNvCxnSpPr>
-              <a:stCxn id="39" idx="0"/>
-            </p:cNvCxnSpPr>
-            <p:nvPr/>
-          </p:nvCxnSpPr>
-          <p:spPr>
-            <a:xfrm rot="16200000" flipV="1">
-              <a:off x="1884338" y="3092326"/>
-              <a:ext cx="288033" cy="961380"/>
-            </a:xfrm>
-            <a:prstGeom prst="bentConnector2">
-              <a:avLst/>
-            </a:prstGeom>
-            <a:ln w="25400">
-              <a:solidFill>
-                <a:srgbClr val="0000FF"/>
-              </a:solidFill>
-              <a:tailEnd type="arrow"/>
-            </a:ln>
-          </p:spPr>
-          <p:style>
-            <a:lnRef idx="1">
-              <a:schemeClr val="accent1"/>
-            </a:lnRef>
-            <a:fillRef idx="0">
-              <a:schemeClr val="accent1"/>
-            </a:fillRef>
-            <a:effectRef idx="0">
-              <a:schemeClr val="accent1"/>
-            </a:effectRef>
-            <a:fontRef idx="minor">
-              <a:schemeClr val="tx1"/>
-            </a:fontRef>
-          </p:style>
-        </p:cxnSp>
-        <p:cxnSp>
-          <p:nvCxnSpPr>
-            <p:cNvPr id="49" name="Elbow Connector 48"/>
-            <p:cNvCxnSpPr>
-              <a:endCxn id="41" idx="1"/>
-            </p:cNvCxnSpPr>
-            <p:nvPr/>
-          </p:nvCxnSpPr>
-          <p:spPr>
-            <a:xfrm>
-              <a:off x="2514050" y="3428999"/>
-              <a:ext cx="725802" cy="324647"/>
-            </a:xfrm>
-            <a:prstGeom prst="bentConnector2">
-              <a:avLst/>
-            </a:prstGeom>
-            <a:ln w="25400">
-              <a:solidFill>
-                <a:srgbClr val="0000FF"/>
-              </a:solidFill>
-              <a:tailEnd type="arrow"/>
-            </a:ln>
-          </p:spPr>
-          <p:style>
-            <a:lnRef idx="1">
-              <a:schemeClr val="accent1"/>
-            </a:lnRef>
-            <a:fillRef idx="0">
-              <a:schemeClr val="accent1"/>
-            </a:fillRef>
-            <a:effectRef idx="0">
-              <a:schemeClr val="accent1"/>
-            </a:effectRef>
-            <a:fontRef idx="minor">
-              <a:schemeClr val="tx1"/>
-            </a:fontRef>
-          </p:style>
-        </p:cxnSp>
-        <p:sp>
-          <p:nvSpPr>
-            <p:cNvPr id="50" name="TextBox 49"/>
-            <p:cNvSpPr txBox="1"/>
-            <p:nvPr/>
-          </p:nvSpPr>
-          <p:spPr>
-            <a:xfrm>
-              <a:off x="1547109" y="3102791"/>
-              <a:ext cx="1160318" cy="369332"/>
-            </a:xfrm>
-            <a:prstGeom prst="rect">
-              <a:avLst/>
-            </a:prstGeom>
-            <a:noFill/>
-          </p:spPr>
-          <p:txBody>
-            <a:bodyPr wrap="none" rtlCol="0">
-              <a:spAutoFit/>
-            </a:bodyPr>
-            <a:lstStyle/>
-            <a:p>
-              <a:r>
-                <a:rPr lang="en-ID" b="1" dirty="0">
-                  <a:solidFill>
-                    <a:srgbClr val="0000FF"/>
-                  </a:solidFill>
-                </a:rPr>
-                <a:t>Hard Wire</a:t>
-              </a:r>
-              <a:endParaRPr lang="en-US" b="1" dirty="0">
-                <a:solidFill>
-                  <a:srgbClr val="0000FF"/>
-                </a:solidFill>
-              </a:endParaRPr>
-            </a:p>
-          </p:txBody>
-        </p:sp>
-      </p:grpSp>
-      <p:grpSp>
-        <p:nvGrpSpPr>
-          <p:cNvPr id="51" name="Group 50"/>
-          <p:cNvGrpSpPr/>
-          <p:nvPr/>
-        </p:nvGrpSpPr>
-        <p:grpSpPr>
-          <a:xfrm>
-            <a:off x="5744603" y="2199840"/>
-            <a:ext cx="2715829" cy="4429097"/>
-            <a:chOff x="271994" y="1124744"/>
-            <a:chExt cx="3219886" cy="4861145"/>
-          </a:xfrm>
-        </p:grpSpPr>
-        <p:pic>
-          <p:nvPicPr>
-            <p:cNvPr id="52" name="Picture 51" descr="Free Icon | Wifi"/>
-            <p:cNvPicPr/>
-            <p:nvPr/>
-          </p:nvPicPr>
-          <p:blipFill>
-            <a:blip r:embed="rId4" cstate="email">
-              <a:extLst>
-                <a:ext uri="{28A0092B-C50C-407E-A947-70E740481C1C}">
-                  <a14:useLocalDpi xmlns:a14="http://schemas.microsoft.com/office/drawing/2010/main" val="0"/>
-                </a:ext>
-              </a:extLst>
-            </a:blip>
-            <a:srcRect/>
-            <a:stretch>
-              <a:fillRect/>
-            </a:stretch>
-          </p:blipFill>
-          <p:spPr bwMode="auto">
-            <a:xfrm>
-              <a:off x="1300175" y="1124744"/>
-              <a:ext cx="494978" cy="483145"/>
-            </a:xfrm>
-            <a:prstGeom prst="rect">
-              <a:avLst/>
-            </a:prstGeom>
-            <a:noFill/>
-            <a:ln>
-              <a:noFill/>
-            </a:ln>
-          </p:spPr>
-        </p:pic>
-        <p:pic>
-          <p:nvPicPr>
-            <p:cNvPr id="53" name="Picture 52"/>
-            <p:cNvPicPr/>
-            <p:nvPr/>
-          </p:nvPicPr>
-          <p:blipFill>
-            <a:blip r:embed="rId5"/>
-            <a:stretch>
-              <a:fillRect/>
-            </a:stretch>
-          </p:blipFill>
-          <p:spPr>
-            <a:xfrm>
-              <a:off x="976164" y="1556792"/>
-              <a:ext cx="1143000" cy="1524000"/>
-            </a:xfrm>
-            <a:prstGeom prst="rect">
-              <a:avLst/>
-            </a:prstGeom>
-          </p:spPr>
-        </p:pic>
-        <p:pic>
-          <p:nvPicPr>
-            <p:cNvPr id="54" name="Picture 53"/>
-            <p:cNvPicPr/>
-            <p:nvPr/>
-          </p:nvPicPr>
-          <p:blipFill>
-            <a:blip r:embed="rId6"/>
-            <a:stretch>
-              <a:fillRect/>
-            </a:stretch>
-          </p:blipFill>
-          <p:spPr>
-            <a:xfrm>
-              <a:off x="391891" y="4221088"/>
-              <a:ext cx="589280" cy="548640"/>
-            </a:xfrm>
-            <a:prstGeom prst="rect">
-              <a:avLst/>
-            </a:prstGeom>
-          </p:spPr>
-        </p:pic>
-        <p:pic>
-          <p:nvPicPr>
-            <p:cNvPr id="55" name="Picture 54"/>
-            <p:cNvPicPr/>
-            <p:nvPr/>
-          </p:nvPicPr>
-          <p:blipFill>
-            <a:blip r:embed="rId7"/>
-            <a:stretch>
-              <a:fillRect/>
-            </a:stretch>
-          </p:blipFill>
-          <p:spPr>
-            <a:xfrm>
-              <a:off x="1244769" y="4183475"/>
-              <a:ext cx="874395" cy="629920"/>
-            </a:xfrm>
-            <a:prstGeom prst="rect">
-              <a:avLst/>
-            </a:prstGeom>
-          </p:spPr>
-        </p:pic>
-        <p:pic>
-          <p:nvPicPr>
-            <p:cNvPr id="56" name="Picture 55"/>
-            <p:cNvPicPr/>
-            <p:nvPr/>
-          </p:nvPicPr>
-          <p:blipFill>
-            <a:blip r:embed="rId8"/>
-            <a:stretch>
-              <a:fillRect/>
-            </a:stretch>
-          </p:blipFill>
-          <p:spPr>
-            <a:xfrm>
-              <a:off x="2267744" y="4261093"/>
-              <a:ext cx="476885" cy="508635"/>
-            </a:xfrm>
-            <a:prstGeom prst="rect">
-              <a:avLst/>
-            </a:prstGeom>
-          </p:spPr>
-        </p:pic>
-        <p:pic>
-          <p:nvPicPr>
-            <p:cNvPr id="57" name="Picture 56"/>
-            <p:cNvPicPr/>
-            <p:nvPr/>
-          </p:nvPicPr>
-          <p:blipFill>
-            <a:blip r:embed="rId8"/>
-            <a:stretch>
-              <a:fillRect/>
-            </a:stretch>
-          </p:blipFill>
-          <p:spPr>
-            <a:xfrm>
-              <a:off x="2270601" y="3717032"/>
-              <a:ext cx="476885" cy="508635"/>
-            </a:xfrm>
-            <a:prstGeom prst="rect">
-              <a:avLst/>
-            </a:prstGeom>
-          </p:spPr>
-        </p:pic>
-        <p:pic>
-          <p:nvPicPr>
-            <p:cNvPr id="58" name="Picture 57"/>
-            <p:cNvPicPr/>
-            <p:nvPr/>
-          </p:nvPicPr>
-          <p:blipFill>
-            <a:blip r:embed="rId8"/>
-            <a:stretch>
-              <a:fillRect/>
-            </a:stretch>
-          </p:blipFill>
-          <p:spPr>
-            <a:xfrm>
-              <a:off x="2275608" y="4813395"/>
-              <a:ext cx="476885" cy="508635"/>
-            </a:xfrm>
-            <a:prstGeom prst="rect">
-              <a:avLst/>
-            </a:prstGeom>
-          </p:spPr>
-        </p:pic>
-        <p:pic>
-          <p:nvPicPr>
-            <p:cNvPr id="59" name="Picture 2"/>
-            <p:cNvPicPr>
-              <a:picLocks noChangeAspect="1" noChangeArrowheads="1"/>
-            </p:cNvPicPr>
-            <p:nvPr/>
-          </p:nvPicPr>
-          <p:blipFill>
-            <a:blip r:embed="rId9" cstate="email">
-              <a:extLst>
-                <a:ext uri="{28A0092B-C50C-407E-A947-70E740481C1C}">
-                  <a14:useLocalDpi xmlns:a14="http://schemas.microsoft.com/office/drawing/2010/main" val="0"/>
-                </a:ext>
-              </a:extLst>
-            </a:blip>
-            <a:srcRect/>
-            <a:stretch>
-              <a:fillRect/>
-            </a:stretch>
-          </p:blipFill>
-          <p:spPr bwMode="auto">
-            <a:xfrm rot="5400000">
-              <a:off x="2446895" y="4294574"/>
-              <a:ext cx="1585913" cy="504056"/>
-            </a:xfrm>
-            <a:prstGeom prst="rect">
-              <a:avLst/>
-            </a:prstGeom>
-            <a:noFill/>
-            <a:ln>
-              <a:noFill/>
-            </a:ln>
-            <a:effectLst/>
-            <a:extLst>
-              <a:ext uri="{909E8E84-426E-40DD-AFC4-6F175D3DCCD1}">
-                <a14:hiddenFill xmlns:a14="http://schemas.microsoft.com/office/drawing/2010/main">
-                  <a:solidFill>
-                    <a:schemeClr val="accent1"/>
-                  </a:solidFill>
-                </a14:hiddenFill>
-              </a:ext>
-              <a:ext uri="{91240B29-F687-4F45-9708-019B960494DF}">
-                <a14:hiddenLine xmlns:a14="http://schemas.microsoft.com/office/drawing/2010/main" w="9525">
-                  <a:solidFill>
-                    <a:schemeClr val="tx1"/>
-                  </a:solidFill>
-                  <a:miter lim="800000"/>
-                  <a:headEnd/>
-                  <a:tailEnd/>
-                </a14:hiddenLine>
-              </a:ext>
-              <a:ext uri="{AF507438-7753-43E0-B8FC-AC1667EBCBE1}">
-                <a14:hiddenEffects xmlns:a14="http://schemas.microsoft.com/office/drawing/2010/main">
-                  <a:effectLst>
-                    <a:outerShdw dist="35921" dir="2700000" algn="ctr" rotWithShape="0">
-                      <a:schemeClr val="bg2"/>
-                    </a:outerShdw>
-                  </a:effectLst>
-                </a14:hiddenEffects>
-              </a:ext>
-            </a:extLst>
-          </p:spPr>
-        </p:pic>
-        <p:sp>
-          <p:nvSpPr>
-            <p:cNvPr id="60" name="TextBox 59"/>
-            <p:cNvSpPr txBox="1"/>
-            <p:nvPr/>
-          </p:nvSpPr>
-          <p:spPr>
-            <a:xfrm>
-              <a:off x="271994" y="4769728"/>
-              <a:ext cx="829073" cy="369332"/>
-            </a:xfrm>
-            <a:prstGeom prst="rect">
-              <a:avLst/>
-            </a:prstGeom>
-            <a:noFill/>
-          </p:spPr>
-          <p:txBody>
-            <a:bodyPr wrap="none" rtlCol="0">
-              <a:spAutoFit/>
-            </a:bodyPr>
-            <a:lstStyle/>
-            <a:p>
-              <a:r>
-                <a:rPr lang="en-ID" b="1" dirty="0">
-                  <a:solidFill>
-                    <a:srgbClr val="0000FF"/>
-                  </a:solidFill>
-                </a:rPr>
-                <a:t>Sensor</a:t>
-              </a:r>
-              <a:endParaRPr lang="en-US" b="1" dirty="0">
-                <a:solidFill>
-                  <a:srgbClr val="0000FF"/>
-                </a:solidFill>
-              </a:endParaRPr>
-            </a:p>
-          </p:txBody>
-        </p:sp>
-        <p:sp>
-          <p:nvSpPr>
-            <p:cNvPr id="61" name="TextBox 60"/>
-            <p:cNvSpPr txBox="1"/>
-            <p:nvPr/>
-          </p:nvSpPr>
-          <p:spPr>
-            <a:xfrm>
-              <a:off x="1271200" y="4797152"/>
-              <a:ext cx="1015021" cy="646331"/>
-            </a:xfrm>
-            <a:prstGeom prst="rect">
-              <a:avLst/>
-            </a:prstGeom>
-            <a:noFill/>
-          </p:spPr>
-          <p:txBody>
-            <a:bodyPr wrap="none" rtlCol="0">
-              <a:spAutoFit/>
-            </a:bodyPr>
-            <a:lstStyle/>
-            <a:p>
-              <a:pPr algn="ctr"/>
-              <a:r>
-                <a:rPr lang="en-ID" b="1" dirty="0">
-                  <a:solidFill>
-                    <a:srgbClr val="0000FF"/>
-                  </a:solidFill>
-                </a:rPr>
-                <a:t>Solenoid</a:t>
-              </a:r>
-            </a:p>
-            <a:p>
-              <a:pPr algn="ctr"/>
-              <a:r>
-                <a:rPr lang="en-ID" b="1" dirty="0">
-                  <a:solidFill>
-                    <a:srgbClr val="0000FF"/>
-                  </a:solidFill>
-                </a:rPr>
-                <a:t>Valve</a:t>
-              </a:r>
-              <a:endParaRPr lang="en-US" b="1" dirty="0">
-                <a:solidFill>
-                  <a:srgbClr val="0000FF"/>
-                </a:solidFill>
-              </a:endParaRPr>
-            </a:p>
-          </p:txBody>
-        </p:sp>
-        <p:sp>
-          <p:nvSpPr>
-            <p:cNvPr id="62" name="TextBox 61"/>
-            <p:cNvSpPr txBox="1"/>
-            <p:nvPr/>
-          </p:nvSpPr>
-          <p:spPr>
-            <a:xfrm>
-              <a:off x="2048288" y="5339558"/>
-              <a:ext cx="840166" cy="646331"/>
-            </a:xfrm>
-            <a:prstGeom prst="rect">
-              <a:avLst/>
-            </a:prstGeom>
-            <a:noFill/>
-          </p:spPr>
-          <p:txBody>
-            <a:bodyPr wrap="none" rtlCol="0">
-              <a:spAutoFit/>
-            </a:bodyPr>
-            <a:lstStyle/>
-            <a:p>
-              <a:pPr algn="ctr"/>
-              <a:r>
-                <a:rPr lang="en-ID" b="1" dirty="0">
-                  <a:solidFill>
-                    <a:srgbClr val="0000FF"/>
-                  </a:solidFill>
-                </a:rPr>
-                <a:t>Push</a:t>
-              </a:r>
-            </a:p>
-            <a:p>
-              <a:pPr algn="ctr"/>
-              <a:r>
-                <a:rPr lang="en-ID" b="1" dirty="0">
-                  <a:solidFill>
-                    <a:srgbClr val="0000FF"/>
-                  </a:solidFill>
-                </a:rPr>
-                <a:t>Button</a:t>
-              </a:r>
-              <a:endParaRPr lang="en-US" b="1" dirty="0">
-                <a:solidFill>
-                  <a:srgbClr val="0000FF"/>
-                </a:solidFill>
-              </a:endParaRPr>
-            </a:p>
-          </p:txBody>
-        </p:sp>
-        <p:sp>
-          <p:nvSpPr>
-            <p:cNvPr id="63" name="TextBox 62"/>
-            <p:cNvSpPr txBox="1"/>
-            <p:nvPr/>
-          </p:nvSpPr>
-          <p:spPr>
-            <a:xfrm>
-              <a:off x="2894755" y="5339558"/>
-              <a:ext cx="540533" cy="369332"/>
-            </a:xfrm>
-            <a:prstGeom prst="rect">
-              <a:avLst/>
-            </a:prstGeom>
-            <a:noFill/>
-          </p:spPr>
-          <p:txBody>
-            <a:bodyPr wrap="none" rtlCol="0">
-              <a:spAutoFit/>
-            </a:bodyPr>
-            <a:lstStyle/>
-            <a:p>
-              <a:r>
-                <a:rPr lang="en-ID" b="1" dirty="0">
-                  <a:solidFill>
-                    <a:srgbClr val="0000FF"/>
-                  </a:solidFill>
-                </a:rPr>
-                <a:t>LED</a:t>
-              </a:r>
-              <a:endParaRPr lang="en-US" b="1" dirty="0">
-                <a:solidFill>
-                  <a:srgbClr val="0000FF"/>
-                </a:solidFill>
-              </a:endParaRPr>
-            </a:p>
-          </p:txBody>
-        </p:sp>
-        <p:cxnSp>
-          <p:nvCxnSpPr>
-            <p:cNvPr id="64" name="Elbow Connector 63"/>
-            <p:cNvCxnSpPr>
-              <a:stCxn id="54" idx="0"/>
-              <a:endCxn id="53" idx="2"/>
-            </p:cNvCxnSpPr>
-            <p:nvPr/>
-          </p:nvCxnSpPr>
-          <p:spPr>
-            <a:xfrm rot="5400000" flipH="1" flipV="1">
-              <a:off x="546949" y="3220374"/>
-              <a:ext cx="1140296" cy="861133"/>
-            </a:xfrm>
-            <a:prstGeom prst="bentConnector3">
-              <a:avLst>
-                <a:gd name="adj1" fmla="val 71746"/>
-              </a:avLst>
-            </a:prstGeom>
-            <a:ln w="25400">
-              <a:solidFill>
-                <a:srgbClr val="0000FF"/>
-              </a:solidFill>
-              <a:tailEnd type="arrow"/>
-            </a:ln>
-          </p:spPr>
-          <p:style>
-            <a:lnRef idx="1">
-              <a:schemeClr val="accent1"/>
-            </a:lnRef>
-            <a:fillRef idx="0">
-              <a:schemeClr val="accent1"/>
-            </a:fillRef>
-            <a:effectRef idx="0">
-              <a:schemeClr val="accent1"/>
-            </a:effectRef>
-            <a:fontRef idx="minor">
-              <a:schemeClr val="tx1"/>
-            </a:fontRef>
-          </p:style>
-        </p:cxnSp>
-        <p:cxnSp>
-          <p:nvCxnSpPr>
-            <p:cNvPr id="65" name="Elbow Connector 64"/>
-            <p:cNvCxnSpPr>
-              <a:endCxn id="55" idx="0"/>
-            </p:cNvCxnSpPr>
-            <p:nvPr/>
-          </p:nvCxnSpPr>
-          <p:spPr>
-            <a:xfrm rot="16200000" flipH="1">
-              <a:off x="1237578" y="3739085"/>
-              <a:ext cx="754475" cy="134303"/>
-            </a:xfrm>
-            <a:prstGeom prst="bentConnector3">
-              <a:avLst/>
-            </a:prstGeom>
-            <a:ln w="25400">
-              <a:solidFill>
-                <a:srgbClr val="0000FF"/>
-              </a:solidFill>
-              <a:tailEnd type="arrow"/>
-            </a:ln>
-          </p:spPr>
-          <p:style>
-            <a:lnRef idx="1">
-              <a:schemeClr val="accent1"/>
-            </a:lnRef>
-            <a:fillRef idx="0">
-              <a:schemeClr val="accent1"/>
-            </a:fillRef>
-            <a:effectRef idx="0">
-              <a:schemeClr val="accent1"/>
-            </a:effectRef>
-            <a:fontRef idx="minor">
-              <a:schemeClr val="tx1"/>
-            </a:fontRef>
-          </p:style>
-        </p:cxnSp>
-        <p:cxnSp>
-          <p:nvCxnSpPr>
-            <p:cNvPr id="66" name="Elbow Connector 65"/>
-            <p:cNvCxnSpPr>
-              <a:stCxn id="57" idx="0"/>
-            </p:cNvCxnSpPr>
-            <p:nvPr/>
-          </p:nvCxnSpPr>
-          <p:spPr>
-            <a:xfrm rot="16200000" flipV="1">
-              <a:off x="1884338" y="3092326"/>
-              <a:ext cx="288033" cy="961380"/>
-            </a:xfrm>
-            <a:prstGeom prst="bentConnector2">
-              <a:avLst/>
-            </a:prstGeom>
-            <a:ln w="25400">
-              <a:solidFill>
-                <a:srgbClr val="0000FF"/>
-              </a:solidFill>
-              <a:tailEnd type="arrow"/>
-            </a:ln>
-          </p:spPr>
-          <p:style>
-            <a:lnRef idx="1">
-              <a:schemeClr val="accent1"/>
-            </a:lnRef>
-            <a:fillRef idx="0">
-              <a:schemeClr val="accent1"/>
-            </a:fillRef>
-            <a:effectRef idx="0">
-              <a:schemeClr val="accent1"/>
-            </a:effectRef>
-            <a:fontRef idx="minor">
-              <a:schemeClr val="tx1"/>
-            </a:fontRef>
-          </p:style>
-        </p:cxnSp>
-        <p:cxnSp>
-          <p:nvCxnSpPr>
-            <p:cNvPr id="67" name="Elbow Connector 66"/>
-            <p:cNvCxnSpPr>
-              <a:endCxn id="59" idx="1"/>
-            </p:cNvCxnSpPr>
-            <p:nvPr/>
-          </p:nvCxnSpPr>
-          <p:spPr>
-            <a:xfrm>
-              <a:off x="2514050" y="3428999"/>
-              <a:ext cx="725802" cy="324647"/>
-            </a:xfrm>
-            <a:prstGeom prst="bentConnector2">
-              <a:avLst/>
-            </a:prstGeom>
-            <a:ln w="25400">
-              <a:solidFill>
-                <a:srgbClr val="0000FF"/>
-              </a:solidFill>
-              <a:tailEnd type="arrow"/>
-            </a:ln>
-          </p:spPr>
-          <p:style>
-            <a:lnRef idx="1">
-              <a:schemeClr val="accent1"/>
-            </a:lnRef>
-            <a:fillRef idx="0">
-              <a:schemeClr val="accent1"/>
-            </a:fillRef>
-            <a:effectRef idx="0">
-              <a:schemeClr val="accent1"/>
-            </a:effectRef>
-            <a:fontRef idx="minor">
-              <a:schemeClr val="tx1"/>
-            </a:fontRef>
-          </p:style>
-        </p:cxnSp>
-        <p:sp>
-          <p:nvSpPr>
-            <p:cNvPr id="68" name="TextBox 67"/>
-            <p:cNvSpPr txBox="1"/>
-            <p:nvPr/>
-          </p:nvSpPr>
-          <p:spPr>
-            <a:xfrm>
-              <a:off x="1547109" y="3102791"/>
-              <a:ext cx="1160318" cy="369332"/>
-            </a:xfrm>
-            <a:prstGeom prst="rect">
-              <a:avLst/>
-            </a:prstGeom>
-            <a:noFill/>
-          </p:spPr>
-          <p:txBody>
-            <a:bodyPr wrap="none" rtlCol="0">
-              <a:spAutoFit/>
-            </a:bodyPr>
-            <a:lstStyle/>
-            <a:p>
-              <a:r>
-                <a:rPr lang="en-ID" b="1" dirty="0">
-                  <a:solidFill>
-                    <a:srgbClr val="0000FF"/>
-                  </a:solidFill>
-                </a:rPr>
-                <a:t>Hard Wire</a:t>
-              </a:r>
-              <a:endParaRPr lang="en-US" b="1" dirty="0">
-                <a:solidFill>
-                  <a:srgbClr val="0000FF"/>
-                </a:solidFill>
-              </a:endParaRPr>
-            </a:p>
-          </p:txBody>
-        </p:sp>
       </p:grpSp>
       <p:sp>
         <p:nvSpPr>
-          <p:cNvPr id="32" name="TextBox 31"/>
+          <p:cNvPr id="171" name="TextBox 170">
+            <a:extLst>
+              <a:ext uri="{FF2B5EF4-FFF2-40B4-BE49-F238E27FC236}">
+                <a16:creationId xmlns:a16="http://schemas.microsoft.com/office/drawing/2014/main" id="{D3D2C1E7-A24B-4E4F-9338-4E3CC945B96E}"/>
+              </a:ext>
+            </a:extLst>
+          </p:cNvPr>
           <p:cNvSpPr txBox="1"/>
           <p:nvPr/>
         </p:nvSpPr>
         <p:spPr>
           <a:xfrm>
-            <a:off x="1811946" y="3103098"/>
-            <a:ext cx="909031" cy="369332"/>
+            <a:off x="2305167" y="551315"/>
+            <a:ext cx="3110147" cy="461665"/>
           </a:xfrm>
           <a:prstGeom prst="rect">
             <a:avLst/>
@@ -10366,31 +9127,40 @@
           <a:lstStyle/>
           <a:p>
             <a:r>
-              <a:rPr lang="en-ID" b="1" dirty="0">
+              <a:rPr lang="en-US" sz="2400" b="1" dirty="0" err="1">
                 <a:solidFill>
                   <a:srgbClr val="0000FF"/>
                 </a:solidFill>
               </a:rPr>
-              <a:t>ZONA 1</a:t>
+              <a:t>EoN</a:t>
             </a:r>
-            <a:endParaRPr lang="en-US" b="1" dirty="0">
-              <a:solidFill>
-                <a:srgbClr val="0000FF"/>
-              </a:solidFill>
-            </a:endParaRPr>
+            <a:r>
+              <a:rPr lang="en-US" sz="2400" b="1" dirty="0">
+                <a:solidFill>
+                  <a:srgbClr val="0000FF"/>
+                </a:solidFill>
+              </a:rPr>
+              <a:t> – Edge of Network</a:t>
+            </a:r>
           </a:p>
         </p:txBody>
       </p:sp>
       <p:sp>
         <p:nvSpPr>
-          <p:cNvPr id="70" name="TextBox 69"/>
+          <p:cNvPr id="89" name="TextBox 88">
+            <a:extLst>
+              <a:ext uri="{FF2B5EF4-FFF2-40B4-BE49-F238E27FC236}">
+                <a16:creationId xmlns:a16="http://schemas.microsoft.com/office/drawing/2014/main" id="{FD499B9D-6F6A-48F3-A26C-7095543087F4}"/>
+              </a:ext>
+            </a:extLst>
+          </p:cNvPr>
           <p:cNvSpPr txBox="1"/>
           <p:nvPr/>
         </p:nvSpPr>
         <p:spPr>
           <a:xfrm>
-            <a:off x="4676608" y="3103952"/>
-            <a:ext cx="909031" cy="369332"/>
+            <a:off x="3922966" y="2366513"/>
+            <a:ext cx="1220014" cy="1200329"/>
           </a:xfrm>
           <a:prstGeom prst="rect">
             <a:avLst/>
@@ -10403,556 +9173,6 @@
           </a:bodyPr>
           <a:lstStyle/>
           <a:p>
-            <a:r>
-              <a:rPr lang="en-ID" b="1" dirty="0">
-                <a:solidFill>
-                  <a:srgbClr val="0000FF"/>
-                </a:solidFill>
-              </a:rPr>
-              <a:t>ZONA 2</a:t>
-            </a:r>
-            <a:endParaRPr lang="en-US" b="1" dirty="0">
-              <a:solidFill>
-                <a:srgbClr val="0000FF"/>
-              </a:solidFill>
-            </a:endParaRPr>
-          </a:p>
-        </p:txBody>
-      </p:sp>
-      <p:sp>
-        <p:nvSpPr>
-          <p:cNvPr id="71" name="TextBox 70"/>
-          <p:cNvSpPr txBox="1"/>
-          <p:nvPr/>
-        </p:nvSpPr>
-        <p:spPr>
-          <a:xfrm>
-            <a:off x="7263369" y="3102683"/>
-            <a:ext cx="909031" cy="369332"/>
-          </a:xfrm>
-          <a:prstGeom prst="rect">
-            <a:avLst/>
-          </a:prstGeom>
-          <a:noFill/>
-        </p:spPr>
-        <p:txBody>
-          <a:bodyPr wrap="none" rtlCol="0">
-            <a:spAutoFit/>
-          </a:bodyPr>
-          <a:lstStyle/>
-          <a:p>
-            <a:r>
-              <a:rPr lang="en-ID" b="1" dirty="0">
-                <a:solidFill>
-                  <a:srgbClr val="0000FF"/>
-                </a:solidFill>
-              </a:rPr>
-              <a:t>ZONA 3</a:t>
-            </a:r>
-            <a:endParaRPr lang="en-US" b="1" dirty="0">
-              <a:solidFill>
-                <a:srgbClr val="0000FF"/>
-              </a:solidFill>
-            </a:endParaRPr>
-          </a:p>
-        </p:txBody>
-      </p:sp>
-      <p:cxnSp>
-        <p:nvCxnSpPr>
-          <p:cNvPr id="79" name="Straight Arrow Connector 78"/>
-          <p:cNvCxnSpPr>
-            <a:stCxn id="75" idx="1"/>
-            <a:endCxn id="5" idx="3"/>
-          </p:cNvCxnSpPr>
-          <p:nvPr/>
-        </p:nvCxnSpPr>
-        <p:spPr>
-          <a:xfrm flipH="1">
-            <a:off x="1608244" y="1684107"/>
-            <a:ext cx="3251788" cy="735835"/>
-          </a:xfrm>
-          <a:prstGeom prst="straightConnector1">
-            <a:avLst/>
-          </a:prstGeom>
-          <a:ln w="25400">
-            <a:solidFill>
-              <a:srgbClr val="FF0000"/>
-            </a:solidFill>
-            <a:headEnd type="stealth"/>
-            <a:tailEnd type="stealth"/>
-          </a:ln>
-        </p:spPr>
-        <p:style>
-          <a:lnRef idx="1">
-            <a:schemeClr val="accent1"/>
-          </a:lnRef>
-          <a:fillRef idx="0">
-            <a:schemeClr val="accent1"/>
-          </a:fillRef>
-          <a:effectRef idx="0">
-            <a:schemeClr val="accent1"/>
-          </a:effectRef>
-          <a:fontRef idx="minor">
-            <a:schemeClr val="tx1"/>
-          </a:fontRef>
-        </p:style>
-      </p:cxnSp>
-      <p:cxnSp>
-        <p:nvCxnSpPr>
-          <p:cNvPr id="82" name="Straight Arrow Connector 81"/>
-          <p:cNvCxnSpPr>
-            <a:cxnSpLocks/>
-          </p:cNvCxnSpPr>
-          <p:nvPr/>
-        </p:nvCxnSpPr>
-        <p:spPr>
-          <a:xfrm flipH="1">
-            <a:off x="4291131" y="1836507"/>
-            <a:ext cx="721302" cy="463213"/>
-          </a:xfrm>
-          <a:prstGeom prst="straightConnector1">
-            <a:avLst/>
-          </a:prstGeom>
-          <a:ln w="25400">
-            <a:solidFill>
-              <a:srgbClr val="FF0000"/>
-            </a:solidFill>
-            <a:headEnd type="stealth"/>
-            <a:tailEnd type="stealth"/>
-          </a:ln>
-        </p:spPr>
-        <p:style>
-          <a:lnRef idx="1">
-            <a:schemeClr val="accent1"/>
-          </a:lnRef>
-          <a:fillRef idx="0">
-            <a:schemeClr val="accent1"/>
-          </a:fillRef>
-          <a:effectRef idx="0">
-            <a:schemeClr val="accent1"/>
-          </a:effectRef>
-          <a:fontRef idx="minor">
-            <a:schemeClr val="tx1"/>
-          </a:fontRef>
-        </p:style>
-      </p:cxnSp>
-      <p:cxnSp>
-        <p:nvCxnSpPr>
-          <p:cNvPr id="84" name="Straight Arrow Connector 83"/>
-          <p:cNvCxnSpPr>
-            <a:cxnSpLocks/>
-            <a:stCxn id="75" idx="3"/>
-          </p:cNvCxnSpPr>
-          <p:nvPr/>
-        </p:nvCxnSpPr>
-        <p:spPr>
-          <a:xfrm>
-            <a:off x="5335032" y="1684107"/>
-            <a:ext cx="1464230" cy="639023"/>
-          </a:xfrm>
-          <a:prstGeom prst="straightConnector1">
-            <a:avLst/>
-          </a:prstGeom>
-          <a:ln w="25400">
-            <a:solidFill>
-              <a:srgbClr val="FF0000"/>
-            </a:solidFill>
-            <a:headEnd type="stealth"/>
-            <a:tailEnd type="stealth"/>
-          </a:ln>
-        </p:spPr>
-        <p:style>
-          <a:lnRef idx="1">
-            <a:schemeClr val="accent1"/>
-          </a:lnRef>
-          <a:fillRef idx="0">
-            <a:schemeClr val="accent1"/>
-          </a:fillRef>
-          <a:effectRef idx="0">
-            <a:schemeClr val="accent1"/>
-          </a:effectRef>
-          <a:fontRef idx="minor">
-            <a:schemeClr val="tx1"/>
-          </a:fontRef>
-        </p:style>
-      </p:cxnSp>
-      <p:sp>
-        <p:nvSpPr>
-          <p:cNvPr id="87" name="TextBox 86"/>
-          <p:cNvSpPr txBox="1"/>
-          <p:nvPr/>
-        </p:nvSpPr>
-        <p:spPr>
-          <a:xfrm>
-            <a:off x="4539924" y="1916832"/>
-            <a:ext cx="1749325" cy="369332"/>
-          </a:xfrm>
-          <a:prstGeom prst="rect">
-            <a:avLst/>
-          </a:prstGeom>
-          <a:noFill/>
-        </p:spPr>
-        <p:txBody>
-          <a:bodyPr wrap="none" rtlCol="0">
-            <a:spAutoFit/>
-          </a:bodyPr>
-          <a:lstStyle/>
-          <a:p>
-            <a:r>
-              <a:rPr lang="en-ID" b="1" dirty="0">
-                <a:solidFill>
-                  <a:srgbClr val="FF0000"/>
-                </a:solidFill>
-              </a:rPr>
-              <a:t>MQTT - Protocol</a:t>
-            </a:r>
-            <a:endParaRPr lang="en-US" b="1" dirty="0">
-              <a:solidFill>
-                <a:srgbClr val="FF0000"/>
-              </a:solidFill>
-            </a:endParaRPr>
-          </a:p>
-        </p:txBody>
-      </p:sp>
-      <p:sp>
-        <p:nvSpPr>
-          <p:cNvPr id="81" name="TextBox 80">
-            <a:extLst>
-              <a:ext uri="{FF2B5EF4-FFF2-40B4-BE49-F238E27FC236}">
-                <a16:creationId xmlns:a16="http://schemas.microsoft.com/office/drawing/2014/main" id="{790D0203-3E55-41ED-B09F-6DF8228F54B7}"/>
-              </a:ext>
-            </a:extLst>
-          </p:cNvPr>
-          <p:cNvSpPr txBox="1"/>
-          <p:nvPr/>
-        </p:nvSpPr>
-        <p:spPr>
-          <a:xfrm>
-            <a:off x="1446506" y="2311472"/>
-            <a:ext cx="1825308" cy="369332"/>
-          </a:xfrm>
-          <a:prstGeom prst="rect">
-            <a:avLst/>
-          </a:prstGeom>
-          <a:noFill/>
-        </p:spPr>
-        <p:txBody>
-          <a:bodyPr wrap="none" rtlCol="0">
-            <a:spAutoFit/>
-          </a:bodyPr>
-          <a:lstStyle/>
-          <a:p>
-            <a:r>
-              <a:rPr lang="en-US" b="1" dirty="0">
-                <a:solidFill>
-                  <a:srgbClr val="0000FF"/>
-                </a:solidFill>
-              </a:rPr>
-              <a:t>E</a:t>
-            </a:r>
-            <a:r>
-              <a:rPr lang="en-ID" b="1" dirty="0" err="1">
-                <a:solidFill>
-                  <a:srgbClr val="0000FF"/>
-                </a:solidFill>
-              </a:rPr>
-              <a:t>oN</a:t>
-            </a:r>
-            <a:r>
-              <a:rPr lang="en-ID" b="1" dirty="0">
-                <a:solidFill>
-                  <a:srgbClr val="0000FF"/>
-                </a:solidFill>
-              </a:rPr>
-              <a:t> – </a:t>
-            </a:r>
-            <a:r>
-              <a:rPr lang="en-ID" b="1" dirty="0" err="1">
-                <a:solidFill>
-                  <a:srgbClr val="0000FF"/>
-                </a:solidFill>
-              </a:rPr>
-              <a:t>Wemos</a:t>
-            </a:r>
-            <a:r>
-              <a:rPr lang="en-ID" b="1" dirty="0">
-                <a:solidFill>
-                  <a:srgbClr val="0000FF"/>
-                </a:solidFill>
-              </a:rPr>
-              <a:t> D1</a:t>
-            </a:r>
-            <a:endParaRPr lang="en-US" b="1" dirty="0">
-              <a:solidFill>
-                <a:srgbClr val="0000FF"/>
-              </a:solidFill>
-            </a:endParaRPr>
-          </a:p>
-        </p:txBody>
-      </p:sp>
-      <p:sp>
-        <p:nvSpPr>
-          <p:cNvPr id="85" name="TextBox 84">
-            <a:extLst>
-              <a:ext uri="{FF2B5EF4-FFF2-40B4-BE49-F238E27FC236}">
-                <a16:creationId xmlns:a16="http://schemas.microsoft.com/office/drawing/2014/main" id="{71E992D9-D949-4276-AAC3-636153343403}"/>
-              </a:ext>
-            </a:extLst>
-          </p:cNvPr>
-          <p:cNvSpPr txBox="1"/>
-          <p:nvPr/>
-        </p:nvSpPr>
-        <p:spPr>
-          <a:xfrm>
-            <a:off x="4215898" y="2324706"/>
-            <a:ext cx="1825308" cy="369332"/>
-          </a:xfrm>
-          <a:prstGeom prst="rect">
-            <a:avLst/>
-          </a:prstGeom>
-          <a:noFill/>
-        </p:spPr>
-        <p:txBody>
-          <a:bodyPr wrap="none" rtlCol="0">
-            <a:spAutoFit/>
-          </a:bodyPr>
-          <a:lstStyle/>
-          <a:p>
-            <a:r>
-              <a:rPr lang="en-US" b="1" dirty="0">
-                <a:solidFill>
-                  <a:srgbClr val="0000FF"/>
-                </a:solidFill>
-              </a:rPr>
-              <a:t>E</a:t>
-            </a:r>
-            <a:r>
-              <a:rPr lang="en-ID" b="1" dirty="0" err="1">
-                <a:solidFill>
-                  <a:srgbClr val="0000FF"/>
-                </a:solidFill>
-              </a:rPr>
-              <a:t>oN</a:t>
-            </a:r>
-            <a:r>
-              <a:rPr lang="en-ID" b="1" dirty="0">
-                <a:solidFill>
-                  <a:srgbClr val="0000FF"/>
-                </a:solidFill>
-              </a:rPr>
-              <a:t> – </a:t>
-            </a:r>
-            <a:r>
-              <a:rPr lang="en-ID" b="1" dirty="0" err="1">
-                <a:solidFill>
-                  <a:srgbClr val="0000FF"/>
-                </a:solidFill>
-              </a:rPr>
-              <a:t>Wemos</a:t>
-            </a:r>
-            <a:r>
-              <a:rPr lang="en-ID" b="1" dirty="0">
-                <a:solidFill>
-                  <a:srgbClr val="0000FF"/>
-                </a:solidFill>
-              </a:rPr>
-              <a:t> D1</a:t>
-            </a:r>
-            <a:endParaRPr lang="en-US" b="1" dirty="0">
-              <a:solidFill>
-                <a:srgbClr val="0000FF"/>
-              </a:solidFill>
-            </a:endParaRPr>
-          </a:p>
-        </p:txBody>
-      </p:sp>
-      <p:sp>
-        <p:nvSpPr>
-          <p:cNvPr id="86" name="TextBox 85">
-            <a:extLst>
-              <a:ext uri="{FF2B5EF4-FFF2-40B4-BE49-F238E27FC236}">
-                <a16:creationId xmlns:a16="http://schemas.microsoft.com/office/drawing/2014/main" id="{574F8BB8-07A3-4F63-8DD0-219A9FDDE81D}"/>
-              </a:ext>
-            </a:extLst>
-          </p:cNvPr>
-          <p:cNvSpPr txBox="1"/>
-          <p:nvPr/>
-        </p:nvSpPr>
-        <p:spPr>
-          <a:xfrm>
-            <a:off x="6854826" y="2319648"/>
-            <a:ext cx="1825308" cy="369332"/>
-          </a:xfrm>
-          <a:prstGeom prst="rect">
-            <a:avLst/>
-          </a:prstGeom>
-          <a:noFill/>
-        </p:spPr>
-        <p:txBody>
-          <a:bodyPr wrap="none" rtlCol="0">
-            <a:spAutoFit/>
-          </a:bodyPr>
-          <a:lstStyle/>
-          <a:p>
-            <a:r>
-              <a:rPr lang="en-US" b="1" dirty="0">
-                <a:solidFill>
-                  <a:srgbClr val="0000FF"/>
-                </a:solidFill>
-              </a:rPr>
-              <a:t>E</a:t>
-            </a:r>
-            <a:r>
-              <a:rPr lang="en-ID" b="1" dirty="0" err="1">
-                <a:solidFill>
-                  <a:srgbClr val="0000FF"/>
-                </a:solidFill>
-              </a:rPr>
-              <a:t>oN</a:t>
-            </a:r>
-            <a:r>
-              <a:rPr lang="en-ID" b="1" dirty="0">
-                <a:solidFill>
-                  <a:srgbClr val="0000FF"/>
-                </a:solidFill>
-              </a:rPr>
-              <a:t> – </a:t>
-            </a:r>
-            <a:r>
-              <a:rPr lang="en-ID" b="1" dirty="0" err="1">
-                <a:solidFill>
-                  <a:srgbClr val="0000FF"/>
-                </a:solidFill>
-              </a:rPr>
-              <a:t>Wemos</a:t>
-            </a:r>
-            <a:r>
-              <a:rPr lang="en-ID" b="1" dirty="0">
-                <a:solidFill>
-                  <a:srgbClr val="0000FF"/>
-                </a:solidFill>
-              </a:rPr>
-              <a:t> D1</a:t>
-            </a:r>
-            <a:endParaRPr lang="en-US" b="1" dirty="0">
-              <a:solidFill>
-                <a:srgbClr val="0000FF"/>
-              </a:solidFill>
-            </a:endParaRPr>
-          </a:p>
-        </p:txBody>
-      </p:sp>
-      <p:sp>
-        <p:nvSpPr>
-          <p:cNvPr id="93" name="Title 5"/>
-          <p:cNvSpPr txBox="1">
-            <a:spLocks/>
-          </p:cNvSpPr>
-          <p:nvPr/>
-        </p:nvSpPr>
-        <p:spPr>
-          <a:xfrm>
-            <a:off x="762000" y="274638"/>
-            <a:ext cx="2960066" cy="1143000"/>
-          </a:xfrm>
-          <a:prstGeom prst="rect">
-            <a:avLst/>
-          </a:prstGeom>
-        </p:spPr>
-        <p:txBody>
-          <a:bodyPr/>
-          <a:lstStyle>
-            <a:lvl1pPr algn="l" defTabSz="914400" rtl="0" eaLnBrk="1" latinLnBrk="0" hangingPunct="1">
-              <a:spcBef>
-                <a:spcPct val="0"/>
-              </a:spcBef>
-              <a:buNone/>
-              <a:defRPr lang="en-US" sz="4400" kern="1200" dirty="0" smtClean="0">
-                <a:solidFill>
-                  <a:schemeClr val="tx1"/>
-                </a:solidFill>
-                <a:latin typeface="+mj-lt"/>
-                <a:ea typeface="+mj-ea"/>
-                <a:cs typeface="+mj-cs"/>
-              </a:defRPr>
-            </a:lvl1pPr>
-          </a:lstStyle>
-          <a:p>
-            <a:r>
-              <a:rPr lang="en-ID" b="1" dirty="0" err="1">
-                <a:solidFill>
-                  <a:srgbClr val="0000FF"/>
-                </a:solidFill>
-              </a:rPr>
-              <a:t>EoN</a:t>
-            </a:r>
-            <a:r>
-              <a:rPr lang="en-ID" b="1" dirty="0">
-                <a:solidFill>
-                  <a:srgbClr val="0000FF"/>
-                </a:solidFill>
-              </a:rPr>
-              <a:t> - HW</a:t>
-            </a:r>
-          </a:p>
-        </p:txBody>
-      </p:sp>
-      <p:pic>
-        <p:nvPicPr>
-          <p:cNvPr id="72" name="Picture 71">
-            <a:extLst>
-              <a:ext uri="{FF2B5EF4-FFF2-40B4-BE49-F238E27FC236}">
-                <a16:creationId xmlns:a16="http://schemas.microsoft.com/office/drawing/2014/main" id="{8B4C7948-B301-436B-BEBC-DBDE6C4345F5}"/>
-              </a:ext>
-            </a:extLst>
-          </p:cNvPr>
-          <p:cNvPicPr/>
-          <p:nvPr/>
-        </p:nvPicPr>
-        <p:blipFill>
-          <a:blip r:embed="rId5"/>
-          <a:stretch>
-            <a:fillRect/>
-          </a:stretch>
-        </p:blipFill>
-        <p:spPr>
-          <a:xfrm>
-            <a:off x="4651548" y="242947"/>
-            <a:ext cx="964069" cy="1388550"/>
-          </a:xfrm>
-          <a:prstGeom prst="rect">
-            <a:avLst/>
-          </a:prstGeom>
-        </p:spPr>
-      </p:pic>
-      <p:sp>
-        <p:nvSpPr>
-          <p:cNvPr id="73" name="TextBox 72">
-            <a:extLst>
-              <a:ext uri="{FF2B5EF4-FFF2-40B4-BE49-F238E27FC236}">
-                <a16:creationId xmlns:a16="http://schemas.microsoft.com/office/drawing/2014/main" id="{428249FE-0A16-42FD-9ECA-E46D0029BF1E}"/>
-              </a:ext>
-            </a:extLst>
-          </p:cNvPr>
-          <p:cNvSpPr txBox="1"/>
-          <p:nvPr/>
-        </p:nvSpPr>
-        <p:spPr>
-          <a:xfrm>
-            <a:off x="5586878" y="390374"/>
-            <a:ext cx="1220014" cy="646331"/>
-          </a:xfrm>
-          <a:prstGeom prst="rect">
-            <a:avLst/>
-          </a:prstGeom>
-          <a:noFill/>
-        </p:spPr>
-        <p:txBody>
-          <a:bodyPr wrap="none" rtlCol="0">
-            <a:spAutoFit/>
-          </a:bodyPr>
-          <a:lstStyle/>
-          <a:p>
             <a:pPr algn="ctr"/>
             <a:r>
               <a:rPr lang="en-ID" b="1" dirty="0">
@@ -10960,7 +9180,7 @@
                   <a:srgbClr val="0000FF"/>
                 </a:solidFill>
               </a:rPr>
-              <a:t>Server</a:t>
+              <a:t>ZONE-2</a:t>
             </a:r>
           </a:p>
           <a:p>
@@ -10981,18 +9201,37 @@
               </a:rPr>
               <a:t> D1</a:t>
             </a:r>
+          </a:p>
+          <a:p>
+            <a:pPr algn="ctr"/>
+            <a:r>
+              <a:rPr lang="en-ID" b="1" dirty="0" err="1">
+                <a:solidFill>
+                  <a:srgbClr val="0000FF"/>
+                </a:solidFill>
+              </a:rPr>
+              <a:t>EoN</a:t>
+            </a:r>
             <a:endParaRPr lang="en-US" b="1" dirty="0">
               <a:solidFill>
                 <a:srgbClr val="0000FF"/>
               </a:solidFill>
             </a:endParaRPr>
           </a:p>
+          <a:p>
+            <a:pPr algn="ctr"/>
+            <a:endParaRPr lang="en-US" b="1" dirty="0">
+              <a:solidFill>
+                <a:srgbClr val="0000FF"/>
+              </a:solidFill>
+            </a:endParaRPr>
+          </a:p>
         </p:txBody>
       </p:sp>
     </p:spTree>
     <p:extLst>
       <p:ext uri="{BB962C8B-B14F-4D97-AF65-F5344CB8AC3E}">
-        <p14:creationId xmlns:p14="http://schemas.microsoft.com/office/powerpoint/2010/main" val="2778651127"/>
+        <p14:creationId xmlns:p14="http://schemas.microsoft.com/office/powerpoint/2010/main" val="1382895433"/>
       </p:ext>
     </p:extLst>
   </p:cSld>

--- a/WlFPS.pptx
+++ b/WlFPS.pptx
@@ -8236,8 +8236,8 @@
         </p:nvCxnSpPr>
         <p:spPr>
           <a:xfrm>
-            <a:off x="3601242" y="1398594"/>
-            <a:ext cx="5866" cy="806270"/>
+            <a:off x="3607108" y="1821731"/>
+            <a:ext cx="0" cy="383133"/>
           </a:xfrm>
           <a:prstGeom prst="straightConnector1">
             <a:avLst/>
@@ -8273,8 +8273,8 @@
         </p:nvSpPr>
         <p:spPr>
           <a:xfrm>
-            <a:off x="2889599" y="1485290"/>
-            <a:ext cx="1749325" cy="369332"/>
+            <a:off x="2822675" y="1307792"/>
+            <a:ext cx="1749325" cy="646331"/>
           </a:xfrm>
           <a:prstGeom prst="rect">
             <a:avLst/>
@@ -8286,6 +8286,17 @@
             <a:spAutoFit/>
           </a:bodyPr>
           <a:lstStyle/>
+          <a:p>
+            <a:pPr algn="ctr"/>
+            <a:r>
+              <a:rPr lang="en-ID" b="1" dirty="0">
+                <a:solidFill>
+                  <a:srgbClr val="FF0000"/>
+                </a:solidFill>
+              </a:rPr>
+              <a:t>Server - Broker</a:t>
+            </a:r>
+          </a:p>
           <a:p>
             <a:r>
               <a:rPr lang="en-ID" b="1" dirty="0">
@@ -8317,10 +8328,10 @@
         </p:nvGrpSpPr>
         <p:grpSpPr>
           <a:xfrm>
-            <a:off x="3089504" y="2204864"/>
-            <a:ext cx="2125484" cy="4082303"/>
-            <a:chOff x="3454628" y="2532942"/>
-            <a:chExt cx="2125484" cy="4082303"/>
+            <a:off x="3031512" y="2204864"/>
+            <a:ext cx="2183476" cy="4082303"/>
+            <a:chOff x="3396636" y="2532942"/>
+            <a:chExt cx="2183476" cy="4082303"/>
           </a:xfrm>
         </p:grpSpPr>
         <p:pic>
@@ -8858,7 +8869,7 @@
           </p:nvSpPr>
           <p:spPr>
             <a:xfrm>
-              <a:off x="4132382" y="3596451"/>
+              <a:off x="3396636" y="3675937"/>
               <a:ext cx="820096" cy="461665"/>
             </a:xfrm>
             <a:prstGeom prst="rect">
@@ -9225,6 +9236,45 @@
                 <a:srgbClr val="0000FF"/>
               </a:solidFill>
             </a:endParaRPr>
+          </a:p>
+        </p:txBody>
+      </p:sp>
+      <p:sp>
+        <p:nvSpPr>
+          <p:cNvPr id="27" name="TextBox 26">
+            <a:extLst>
+              <a:ext uri="{FF2B5EF4-FFF2-40B4-BE49-F238E27FC236}">
+                <a16:creationId xmlns:a16="http://schemas.microsoft.com/office/drawing/2014/main" id="{B250D357-4F1F-4D5E-88FD-1C5A02A91117}"/>
+              </a:ext>
+            </a:extLst>
+          </p:cNvPr>
+          <p:cNvSpPr txBox="1"/>
+          <p:nvPr/>
+        </p:nvSpPr>
+        <p:spPr>
+          <a:xfrm>
+            <a:off x="4011471" y="3584049"/>
+            <a:ext cx="1136593" cy="276999"/>
+          </a:xfrm>
+          <a:prstGeom prst="rect">
+            <a:avLst/>
+          </a:prstGeom>
+          <a:noFill/>
+        </p:spPr>
+        <p:txBody>
+          <a:bodyPr wrap="none" rtlCol="0">
+            <a:spAutoFit/>
+          </a:bodyPr>
+          <a:lstStyle/>
+          <a:p>
+            <a:r>
+              <a:rPr lang="en-US" sz="1200" b="1" dirty="0">
+                <a:solidFill>
+                  <a:srgbClr val="0000FF"/>
+                </a:solidFill>
+              </a:rPr>
+              <a:t>Arduino NANO</a:t>
+            </a:r>
           </a:p>
         </p:txBody>
       </p:sp>

--- a/WlFPS.pptx
+++ b/WlFPS.pptx
@@ -114,7 +114,7 @@
   </p:defaultTextStyle>
   <p:extLst>
     <p:ext uri="{EFAFB233-063F-42B5-8137-9DF3F51BA10A}">
-      <p15:sldGuideLst xmlns:p15="http://schemas.microsoft.com/office/powerpoint/2012/main">
+      <p15:sldGuideLst xmlns:p15="http://schemas.microsoft.com/office/powerpoint/2012/main" xmlns="">
         <p15:guide id="1" orient="horz" pos="2160">
           <p15:clr>
             <a:srgbClr val="A4A3A4"/>
@@ -128,7 +128,7 @@
       </p15:sldGuideLst>
     </p:ext>
     <p:ext uri="{2D200454-40CA-4A62-9FC3-DE9A4176ACB9}">
-      <p15:notesGuideLst xmlns:p15="http://schemas.microsoft.com/office/powerpoint/2012/main">
+      <p15:notesGuideLst xmlns:p15="http://schemas.microsoft.com/office/powerpoint/2012/main" xmlns="">
         <p15:guide id="1" orient="horz" pos="2880">
           <p15:clr>
             <a:srgbClr val="A4A3A4"/>
@@ -4386,7 +4386,7 @@
           <p:cNvPr id="91" name="Picture 90" descr="Free Icon | Wifi">
             <a:extLst>
               <a:ext uri="{FF2B5EF4-FFF2-40B4-BE49-F238E27FC236}">
-                <a16:creationId xmlns:a16="http://schemas.microsoft.com/office/drawing/2014/main" id="{8C0D1CC1-0F99-45F8-B30B-F5786D94F875}"/>
+                <a16:creationId xmlns:a16="http://schemas.microsoft.com/office/drawing/2014/main" xmlns="" id="{8C0D1CC1-0F99-45F8-B30B-F5786D94F875}"/>
               </a:ext>
             </a:extLst>
           </p:cNvPr>
@@ -4425,7 +4425,7 @@
           <p:cNvPr id="80" name="Picture 79" descr="Free Icon | Wifi">
             <a:extLst>
               <a:ext uri="{FF2B5EF4-FFF2-40B4-BE49-F238E27FC236}">
-                <a16:creationId xmlns:a16="http://schemas.microsoft.com/office/drawing/2014/main" id="{35E36CD3-6B5D-4E30-B897-685D3D72453D}"/>
+                <a16:creationId xmlns:a16="http://schemas.microsoft.com/office/drawing/2014/main" xmlns="" id="{35E36CD3-6B5D-4E30-B897-685D3D72453D}"/>
               </a:ext>
             </a:extLst>
           </p:cNvPr>
@@ -4967,7 +4967,7 @@
           <p:cNvPr id="93" name="Picture 92">
             <a:extLst>
               <a:ext uri="{FF2B5EF4-FFF2-40B4-BE49-F238E27FC236}">
-                <a16:creationId xmlns:a16="http://schemas.microsoft.com/office/drawing/2014/main" id="{D7ED08F4-31B4-432D-A1A0-BE825490F18D}"/>
+                <a16:creationId xmlns:a16="http://schemas.microsoft.com/office/drawing/2014/main" xmlns="" id="{D7ED08F4-31B4-432D-A1A0-BE825490F18D}"/>
               </a:ext>
             </a:extLst>
           </p:cNvPr>
@@ -4990,12 +4990,674 @@
           </a:prstGeom>
         </p:spPr>
       </p:pic>
+      <p:pic>
+        <p:nvPicPr>
+          <p:cNvPr id="96" name="Picture 95" descr="Free Icon | Wifi">
+            <a:extLst>
+              <a:ext uri="{FF2B5EF4-FFF2-40B4-BE49-F238E27FC236}">
+                <a16:creationId xmlns:a16="http://schemas.microsoft.com/office/drawing/2014/main" xmlns="" id="{331FC1AA-CB08-45A4-9369-2997329D73F4}"/>
+              </a:ext>
+            </a:extLst>
+          </p:cNvPr>
+          <p:cNvPicPr/>
+          <p:nvPr/>
+        </p:nvPicPr>
+        <p:blipFill>
+          <a:blip r:embed="rId6" cstate="email">
+            <a:extLst>
+              <a:ext uri="{28A0092B-C50C-407E-A947-70E740481C1C}">
+                <a14:useLocalDpi xmlns:a14="http://schemas.microsoft.com/office/drawing/2010/main" val="0"/>
+              </a:ext>
+            </a:extLst>
+          </a:blip>
+          <a:srcRect/>
+          <a:stretch>
+            <a:fillRect/>
+          </a:stretch>
+        </p:blipFill>
+        <p:spPr bwMode="auto">
+          <a:xfrm>
+            <a:off x="3781892" y="2532942"/>
+            <a:ext cx="380680" cy="412324"/>
+          </a:xfrm>
+          <a:prstGeom prst="rect">
+            <a:avLst/>
+          </a:prstGeom>
+          <a:noFill/>
+          <a:ln>
+            <a:noFill/>
+          </a:ln>
+        </p:spPr>
+      </p:pic>
+      <p:pic>
+        <p:nvPicPr>
+          <p:cNvPr id="97" name="Picture 96">
+            <a:extLst>
+              <a:ext uri="{FF2B5EF4-FFF2-40B4-BE49-F238E27FC236}">
+                <a16:creationId xmlns:a16="http://schemas.microsoft.com/office/drawing/2014/main" xmlns="" id="{D4CA772F-A72C-4314-A82A-E884D10E777D}"/>
+              </a:ext>
+            </a:extLst>
+          </p:cNvPr>
+          <p:cNvPicPr/>
+          <p:nvPr/>
+        </p:nvPicPr>
+        <p:blipFill>
+          <a:blip r:embed="rId5"/>
+          <a:stretch>
+            <a:fillRect/>
+          </a:stretch>
+        </p:blipFill>
+        <p:spPr>
+          <a:xfrm>
+            <a:off x="3716633" y="2823687"/>
+            <a:ext cx="568745" cy="736781"/>
+          </a:xfrm>
+          <a:prstGeom prst="rect">
+            <a:avLst/>
+          </a:prstGeom>
+        </p:spPr>
+      </p:pic>
+      <p:pic>
+        <p:nvPicPr>
+          <p:cNvPr id="98" name="Picture 97">
+            <a:extLst>
+              <a:ext uri="{FF2B5EF4-FFF2-40B4-BE49-F238E27FC236}">
+                <a16:creationId xmlns:a16="http://schemas.microsoft.com/office/drawing/2014/main" xmlns="" id="{9E085E1D-93F9-4E72-B98F-FB8F7028960D}"/>
+              </a:ext>
+            </a:extLst>
+          </p:cNvPr>
+          <p:cNvPicPr/>
+          <p:nvPr/>
+        </p:nvPicPr>
+        <p:blipFill>
+          <a:blip r:embed="rId7"/>
+          <a:stretch>
+            <a:fillRect/>
+          </a:stretch>
+        </p:blipFill>
+        <p:spPr>
+          <a:xfrm>
+            <a:off x="3454628" y="5661248"/>
+            <a:ext cx="497031" cy="499878"/>
+          </a:xfrm>
+          <a:prstGeom prst="rect">
+            <a:avLst/>
+          </a:prstGeom>
+        </p:spPr>
+      </p:pic>
+      <p:sp>
+        <p:nvSpPr>
+          <p:cNvPr id="99" name="TextBox 98">
+            <a:extLst>
+              <a:ext uri="{FF2B5EF4-FFF2-40B4-BE49-F238E27FC236}">
+                <a16:creationId xmlns:a16="http://schemas.microsoft.com/office/drawing/2014/main" xmlns="" id="{642A6712-05AC-4A63-87F7-14430CE8A993}"/>
+              </a:ext>
+            </a:extLst>
+          </p:cNvPr>
+          <p:cNvSpPr txBox="1"/>
+          <p:nvPr/>
+        </p:nvSpPr>
+        <p:spPr>
+          <a:xfrm>
+            <a:off x="4184112" y="2948568"/>
+            <a:ext cx="568745" cy="369332"/>
+          </a:xfrm>
+          <a:prstGeom prst="rect">
+            <a:avLst/>
+          </a:prstGeom>
+          <a:noFill/>
+        </p:spPr>
+        <p:txBody>
+          <a:bodyPr wrap="none" rtlCol="0">
+            <a:spAutoFit/>
+          </a:bodyPr>
+          <a:lstStyle/>
+          <a:p>
+            <a:r>
+              <a:rPr lang="en-US" b="1" dirty="0">
+                <a:solidFill>
+                  <a:srgbClr val="0000FF"/>
+                </a:solidFill>
+              </a:rPr>
+              <a:t>E</a:t>
+            </a:r>
+            <a:r>
+              <a:rPr lang="en-ID" b="1" dirty="0" err="1">
+                <a:solidFill>
+                  <a:srgbClr val="0000FF"/>
+                </a:solidFill>
+              </a:rPr>
+              <a:t>oN</a:t>
+            </a:r>
+            <a:endParaRPr lang="en-US" b="1" dirty="0">
+              <a:solidFill>
+                <a:srgbClr val="0000FF"/>
+              </a:solidFill>
+            </a:endParaRPr>
+          </a:p>
+        </p:txBody>
+      </p:sp>
+      <p:sp>
+        <p:nvSpPr>
+          <p:cNvPr id="101" name="TextBox 100">
+            <a:extLst>
+              <a:ext uri="{FF2B5EF4-FFF2-40B4-BE49-F238E27FC236}">
+                <a16:creationId xmlns:a16="http://schemas.microsoft.com/office/drawing/2014/main" xmlns="" id="{7FF2AF45-1BBB-4306-ABAF-8689BC85C815}"/>
+              </a:ext>
+            </a:extLst>
+          </p:cNvPr>
+          <p:cNvSpPr txBox="1"/>
+          <p:nvPr/>
+        </p:nvSpPr>
+        <p:spPr>
+          <a:xfrm>
+            <a:off x="3573555" y="6245913"/>
+            <a:ext cx="1752339" cy="369332"/>
+          </a:xfrm>
+          <a:prstGeom prst="rect">
+            <a:avLst/>
+          </a:prstGeom>
+          <a:noFill/>
+        </p:spPr>
+        <p:txBody>
+          <a:bodyPr wrap="none" rtlCol="0">
+            <a:spAutoFit/>
+          </a:bodyPr>
+          <a:lstStyle/>
+          <a:p>
+            <a:r>
+              <a:rPr lang="en-US" b="1" dirty="0">
+                <a:solidFill>
+                  <a:srgbClr val="0000FF"/>
+                </a:solidFill>
+              </a:rPr>
+              <a:t>Sensor/Actuator</a:t>
+            </a:r>
+          </a:p>
+        </p:txBody>
+      </p:sp>
+      <p:cxnSp>
+        <p:nvCxnSpPr>
+          <p:cNvPr id="103" name="Straight Connector 102">
+            <a:extLst>
+              <a:ext uri="{FF2B5EF4-FFF2-40B4-BE49-F238E27FC236}">
+                <a16:creationId xmlns:a16="http://schemas.microsoft.com/office/drawing/2014/main" xmlns="" id="{E865F506-39E6-412E-A252-A31428B8E040}"/>
+              </a:ext>
+            </a:extLst>
+          </p:cNvPr>
+          <p:cNvCxnSpPr>
+            <a:cxnSpLocks/>
+          </p:cNvCxnSpPr>
+          <p:nvPr/>
+        </p:nvCxnSpPr>
+        <p:spPr>
+          <a:xfrm>
+            <a:off x="3454628" y="5303216"/>
+            <a:ext cx="2078178" cy="0"/>
+          </a:xfrm>
+          <a:prstGeom prst="line">
+            <a:avLst/>
+          </a:prstGeom>
+          <a:ln w="22225">
+            <a:solidFill>
+              <a:srgbClr val="0000FF"/>
+            </a:solidFill>
+          </a:ln>
+        </p:spPr>
+        <p:style>
+          <a:lnRef idx="1">
+            <a:schemeClr val="accent1"/>
+          </a:lnRef>
+          <a:fillRef idx="0">
+            <a:schemeClr val="accent1"/>
+          </a:fillRef>
+          <a:effectRef idx="0">
+            <a:schemeClr val="accent1"/>
+          </a:effectRef>
+          <a:fontRef idx="minor">
+            <a:schemeClr val="tx1"/>
+          </a:fontRef>
+        </p:style>
+      </p:cxnSp>
+      <p:cxnSp>
+        <p:nvCxnSpPr>
+          <p:cNvPr id="110" name="Straight Arrow Connector 109">
+            <a:extLst>
+              <a:ext uri="{FF2B5EF4-FFF2-40B4-BE49-F238E27FC236}">
+                <a16:creationId xmlns:a16="http://schemas.microsoft.com/office/drawing/2014/main" xmlns="" id="{E8B958EE-5EE0-4808-BB5D-8AF84300BFB3}"/>
+              </a:ext>
+            </a:extLst>
+          </p:cNvPr>
+          <p:cNvCxnSpPr>
+            <a:cxnSpLocks/>
+          </p:cNvCxnSpPr>
+          <p:nvPr/>
+        </p:nvCxnSpPr>
+        <p:spPr>
+          <a:xfrm flipV="1">
+            <a:off x="5278266" y="5303216"/>
+            <a:ext cx="0" cy="432048"/>
+          </a:xfrm>
+          <a:prstGeom prst="straightConnector1">
+            <a:avLst/>
+          </a:prstGeom>
+          <a:ln w="22225">
+            <a:solidFill>
+              <a:srgbClr val="0000FF"/>
+            </a:solidFill>
+            <a:tailEnd type="triangle"/>
+          </a:ln>
+        </p:spPr>
+        <p:style>
+          <a:lnRef idx="1">
+            <a:schemeClr val="accent1"/>
+          </a:lnRef>
+          <a:fillRef idx="0">
+            <a:schemeClr val="accent1"/>
+          </a:fillRef>
+          <a:effectRef idx="0">
+            <a:schemeClr val="accent1"/>
+          </a:effectRef>
+          <a:fontRef idx="minor">
+            <a:schemeClr val="tx1"/>
+          </a:fontRef>
+        </p:style>
+      </p:cxnSp>
+      <p:cxnSp>
+        <p:nvCxnSpPr>
+          <p:cNvPr id="111" name="Straight Arrow Connector 110">
+            <a:extLst>
+              <a:ext uri="{FF2B5EF4-FFF2-40B4-BE49-F238E27FC236}">
+                <a16:creationId xmlns:a16="http://schemas.microsoft.com/office/drawing/2014/main" xmlns="" id="{701FA5EF-0179-41F2-B22D-FCC175001A48}"/>
+              </a:ext>
+            </a:extLst>
+          </p:cNvPr>
+          <p:cNvCxnSpPr>
+            <a:cxnSpLocks/>
+          </p:cNvCxnSpPr>
+          <p:nvPr/>
+        </p:nvCxnSpPr>
+        <p:spPr>
+          <a:xfrm flipV="1">
+            <a:off x="5004048" y="5303216"/>
+            <a:ext cx="0" cy="303290"/>
+          </a:xfrm>
+          <a:prstGeom prst="straightConnector1">
+            <a:avLst/>
+          </a:prstGeom>
+          <a:ln w="22225">
+            <a:solidFill>
+              <a:srgbClr val="0000FF"/>
+            </a:solidFill>
+            <a:tailEnd type="triangle"/>
+          </a:ln>
+        </p:spPr>
+        <p:style>
+          <a:lnRef idx="1">
+            <a:schemeClr val="accent1"/>
+          </a:lnRef>
+          <a:fillRef idx="0">
+            <a:schemeClr val="accent1"/>
+          </a:fillRef>
+          <a:effectRef idx="0">
+            <a:schemeClr val="accent1"/>
+          </a:effectRef>
+          <a:fontRef idx="minor">
+            <a:schemeClr val="tx1"/>
+          </a:fontRef>
+        </p:style>
+      </p:cxnSp>
+      <p:cxnSp>
+        <p:nvCxnSpPr>
+          <p:cNvPr id="112" name="Straight Arrow Connector 111">
+            <a:extLst>
+              <a:ext uri="{FF2B5EF4-FFF2-40B4-BE49-F238E27FC236}">
+                <a16:creationId xmlns:a16="http://schemas.microsoft.com/office/drawing/2014/main" xmlns="" id="{AF569078-F334-430B-8950-9BEB338AB6EA}"/>
+              </a:ext>
+            </a:extLst>
+          </p:cNvPr>
+          <p:cNvCxnSpPr>
+            <a:cxnSpLocks/>
+          </p:cNvCxnSpPr>
+          <p:nvPr/>
+        </p:nvCxnSpPr>
+        <p:spPr>
+          <a:xfrm flipV="1">
+            <a:off x="4355975" y="5303216"/>
+            <a:ext cx="1" cy="303290"/>
+          </a:xfrm>
+          <a:prstGeom prst="straightConnector1">
+            <a:avLst/>
+          </a:prstGeom>
+          <a:ln w="22225">
+            <a:solidFill>
+              <a:srgbClr val="0000FF"/>
+            </a:solidFill>
+            <a:tailEnd type="triangle"/>
+          </a:ln>
+        </p:spPr>
+        <p:style>
+          <a:lnRef idx="1">
+            <a:schemeClr val="accent1"/>
+          </a:lnRef>
+          <a:fillRef idx="0">
+            <a:schemeClr val="accent1"/>
+          </a:fillRef>
+          <a:effectRef idx="0">
+            <a:schemeClr val="accent1"/>
+          </a:effectRef>
+          <a:fontRef idx="minor">
+            <a:schemeClr val="tx1"/>
+          </a:fontRef>
+        </p:style>
+      </p:cxnSp>
+      <p:cxnSp>
+        <p:nvCxnSpPr>
+          <p:cNvPr id="113" name="Straight Arrow Connector 112">
+            <a:extLst>
+              <a:ext uri="{FF2B5EF4-FFF2-40B4-BE49-F238E27FC236}">
+                <a16:creationId xmlns:a16="http://schemas.microsoft.com/office/drawing/2014/main" xmlns="" id="{9894B322-EF50-40E0-8415-FD1EB8F34947}"/>
+              </a:ext>
+            </a:extLst>
+          </p:cNvPr>
+          <p:cNvCxnSpPr>
+            <a:cxnSpLocks/>
+          </p:cNvCxnSpPr>
+          <p:nvPr/>
+        </p:nvCxnSpPr>
+        <p:spPr>
+          <a:xfrm flipV="1">
+            <a:off x="3703144" y="5301208"/>
+            <a:ext cx="0" cy="303290"/>
+          </a:xfrm>
+          <a:prstGeom prst="straightConnector1">
+            <a:avLst/>
+          </a:prstGeom>
+          <a:ln w="22225">
+            <a:solidFill>
+              <a:srgbClr val="0000FF"/>
+            </a:solidFill>
+            <a:tailEnd type="triangle"/>
+          </a:ln>
+        </p:spPr>
+        <p:style>
+          <a:lnRef idx="1">
+            <a:schemeClr val="accent1"/>
+          </a:lnRef>
+          <a:fillRef idx="0">
+            <a:schemeClr val="accent1"/>
+          </a:fillRef>
+          <a:effectRef idx="0">
+            <a:schemeClr val="accent1"/>
+          </a:effectRef>
+          <a:fontRef idx="minor">
+            <a:schemeClr val="tx1"/>
+          </a:fontRef>
+        </p:style>
+      </p:cxnSp>
+      <p:sp>
+        <p:nvSpPr>
+          <p:cNvPr id="114" name="TextBox 113">
+            <a:extLst>
+              <a:ext uri="{FF2B5EF4-FFF2-40B4-BE49-F238E27FC236}">
+                <a16:creationId xmlns:a16="http://schemas.microsoft.com/office/drawing/2014/main" xmlns="" id="{E9064D73-DA84-45E4-878F-355289241361}"/>
+              </a:ext>
+            </a:extLst>
+          </p:cNvPr>
+          <p:cNvSpPr txBox="1"/>
+          <p:nvPr/>
+        </p:nvSpPr>
+        <p:spPr>
+          <a:xfrm>
+            <a:off x="3556318" y="5087192"/>
+            <a:ext cx="820096" cy="276999"/>
+          </a:xfrm>
+          <a:prstGeom prst="rect">
+            <a:avLst/>
+          </a:prstGeom>
+          <a:noFill/>
+        </p:spPr>
+        <p:txBody>
+          <a:bodyPr wrap="none" rtlCol="0">
+            <a:spAutoFit/>
+          </a:bodyPr>
+          <a:lstStyle/>
+          <a:p>
+            <a:r>
+              <a:rPr lang="en-US" sz="1200" dirty="0">
+                <a:solidFill>
+                  <a:srgbClr val="0000FF"/>
+                </a:solidFill>
+              </a:rPr>
+              <a:t>Hard Wire</a:t>
+            </a:r>
+          </a:p>
+        </p:txBody>
+      </p:sp>
+      <p:sp>
+        <p:nvSpPr>
+          <p:cNvPr id="115" name="Arrow: Down 114">
+            <a:extLst>
+              <a:ext uri="{FF2B5EF4-FFF2-40B4-BE49-F238E27FC236}">
+                <a16:creationId xmlns:a16="http://schemas.microsoft.com/office/drawing/2014/main" xmlns="" id="{8CFCE75F-7AA7-4BF3-B044-4770D3A70008}"/>
+              </a:ext>
+            </a:extLst>
+          </p:cNvPr>
+          <p:cNvSpPr/>
+          <p:nvPr/>
+        </p:nvSpPr>
+        <p:spPr>
+          <a:xfrm rot="10800000">
+            <a:off x="4376411" y="4924679"/>
+            <a:ext cx="432391" cy="325021"/>
+          </a:xfrm>
+          <a:prstGeom prst="downArrow">
+            <a:avLst/>
+          </a:prstGeom>
+          <a:noFill/>
+          <a:ln w="19050">
+            <a:solidFill>
+              <a:srgbClr val="0000FF"/>
+            </a:solidFill>
+          </a:ln>
+        </p:spPr>
+        <p:style>
+          <a:lnRef idx="2">
+            <a:schemeClr val="accent1">
+              <a:shade val="50000"/>
+            </a:schemeClr>
+          </a:lnRef>
+          <a:fillRef idx="1">
+            <a:schemeClr val="accent1"/>
+          </a:fillRef>
+          <a:effectRef idx="0">
+            <a:schemeClr val="accent1"/>
+          </a:effectRef>
+          <a:fontRef idx="minor">
+            <a:schemeClr val="lt1"/>
+          </a:fontRef>
+        </p:style>
+        <p:txBody>
+          <a:bodyPr rtlCol="0" anchor="ctr"/>
+          <a:lstStyle/>
+          <a:p>
+            <a:pPr algn="ctr"/>
+            <a:endParaRPr lang="en-ID"/>
+          </a:p>
+        </p:txBody>
+      </p:sp>
+      <p:cxnSp>
+        <p:nvCxnSpPr>
+          <p:cNvPr id="116" name="Straight Arrow Connector 115">
+            <a:extLst>
+              <a:ext uri="{FF2B5EF4-FFF2-40B4-BE49-F238E27FC236}">
+                <a16:creationId xmlns:a16="http://schemas.microsoft.com/office/drawing/2014/main" xmlns="" id="{8E0EBC89-8ED8-4F07-B552-FDDF03B2E41D}"/>
+              </a:ext>
+            </a:extLst>
+          </p:cNvPr>
+          <p:cNvCxnSpPr>
+            <a:cxnSpLocks/>
+            <a:endCxn id="97" idx="2"/>
+          </p:cNvCxnSpPr>
+          <p:nvPr/>
+        </p:nvCxnSpPr>
+        <p:spPr>
+          <a:xfrm flipH="1" flipV="1">
+            <a:off x="4001006" y="3560468"/>
+            <a:ext cx="448719" cy="598317"/>
+          </a:xfrm>
+          <a:prstGeom prst="straightConnector1">
+            <a:avLst/>
+          </a:prstGeom>
+          <a:ln w="22225">
+            <a:solidFill>
+              <a:srgbClr val="008000"/>
+            </a:solidFill>
+            <a:headEnd type="stealth"/>
+            <a:tailEnd type="stealth"/>
+          </a:ln>
+        </p:spPr>
+        <p:style>
+          <a:lnRef idx="1">
+            <a:schemeClr val="accent1"/>
+          </a:lnRef>
+          <a:fillRef idx="0">
+            <a:schemeClr val="accent1"/>
+          </a:fillRef>
+          <a:effectRef idx="0">
+            <a:schemeClr val="accent1"/>
+          </a:effectRef>
+          <a:fontRef idx="minor">
+            <a:schemeClr val="tx1"/>
+          </a:fontRef>
+        </p:style>
+      </p:cxnSp>
+      <p:sp>
+        <p:nvSpPr>
+          <p:cNvPr id="117" name="TextBox 116">
+            <a:extLst>
+              <a:ext uri="{FF2B5EF4-FFF2-40B4-BE49-F238E27FC236}">
+                <a16:creationId xmlns:a16="http://schemas.microsoft.com/office/drawing/2014/main" xmlns="" id="{DC4F584F-869A-4EC5-BD3F-B43D6F04B109}"/>
+              </a:ext>
+            </a:extLst>
+          </p:cNvPr>
+          <p:cNvSpPr txBox="1"/>
+          <p:nvPr/>
+        </p:nvSpPr>
+        <p:spPr>
+          <a:xfrm>
+            <a:off x="4132382" y="3596451"/>
+            <a:ext cx="820096" cy="461665"/>
+          </a:xfrm>
+          <a:prstGeom prst="rect">
+            <a:avLst/>
+          </a:prstGeom>
+          <a:noFill/>
+        </p:spPr>
+        <p:txBody>
+          <a:bodyPr wrap="none" rtlCol="0">
+            <a:spAutoFit/>
+          </a:bodyPr>
+          <a:lstStyle/>
+          <a:p>
+            <a:r>
+              <a:rPr lang="en-US" sz="1200" dirty="0">
+                <a:solidFill>
+                  <a:srgbClr val="008000"/>
+                </a:solidFill>
+              </a:rPr>
+              <a:t>Hard Wire</a:t>
+            </a:r>
+          </a:p>
+          <a:p>
+            <a:pPr algn="ctr"/>
+            <a:r>
+              <a:rPr lang="en-US" sz="1200" dirty="0">
+                <a:solidFill>
+                  <a:srgbClr val="008000"/>
+                </a:solidFill>
+              </a:rPr>
+              <a:t>Serial</a:t>
+            </a:r>
+          </a:p>
+        </p:txBody>
+      </p:sp>
+      <p:pic>
+        <p:nvPicPr>
+          <p:cNvPr id="118" name="Picture 2">
+            <a:extLst>
+              <a:ext uri="{FF2B5EF4-FFF2-40B4-BE49-F238E27FC236}">
+                <a16:creationId xmlns:a16="http://schemas.microsoft.com/office/drawing/2014/main" xmlns="" id="{7EAFE767-B908-419E-B4E7-05DAB402B5BB}"/>
+              </a:ext>
+            </a:extLst>
+          </p:cNvPr>
+          <p:cNvPicPr>
+            <a:picLocks noChangeAspect="1" noChangeArrowheads="1"/>
+          </p:cNvPicPr>
+          <p:nvPr/>
+        </p:nvPicPr>
+        <p:blipFill>
+          <a:blip r:embed="rId8" cstate="email">
+            <a:extLst>
+              <a:ext uri="{28A0092B-C50C-407E-A947-70E740481C1C}">
+                <a14:useLocalDpi xmlns:a14="http://schemas.microsoft.com/office/drawing/2010/main" val="0"/>
+              </a:ext>
+            </a:extLst>
+          </a:blip>
+          <a:srcRect/>
+          <a:stretch>
+            <a:fillRect/>
+          </a:stretch>
+        </p:blipFill>
+        <p:spPr bwMode="auto">
+          <a:xfrm rot="5400000">
+            <a:off x="4712981" y="5821246"/>
+            <a:ext cx="620765" cy="182647"/>
+          </a:xfrm>
+          <a:prstGeom prst="rect">
+            <a:avLst/>
+          </a:prstGeom>
+          <a:noFill/>
+          <a:ln>
+            <a:noFill/>
+          </a:ln>
+          <a:effectLst/>
+          <a:extLst>
+            <a:ext uri="{909E8E84-426E-40DD-AFC4-6F175D3DCCD1}">
+              <a14:hiddenFill xmlns:a14="http://schemas.microsoft.com/office/drawing/2010/main">
+                <a:solidFill>
+                  <a:schemeClr val="accent1"/>
+                </a:solidFill>
+              </a14:hiddenFill>
+            </a:ext>
+            <a:ext uri="{91240B29-F687-4F45-9708-019B960494DF}">
+              <a14:hiddenLine xmlns:a14="http://schemas.microsoft.com/office/drawing/2010/main" w="9525">
+                <a:solidFill>
+                  <a:schemeClr val="tx1"/>
+                </a:solidFill>
+                <a:miter lim="800000"/>
+                <a:headEnd/>
+                <a:tailEnd/>
+              </a14:hiddenLine>
+            </a:ext>
+            <a:ext uri="{AF507438-7753-43E0-B8FC-AC1667EBCBE1}">
+              <a14:hiddenEffects xmlns:a14="http://schemas.microsoft.com/office/drawing/2010/main">
+                <a:effectLst>
+                  <a:outerShdw dist="35921" dir="2700000" algn="ctr" rotWithShape="0">
+                    <a:schemeClr val="bg2"/>
+                  </a:outerShdw>
+                </a:effectLst>
+              </a14:hiddenEffects>
+            </a:ext>
+          </a:extLst>
+        </p:spPr>
+      </p:pic>
       <p:grpSp>
         <p:nvGrpSpPr>
-          <p:cNvPr id="26" name="Group 25">
+          <p:cNvPr id="13" name="Group 12">
             <a:extLst>
               <a:ext uri="{FF2B5EF4-FFF2-40B4-BE49-F238E27FC236}">
-                <a16:creationId xmlns:a16="http://schemas.microsoft.com/office/drawing/2014/main" id="{02D45A11-6260-4139-BB40-7DC90A89D071}"/>
+                <a16:creationId xmlns:a16="http://schemas.microsoft.com/office/drawing/2014/main" xmlns="" id="{DD9AE47D-D12F-4154-BB04-4D3D34BE33AE}"/>
               </a:ext>
             </a:extLst>
           </p:cNvPr>
@@ -5004,18 +5666,18 @@
         </p:nvGrpSpPr>
         <p:grpSpPr>
           <a:xfrm>
-            <a:off x="3454628" y="2532942"/>
-            <a:ext cx="2125484" cy="4082303"/>
-            <a:chOff x="3454628" y="2532942"/>
-            <a:chExt cx="2125484" cy="4082303"/>
+            <a:off x="5145033" y="5544651"/>
+            <a:ext cx="435079" cy="735835"/>
+            <a:chOff x="2159253" y="548680"/>
+            <a:chExt cx="408864" cy="1462350"/>
           </a:xfrm>
         </p:grpSpPr>
         <p:pic>
           <p:nvPicPr>
-            <p:cNvPr id="96" name="Picture 95" descr="Free Icon | Wifi">
+            <p:cNvPr id="119" name="Picture 118">
               <a:extLst>
                 <a:ext uri="{FF2B5EF4-FFF2-40B4-BE49-F238E27FC236}">
-                  <a16:creationId xmlns:a16="http://schemas.microsoft.com/office/drawing/2014/main" id="{331FC1AA-CB08-45A4-9369-2997329D73F4}"/>
+                  <a16:creationId xmlns:a16="http://schemas.microsoft.com/office/drawing/2014/main" xmlns="" id="{8569128C-0619-4279-963D-AE7C028B50F8}"/>
                 </a:ext>
               </a:extLst>
             </p:cNvPr>
@@ -5023,54 +5685,15 @@
             <p:nvPr/>
           </p:nvPicPr>
           <p:blipFill>
-            <a:blip r:embed="rId6" cstate="email">
-              <a:extLst>
-                <a:ext uri="{28A0092B-C50C-407E-A947-70E740481C1C}">
-                  <a14:useLocalDpi xmlns:a14="http://schemas.microsoft.com/office/drawing/2010/main" val="0"/>
-                </a:ext>
-              </a:extLst>
-            </a:blip>
-            <a:srcRect/>
-            <a:stretch>
-              <a:fillRect/>
-            </a:stretch>
-          </p:blipFill>
-          <p:spPr bwMode="auto">
-            <a:xfrm>
-              <a:off x="3781892" y="2532942"/>
-              <a:ext cx="380680" cy="412324"/>
-            </a:xfrm>
-            <a:prstGeom prst="rect">
-              <a:avLst/>
-            </a:prstGeom>
-            <a:noFill/>
-            <a:ln>
-              <a:noFill/>
-            </a:ln>
-          </p:spPr>
-        </p:pic>
-        <p:pic>
-          <p:nvPicPr>
-            <p:cNvPr id="97" name="Picture 96">
-              <a:extLst>
-                <a:ext uri="{FF2B5EF4-FFF2-40B4-BE49-F238E27FC236}">
-                  <a16:creationId xmlns:a16="http://schemas.microsoft.com/office/drawing/2014/main" id="{D4CA772F-A72C-4314-A82A-E884D10E777D}"/>
-                </a:ext>
-              </a:extLst>
-            </p:cNvPr>
-            <p:cNvPicPr/>
-            <p:nvPr/>
-          </p:nvPicPr>
-          <p:blipFill>
-            <a:blip r:embed="rId5"/>
+            <a:blip r:embed="rId9"/>
             <a:stretch>
               <a:fillRect/>
             </a:stretch>
           </p:blipFill>
           <p:spPr>
             <a:xfrm>
-              <a:off x="3716633" y="2823687"/>
-              <a:ext cx="568745" cy="736781"/>
+              <a:off x="2159253" y="1044386"/>
+              <a:ext cx="402231" cy="463429"/>
             </a:xfrm>
             <a:prstGeom prst="rect">
               <a:avLst/>
@@ -5079,10 +5702,10 @@
         </p:pic>
         <p:pic>
           <p:nvPicPr>
-            <p:cNvPr id="98" name="Picture 97">
+            <p:cNvPr id="120" name="Picture 119">
               <a:extLst>
                 <a:ext uri="{FF2B5EF4-FFF2-40B4-BE49-F238E27FC236}">
-                  <a16:creationId xmlns:a16="http://schemas.microsoft.com/office/drawing/2014/main" id="{9E085E1D-93F9-4E72-B98F-FB8F7028960D}"/>
+                  <a16:creationId xmlns:a16="http://schemas.microsoft.com/office/drawing/2014/main" xmlns="" id="{8B747FC8-E2F4-4A4F-A22C-CE38FE1C73EE}"/>
                 </a:ext>
               </a:extLst>
             </p:cNvPr>
@@ -5090,834 +5713,15 @@
             <p:nvPr/>
           </p:nvPicPr>
           <p:blipFill>
-            <a:blip r:embed="rId7"/>
+            <a:blip r:embed="rId9"/>
             <a:stretch>
               <a:fillRect/>
             </a:stretch>
           </p:blipFill>
           <p:spPr>
             <a:xfrm>
-              <a:off x="3454628" y="5661248"/>
-              <a:ext cx="497031" cy="499878"/>
-            </a:xfrm>
-            <a:prstGeom prst="rect">
-              <a:avLst/>
-            </a:prstGeom>
-          </p:spPr>
-        </p:pic>
-        <p:sp>
-          <p:nvSpPr>
-            <p:cNvPr id="99" name="TextBox 98">
-              <a:extLst>
-                <a:ext uri="{FF2B5EF4-FFF2-40B4-BE49-F238E27FC236}">
-                  <a16:creationId xmlns:a16="http://schemas.microsoft.com/office/drawing/2014/main" id="{642A6712-05AC-4A63-87F7-14430CE8A993}"/>
-                </a:ext>
-              </a:extLst>
-            </p:cNvPr>
-            <p:cNvSpPr txBox="1"/>
-            <p:nvPr/>
-          </p:nvSpPr>
-          <p:spPr>
-            <a:xfrm>
-              <a:off x="4184112" y="2948568"/>
-              <a:ext cx="568745" cy="369332"/>
-            </a:xfrm>
-            <a:prstGeom prst="rect">
-              <a:avLst/>
-            </a:prstGeom>
-            <a:noFill/>
-          </p:spPr>
-          <p:txBody>
-            <a:bodyPr wrap="none" rtlCol="0">
-              <a:spAutoFit/>
-            </a:bodyPr>
-            <a:lstStyle/>
-            <a:p>
-              <a:r>
-                <a:rPr lang="en-US" b="1" dirty="0">
-                  <a:solidFill>
-                    <a:srgbClr val="0000FF"/>
-                  </a:solidFill>
-                </a:rPr>
-                <a:t>E</a:t>
-              </a:r>
-              <a:r>
-                <a:rPr lang="en-ID" b="1" dirty="0" err="1">
-                  <a:solidFill>
-                    <a:srgbClr val="0000FF"/>
-                  </a:solidFill>
-                </a:rPr>
-                <a:t>oN</a:t>
-              </a:r>
-              <a:endParaRPr lang="en-US" b="1" dirty="0">
-                <a:solidFill>
-                  <a:srgbClr val="0000FF"/>
-                </a:solidFill>
-              </a:endParaRPr>
-            </a:p>
-          </p:txBody>
-        </p:sp>
-        <p:pic>
-          <p:nvPicPr>
-            <p:cNvPr id="100" name="Picture 99">
-              <a:extLst>
-                <a:ext uri="{FF2B5EF4-FFF2-40B4-BE49-F238E27FC236}">
-                  <a16:creationId xmlns:a16="http://schemas.microsoft.com/office/drawing/2014/main" id="{8153525A-3E72-45A9-A3EA-740D322E345C}"/>
-                </a:ext>
-              </a:extLst>
-            </p:cNvPr>
-            <p:cNvPicPr>
-              <a:picLocks noChangeAspect="1"/>
-            </p:cNvPicPr>
-            <p:nvPr/>
-          </p:nvPicPr>
-          <p:blipFill>
-            <a:blip r:embed="rId8"/>
-            <a:stretch>
-              <a:fillRect/>
-            </a:stretch>
-          </p:blipFill>
-          <p:spPr>
-            <a:xfrm>
-              <a:off x="3484310" y="4158785"/>
-              <a:ext cx="1930830" cy="765896"/>
-            </a:xfrm>
-            <a:prstGeom prst="rect">
-              <a:avLst/>
-            </a:prstGeom>
-          </p:spPr>
-        </p:pic>
-        <p:sp>
-          <p:nvSpPr>
-            <p:cNvPr id="101" name="TextBox 100">
-              <a:extLst>
-                <a:ext uri="{FF2B5EF4-FFF2-40B4-BE49-F238E27FC236}">
-                  <a16:creationId xmlns:a16="http://schemas.microsoft.com/office/drawing/2014/main" id="{7FF2AF45-1BBB-4306-ABAF-8689BC85C815}"/>
-                </a:ext>
-              </a:extLst>
-            </p:cNvPr>
-            <p:cNvSpPr txBox="1"/>
-            <p:nvPr/>
-          </p:nvSpPr>
-          <p:spPr>
-            <a:xfrm>
-              <a:off x="3573555" y="6245913"/>
-              <a:ext cx="1752339" cy="369332"/>
-            </a:xfrm>
-            <a:prstGeom prst="rect">
-              <a:avLst/>
-            </a:prstGeom>
-            <a:noFill/>
-          </p:spPr>
-          <p:txBody>
-            <a:bodyPr wrap="none" rtlCol="0">
-              <a:spAutoFit/>
-            </a:bodyPr>
-            <a:lstStyle/>
-            <a:p>
-              <a:r>
-                <a:rPr lang="en-US" b="1" dirty="0">
-                  <a:solidFill>
-                    <a:srgbClr val="0000FF"/>
-                  </a:solidFill>
-                </a:rPr>
-                <a:t>Sensor/Actuator</a:t>
-              </a:r>
-            </a:p>
-          </p:txBody>
-        </p:sp>
-        <p:cxnSp>
-          <p:nvCxnSpPr>
-            <p:cNvPr id="103" name="Straight Connector 102">
-              <a:extLst>
-                <a:ext uri="{FF2B5EF4-FFF2-40B4-BE49-F238E27FC236}">
-                  <a16:creationId xmlns:a16="http://schemas.microsoft.com/office/drawing/2014/main" id="{E865F506-39E6-412E-A252-A31428B8E040}"/>
-                </a:ext>
-              </a:extLst>
-            </p:cNvPr>
-            <p:cNvCxnSpPr>
-              <a:cxnSpLocks/>
-            </p:cNvCxnSpPr>
-            <p:nvPr/>
-          </p:nvCxnSpPr>
-          <p:spPr>
-            <a:xfrm>
-              <a:off x="3454628" y="5303216"/>
-              <a:ext cx="2078178" cy="0"/>
-            </a:xfrm>
-            <a:prstGeom prst="line">
-              <a:avLst/>
-            </a:prstGeom>
-            <a:ln w="22225">
-              <a:solidFill>
-                <a:srgbClr val="0000FF"/>
-              </a:solidFill>
-            </a:ln>
-          </p:spPr>
-          <p:style>
-            <a:lnRef idx="1">
-              <a:schemeClr val="accent1"/>
-            </a:lnRef>
-            <a:fillRef idx="0">
-              <a:schemeClr val="accent1"/>
-            </a:fillRef>
-            <a:effectRef idx="0">
-              <a:schemeClr val="accent1"/>
-            </a:effectRef>
-            <a:fontRef idx="minor">
-              <a:schemeClr val="tx1"/>
-            </a:fontRef>
-          </p:style>
-        </p:cxnSp>
-        <p:cxnSp>
-          <p:nvCxnSpPr>
-            <p:cNvPr id="110" name="Straight Arrow Connector 109">
-              <a:extLst>
-                <a:ext uri="{FF2B5EF4-FFF2-40B4-BE49-F238E27FC236}">
-                  <a16:creationId xmlns:a16="http://schemas.microsoft.com/office/drawing/2014/main" id="{E8B958EE-5EE0-4808-BB5D-8AF84300BFB3}"/>
-                </a:ext>
-              </a:extLst>
-            </p:cNvPr>
-            <p:cNvCxnSpPr>
-              <a:cxnSpLocks/>
-            </p:cNvCxnSpPr>
-            <p:nvPr/>
-          </p:nvCxnSpPr>
-          <p:spPr>
-            <a:xfrm flipV="1">
-              <a:off x="5278266" y="5303216"/>
-              <a:ext cx="0" cy="432048"/>
-            </a:xfrm>
-            <a:prstGeom prst="straightConnector1">
-              <a:avLst/>
-            </a:prstGeom>
-            <a:ln w="22225">
-              <a:solidFill>
-                <a:srgbClr val="0000FF"/>
-              </a:solidFill>
-              <a:tailEnd type="triangle"/>
-            </a:ln>
-          </p:spPr>
-          <p:style>
-            <a:lnRef idx="1">
-              <a:schemeClr val="accent1"/>
-            </a:lnRef>
-            <a:fillRef idx="0">
-              <a:schemeClr val="accent1"/>
-            </a:fillRef>
-            <a:effectRef idx="0">
-              <a:schemeClr val="accent1"/>
-            </a:effectRef>
-            <a:fontRef idx="minor">
-              <a:schemeClr val="tx1"/>
-            </a:fontRef>
-          </p:style>
-        </p:cxnSp>
-        <p:cxnSp>
-          <p:nvCxnSpPr>
-            <p:cNvPr id="111" name="Straight Arrow Connector 110">
-              <a:extLst>
-                <a:ext uri="{FF2B5EF4-FFF2-40B4-BE49-F238E27FC236}">
-                  <a16:creationId xmlns:a16="http://schemas.microsoft.com/office/drawing/2014/main" id="{701FA5EF-0179-41F2-B22D-FCC175001A48}"/>
-                </a:ext>
-              </a:extLst>
-            </p:cNvPr>
-            <p:cNvCxnSpPr>
-              <a:cxnSpLocks/>
-            </p:cNvCxnSpPr>
-            <p:nvPr/>
-          </p:nvCxnSpPr>
-          <p:spPr>
-            <a:xfrm flipV="1">
-              <a:off x="5004048" y="5303216"/>
-              <a:ext cx="0" cy="303290"/>
-            </a:xfrm>
-            <a:prstGeom prst="straightConnector1">
-              <a:avLst/>
-            </a:prstGeom>
-            <a:ln w="22225">
-              <a:solidFill>
-                <a:srgbClr val="0000FF"/>
-              </a:solidFill>
-              <a:tailEnd type="triangle"/>
-            </a:ln>
-          </p:spPr>
-          <p:style>
-            <a:lnRef idx="1">
-              <a:schemeClr val="accent1"/>
-            </a:lnRef>
-            <a:fillRef idx="0">
-              <a:schemeClr val="accent1"/>
-            </a:fillRef>
-            <a:effectRef idx="0">
-              <a:schemeClr val="accent1"/>
-            </a:effectRef>
-            <a:fontRef idx="minor">
-              <a:schemeClr val="tx1"/>
-            </a:fontRef>
-          </p:style>
-        </p:cxnSp>
-        <p:cxnSp>
-          <p:nvCxnSpPr>
-            <p:cNvPr id="112" name="Straight Arrow Connector 111">
-              <a:extLst>
-                <a:ext uri="{FF2B5EF4-FFF2-40B4-BE49-F238E27FC236}">
-                  <a16:creationId xmlns:a16="http://schemas.microsoft.com/office/drawing/2014/main" id="{AF569078-F334-430B-8950-9BEB338AB6EA}"/>
-                </a:ext>
-              </a:extLst>
-            </p:cNvPr>
-            <p:cNvCxnSpPr>
-              <a:cxnSpLocks/>
-            </p:cNvCxnSpPr>
-            <p:nvPr/>
-          </p:nvCxnSpPr>
-          <p:spPr>
-            <a:xfrm flipV="1">
-              <a:off x="4355975" y="5303216"/>
-              <a:ext cx="1" cy="303290"/>
-            </a:xfrm>
-            <a:prstGeom prst="straightConnector1">
-              <a:avLst/>
-            </a:prstGeom>
-            <a:ln w="22225">
-              <a:solidFill>
-                <a:srgbClr val="0000FF"/>
-              </a:solidFill>
-              <a:tailEnd type="triangle"/>
-            </a:ln>
-          </p:spPr>
-          <p:style>
-            <a:lnRef idx="1">
-              <a:schemeClr val="accent1"/>
-            </a:lnRef>
-            <a:fillRef idx="0">
-              <a:schemeClr val="accent1"/>
-            </a:fillRef>
-            <a:effectRef idx="0">
-              <a:schemeClr val="accent1"/>
-            </a:effectRef>
-            <a:fontRef idx="minor">
-              <a:schemeClr val="tx1"/>
-            </a:fontRef>
-          </p:style>
-        </p:cxnSp>
-        <p:cxnSp>
-          <p:nvCxnSpPr>
-            <p:cNvPr id="113" name="Straight Arrow Connector 112">
-              <a:extLst>
-                <a:ext uri="{FF2B5EF4-FFF2-40B4-BE49-F238E27FC236}">
-                  <a16:creationId xmlns:a16="http://schemas.microsoft.com/office/drawing/2014/main" id="{9894B322-EF50-40E0-8415-FD1EB8F34947}"/>
-                </a:ext>
-              </a:extLst>
-            </p:cNvPr>
-            <p:cNvCxnSpPr>
-              <a:cxnSpLocks/>
-            </p:cNvCxnSpPr>
-            <p:nvPr/>
-          </p:nvCxnSpPr>
-          <p:spPr>
-            <a:xfrm flipV="1">
-              <a:off x="3703144" y="5301208"/>
-              <a:ext cx="0" cy="303290"/>
-            </a:xfrm>
-            <a:prstGeom prst="straightConnector1">
-              <a:avLst/>
-            </a:prstGeom>
-            <a:ln w="22225">
-              <a:solidFill>
-                <a:srgbClr val="0000FF"/>
-              </a:solidFill>
-              <a:tailEnd type="triangle"/>
-            </a:ln>
-          </p:spPr>
-          <p:style>
-            <a:lnRef idx="1">
-              <a:schemeClr val="accent1"/>
-            </a:lnRef>
-            <a:fillRef idx="0">
-              <a:schemeClr val="accent1"/>
-            </a:fillRef>
-            <a:effectRef idx="0">
-              <a:schemeClr val="accent1"/>
-            </a:effectRef>
-            <a:fontRef idx="minor">
-              <a:schemeClr val="tx1"/>
-            </a:fontRef>
-          </p:style>
-        </p:cxnSp>
-        <p:sp>
-          <p:nvSpPr>
-            <p:cNvPr id="114" name="TextBox 113">
-              <a:extLst>
-                <a:ext uri="{FF2B5EF4-FFF2-40B4-BE49-F238E27FC236}">
-                  <a16:creationId xmlns:a16="http://schemas.microsoft.com/office/drawing/2014/main" id="{E9064D73-DA84-45E4-878F-355289241361}"/>
-                </a:ext>
-              </a:extLst>
-            </p:cNvPr>
-            <p:cNvSpPr txBox="1"/>
-            <p:nvPr/>
-          </p:nvSpPr>
-          <p:spPr>
-            <a:xfrm>
-              <a:off x="3556318" y="5087192"/>
-              <a:ext cx="820096" cy="276999"/>
-            </a:xfrm>
-            <a:prstGeom prst="rect">
-              <a:avLst/>
-            </a:prstGeom>
-            <a:noFill/>
-          </p:spPr>
-          <p:txBody>
-            <a:bodyPr wrap="none" rtlCol="0">
-              <a:spAutoFit/>
-            </a:bodyPr>
-            <a:lstStyle/>
-            <a:p>
-              <a:r>
-                <a:rPr lang="en-US" sz="1200" dirty="0">
-                  <a:solidFill>
-                    <a:srgbClr val="0000FF"/>
-                  </a:solidFill>
-                </a:rPr>
-                <a:t>Hard Wire</a:t>
-              </a:r>
-            </a:p>
-          </p:txBody>
-        </p:sp>
-        <p:sp>
-          <p:nvSpPr>
-            <p:cNvPr id="115" name="Arrow: Down 114">
-              <a:extLst>
-                <a:ext uri="{FF2B5EF4-FFF2-40B4-BE49-F238E27FC236}">
-                  <a16:creationId xmlns:a16="http://schemas.microsoft.com/office/drawing/2014/main" id="{8CFCE75F-7AA7-4BF3-B044-4770D3A70008}"/>
-                </a:ext>
-              </a:extLst>
-            </p:cNvPr>
-            <p:cNvSpPr/>
-            <p:nvPr/>
-          </p:nvSpPr>
-          <p:spPr>
-            <a:xfrm rot="10800000">
-              <a:off x="4376411" y="4924679"/>
-              <a:ext cx="432391" cy="325021"/>
-            </a:xfrm>
-            <a:prstGeom prst="downArrow">
-              <a:avLst/>
-            </a:prstGeom>
-            <a:noFill/>
-            <a:ln w="19050">
-              <a:solidFill>
-                <a:srgbClr val="0000FF"/>
-              </a:solidFill>
-            </a:ln>
-          </p:spPr>
-          <p:style>
-            <a:lnRef idx="2">
-              <a:schemeClr val="accent1">
-                <a:shade val="50000"/>
-              </a:schemeClr>
-            </a:lnRef>
-            <a:fillRef idx="1">
-              <a:schemeClr val="accent1"/>
-            </a:fillRef>
-            <a:effectRef idx="0">
-              <a:schemeClr val="accent1"/>
-            </a:effectRef>
-            <a:fontRef idx="minor">
-              <a:schemeClr val="lt1"/>
-            </a:fontRef>
-          </p:style>
-          <p:txBody>
-            <a:bodyPr rtlCol="0" anchor="ctr"/>
-            <a:lstStyle/>
-            <a:p>
-              <a:pPr algn="ctr"/>
-              <a:endParaRPr lang="en-ID"/>
-            </a:p>
-          </p:txBody>
-        </p:sp>
-        <p:cxnSp>
-          <p:nvCxnSpPr>
-            <p:cNvPr id="116" name="Straight Arrow Connector 115">
-              <a:extLst>
-                <a:ext uri="{FF2B5EF4-FFF2-40B4-BE49-F238E27FC236}">
-                  <a16:creationId xmlns:a16="http://schemas.microsoft.com/office/drawing/2014/main" id="{8E0EBC89-8ED8-4F07-B552-FDDF03B2E41D}"/>
-                </a:ext>
-              </a:extLst>
-            </p:cNvPr>
-            <p:cNvCxnSpPr>
-              <a:cxnSpLocks/>
-              <a:stCxn id="100" idx="0"/>
-              <a:endCxn id="97" idx="2"/>
-            </p:cNvCxnSpPr>
-            <p:nvPr/>
-          </p:nvCxnSpPr>
-          <p:spPr>
-            <a:xfrm flipH="1" flipV="1">
-              <a:off x="4001006" y="3560468"/>
-              <a:ext cx="448719" cy="598317"/>
-            </a:xfrm>
-            <a:prstGeom prst="straightConnector1">
-              <a:avLst/>
-            </a:prstGeom>
-            <a:ln w="22225">
-              <a:solidFill>
-                <a:srgbClr val="008000"/>
-              </a:solidFill>
-              <a:headEnd type="stealth"/>
-              <a:tailEnd type="stealth"/>
-            </a:ln>
-          </p:spPr>
-          <p:style>
-            <a:lnRef idx="1">
-              <a:schemeClr val="accent1"/>
-            </a:lnRef>
-            <a:fillRef idx="0">
-              <a:schemeClr val="accent1"/>
-            </a:fillRef>
-            <a:effectRef idx="0">
-              <a:schemeClr val="accent1"/>
-            </a:effectRef>
-            <a:fontRef idx="minor">
-              <a:schemeClr val="tx1"/>
-            </a:fontRef>
-          </p:style>
-        </p:cxnSp>
-        <p:sp>
-          <p:nvSpPr>
-            <p:cNvPr id="117" name="TextBox 116">
-              <a:extLst>
-                <a:ext uri="{FF2B5EF4-FFF2-40B4-BE49-F238E27FC236}">
-                  <a16:creationId xmlns:a16="http://schemas.microsoft.com/office/drawing/2014/main" id="{DC4F584F-869A-4EC5-BD3F-B43D6F04B109}"/>
-                </a:ext>
-              </a:extLst>
-            </p:cNvPr>
-            <p:cNvSpPr txBox="1"/>
-            <p:nvPr/>
-          </p:nvSpPr>
-          <p:spPr>
-            <a:xfrm>
-              <a:off x="4132382" y="3596451"/>
-              <a:ext cx="820096" cy="461665"/>
-            </a:xfrm>
-            <a:prstGeom prst="rect">
-              <a:avLst/>
-            </a:prstGeom>
-            <a:noFill/>
-          </p:spPr>
-          <p:txBody>
-            <a:bodyPr wrap="none" rtlCol="0">
-              <a:spAutoFit/>
-            </a:bodyPr>
-            <a:lstStyle/>
-            <a:p>
-              <a:r>
-                <a:rPr lang="en-US" sz="1200" dirty="0">
-                  <a:solidFill>
-                    <a:srgbClr val="008000"/>
-                  </a:solidFill>
-                </a:rPr>
-                <a:t>Hard Wire</a:t>
-              </a:r>
-            </a:p>
-            <a:p>
-              <a:pPr algn="ctr"/>
-              <a:r>
-                <a:rPr lang="en-US" sz="1200" dirty="0">
-                  <a:solidFill>
-                    <a:srgbClr val="008000"/>
-                  </a:solidFill>
-                </a:rPr>
-                <a:t>Serial</a:t>
-              </a:r>
-            </a:p>
-          </p:txBody>
-        </p:sp>
-        <p:pic>
-          <p:nvPicPr>
-            <p:cNvPr id="118" name="Picture 2">
-              <a:extLst>
-                <a:ext uri="{FF2B5EF4-FFF2-40B4-BE49-F238E27FC236}">
-                  <a16:creationId xmlns:a16="http://schemas.microsoft.com/office/drawing/2014/main" id="{7EAFE767-B908-419E-B4E7-05DAB402B5BB}"/>
-                </a:ext>
-              </a:extLst>
-            </p:cNvPr>
-            <p:cNvPicPr>
-              <a:picLocks noChangeAspect="1" noChangeArrowheads="1"/>
-            </p:cNvPicPr>
-            <p:nvPr/>
-          </p:nvPicPr>
-          <p:blipFill>
-            <a:blip r:embed="rId9" cstate="email">
-              <a:extLst>
-                <a:ext uri="{28A0092B-C50C-407E-A947-70E740481C1C}">
-                  <a14:useLocalDpi xmlns:a14="http://schemas.microsoft.com/office/drawing/2010/main" val="0"/>
-                </a:ext>
-              </a:extLst>
-            </a:blip>
-            <a:srcRect/>
-            <a:stretch>
-              <a:fillRect/>
-            </a:stretch>
-          </p:blipFill>
-          <p:spPr bwMode="auto">
-            <a:xfrm rot="5400000">
-              <a:off x="4712981" y="5821246"/>
-              <a:ext cx="620765" cy="182647"/>
-            </a:xfrm>
-            <a:prstGeom prst="rect">
-              <a:avLst/>
-            </a:prstGeom>
-            <a:noFill/>
-            <a:ln>
-              <a:noFill/>
-            </a:ln>
-            <a:effectLst/>
-            <a:extLst>
-              <a:ext uri="{909E8E84-426E-40DD-AFC4-6F175D3DCCD1}">
-                <a14:hiddenFill xmlns:a14="http://schemas.microsoft.com/office/drawing/2010/main">
-                  <a:solidFill>
-                    <a:schemeClr val="accent1"/>
-                  </a:solidFill>
-                </a14:hiddenFill>
-              </a:ext>
-              <a:ext uri="{91240B29-F687-4F45-9708-019B960494DF}">
-                <a14:hiddenLine xmlns:a14="http://schemas.microsoft.com/office/drawing/2010/main" w="9525">
-                  <a:solidFill>
-                    <a:schemeClr val="tx1"/>
-                  </a:solidFill>
-                  <a:miter lim="800000"/>
-                  <a:headEnd/>
-                  <a:tailEnd/>
-                </a14:hiddenLine>
-              </a:ext>
-              <a:ext uri="{AF507438-7753-43E0-B8FC-AC1667EBCBE1}">
-                <a14:hiddenEffects xmlns:a14="http://schemas.microsoft.com/office/drawing/2010/main">
-                  <a:effectLst>
-                    <a:outerShdw dist="35921" dir="2700000" algn="ctr" rotWithShape="0">
-                      <a:schemeClr val="bg2"/>
-                    </a:outerShdw>
-                  </a:effectLst>
-                </a14:hiddenEffects>
-              </a:ext>
-            </a:extLst>
-          </p:spPr>
-        </p:pic>
-        <p:grpSp>
-          <p:nvGrpSpPr>
-            <p:cNvPr id="13" name="Group 12">
-              <a:extLst>
-                <a:ext uri="{FF2B5EF4-FFF2-40B4-BE49-F238E27FC236}">
-                  <a16:creationId xmlns:a16="http://schemas.microsoft.com/office/drawing/2014/main" id="{DD9AE47D-D12F-4154-BB04-4D3D34BE33AE}"/>
-                </a:ext>
-              </a:extLst>
-            </p:cNvPr>
-            <p:cNvGrpSpPr/>
-            <p:nvPr/>
-          </p:nvGrpSpPr>
-          <p:grpSpPr>
-            <a:xfrm>
-              <a:off x="5145033" y="5544651"/>
-              <a:ext cx="435079" cy="735835"/>
-              <a:chOff x="2159253" y="548680"/>
-              <a:chExt cx="408864" cy="1462350"/>
-            </a:xfrm>
-          </p:grpSpPr>
-          <p:pic>
-            <p:nvPicPr>
-              <p:cNvPr id="119" name="Picture 118">
-                <a:extLst>
-                  <a:ext uri="{FF2B5EF4-FFF2-40B4-BE49-F238E27FC236}">
-                    <a16:creationId xmlns:a16="http://schemas.microsoft.com/office/drawing/2014/main" id="{8569128C-0619-4279-963D-AE7C028B50F8}"/>
-                  </a:ext>
-                </a:extLst>
-              </p:cNvPr>
-              <p:cNvPicPr/>
-              <p:nvPr/>
-            </p:nvPicPr>
-            <p:blipFill>
-              <a:blip r:embed="rId10"/>
-              <a:stretch>
-                <a:fillRect/>
-              </a:stretch>
-            </p:blipFill>
-            <p:spPr>
-              <a:xfrm>
-                <a:off x="2159253" y="1044386"/>
-                <a:ext cx="402231" cy="463429"/>
-              </a:xfrm>
-              <a:prstGeom prst="rect">
-                <a:avLst/>
-              </a:prstGeom>
-            </p:spPr>
-          </p:pic>
-          <p:pic>
-            <p:nvPicPr>
-              <p:cNvPr id="120" name="Picture 119">
-                <a:extLst>
-                  <a:ext uri="{FF2B5EF4-FFF2-40B4-BE49-F238E27FC236}">
-                    <a16:creationId xmlns:a16="http://schemas.microsoft.com/office/drawing/2014/main" id="{8B747FC8-E2F4-4A4F-A22C-CE38FE1C73EE}"/>
-                  </a:ext>
-                </a:extLst>
-              </p:cNvPr>
-              <p:cNvPicPr/>
-              <p:nvPr/>
-            </p:nvPicPr>
-            <p:blipFill>
-              <a:blip r:embed="rId10"/>
-              <a:stretch>
-                <a:fillRect/>
-              </a:stretch>
-            </p:blipFill>
-            <p:spPr>
-              <a:xfrm>
-                <a:off x="2161663" y="548680"/>
-                <a:ext cx="402231" cy="463429"/>
-              </a:xfrm>
-              <a:prstGeom prst="rect">
-                <a:avLst/>
-              </a:prstGeom>
-            </p:spPr>
-          </p:pic>
-          <p:pic>
-            <p:nvPicPr>
-              <p:cNvPr id="121" name="Picture 120">
-                <a:extLst>
-                  <a:ext uri="{FF2B5EF4-FFF2-40B4-BE49-F238E27FC236}">
-                    <a16:creationId xmlns:a16="http://schemas.microsoft.com/office/drawing/2014/main" id="{C5D34CA6-4297-482B-89D7-F88D49D89624}"/>
-                  </a:ext>
-                </a:extLst>
-              </p:cNvPr>
-              <p:cNvPicPr/>
-              <p:nvPr/>
-            </p:nvPicPr>
-            <p:blipFill>
-              <a:blip r:embed="rId10"/>
-              <a:stretch>
-                <a:fillRect/>
-              </a:stretch>
-            </p:blipFill>
-            <p:spPr>
-              <a:xfrm>
-                <a:off x="2165886" y="1547601"/>
-                <a:ext cx="402231" cy="463429"/>
-              </a:xfrm>
-              <a:prstGeom prst="rect">
-                <a:avLst/>
-              </a:prstGeom>
-            </p:spPr>
-          </p:pic>
-        </p:grpSp>
-        <p:pic>
-          <p:nvPicPr>
-            <p:cNvPr id="122" name="Picture 121">
-              <a:extLst>
-                <a:ext uri="{FF2B5EF4-FFF2-40B4-BE49-F238E27FC236}">
-                  <a16:creationId xmlns:a16="http://schemas.microsoft.com/office/drawing/2014/main" id="{B162C919-E530-41D0-B8DE-285A262718DC}"/>
-                </a:ext>
-              </a:extLst>
-            </p:cNvPr>
-            <p:cNvPicPr/>
-            <p:nvPr/>
-          </p:nvPicPr>
-          <p:blipFill>
-            <a:blip r:embed="rId11"/>
-            <a:stretch>
-              <a:fillRect/>
-            </a:stretch>
-          </p:blipFill>
-          <p:spPr>
-            <a:xfrm>
-              <a:off x="4011075" y="5634369"/>
-              <a:ext cx="737513" cy="573934"/>
-            </a:xfrm>
-            <a:prstGeom prst="rect">
-              <a:avLst/>
-            </a:prstGeom>
-          </p:spPr>
-        </p:pic>
-      </p:grpSp>
-      <p:grpSp>
-        <p:nvGrpSpPr>
-          <p:cNvPr id="123" name="Group 122">
-            <a:extLst>
-              <a:ext uri="{FF2B5EF4-FFF2-40B4-BE49-F238E27FC236}">
-                <a16:creationId xmlns:a16="http://schemas.microsoft.com/office/drawing/2014/main" id="{C5F75EAC-4068-447D-A87A-AD8021775FDE}"/>
-              </a:ext>
-            </a:extLst>
-          </p:cNvPr>
-          <p:cNvGrpSpPr/>
-          <p:nvPr/>
-        </p:nvGrpSpPr>
-        <p:grpSpPr>
-          <a:xfrm>
-            <a:off x="645185" y="2495973"/>
-            <a:ext cx="2125484" cy="4082303"/>
-            <a:chOff x="3454628" y="2532942"/>
-            <a:chExt cx="2125484" cy="4082303"/>
-          </a:xfrm>
-        </p:grpSpPr>
-        <p:pic>
-          <p:nvPicPr>
-            <p:cNvPr id="124" name="Picture 123" descr="Free Icon | Wifi">
-              <a:extLst>
-                <a:ext uri="{FF2B5EF4-FFF2-40B4-BE49-F238E27FC236}">
-                  <a16:creationId xmlns:a16="http://schemas.microsoft.com/office/drawing/2014/main" id="{53DEC4AC-7083-4137-853A-196172679253}"/>
-                </a:ext>
-              </a:extLst>
-            </p:cNvPr>
-            <p:cNvPicPr/>
-            <p:nvPr/>
-          </p:nvPicPr>
-          <p:blipFill>
-            <a:blip r:embed="rId6" cstate="email">
-              <a:extLst>
-                <a:ext uri="{28A0092B-C50C-407E-A947-70E740481C1C}">
-                  <a14:useLocalDpi xmlns:a14="http://schemas.microsoft.com/office/drawing/2010/main" val="0"/>
-                </a:ext>
-              </a:extLst>
-            </a:blip>
-            <a:srcRect/>
-            <a:stretch>
-              <a:fillRect/>
-            </a:stretch>
-          </p:blipFill>
-          <p:spPr bwMode="auto">
-            <a:xfrm>
-              <a:off x="3781892" y="2532942"/>
-              <a:ext cx="380680" cy="412324"/>
-            </a:xfrm>
-            <a:prstGeom prst="rect">
-              <a:avLst/>
-            </a:prstGeom>
-            <a:noFill/>
-            <a:ln>
-              <a:noFill/>
-            </a:ln>
-          </p:spPr>
-        </p:pic>
-        <p:pic>
-          <p:nvPicPr>
-            <p:cNvPr id="125" name="Picture 124">
-              <a:extLst>
-                <a:ext uri="{FF2B5EF4-FFF2-40B4-BE49-F238E27FC236}">
-                  <a16:creationId xmlns:a16="http://schemas.microsoft.com/office/drawing/2014/main" id="{4A694F61-56DD-44EC-9C94-5B51CD55A6AD}"/>
-                </a:ext>
-              </a:extLst>
-            </p:cNvPr>
-            <p:cNvPicPr/>
-            <p:nvPr/>
-          </p:nvPicPr>
-          <p:blipFill>
-            <a:blip r:embed="rId5"/>
-            <a:stretch>
-              <a:fillRect/>
-            </a:stretch>
-          </p:blipFill>
-          <p:spPr>
-            <a:xfrm>
-              <a:off x="3716633" y="2823687"/>
-              <a:ext cx="568745" cy="736781"/>
+              <a:off x="2161663" y="548680"/>
+              <a:ext cx="402231" cy="463429"/>
             </a:xfrm>
             <a:prstGeom prst="rect">
               <a:avLst/>
@@ -5926,10 +5730,10 @@
         </p:pic>
         <p:pic>
           <p:nvPicPr>
-            <p:cNvPr id="126" name="Picture 125">
+            <p:cNvPr id="121" name="Picture 120">
               <a:extLst>
                 <a:ext uri="{FF2B5EF4-FFF2-40B4-BE49-F238E27FC236}">
-                  <a16:creationId xmlns:a16="http://schemas.microsoft.com/office/drawing/2014/main" id="{1070B515-8811-4DB0-B73F-A655CDA1F65D}"/>
+                  <a16:creationId xmlns:a16="http://schemas.microsoft.com/office/drawing/2014/main" xmlns="" id="{C5D34CA6-4297-482B-89D7-F88D49D89624}"/>
                 </a:ext>
               </a:extLst>
             </p:cNvPr>
@@ -5937,730 +5741,738 @@
             <p:nvPr/>
           </p:nvPicPr>
           <p:blipFill>
-            <a:blip r:embed="rId7"/>
+            <a:blip r:embed="rId9"/>
             <a:stretch>
               <a:fillRect/>
             </a:stretch>
           </p:blipFill>
           <p:spPr>
             <a:xfrm>
-              <a:off x="3454628" y="5661248"/>
-              <a:ext cx="497031" cy="499878"/>
+              <a:off x="2165886" y="1547601"/>
+              <a:ext cx="402231" cy="463429"/>
             </a:xfrm>
             <a:prstGeom prst="rect">
               <a:avLst/>
             </a:prstGeom>
           </p:spPr>
         </p:pic>
-        <p:sp>
-          <p:nvSpPr>
-            <p:cNvPr id="127" name="TextBox 126">
-              <a:extLst>
-                <a:ext uri="{FF2B5EF4-FFF2-40B4-BE49-F238E27FC236}">
-                  <a16:creationId xmlns:a16="http://schemas.microsoft.com/office/drawing/2014/main" id="{A95CCAB4-6FC7-49A6-8666-4575A0CA9B0B}"/>
-                </a:ext>
-              </a:extLst>
-            </p:cNvPr>
-            <p:cNvSpPr txBox="1"/>
-            <p:nvPr/>
-          </p:nvSpPr>
-          <p:spPr>
-            <a:xfrm>
-              <a:off x="4184112" y="2948568"/>
-              <a:ext cx="568745" cy="369332"/>
-            </a:xfrm>
-            <a:prstGeom prst="rect">
-              <a:avLst/>
-            </a:prstGeom>
+      </p:grpSp>
+      <p:pic>
+        <p:nvPicPr>
+          <p:cNvPr id="122" name="Picture 121">
+            <a:extLst>
+              <a:ext uri="{FF2B5EF4-FFF2-40B4-BE49-F238E27FC236}">
+                <a16:creationId xmlns:a16="http://schemas.microsoft.com/office/drawing/2014/main" xmlns="" id="{B162C919-E530-41D0-B8DE-285A262718DC}"/>
+              </a:ext>
+            </a:extLst>
+          </p:cNvPr>
+          <p:cNvPicPr/>
+          <p:nvPr/>
+        </p:nvPicPr>
+        <p:blipFill>
+          <a:blip r:embed="rId10"/>
+          <a:stretch>
+            <a:fillRect/>
+          </a:stretch>
+        </p:blipFill>
+        <p:spPr>
+          <a:xfrm>
+            <a:off x="4011075" y="5634369"/>
+            <a:ext cx="737513" cy="573934"/>
+          </a:xfrm>
+          <a:prstGeom prst="rect">
+            <a:avLst/>
+          </a:prstGeom>
+        </p:spPr>
+      </p:pic>
+      <p:pic>
+        <p:nvPicPr>
+          <p:cNvPr id="124" name="Picture 123" descr="Free Icon | Wifi">
+            <a:extLst>
+              <a:ext uri="{FF2B5EF4-FFF2-40B4-BE49-F238E27FC236}">
+                <a16:creationId xmlns:a16="http://schemas.microsoft.com/office/drawing/2014/main" xmlns="" id="{53DEC4AC-7083-4137-853A-196172679253}"/>
+              </a:ext>
+            </a:extLst>
+          </p:cNvPr>
+          <p:cNvPicPr/>
+          <p:nvPr/>
+        </p:nvPicPr>
+        <p:blipFill>
+          <a:blip r:embed="rId6" cstate="email">
+            <a:extLst>
+              <a:ext uri="{28A0092B-C50C-407E-A947-70E740481C1C}">
+                <a14:useLocalDpi xmlns:a14="http://schemas.microsoft.com/office/drawing/2010/main" val="0"/>
+              </a:ext>
+            </a:extLst>
+          </a:blip>
+          <a:srcRect/>
+          <a:stretch>
+            <a:fillRect/>
+          </a:stretch>
+        </p:blipFill>
+        <p:spPr bwMode="auto">
+          <a:xfrm>
+            <a:off x="972449" y="2495973"/>
+            <a:ext cx="380680" cy="412324"/>
+          </a:xfrm>
+          <a:prstGeom prst="rect">
+            <a:avLst/>
+          </a:prstGeom>
+          <a:noFill/>
+          <a:ln>
             <a:noFill/>
-          </p:spPr>
-          <p:txBody>
-            <a:bodyPr wrap="none" rtlCol="0">
-              <a:spAutoFit/>
-            </a:bodyPr>
-            <a:lstStyle/>
-            <a:p>
-              <a:r>
-                <a:rPr lang="en-US" b="1" dirty="0">
-                  <a:solidFill>
-                    <a:srgbClr val="0000FF"/>
-                  </a:solidFill>
-                </a:rPr>
-                <a:t>E</a:t>
-              </a:r>
-              <a:r>
-                <a:rPr lang="en-ID" b="1" dirty="0" err="1">
-                  <a:solidFill>
-                    <a:srgbClr val="0000FF"/>
-                  </a:solidFill>
-                </a:rPr>
-                <a:t>oN</a:t>
-              </a:r>
-              <a:endParaRPr lang="en-US" b="1" dirty="0">
+          </a:ln>
+        </p:spPr>
+      </p:pic>
+      <p:pic>
+        <p:nvPicPr>
+          <p:cNvPr id="125" name="Picture 124">
+            <a:extLst>
+              <a:ext uri="{FF2B5EF4-FFF2-40B4-BE49-F238E27FC236}">
+                <a16:creationId xmlns:a16="http://schemas.microsoft.com/office/drawing/2014/main" xmlns="" id="{4A694F61-56DD-44EC-9C94-5B51CD55A6AD}"/>
+              </a:ext>
+            </a:extLst>
+          </p:cNvPr>
+          <p:cNvPicPr/>
+          <p:nvPr/>
+        </p:nvPicPr>
+        <p:blipFill>
+          <a:blip r:embed="rId5"/>
+          <a:stretch>
+            <a:fillRect/>
+          </a:stretch>
+        </p:blipFill>
+        <p:spPr>
+          <a:xfrm>
+            <a:off x="907190" y="2786718"/>
+            <a:ext cx="568745" cy="736781"/>
+          </a:xfrm>
+          <a:prstGeom prst="rect">
+            <a:avLst/>
+          </a:prstGeom>
+        </p:spPr>
+      </p:pic>
+      <p:pic>
+        <p:nvPicPr>
+          <p:cNvPr id="126" name="Picture 125">
+            <a:extLst>
+              <a:ext uri="{FF2B5EF4-FFF2-40B4-BE49-F238E27FC236}">
+                <a16:creationId xmlns:a16="http://schemas.microsoft.com/office/drawing/2014/main" xmlns="" id="{1070B515-8811-4DB0-B73F-A655CDA1F65D}"/>
+              </a:ext>
+            </a:extLst>
+          </p:cNvPr>
+          <p:cNvPicPr/>
+          <p:nvPr/>
+        </p:nvPicPr>
+        <p:blipFill>
+          <a:blip r:embed="rId7"/>
+          <a:stretch>
+            <a:fillRect/>
+          </a:stretch>
+        </p:blipFill>
+        <p:spPr>
+          <a:xfrm>
+            <a:off x="645185" y="5624279"/>
+            <a:ext cx="497031" cy="499878"/>
+          </a:xfrm>
+          <a:prstGeom prst="rect">
+            <a:avLst/>
+          </a:prstGeom>
+        </p:spPr>
+      </p:pic>
+      <p:sp>
+        <p:nvSpPr>
+          <p:cNvPr id="127" name="TextBox 126">
+            <a:extLst>
+              <a:ext uri="{FF2B5EF4-FFF2-40B4-BE49-F238E27FC236}">
+                <a16:creationId xmlns:a16="http://schemas.microsoft.com/office/drawing/2014/main" xmlns="" id="{A95CCAB4-6FC7-49A6-8666-4575A0CA9B0B}"/>
+              </a:ext>
+            </a:extLst>
+          </p:cNvPr>
+          <p:cNvSpPr txBox="1"/>
+          <p:nvPr/>
+        </p:nvSpPr>
+        <p:spPr>
+          <a:xfrm>
+            <a:off x="1374669" y="2911599"/>
+            <a:ext cx="568745" cy="369332"/>
+          </a:xfrm>
+          <a:prstGeom prst="rect">
+            <a:avLst/>
+          </a:prstGeom>
+          <a:noFill/>
+        </p:spPr>
+        <p:txBody>
+          <a:bodyPr wrap="none" rtlCol="0">
+            <a:spAutoFit/>
+          </a:bodyPr>
+          <a:lstStyle/>
+          <a:p>
+            <a:r>
+              <a:rPr lang="en-US" b="1" dirty="0">
                 <a:solidFill>
                   <a:srgbClr val="0000FF"/>
                 </a:solidFill>
-              </a:endParaRPr>
-            </a:p>
-          </p:txBody>
-        </p:sp>
-        <p:pic>
-          <p:nvPicPr>
-            <p:cNvPr id="128" name="Picture 127">
-              <a:extLst>
-                <a:ext uri="{FF2B5EF4-FFF2-40B4-BE49-F238E27FC236}">
-                  <a16:creationId xmlns:a16="http://schemas.microsoft.com/office/drawing/2014/main" id="{EF50F512-C54E-4EC3-94C4-D1E0F23F7054}"/>
-                </a:ext>
-              </a:extLst>
-            </p:cNvPr>
-            <p:cNvPicPr>
-              <a:picLocks noChangeAspect="1"/>
-            </p:cNvPicPr>
-            <p:nvPr/>
-          </p:nvPicPr>
-          <p:blipFill>
-            <a:blip r:embed="rId8"/>
-            <a:stretch>
-              <a:fillRect/>
-            </a:stretch>
-          </p:blipFill>
-          <p:spPr>
-            <a:xfrm>
-              <a:off x="3484310" y="4158785"/>
-              <a:ext cx="1930830" cy="765896"/>
-            </a:xfrm>
-            <a:prstGeom prst="rect">
-              <a:avLst/>
-            </a:prstGeom>
-          </p:spPr>
-        </p:pic>
-        <p:sp>
-          <p:nvSpPr>
-            <p:cNvPr id="129" name="TextBox 128">
-              <a:extLst>
-                <a:ext uri="{FF2B5EF4-FFF2-40B4-BE49-F238E27FC236}">
-                  <a16:creationId xmlns:a16="http://schemas.microsoft.com/office/drawing/2014/main" id="{E39A3AB8-C796-4956-8252-D950C226E4A3}"/>
-                </a:ext>
-              </a:extLst>
-            </p:cNvPr>
-            <p:cNvSpPr txBox="1"/>
-            <p:nvPr/>
-          </p:nvSpPr>
-          <p:spPr>
-            <a:xfrm>
-              <a:off x="3573555" y="6245913"/>
-              <a:ext cx="1752339" cy="369332"/>
-            </a:xfrm>
-            <a:prstGeom prst="rect">
-              <a:avLst/>
-            </a:prstGeom>
-            <a:noFill/>
-          </p:spPr>
-          <p:txBody>
-            <a:bodyPr wrap="none" rtlCol="0">
-              <a:spAutoFit/>
-            </a:bodyPr>
-            <a:lstStyle/>
-            <a:p>
-              <a:r>
-                <a:rPr lang="en-US" b="1" dirty="0">
-                  <a:solidFill>
-                    <a:srgbClr val="0000FF"/>
-                  </a:solidFill>
-                </a:rPr>
-                <a:t>Sensor/Actuator</a:t>
-              </a:r>
-            </a:p>
-          </p:txBody>
-        </p:sp>
-        <p:cxnSp>
-          <p:nvCxnSpPr>
-            <p:cNvPr id="130" name="Straight Connector 129">
-              <a:extLst>
-                <a:ext uri="{FF2B5EF4-FFF2-40B4-BE49-F238E27FC236}">
-                  <a16:creationId xmlns:a16="http://schemas.microsoft.com/office/drawing/2014/main" id="{9DF291A7-41F4-4DE6-AE15-E1C86F573651}"/>
-                </a:ext>
-              </a:extLst>
-            </p:cNvPr>
-            <p:cNvCxnSpPr>
-              <a:cxnSpLocks/>
-            </p:cNvCxnSpPr>
-            <p:nvPr/>
-          </p:nvCxnSpPr>
-          <p:spPr>
-            <a:xfrm>
-              <a:off x="3454628" y="5303216"/>
-              <a:ext cx="2078178" cy="0"/>
-            </a:xfrm>
-            <a:prstGeom prst="line">
-              <a:avLst/>
-            </a:prstGeom>
-            <a:ln w="22225">
+              </a:rPr>
+              <a:t>E</a:t>
+            </a:r>
+            <a:r>
+              <a:rPr lang="en-ID" b="1" dirty="0" err="1">
+                <a:solidFill>
+                  <a:srgbClr val="0000FF"/>
+                </a:solidFill>
+              </a:rPr>
+              <a:t>oN</a:t>
+            </a:r>
+            <a:endParaRPr lang="en-US" b="1" dirty="0">
               <a:solidFill>
                 <a:srgbClr val="0000FF"/>
               </a:solidFill>
-            </a:ln>
-          </p:spPr>
-          <p:style>
-            <a:lnRef idx="1">
-              <a:schemeClr val="accent1"/>
-            </a:lnRef>
-            <a:fillRef idx="0">
-              <a:schemeClr val="accent1"/>
-            </a:fillRef>
-            <a:effectRef idx="0">
-              <a:schemeClr val="accent1"/>
-            </a:effectRef>
-            <a:fontRef idx="minor">
-              <a:schemeClr val="tx1"/>
-            </a:fontRef>
-          </p:style>
-        </p:cxnSp>
-        <p:cxnSp>
-          <p:nvCxnSpPr>
-            <p:cNvPr id="131" name="Straight Arrow Connector 130">
+            </a:endParaRPr>
+          </a:p>
+        </p:txBody>
+      </p:sp>
+      <p:sp>
+        <p:nvSpPr>
+          <p:cNvPr id="129" name="TextBox 128">
+            <a:extLst>
+              <a:ext uri="{FF2B5EF4-FFF2-40B4-BE49-F238E27FC236}">
+                <a16:creationId xmlns:a16="http://schemas.microsoft.com/office/drawing/2014/main" xmlns="" id="{E39A3AB8-C796-4956-8252-D950C226E4A3}"/>
+              </a:ext>
+            </a:extLst>
+          </p:cNvPr>
+          <p:cNvSpPr txBox="1"/>
+          <p:nvPr/>
+        </p:nvSpPr>
+        <p:spPr>
+          <a:xfrm>
+            <a:off x="764112" y="6208944"/>
+            <a:ext cx="1752339" cy="369332"/>
+          </a:xfrm>
+          <a:prstGeom prst="rect">
+            <a:avLst/>
+          </a:prstGeom>
+          <a:noFill/>
+        </p:spPr>
+        <p:txBody>
+          <a:bodyPr wrap="none" rtlCol="0">
+            <a:spAutoFit/>
+          </a:bodyPr>
+          <a:lstStyle/>
+          <a:p>
+            <a:r>
+              <a:rPr lang="en-US" b="1" dirty="0">
+                <a:solidFill>
+                  <a:srgbClr val="0000FF"/>
+                </a:solidFill>
+              </a:rPr>
+              <a:t>Sensor/Actuator</a:t>
+            </a:r>
+          </a:p>
+        </p:txBody>
+      </p:sp>
+      <p:cxnSp>
+        <p:nvCxnSpPr>
+          <p:cNvPr id="130" name="Straight Connector 129">
+            <a:extLst>
+              <a:ext uri="{FF2B5EF4-FFF2-40B4-BE49-F238E27FC236}">
+                <a16:creationId xmlns:a16="http://schemas.microsoft.com/office/drawing/2014/main" xmlns="" id="{9DF291A7-41F4-4DE6-AE15-E1C86F573651}"/>
+              </a:ext>
+            </a:extLst>
+          </p:cNvPr>
+          <p:cNvCxnSpPr>
+            <a:cxnSpLocks/>
+          </p:cNvCxnSpPr>
+          <p:nvPr/>
+        </p:nvCxnSpPr>
+        <p:spPr>
+          <a:xfrm>
+            <a:off x="645185" y="5266247"/>
+            <a:ext cx="2078178" cy="0"/>
+          </a:xfrm>
+          <a:prstGeom prst="line">
+            <a:avLst/>
+          </a:prstGeom>
+          <a:ln w="22225">
+            <a:solidFill>
+              <a:srgbClr val="0000FF"/>
+            </a:solidFill>
+          </a:ln>
+        </p:spPr>
+        <p:style>
+          <a:lnRef idx="1">
+            <a:schemeClr val="accent1"/>
+          </a:lnRef>
+          <a:fillRef idx="0">
+            <a:schemeClr val="accent1"/>
+          </a:fillRef>
+          <a:effectRef idx="0">
+            <a:schemeClr val="accent1"/>
+          </a:effectRef>
+          <a:fontRef idx="minor">
+            <a:schemeClr val="tx1"/>
+          </a:fontRef>
+        </p:style>
+      </p:cxnSp>
+      <p:cxnSp>
+        <p:nvCxnSpPr>
+          <p:cNvPr id="131" name="Straight Arrow Connector 130">
+            <a:extLst>
+              <a:ext uri="{FF2B5EF4-FFF2-40B4-BE49-F238E27FC236}">
+                <a16:creationId xmlns:a16="http://schemas.microsoft.com/office/drawing/2014/main" xmlns="" id="{C1FCFB29-B377-49B7-AE4A-C6D22253A121}"/>
+              </a:ext>
+            </a:extLst>
+          </p:cNvPr>
+          <p:cNvCxnSpPr>
+            <a:cxnSpLocks/>
+          </p:cNvCxnSpPr>
+          <p:nvPr/>
+        </p:nvCxnSpPr>
+        <p:spPr>
+          <a:xfrm flipV="1">
+            <a:off x="2468823" y="5266247"/>
+            <a:ext cx="0" cy="432048"/>
+          </a:xfrm>
+          <a:prstGeom prst="straightConnector1">
+            <a:avLst/>
+          </a:prstGeom>
+          <a:ln w="22225">
+            <a:solidFill>
+              <a:srgbClr val="0000FF"/>
+            </a:solidFill>
+            <a:tailEnd type="triangle"/>
+          </a:ln>
+        </p:spPr>
+        <p:style>
+          <a:lnRef idx="1">
+            <a:schemeClr val="accent1"/>
+          </a:lnRef>
+          <a:fillRef idx="0">
+            <a:schemeClr val="accent1"/>
+          </a:fillRef>
+          <a:effectRef idx="0">
+            <a:schemeClr val="accent1"/>
+          </a:effectRef>
+          <a:fontRef idx="minor">
+            <a:schemeClr val="tx1"/>
+          </a:fontRef>
+        </p:style>
+      </p:cxnSp>
+      <p:cxnSp>
+        <p:nvCxnSpPr>
+          <p:cNvPr id="132" name="Straight Arrow Connector 131">
+            <a:extLst>
+              <a:ext uri="{FF2B5EF4-FFF2-40B4-BE49-F238E27FC236}">
+                <a16:creationId xmlns:a16="http://schemas.microsoft.com/office/drawing/2014/main" xmlns="" id="{437E4990-C17A-4FBD-B288-E7FEE10A8B47}"/>
+              </a:ext>
+            </a:extLst>
+          </p:cNvPr>
+          <p:cNvCxnSpPr>
+            <a:cxnSpLocks/>
+          </p:cNvCxnSpPr>
+          <p:nvPr/>
+        </p:nvCxnSpPr>
+        <p:spPr>
+          <a:xfrm flipV="1">
+            <a:off x="2194605" y="5266247"/>
+            <a:ext cx="0" cy="303290"/>
+          </a:xfrm>
+          <a:prstGeom prst="straightConnector1">
+            <a:avLst/>
+          </a:prstGeom>
+          <a:ln w="22225">
+            <a:solidFill>
+              <a:srgbClr val="0000FF"/>
+            </a:solidFill>
+            <a:tailEnd type="triangle"/>
+          </a:ln>
+        </p:spPr>
+        <p:style>
+          <a:lnRef idx="1">
+            <a:schemeClr val="accent1"/>
+          </a:lnRef>
+          <a:fillRef idx="0">
+            <a:schemeClr val="accent1"/>
+          </a:fillRef>
+          <a:effectRef idx="0">
+            <a:schemeClr val="accent1"/>
+          </a:effectRef>
+          <a:fontRef idx="minor">
+            <a:schemeClr val="tx1"/>
+          </a:fontRef>
+        </p:style>
+      </p:cxnSp>
+      <p:cxnSp>
+        <p:nvCxnSpPr>
+          <p:cNvPr id="133" name="Straight Arrow Connector 132">
+            <a:extLst>
+              <a:ext uri="{FF2B5EF4-FFF2-40B4-BE49-F238E27FC236}">
+                <a16:creationId xmlns:a16="http://schemas.microsoft.com/office/drawing/2014/main" xmlns="" id="{3C070CA1-7CB4-4E4C-8996-587C0DF6380E}"/>
+              </a:ext>
+            </a:extLst>
+          </p:cNvPr>
+          <p:cNvCxnSpPr>
+            <a:cxnSpLocks/>
+          </p:cNvCxnSpPr>
+          <p:nvPr/>
+        </p:nvCxnSpPr>
+        <p:spPr>
+          <a:xfrm flipV="1">
+            <a:off x="1546532" y="5266247"/>
+            <a:ext cx="1" cy="303290"/>
+          </a:xfrm>
+          <a:prstGeom prst="straightConnector1">
+            <a:avLst/>
+          </a:prstGeom>
+          <a:ln w="22225">
+            <a:solidFill>
+              <a:srgbClr val="0000FF"/>
+            </a:solidFill>
+            <a:tailEnd type="triangle"/>
+          </a:ln>
+        </p:spPr>
+        <p:style>
+          <a:lnRef idx="1">
+            <a:schemeClr val="accent1"/>
+          </a:lnRef>
+          <a:fillRef idx="0">
+            <a:schemeClr val="accent1"/>
+          </a:fillRef>
+          <a:effectRef idx="0">
+            <a:schemeClr val="accent1"/>
+          </a:effectRef>
+          <a:fontRef idx="minor">
+            <a:schemeClr val="tx1"/>
+          </a:fontRef>
+        </p:style>
+      </p:cxnSp>
+      <p:cxnSp>
+        <p:nvCxnSpPr>
+          <p:cNvPr id="134" name="Straight Arrow Connector 133">
+            <a:extLst>
+              <a:ext uri="{FF2B5EF4-FFF2-40B4-BE49-F238E27FC236}">
+                <a16:creationId xmlns:a16="http://schemas.microsoft.com/office/drawing/2014/main" xmlns="" id="{FC701DDD-2159-4659-A0CA-3419EE1C595C}"/>
+              </a:ext>
+            </a:extLst>
+          </p:cNvPr>
+          <p:cNvCxnSpPr>
+            <a:cxnSpLocks/>
+          </p:cNvCxnSpPr>
+          <p:nvPr/>
+        </p:nvCxnSpPr>
+        <p:spPr>
+          <a:xfrm flipV="1">
+            <a:off x="893701" y="5264239"/>
+            <a:ext cx="0" cy="303290"/>
+          </a:xfrm>
+          <a:prstGeom prst="straightConnector1">
+            <a:avLst/>
+          </a:prstGeom>
+          <a:ln w="22225">
+            <a:solidFill>
+              <a:srgbClr val="0000FF"/>
+            </a:solidFill>
+            <a:tailEnd type="triangle"/>
+          </a:ln>
+        </p:spPr>
+        <p:style>
+          <a:lnRef idx="1">
+            <a:schemeClr val="accent1"/>
+          </a:lnRef>
+          <a:fillRef idx="0">
+            <a:schemeClr val="accent1"/>
+          </a:fillRef>
+          <a:effectRef idx="0">
+            <a:schemeClr val="accent1"/>
+          </a:effectRef>
+          <a:fontRef idx="minor">
+            <a:schemeClr val="tx1"/>
+          </a:fontRef>
+        </p:style>
+      </p:cxnSp>
+      <p:sp>
+        <p:nvSpPr>
+          <p:cNvPr id="135" name="TextBox 134">
+            <a:extLst>
+              <a:ext uri="{FF2B5EF4-FFF2-40B4-BE49-F238E27FC236}">
+                <a16:creationId xmlns:a16="http://schemas.microsoft.com/office/drawing/2014/main" xmlns="" id="{CCB08C6A-B88F-466B-9016-90EEB67A179B}"/>
+              </a:ext>
+            </a:extLst>
+          </p:cNvPr>
+          <p:cNvSpPr txBox="1"/>
+          <p:nvPr/>
+        </p:nvSpPr>
+        <p:spPr>
+          <a:xfrm>
+            <a:off x="746875" y="5050223"/>
+            <a:ext cx="820096" cy="276999"/>
+          </a:xfrm>
+          <a:prstGeom prst="rect">
+            <a:avLst/>
+          </a:prstGeom>
+          <a:noFill/>
+        </p:spPr>
+        <p:txBody>
+          <a:bodyPr wrap="none" rtlCol="0">
+            <a:spAutoFit/>
+          </a:bodyPr>
+          <a:lstStyle/>
+          <a:p>
+            <a:r>
+              <a:rPr lang="en-US" sz="1200" dirty="0">
+                <a:solidFill>
+                  <a:srgbClr val="0000FF"/>
+                </a:solidFill>
+              </a:rPr>
+              <a:t>Hard Wire</a:t>
+            </a:r>
+          </a:p>
+        </p:txBody>
+      </p:sp>
+      <p:sp>
+        <p:nvSpPr>
+          <p:cNvPr id="136" name="Arrow: Down 135">
+            <a:extLst>
+              <a:ext uri="{FF2B5EF4-FFF2-40B4-BE49-F238E27FC236}">
+                <a16:creationId xmlns:a16="http://schemas.microsoft.com/office/drawing/2014/main" xmlns="" id="{DFF46CD1-F7A1-44D1-A40D-EB507AC19AB7}"/>
+              </a:ext>
+            </a:extLst>
+          </p:cNvPr>
+          <p:cNvSpPr/>
+          <p:nvPr/>
+        </p:nvSpPr>
+        <p:spPr>
+          <a:xfrm rot="10800000">
+            <a:off x="1566968" y="4887710"/>
+            <a:ext cx="432391" cy="325021"/>
+          </a:xfrm>
+          <a:prstGeom prst="downArrow">
+            <a:avLst/>
+          </a:prstGeom>
+          <a:noFill/>
+          <a:ln w="19050">
+            <a:solidFill>
+              <a:srgbClr val="0000FF"/>
+            </a:solidFill>
+          </a:ln>
+        </p:spPr>
+        <p:style>
+          <a:lnRef idx="2">
+            <a:schemeClr val="accent1">
+              <a:shade val="50000"/>
+            </a:schemeClr>
+          </a:lnRef>
+          <a:fillRef idx="1">
+            <a:schemeClr val="accent1"/>
+          </a:fillRef>
+          <a:effectRef idx="0">
+            <a:schemeClr val="accent1"/>
+          </a:effectRef>
+          <a:fontRef idx="minor">
+            <a:schemeClr val="lt1"/>
+          </a:fontRef>
+        </p:style>
+        <p:txBody>
+          <a:bodyPr rtlCol="0" anchor="ctr"/>
+          <a:lstStyle/>
+          <a:p>
+            <a:pPr algn="ctr"/>
+            <a:endParaRPr lang="en-ID"/>
+          </a:p>
+        </p:txBody>
+      </p:sp>
+      <p:cxnSp>
+        <p:nvCxnSpPr>
+          <p:cNvPr id="137" name="Straight Arrow Connector 136">
+            <a:extLst>
+              <a:ext uri="{FF2B5EF4-FFF2-40B4-BE49-F238E27FC236}">
+                <a16:creationId xmlns:a16="http://schemas.microsoft.com/office/drawing/2014/main" xmlns="" id="{8F992FA7-D08C-438C-A43F-47DBDCC12409}"/>
+              </a:ext>
+            </a:extLst>
+          </p:cNvPr>
+          <p:cNvCxnSpPr>
+            <a:cxnSpLocks/>
+            <a:endCxn id="125" idx="2"/>
+          </p:cNvCxnSpPr>
+          <p:nvPr/>
+        </p:nvCxnSpPr>
+        <p:spPr>
+          <a:xfrm flipH="1" flipV="1">
+            <a:off x="1191563" y="3523499"/>
+            <a:ext cx="448719" cy="598317"/>
+          </a:xfrm>
+          <a:prstGeom prst="straightConnector1">
+            <a:avLst/>
+          </a:prstGeom>
+          <a:ln w="22225">
+            <a:solidFill>
+              <a:srgbClr val="008000"/>
+            </a:solidFill>
+            <a:headEnd type="stealth"/>
+            <a:tailEnd type="stealth"/>
+          </a:ln>
+        </p:spPr>
+        <p:style>
+          <a:lnRef idx="1">
+            <a:schemeClr val="accent1"/>
+          </a:lnRef>
+          <a:fillRef idx="0">
+            <a:schemeClr val="accent1"/>
+          </a:fillRef>
+          <a:effectRef idx="0">
+            <a:schemeClr val="accent1"/>
+          </a:effectRef>
+          <a:fontRef idx="minor">
+            <a:schemeClr val="tx1"/>
+          </a:fontRef>
+        </p:style>
+      </p:cxnSp>
+      <p:sp>
+        <p:nvSpPr>
+          <p:cNvPr id="138" name="TextBox 137">
+            <a:extLst>
+              <a:ext uri="{FF2B5EF4-FFF2-40B4-BE49-F238E27FC236}">
+                <a16:creationId xmlns:a16="http://schemas.microsoft.com/office/drawing/2014/main" xmlns="" id="{759D9C9A-697F-41AF-B4E7-ED889C2499F2}"/>
+              </a:ext>
+            </a:extLst>
+          </p:cNvPr>
+          <p:cNvSpPr txBox="1"/>
+          <p:nvPr/>
+        </p:nvSpPr>
+        <p:spPr>
+          <a:xfrm>
+            <a:off x="1322939" y="3559482"/>
+            <a:ext cx="820096" cy="461665"/>
+          </a:xfrm>
+          <a:prstGeom prst="rect">
+            <a:avLst/>
+          </a:prstGeom>
+          <a:noFill/>
+        </p:spPr>
+        <p:txBody>
+          <a:bodyPr wrap="none" rtlCol="0">
+            <a:spAutoFit/>
+          </a:bodyPr>
+          <a:lstStyle/>
+          <a:p>
+            <a:r>
+              <a:rPr lang="en-US" sz="1200" dirty="0">
+                <a:solidFill>
+                  <a:srgbClr val="008000"/>
+                </a:solidFill>
+              </a:rPr>
+              <a:t>Hard Wire</a:t>
+            </a:r>
+          </a:p>
+          <a:p>
+            <a:pPr algn="ctr"/>
+            <a:r>
+              <a:rPr lang="en-US" sz="1200" dirty="0">
+                <a:solidFill>
+                  <a:srgbClr val="008000"/>
+                </a:solidFill>
+              </a:rPr>
+              <a:t>Serial</a:t>
+            </a:r>
+          </a:p>
+        </p:txBody>
+      </p:sp>
+      <p:pic>
+        <p:nvPicPr>
+          <p:cNvPr id="139" name="Picture 2">
+            <a:extLst>
+              <a:ext uri="{FF2B5EF4-FFF2-40B4-BE49-F238E27FC236}">
+                <a16:creationId xmlns:a16="http://schemas.microsoft.com/office/drawing/2014/main" xmlns="" id="{44B1DE2B-5459-4559-8528-F531AB2F47CC}"/>
+              </a:ext>
+            </a:extLst>
+          </p:cNvPr>
+          <p:cNvPicPr>
+            <a:picLocks noChangeAspect="1" noChangeArrowheads="1"/>
+          </p:cNvPicPr>
+          <p:nvPr/>
+        </p:nvPicPr>
+        <p:blipFill>
+          <a:blip r:embed="rId8" cstate="email">
+            <a:extLst>
+              <a:ext uri="{28A0092B-C50C-407E-A947-70E740481C1C}">
+                <a14:useLocalDpi xmlns:a14="http://schemas.microsoft.com/office/drawing/2010/main" val="0"/>
+              </a:ext>
+            </a:extLst>
+          </a:blip>
+          <a:srcRect/>
+          <a:stretch>
+            <a:fillRect/>
+          </a:stretch>
+        </p:blipFill>
+        <p:spPr bwMode="auto">
+          <a:xfrm rot="5400000">
+            <a:off x="1903538" y="5784277"/>
+            <a:ext cx="620765" cy="182647"/>
+          </a:xfrm>
+          <a:prstGeom prst="rect">
+            <a:avLst/>
+          </a:prstGeom>
+          <a:noFill/>
+          <a:ln>
+            <a:noFill/>
+          </a:ln>
+          <a:effectLst/>
+          <a:extLst>
+            <a:ext uri="{909E8E84-426E-40DD-AFC4-6F175D3DCCD1}">
+              <a14:hiddenFill xmlns:a14="http://schemas.microsoft.com/office/drawing/2010/main">
+                <a:solidFill>
+                  <a:schemeClr val="accent1"/>
+                </a:solidFill>
+              </a14:hiddenFill>
+            </a:ext>
+            <a:ext uri="{91240B29-F687-4F45-9708-019B960494DF}">
+              <a14:hiddenLine xmlns:a14="http://schemas.microsoft.com/office/drawing/2010/main" w="9525">
+                <a:solidFill>
+                  <a:schemeClr val="tx1"/>
+                </a:solidFill>
+                <a:miter lim="800000"/>
+                <a:headEnd/>
+                <a:tailEnd/>
+              </a14:hiddenLine>
+            </a:ext>
+            <a:ext uri="{AF507438-7753-43E0-B8FC-AC1667EBCBE1}">
+              <a14:hiddenEffects xmlns:a14="http://schemas.microsoft.com/office/drawing/2010/main">
+                <a:effectLst>
+                  <a:outerShdw dist="35921" dir="2700000" algn="ctr" rotWithShape="0">
+                    <a:schemeClr val="bg2"/>
+                  </a:outerShdw>
+                </a:effectLst>
+              </a14:hiddenEffects>
+            </a:ext>
+          </a:extLst>
+        </p:spPr>
+      </p:pic>
+      <p:grpSp>
+        <p:nvGrpSpPr>
+          <p:cNvPr id="140" name="Group 139">
+            <a:extLst>
+              <a:ext uri="{FF2B5EF4-FFF2-40B4-BE49-F238E27FC236}">
+                <a16:creationId xmlns:a16="http://schemas.microsoft.com/office/drawing/2014/main" xmlns="" id="{4AC26AC4-8582-4AF1-9662-4C653C054F44}"/>
+              </a:ext>
+            </a:extLst>
+          </p:cNvPr>
+          <p:cNvGrpSpPr/>
+          <p:nvPr/>
+        </p:nvGrpSpPr>
+        <p:grpSpPr>
+          <a:xfrm>
+            <a:off x="2335590" y="5507682"/>
+            <a:ext cx="435079" cy="735835"/>
+            <a:chOff x="2159253" y="548680"/>
+            <a:chExt cx="408864" cy="1462350"/>
+          </a:xfrm>
+        </p:grpSpPr>
+        <p:pic>
+          <p:nvPicPr>
+            <p:cNvPr id="142" name="Picture 141">
               <a:extLst>
                 <a:ext uri="{FF2B5EF4-FFF2-40B4-BE49-F238E27FC236}">
-                  <a16:creationId xmlns:a16="http://schemas.microsoft.com/office/drawing/2014/main" id="{C1FCFB29-B377-49B7-AE4A-C6D22253A121}"/>
-                </a:ext>
-              </a:extLst>
-            </p:cNvPr>
-            <p:cNvCxnSpPr>
-              <a:cxnSpLocks/>
-            </p:cNvCxnSpPr>
-            <p:nvPr/>
-          </p:nvCxnSpPr>
-          <p:spPr>
-            <a:xfrm flipV="1">
-              <a:off x="5278266" y="5303216"/>
-              <a:ext cx="0" cy="432048"/>
-            </a:xfrm>
-            <a:prstGeom prst="straightConnector1">
-              <a:avLst/>
-            </a:prstGeom>
-            <a:ln w="22225">
-              <a:solidFill>
-                <a:srgbClr val="0000FF"/>
-              </a:solidFill>
-              <a:tailEnd type="triangle"/>
-            </a:ln>
-          </p:spPr>
-          <p:style>
-            <a:lnRef idx="1">
-              <a:schemeClr val="accent1"/>
-            </a:lnRef>
-            <a:fillRef idx="0">
-              <a:schemeClr val="accent1"/>
-            </a:fillRef>
-            <a:effectRef idx="0">
-              <a:schemeClr val="accent1"/>
-            </a:effectRef>
-            <a:fontRef idx="minor">
-              <a:schemeClr val="tx1"/>
-            </a:fontRef>
-          </p:style>
-        </p:cxnSp>
-        <p:cxnSp>
-          <p:nvCxnSpPr>
-            <p:cNvPr id="132" name="Straight Arrow Connector 131">
-              <a:extLst>
-                <a:ext uri="{FF2B5EF4-FFF2-40B4-BE49-F238E27FC236}">
-                  <a16:creationId xmlns:a16="http://schemas.microsoft.com/office/drawing/2014/main" id="{437E4990-C17A-4FBD-B288-E7FEE10A8B47}"/>
-                </a:ext>
-              </a:extLst>
-            </p:cNvPr>
-            <p:cNvCxnSpPr>
-              <a:cxnSpLocks/>
-            </p:cNvCxnSpPr>
-            <p:nvPr/>
-          </p:nvCxnSpPr>
-          <p:spPr>
-            <a:xfrm flipV="1">
-              <a:off x="5004048" y="5303216"/>
-              <a:ext cx="0" cy="303290"/>
-            </a:xfrm>
-            <a:prstGeom prst="straightConnector1">
-              <a:avLst/>
-            </a:prstGeom>
-            <a:ln w="22225">
-              <a:solidFill>
-                <a:srgbClr val="0000FF"/>
-              </a:solidFill>
-              <a:tailEnd type="triangle"/>
-            </a:ln>
-          </p:spPr>
-          <p:style>
-            <a:lnRef idx="1">
-              <a:schemeClr val="accent1"/>
-            </a:lnRef>
-            <a:fillRef idx="0">
-              <a:schemeClr val="accent1"/>
-            </a:fillRef>
-            <a:effectRef idx="0">
-              <a:schemeClr val="accent1"/>
-            </a:effectRef>
-            <a:fontRef idx="minor">
-              <a:schemeClr val="tx1"/>
-            </a:fontRef>
-          </p:style>
-        </p:cxnSp>
-        <p:cxnSp>
-          <p:nvCxnSpPr>
-            <p:cNvPr id="133" name="Straight Arrow Connector 132">
-              <a:extLst>
-                <a:ext uri="{FF2B5EF4-FFF2-40B4-BE49-F238E27FC236}">
-                  <a16:creationId xmlns:a16="http://schemas.microsoft.com/office/drawing/2014/main" id="{3C070CA1-7CB4-4E4C-8996-587C0DF6380E}"/>
-                </a:ext>
-              </a:extLst>
-            </p:cNvPr>
-            <p:cNvCxnSpPr>
-              <a:cxnSpLocks/>
-            </p:cNvCxnSpPr>
-            <p:nvPr/>
-          </p:nvCxnSpPr>
-          <p:spPr>
-            <a:xfrm flipV="1">
-              <a:off x="4355975" y="5303216"/>
-              <a:ext cx="1" cy="303290"/>
-            </a:xfrm>
-            <a:prstGeom prst="straightConnector1">
-              <a:avLst/>
-            </a:prstGeom>
-            <a:ln w="22225">
-              <a:solidFill>
-                <a:srgbClr val="0000FF"/>
-              </a:solidFill>
-              <a:tailEnd type="triangle"/>
-            </a:ln>
-          </p:spPr>
-          <p:style>
-            <a:lnRef idx="1">
-              <a:schemeClr val="accent1"/>
-            </a:lnRef>
-            <a:fillRef idx="0">
-              <a:schemeClr val="accent1"/>
-            </a:fillRef>
-            <a:effectRef idx="0">
-              <a:schemeClr val="accent1"/>
-            </a:effectRef>
-            <a:fontRef idx="minor">
-              <a:schemeClr val="tx1"/>
-            </a:fontRef>
-          </p:style>
-        </p:cxnSp>
-        <p:cxnSp>
-          <p:nvCxnSpPr>
-            <p:cNvPr id="134" name="Straight Arrow Connector 133">
-              <a:extLst>
-                <a:ext uri="{FF2B5EF4-FFF2-40B4-BE49-F238E27FC236}">
-                  <a16:creationId xmlns:a16="http://schemas.microsoft.com/office/drawing/2014/main" id="{FC701DDD-2159-4659-A0CA-3419EE1C595C}"/>
-                </a:ext>
-              </a:extLst>
-            </p:cNvPr>
-            <p:cNvCxnSpPr>
-              <a:cxnSpLocks/>
-            </p:cNvCxnSpPr>
-            <p:nvPr/>
-          </p:nvCxnSpPr>
-          <p:spPr>
-            <a:xfrm flipV="1">
-              <a:off x="3703144" y="5301208"/>
-              <a:ext cx="0" cy="303290"/>
-            </a:xfrm>
-            <a:prstGeom prst="straightConnector1">
-              <a:avLst/>
-            </a:prstGeom>
-            <a:ln w="22225">
-              <a:solidFill>
-                <a:srgbClr val="0000FF"/>
-              </a:solidFill>
-              <a:tailEnd type="triangle"/>
-            </a:ln>
-          </p:spPr>
-          <p:style>
-            <a:lnRef idx="1">
-              <a:schemeClr val="accent1"/>
-            </a:lnRef>
-            <a:fillRef idx="0">
-              <a:schemeClr val="accent1"/>
-            </a:fillRef>
-            <a:effectRef idx="0">
-              <a:schemeClr val="accent1"/>
-            </a:effectRef>
-            <a:fontRef idx="minor">
-              <a:schemeClr val="tx1"/>
-            </a:fontRef>
-          </p:style>
-        </p:cxnSp>
-        <p:sp>
-          <p:nvSpPr>
-            <p:cNvPr id="135" name="TextBox 134">
-              <a:extLst>
-                <a:ext uri="{FF2B5EF4-FFF2-40B4-BE49-F238E27FC236}">
-                  <a16:creationId xmlns:a16="http://schemas.microsoft.com/office/drawing/2014/main" id="{CCB08C6A-B88F-466B-9016-90EEB67A179B}"/>
-                </a:ext>
-              </a:extLst>
-            </p:cNvPr>
-            <p:cNvSpPr txBox="1"/>
-            <p:nvPr/>
-          </p:nvSpPr>
-          <p:spPr>
-            <a:xfrm>
-              <a:off x="3556318" y="5087192"/>
-              <a:ext cx="820096" cy="276999"/>
-            </a:xfrm>
-            <a:prstGeom prst="rect">
-              <a:avLst/>
-            </a:prstGeom>
-            <a:noFill/>
-          </p:spPr>
-          <p:txBody>
-            <a:bodyPr wrap="none" rtlCol="0">
-              <a:spAutoFit/>
-            </a:bodyPr>
-            <a:lstStyle/>
-            <a:p>
-              <a:r>
-                <a:rPr lang="en-US" sz="1200" dirty="0">
-                  <a:solidFill>
-                    <a:srgbClr val="0000FF"/>
-                  </a:solidFill>
-                </a:rPr>
-                <a:t>Hard Wire</a:t>
-              </a:r>
-            </a:p>
-          </p:txBody>
-        </p:sp>
-        <p:sp>
-          <p:nvSpPr>
-            <p:cNvPr id="136" name="Arrow: Down 135">
-              <a:extLst>
-                <a:ext uri="{FF2B5EF4-FFF2-40B4-BE49-F238E27FC236}">
-                  <a16:creationId xmlns:a16="http://schemas.microsoft.com/office/drawing/2014/main" id="{DFF46CD1-F7A1-44D1-A40D-EB507AC19AB7}"/>
-                </a:ext>
-              </a:extLst>
-            </p:cNvPr>
-            <p:cNvSpPr/>
-            <p:nvPr/>
-          </p:nvSpPr>
-          <p:spPr>
-            <a:xfrm rot="10800000">
-              <a:off x="4376411" y="4924679"/>
-              <a:ext cx="432391" cy="325021"/>
-            </a:xfrm>
-            <a:prstGeom prst="downArrow">
-              <a:avLst/>
-            </a:prstGeom>
-            <a:noFill/>
-            <a:ln w="19050">
-              <a:solidFill>
-                <a:srgbClr val="0000FF"/>
-              </a:solidFill>
-            </a:ln>
-          </p:spPr>
-          <p:style>
-            <a:lnRef idx="2">
-              <a:schemeClr val="accent1">
-                <a:shade val="50000"/>
-              </a:schemeClr>
-            </a:lnRef>
-            <a:fillRef idx="1">
-              <a:schemeClr val="accent1"/>
-            </a:fillRef>
-            <a:effectRef idx="0">
-              <a:schemeClr val="accent1"/>
-            </a:effectRef>
-            <a:fontRef idx="minor">
-              <a:schemeClr val="lt1"/>
-            </a:fontRef>
-          </p:style>
-          <p:txBody>
-            <a:bodyPr rtlCol="0" anchor="ctr"/>
-            <a:lstStyle/>
-            <a:p>
-              <a:pPr algn="ctr"/>
-              <a:endParaRPr lang="en-ID"/>
-            </a:p>
-          </p:txBody>
-        </p:sp>
-        <p:cxnSp>
-          <p:nvCxnSpPr>
-            <p:cNvPr id="137" name="Straight Arrow Connector 136">
-              <a:extLst>
-                <a:ext uri="{FF2B5EF4-FFF2-40B4-BE49-F238E27FC236}">
-                  <a16:creationId xmlns:a16="http://schemas.microsoft.com/office/drawing/2014/main" id="{8F992FA7-D08C-438C-A43F-47DBDCC12409}"/>
-                </a:ext>
-              </a:extLst>
-            </p:cNvPr>
-            <p:cNvCxnSpPr>
-              <a:cxnSpLocks/>
-              <a:stCxn id="128" idx="0"/>
-              <a:endCxn id="125" idx="2"/>
-            </p:cNvCxnSpPr>
-            <p:nvPr/>
-          </p:nvCxnSpPr>
-          <p:spPr>
-            <a:xfrm flipH="1" flipV="1">
-              <a:off x="4001006" y="3560468"/>
-              <a:ext cx="448719" cy="598317"/>
-            </a:xfrm>
-            <a:prstGeom prst="straightConnector1">
-              <a:avLst/>
-            </a:prstGeom>
-            <a:ln w="22225">
-              <a:solidFill>
-                <a:srgbClr val="008000"/>
-              </a:solidFill>
-              <a:headEnd type="stealth"/>
-              <a:tailEnd type="stealth"/>
-            </a:ln>
-          </p:spPr>
-          <p:style>
-            <a:lnRef idx="1">
-              <a:schemeClr val="accent1"/>
-            </a:lnRef>
-            <a:fillRef idx="0">
-              <a:schemeClr val="accent1"/>
-            </a:fillRef>
-            <a:effectRef idx="0">
-              <a:schemeClr val="accent1"/>
-            </a:effectRef>
-            <a:fontRef idx="minor">
-              <a:schemeClr val="tx1"/>
-            </a:fontRef>
-          </p:style>
-        </p:cxnSp>
-        <p:sp>
-          <p:nvSpPr>
-            <p:cNvPr id="138" name="TextBox 137">
-              <a:extLst>
-                <a:ext uri="{FF2B5EF4-FFF2-40B4-BE49-F238E27FC236}">
-                  <a16:creationId xmlns:a16="http://schemas.microsoft.com/office/drawing/2014/main" id="{759D9C9A-697F-41AF-B4E7-ED889C2499F2}"/>
-                </a:ext>
-              </a:extLst>
-            </p:cNvPr>
-            <p:cNvSpPr txBox="1"/>
-            <p:nvPr/>
-          </p:nvSpPr>
-          <p:spPr>
-            <a:xfrm>
-              <a:off x="4132382" y="3596451"/>
-              <a:ext cx="820096" cy="461665"/>
-            </a:xfrm>
-            <a:prstGeom prst="rect">
-              <a:avLst/>
-            </a:prstGeom>
-            <a:noFill/>
-          </p:spPr>
-          <p:txBody>
-            <a:bodyPr wrap="none" rtlCol="0">
-              <a:spAutoFit/>
-            </a:bodyPr>
-            <a:lstStyle/>
-            <a:p>
-              <a:r>
-                <a:rPr lang="en-US" sz="1200" dirty="0">
-                  <a:solidFill>
-                    <a:srgbClr val="008000"/>
-                  </a:solidFill>
-                </a:rPr>
-                <a:t>Hard Wire</a:t>
-              </a:r>
-            </a:p>
-            <a:p>
-              <a:pPr algn="ctr"/>
-              <a:r>
-                <a:rPr lang="en-US" sz="1200" dirty="0">
-                  <a:solidFill>
-                    <a:srgbClr val="008000"/>
-                  </a:solidFill>
-                </a:rPr>
-                <a:t>Serial</a:t>
-              </a:r>
-            </a:p>
-          </p:txBody>
-        </p:sp>
-        <p:pic>
-          <p:nvPicPr>
-            <p:cNvPr id="139" name="Picture 2">
-              <a:extLst>
-                <a:ext uri="{FF2B5EF4-FFF2-40B4-BE49-F238E27FC236}">
-                  <a16:creationId xmlns:a16="http://schemas.microsoft.com/office/drawing/2014/main" id="{44B1DE2B-5459-4559-8528-F531AB2F47CC}"/>
-                </a:ext>
-              </a:extLst>
-            </p:cNvPr>
-            <p:cNvPicPr>
-              <a:picLocks noChangeAspect="1" noChangeArrowheads="1"/>
-            </p:cNvPicPr>
-            <p:nvPr/>
-          </p:nvPicPr>
-          <p:blipFill>
-            <a:blip r:embed="rId9" cstate="email">
-              <a:extLst>
-                <a:ext uri="{28A0092B-C50C-407E-A947-70E740481C1C}">
-                  <a14:useLocalDpi xmlns:a14="http://schemas.microsoft.com/office/drawing/2010/main" val="0"/>
-                </a:ext>
-              </a:extLst>
-            </a:blip>
-            <a:srcRect/>
-            <a:stretch>
-              <a:fillRect/>
-            </a:stretch>
-          </p:blipFill>
-          <p:spPr bwMode="auto">
-            <a:xfrm rot="5400000">
-              <a:off x="4712981" y="5821246"/>
-              <a:ext cx="620765" cy="182647"/>
-            </a:xfrm>
-            <a:prstGeom prst="rect">
-              <a:avLst/>
-            </a:prstGeom>
-            <a:noFill/>
-            <a:ln>
-              <a:noFill/>
-            </a:ln>
-            <a:effectLst/>
-            <a:extLst>
-              <a:ext uri="{909E8E84-426E-40DD-AFC4-6F175D3DCCD1}">
-                <a14:hiddenFill xmlns:a14="http://schemas.microsoft.com/office/drawing/2010/main">
-                  <a:solidFill>
-                    <a:schemeClr val="accent1"/>
-                  </a:solidFill>
-                </a14:hiddenFill>
-              </a:ext>
-              <a:ext uri="{91240B29-F687-4F45-9708-019B960494DF}">
-                <a14:hiddenLine xmlns:a14="http://schemas.microsoft.com/office/drawing/2010/main" w="9525">
-                  <a:solidFill>
-                    <a:schemeClr val="tx1"/>
-                  </a:solidFill>
-                  <a:miter lim="800000"/>
-                  <a:headEnd/>
-                  <a:tailEnd/>
-                </a14:hiddenLine>
-              </a:ext>
-              <a:ext uri="{AF507438-7753-43E0-B8FC-AC1667EBCBE1}">
-                <a14:hiddenEffects xmlns:a14="http://schemas.microsoft.com/office/drawing/2010/main">
-                  <a:effectLst>
-                    <a:outerShdw dist="35921" dir="2700000" algn="ctr" rotWithShape="0">
-                      <a:schemeClr val="bg2"/>
-                    </a:outerShdw>
-                  </a:effectLst>
-                </a14:hiddenEffects>
-              </a:ext>
-            </a:extLst>
-          </p:spPr>
-        </p:pic>
-        <p:grpSp>
-          <p:nvGrpSpPr>
-            <p:cNvPr id="140" name="Group 139">
-              <a:extLst>
-                <a:ext uri="{FF2B5EF4-FFF2-40B4-BE49-F238E27FC236}">
-                  <a16:creationId xmlns:a16="http://schemas.microsoft.com/office/drawing/2014/main" id="{4AC26AC4-8582-4AF1-9662-4C653C054F44}"/>
-                </a:ext>
-              </a:extLst>
-            </p:cNvPr>
-            <p:cNvGrpSpPr/>
-            <p:nvPr/>
-          </p:nvGrpSpPr>
-          <p:grpSpPr>
-            <a:xfrm>
-              <a:off x="5145033" y="5544651"/>
-              <a:ext cx="435079" cy="735835"/>
-              <a:chOff x="2159253" y="548680"/>
-              <a:chExt cx="408864" cy="1462350"/>
-            </a:xfrm>
-          </p:grpSpPr>
-          <p:pic>
-            <p:nvPicPr>
-              <p:cNvPr id="142" name="Picture 141">
-                <a:extLst>
-                  <a:ext uri="{FF2B5EF4-FFF2-40B4-BE49-F238E27FC236}">
-                    <a16:creationId xmlns:a16="http://schemas.microsoft.com/office/drawing/2014/main" id="{F766DA8B-BC49-49A9-BF21-6C3D92420AE5}"/>
-                  </a:ext>
-                </a:extLst>
-              </p:cNvPr>
-              <p:cNvPicPr/>
-              <p:nvPr/>
-            </p:nvPicPr>
-            <p:blipFill>
-              <a:blip r:embed="rId10"/>
-              <a:stretch>
-                <a:fillRect/>
-              </a:stretch>
-            </p:blipFill>
-            <p:spPr>
-              <a:xfrm>
-                <a:off x="2159253" y="1044386"/>
-                <a:ext cx="402231" cy="463429"/>
-              </a:xfrm>
-              <a:prstGeom prst="rect">
-                <a:avLst/>
-              </a:prstGeom>
-            </p:spPr>
-          </p:pic>
-          <p:pic>
-            <p:nvPicPr>
-              <p:cNvPr id="143" name="Picture 142">
-                <a:extLst>
-                  <a:ext uri="{FF2B5EF4-FFF2-40B4-BE49-F238E27FC236}">
-                    <a16:creationId xmlns:a16="http://schemas.microsoft.com/office/drawing/2014/main" id="{60A87426-69E1-4E00-A79F-BE673237C80D}"/>
-                  </a:ext>
-                </a:extLst>
-              </p:cNvPr>
-              <p:cNvPicPr/>
-              <p:nvPr/>
-            </p:nvPicPr>
-            <p:blipFill>
-              <a:blip r:embed="rId10"/>
-              <a:stretch>
-                <a:fillRect/>
-              </a:stretch>
-            </p:blipFill>
-            <p:spPr>
-              <a:xfrm>
-                <a:off x="2161663" y="548680"/>
-                <a:ext cx="402231" cy="463429"/>
-              </a:xfrm>
-              <a:prstGeom prst="rect">
-                <a:avLst/>
-              </a:prstGeom>
-            </p:spPr>
-          </p:pic>
-          <p:pic>
-            <p:nvPicPr>
-              <p:cNvPr id="144" name="Picture 143">
-                <a:extLst>
-                  <a:ext uri="{FF2B5EF4-FFF2-40B4-BE49-F238E27FC236}">
-                    <a16:creationId xmlns:a16="http://schemas.microsoft.com/office/drawing/2014/main" id="{BA800670-4E89-4822-9FE3-B81C5A84579E}"/>
-                  </a:ext>
-                </a:extLst>
-              </p:cNvPr>
-              <p:cNvPicPr/>
-              <p:nvPr/>
-            </p:nvPicPr>
-            <p:blipFill>
-              <a:blip r:embed="rId10"/>
-              <a:stretch>
-                <a:fillRect/>
-              </a:stretch>
-            </p:blipFill>
-            <p:spPr>
-              <a:xfrm>
-                <a:off x="2165886" y="1547601"/>
-                <a:ext cx="402231" cy="463429"/>
-              </a:xfrm>
-              <a:prstGeom prst="rect">
-                <a:avLst/>
-              </a:prstGeom>
-            </p:spPr>
-          </p:pic>
-        </p:grpSp>
-        <p:pic>
-          <p:nvPicPr>
-            <p:cNvPr id="141" name="Picture 140">
-              <a:extLst>
-                <a:ext uri="{FF2B5EF4-FFF2-40B4-BE49-F238E27FC236}">
-                  <a16:creationId xmlns:a16="http://schemas.microsoft.com/office/drawing/2014/main" id="{E8497B39-C585-4FA1-A77E-6295925A3A10}"/>
+                  <a16:creationId xmlns:a16="http://schemas.microsoft.com/office/drawing/2014/main" xmlns="" id="{F766DA8B-BC49-49A9-BF21-6C3D92420AE5}"/>
                 </a:ext>
               </a:extLst>
             </p:cNvPr>
@@ -6668,103 +6480,15 @@
             <p:nvPr/>
           </p:nvPicPr>
           <p:blipFill>
-            <a:blip r:embed="rId11"/>
+            <a:blip r:embed="rId9"/>
             <a:stretch>
               <a:fillRect/>
             </a:stretch>
           </p:blipFill>
           <p:spPr>
             <a:xfrm>
-              <a:off x="4011075" y="5634369"/>
-              <a:ext cx="737513" cy="573934"/>
-            </a:xfrm>
-            <a:prstGeom prst="rect">
-              <a:avLst/>
-            </a:prstGeom>
-          </p:spPr>
-        </p:pic>
-      </p:grpSp>
-      <p:grpSp>
-        <p:nvGrpSpPr>
-          <p:cNvPr id="145" name="Group 144">
-            <a:extLst>
-              <a:ext uri="{FF2B5EF4-FFF2-40B4-BE49-F238E27FC236}">
-                <a16:creationId xmlns:a16="http://schemas.microsoft.com/office/drawing/2014/main" id="{35846D97-6FA0-48E6-A1D3-3332DA42C35A}"/>
-              </a:ext>
-            </a:extLst>
-          </p:cNvPr>
-          <p:cNvGrpSpPr/>
-          <p:nvPr/>
-        </p:nvGrpSpPr>
-        <p:grpSpPr>
-          <a:xfrm>
-            <a:off x="6300192" y="2515049"/>
-            <a:ext cx="2125484" cy="4082303"/>
-            <a:chOff x="3454628" y="2532942"/>
-            <a:chExt cx="2125484" cy="4082303"/>
-          </a:xfrm>
-        </p:grpSpPr>
-        <p:pic>
-          <p:nvPicPr>
-            <p:cNvPr id="146" name="Picture 145" descr="Free Icon | Wifi">
-              <a:extLst>
-                <a:ext uri="{FF2B5EF4-FFF2-40B4-BE49-F238E27FC236}">
-                  <a16:creationId xmlns:a16="http://schemas.microsoft.com/office/drawing/2014/main" id="{400471C8-AF8F-4F03-9F7F-E4AF9D009651}"/>
-                </a:ext>
-              </a:extLst>
-            </p:cNvPr>
-            <p:cNvPicPr/>
-            <p:nvPr/>
-          </p:nvPicPr>
-          <p:blipFill>
-            <a:blip r:embed="rId6" cstate="email">
-              <a:extLst>
-                <a:ext uri="{28A0092B-C50C-407E-A947-70E740481C1C}">
-                  <a14:useLocalDpi xmlns:a14="http://schemas.microsoft.com/office/drawing/2010/main" val="0"/>
-                </a:ext>
-              </a:extLst>
-            </a:blip>
-            <a:srcRect/>
-            <a:stretch>
-              <a:fillRect/>
-            </a:stretch>
-          </p:blipFill>
-          <p:spPr bwMode="auto">
-            <a:xfrm>
-              <a:off x="3781892" y="2532942"/>
-              <a:ext cx="380680" cy="412324"/>
-            </a:xfrm>
-            <a:prstGeom prst="rect">
-              <a:avLst/>
-            </a:prstGeom>
-            <a:noFill/>
-            <a:ln>
-              <a:noFill/>
-            </a:ln>
-          </p:spPr>
-        </p:pic>
-        <p:pic>
-          <p:nvPicPr>
-            <p:cNvPr id="147" name="Picture 146">
-              <a:extLst>
-                <a:ext uri="{FF2B5EF4-FFF2-40B4-BE49-F238E27FC236}">
-                  <a16:creationId xmlns:a16="http://schemas.microsoft.com/office/drawing/2014/main" id="{A87A795B-6EF4-4302-BE56-81D3EB784528}"/>
-                </a:ext>
-              </a:extLst>
-            </p:cNvPr>
-            <p:cNvPicPr/>
-            <p:nvPr/>
-          </p:nvPicPr>
-          <p:blipFill>
-            <a:blip r:embed="rId5"/>
-            <a:stretch>
-              <a:fillRect/>
-            </a:stretch>
-          </p:blipFill>
-          <p:spPr>
-            <a:xfrm>
-              <a:off x="3716633" y="2823687"/>
-              <a:ext cx="568745" cy="736781"/>
+              <a:off x="2159253" y="1044386"/>
+              <a:ext cx="402231" cy="463429"/>
             </a:xfrm>
             <a:prstGeom prst="rect">
               <a:avLst/>
@@ -6773,10 +6497,10 @@
         </p:pic>
         <p:pic>
           <p:nvPicPr>
-            <p:cNvPr id="148" name="Picture 147">
+            <p:cNvPr id="143" name="Picture 142">
               <a:extLst>
                 <a:ext uri="{FF2B5EF4-FFF2-40B4-BE49-F238E27FC236}">
-                  <a16:creationId xmlns:a16="http://schemas.microsoft.com/office/drawing/2014/main" id="{B9BA4EBB-7917-478F-9609-5EB5FFA55FC3}"/>
+                  <a16:creationId xmlns:a16="http://schemas.microsoft.com/office/drawing/2014/main" xmlns="" id="{60A87426-69E1-4E00-A79F-BE673237C80D}"/>
                 </a:ext>
               </a:extLst>
             </p:cNvPr>
@@ -6784,730 +6508,27 @@
             <p:nvPr/>
           </p:nvPicPr>
           <p:blipFill>
-            <a:blip r:embed="rId7"/>
+            <a:blip r:embed="rId9"/>
             <a:stretch>
               <a:fillRect/>
             </a:stretch>
           </p:blipFill>
           <p:spPr>
             <a:xfrm>
-              <a:off x="3454628" y="5661248"/>
-              <a:ext cx="497031" cy="499878"/>
+              <a:off x="2161663" y="548680"/>
+              <a:ext cx="402231" cy="463429"/>
             </a:xfrm>
             <a:prstGeom prst="rect">
               <a:avLst/>
             </a:prstGeom>
           </p:spPr>
         </p:pic>
-        <p:sp>
-          <p:nvSpPr>
-            <p:cNvPr id="149" name="TextBox 148">
+        <p:pic>
+          <p:nvPicPr>
+            <p:cNvPr id="144" name="Picture 143">
               <a:extLst>
                 <a:ext uri="{FF2B5EF4-FFF2-40B4-BE49-F238E27FC236}">
-                  <a16:creationId xmlns:a16="http://schemas.microsoft.com/office/drawing/2014/main" id="{F30C4C3C-680C-41D5-9C69-0BE265B22526}"/>
-                </a:ext>
-              </a:extLst>
-            </p:cNvPr>
-            <p:cNvSpPr txBox="1"/>
-            <p:nvPr/>
-          </p:nvSpPr>
-          <p:spPr>
-            <a:xfrm>
-              <a:off x="4184112" y="2948568"/>
-              <a:ext cx="568745" cy="369332"/>
-            </a:xfrm>
-            <a:prstGeom prst="rect">
-              <a:avLst/>
-            </a:prstGeom>
-            <a:noFill/>
-          </p:spPr>
-          <p:txBody>
-            <a:bodyPr wrap="none" rtlCol="0">
-              <a:spAutoFit/>
-            </a:bodyPr>
-            <a:lstStyle/>
-            <a:p>
-              <a:r>
-                <a:rPr lang="en-US" b="1" dirty="0">
-                  <a:solidFill>
-                    <a:srgbClr val="0000FF"/>
-                  </a:solidFill>
-                </a:rPr>
-                <a:t>E</a:t>
-              </a:r>
-              <a:r>
-                <a:rPr lang="en-ID" b="1" dirty="0" err="1">
-                  <a:solidFill>
-                    <a:srgbClr val="0000FF"/>
-                  </a:solidFill>
-                </a:rPr>
-                <a:t>oN</a:t>
-              </a:r>
-              <a:endParaRPr lang="en-US" b="1" dirty="0">
-                <a:solidFill>
-                  <a:srgbClr val="0000FF"/>
-                </a:solidFill>
-              </a:endParaRPr>
-            </a:p>
-          </p:txBody>
-        </p:sp>
-        <p:pic>
-          <p:nvPicPr>
-            <p:cNvPr id="150" name="Picture 149">
-              <a:extLst>
-                <a:ext uri="{FF2B5EF4-FFF2-40B4-BE49-F238E27FC236}">
-                  <a16:creationId xmlns:a16="http://schemas.microsoft.com/office/drawing/2014/main" id="{F2125C1F-11AA-4874-B889-9A279E9B38EB}"/>
-                </a:ext>
-              </a:extLst>
-            </p:cNvPr>
-            <p:cNvPicPr>
-              <a:picLocks noChangeAspect="1"/>
-            </p:cNvPicPr>
-            <p:nvPr/>
-          </p:nvPicPr>
-          <p:blipFill>
-            <a:blip r:embed="rId8"/>
-            <a:stretch>
-              <a:fillRect/>
-            </a:stretch>
-          </p:blipFill>
-          <p:spPr>
-            <a:xfrm>
-              <a:off x="3484310" y="4158785"/>
-              <a:ext cx="1930830" cy="765896"/>
-            </a:xfrm>
-            <a:prstGeom prst="rect">
-              <a:avLst/>
-            </a:prstGeom>
-          </p:spPr>
-        </p:pic>
-        <p:sp>
-          <p:nvSpPr>
-            <p:cNvPr id="151" name="TextBox 150">
-              <a:extLst>
-                <a:ext uri="{FF2B5EF4-FFF2-40B4-BE49-F238E27FC236}">
-                  <a16:creationId xmlns:a16="http://schemas.microsoft.com/office/drawing/2014/main" id="{59608F00-0360-4995-AE2C-04C7DA329F16}"/>
-                </a:ext>
-              </a:extLst>
-            </p:cNvPr>
-            <p:cNvSpPr txBox="1"/>
-            <p:nvPr/>
-          </p:nvSpPr>
-          <p:spPr>
-            <a:xfrm>
-              <a:off x="3573555" y="6245913"/>
-              <a:ext cx="1752339" cy="369332"/>
-            </a:xfrm>
-            <a:prstGeom prst="rect">
-              <a:avLst/>
-            </a:prstGeom>
-            <a:noFill/>
-          </p:spPr>
-          <p:txBody>
-            <a:bodyPr wrap="none" rtlCol="0">
-              <a:spAutoFit/>
-            </a:bodyPr>
-            <a:lstStyle/>
-            <a:p>
-              <a:r>
-                <a:rPr lang="en-US" b="1" dirty="0">
-                  <a:solidFill>
-                    <a:srgbClr val="0000FF"/>
-                  </a:solidFill>
-                </a:rPr>
-                <a:t>Sensor/Actuator</a:t>
-              </a:r>
-            </a:p>
-          </p:txBody>
-        </p:sp>
-        <p:cxnSp>
-          <p:nvCxnSpPr>
-            <p:cNvPr id="152" name="Straight Connector 151">
-              <a:extLst>
-                <a:ext uri="{FF2B5EF4-FFF2-40B4-BE49-F238E27FC236}">
-                  <a16:creationId xmlns:a16="http://schemas.microsoft.com/office/drawing/2014/main" id="{A1D3B135-9E1F-4715-BBDB-B743EB32E933}"/>
-                </a:ext>
-              </a:extLst>
-            </p:cNvPr>
-            <p:cNvCxnSpPr>
-              <a:cxnSpLocks/>
-            </p:cNvCxnSpPr>
-            <p:nvPr/>
-          </p:nvCxnSpPr>
-          <p:spPr>
-            <a:xfrm>
-              <a:off x="3454628" y="5303216"/>
-              <a:ext cx="2078178" cy="0"/>
-            </a:xfrm>
-            <a:prstGeom prst="line">
-              <a:avLst/>
-            </a:prstGeom>
-            <a:ln w="22225">
-              <a:solidFill>
-                <a:srgbClr val="0000FF"/>
-              </a:solidFill>
-            </a:ln>
-          </p:spPr>
-          <p:style>
-            <a:lnRef idx="1">
-              <a:schemeClr val="accent1"/>
-            </a:lnRef>
-            <a:fillRef idx="0">
-              <a:schemeClr val="accent1"/>
-            </a:fillRef>
-            <a:effectRef idx="0">
-              <a:schemeClr val="accent1"/>
-            </a:effectRef>
-            <a:fontRef idx="minor">
-              <a:schemeClr val="tx1"/>
-            </a:fontRef>
-          </p:style>
-        </p:cxnSp>
-        <p:cxnSp>
-          <p:nvCxnSpPr>
-            <p:cNvPr id="153" name="Straight Arrow Connector 152">
-              <a:extLst>
-                <a:ext uri="{FF2B5EF4-FFF2-40B4-BE49-F238E27FC236}">
-                  <a16:creationId xmlns:a16="http://schemas.microsoft.com/office/drawing/2014/main" id="{D1770F5E-EA21-4850-8494-C4C2D80A1B20}"/>
-                </a:ext>
-              </a:extLst>
-            </p:cNvPr>
-            <p:cNvCxnSpPr>
-              <a:cxnSpLocks/>
-            </p:cNvCxnSpPr>
-            <p:nvPr/>
-          </p:nvCxnSpPr>
-          <p:spPr>
-            <a:xfrm flipV="1">
-              <a:off x="5278266" y="5303216"/>
-              <a:ext cx="0" cy="432048"/>
-            </a:xfrm>
-            <a:prstGeom prst="straightConnector1">
-              <a:avLst/>
-            </a:prstGeom>
-            <a:ln w="22225">
-              <a:solidFill>
-                <a:srgbClr val="0000FF"/>
-              </a:solidFill>
-              <a:tailEnd type="triangle"/>
-            </a:ln>
-          </p:spPr>
-          <p:style>
-            <a:lnRef idx="1">
-              <a:schemeClr val="accent1"/>
-            </a:lnRef>
-            <a:fillRef idx="0">
-              <a:schemeClr val="accent1"/>
-            </a:fillRef>
-            <a:effectRef idx="0">
-              <a:schemeClr val="accent1"/>
-            </a:effectRef>
-            <a:fontRef idx="minor">
-              <a:schemeClr val="tx1"/>
-            </a:fontRef>
-          </p:style>
-        </p:cxnSp>
-        <p:cxnSp>
-          <p:nvCxnSpPr>
-            <p:cNvPr id="154" name="Straight Arrow Connector 153">
-              <a:extLst>
-                <a:ext uri="{FF2B5EF4-FFF2-40B4-BE49-F238E27FC236}">
-                  <a16:creationId xmlns:a16="http://schemas.microsoft.com/office/drawing/2014/main" id="{C8E3FE0E-5E92-477B-BACE-E898B0C12B07}"/>
-                </a:ext>
-              </a:extLst>
-            </p:cNvPr>
-            <p:cNvCxnSpPr>
-              <a:cxnSpLocks/>
-            </p:cNvCxnSpPr>
-            <p:nvPr/>
-          </p:nvCxnSpPr>
-          <p:spPr>
-            <a:xfrm flipV="1">
-              <a:off x="5004048" y="5303216"/>
-              <a:ext cx="0" cy="303290"/>
-            </a:xfrm>
-            <a:prstGeom prst="straightConnector1">
-              <a:avLst/>
-            </a:prstGeom>
-            <a:ln w="22225">
-              <a:solidFill>
-                <a:srgbClr val="0000FF"/>
-              </a:solidFill>
-              <a:tailEnd type="triangle"/>
-            </a:ln>
-          </p:spPr>
-          <p:style>
-            <a:lnRef idx="1">
-              <a:schemeClr val="accent1"/>
-            </a:lnRef>
-            <a:fillRef idx="0">
-              <a:schemeClr val="accent1"/>
-            </a:fillRef>
-            <a:effectRef idx="0">
-              <a:schemeClr val="accent1"/>
-            </a:effectRef>
-            <a:fontRef idx="minor">
-              <a:schemeClr val="tx1"/>
-            </a:fontRef>
-          </p:style>
-        </p:cxnSp>
-        <p:cxnSp>
-          <p:nvCxnSpPr>
-            <p:cNvPr id="155" name="Straight Arrow Connector 154">
-              <a:extLst>
-                <a:ext uri="{FF2B5EF4-FFF2-40B4-BE49-F238E27FC236}">
-                  <a16:creationId xmlns:a16="http://schemas.microsoft.com/office/drawing/2014/main" id="{DBF37D8A-2F61-4869-A6C6-524233FA9B12}"/>
-                </a:ext>
-              </a:extLst>
-            </p:cNvPr>
-            <p:cNvCxnSpPr>
-              <a:cxnSpLocks/>
-            </p:cNvCxnSpPr>
-            <p:nvPr/>
-          </p:nvCxnSpPr>
-          <p:spPr>
-            <a:xfrm flipV="1">
-              <a:off x="4355975" y="5303216"/>
-              <a:ext cx="1" cy="303290"/>
-            </a:xfrm>
-            <a:prstGeom prst="straightConnector1">
-              <a:avLst/>
-            </a:prstGeom>
-            <a:ln w="22225">
-              <a:solidFill>
-                <a:srgbClr val="0000FF"/>
-              </a:solidFill>
-              <a:tailEnd type="triangle"/>
-            </a:ln>
-          </p:spPr>
-          <p:style>
-            <a:lnRef idx="1">
-              <a:schemeClr val="accent1"/>
-            </a:lnRef>
-            <a:fillRef idx="0">
-              <a:schemeClr val="accent1"/>
-            </a:fillRef>
-            <a:effectRef idx="0">
-              <a:schemeClr val="accent1"/>
-            </a:effectRef>
-            <a:fontRef idx="minor">
-              <a:schemeClr val="tx1"/>
-            </a:fontRef>
-          </p:style>
-        </p:cxnSp>
-        <p:cxnSp>
-          <p:nvCxnSpPr>
-            <p:cNvPr id="156" name="Straight Arrow Connector 155">
-              <a:extLst>
-                <a:ext uri="{FF2B5EF4-FFF2-40B4-BE49-F238E27FC236}">
-                  <a16:creationId xmlns:a16="http://schemas.microsoft.com/office/drawing/2014/main" id="{A625D55F-5F09-486D-9A2E-2D267A148440}"/>
-                </a:ext>
-              </a:extLst>
-            </p:cNvPr>
-            <p:cNvCxnSpPr>
-              <a:cxnSpLocks/>
-            </p:cNvCxnSpPr>
-            <p:nvPr/>
-          </p:nvCxnSpPr>
-          <p:spPr>
-            <a:xfrm flipV="1">
-              <a:off x="3703144" y="5301208"/>
-              <a:ext cx="0" cy="303290"/>
-            </a:xfrm>
-            <a:prstGeom prst="straightConnector1">
-              <a:avLst/>
-            </a:prstGeom>
-            <a:ln w="22225">
-              <a:solidFill>
-                <a:srgbClr val="0000FF"/>
-              </a:solidFill>
-              <a:tailEnd type="triangle"/>
-            </a:ln>
-          </p:spPr>
-          <p:style>
-            <a:lnRef idx="1">
-              <a:schemeClr val="accent1"/>
-            </a:lnRef>
-            <a:fillRef idx="0">
-              <a:schemeClr val="accent1"/>
-            </a:fillRef>
-            <a:effectRef idx="0">
-              <a:schemeClr val="accent1"/>
-            </a:effectRef>
-            <a:fontRef idx="minor">
-              <a:schemeClr val="tx1"/>
-            </a:fontRef>
-          </p:style>
-        </p:cxnSp>
-        <p:sp>
-          <p:nvSpPr>
-            <p:cNvPr id="157" name="TextBox 156">
-              <a:extLst>
-                <a:ext uri="{FF2B5EF4-FFF2-40B4-BE49-F238E27FC236}">
-                  <a16:creationId xmlns:a16="http://schemas.microsoft.com/office/drawing/2014/main" id="{3B1C1B6A-2C75-43CC-A447-4B561C1C2B06}"/>
-                </a:ext>
-              </a:extLst>
-            </p:cNvPr>
-            <p:cNvSpPr txBox="1"/>
-            <p:nvPr/>
-          </p:nvSpPr>
-          <p:spPr>
-            <a:xfrm>
-              <a:off x="3556318" y="5087192"/>
-              <a:ext cx="820096" cy="276999"/>
-            </a:xfrm>
-            <a:prstGeom prst="rect">
-              <a:avLst/>
-            </a:prstGeom>
-            <a:noFill/>
-          </p:spPr>
-          <p:txBody>
-            <a:bodyPr wrap="none" rtlCol="0">
-              <a:spAutoFit/>
-            </a:bodyPr>
-            <a:lstStyle/>
-            <a:p>
-              <a:r>
-                <a:rPr lang="en-US" sz="1200" dirty="0">
-                  <a:solidFill>
-                    <a:srgbClr val="0000FF"/>
-                  </a:solidFill>
-                </a:rPr>
-                <a:t>Hard Wire</a:t>
-              </a:r>
-            </a:p>
-          </p:txBody>
-        </p:sp>
-        <p:sp>
-          <p:nvSpPr>
-            <p:cNvPr id="158" name="Arrow: Down 157">
-              <a:extLst>
-                <a:ext uri="{FF2B5EF4-FFF2-40B4-BE49-F238E27FC236}">
-                  <a16:creationId xmlns:a16="http://schemas.microsoft.com/office/drawing/2014/main" id="{E3FB393C-BE89-42B7-8E61-C434739C9007}"/>
-                </a:ext>
-              </a:extLst>
-            </p:cNvPr>
-            <p:cNvSpPr/>
-            <p:nvPr/>
-          </p:nvSpPr>
-          <p:spPr>
-            <a:xfrm rot="10800000">
-              <a:off x="4376411" y="4924679"/>
-              <a:ext cx="432391" cy="325021"/>
-            </a:xfrm>
-            <a:prstGeom prst="downArrow">
-              <a:avLst/>
-            </a:prstGeom>
-            <a:noFill/>
-            <a:ln w="19050">
-              <a:solidFill>
-                <a:srgbClr val="0000FF"/>
-              </a:solidFill>
-            </a:ln>
-          </p:spPr>
-          <p:style>
-            <a:lnRef idx="2">
-              <a:schemeClr val="accent1">
-                <a:shade val="50000"/>
-              </a:schemeClr>
-            </a:lnRef>
-            <a:fillRef idx="1">
-              <a:schemeClr val="accent1"/>
-            </a:fillRef>
-            <a:effectRef idx="0">
-              <a:schemeClr val="accent1"/>
-            </a:effectRef>
-            <a:fontRef idx="minor">
-              <a:schemeClr val="lt1"/>
-            </a:fontRef>
-          </p:style>
-          <p:txBody>
-            <a:bodyPr rtlCol="0" anchor="ctr"/>
-            <a:lstStyle/>
-            <a:p>
-              <a:pPr algn="ctr"/>
-              <a:endParaRPr lang="en-ID"/>
-            </a:p>
-          </p:txBody>
-        </p:sp>
-        <p:cxnSp>
-          <p:nvCxnSpPr>
-            <p:cNvPr id="159" name="Straight Arrow Connector 158">
-              <a:extLst>
-                <a:ext uri="{FF2B5EF4-FFF2-40B4-BE49-F238E27FC236}">
-                  <a16:creationId xmlns:a16="http://schemas.microsoft.com/office/drawing/2014/main" id="{4736D311-FC35-4A01-A271-0230817C9E28}"/>
-                </a:ext>
-              </a:extLst>
-            </p:cNvPr>
-            <p:cNvCxnSpPr>
-              <a:cxnSpLocks/>
-              <a:stCxn id="150" idx="0"/>
-              <a:endCxn id="147" idx="2"/>
-            </p:cNvCxnSpPr>
-            <p:nvPr/>
-          </p:nvCxnSpPr>
-          <p:spPr>
-            <a:xfrm flipH="1" flipV="1">
-              <a:off x="4001006" y="3560468"/>
-              <a:ext cx="448719" cy="598317"/>
-            </a:xfrm>
-            <a:prstGeom prst="straightConnector1">
-              <a:avLst/>
-            </a:prstGeom>
-            <a:ln w="22225">
-              <a:solidFill>
-                <a:srgbClr val="008000"/>
-              </a:solidFill>
-              <a:headEnd type="stealth"/>
-              <a:tailEnd type="stealth"/>
-            </a:ln>
-          </p:spPr>
-          <p:style>
-            <a:lnRef idx="1">
-              <a:schemeClr val="accent1"/>
-            </a:lnRef>
-            <a:fillRef idx="0">
-              <a:schemeClr val="accent1"/>
-            </a:fillRef>
-            <a:effectRef idx="0">
-              <a:schemeClr val="accent1"/>
-            </a:effectRef>
-            <a:fontRef idx="minor">
-              <a:schemeClr val="tx1"/>
-            </a:fontRef>
-          </p:style>
-        </p:cxnSp>
-        <p:sp>
-          <p:nvSpPr>
-            <p:cNvPr id="160" name="TextBox 159">
-              <a:extLst>
-                <a:ext uri="{FF2B5EF4-FFF2-40B4-BE49-F238E27FC236}">
-                  <a16:creationId xmlns:a16="http://schemas.microsoft.com/office/drawing/2014/main" id="{E9234FC1-B780-485A-BC1D-27D488028FF2}"/>
-                </a:ext>
-              </a:extLst>
-            </p:cNvPr>
-            <p:cNvSpPr txBox="1"/>
-            <p:nvPr/>
-          </p:nvSpPr>
-          <p:spPr>
-            <a:xfrm>
-              <a:off x="4132382" y="3596451"/>
-              <a:ext cx="820096" cy="461665"/>
-            </a:xfrm>
-            <a:prstGeom prst="rect">
-              <a:avLst/>
-            </a:prstGeom>
-            <a:noFill/>
-          </p:spPr>
-          <p:txBody>
-            <a:bodyPr wrap="none" rtlCol="0">
-              <a:spAutoFit/>
-            </a:bodyPr>
-            <a:lstStyle/>
-            <a:p>
-              <a:r>
-                <a:rPr lang="en-US" sz="1200" dirty="0">
-                  <a:solidFill>
-                    <a:srgbClr val="008000"/>
-                  </a:solidFill>
-                </a:rPr>
-                <a:t>Hard Wire</a:t>
-              </a:r>
-            </a:p>
-            <a:p>
-              <a:pPr algn="ctr"/>
-              <a:r>
-                <a:rPr lang="en-US" sz="1200" dirty="0">
-                  <a:solidFill>
-                    <a:srgbClr val="008000"/>
-                  </a:solidFill>
-                </a:rPr>
-                <a:t>Serial</a:t>
-              </a:r>
-            </a:p>
-          </p:txBody>
-        </p:sp>
-        <p:pic>
-          <p:nvPicPr>
-            <p:cNvPr id="161" name="Picture 2">
-              <a:extLst>
-                <a:ext uri="{FF2B5EF4-FFF2-40B4-BE49-F238E27FC236}">
-                  <a16:creationId xmlns:a16="http://schemas.microsoft.com/office/drawing/2014/main" id="{6FA8644C-4157-4C29-A9AB-7895426E89EE}"/>
-                </a:ext>
-              </a:extLst>
-            </p:cNvPr>
-            <p:cNvPicPr>
-              <a:picLocks noChangeAspect="1" noChangeArrowheads="1"/>
-            </p:cNvPicPr>
-            <p:nvPr/>
-          </p:nvPicPr>
-          <p:blipFill>
-            <a:blip r:embed="rId9" cstate="email">
-              <a:extLst>
-                <a:ext uri="{28A0092B-C50C-407E-A947-70E740481C1C}">
-                  <a14:useLocalDpi xmlns:a14="http://schemas.microsoft.com/office/drawing/2010/main" val="0"/>
-                </a:ext>
-              </a:extLst>
-            </a:blip>
-            <a:srcRect/>
-            <a:stretch>
-              <a:fillRect/>
-            </a:stretch>
-          </p:blipFill>
-          <p:spPr bwMode="auto">
-            <a:xfrm rot="5400000">
-              <a:off x="4712981" y="5821246"/>
-              <a:ext cx="620765" cy="182647"/>
-            </a:xfrm>
-            <a:prstGeom prst="rect">
-              <a:avLst/>
-            </a:prstGeom>
-            <a:noFill/>
-            <a:ln>
-              <a:noFill/>
-            </a:ln>
-            <a:effectLst/>
-            <a:extLst>
-              <a:ext uri="{909E8E84-426E-40DD-AFC4-6F175D3DCCD1}">
-                <a14:hiddenFill xmlns:a14="http://schemas.microsoft.com/office/drawing/2010/main">
-                  <a:solidFill>
-                    <a:schemeClr val="accent1"/>
-                  </a:solidFill>
-                </a14:hiddenFill>
-              </a:ext>
-              <a:ext uri="{91240B29-F687-4F45-9708-019B960494DF}">
-                <a14:hiddenLine xmlns:a14="http://schemas.microsoft.com/office/drawing/2010/main" w="9525">
-                  <a:solidFill>
-                    <a:schemeClr val="tx1"/>
-                  </a:solidFill>
-                  <a:miter lim="800000"/>
-                  <a:headEnd/>
-                  <a:tailEnd/>
-                </a14:hiddenLine>
-              </a:ext>
-              <a:ext uri="{AF507438-7753-43E0-B8FC-AC1667EBCBE1}">
-                <a14:hiddenEffects xmlns:a14="http://schemas.microsoft.com/office/drawing/2010/main">
-                  <a:effectLst>
-                    <a:outerShdw dist="35921" dir="2700000" algn="ctr" rotWithShape="0">
-                      <a:schemeClr val="bg2"/>
-                    </a:outerShdw>
-                  </a:effectLst>
-                </a14:hiddenEffects>
-              </a:ext>
-            </a:extLst>
-          </p:spPr>
-        </p:pic>
-        <p:grpSp>
-          <p:nvGrpSpPr>
-            <p:cNvPr id="162" name="Group 161">
-              <a:extLst>
-                <a:ext uri="{FF2B5EF4-FFF2-40B4-BE49-F238E27FC236}">
-                  <a16:creationId xmlns:a16="http://schemas.microsoft.com/office/drawing/2014/main" id="{8AA417C8-2A5F-4DB9-A327-478DEFA0F1FE}"/>
-                </a:ext>
-              </a:extLst>
-            </p:cNvPr>
-            <p:cNvGrpSpPr/>
-            <p:nvPr/>
-          </p:nvGrpSpPr>
-          <p:grpSpPr>
-            <a:xfrm>
-              <a:off x="5145033" y="5544651"/>
-              <a:ext cx="435079" cy="735835"/>
-              <a:chOff x="2159253" y="548680"/>
-              <a:chExt cx="408864" cy="1462350"/>
-            </a:xfrm>
-          </p:grpSpPr>
-          <p:pic>
-            <p:nvPicPr>
-              <p:cNvPr id="164" name="Picture 163">
-                <a:extLst>
-                  <a:ext uri="{FF2B5EF4-FFF2-40B4-BE49-F238E27FC236}">
-                    <a16:creationId xmlns:a16="http://schemas.microsoft.com/office/drawing/2014/main" id="{7AB6C7DC-8C4D-480E-8465-19855F19BB49}"/>
-                  </a:ext>
-                </a:extLst>
-              </p:cNvPr>
-              <p:cNvPicPr/>
-              <p:nvPr/>
-            </p:nvPicPr>
-            <p:blipFill>
-              <a:blip r:embed="rId10"/>
-              <a:stretch>
-                <a:fillRect/>
-              </a:stretch>
-            </p:blipFill>
-            <p:spPr>
-              <a:xfrm>
-                <a:off x="2159253" y="1044386"/>
-                <a:ext cx="402231" cy="463429"/>
-              </a:xfrm>
-              <a:prstGeom prst="rect">
-                <a:avLst/>
-              </a:prstGeom>
-            </p:spPr>
-          </p:pic>
-          <p:pic>
-            <p:nvPicPr>
-              <p:cNvPr id="165" name="Picture 164">
-                <a:extLst>
-                  <a:ext uri="{FF2B5EF4-FFF2-40B4-BE49-F238E27FC236}">
-                    <a16:creationId xmlns:a16="http://schemas.microsoft.com/office/drawing/2014/main" id="{8D424CF8-98CA-4442-9CBB-1C6B6677CA03}"/>
-                  </a:ext>
-                </a:extLst>
-              </p:cNvPr>
-              <p:cNvPicPr/>
-              <p:nvPr/>
-            </p:nvPicPr>
-            <p:blipFill>
-              <a:blip r:embed="rId10"/>
-              <a:stretch>
-                <a:fillRect/>
-              </a:stretch>
-            </p:blipFill>
-            <p:spPr>
-              <a:xfrm>
-                <a:off x="2161663" y="548680"/>
-                <a:ext cx="402231" cy="463429"/>
-              </a:xfrm>
-              <a:prstGeom prst="rect">
-                <a:avLst/>
-              </a:prstGeom>
-            </p:spPr>
-          </p:pic>
-          <p:pic>
-            <p:nvPicPr>
-              <p:cNvPr id="166" name="Picture 165">
-                <a:extLst>
-                  <a:ext uri="{FF2B5EF4-FFF2-40B4-BE49-F238E27FC236}">
-                    <a16:creationId xmlns:a16="http://schemas.microsoft.com/office/drawing/2014/main" id="{A0F38DD2-225D-4228-9076-B8596901A09B}"/>
-                  </a:ext>
-                </a:extLst>
-              </p:cNvPr>
-              <p:cNvPicPr/>
-              <p:nvPr/>
-            </p:nvPicPr>
-            <p:blipFill>
-              <a:blip r:embed="rId10"/>
-              <a:stretch>
-                <a:fillRect/>
-              </a:stretch>
-            </p:blipFill>
-            <p:spPr>
-              <a:xfrm>
-                <a:off x="2165886" y="1547601"/>
-                <a:ext cx="402231" cy="463429"/>
-              </a:xfrm>
-              <a:prstGeom prst="rect">
-                <a:avLst/>
-              </a:prstGeom>
-            </p:spPr>
-          </p:pic>
-        </p:grpSp>
-        <p:pic>
-          <p:nvPicPr>
-            <p:cNvPr id="163" name="Picture 162">
-              <a:extLst>
-                <a:ext uri="{FF2B5EF4-FFF2-40B4-BE49-F238E27FC236}">
-                  <a16:creationId xmlns:a16="http://schemas.microsoft.com/office/drawing/2014/main" id="{548E5F0E-DC66-41FE-810E-8A55BE941A57}"/>
+                  <a16:creationId xmlns:a16="http://schemas.microsoft.com/office/drawing/2014/main" xmlns="" id="{BA800670-4E89-4822-9FE3-B81C5A84579E}"/>
                 </a:ext>
               </a:extLst>
             </p:cNvPr>
@@ -7515,15 +6536,15 @@
             <p:nvPr/>
           </p:nvPicPr>
           <p:blipFill>
-            <a:blip r:embed="rId11"/>
+            <a:blip r:embed="rId9"/>
             <a:stretch>
               <a:fillRect/>
             </a:stretch>
           </p:blipFill>
           <p:spPr>
             <a:xfrm>
-              <a:off x="4011075" y="5634369"/>
-              <a:ext cx="737513" cy="573934"/>
+              <a:off x="2165886" y="1547601"/>
+              <a:ext cx="402231" cy="463429"/>
             </a:xfrm>
             <a:prstGeom prst="rect">
               <a:avLst/>
@@ -7531,12 +6552,835 @@
           </p:spPr>
         </p:pic>
       </p:grpSp>
+      <p:pic>
+        <p:nvPicPr>
+          <p:cNvPr id="141" name="Picture 140">
+            <a:extLst>
+              <a:ext uri="{FF2B5EF4-FFF2-40B4-BE49-F238E27FC236}">
+                <a16:creationId xmlns:a16="http://schemas.microsoft.com/office/drawing/2014/main" xmlns="" id="{E8497B39-C585-4FA1-A77E-6295925A3A10}"/>
+              </a:ext>
+            </a:extLst>
+          </p:cNvPr>
+          <p:cNvPicPr/>
+          <p:nvPr/>
+        </p:nvPicPr>
+        <p:blipFill>
+          <a:blip r:embed="rId10"/>
+          <a:stretch>
+            <a:fillRect/>
+          </a:stretch>
+        </p:blipFill>
+        <p:spPr>
+          <a:xfrm>
+            <a:off x="1201632" y="5597400"/>
+            <a:ext cx="737513" cy="573934"/>
+          </a:xfrm>
+          <a:prstGeom prst="rect">
+            <a:avLst/>
+          </a:prstGeom>
+        </p:spPr>
+      </p:pic>
+      <p:pic>
+        <p:nvPicPr>
+          <p:cNvPr id="146" name="Picture 145" descr="Free Icon | Wifi">
+            <a:extLst>
+              <a:ext uri="{FF2B5EF4-FFF2-40B4-BE49-F238E27FC236}">
+                <a16:creationId xmlns:a16="http://schemas.microsoft.com/office/drawing/2014/main" xmlns="" id="{400471C8-AF8F-4F03-9F7F-E4AF9D009651}"/>
+              </a:ext>
+            </a:extLst>
+          </p:cNvPr>
+          <p:cNvPicPr/>
+          <p:nvPr/>
+        </p:nvPicPr>
+        <p:blipFill>
+          <a:blip r:embed="rId6" cstate="email">
+            <a:extLst>
+              <a:ext uri="{28A0092B-C50C-407E-A947-70E740481C1C}">
+                <a14:useLocalDpi xmlns:a14="http://schemas.microsoft.com/office/drawing/2010/main" val="0"/>
+              </a:ext>
+            </a:extLst>
+          </a:blip>
+          <a:srcRect/>
+          <a:stretch>
+            <a:fillRect/>
+          </a:stretch>
+        </p:blipFill>
+        <p:spPr bwMode="auto">
+          <a:xfrm>
+            <a:off x="6627456" y="2515049"/>
+            <a:ext cx="380680" cy="412324"/>
+          </a:xfrm>
+          <a:prstGeom prst="rect">
+            <a:avLst/>
+          </a:prstGeom>
+          <a:noFill/>
+          <a:ln>
+            <a:noFill/>
+          </a:ln>
+        </p:spPr>
+      </p:pic>
+      <p:pic>
+        <p:nvPicPr>
+          <p:cNvPr id="147" name="Picture 146">
+            <a:extLst>
+              <a:ext uri="{FF2B5EF4-FFF2-40B4-BE49-F238E27FC236}">
+                <a16:creationId xmlns:a16="http://schemas.microsoft.com/office/drawing/2014/main" xmlns="" id="{A87A795B-6EF4-4302-BE56-81D3EB784528}"/>
+              </a:ext>
+            </a:extLst>
+          </p:cNvPr>
+          <p:cNvPicPr/>
+          <p:nvPr/>
+        </p:nvPicPr>
+        <p:blipFill>
+          <a:blip r:embed="rId5"/>
+          <a:stretch>
+            <a:fillRect/>
+          </a:stretch>
+        </p:blipFill>
+        <p:spPr>
+          <a:xfrm>
+            <a:off x="6562197" y="2805794"/>
+            <a:ext cx="568745" cy="736781"/>
+          </a:xfrm>
+          <a:prstGeom prst="rect">
+            <a:avLst/>
+          </a:prstGeom>
+        </p:spPr>
+      </p:pic>
+      <p:pic>
+        <p:nvPicPr>
+          <p:cNvPr id="148" name="Picture 147">
+            <a:extLst>
+              <a:ext uri="{FF2B5EF4-FFF2-40B4-BE49-F238E27FC236}">
+                <a16:creationId xmlns:a16="http://schemas.microsoft.com/office/drawing/2014/main" xmlns="" id="{B9BA4EBB-7917-478F-9609-5EB5FFA55FC3}"/>
+              </a:ext>
+            </a:extLst>
+          </p:cNvPr>
+          <p:cNvPicPr/>
+          <p:nvPr/>
+        </p:nvPicPr>
+        <p:blipFill>
+          <a:blip r:embed="rId7"/>
+          <a:stretch>
+            <a:fillRect/>
+          </a:stretch>
+        </p:blipFill>
+        <p:spPr>
+          <a:xfrm>
+            <a:off x="6300192" y="5643355"/>
+            <a:ext cx="497031" cy="499878"/>
+          </a:xfrm>
+          <a:prstGeom prst="rect">
+            <a:avLst/>
+          </a:prstGeom>
+        </p:spPr>
+      </p:pic>
+      <p:sp>
+        <p:nvSpPr>
+          <p:cNvPr id="149" name="TextBox 148">
+            <a:extLst>
+              <a:ext uri="{FF2B5EF4-FFF2-40B4-BE49-F238E27FC236}">
+                <a16:creationId xmlns:a16="http://schemas.microsoft.com/office/drawing/2014/main" xmlns="" id="{F30C4C3C-680C-41D5-9C69-0BE265B22526}"/>
+              </a:ext>
+            </a:extLst>
+          </p:cNvPr>
+          <p:cNvSpPr txBox="1"/>
+          <p:nvPr/>
+        </p:nvSpPr>
+        <p:spPr>
+          <a:xfrm>
+            <a:off x="7029676" y="2930675"/>
+            <a:ext cx="568745" cy="369332"/>
+          </a:xfrm>
+          <a:prstGeom prst="rect">
+            <a:avLst/>
+          </a:prstGeom>
+          <a:noFill/>
+        </p:spPr>
+        <p:txBody>
+          <a:bodyPr wrap="none" rtlCol="0">
+            <a:spAutoFit/>
+          </a:bodyPr>
+          <a:lstStyle/>
+          <a:p>
+            <a:r>
+              <a:rPr lang="en-US" b="1" dirty="0">
+                <a:solidFill>
+                  <a:srgbClr val="0000FF"/>
+                </a:solidFill>
+              </a:rPr>
+              <a:t>E</a:t>
+            </a:r>
+            <a:r>
+              <a:rPr lang="en-ID" b="1" dirty="0" err="1">
+                <a:solidFill>
+                  <a:srgbClr val="0000FF"/>
+                </a:solidFill>
+              </a:rPr>
+              <a:t>oN</a:t>
+            </a:r>
+            <a:endParaRPr lang="en-US" b="1" dirty="0">
+              <a:solidFill>
+                <a:srgbClr val="0000FF"/>
+              </a:solidFill>
+            </a:endParaRPr>
+          </a:p>
+        </p:txBody>
+      </p:sp>
+      <p:sp>
+        <p:nvSpPr>
+          <p:cNvPr id="151" name="TextBox 150">
+            <a:extLst>
+              <a:ext uri="{FF2B5EF4-FFF2-40B4-BE49-F238E27FC236}">
+                <a16:creationId xmlns:a16="http://schemas.microsoft.com/office/drawing/2014/main" xmlns="" id="{59608F00-0360-4995-AE2C-04C7DA329F16}"/>
+              </a:ext>
+            </a:extLst>
+          </p:cNvPr>
+          <p:cNvSpPr txBox="1"/>
+          <p:nvPr/>
+        </p:nvSpPr>
+        <p:spPr>
+          <a:xfrm>
+            <a:off x="6419119" y="6228020"/>
+            <a:ext cx="1752339" cy="369332"/>
+          </a:xfrm>
+          <a:prstGeom prst="rect">
+            <a:avLst/>
+          </a:prstGeom>
+          <a:noFill/>
+        </p:spPr>
+        <p:txBody>
+          <a:bodyPr wrap="none" rtlCol="0">
+            <a:spAutoFit/>
+          </a:bodyPr>
+          <a:lstStyle/>
+          <a:p>
+            <a:r>
+              <a:rPr lang="en-US" b="1" dirty="0">
+                <a:solidFill>
+                  <a:srgbClr val="0000FF"/>
+                </a:solidFill>
+              </a:rPr>
+              <a:t>Sensor/Actuator</a:t>
+            </a:r>
+          </a:p>
+        </p:txBody>
+      </p:sp>
+      <p:cxnSp>
+        <p:nvCxnSpPr>
+          <p:cNvPr id="152" name="Straight Connector 151">
+            <a:extLst>
+              <a:ext uri="{FF2B5EF4-FFF2-40B4-BE49-F238E27FC236}">
+                <a16:creationId xmlns:a16="http://schemas.microsoft.com/office/drawing/2014/main" xmlns="" id="{A1D3B135-9E1F-4715-BBDB-B743EB32E933}"/>
+              </a:ext>
+            </a:extLst>
+          </p:cNvPr>
+          <p:cNvCxnSpPr>
+            <a:cxnSpLocks/>
+          </p:cNvCxnSpPr>
+          <p:nvPr/>
+        </p:nvCxnSpPr>
+        <p:spPr>
+          <a:xfrm>
+            <a:off x="6300192" y="5285323"/>
+            <a:ext cx="2078178" cy="0"/>
+          </a:xfrm>
+          <a:prstGeom prst="line">
+            <a:avLst/>
+          </a:prstGeom>
+          <a:ln w="22225">
+            <a:solidFill>
+              <a:srgbClr val="0000FF"/>
+            </a:solidFill>
+          </a:ln>
+        </p:spPr>
+        <p:style>
+          <a:lnRef idx="1">
+            <a:schemeClr val="accent1"/>
+          </a:lnRef>
+          <a:fillRef idx="0">
+            <a:schemeClr val="accent1"/>
+          </a:fillRef>
+          <a:effectRef idx="0">
+            <a:schemeClr val="accent1"/>
+          </a:effectRef>
+          <a:fontRef idx="minor">
+            <a:schemeClr val="tx1"/>
+          </a:fontRef>
+        </p:style>
+      </p:cxnSp>
+      <p:cxnSp>
+        <p:nvCxnSpPr>
+          <p:cNvPr id="153" name="Straight Arrow Connector 152">
+            <a:extLst>
+              <a:ext uri="{FF2B5EF4-FFF2-40B4-BE49-F238E27FC236}">
+                <a16:creationId xmlns:a16="http://schemas.microsoft.com/office/drawing/2014/main" xmlns="" id="{D1770F5E-EA21-4850-8494-C4C2D80A1B20}"/>
+              </a:ext>
+            </a:extLst>
+          </p:cNvPr>
+          <p:cNvCxnSpPr>
+            <a:cxnSpLocks/>
+          </p:cNvCxnSpPr>
+          <p:nvPr/>
+        </p:nvCxnSpPr>
+        <p:spPr>
+          <a:xfrm flipV="1">
+            <a:off x="8123830" y="5285323"/>
+            <a:ext cx="0" cy="432048"/>
+          </a:xfrm>
+          <a:prstGeom prst="straightConnector1">
+            <a:avLst/>
+          </a:prstGeom>
+          <a:ln w="22225">
+            <a:solidFill>
+              <a:srgbClr val="0000FF"/>
+            </a:solidFill>
+            <a:tailEnd type="triangle"/>
+          </a:ln>
+        </p:spPr>
+        <p:style>
+          <a:lnRef idx="1">
+            <a:schemeClr val="accent1"/>
+          </a:lnRef>
+          <a:fillRef idx="0">
+            <a:schemeClr val="accent1"/>
+          </a:fillRef>
+          <a:effectRef idx="0">
+            <a:schemeClr val="accent1"/>
+          </a:effectRef>
+          <a:fontRef idx="minor">
+            <a:schemeClr val="tx1"/>
+          </a:fontRef>
+        </p:style>
+      </p:cxnSp>
+      <p:cxnSp>
+        <p:nvCxnSpPr>
+          <p:cNvPr id="154" name="Straight Arrow Connector 153">
+            <a:extLst>
+              <a:ext uri="{FF2B5EF4-FFF2-40B4-BE49-F238E27FC236}">
+                <a16:creationId xmlns:a16="http://schemas.microsoft.com/office/drawing/2014/main" xmlns="" id="{C8E3FE0E-5E92-477B-BACE-E898B0C12B07}"/>
+              </a:ext>
+            </a:extLst>
+          </p:cNvPr>
+          <p:cNvCxnSpPr>
+            <a:cxnSpLocks/>
+          </p:cNvCxnSpPr>
+          <p:nvPr/>
+        </p:nvCxnSpPr>
+        <p:spPr>
+          <a:xfrm flipV="1">
+            <a:off x="7849612" y="5285323"/>
+            <a:ext cx="0" cy="303290"/>
+          </a:xfrm>
+          <a:prstGeom prst="straightConnector1">
+            <a:avLst/>
+          </a:prstGeom>
+          <a:ln w="22225">
+            <a:solidFill>
+              <a:srgbClr val="0000FF"/>
+            </a:solidFill>
+            <a:tailEnd type="triangle"/>
+          </a:ln>
+        </p:spPr>
+        <p:style>
+          <a:lnRef idx="1">
+            <a:schemeClr val="accent1"/>
+          </a:lnRef>
+          <a:fillRef idx="0">
+            <a:schemeClr val="accent1"/>
+          </a:fillRef>
+          <a:effectRef idx="0">
+            <a:schemeClr val="accent1"/>
+          </a:effectRef>
+          <a:fontRef idx="minor">
+            <a:schemeClr val="tx1"/>
+          </a:fontRef>
+        </p:style>
+      </p:cxnSp>
+      <p:cxnSp>
+        <p:nvCxnSpPr>
+          <p:cNvPr id="155" name="Straight Arrow Connector 154">
+            <a:extLst>
+              <a:ext uri="{FF2B5EF4-FFF2-40B4-BE49-F238E27FC236}">
+                <a16:creationId xmlns:a16="http://schemas.microsoft.com/office/drawing/2014/main" xmlns="" id="{DBF37D8A-2F61-4869-A6C6-524233FA9B12}"/>
+              </a:ext>
+            </a:extLst>
+          </p:cNvPr>
+          <p:cNvCxnSpPr>
+            <a:cxnSpLocks/>
+          </p:cNvCxnSpPr>
+          <p:nvPr/>
+        </p:nvCxnSpPr>
+        <p:spPr>
+          <a:xfrm flipV="1">
+            <a:off x="7201539" y="5285323"/>
+            <a:ext cx="1" cy="303290"/>
+          </a:xfrm>
+          <a:prstGeom prst="straightConnector1">
+            <a:avLst/>
+          </a:prstGeom>
+          <a:ln w="22225">
+            <a:solidFill>
+              <a:srgbClr val="0000FF"/>
+            </a:solidFill>
+            <a:tailEnd type="triangle"/>
+          </a:ln>
+        </p:spPr>
+        <p:style>
+          <a:lnRef idx="1">
+            <a:schemeClr val="accent1"/>
+          </a:lnRef>
+          <a:fillRef idx="0">
+            <a:schemeClr val="accent1"/>
+          </a:fillRef>
+          <a:effectRef idx="0">
+            <a:schemeClr val="accent1"/>
+          </a:effectRef>
+          <a:fontRef idx="minor">
+            <a:schemeClr val="tx1"/>
+          </a:fontRef>
+        </p:style>
+      </p:cxnSp>
+      <p:cxnSp>
+        <p:nvCxnSpPr>
+          <p:cNvPr id="156" name="Straight Arrow Connector 155">
+            <a:extLst>
+              <a:ext uri="{FF2B5EF4-FFF2-40B4-BE49-F238E27FC236}">
+                <a16:creationId xmlns:a16="http://schemas.microsoft.com/office/drawing/2014/main" xmlns="" id="{A625D55F-5F09-486D-9A2E-2D267A148440}"/>
+              </a:ext>
+            </a:extLst>
+          </p:cNvPr>
+          <p:cNvCxnSpPr>
+            <a:cxnSpLocks/>
+          </p:cNvCxnSpPr>
+          <p:nvPr/>
+        </p:nvCxnSpPr>
+        <p:spPr>
+          <a:xfrm flipV="1">
+            <a:off x="6548708" y="5283315"/>
+            <a:ext cx="0" cy="303290"/>
+          </a:xfrm>
+          <a:prstGeom prst="straightConnector1">
+            <a:avLst/>
+          </a:prstGeom>
+          <a:ln w="22225">
+            <a:solidFill>
+              <a:srgbClr val="0000FF"/>
+            </a:solidFill>
+            <a:tailEnd type="triangle"/>
+          </a:ln>
+        </p:spPr>
+        <p:style>
+          <a:lnRef idx="1">
+            <a:schemeClr val="accent1"/>
+          </a:lnRef>
+          <a:fillRef idx="0">
+            <a:schemeClr val="accent1"/>
+          </a:fillRef>
+          <a:effectRef idx="0">
+            <a:schemeClr val="accent1"/>
+          </a:effectRef>
+          <a:fontRef idx="minor">
+            <a:schemeClr val="tx1"/>
+          </a:fontRef>
+        </p:style>
+      </p:cxnSp>
+      <p:sp>
+        <p:nvSpPr>
+          <p:cNvPr id="157" name="TextBox 156">
+            <a:extLst>
+              <a:ext uri="{FF2B5EF4-FFF2-40B4-BE49-F238E27FC236}">
+                <a16:creationId xmlns:a16="http://schemas.microsoft.com/office/drawing/2014/main" xmlns="" id="{3B1C1B6A-2C75-43CC-A447-4B561C1C2B06}"/>
+              </a:ext>
+            </a:extLst>
+          </p:cNvPr>
+          <p:cNvSpPr txBox="1"/>
+          <p:nvPr/>
+        </p:nvSpPr>
+        <p:spPr>
+          <a:xfrm>
+            <a:off x="6401882" y="5069299"/>
+            <a:ext cx="820096" cy="276999"/>
+          </a:xfrm>
+          <a:prstGeom prst="rect">
+            <a:avLst/>
+          </a:prstGeom>
+          <a:noFill/>
+        </p:spPr>
+        <p:txBody>
+          <a:bodyPr wrap="none" rtlCol="0">
+            <a:spAutoFit/>
+          </a:bodyPr>
+          <a:lstStyle/>
+          <a:p>
+            <a:r>
+              <a:rPr lang="en-US" sz="1200" dirty="0">
+                <a:solidFill>
+                  <a:srgbClr val="0000FF"/>
+                </a:solidFill>
+              </a:rPr>
+              <a:t>Hard Wire</a:t>
+            </a:r>
+          </a:p>
+        </p:txBody>
+      </p:sp>
+      <p:sp>
+        <p:nvSpPr>
+          <p:cNvPr id="158" name="Arrow: Down 157">
+            <a:extLst>
+              <a:ext uri="{FF2B5EF4-FFF2-40B4-BE49-F238E27FC236}">
+                <a16:creationId xmlns:a16="http://schemas.microsoft.com/office/drawing/2014/main" xmlns="" id="{E3FB393C-BE89-42B7-8E61-C434739C9007}"/>
+              </a:ext>
+            </a:extLst>
+          </p:cNvPr>
+          <p:cNvSpPr/>
+          <p:nvPr/>
+        </p:nvSpPr>
+        <p:spPr>
+          <a:xfrm rot="10800000">
+            <a:off x="7221975" y="4906786"/>
+            <a:ext cx="432391" cy="325021"/>
+          </a:xfrm>
+          <a:prstGeom prst="downArrow">
+            <a:avLst/>
+          </a:prstGeom>
+          <a:noFill/>
+          <a:ln w="19050">
+            <a:solidFill>
+              <a:srgbClr val="0000FF"/>
+            </a:solidFill>
+          </a:ln>
+        </p:spPr>
+        <p:style>
+          <a:lnRef idx="2">
+            <a:schemeClr val="accent1">
+              <a:shade val="50000"/>
+            </a:schemeClr>
+          </a:lnRef>
+          <a:fillRef idx="1">
+            <a:schemeClr val="accent1"/>
+          </a:fillRef>
+          <a:effectRef idx="0">
+            <a:schemeClr val="accent1"/>
+          </a:effectRef>
+          <a:fontRef idx="minor">
+            <a:schemeClr val="lt1"/>
+          </a:fontRef>
+        </p:style>
+        <p:txBody>
+          <a:bodyPr rtlCol="0" anchor="ctr"/>
+          <a:lstStyle/>
+          <a:p>
+            <a:pPr algn="ctr"/>
+            <a:endParaRPr lang="en-ID"/>
+          </a:p>
+        </p:txBody>
+      </p:sp>
+      <p:cxnSp>
+        <p:nvCxnSpPr>
+          <p:cNvPr id="159" name="Straight Arrow Connector 158">
+            <a:extLst>
+              <a:ext uri="{FF2B5EF4-FFF2-40B4-BE49-F238E27FC236}">
+                <a16:creationId xmlns:a16="http://schemas.microsoft.com/office/drawing/2014/main" xmlns="" id="{4736D311-FC35-4A01-A271-0230817C9E28}"/>
+              </a:ext>
+            </a:extLst>
+          </p:cNvPr>
+          <p:cNvCxnSpPr>
+            <a:cxnSpLocks/>
+            <a:endCxn id="147" idx="2"/>
+          </p:cNvCxnSpPr>
+          <p:nvPr/>
+        </p:nvCxnSpPr>
+        <p:spPr>
+          <a:xfrm flipH="1" flipV="1">
+            <a:off x="6846570" y="3542575"/>
+            <a:ext cx="448719" cy="598317"/>
+          </a:xfrm>
+          <a:prstGeom prst="straightConnector1">
+            <a:avLst/>
+          </a:prstGeom>
+          <a:ln w="22225">
+            <a:solidFill>
+              <a:srgbClr val="008000"/>
+            </a:solidFill>
+            <a:headEnd type="stealth"/>
+            <a:tailEnd type="stealth"/>
+          </a:ln>
+        </p:spPr>
+        <p:style>
+          <a:lnRef idx="1">
+            <a:schemeClr val="accent1"/>
+          </a:lnRef>
+          <a:fillRef idx="0">
+            <a:schemeClr val="accent1"/>
+          </a:fillRef>
+          <a:effectRef idx="0">
+            <a:schemeClr val="accent1"/>
+          </a:effectRef>
+          <a:fontRef idx="minor">
+            <a:schemeClr val="tx1"/>
+          </a:fontRef>
+        </p:style>
+      </p:cxnSp>
+      <p:sp>
+        <p:nvSpPr>
+          <p:cNvPr id="160" name="TextBox 159">
+            <a:extLst>
+              <a:ext uri="{FF2B5EF4-FFF2-40B4-BE49-F238E27FC236}">
+                <a16:creationId xmlns:a16="http://schemas.microsoft.com/office/drawing/2014/main" xmlns="" id="{E9234FC1-B780-485A-BC1D-27D488028FF2}"/>
+              </a:ext>
+            </a:extLst>
+          </p:cNvPr>
+          <p:cNvSpPr txBox="1"/>
+          <p:nvPr/>
+        </p:nvSpPr>
+        <p:spPr>
+          <a:xfrm>
+            <a:off x="6977946" y="3578558"/>
+            <a:ext cx="820096" cy="461665"/>
+          </a:xfrm>
+          <a:prstGeom prst="rect">
+            <a:avLst/>
+          </a:prstGeom>
+          <a:noFill/>
+        </p:spPr>
+        <p:txBody>
+          <a:bodyPr wrap="none" rtlCol="0">
+            <a:spAutoFit/>
+          </a:bodyPr>
+          <a:lstStyle/>
+          <a:p>
+            <a:r>
+              <a:rPr lang="en-US" sz="1200" dirty="0">
+                <a:solidFill>
+                  <a:srgbClr val="008000"/>
+                </a:solidFill>
+              </a:rPr>
+              <a:t>Hard Wire</a:t>
+            </a:r>
+          </a:p>
+          <a:p>
+            <a:pPr algn="ctr"/>
+            <a:r>
+              <a:rPr lang="en-US" sz="1200" dirty="0">
+                <a:solidFill>
+                  <a:srgbClr val="008000"/>
+                </a:solidFill>
+              </a:rPr>
+              <a:t>Serial</a:t>
+            </a:r>
+          </a:p>
+        </p:txBody>
+      </p:sp>
+      <p:pic>
+        <p:nvPicPr>
+          <p:cNvPr id="161" name="Picture 2">
+            <a:extLst>
+              <a:ext uri="{FF2B5EF4-FFF2-40B4-BE49-F238E27FC236}">
+                <a16:creationId xmlns:a16="http://schemas.microsoft.com/office/drawing/2014/main" xmlns="" id="{6FA8644C-4157-4C29-A9AB-7895426E89EE}"/>
+              </a:ext>
+            </a:extLst>
+          </p:cNvPr>
+          <p:cNvPicPr>
+            <a:picLocks noChangeAspect="1" noChangeArrowheads="1"/>
+          </p:cNvPicPr>
+          <p:nvPr/>
+        </p:nvPicPr>
+        <p:blipFill>
+          <a:blip r:embed="rId8" cstate="email">
+            <a:extLst>
+              <a:ext uri="{28A0092B-C50C-407E-A947-70E740481C1C}">
+                <a14:useLocalDpi xmlns:a14="http://schemas.microsoft.com/office/drawing/2010/main" val="0"/>
+              </a:ext>
+            </a:extLst>
+          </a:blip>
+          <a:srcRect/>
+          <a:stretch>
+            <a:fillRect/>
+          </a:stretch>
+        </p:blipFill>
+        <p:spPr bwMode="auto">
+          <a:xfrm rot="5400000">
+            <a:off x="7558545" y="5803353"/>
+            <a:ext cx="620765" cy="182647"/>
+          </a:xfrm>
+          <a:prstGeom prst="rect">
+            <a:avLst/>
+          </a:prstGeom>
+          <a:noFill/>
+          <a:ln>
+            <a:noFill/>
+          </a:ln>
+          <a:effectLst/>
+          <a:extLst>
+            <a:ext uri="{909E8E84-426E-40DD-AFC4-6F175D3DCCD1}">
+              <a14:hiddenFill xmlns:a14="http://schemas.microsoft.com/office/drawing/2010/main">
+                <a:solidFill>
+                  <a:schemeClr val="accent1"/>
+                </a:solidFill>
+              </a14:hiddenFill>
+            </a:ext>
+            <a:ext uri="{91240B29-F687-4F45-9708-019B960494DF}">
+              <a14:hiddenLine xmlns:a14="http://schemas.microsoft.com/office/drawing/2010/main" w="9525">
+                <a:solidFill>
+                  <a:schemeClr val="tx1"/>
+                </a:solidFill>
+                <a:miter lim="800000"/>
+                <a:headEnd/>
+                <a:tailEnd/>
+              </a14:hiddenLine>
+            </a:ext>
+            <a:ext uri="{AF507438-7753-43E0-B8FC-AC1667EBCBE1}">
+              <a14:hiddenEffects xmlns:a14="http://schemas.microsoft.com/office/drawing/2010/main">
+                <a:effectLst>
+                  <a:outerShdw dist="35921" dir="2700000" algn="ctr" rotWithShape="0">
+                    <a:schemeClr val="bg2"/>
+                  </a:outerShdw>
+                </a:effectLst>
+              </a14:hiddenEffects>
+            </a:ext>
+          </a:extLst>
+        </p:spPr>
+      </p:pic>
+      <p:grpSp>
+        <p:nvGrpSpPr>
+          <p:cNvPr id="162" name="Group 161">
+            <a:extLst>
+              <a:ext uri="{FF2B5EF4-FFF2-40B4-BE49-F238E27FC236}">
+                <a16:creationId xmlns:a16="http://schemas.microsoft.com/office/drawing/2014/main" xmlns="" id="{8AA417C8-2A5F-4DB9-A327-478DEFA0F1FE}"/>
+              </a:ext>
+            </a:extLst>
+          </p:cNvPr>
+          <p:cNvGrpSpPr/>
+          <p:nvPr/>
+        </p:nvGrpSpPr>
+        <p:grpSpPr>
+          <a:xfrm>
+            <a:off x="7990597" y="5526758"/>
+            <a:ext cx="435079" cy="735835"/>
+            <a:chOff x="2159253" y="548680"/>
+            <a:chExt cx="408864" cy="1462350"/>
+          </a:xfrm>
+        </p:grpSpPr>
+        <p:pic>
+          <p:nvPicPr>
+            <p:cNvPr id="164" name="Picture 163">
+              <a:extLst>
+                <a:ext uri="{FF2B5EF4-FFF2-40B4-BE49-F238E27FC236}">
+                  <a16:creationId xmlns:a16="http://schemas.microsoft.com/office/drawing/2014/main" xmlns="" id="{7AB6C7DC-8C4D-480E-8465-19855F19BB49}"/>
+                </a:ext>
+              </a:extLst>
+            </p:cNvPr>
+            <p:cNvPicPr/>
+            <p:nvPr/>
+          </p:nvPicPr>
+          <p:blipFill>
+            <a:blip r:embed="rId9"/>
+            <a:stretch>
+              <a:fillRect/>
+            </a:stretch>
+          </p:blipFill>
+          <p:spPr>
+            <a:xfrm>
+              <a:off x="2159253" y="1044386"/>
+              <a:ext cx="402231" cy="463429"/>
+            </a:xfrm>
+            <a:prstGeom prst="rect">
+              <a:avLst/>
+            </a:prstGeom>
+          </p:spPr>
+        </p:pic>
+        <p:pic>
+          <p:nvPicPr>
+            <p:cNvPr id="165" name="Picture 164">
+              <a:extLst>
+                <a:ext uri="{FF2B5EF4-FFF2-40B4-BE49-F238E27FC236}">
+                  <a16:creationId xmlns:a16="http://schemas.microsoft.com/office/drawing/2014/main" xmlns="" id="{8D424CF8-98CA-4442-9CBB-1C6B6677CA03}"/>
+                </a:ext>
+              </a:extLst>
+            </p:cNvPr>
+            <p:cNvPicPr/>
+            <p:nvPr/>
+          </p:nvPicPr>
+          <p:blipFill>
+            <a:blip r:embed="rId9"/>
+            <a:stretch>
+              <a:fillRect/>
+            </a:stretch>
+          </p:blipFill>
+          <p:spPr>
+            <a:xfrm>
+              <a:off x="2161663" y="548680"/>
+              <a:ext cx="402231" cy="463429"/>
+            </a:xfrm>
+            <a:prstGeom prst="rect">
+              <a:avLst/>
+            </a:prstGeom>
+          </p:spPr>
+        </p:pic>
+        <p:pic>
+          <p:nvPicPr>
+            <p:cNvPr id="166" name="Picture 165">
+              <a:extLst>
+                <a:ext uri="{FF2B5EF4-FFF2-40B4-BE49-F238E27FC236}">
+                  <a16:creationId xmlns:a16="http://schemas.microsoft.com/office/drawing/2014/main" xmlns="" id="{A0F38DD2-225D-4228-9076-B8596901A09B}"/>
+                </a:ext>
+              </a:extLst>
+            </p:cNvPr>
+            <p:cNvPicPr/>
+            <p:nvPr/>
+          </p:nvPicPr>
+          <p:blipFill>
+            <a:blip r:embed="rId9"/>
+            <a:stretch>
+              <a:fillRect/>
+            </a:stretch>
+          </p:blipFill>
+          <p:spPr>
+            <a:xfrm>
+              <a:off x="2165886" y="1547601"/>
+              <a:ext cx="402231" cy="463429"/>
+            </a:xfrm>
+            <a:prstGeom prst="rect">
+              <a:avLst/>
+            </a:prstGeom>
+          </p:spPr>
+        </p:pic>
+      </p:grpSp>
+      <p:pic>
+        <p:nvPicPr>
+          <p:cNvPr id="163" name="Picture 162">
+            <a:extLst>
+              <a:ext uri="{FF2B5EF4-FFF2-40B4-BE49-F238E27FC236}">
+                <a16:creationId xmlns:a16="http://schemas.microsoft.com/office/drawing/2014/main" xmlns="" id="{548E5F0E-DC66-41FE-810E-8A55BE941A57}"/>
+              </a:ext>
+            </a:extLst>
+          </p:cNvPr>
+          <p:cNvPicPr/>
+          <p:nvPr/>
+        </p:nvPicPr>
+        <p:blipFill>
+          <a:blip r:embed="rId10"/>
+          <a:stretch>
+            <a:fillRect/>
+          </a:stretch>
+        </p:blipFill>
+        <p:spPr>
+          <a:xfrm>
+            <a:off x="6856639" y="5616476"/>
+            <a:ext cx="737513" cy="573934"/>
+          </a:xfrm>
+          <a:prstGeom prst="rect">
+            <a:avLst/>
+          </a:prstGeom>
+        </p:spPr>
+      </p:pic>
       <p:sp>
         <p:nvSpPr>
           <p:cNvPr id="167" name="TextBox 166">
             <a:extLst>
               <a:ext uri="{FF2B5EF4-FFF2-40B4-BE49-F238E27FC236}">
-                <a16:creationId xmlns:a16="http://schemas.microsoft.com/office/drawing/2014/main" id="{844FFFA2-95FD-44EC-81E9-4E773A5EFF75}"/>
+                <a16:creationId xmlns:a16="http://schemas.microsoft.com/office/drawing/2014/main" xmlns="" id="{844FFFA2-95FD-44EC-81E9-4E773A5EFF75}"/>
               </a:ext>
             </a:extLst>
           </p:cNvPr>
@@ -7580,7 +7424,7 @@
           <p:cNvPr id="168" name="TextBox 167">
             <a:extLst>
               <a:ext uri="{FF2B5EF4-FFF2-40B4-BE49-F238E27FC236}">
-                <a16:creationId xmlns:a16="http://schemas.microsoft.com/office/drawing/2014/main" id="{0C242035-3919-48F6-B3E7-DF24DD4E2B78}"/>
+                <a16:creationId xmlns:a16="http://schemas.microsoft.com/office/drawing/2014/main" xmlns="" id="{0C242035-3919-48F6-B3E7-DF24DD4E2B78}"/>
               </a:ext>
             </a:extLst>
           </p:cNvPr>
@@ -7624,7 +7468,7 @@
           <p:cNvPr id="171" name="TextBox 170">
             <a:extLst>
               <a:ext uri="{FF2B5EF4-FFF2-40B4-BE49-F238E27FC236}">
-                <a16:creationId xmlns:a16="http://schemas.microsoft.com/office/drawing/2014/main" id="{D3D2C1E7-A24B-4E4F-9338-4E3CC945B96E}"/>
+                <a16:creationId xmlns:a16="http://schemas.microsoft.com/office/drawing/2014/main" xmlns="" id="{D3D2C1E7-A24B-4E4F-9338-4E3CC945B96E}"/>
               </a:ext>
             </a:extLst>
           </p:cNvPr>
@@ -7679,6 +7523,198 @@
           </a:p>
         </p:txBody>
       </p:sp>
+      <p:pic>
+        <p:nvPicPr>
+          <p:cNvPr id="89" name="Picture 2"/>
+          <p:cNvPicPr>
+            <a:picLocks noChangeAspect="1" noChangeArrowheads="1"/>
+          </p:cNvPicPr>
+          <p:nvPr/>
+        </p:nvPicPr>
+        <p:blipFill>
+          <a:blip r:embed="rId11" cstate="email">
+            <a:extLst>
+              <a:ext uri="{28A0092B-C50C-407E-A947-70E740481C1C}">
+                <a14:useLocalDpi xmlns:a14="http://schemas.microsoft.com/office/drawing/2010/main" val="0"/>
+              </a:ext>
+            </a:extLst>
+          </a:blip>
+          <a:srcRect/>
+          <a:stretch>
+            <a:fillRect/>
+          </a:stretch>
+        </p:blipFill>
+        <p:spPr bwMode="auto">
+          <a:xfrm>
+            <a:off x="3841144" y="4221088"/>
+            <a:ext cx="1378928" cy="700994"/>
+          </a:xfrm>
+          <a:prstGeom prst="rect">
+            <a:avLst/>
+          </a:prstGeom>
+          <a:noFill/>
+          <a:ln>
+            <a:noFill/>
+          </a:ln>
+          <a:effectLst/>
+          <a:extLst>
+            <a:ext uri="{909E8E84-426E-40DD-AFC4-6F175D3DCCD1}">
+              <a14:hiddenFill xmlns:a14="http://schemas.microsoft.com/office/drawing/2010/main">
+                <a:solidFill>
+                  <a:schemeClr val="accent1"/>
+                </a:solidFill>
+              </a14:hiddenFill>
+            </a:ext>
+            <a:ext uri="{91240B29-F687-4F45-9708-019B960494DF}">
+              <a14:hiddenLine xmlns:a14="http://schemas.microsoft.com/office/drawing/2010/main" w="9525">
+                <a:solidFill>
+                  <a:schemeClr val="tx1"/>
+                </a:solidFill>
+                <a:miter lim="800000"/>
+                <a:headEnd/>
+                <a:tailEnd/>
+              </a14:hiddenLine>
+            </a:ext>
+            <a:ext uri="{AF507438-7753-43E0-B8FC-AC1667EBCBE1}">
+              <a14:hiddenEffects xmlns:a14="http://schemas.microsoft.com/office/drawing/2010/main">
+                <a:effectLst>
+                  <a:outerShdw dist="35921" dir="2700000" algn="ctr" rotWithShape="0">
+                    <a:schemeClr val="bg2"/>
+                  </a:outerShdw>
+                </a:effectLst>
+              </a14:hiddenEffects>
+            </a:ext>
+          </a:extLst>
+        </p:spPr>
+      </p:pic>
+      <p:pic>
+        <p:nvPicPr>
+          <p:cNvPr id="90" name="Picture 2"/>
+          <p:cNvPicPr>
+            <a:picLocks noChangeAspect="1" noChangeArrowheads="1"/>
+          </p:cNvPicPr>
+          <p:nvPr/>
+        </p:nvPicPr>
+        <p:blipFill>
+          <a:blip r:embed="rId11" cstate="email">
+            <a:extLst>
+              <a:ext uri="{28A0092B-C50C-407E-A947-70E740481C1C}">
+                <a14:useLocalDpi xmlns:a14="http://schemas.microsoft.com/office/drawing/2010/main" val="0"/>
+              </a:ext>
+            </a:extLst>
+          </a:blip>
+          <a:srcRect/>
+          <a:stretch>
+            <a:fillRect/>
+          </a:stretch>
+        </p:blipFill>
+        <p:spPr bwMode="auto">
+          <a:xfrm>
+            <a:off x="960824" y="4168166"/>
+            <a:ext cx="1378928" cy="700994"/>
+          </a:xfrm>
+          <a:prstGeom prst="rect">
+            <a:avLst/>
+          </a:prstGeom>
+          <a:noFill/>
+          <a:ln>
+            <a:noFill/>
+          </a:ln>
+          <a:effectLst/>
+          <a:extLst>
+            <a:ext uri="{909E8E84-426E-40DD-AFC4-6F175D3DCCD1}">
+              <a14:hiddenFill xmlns:a14="http://schemas.microsoft.com/office/drawing/2010/main">
+                <a:solidFill>
+                  <a:schemeClr val="accent1"/>
+                </a:solidFill>
+              </a14:hiddenFill>
+            </a:ext>
+            <a:ext uri="{91240B29-F687-4F45-9708-019B960494DF}">
+              <a14:hiddenLine xmlns:a14="http://schemas.microsoft.com/office/drawing/2010/main" w="9525">
+                <a:solidFill>
+                  <a:schemeClr val="tx1"/>
+                </a:solidFill>
+                <a:miter lim="800000"/>
+                <a:headEnd/>
+                <a:tailEnd/>
+              </a14:hiddenLine>
+            </a:ext>
+            <a:ext uri="{AF507438-7753-43E0-B8FC-AC1667EBCBE1}">
+              <a14:hiddenEffects xmlns:a14="http://schemas.microsoft.com/office/drawing/2010/main">
+                <a:effectLst>
+                  <a:outerShdw dist="35921" dir="2700000" algn="ctr" rotWithShape="0">
+                    <a:schemeClr val="bg2"/>
+                  </a:outerShdw>
+                </a:effectLst>
+              </a14:hiddenEffects>
+            </a:ext>
+          </a:extLst>
+        </p:spPr>
+      </p:pic>
+      <p:pic>
+        <p:nvPicPr>
+          <p:cNvPr id="92" name="Picture 2"/>
+          <p:cNvPicPr>
+            <a:picLocks noChangeAspect="1" noChangeArrowheads="1"/>
+          </p:cNvPicPr>
+          <p:nvPr/>
+        </p:nvPicPr>
+        <p:blipFill>
+          <a:blip r:embed="rId11" cstate="email">
+            <a:extLst>
+              <a:ext uri="{28A0092B-C50C-407E-A947-70E740481C1C}">
+                <a14:useLocalDpi xmlns:a14="http://schemas.microsoft.com/office/drawing/2010/main" val="0"/>
+              </a:ext>
+            </a:extLst>
+          </a:blip>
+          <a:srcRect/>
+          <a:stretch>
+            <a:fillRect/>
+          </a:stretch>
+        </p:blipFill>
+        <p:spPr bwMode="auto">
+          <a:xfrm>
+            <a:off x="6793472" y="4221088"/>
+            <a:ext cx="1378928" cy="700994"/>
+          </a:xfrm>
+          <a:prstGeom prst="rect">
+            <a:avLst/>
+          </a:prstGeom>
+          <a:noFill/>
+          <a:ln>
+            <a:noFill/>
+          </a:ln>
+          <a:effectLst/>
+          <a:extLst>
+            <a:ext uri="{909E8E84-426E-40DD-AFC4-6F175D3DCCD1}">
+              <a14:hiddenFill xmlns:a14="http://schemas.microsoft.com/office/drawing/2010/main">
+                <a:solidFill>
+                  <a:schemeClr val="accent1"/>
+                </a:solidFill>
+              </a14:hiddenFill>
+            </a:ext>
+            <a:ext uri="{91240B29-F687-4F45-9708-019B960494DF}">
+              <a14:hiddenLine xmlns:a14="http://schemas.microsoft.com/office/drawing/2010/main" w="9525">
+                <a:solidFill>
+                  <a:schemeClr val="tx1"/>
+                </a:solidFill>
+                <a:miter lim="800000"/>
+                <a:headEnd/>
+                <a:tailEnd/>
+              </a14:hiddenLine>
+            </a:ext>
+            <a:ext uri="{AF507438-7753-43E0-B8FC-AC1667EBCBE1}">
+              <a14:hiddenEffects xmlns:a14="http://schemas.microsoft.com/office/drawing/2010/main">
+                <a:effectLst>
+                  <a:outerShdw dist="35921" dir="2700000" algn="ctr" rotWithShape="0">
+                    <a:schemeClr val="bg2"/>
+                  </a:outerShdw>
+                </a:effectLst>
+              </a14:hiddenEffects>
+            </a:ext>
+          </a:extLst>
+        </p:spPr>
+      </p:pic>
     </p:spTree>
   </p:cSld>
   <p:clrMapOvr>
@@ -7712,7 +7748,7 @@
           <p:cNvPr id="10" name="Picture 9" descr="Free Icon | Wifi">
             <a:extLst>
               <a:ext uri="{FF2B5EF4-FFF2-40B4-BE49-F238E27FC236}">
-                <a16:creationId xmlns:a16="http://schemas.microsoft.com/office/drawing/2014/main" id="{35E36CD3-6B5D-4E30-B897-685D3D72453D}"/>
+                <a16:creationId xmlns:a16="http://schemas.microsoft.com/office/drawing/2014/main" xmlns="" id="{35E36CD3-6B5D-4E30-B897-685D3D72453D}"/>
               </a:ext>
             </a:extLst>
           </p:cNvPr>
@@ -8053,7 +8089,7 @@
           <p:cNvPr id="20" name="Picture 19">
             <a:extLst>
               <a:ext uri="{FF2B5EF4-FFF2-40B4-BE49-F238E27FC236}">
-                <a16:creationId xmlns:a16="http://schemas.microsoft.com/office/drawing/2014/main" id="{A18A2DB5-C272-4EEC-BEDE-9D55A675C21C}"/>
+                <a16:creationId xmlns:a16="http://schemas.microsoft.com/office/drawing/2014/main" xmlns="" id="{A18A2DB5-C272-4EEC-BEDE-9D55A675C21C}"/>
               </a:ext>
             </a:extLst>
           </p:cNvPr>
@@ -8081,7 +8117,7 @@
           <p:cNvPr id="21" name="TextBox 20">
             <a:extLst>
               <a:ext uri="{FF2B5EF4-FFF2-40B4-BE49-F238E27FC236}">
-                <a16:creationId xmlns:a16="http://schemas.microsoft.com/office/drawing/2014/main" id="{C7B62148-C36A-4EC0-B756-BE9DE8CD3AB3}"/>
+                <a16:creationId xmlns:a16="http://schemas.microsoft.com/office/drawing/2014/main" xmlns="" id="{C7B62148-C36A-4EC0-B756-BE9DE8CD3AB3}"/>
               </a:ext>
             </a:extLst>
           </p:cNvPr>
@@ -8145,7 +8181,7 @@
           <p:cNvPr id="23" name="TextBox 22">
             <a:extLst>
               <a:ext uri="{FF2B5EF4-FFF2-40B4-BE49-F238E27FC236}">
-                <a16:creationId xmlns:a16="http://schemas.microsoft.com/office/drawing/2014/main" id="{E93A7901-2628-4F53-9A7E-1B2F218C5805}"/>
+                <a16:creationId xmlns:a16="http://schemas.microsoft.com/office/drawing/2014/main" xmlns="" id="{E93A7901-2628-4F53-9A7E-1B2F218C5805}"/>
               </a:ext>
             </a:extLst>
           </p:cNvPr>
@@ -8314,12 +8350,622 @@
           </a:p>
         </p:txBody>
       </p:sp>
+      <p:pic>
+        <p:nvPicPr>
+          <p:cNvPr id="96" name="Picture 95" descr="Free Icon | Wifi">
+            <a:extLst>
+              <a:ext uri="{FF2B5EF4-FFF2-40B4-BE49-F238E27FC236}">
+                <a16:creationId xmlns:a16="http://schemas.microsoft.com/office/drawing/2014/main" xmlns="" id="{331FC1AA-CB08-45A4-9369-2997329D73F4}"/>
+              </a:ext>
+            </a:extLst>
+          </p:cNvPr>
+          <p:cNvPicPr/>
+          <p:nvPr/>
+        </p:nvPicPr>
+        <p:blipFill>
+          <a:blip r:embed="rId3" cstate="email">
+            <a:extLst>
+              <a:ext uri="{28A0092B-C50C-407E-A947-70E740481C1C}">
+                <a14:useLocalDpi xmlns:a14="http://schemas.microsoft.com/office/drawing/2010/main" val="0"/>
+              </a:ext>
+            </a:extLst>
+          </a:blip>
+          <a:srcRect/>
+          <a:stretch>
+            <a:fillRect/>
+          </a:stretch>
+        </p:blipFill>
+        <p:spPr bwMode="auto">
+          <a:xfrm>
+            <a:off x="3416768" y="2204864"/>
+            <a:ext cx="380680" cy="412324"/>
+          </a:xfrm>
+          <a:prstGeom prst="rect">
+            <a:avLst/>
+          </a:prstGeom>
+          <a:noFill/>
+          <a:ln>
+            <a:noFill/>
+          </a:ln>
+        </p:spPr>
+      </p:pic>
+      <p:pic>
+        <p:nvPicPr>
+          <p:cNvPr id="97" name="Picture 96">
+            <a:extLst>
+              <a:ext uri="{FF2B5EF4-FFF2-40B4-BE49-F238E27FC236}">
+                <a16:creationId xmlns:a16="http://schemas.microsoft.com/office/drawing/2014/main" xmlns="" id="{D4CA772F-A72C-4314-A82A-E884D10E777D}"/>
+              </a:ext>
+            </a:extLst>
+          </p:cNvPr>
+          <p:cNvPicPr/>
+          <p:nvPr/>
+        </p:nvPicPr>
+        <p:blipFill>
+          <a:blip r:embed="rId4"/>
+          <a:stretch>
+            <a:fillRect/>
+          </a:stretch>
+        </p:blipFill>
+        <p:spPr>
+          <a:xfrm>
+            <a:off x="3351509" y="2495609"/>
+            <a:ext cx="568745" cy="736781"/>
+          </a:xfrm>
+          <a:prstGeom prst="rect">
+            <a:avLst/>
+          </a:prstGeom>
+        </p:spPr>
+      </p:pic>
+      <p:pic>
+        <p:nvPicPr>
+          <p:cNvPr id="98" name="Picture 97">
+            <a:extLst>
+              <a:ext uri="{FF2B5EF4-FFF2-40B4-BE49-F238E27FC236}">
+                <a16:creationId xmlns:a16="http://schemas.microsoft.com/office/drawing/2014/main" xmlns="" id="{9E085E1D-93F9-4E72-B98F-FB8F7028960D}"/>
+              </a:ext>
+            </a:extLst>
+          </p:cNvPr>
+          <p:cNvPicPr/>
+          <p:nvPr/>
+        </p:nvPicPr>
+        <p:blipFill>
+          <a:blip r:embed="rId5"/>
+          <a:stretch>
+            <a:fillRect/>
+          </a:stretch>
+        </p:blipFill>
+        <p:spPr>
+          <a:xfrm>
+            <a:off x="3089504" y="5333170"/>
+            <a:ext cx="497031" cy="499878"/>
+          </a:xfrm>
+          <a:prstGeom prst="rect">
+            <a:avLst/>
+          </a:prstGeom>
+        </p:spPr>
+      </p:pic>
+      <p:sp>
+        <p:nvSpPr>
+          <p:cNvPr id="101" name="TextBox 100">
+            <a:extLst>
+              <a:ext uri="{FF2B5EF4-FFF2-40B4-BE49-F238E27FC236}">
+                <a16:creationId xmlns:a16="http://schemas.microsoft.com/office/drawing/2014/main" xmlns="" id="{7FF2AF45-1BBB-4306-ABAF-8689BC85C815}"/>
+              </a:ext>
+            </a:extLst>
+          </p:cNvPr>
+          <p:cNvSpPr txBox="1"/>
+          <p:nvPr/>
+        </p:nvSpPr>
+        <p:spPr>
+          <a:xfrm>
+            <a:off x="3208431" y="5917835"/>
+            <a:ext cx="1752339" cy="369332"/>
+          </a:xfrm>
+          <a:prstGeom prst="rect">
+            <a:avLst/>
+          </a:prstGeom>
+          <a:noFill/>
+        </p:spPr>
+        <p:txBody>
+          <a:bodyPr wrap="none" rtlCol="0">
+            <a:spAutoFit/>
+          </a:bodyPr>
+          <a:lstStyle/>
+          <a:p>
+            <a:r>
+              <a:rPr lang="en-US" b="1" dirty="0">
+                <a:solidFill>
+                  <a:srgbClr val="0000FF"/>
+                </a:solidFill>
+              </a:rPr>
+              <a:t>Sensor/Actuator</a:t>
+            </a:r>
+          </a:p>
+        </p:txBody>
+      </p:sp>
+      <p:cxnSp>
+        <p:nvCxnSpPr>
+          <p:cNvPr id="103" name="Straight Connector 102">
+            <a:extLst>
+              <a:ext uri="{FF2B5EF4-FFF2-40B4-BE49-F238E27FC236}">
+                <a16:creationId xmlns:a16="http://schemas.microsoft.com/office/drawing/2014/main" xmlns="" id="{E865F506-39E6-412E-A252-A31428B8E040}"/>
+              </a:ext>
+            </a:extLst>
+          </p:cNvPr>
+          <p:cNvCxnSpPr>
+            <a:cxnSpLocks/>
+          </p:cNvCxnSpPr>
+          <p:nvPr/>
+        </p:nvCxnSpPr>
+        <p:spPr>
+          <a:xfrm>
+            <a:off x="3089504" y="4975138"/>
+            <a:ext cx="2078178" cy="0"/>
+          </a:xfrm>
+          <a:prstGeom prst="line">
+            <a:avLst/>
+          </a:prstGeom>
+          <a:ln w="22225">
+            <a:solidFill>
+              <a:srgbClr val="0000FF"/>
+            </a:solidFill>
+          </a:ln>
+        </p:spPr>
+        <p:style>
+          <a:lnRef idx="1">
+            <a:schemeClr val="accent1"/>
+          </a:lnRef>
+          <a:fillRef idx="0">
+            <a:schemeClr val="accent1"/>
+          </a:fillRef>
+          <a:effectRef idx="0">
+            <a:schemeClr val="accent1"/>
+          </a:effectRef>
+          <a:fontRef idx="minor">
+            <a:schemeClr val="tx1"/>
+          </a:fontRef>
+        </p:style>
+      </p:cxnSp>
+      <p:cxnSp>
+        <p:nvCxnSpPr>
+          <p:cNvPr id="110" name="Straight Arrow Connector 109">
+            <a:extLst>
+              <a:ext uri="{FF2B5EF4-FFF2-40B4-BE49-F238E27FC236}">
+                <a16:creationId xmlns:a16="http://schemas.microsoft.com/office/drawing/2014/main" xmlns="" id="{E8B958EE-5EE0-4808-BB5D-8AF84300BFB3}"/>
+              </a:ext>
+            </a:extLst>
+          </p:cNvPr>
+          <p:cNvCxnSpPr>
+            <a:cxnSpLocks/>
+          </p:cNvCxnSpPr>
+          <p:nvPr/>
+        </p:nvCxnSpPr>
+        <p:spPr>
+          <a:xfrm flipV="1">
+            <a:off x="4913142" y="4975138"/>
+            <a:ext cx="0" cy="432048"/>
+          </a:xfrm>
+          <a:prstGeom prst="straightConnector1">
+            <a:avLst/>
+          </a:prstGeom>
+          <a:ln w="22225">
+            <a:solidFill>
+              <a:srgbClr val="0000FF"/>
+            </a:solidFill>
+            <a:tailEnd type="triangle"/>
+          </a:ln>
+        </p:spPr>
+        <p:style>
+          <a:lnRef idx="1">
+            <a:schemeClr val="accent1"/>
+          </a:lnRef>
+          <a:fillRef idx="0">
+            <a:schemeClr val="accent1"/>
+          </a:fillRef>
+          <a:effectRef idx="0">
+            <a:schemeClr val="accent1"/>
+          </a:effectRef>
+          <a:fontRef idx="minor">
+            <a:schemeClr val="tx1"/>
+          </a:fontRef>
+        </p:style>
+      </p:cxnSp>
+      <p:cxnSp>
+        <p:nvCxnSpPr>
+          <p:cNvPr id="111" name="Straight Arrow Connector 110">
+            <a:extLst>
+              <a:ext uri="{FF2B5EF4-FFF2-40B4-BE49-F238E27FC236}">
+                <a16:creationId xmlns:a16="http://schemas.microsoft.com/office/drawing/2014/main" xmlns="" id="{701FA5EF-0179-41F2-B22D-FCC175001A48}"/>
+              </a:ext>
+            </a:extLst>
+          </p:cNvPr>
+          <p:cNvCxnSpPr>
+            <a:cxnSpLocks/>
+          </p:cNvCxnSpPr>
+          <p:nvPr/>
+        </p:nvCxnSpPr>
+        <p:spPr>
+          <a:xfrm flipV="1">
+            <a:off x="4638924" y="4975138"/>
+            <a:ext cx="0" cy="303290"/>
+          </a:xfrm>
+          <a:prstGeom prst="straightConnector1">
+            <a:avLst/>
+          </a:prstGeom>
+          <a:ln w="22225">
+            <a:solidFill>
+              <a:srgbClr val="0000FF"/>
+            </a:solidFill>
+            <a:tailEnd type="triangle"/>
+          </a:ln>
+        </p:spPr>
+        <p:style>
+          <a:lnRef idx="1">
+            <a:schemeClr val="accent1"/>
+          </a:lnRef>
+          <a:fillRef idx="0">
+            <a:schemeClr val="accent1"/>
+          </a:fillRef>
+          <a:effectRef idx="0">
+            <a:schemeClr val="accent1"/>
+          </a:effectRef>
+          <a:fontRef idx="minor">
+            <a:schemeClr val="tx1"/>
+          </a:fontRef>
+        </p:style>
+      </p:cxnSp>
+      <p:cxnSp>
+        <p:nvCxnSpPr>
+          <p:cNvPr id="112" name="Straight Arrow Connector 111">
+            <a:extLst>
+              <a:ext uri="{FF2B5EF4-FFF2-40B4-BE49-F238E27FC236}">
+                <a16:creationId xmlns:a16="http://schemas.microsoft.com/office/drawing/2014/main" xmlns="" id="{AF569078-F334-430B-8950-9BEB338AB6EA}"/>
+              </a:ext>
+            </a:extLst>
+          </p:cNvPr>
+          <p:cNvCxnSpPr>
+            <a:cxnSpLocks/>
+          </p:cNvCxnSpPr>
+          <p:nvPr/>
+        </p:nvCxnSpPr>
+        <p:spPr>
+          <a:xfrm flipV="1">
+            <a:off x="3990851" y="4975138"/>
+            <a:ext cx="1" cy="303290"/>
+          </a:xfrm>
+          <a:prstGeom prst="straightConnector1">
+            <a:avLst/>
+          </a:prstGeom>
+          <a:ln w="22225">
+            <a:solidFill>
+              <a:srgbClr val="0000FF"/>
+            </a:solidFill>
+            <a:tailEnd type="triangle"/>
+          </a:ln>
+        </p:spPr>
+        <p:style>
+          <a:lnRef idx="1">
+            <a:schemeClr val="accent1"/>
+          </a:lnRef>
+          <a:fillRef idx="0">
+            <a:schemeClr val="accent1"/>
+          </a:fillRef>
+          <a:effectRef idx="0">
+            <a:schemeClr val="accent1"/>
+          </a:effectRef>
+          <a:fontRef idx="minor">
+            <a:schemeClr val="tx1"/>
+          </a:fontRef>
+        </p:style>
+      </p:cxnSp>
+      <p:cxnSp>
+        <p:nvCxnSpPr>
+          <p:cNvPr id="113" name="Straight Arrow Connector 112">
+            <a:extLst>
+              <a:ext uri="{FF2B5EF4-FFF2-40B4-BE49-F238E27FC236}">
+                <a16:creationId xmlns:a16="http://schemas.microsoft.com/office/drawing/2014/main" xmlns="" id="{9894B322-EF50-40E0-8415-FD1EB8F34947}"/>
+              </a:ext>
+            </a:extLst>
+          </p:cNvPr>
+          <p:cNvCxnSpPr>
+            <a:cxnSpLocks/>
+          </p:cNvCxnSpPr>
+          <p:nvPr/>
+        </p:nvCxnSpPr>
+        <p:spPr>
+          <a:xfrm flipV="1">
+            <a:off x="3338020" y="4973130"/>
+            <a:ext cx="0" cy="303290"/>
+          </a:xfrm>
+          <a:prstGeom prst="straightConnector1">
+            <a:avLst/>
+          </a:prstGeom>
+          <a:ln w="22225">
+            <a:solidFill>
+              <a:srgbClr val="0000FF"/>
+            </a:solidFill>
+            <a:tailEnd type="triangle"/>
+          </a:ln>
+        </p:spPr>
+        <p:style>
+          <a:lnRef idx="1">
+            <a:schemeClr val="accent1"/>
+          </a:lnRef>
+          <a:fillRef idx="0">
+            <a:schemeClr val="accent1"/>
+          </a:fillRef>
+          <a:effectRef idx="0">
+            <a:schemeClr val="accent1"/>
+          </a:effectRef>
+          <a:fontRef idx="minor">
+            <a:schemeClr val="tx1"/>
+          </a:fontRef>
+        </p:style>
+      </p:cxnSp>
+      <p:sp>
+        <p:nvSpPr>
+          <p:cNvPr id="114" name="TextBox 113">
+            <a:extLst>
+              <a:ext uri="{FF2B5EF4-FFF2-40B4-BE49-F238E27FC236}">
+                <a16:creationId xmlns:a16="http://schemas.microsoft.com/office/drawing/2014/main" xmlns="" id="{E9064D73-DA84-45E4-878F-355289241361}"/>
+              </a:ext>
+            </a:extLst>
+          </p:cNvPr>
+          <p:cNvSpPr txBox="1"/>
+          <p:nvPr/>
+        </p:nvSpPr>
+        <p:spPr>
+          <a:xfrm>
+            <a:off x="3191194" y="4759114"/>
+            <a:ext cx="820096" cy="276999"/>
+          </a:xfrm>
+          <a:prstGeom prst="rect">
+            <a:avLst/>
+          </a:prstGeom>
+          <a:noFill/>
+        </p:spPr>
+        <p:txBody>
+          <a:bodyPr wrap="none" rtlCol="0">
+            <a:spAutoFit/>
+          </a:bodyPr>
+          <a:lstStyle/>
+          <a:p>
+            <a:r>
+              <a:rPr lang="en-US" sz="1200" dirty="0">
+                <a:solidFill>
+                  <a:srgbClr val="0000FF"/>
+                </a:solidFill>
+              </a:rPr>
+              <a:t>Hard Wire</a:t>
+            </a:r>
+          </a:p>
+        </p:txBody>
+      </p:sp>
+      <p:sp>
+        <p:nvSpPr>
+          <p:cNvPr id="115" name="Arrow: Down 114">
+            <a:extLst>
+              <a:ext uri="{FF2B5EF4-FFF2-40B4-BE49-F238E27FC236}">
+                <a16:creationId xmlns:a16="http://schemas.microsoft.com/office/drawing/2014/main" xmlns="" id="{8CFCE75F-7AA7-4BF3-B044-4770D3A70008}"/>
+              </a:ext>
+            </a:extLst>
+          </p:cNvPr>
+          <p:cNvSpPr/>
+          <p:nvPr/>
+        </p:nvSpPr>
+        <p:spPr>
+          <a:xfrm rot="10800000">
+            <a:off x="4011287" y="4596601"/>
+            <a:ext cx="432391" cy="325021"/>
+          </a:xfrm>
+          <a:prstGeom prst="downArrow">
+            <a:avLst/>
+          </a:prstGeom>
+          <a:noFill/>
+          <a:ln w="19050">
+            <a:solidFill>
+              <a:srgbClr val="0000FF"/>
+            </a:solidFill>
+          </a:ln>
+        </p:spPr>
+        <p:style>
+          <a:lnRef idx="2">
+            <a:schemeClr val="accent1">
+              <a:shade val="50000"/>
+            </a:schemeClr>
+          </a:lnRef>
+          <a:fillRef idx="1">
+            <a:schemeClr val="accent1"/>
+          </a:fillRef>
+          <a:effectRef idx="0">
+            <a:schemeClr val="accent1"/>
+          </a:effectRef>
+          <a:fontRef idx="minor">
+            <a:schemeClr val="lt1"/>
+          </a:fontRef>
+        </p:style>
+        <p:txBody>
+          <a:bodyPr rtlCol="0" anchor="ctr"/>
+          <a:lstStyle/>
+          <a:p>
+            <a:pPr algn="ctr"/>
+            <a:endParaRPr lang="en-ID"/>
+          </a:p>
+        </p:txBody>
+      </p:sp>
+      <p:cxnSp>
+        <p:nvCxnSpPr>
+          <p:cNvPr id="116" name="Straight Arrow Connector 115">
+            <a:extLst>
+              <a:ext uri="{FF2B5EF4-FFF2-40B4-BE49-F238E27FC236}">
+                <a16:creationId xmlns:a16="http://schemas.microsoft.com/office/drawing/2014/main" xmlns="" id="{8E0EBC89-8ED8-4F07-B552-FDDF03B2E41D}"/>
+              </a:ext>
+            </a:extLst>
+          </p:cNvPr>
+          <p:cNvCxnSpPr>
+            <a:cxnSpLocks/>
+            <a:endCxn id="97" idx="2"/>
+          </p:cNvCxnSpPr>
+          <p:nvPr/>
+        </p:nvCxnSpPr>
+        <p:spPr>
+          <a:xfrm flipH="1" flipV="1">
+            <a:off x="3635882" y="3232390"/>
+            <a:ext cx="448719" cy="598317"/>
+          </a:xfrm>
+          <a:prstGeom prst="straightConnector1">
+            <a:avLst/>
+          </a:prstGeom>
+          <a:ln w="22225">
+            <a:solidFill>
+              <a:srgbClr val="008000"/>
+            </a:solidFill>
+            <a:headEnd type="stealth"/>
+            <a:tailEnd type="stealth"/>
+          </a:ln>
+        </p:spPr>
+        <p:style>
+          <a:lnRef idx="1">
+            <a:schemeClr val="accent1"/>
+          </a:lnRef>
+          <a:fillRef idx="0">
+            <a:schemeClr val="accent1"/>
+          </a:fillRef>
+          <a:effectRef idx="0">
+            <a:schemeClr val="accent1"/>
+          </a:effectRef>
+          <a:fontRef idx="minor">
+            <a:schemeClr val="tx1"/>
+          </a:fontRef>
+        </p:style>
+      </p:cxnSp>
+      <p:sp>
+        <p:nvSpPr>
+          <p:cNvPr id="117" name="TextBox 116">
+            <a:extLst>
+              <a:ext uri="{FF2B5EF4-FFF2-40B4-BE49-F238E27FC236}">
+                <a16:creationId xmlns:a16="http://schemas.microsoft.com/office/drawing/2014/main" xmlns="" id="{DC4F584F-869A-4EC5-BD3F-B43D6F04B109}"/>
+              </a:ext>
+            </a:extLst>
+          </p:cNvPr>
+          <p:cNvSpPr txBox="1"/>
+          <p:nvPr/>
+        </p:nvSpPr>
+        <p:spPr>
+          <a:xfrm>
+            <a:off x="3031512" y="3347859"/>
+            <a:ext cx="820096" cy="461665"/>
+          </a:xfrm>
+          <a:prstGeom prst="rect">
+            <a:avLst/>
+          </a:prstGeom>
+          <a:noFill/>
+        </p:spPr>
+        <p:txBody>
+          <a:bodyPr wrap="none" rtlCol="0">
+            <a:spAutoFit/>
+          </a:bodyPr>
+          <a:lstStyle/>
+          <a:p>
+            <a:r>
+              <a:rPr lang="en-US" sz="1200" dirty="0">
+                <a:solidFill>
+                  <a:srgbClr val="008000"/>
+                </a:solidFill>
+              </a:rPr>
+              <a:t>Hard Wire</a:t>
+            </a:r>
+          </a:p>
+          <a:p>
+            <a:pPr algn="ctr"/>
+            <a:r>
+              <a:rPr lang="en-US" sz="1200" dirty="0">
+                <a:solidFill>
+                  <a:srgbClr val="008000"/>
+                </a:solidFill>
+              </a:rPr>
+              <a:t>Serial</a:t>
+            </a:r>
+          </a:p>
+        </p:txBody>
+      </p:sp>
+      <p:pic>
+        <p:nvPicPr>
+          <p:cNvPr id="118" name="Picture 2">
+            <a:extLst>
+              <a:ext uri="{FF2B5EF4-FFF2-40B4-BE49-F238E27FC236}">
+                <a16:creationId xmlns:a16="http://schemas.microsoft.com/office/drawing/2014/main" xmlns="" id="{7EAFE767-B908-419E-B4E7-05DAB402B5BB}"/>
+              </a:ext>
+            </a:extLst>
+          </p:cNvPr>
+          <p:cNvPicPr>
+            <a:picLocks noChangeAspect="1" noChangeArrowheads="1"/>
+          </p:cNvPicPr>
+          <p:nvPr/>
+        </p:nvPicPr>
+        <p:blipFill>
+          <a:blip r:embed="rId6" cstate="email">
+            <a:extLst>
+              <a:ext uri="{28A0092B-C50C-407E-A947-70E740481C1C}">
+                <a14:useLocalDpi xmlns:a14="http://schemas.microsoft.com/office/drawing/2010/main" val="0"/>
+              </a:ext>
+            </a:extLst>
+          </a:blip>
+          <a:srcRect/>
+          <a:stretch>
+            <a:fillRect/>
+          </a:stretch>
+        </p:blipFill>
+        <p:spPr bwMode="auto">
+          <a:xfrm rot="5400000">
+            <a:off x="4347857" y="5493168"/>
+            <a:ext cx="620765" cy="182647"/>
+          </a:xfrm>
+          <a:prstGeom prst="rect">
+            <a:avLst/>
+          </a:prstGeom>
+          <a:noFill/>
+          <a:ln>
+            <a:noFill/>
+          </a:ln>
+          <a:effectLst/>
+          <a:extLst>
+            <a:ext uri="{909E8E84-426E-40DD-AFC4-6F175D3DCCD1}">
+              <a14:hiddenFill xmlns:a14="http://schemas.microsoft.com/office/drawing/2010/main">
+                <a:solidFill>
+                  <a:schemeClr val="accent1"/>
+                </a:solidFill>
+              </a14:hiddenFill>
+            </a:ext>
+            <a:ext uri="{91240B29-F687-4F45-9708-019B960494DF}">
+              <a14:hiddenLine xmlns:a14="http://schemas.microsoft.com/office/drawing/2010/main" w="9525">
+                <a:solidFill>
+                  <a:schemeClr val="tx1"/>
+                </a:solidFill>
+                <a:miter lim="800000"/>
+                <a:headEnd/>
+                <a:tailEnd/>
+              </a14:hiddenLine>
+            </a:ext>
+            <a:ext uri="{AF507438-7753-43E0-B8FC-AC1667EBCBE1}">
+              <a14:hiddenEffects xmlns:a14="http://schemas.microsoft.com/office/drawing/2010/main">
+                <a:effectLst>
+                  <a:outerShdw dist="35921" dir="2700000" algn="ctr" rotWithShape="0">
+                    <a:schemeClr val="bg2"/>
+                  </a:outerShdw>
+                </a:effectLst>
+              </a14:hiddenEffects>
+            </a:ext>
+          </a:extLst>
+        </p:spPr>
+      </p:pic>
       <p:grpSp>
         <p:nvGrpSpPr>
-          <p:cNvPr id="26" name="Group 25">
+          <p:cNvPr id="13" name="Group 12">
             <a:extLst>
               <a:ext uri="{FF2B5EF4-FFF2-40B4-BE49-F238E27FC236}">
-                <a16:creationId xmlns:a16="http://schemas.microsoft.com/office/drawing/2014/main" id="{02D45A11-6260-4139-BB40-7DC90A89D071}"/>
+                <a16:creationId xmlns:a16="http://schemas.microsoft.com/office/drawing/2014/main" xmlns="" id="{DD9AE47D-D12F-4154-BB04-4D3D34BE33AE}"/>
               </a:ext>
             </a:extLst>
           </p:cNvPr>
@@ -8328,18 +8974,18 @@
         </p:nvGrpSpPr>
         <p:grpSpPr>
           <a:xfrm>
-            <a:off x="3031512" y="2204864"/>
-            <a:ext cx="2183476" cy="4082303"/>
-            <a:chOff x="3396636" y="2532942"/>
-            <a:chExt cx="2183476" cy="4082303"/>
+            <a:off x="4779909" y="5216573"/>
+            <a:ext cx="435079" cy="735835"/>
+            <a:chOff x="2159253" y="548680"/>
+            <a:chExt cx="408864" cy="1462350"/>
           </a:xfrm>
         </p:grpSpPr>
         <p:pic>
           <p:nvPicPr>
-            <p:cNvPr id="96" name="Picture 95" descr="Free Icon | Wifi">
+            <p:cNvPr id="119" name="Picture 118">
               <a:extLst>
                 <a:ext uri="{FF2B5EF4-FFF2-40B4-BE49-F238E27FC236}">
-                  <a16:creationId xmlns:a16="http://schemas.microsoft.com/office/drawing/2014/main" id="{331FC1AA-CB08-45A4-9369-2997329D73F4}"/>
+                  <a16:creationId xmlns:a16="http://schemas.microsoft.com/office/drawing/2014/main" xmlns="" id="{8569128C-0619-4279-963D-AE7C028B50F8}"/>
                 </a:ext>
               </a:extLst>
             </p:cNvPr>
@@ -8347,54 +8993,15 @@
             <p:nvPr/>
           </p:nvPicPr>
           <p:blipFill>
-            <a:blip r:embed="rId3" cstate="email">
-              <a:extLst>
-                <a:ext uri="{28A0092B-C50C-407E-A947-70E740481C1C}">
-                  <a14:useLocalDpi xmlns:a14="http://schemas.microsoft.com/office/drawing/2010/main" val="0"/>
-                </a:ext>
-              </a:extLst>
-            </a:blip>
-            <a:srcRect/>
-            <a:stretch>
-              <a:fillRect/>
-            </a:stretch>
-          </p:blipFill>
-          <p:spPr bwMode="auto">
-            <a:xfrm>
-              <a:off x="3781892" y="2532942"/>
-              <a:ext cx="380680" cy="412324"/>
-            </a:xfrm>
-            <a:prstGeom prst="rect">
-              <a:avLst/>
-            </a:prstGeom>
-            <a:noFill/>
-            <a:ln>
-              <a:noFill/>
-            </a:ln>
-          </p:spPr>
-        </p:pic>
-        <p:pic>
-          <p:nvPicPr>
-            <p:cNvPr id="97" name="Picture 96">
-              <a:extLst>
-                <a:ext uri="{FF2B5EF4-FFF2-40B4-BE49-F238E27FC236}">
-                  <a16:creationId xmlns:a16="http://schemas.microsoft.com/office/drawing/2014/main" id="{D4CA772F-A72C-4314-A82A-E884D10E777D}"/>
-                </a:ext>
-              </a:extLst>
-            </p:cNvPr>
-            <p:cNvPicPr/>
-            <p:nvPr/>
-          </p:nvPicPr>
-          <p:blipFill>
-            <a:blip r:embed="rId4"/>
+            <a:blip r:embed="rId7"/>
             <a:stretch>
               <a:fillRect/>
             </a:stretch>
           </p:blipFill>
           <p:spPr>
             <a:xfrm>
-              <a:off x="3716633" y="2823687"/>
-              <a:ext cx="568745" cy="736781"/>
+              <a:off x="2159253" y="1044386"/>
+              <a:ext cx="402231" cy="463429"/>
             </a:xfrm>
             <a:prstGeom prst="rect">
               <a:avLst/>
@@ -8403,10 +9010,10 @@
         </p:pic>
         <p:pic>
           <p:nvPicPr>
-            <p:cNvPr id="98" name="Picture 97">
+            <p:cNvPr id="120" name="Picture 119">
               <a:extLst>
                 <a:ext uri="{FF2B5EF4-FFF2-40B4-BE49-F238E27FC236}">
-                  <a16:creationId xmlns:a16="http://schemas.microsoft.com/office/drawing/2014/main" id="{9E085E1D-93F9-4E72-B98F-FB8F7028960D}"/>
+                  <a16:creationId xmlns:a16="http://schemas.microsoft.com/office/drawing/2014/main" xmlns="" id="{8B747FC8-E2F4-4A4F-A22C-CE38FE1C73EE}"/>
                 </a:ext>
               </a:extLst>
             </p:cNvPr>
@@ -8414,15 +9021,15 @@
             <p:nvPr/>
           </p:nvPicPr>
           <p:blipFill>
-            <a:blip r:embed="rId5"/>
+            <a:blip r:embed="rId7"/>
             <a:stretch>
               <a:fillRect/>
             </a:stretch>
           </p:blipFill>
           <p:spPr>
             <a:xfrm>
-              <a:off x="3454628" y="5661248"/>
-              <a:ext cx="497031" cy="499878"/>
+              <a:off x="2161663" y="548680"/>
+              <a:ext cx="402231" cy="463429"/>
             </a:xfrm>
             <a:prstGeom prst="rect">
               <a:avLst/>
@@ -8431,661 +9038,10 @@
         </p:pic>
         <p:pic>
           <p:nvPicPr>
-            <p:cNvPr id="100" name="Picture 99">
+            <p:cNvPr id="121" name="Picture 120">
               <a:extLst>
                 <a:ext uri="{FF2B5EF4-FFF2-40B4-BE49-F238E27FC236}">
-                  <a16:creationId xmlns:a16="http://schemas.microsoft.com/office/drawing/2014/main" id="{8153525A-3E72-45A9-A3EA-740D322E345C}"/>
-                </a:ext>
-              </a:extLst>
-            </p:cNvPr>
-            <p:cNvPicPr>
-              <a:picLocks noChangeAspect="1"/>
-            </p:cNvPicPr>
-            <p:nvPr/>
-          </p:nvPicPr>
-          <p:blipFill>
-            <a:blip r:embed="rId6"/>
-            <a:stretch>
-              <a:fillRect/>
-            </a:stretch>
-          </p:blipFill>
-          <p:spPr>
-            <a:xfrm>
-              <a:off x="3484310" y="4158785"/>
-              <a:ext cx="1930830" cy="765896"/>
-            </a:xfrm>
-            <a:prstGeom prst="rect">
-              <a:avLst/>
-            </a:prstGeom>
-          </p:spPr>
-        </p:pic>
-        <p:sp>
-          <p:nvSpPr>
-            <p:cNvPr id="101" name="TextBox 100">
-              <a:extLst>
-                <a:ext uri="{FF2B5EF4-FFF2-40B4-BE49-F238E27FC236}">
-                  <a16:creationId xmlns:a16="http://schemas.microsoft.com/office/drawing/2014/main" id="{7FF2AF45-1BBB-4306-ABAF-8689BC85C815}"/>
-                </a:ext>
-              </a:extLst>
-            </p:cNvPr>
-            <p:cNvSpPr txBox="1"/>
-            <p:nvPr/>
-          </p:nvSpPr>
-          <p:spPr>
-            <a:xfrm>
-              <a:off x="3573555" y="6245913"/>
-              <a:ext cx="1752339" cy="369332"/>
-            </a:xfrm>
-            <a:prstGeom prst="rect">
-              <a:avLst/>
-            </a:prstGeom>
-            <a:noFill/>
-          </p:spPr>
-          <p:txBody>
-            <a:bodyPr wrap="none" rtlCol="0">
-              <a:spAutoFit/>
-            </a:bodyPr>
-            <a:lstStyle/>
-            <a:p>
-              <a:r>
-                <a:rPr lang="en-US" b="1" dirty="0">
-                  <a:solidFill>
-                    <a:srgbClr val="0000FF"/>
-                  </a:solidFill>
-                </a:rPr>
-                <a:t>Sensor/Actuator</a:t>
-              </a:r>
-            </a:p>
-          </p:txBody>
-        </p:sp>
-        <p:cxnSp>
-          <p:nvCxnSpPr>
-            <p:cNvPr id="103" name="Straight Connector 102">
-              <a:extLst>
-                <a:ext uri="{FF2B5EF4-FFF2-40B4-BE49-F238E27FC236}">
-                  <a16:creationId xmlns:a16="http://schemas.microsoft.com/office/drawing/2014/main" id="{E865F506-39E6-412E-A252-A31428B8E040}"/>
-                </a:ext>
-              </a:extLst>
-            </p:cNvPr>
-            <p:cNvCxnSpPr>
-              <a:cxnSpLocks/>
-            </p:cNvCxnSpPr>
-            <p:nvPr/>
-          </p:nvCxnSpPr>
-          <p:spPr>
-            <a:xfrm>
-              <a:off x="3454628" y="5303216"/>
-              <a:ext cx="2078178" cy="0"/>
-            </a:xfrm>
-            <a:prstGeom prst="line">
-              <a:avLst/>
-            </a:prstGeom>
-            <a:ln w="22225">
-              <a:solidFill>
-                <a:srgbClr val="0000FF"/>
-              </a:solidFill>
-            </a:ln>
-          </p:spPr>
-          <p:style>
-            <a:lnRef idx="1">
-              <a:schemeClr val="accent1"/>
-            </a:lnRef>
-            <a:fillRef idx="0">
-              <a:schemeClr val="accent1"/>
-            </a:fillRef>
-            <a:effectRef idx="0">
-              <a:schemeClr val="accent1"/>
-            </a:effectRef>
-            <a:fontRef idx="minor">
-              <a:schemeClr val="tx1"/>
-            </a:fontRef>
-          </p:style>
-        </p:cxnSp>
-        <p:cxnSp>
-          <p:nvCxnSpPr>
-            <p:cNvPr id="110" name="Straight Arrow Connector 109">
-              <a:extLst>
-                <a:ext uri="{FF2B5EF4-FFF2-40B4-BE49-F238E27FC236}">
-                  <a16:creationId xmlns:a16="http://schemas.microsoft.com/office/drawing/2014/main" id="{E8B958EE-5EE0-4808-BB5D-8AF84300BFB3}"/>
-                </a:ext>
-              </a:extLst>
-            </p:cNvPr>
-            <p:cNvCxnSpPr>
-              <a:cxnSpLocks/>
-            </p:cNvCxnSpPr>
-            <p:nvPr/>
-          </p:nvCxnSpPr>
-          <p:spPr>
-            <a:xfrm flipV="1">
-              <a:off x="5278266" y="5303216"/>
-              <a:ext cx="0" cy="432048"/>
-            </a:xfrm>
-            <a:prstGeom prst="straightConnector1">
-              <a:avLst/>
-            </a:prstGeom>
-            <a:ln w="22225">
-              <a:solidFill>
-                <a:srgbClr val="0000FF"/>
-              </a:solidFill>
-              <a:tailEnd type="triangle"/>
-            </a:ln>
-          </p:spPr>
-          <p:style>
-            <a:lnRef idx="1">
-              <a:schemeClr val="accent1"/>
-            </a:lnRef>
-            <a:fillRef idx="0">
-              <a:schemeClr val="accent1"/>
-            </a:fillRef>
-            <a:effectRef idx="0">
-              <a:schemeClr val="accent1"/>
-            </a:effectRef>
-            <a:fontRef idx="minor">
-              <a:schemeClr val="tx1"/>
-            </a:fontRef>
-          </p:style>
-        </p:cxnSp>
-        <p:cxnSp>
-          <p:nvCxnSpPr>
-            <p:cNvPr id="111" name="Straight Arrow Connector 110">
-              <a:extLst>
-                <a:ext uri="{FF2B5EF4-FFF2-40B4-BE49-F238E27FC236}">
-                  <a16:creationId xmlns:a16="http://schemas.microsoft.com/office/drawing/2014/main" id="{701FA5EF-0179-41F2-B22D-FCC175001A48}"/>
-                </a:ext>
-              </a:extLst>
-            </p:cNvPr>
-            <p:cNvCxnSpPr>
-              <a:cxnSpLocks/>
-            </p:cNvCxnSpPr>
-            <p:nvPr/>
-          </p:nvCxnSpPr>
-          <p:spPr>
-            <a:xfrm flipV="1">
-              <a:off x="5004048" y="5303216"/>
-              <a:ext cx="0" cy="303290"/>
-            </a:xfrm>
-            <a:prstGeom prst="straightConnector1">
-              <a:avLst/>
-            </a:prstGeom>
-            <a:ln w="22225">
-              <a:solidFill>
-                <a:srgbClr val="0000FF"/>
-              </a:solidFill>
-              <a:tailEnd type="triangle"/>
-            </a:ln>
-          </p:spPr>
-          <p:style>
-            <a:lnRef idx="1">
-              <a:schemeClr val="accent1"/>
-            </a:lnRef>
-            <a:fillRef idx="0">
-              <a:schemeClr val="accent1"/>
-            </a:fillRef>
-            <a:effectRef idx="0">
-              <a:schemeClr val="accent1"/>
-            </a:effectRef>
-            <a:fontRef idx="minor">
-              <a:schemeClr val="tx1"/>
-            </a:fontRef>
-          </p:style>
-        </p:cxnSp>
-        <p:cxnSp>
-          <p:nvCxnSpPr>
-            <p:cNvPr id="112" name="Straight Arrow Connector 111">
-              <a:extLst>
-                <a:ext uri="{FF2B5EF4-FFF2-40B4-BE49-F238E27FC236}">
-                  <a16:creationId xmlns:a16="http://schemas.microsoft.com/office/drawing/2014/main" id="{AF569078-F334-430B-8950-9BEB338AB6EA}"/>
-                </a:ext>
-              </a:extLst>
-            </p:cNvPr>
-            <p:cNvCxnSpPr>
-              <a:cxnSpLocks/>
-            </p:cNvCxnSpPr>
-            <p:nvPr/>
-          </p:nvCxnSpPr>
-          <p:spPr>
-            <a:xfrm flipV="1">
-              <a:off x="4355975" y="5303216"/>
-              <a:ext cx="1" cy="303290"/>
-            </a:xfrm>
-            <a:prstGeom prst="straightConnector1">
-              <a:avLst/>
-            </a:prstGeom>
-            <a:ln w="22225">
-              <a:solidFill>
-                <a:srgbClr val="0000FF"/>
-              </a:solidFill>
-              <a:tailEnd type="triangle"/>
-            </a:ln>
-          </p:spPr>
-          <p:style>
-            <a:lnRef idx="1">
-              <a:schemeClr val="accent1"/>
-            </a:lnRef>
-            <a:fillRef idx="0">
-              <a:schemeClr val="accent1"/>
-            </a:fillRef>
-            <a:effectRef idx="0">
-              <a:schemeClr val="accent1"/>
-            </a:effectRef>
-            <a:fontRef idx="minor">
-              <a:schemeClr val="tx1"/>
-            </a:fontRef>
-          </p:style>
-        </p:cxnSp>
-        <p:cxnSp>
-          <p:nvCxnSpPr>
-            <p:cNvPr id="113" name="Straight Arrow Connector 112">
-              <a:extLst>
-                <a:ext uri="{FF2B5EF4-FFF2-40B4-BE49-F238E27FC236}">
-                  <a16:creationId xmlns:a16="http://schemas.microsoft.com/office/drawing/2014/main" id="{9894B322-EF50-40E0-8415-FD1EB8F34947}"/>
-                </a:ext>
-              </a:extLst>
-            </p:cNvPr>
-            <p:cNvCxnSpPr>
-              <a:cxnSpLocks/>
-            </p:cNvCxnSpPr>
-            <p:nvPr/>
-          </p:nvCxnSpPr>
-          <p:spPr>
-            <a:xfrm flipV="1">
-              <a:off x="3703144" y="5301208"/>
-              <a:ext cx="0" cy="303290"/>
-            </a:xfrm>
-            <a:prstGeom prst="straightConnector1">
-              <a:avLst/>
-            </a:prstGeom>
-            <a:ln w="22225">
-              <a:solidFill>
-                <a:srgbClr val="0000FF"/>
-              </a:solidFill>
-              <a:tailEnd type="triangle"/>
-            </a:ln>
-          </p:spPr>
-          <p:style>
-            <a:lnRef idx="1">
-              <a:schemeClr val="accent1"/>
-            </a:lnRef>
-            <a:fillRef idx="0">
-              <a:schemeClr val="accent1"/>
-            </a:fillRef>
-            <a:effectRef idx="0">
-              <a:schemeClr val="accent1"/>
-            </a:effectRef>
-            <a:fontRef idx="minor">
-              <a:schemeClr val="tx1"/>
-            </a:fontRef>
-          </p:style>
-        </p:cxnSp>
-        <p:sp>
-          <p:nvSpPr>
-            <p:cNvPr id="114" name="TextBox 113">
-              <a:extLst>
-                <a:ext uri="{FF2B5EF4-FFF2-40B4-BE49-F238E27FC236}">
-                  <a16:creationId xmlns:a16="http://schemas.microsoft.com/office/drawing/2014/main" id="{E9064D73-DA84-45E4-878F-355289241361}"/>
-                </a:ext>
-              </a:extLst>
-            </p:cNvPr>
-            <p:cNvSpPr txBox="1"/>
-            <p:nvPr/>
-          </p:nvSpPr>
-          <p:spPr>
-            <a:xfrm>
-              <a:off x="3556318" y="5087192"/>
-              <a:ext cx="820096" cy="276999"/>
-            </a:xfrm>
-            <a:prstGeom prst="rect">
-              <a:avLst/>
-            </a:prstGeom>
-            <a:noFill/>
-          </p:spPr>
-          <p:txBody>
-            <a:bodyPr wrap="none" rtlCol="0">
-              <a:spAutoFit/>
-            </a:bodyPr>
-            <a:lstStyle/>
-            <a:p>
-              <a:r>
-                <a:rPr lang="en-US" sz="1200" dirty="0">
-                  <a:solidFill>
-                    <a:srgbClr val="0000FF"/>
-                  </a:solidFill>
-                </a:rPr>
-                <a:t>Hard Wire</a:t>
-              </a:r>
-            </a:p>
-          </p:txBody>
-        </p:sp>
-        <p:sp>
-          <p:nvSpPr>
-            <p:cNvPr id="115" name="Arrow: Down 114">
-              <a:extLst>
-                <a:ext uri="{FF2B5EF4-FFF2-40B4-BE49-F238E27FC236}">
-                  <a16:creationId xmlns:a16="http://schemas.microsoft.com/office/drawing/2014/main" id="{8CFCE75F-7AA7-4BF3-B044-4770D3A70008}"/>
-                </a:ext>
-              </a:extLst>
-            </p:cNvPr>
-            <p:cNvSpPr/>
-            <p:nvPr/>
-          </p:nvSpPr>
-          <p:spPr>
-            <a:xfrm rot="10800000">
-              <a:off x="4376411" y="4924679"/>
-              <a:ext cx="432391" cy="325021"/>
-            </a:xfrm>
-            <a:prstGeom prst="downArrow">
-              <a:avLst/>
-            </a:prstGeom>
-            <a:noFill/>
-            <a:ln w="19050">
-              <a:solidFill>
-                <a:srgbClr val="0000FF"/>
-              </a:solidFill>
-            </a:ln>
-          </p:spPr>
-          <p:style>
-            <a:lnRef idx="2">
-              <a:schemeClr val="accent1">
-                <a:shade val="50000"/>
-              </a:schemeClr>
-            </a:lnRef>
-            <a:fillRef idx="1">
-              <a:schemeClr val="accent1"/>
-            </a:fillRef>
-            <a:effectRef idx="0">
-              <a:schemeClr val="accent1"/>
-            </a:effectRef>
-            <a:fontRef idx="minor">
-              <a:schemeClr val="lt1"/>
-            </a:fontRef>
-          </p:style>
-          <p:txBody>
-            <a:bodyPr rtlCol="0" anchor="ctr"/>
-            <a:lstStyle/>
-            <a:p>
-              <a:pPr algn="ctr"/>
-              <a:endParaRPr lang="en-ID"/>
-            </a:p>
-          </p:txBody>
-        </p:sp>
-        <p:cxnSp>
-          <p:nvCxnSpPr>
-            <p:cNvPr id="116" name="Straight Arrow Connector 115">
-              <a:extLst>
-                <a:ext uri="{FF2B5EF4-FFF2-40B4-BE49-F238E27FC236}">
-                  <a16:creationId xmlns:a16="http://schemas.microsoft.com/office/drawing/2014/main" id="{8E0EBC89-8ED8-4F07-B552-FDDF03B2E41D}"/>
-                </a:ext>
-              </a:extLst>
-            </p:cNvPr>
-            <p:cNvCxnSpPr>
-              <a:cxnSpLocks/>
-              <a:stCxn id="100" idx="0"/>
-              <a:endCxn id="97" idx="2"/>
-            </p:cNvCxnSpPr>
-            <p:nvPr/>
-          </p:nvCxnSpPr>
-          <p:spPr>
-            <a:xfrm flipH="1" flipV="1">
-              <a:off x="4001006" y="3560468"/>
-              <a:ext cx="448719" cy="598317"/>
-            </a:xfrm>
-            <a:prstGeom prst="straightConnector1">
-              <a:avLst/>
-            </a:prstGeom>
-            <a:ln w="22225">
-              <a:solidFill>
-                <a:srgbClr val="008000"/>
-              </a:solidFill>
-              <a:headEnd type="stealth"/>
-              <a:tailEnd type="stealth"/>
-            </a:ln>
-          </p:spPr>
-          <p:style>
-            <a:lnRef idx="1">
-              <a:schemeClr val="accent1"/>
-            </a:lnRef>
-            <a:fillRef idx="0">
-              <a:schemeClr val="accent1"/>
-            </a:fillRef>
-            <a:effectRef idx="0">
-              <a:schemeClr val="accent1"/>
-            </a:effectRef>
-            <a:fontRef idx="minor">
-              <a:schemeClr val="tx1"/>
-            </a:fontRef>
-          </p:style>
-        </p:cxnSp>
-        <p:sp>
-          <p:nvSpPr>
-            <p:cNvPr id="117" name="TextBox 116">
-              <a:extLst>
-                <a:ext uri="{FF2B5EF4-FFF2-40B4-BE49-F238E27FC236}">
-                  <a16:creationId xmlns:a16="http://schemas.microsoft.com/office/drawing/2014/main" id="{DC4F584F-869A-4EC5-BD3F-B43D6F04B109}"/>
-                </a:ext>
-              </a:extLst>
-            </p:cNvPr>
-            <p:cNvSpPr txBox="1"/>
-            <p:nvPr/>
-          </p:nvSpPr>
-          <p:spPr>
-            <a:xfrm>
-              <a:off x="3396636" y="3675937"/>
-              <a:ext cx="820096" cy="461665"/>
-            </a:xfrm>
-            <a:prstGeom prst="rect">
-              <a:avLst/>
-            </a:prstGeom>
-            <a:noFill/>
-          </p:spPr>
-          <p:txBody>
-            <a:bodyPr wrap="none" rtlCol="0">
-              <a:spAutoFit/>
-            </a:bodyPr>
-            <a:lstStyle/>
-            <a:p>
-              <a:r>
-                <a:rPr lang="en-US" sz="1200" dirty="0">
-                  <a:solidFill>
-                    <a:srgbClr val="008000"/>
-                  </a:solidFill>
-                </a:rPr>
-                <a:t>Hard Wire</a:t>
-              </a:r>
-            </a:p>
-            <a:p>
-              <a:pPr algn="ctr"/>
-              <a:r>
-                <a:rPr lang="en-US" sz="1200" dirty="0">
-                  <a:solidFill>
-                    <a:srgbClr val="008000"/>
-                  </a:solidFill>
-                </a:rPr>
-                <a:t>Serial</a:t>
-              </a:r>
-            </a:p>
-          </p:txBody>
-        </p:sp>
-        <p:pic>
-          <p:nvPicPr>
-            <p:cNvPr id="118" name="Picture 2">
-              <a:extLst>
-                <a:ext uri="{FF2B5EF4-FFF2-40B4-BE49-F238E27FC236}">
-                  <a16:creationId xmlns:a16="http://schemas.microsoft.com/office/drawing/2014/main" id="{7EAFE767-B908-419E-B4E7-05DAB402B5BB}"/>
-                </a:ext>
-              </a:extLst>
-            </p:cNvPr>
-            <p:cNvPicPr>
-              <a:picLocks noChangeAspect="1" noChangeArrowheads="1"/>
-            </p:cNvPicPr>
-            <p:nvPr/>
-          </p:nvPicPr>
-          <p:blipFill>
-            <a:blip r:embed="rId7" cstate="email">
-              <a:extLst>
-                <a:ext uri="{28A0092B-C50C-407E-A947-70E740481C1C}">
-                  <a14:useLocalDpi xmlns:a14="http://schemas.microsoft.com/office/drawing/2010/main" val="0"/>
-                </a:ext>
-              </a:extLst>
-            </a:blip>
-            <a:srcRect/>
-            <a:stretch>
-              <a:fillRect/>
-            </a:stretch>
-          </p:blipFill>
-          <p:spPr bwMode="auto">
-            <a:xfrm rot="5400000">
-              <a:off x="4712981" y="5821246"/>
-              <a:ext cx="620765" cy="182647"/>
-            </a:xfrm>
-            <a:prstGeom prst="rect">
-              <a:avLst/>
-            </a:prstGeom>
-            <a:noFill/>
-            <a:ln>
-              <a:noFill/>
-            </a:ln>
-            <a:effectLst/>
-            <a:extLst>
-              <a:ext uri="{909E8E84-426E-40DD-AFC4-6F175D3DCCD1}">
-                <a14:hiddenFill xmlns:a14="http://schemas.microsoft.com/office/drawing/2010/main">
-                  <a:solidFill>
-                    <a:schemeClr val="accent1"/>
-                  </a:solidFill>
-                </a14:hiddenFill>
-              </a:ext>
-              <a:ext uri="{91240B29-F687-4F45-9708-019B960494DF}">
-                <a14:hiddenLine xmlns:a14="http://schemas.microsoft.com/office/drawing/2010/main" w="9525">
-                  <a:solidFill>
-                    <a:schemeClr val="tx1"/>
-                  </a:solidFill>
-                  <a:miter lim="800000"/>
-                  <a:headEnd/>
-                  <a:tailEnd/>
-                </a14:hiddenLine>
-              </a:ext>
-              <a:ext uri="{AF507438-7753-43E0-B8FC-AC1667EBCBE1}">
-                <a14:hiddenEffects xmlns:a14="http://schemas.microsoft.com/office/drawing/2010/main">
-                  <a:effectLst>
-                    <a:outerShdw dist="35921" dir="2700000" algn="ctr" rotWithShape="0">
-                      <a:schemeClr val="bg2"/>
-                    </a:outerShdw>
-                  </a:effectLst>
-                </a14:hiddenEffects>
-              </a:ext>
-            </a:extLst>
-          </p:spPr>
-        </p:pic>
-        <p:grpSp>
-          <p:nvGrpSpPr>
-            <p:cNvPr id="13" name="Group 12">
-              <a:extLst>
-                <a:ext uri="{FF2B5EF4-FFF2-40B4-BE49-F238E27FC236}">
-                  <a16:creationId xmlns:a16="http://schemas.microsoft.com/office/drawing/2014/main" id="{DD9AE47D-D12F-4154-BB04-4D3D34BE33AE}"/>
-                </a:ext>
-              </a:extLst>
-            </p:cNvPr>
-            <p:cNvGrpSpPr/>
-            <p:nvPr/>
-          </p:nvGrpSpPr>
-          <p:grpSpPr>
-            <a:xfrm>
-              <a:off x="5145033" y="5544651"/>
-              <a:ext cx="435079" cy="735835"/>
-              <a:chOff x="2159253" y="548680"/>
-              <a:chExt cx="408864" cy="1462350"/>
-            </a:xfrm>
-          </p:grpSpPr>
-          <p:pic>
-            <p:nvPicPr>
-              <p:cNvPr id="119" name="Picture 118">
-                <a:extLst>
-                  <a:ext uri="{FF2B5EF4-FFF2-40B4-BE49-F238E27FC236}">
-                    <a16:creationId xmlns:a16="http://schemas.microsoft.com/office/drawing/2014/main" id="{8569128C-0619-4279-963D-AE7C028B50F8}"/>
-                  </a:ext>
-                </a:extLst>
-              </p:cNvPr>
-              <p:cNvPicPr/>
-              <p:nvPr/>
-            </p:nvPicPr>
-            <p:blipFill>
-              <a:blip r:embed="rId8"/>
-              <a:stretch>
-                <a:fillRect/>
-              </a:stretch>
-            </p:blipFill>
-            <p:spPr>
-              <a:xfrm>
-                <a:off x="2159253" y="1044386"/>
-                <a:ext cx="402231" cy="463429"/>
-              </a:xfrm>
-              <a:prstGeom prst="rect">
-                <a:avLst/>
-              </a:prstGeom>
-            </p:spPr>
-          </p:pic>
-          <p:pic>
-            <p:nvPicPr>
-              <p:cNvPr id="120" name="Picture 119">
-                <a:extLst>
-                  <a:ext uri="{FF2B5EF4-FFF2-40B4-BE49-F238E27FC236}">
-                    <a16:creationId xmlns:a16="http://schemas.microsoft.com/office/drawing/2014/main" id="{8B747FC8-E2F4-4A4F-A22C-CE38FE1C73EE}"/>
-                  </a:ext>
-                </a:extLst>
-              </p:cNvPr>
-              <p:cNvPicPr/>
-              <p:nvPr/>
-            </p:nvPicPr>
-            <p:blipFill>
-              <a:blip r:embed="rId8"/>
-              <a:stretch>
-                <a:fillRect/>
-              </a:stretch>
-            </p:blipFill>
-            <p:spPr>
-              <a:xfrm>
-                <a:off x="2161663" y="548680"/>
-                <a:ext cx="402231" cy="463429"/>
-              </a:xfrm>
-              <a:prstGeom prst="rect">
-                <a:avLst/>
-              </a:prstGeom>
-            </p:spPr>
-          </p:pic>
-          <p:pic>
-            <p:nvPicPr>
-              <p:cNvPr id="121" name="Picture 120">
-                <a:extLst>
-                  <a:ext uri="{FF2B5EF4-FFF2-40B4-BE49-F238E27FC236}">
-                    <a16:creationId xmlns:a16="http://schemas.microsoft.com/office/drawing/2014/main" id="{C5D34CA6-4297-482B-89D7-F88D49D89624}"/>
-                  </a:ext>
-                </a:extLst>
-              </p:cNvPr>
-              <p:cNvPicPr/>
-              <p:nvPr/>
-            </p:nvPicPr>
-            <p:blipFill>
-              <a:blip r:embed="rId8"/>
-              <a:stretch>
-                <a:fillRect/>
-              </a:stretch>
-            </p:blipFill>
-            <p:spPr>
-              <a:xfrm>
-                <a:off x="2165886" y="1547601"/>
-                <a:ext cx="402231" cy="463429"/>
-              </a:xfrm>
-              <a:prstGeom prst="rect">
-                <a:avLst/>
-              </a:prstGeom>
-            </p:spPr>
-          </p:pic>
-        </p:grpSp>
-        <p:pic>
-          <p:nvPicPr>
-            <p:cNvPr id="122" name="Picture 121">
-              <a:extLst>
-                <a:ext uri="{FF2B5EF4-FFF2-40B4-BE49-F238E27FC236}">
-                  <a16:creationId xmlns:a16="http://schemas.microsoft.com/office/drawing/2014/main" id="{B162C919-E530-41D0-B8DE-285A262718DC}"/>
+                  <a16:creationId xmlns:a16="http://schemas.microsoft.com/office/drawing/2014/main" xmlns="" id="{C5D34CA6-4297-482B-89D7-F88D49D89624}"/>
                 </a:ext>
               </a:extLst>
             </p:cNvPr>
@@ -9093,15 +9049,15 @@
             <p:nvPr/>
           </p:nvPicPr>
           <p:blipFill>
-            <a:blip r:embed="rId9"/>
+            <a:blip r:embed="rId7"/>
             <a:stretch>
               <a:fillRect/>
             </a:stretch>
           </p:blipFill>
           <p:spPr>
             <a:xfrm>
-              <a:off x="4011075" y="5634369"/>
-              <a:ext cx="737513" cy="573934"/>
+              <a:off x="2165886" y="1547601"/>
+              <a:ext cx="402231" cy="463429"/>
             </a:xfrm>
             <a:prstGeom prst="rect">
               <a:avLst/>
@@ -9109,12 +9065,40 @@
           </p:spPr>
         </p:pic>
       </p:grpSp>
+      <p:pic>
+        <p:nvPicPr>
+          <p:cNvPr id="122" name="Picture 121">
+            <a:extLst>
+              <a:ext uri="{FF2B5EF4-FFF2-40B4-BE49-F238E27FC236}">
+                <a16:creationId xmlns:a16="http://schemas.microsoft.com/office/drawing/2014/main" xmlns="" id="{B162C919-E530-41D0-B8DE-285A262718DC}"/>
+              </a:ext>
+            </a:extLst>
+          </p:cNvPr>
+          <p:cNvPicPr/>
+          <p:nvPr/>
+        </p:nvPicPr>
+        <p:blipFill>
+          <a:blip r:embed="rId8"/>
+          <a:stretch>
+            <a:fillRect/>
+          </a:stretch>
+        </p:blipFill>
+        <p:spPr>
+          <a:xfrm>
+            <a:off x="3645951" y="5306291"/>
+            <a:ext cx="737513" cy="573934"/>
+          </a:xfrm>
+          <a:prstGeom prst="rect">
+            <a:avLst/>
+          </a:prstGeom>
+        </p:spPr>
+      </p:pic>
       <p:sp>
         <p:nvSpPr>
           <p:cNvPr id="171" name="TextBox 170">
             <a:extLst>
               <a:ext uri="{FF2B5EF4-FFF2-40B4-BE49-F238E27FC236}">
-                <a16:creationId xmlns:a16="http://schemas.microsoft.com/office/drawing/2014/main" id="{D3D2C1E7-A24B-4E4F-9338-4E3CC945B96E}"/>
+                <a16:creationId xmlns:a16="http://schemas.microsoft.com/office/drawing/2014/main" xmlns="" id="{D3D2C1E7-A24B-4E4F-9338-4E3CC945B96E}"/>
               </a:ext>
             </a:extLst>
           </p:cNvPr>
@@ -9161,7 +9145,7 @@
           <p:cNvPr id="89" name="TextBox 88">
             <a:extLst>
               <a:ext uri="{FF2B5EF4-FFF2-40B4-BE49-F238E27FC236}">
-                <a16:creationId xmlns:a16="http://schemas.microsoft.com/office/drawing/2014/main" id="{FD499B9D-6F6A-48F3-A26C-7095543087F4}"/>
+                <a16:creationId xmlns:a16="http://schemas.microsoft.com/office/drawing/2014/main" xmlns="" id="{FD499B9D-6F6A-48F3-A26C-7095543087F4}"/>
               </a:ext>
             </a:extLst>
           </p:cNvPr>
@@ -9244,7 +9228,7 @@
           <p:cNvPr id="27" name="TextBox 26">
             <a:extLst>
               <a:ext uri="{FF2B5EF4-FFF2-40B4-BE49-F238E27FC236}">
-                <a16:creationId xmlns:a16="http://schemas.microsoft.com/office/drawing/2014/main" id="{B250D357-4F1F-4D5E-88FD-1C5A02A91117}"/>
+                <a16:creationId xmlns:a16="http://schemas.microsoft.com/office/drawing/2014/main" xmlns="" id="{B250D357-4F1F-4D5E-88FD-1C5A02A91117}"/>
               </a:ext>
             </a:extLst>
           </p:cNvPr>
@@ -9253,8 +9237,8 @@
         </p:nvSpPr>
         <p:spPr>
           <a:xfrm>
-            <a:off x="4011471" y="3584049"/>
-            <a:ext cx="1136593" cy="276999"/>
+            <a:off x="4011471" y="3356992"/>
+            <a:ext cx="1095493" cy="461665"/>
           </a:xfrm>
           <a:prstGeom prst="rect">
             <a:avLst/>
@@ -9267,17 +9251,122 @@
           </a:bodyPr>
           <a:lstStyle/>
           <a:p>
+            <a:pPr algn="ctr"/>
+            <a:r>
+              <a:rPr lang="en-US" sz="1200" b="1" dirty="0" err="1">
+                <a:solidFill>
+                  <a:srgbClr val="0000FF"/>
+                </a:solidFill>
+              </a:rPr>
+              <a:t>Arduino</a:t>
+            </a:r>
             <a:r>
               <a:rPr lang="en-US" sz="1200" b="1" dirty="0">
                 <a:solidFill>
                   <a:srgbClr val="0000FF"/>
                 </a:solidFill>
               </a:rPr>
-              <a:t>Arduino NANO</a:t>
-            </a:r>
-          </a:p>
-        </p:txBody>
-      </p:sp>
+              <a:t> </a:t>
+            </a:r>
+            <a:r>
+              <a:rPr lang="en-US" sz="1200" b="1" dirty="0" smtClean="0">
+                <a:solidFill>
+                  <a:srgbClr val="0000FF"/>
+                </a:solidFill>
+              </a:rPr>
+              <a:t>Mega</a:t>
+            </a:r>
+          </a:p>
+          <a:p>
+            <a:pPr algn="ctr"/>
+            <a:r>
+              <a:rPr lang="en-ID" sz="1200" b="1" dirty="0" err="1" smtClean="0">
+                <a:solidFill>
+                  <a:srgbClr val="0000FF"/>
+                </a:solidFill>
+              </a:rPr>
+              <a:t>Lcd</a:t>
+            </a:r>
+            <a:r>
+              <a:rPr lang="en-ID" sz="1200" b="1" dirty="0" smtClean="0">
+                <a:solidFill>
+                  <a:srgbClr val="0000FF"/>
+                </a:solidFill>
+              </a:rPr>
+              <a:t> Keypad</a:t>
+            </a:r>
+            <a:endParaRPr lang="en-US" sz="1200" b="1" dirty="0">
+              <a:solidFill>
+                <a:srgbClr val="0000FF"/>
+              </a:solidFill>
+            </a:endParaRPr>
+          </a:p>
+        </p:txBody>
+      </p:sp>
+      <p:pic>
+        <p:nvPicPr>
+          <p:cNvPr id="1026" name="Picture 2"/>
+          <p:cNvPicPr>
+            <a:picLocks noChangeAspect="1" noChangeArrowheads="1"/>
+          </p:cNvPicPr>
+          <p:nvPr/>
+        </p:nvPicPr>
+        <p:blipFill>
+          <a:blip r:embed="rId9" cstate="email">
+            <a:extLst>
+              <a:ext uri="{28A0092B-C50C-407E-A947-70E740481C1C}">
+                <a14:useLocalDpi xmlns:a14="http://schemas.microsoft.com/office/drawing/2010/main" val="0"/>
+              </a:ext>
+            </a:extLst>
+          </a:blip>
+          <a:srcRect/>
+          <a:stretch>
+            <a:fillRect/>
+          </a:stretch>
+        </p:blipFill>
+        <p:spPr bwMode="auto">
+          <a:xfrm>
+            <a:off x="3481104" y="3880134"/>
+            <a:ext cx="1378928" cy="700994"/>
+          </a:xfrm>
+          <a:prstGeom prst="rect">
+            <a:avLst/>
+          </a:prstGeom>
+          <a:noFill/>
+          <a:ln>
+            <a:noFill/>
+          </a:ln>
+          <a:effectLst/>
+          <a:extLst>
+            <a:ext uri="{909E8E84-426E-40DD-AFC4-6F175D3DCCD1}">
+              <a14:hiddenFill xmlns:a14="http://schemas.microsoft.com/office/drawing/2010/main">
+                <a:solidFill>
+                  <a:schemeClr val="accent1"/>
+                </a:solidFill>
+              </a14:hiddenFill>
+            </a:ext>
+            <a:ext uri="{91240B29-F687-4F45-9708-019B960494DF}">
+              <a14:hiddenLine xmlns:a14="http://schemas.microsoft.com/office/drawing/2010/main" w="9525">
+                <a:solidFill>
+                  <a:schemeClr val="tx1"/>
+                </a:solidFill>
+                <a:miter lim="800000"/>
+                <a:headEnd/>
+                <a:tailEnd/>
+              </a14:hiddenLine>
+            </a:ext>
+            <a:ext uri="{AF507438-7753-43E0-B8FC-AC1667EBCBE1}">
+              <a14:hiddenEffects xmlns:a14="http://schemas.microsoft.com/office/drawing/2010/main">
+                <a:effectLst>
+                  <a:outerShdw dist="35921" dir="2700000" algn="ctr" rotWithShape="0">
+                    <a:schemeClr val="bg2"/>
+                  </a:outerShdw>
+                </a:effectLst>
+              </a14:hiddenEffects>
+            </a:ext>
+          </a:extLst>
+        </p:spPr>
+      </p:pic>
     </p:spTree>
     <p:extLst>
       <p:ext uri="{BB962C8B-B14F-4D97-AF65-F5344CB8AC3E}">
